--- a/miscellaneous/presentations/20200715_syncell_mtg.pptx
+++ b/miscellaneous/presentations/20200715_syncell_mtg.pptx
@@ -3502,7 +3502,7 @@
           </a:p>
           <a:p>
             <a:r>
-              <a:rPr lang="en-US" dirty="0"/>
+              <a:rPr lang="en-US" b="1" dirty="0"/>
               <a:t>Should you try this in biocrnpyler/bioscrape for the time being?</a:t>
             </a:r>
           </a:p>
@@ -3580,9 +3580,17 @@
               <a:t>Gro?chemostat</a:t>
             </a:r>
             <a:r>
-              <a:rPr lang="en-US"/>
+              <a:rPr lang="en-US" dirty="0"/>
               <a:t>?</a:t>
             </a:r>
+          </a:p>
+          <a:p>
+            <a:pPr lvl="1"/>
+            <a:endParaRPr lang="en-US" dirty="0"/>
+          </a:p>
+          <a:p>
+            <a:pPr lvl="1"/>
+            <a:endParaRPr lang="en-US" dirty="0"/>
           </a:p>
           <a:p>
             <a:endParaRPr lang="en-US" dirty="0"/>

--- a/miscellaneous/presentations/20200715_syncell_mtg.pptx
+++ b/miscellaneous/presentations/20200715_syncell_mtg.pptx
@@ -263,7 +263,7 @@
           <a:p>
             <a:fld id="{3B3400CD-7287-EA41-97B8-6C373A830532}" type="datetimeFigureOut">
               <a:rPr lang="en-US" smtClean="0"/>
-              <a:t>7/6/20</a:t>
+              <a:t>7/8/20</a:t>
             </a:fld>
             <a:endParaRPr lang="en-US"/>
           </a:p>
@@ -461,7 +461,7 @@
           <a:p>
             <a:fld id="{3B3400CD-7287-EA41-97B8-6C373A830532}" type="datetimeFigureOut">
               <a:rPr lang="en-US" smtClean="0"/>
-              <a:t>7/6/20</a:t>
+              <a:t>7/8/20</a:t>
             </a:fld>
             <a:endParaRPr lang="en-US"/>
           </a:p>
@@ -669,7 +669,7 @@
           <a:p>
             <a:fld id="{3B3400CD-7287-EA41-97B8-6C373A830532}" type="datetimeFigureOut">
               <a:rPr lang="en-US" smtClean="0"/>
-              <a:t>7/6/20</a:t>
+              <a:t>7/8/20</a:t>
             </a:fld>
             <a:endParaRPr lang="en-US"/>
           </a:p>
@@ -869,7 +869,7 @@
           <a:p>
             <a:fld id="{3B3400CD-7287-EA41-97B8-6C373A830532}" type="datetimeFigureOut">
               <a:rPr lang="en-US" smtClean="0"/>
-              <a:t>7/6/20</a:t>
+              <a:t>7/8/20</a:t>
             </a:fld>
             <a:endParaRPr lang="en-US"/>
           </a:p>
@@ -1144,7 +1144,7 @@
           <a:p>
             <a:fld id="{3B3400CD-7287-EA41-97B8-6C373A830532}" type="datetimeFigureOut">
               <a:rPr lang="en-US" smtClean="0"/>
-              <a:t>7/6/20</a:t>
+              <a:t>7/8/20</a:t>
             </a:fld>
             <a:endParaRPr lang="en-US"/>
           </a:p>
@@ -1409,7 +1409,7 @@
           <a:p>
             <a:fld id="{3B3400CD-7287-EA41-97B8-6C373A830532}" type="datetimeFigureOut">
               <a:rPr lang="en-US" smtClean="0"/>
-              <a:t>7/6/20</a:t>
+              <a:t>7/8/20</a:t>
             </a:fld>
             <a:endParaRPr lang="en-US"/>
           </a:p>
@@ -1821,7 +1821,7 @@
           <a:p>
             <a:fld id="{3B3400CD-7287-EA41-97B8-6C373A830532}" type="datetimeFigureOut">
               <a:rPr lang="en-US" smtClean="0"/>
-              <a:t>7/6/20</a:t>
+              <a:t>7/8/20</a:t>
             </a:fld>
             <a:endParaRPr lang="en-US"/>
           </a:p>
@@ -1962,7 +1962,7 @@
           <a:p>
             <a:fld id="{3B3400CD-7287-EA41-97B8-6C373A830532}" type="datetimeFigureOut">
               <a:rPr lang="en-US" smtClean="0"/>
-              <a:t>7/6/20</a:t>
+              <a:t>7/8/20</a:t>
             </a:fld>
             <a:endParaRPr lang="en-US"/>
           </a:p>
@@ -2075,7 +2075,7 @@
           <a:p>
             <a:fld id="{3B3400CD-7287-EA41-97B8-6C373A830532}" type="datetimeFigureOut">
               <a:rPr lang="en-US" smtClean="0"/>
-              <a:t>7/6/20</a:t>
+              <a:t>7/8/20</a:t>
             </a:fld>
             <a:endParaRPr lang="en-US"/>
           </a:p>
@@ -2386,7 +2386,7 @@
           <a:p>
             <a:fld id="{3B3400CD-7287-EA41-97B8-6C373A830532}" type="datetimeFigureOut">
               <a:rPr lang="en-US" smtClean="0"/>
-              <a:t>7/6/20</a:t>
+              <a:t>7/8/20</a:t>
             </a:fld>
             <a:endParaRPr lang="en-US"/>
           </a:p>
@@ -2677,7 +2677,7 @@
           <a:p>
             <a:fld id="{3B3400CD-7287-EA41-97B8-6C373A830532}" type="datetimeFigureOut">
               <a:rPr lang="en-US" smtClean="0"/>
-              <a:t>7/6/20</a:t>
+              <a:t>7/8/20</a:t>
             </a:fld>
             <a:endParaRPr lang="en-US"/>
           </a:p>
@@ -2920,7 +2920,7 @@
           <a:p>
             <a:fld id="{3B3400CD-7287-EA41-97B8-6C373A830532}" type="datetimeFigureOut">
               <a:rPr lang="en-US" smtClean="0"/>
-              <a:t>7/6/20</a:t>
+              <a:t>7/8/20</a:t>
             </a:fld>
             <a:endParaRPr lang="en-US"/>
           </a:p>
@@ -3475,7 +3475,9 @@
         </p:nvSpPr>
         <p:spPr/>
         <p:txBody>
-          <a:bodyPr/>
+          <a:bodyPr>
+            <a:normAutofit fontScale="92500" lnSpcReduction="10000"/>
+          </a:bodyPr>
           <a:lstStyle/>
           <a:p>
             <a:r>
@@ -3493,11 +3495,20 @@
               <a:rPr lang="en-US" dirty="0"/>
               <a:t>Comparison between outputs of reduced and unreduced model</a:t>
             </a:r>
+            <a:r>
+              <a:rPr lang="en-US" dirty="0">
+                <a:solidFill>
+                  <a:srgbClr val="FF0000"/>
+                </a:solidFill>
+              </a:rPr>
+              <a:t> not good</a:t>
+            </a:r>
+            <a:endParaRPr lang="en-US" dirty="0"/>
           </a:p>
           <a:p>
             <a:r>
               <a:rPr lang="en-US" dirty="0"/>
-              <a:t>Model reduced model with appropriate parameters?</a:t>
+              <a:t>Model reduced model with appropriate parameters? </a:t>
             </a:r>
           </a:p>
           <a:p>
@@ -3507,6 +3518,12 @@
             </a:r>
           </a:p>
           <a:p>
+            <a:r>
+              <a:rPr lang="en-US" dirty="0"/>
+              <a:t>Maybe show some minimal model things</a:t>
+            </a:r>
+          </a:p>
+          <a:p>
             <a:endParaRPr lang="en-US" dirty="0"/>
           </a:p>
         </p:txBody>
@@ -3529,7 +3546,9 @@
         </p:nvSpPr>
         <p:spPr/>
         <p:txBody>
-          <a:bodyPr/>
+          <a:bodyPr>
+            <a:normAutofit fontScale="92500" lnSpcReduction="10000"/>
+          </a:bodyPr>
           <a:lstStyle/>
           <a:p>
             <a:r>
@@ -3580,9 +3599,13 @@
               <a:t>Gro?chemostat</a:t>
             </a:r>
             <a:r>
-              <a:rPr lang="en-US" dirty="0"/>
+              <a:rPr lang="en-US"/>
               <a:t>?</a:t>
             </a:r>
+          </a:p>
+          <a:p>
+            <a:pPr lvl="1"/>
+            <a:endParaRPr lang="en-US" dirty="0"/>
           </a:p>
           <a:p>
             <a:pPr lvl="1"/>

--- a/miscellaneous/presentations/20200715_syncell_mtg.pptx
+++ b/miscellaneous/presentations/20200715_syncell_mtg.pptx
@@ -4,6 +4,9 @@
   <p:sldMasterIdLst>
     <p:sldMasterId id="2147483648" r:id="rId1"/>
   </p:sldMasterIdLst>
+  <p:notesMasterIdLst>
+    <p:notesMasterId r:id="rId6"/>
+  </p:notesMasterIdLst>
   <p:sldIdLst>
     <p:sldId id="256" r:id="rId2"/>
     <p:sldId id="259" r:id="rId3"/>
@@ -115,6 +118,488 @@
 </p:presentation>
 </file>
 
+<file path=ppt/notesMasters/notesMaster1.xml><?xml version="1.0" encoding="utf-8"?>
+<p:notesMaster xmlns:a="http://schemas.openxmlformats.org/drawingml/2006/main" xmlns:r="http://schemas.openxmlformats.org/officeDocument/2006/relationships" xmlns:p="http://schemas.openxmlformats.org/presentationml/2006/main">
+  <p:cSld>
+    <p:bg>
+      <p:bgRef idx="1001">
+        <a:schemeClr val="bg1"/>
+      </p:bgRef>
+    </p:bg>
+    <p:spTree>
+      <p:nvGrpSpPr>
+        <p:cNvPr id="1" name=""/>
+        <p:cNvGrpSpPr/>
+        <p:nvPr/>
+      </p:nvGrpSpPr>
+      <p:grpSpPr>
+        <a:xfrm>
+          <a:off x="0" y="0"/>
+          <a:ext cx="0" cy="0"/>
+          <a:chOff x="0" y="0"/>
+          <a:chExt cx="0" cy="0"/>
+        </a:xfrm>
+      </p:grpSpPr>
+      <p:sp>
+        <p:nvSpPr>
+          <p:cNvPr id="2" name="Header Placeholder 1"/>
+          <p:cNvSpPr>
+            <a:spLocks noGrp="1"/>
+          </p:cNvSpPr>
+          <p:nvPr>
+            <p:ph type="hdr" sz="quarter"/>
+          </p:nvPr>
+        </p:nvSpPr>
+        <p:spPr>
+          <a:xfrm>
+            <a:off x="0" y="0"/>
+            <a:ext cx="2971800" cy="458788"/>
+          </a:xfrm>
+          <a:prstGeom prst="rect">
+            <a:avLst/>
+          </a:prstGeom>
+        </p:spPr>
+        <p:txBody>
+          <a:bodyPr vert="horz" lIns="91440" tIns="45720" rIns="91440" bIns="45720" rtlCol="0"/>
+          <a:lstStyle>
+            <a:lvl1pPr algn="l">
+              <a:defRPr sz="1200"/>
+            </a:lvl1pPr>
+          </a:lstStyle>
+          <a:p>
+            <a:endParaRPr lang="en-US"/>
+          </a:p>
+        </p:txBody>
+      </p:sp>
+      <p:sp>
+        <p:nvSpPr>
+          <p:cNvPr id="3" name="Date Placeholder 2"/>
+          <p:cNvSpPr>
+            <a:spLocks noGrp="1"/>
+          </p:cNvSpPr>
+          <p:nvPr>
+            <p:ph type="dt" idx="1"/>
+          </p:nvPr>
+        </p:nvSpPr>
+        <p:spPr>
+          <a:xfrm>
+            <a:off x="3884613" y="0"/>
+            <a:ext cx="2971800" cy="458788"/>
+          </a:xfrm>
+          <a:prstGeom prst="rect">
+            <a:avLst/>
+          </a:prstGeom>
+        </p:spPr>
+        <p:txBody>
+          <a:bodyPr vert="horz" lIns="91440" tIns="45720" rIns="91440" bIns="45720" rtlCol="0"/>
+          <a:lstStyle>
+            <a:lvl1pPr algn="r">
+              <a:defRPr sz="1200"/>
+            </a:lvl1pPr>
+          </a:lstStyle>
+          <a:p>
+            <a:fld id="{B102B905-3FD8-2942-AB12-6B3360B55AB8}" type="datetimeFigureOut">
+              <a:rPr lang="en-US" smtClean="0"/>
+              <a:t>7/9/20</a:t>
+            </a:fld>
+            <a:endParaRPr lang="en-US"/>
+          </a:p>
+        </p:txBody>
+      </p:sp>
+      <p:sp>
+        <p:nvSpPr>
+          <p:cNvPr id="4" name="Slide Image Placeholder 3"/>
+          <p:cNvSpPr>
+            <a:spLocks noGrp="1" noRot="1" noChangeAspect="1"/>
+          </p:cNvSpPr>
+          <p:nvPr>
+            <p:ph type="sldImg" idx="2"/>
+          </p:nvPr>
+        </p:nvSpPr>
+        <p:spPr>
+          <a:xfrm>
+            <a:off x="685800" y="1143000"/>
+            <a:ext cx="5486400" cy="3086100"/>
+          </a:xfrm>
+          <a:prstGeom prst="rect">
+            <a:avLst/>
+          </a:prstGeom>
+          <a:noFill/>
+          <a:ln w="12700">
+            <a:solidFill>
+              <a:prstClr val="black"/>
+            </a:solidFill>
+          </a:ln>
+        </p:spPr>
+        <p:txBody>
+          <a:bodyPr vert="horz" lIns="91440" tIns="45720" rIns="91440" bIns="45720" rtlCol="0" anchor="ctr"/>
+          <a:lstStyle/>
+          <a:p>
+            <a:endParaRPr lang="en-US"/>
+          </a:p>
+        </p:txBody>
+      </p:sp>
+      <p:sp>
+        <p:nvSpPr>
+          <p:cNvPr id="5" name="Notes Placeholder 4"/>
+          <p:cNvSpPr>
+            <a:spLocks noGrp="1"/>
+          </p:cNvSpPr>
+          <p:nvPr>
+            <p:ph type="body" sz="quarter" idx="3"/>
+          </p:nvPr>
+        </p:nvSpPr>
+        <p:spPr>
+          <a:xfrm>
+            <a:off x="685800" y="4400550"/>
+            <a:ext cx="5486400" cy="3600450"/>
+          </a:xfrm>
+          <a:prstGeom prst="rect">
+            <a:avLst/>
+          </a:prstGeom>
+        </p:spPr>
+        <p:txBody>
+          <a:bodyPr vert="horz" lIns="91440" tIns="45720" rIns="91440" bIns="45720" rtlCol="0"/>
+          <a:lstStyle/>
+          <a:p>
+            <a:pPr lvl="0"/>
+            <a:r>
+              <a:rPr lang="en-US"/>
+              <a:t>Click to edit Master text styles</a:t>
+            </a:r>
+          </a:p>
+          <a:p>
+            <a:pPr lvl="1"/>
+            <a:r>
+              <a:rPr lang="en-US"/>
+              <a:t>Second level</a:t>
+            </a:r>
+          </a:p>
+          <a:p>
+            <a:pPr lvl="2"/>
+            <a:r>
+              <a:rPr lang="en-US"/>
+              <a:t>Third level</a:t>
+            </a:r>
+          </a:p>
+          <a:p>
+            <a:pPr lvl="3"/>
+            <a:r>
+              <a:rPr lang="en-US"/>
+              <a:t>Fourth level</a:t>
+            </a:r>
+          </a:p>
+          <a:p>
+            <a:pPr lvl="4"/>
+            <a:r>
+              <a:rPr lang="en-US"/>
+              <a:t>Fifth level</a:t>
+            </a:r>
+          </a:p>
+        </p:txBody>
+      </p:sp>
+      <p:sp>
+        <p:nvSpPr>
+          <p:cNvPr id="6" name="Footer Placeholder 5"/>
+          <p:cNvSpPr>
+            <a:spLocks noGrp="1"/>
+          </p:cNvSpPr>
+          <p:nvPr>
+            <p:ph type="ftr" sz="quarter" idx="4"/>
+          </p:nvPr>
+        </p:nvSpPr>
+        <p:spPr>
+          <a:xfrm>
+            <a:off x="0" y="8685213"/>
+            <a:ext cx="2971800" cy="458787"/>
+          </a:xfrm>
+          <a:prstGeom prst="rect">
+            <a:avLst/>
+          </a:prstGeom>
+        </p:spPr>
+        <p:txBody>
+          <a:bodyPr vert="horz" lIns="91440" tIns="45720" rIns="91440" bIns="45720" rtlCol="0" anchor="b"/>
+          <a:lstStyle>
+            <a:lvl1pPr algn="l">
+              <a:defRPr sz="1200"/>
+            </a:lvl1pPr>
+          </a:lstStyle>
+          <a:p>
+            <a:endParaRPr lang="en-US"/>
+          </a:p>
+        </p:txBody>
+      </p:sp>
+      <p:sp>
+        <p:nvSpPr>
+          <p:cNvPr id="7" name="Slide Number Placeholder 6"/>
+          <p:cNvSpPr>
+            <a:spLocks noGrp="1"/>
+          </p:cNvSpPr>
+          <p:nvPr>
+            <p:ph type="sldNum" sz="quarter" idx="5"/>
+          </p:nvPr>
+        </p:nvSpPr>
+        <p:spPr>
+          <a:xfrm>
+            <a:off x="3884613" y="8685213"/>
+            <a:ext cx="2971800" cy="458787"/>
+          </a:xfrm>
+          <a:prstGeom prst="rect">
+            <a:avLst/>
+          </a:prstGeom>
+        </p:spPr>
+        <p:txBody>
+          <a:bodyPr vert="horz" lIns="91440" tIns="45720" rIns="91440" bIns="45720" rtlCol="0" anchor="b"/>
+          <a:lstStyle>
+            <a:lvl1pPr algn="r">
+              <a:defRPr sz="1200"/>
+            </a:lvl1pPr>
+          </a:lstStyle>
+          <a:p>
+            <a:fld id="{67F42522-F24A-B14B-BB2C-B26443761E53}" type="slidenum">
+              <a:rPr lang="en-US" smtClean="0"/>
+              <a:t>‹#›</a:t>
+            </a:fld>
+            <a:endParaRPr lang="en-US"/>
+          </a:p>
+        </p:txBody>
+      </p:sp>
+    </p:spTree>
+    <p:extLst>
+      <p:ext uri="{BB962C8B-B14F-4D97-AF65-F5344CB8AC3E}">
+        <p14:creationId xmlns:p14="http://schemas.microsoft.com/office/powerpoint/2010/main" val="1564897177"/>
+      </p:ext>
+    </p:extLst>
+  </p:cSld>
+  <p:clrMap bg1="lt1" tx1="dk1" bg2="lt2" tx2="dk2" accent1="accent1" accent2="accent2" accent3="accent3" accent4="accent4" accent5="accent5" accent6="accent6" hlink="hlink" folHlink="folHlink"/>
+  <p:notesStyle>
+    <a:lvl1pPr marL="0" algn="l" defTabSz="914400" rtl="0" eaLnBrk="1" latinLnBrk="0" hangingPunct="1">
+      <a:defRPr sz="1200" kern="1200">
+        <a:solidFill>
+          <a:schemeClr val="tx1"/>
+        </a:solidFill>
+        <a:latin typeface="+mn-lt"/>
+        <a:ea typeface="+mn-ea"/>
+        <a:cs typeface="+mn-cs"/>
+      </a:defRPr>
+    </a:lvl1pPr>
+    <a:lvl2pPr marL="457200" algn="l" defTabSz="914400" rtl="0" eaLnBrk="1" latinLnBrk="0" hangingPunct="1">
+      <a:defRPr sz="1200" kern="1200">
+        <a:solidFill>
+          <a:schemeClr val="tx1"/>
+        </a:solidFill>
+        <a:latin typeface="+mn-lt"/>
+        <a:ea typeface="+mn-ea"/>
+        <a:cs typeface="+mn-cs"/>
+      </a:defRPr>
+    </a:lvl2pPr>
+    <a:lvl3pPr marL="914400" algn="l" defTabSz="914400" rtl="0" eaLnBrk="1" latinLnBrk="0" hangingPunct="1">
+      <a:defRPr sz="1200" kern="1200">
+        <a:solidFill>
+          <a:schemeClr val="tx1"/>
+        </a:solidFill>
+        <a:latin typeface="+mn-lt"/>
+        <a:ea typeface="+mn-ea"/>
+        <a:cs typeface="+mn-cs"/>
+      </a:defRPr>
+    </a:lvl3pPr>
+    <a:lvl4pPr marL="1371600" algn="l" defTabSz="914400" rtl="0" eaLnBrk="1" latinLnBrk="0" hangingPunct="1">
+      <a:defRPr sz="1200" kern="1200">
+        <a:solidFill>
+          <a:schemeClr val="tx1"/>
+        </a:solidFill>
+        <a:latin typeface="+mn-lt"/>
+        <a:ea typeface="+mn-ea"/>
+        <a:cs typeface="+mn-cs"/>
+      </a:defRPr>
+    </a:lvl4pPr>
+    <a:lvl5pPr marL="1828800" algn="l" defTabSz="914400" rtl="0" eaLnBrk="1" latinLnBrk="0" hangingPunct="1">
+      <a:defRPr sz="1200" kern="1200">
+        <a:solidFill>
+          <a:schemeClr val="tx1"/>
+        </a:solidFill>
+        <a:latin typeface="+mn-lt"/>
+        <a:ea typeface="+mn-ea"/>
+        <a:cs typeface="+mn-cs"/>
+      </a:defRPr>
+    </a:lvl5pPr>
+    <a:lvl6pPr marL="2286000" algn="l" defTabSz="914400" rtl="0" eaLnBrk="1" latinLnBrk="0" hangingPunct="1">
+      <a:defRPr sz="1200" kern="1200">
+        <a:solidFill>
+          <a:schemeClr val="tx1"/>
+        </a:solidFill>
+        <a:latin typeface="+mn-lt"/>
+        <a:ea typeface="+mn-ea"/>
+        <a:cs typeface="+mn-cs"/>
+      </a:defRPr>
+    </a:lvl6pPr>
+    <a:lvl7pPr marL="2743200" algn="l" defTabSz="914400" rtl="0" eaLnBrk="1" latinLnBrk="0" hangingPunct="1">
+      <a:defRPr sz="1200" kern="1200">
+        <a:solidFill>
+          <a:schemeClr val="tx1"/>
+        </a:solidFill>
+        <a:latin typeface="+mn-lt"/>
+        <a:ea typeface="+mn-ea"/>
+        <a:cs typeface="+mn-cs"/>
+      </a:defRPr>
+    </a:lvl7pPr>
+    <a:lvl8pPr marL="3200400" algn="l" defTabSz="914400" rtl="0" eaLnBrk="1" latinLnBrk="0" hangingPunct="1">
+      <a:defRPr sz="1200" kern="1200">
+        <a:solidFill>
+          <a:schemeClr val="tx1"/>
+        </a:solidFill>
+        <a:latin typeface="+mn-lt"/>
+        <a:ea typeface="+mn-ea"/>
+        <a:cs typeface="+mn-cs"/>
+      </a:defRPr>
+    </a:lvl8pPr>
+    <a:lvl9pPr marL="3657600" algn="l" defTabSz="914400" rtl="0" eaLnBrk="1" latinLnBrk="0" hangingPunct="1">
+      <a:defRPr sz="1200" kern="1200">
+        <a:solidFill>
+          <a:schemeClr val="tx1"/>
+        </a:solidFill>
+        <a:latin typeface="+mn-lt"/>
+        <a:ea typeface="+mn-ea"/>
+        <a:cs typeface="+mn-cs"/>
+      </a:defRPr>
+    </a:lvl9pPr>
+  </p:notesStyle>
+</p:notesMaster>
+</file>
+
+<file path=ppt/notesSlides/notesSlide1.xml><?xml version="1.0" encoding="utf-8"?>
+<p:notes xmlns:a="http://schemas.openxmlformats.org/drawingml/2006/main" xmlns:r="http://schemas.openxmlformats.org/officeDocument/2006/relationships" xmlns:p="http://schemas.openxmlformats.org/presentationml/2006/main">
+  <p:cSld>
+    <p:spTree>
+      <p:nvGrpSpPr>
+        <p:cNvPr id="1" name=""/>
+        <p:cNvGrpSpPr/>
+        <p:nvPr/>
+      </p:nvGrpSpPr>
+      <p:grpSpPr>
+        <a:xfrm>
+          <a:off x="0" y="0"/>
+          <a:ext cx="0" cy="0"/>
+          <a:chOff x="0" y="0"/>
+          <a:chExt cx="0" cy="0"/>
+        </a:xfrm>
+      </p:grpSpPr>
+      <p:sp>
+        <p:nvSpPr>
+          <p:cNvPr id="2" name="Slide Image Placeholder 1"/>
+          <p:cNvSpPr>
+            <a:spLocks noGrp="1" noRot="1" noChangeAspect="1"/>
+          </p:cNvSpPr>
+          <p:nvPr>
+            <p:ph type="sldImg"/>
+          </p:nvPr>
+        </p:nvSpPr>
+        <p:spPr/>
+      </p:sp>
+      <p:sp>
+        <p:nvSpPr>
+          <p:cNvPr id="3" name="Notes Placeholder 2"/>
+          <p:cNvSpPr>
+            <a:spLocks noGrp="1"/>
+          </p:cNvSpPr>
+          <p:nvPr>
+            <p:ph type="body" idx="1"/>
+          </p:nvPr>
+        </p:nvSpPr>
+        <p:spPr/>
+        <p:txBody>
+          <a:bodyPr/>
+          <a:lstStyle/>
+          <a:p>
+            <a:r>
+              <a:rPr lang="en-US" dirty="0"/>
+              <a:t>Bigger context of synthetic cell</a:t>
+            </a:r>
+          </a:p>
+          <a:p>
+            <a:endParaRPr lang="en-US" dirty="0"/>
+          </a:p>
+          <a:p>
+            <a:r>
+              <a:rPr lang="en-US" dirty="0"/>
+              <a:t>How link to other peoples</a:t>
+            </a:r>
+          </a:p>
+          <a:p>
+            <a:endParaRPr lang="en-US" dirty="0"/>
+          </a:p>
+          <a:p>
+            <a:r>
+              <a:rPr lang="en-US" dirty="0"/>
+              <a:t>Other things for syn cell that could integrate, subsystem of component within a syn cell that has other stuff going on (from DOD PROPOSAL)</a:t>
+            </a:r>
+          </a:p>
+          <a:p>
+            <a:endParaRPr lang="en-US" dirty="0"/>
+          </a:p>
+          <a:p>
+            <a:r>
+              <a:rPr lang="en-US" dirty="0"/>
+              <a:t>Have to try to get someone else’s model and get it to work</a:t>
+            </a:r>
+          </a:p>
+          <a:p>
+            <a:r>
+              <a:rPr lang="en-US" dirty="0"/>
+              <a:t> peter + Ankita? Reach out to see energy regeneration</a:t>
+            </a:r>
+          </a:p>
+          <a:p>
+            <a:endParaRPr lang="en-US" dirty="0"/>
+          </a:p>
+          <a:p>
+            <a:r>
+              <a:rPr lang="en-US" dirty="0"/>
+              <a:t>One slide with whatever your project </a:t>
+            </a:r>
+            <a:r>
+              <a:rPr lang="en-US"/>
+              <a:t>is about</a:t>
+            </a:r>
+          </a:p>
+        </p:txBody>
+      </p:sp>
+      <p:sp>
+        <p:nvSpPr>
+          <p:cNvPr id="4" name="Slide Number Placeholder 3"/>
+          <p:cNvSpPr>
+            <a:spLocks noGrp="1"/>
+          </p:cNvSpPr>
+          <p:nvPr>
+            <p:ph type="sldNum" sz="quarter" idx="5"/>
+          </p:nvPr>
+        </p:nvSpPr>
+        <p:spPr/>
+        <p:txBody>
+          <a:bodyPr/>
+          <a:lstStyle/>
+          <a:p>
+            <a:fld id="{67F42522-F24A-B14B-BB2C-B26443761E53}" type="slidenum">
+              <a:rPr lang="en-US" smtClean="0"/>
+              <a:t>2</a:t>
+            </a:fld>
+            <a:endParaRPr lang="en-US"/>
+          </a:p>
+        </p:txBody>
+      </p:sp>
+    </p:spTree>
+    <p:extLst>
+      <p:ext uri="{BB962C8B-B14F-4D97-AF65-F5344CB8AC3E}">
+        <p14:creationId xmlns:p14="http://schemas.microsoft.com/office/powerpoint/2010/main" val="932608025"/>
+      </p:ext>
+    </p:extLst>
+  </p:cSld>
+  <p:clrMapOvr>
+    <a:masterClrMapping/>
+  </p:clrMapOvr>
+</p:notes>
+</file>
+
 <file path=ppt/slideLayouts/slideLayout1.xml><?xml version="1.0" encoding="utf-8"?>
 <p:sldLayout xmlns:a="http://schemas.openxmlformats.org/drawingml/2006/main" xmlns:r="http://schemas.openxmlformats.org/officeDocument/2006/relationships" xmlns:p="http://schemas.openxmlformats.org/presentationml/2006/main" type="title" preserve="1">
   <p:cSld name="Title Slide">
@@ -263,7 +748,7 @@
           <a:p>
             <a:fld id="{3B3400CD-7287-EA41-97B8-6C373A830532}" type="datetimeFigureOut">
               <a:rPr lang="en-US" smtClean="0"/>
-              <a:t>7/8/20</a:t>
+              <a:t>7/9/20</a:t>
             </a:fld>
             <a:endParaRPr lang="en-US"/>
           </a:p>
@@ -461,7 +946,7 @@
           <a:p>
             <a:fld id="{3B3400CD-7287-EA41-97B8-6C373A830532}" type="datetimeFigureOut">
               <a:rPr lang="en-US" smtClean="0"/>
-              <a:t>7/8/20</a:t>
+              <a:t>7/9/20</a:t>
             </a:fld>
             <a:endParaRPr lang="en-US"/>
           </a:p>
@@ -669,7 +1154,7 @@
           <a:p>
             <a:fld id="{3B3400CD-7287-EA41-97B8-6C373A830532}" type="datetimeFigureOut">
               <a:rPr lang="en-US" smtClean="0"/>
-              <a:t>7/8/20</a:t>
+              <a:t>7/9/20</a:t>
             </a:fld>
             <a:endParaRPr lang="en-US"/>
           </a:p>
@@ -869,7 +1354,7 @@
           <a:p>
             <a:fld id="{3B3400CD-7287-EA41-97B8-6C373A830532}" type="datetimeFigureOut">
               <a:rPr lang="en-US" smtClean="0"/>
-              <a:t>7/8/20</a:t>
+              <a:t>7/9/20</a:t>
             </a:fld>
             <a:endParaRPr lang="en-US"/>
           </a:p>
@@ -1144,7 +1629,7 @@
           <a:p>
             <a:fld id="{3B3400CD-7287-EA41-97B8-6C373A830532}" type="datetimeFigureOut">
               <a:rPr lang="en-US" smtClean="0"/>
-              <a:t>7/8/20</a:t>
+              <a:t>7/9/20</a:t>
             </a:fld>
             <a:endParaRPr lang="en-US"/>
           </a:p>
@@ -1409,7 +1894,7 @@
           <a:p>
             <a:fld id="{3B3400CD-7287-EA41-97B8-6C373A830532}" type="datetimeFigureOut">
               <a:rPr lang="en-US" smtClean="0"/>
-              <a:t>7/8/20</a:t>
+              <a:t>7/9/20</a:t>
             </a:fld>
             <a:endParaRPr lang="en-US"/>
           </a:p>
@@ -1821,7 +2306,7 @@
           <a:p>
             <a:fld id="{3B3400CD-7287-EA41-97B8-6C373A830532}" type="datetimeFigureOut">
               <a:rPr lang="en-US" smtClean="0"/>
-              <a:t>7/8/20</a:t>
+              <a:t>7/9/20</a:t>
             </a:fld>
             <a:endParaRPr lang="en-US"/>
           </a:p>
@@ -1962,7 +2447,7 @@
           <a:p>
             <a:fld id="{3B3400CD-7287-EA41-97B8-6C373A830532}" type="datetimeFigureOut">
               <a:rPr lang="en-US" smtClean="0"/>
-              <a:t>7/8/20</a:t>
+              <a:t>7/9/20</a:t>
             </a:fld>
             <a:endParaRPr lang="en-US"/>
           </a:p>
@@ -2075,7 +2560,7 @@
           <a:p>
             <a:fld id="{3B3400CD-7287-EA41-97B8-6C373A830532}" type="datetimeFigureOut">
               <a:rPr lang="en-US" smtClean="0"/>
-              <a:t>7/8/20</a:t>
+              <a:t>7/9/20</a:t>
             </a:fld>
             <a:endParaRPr lang="en-US"/>
           </a:p>
@@ -2386,7 +2871,7 @@
           <a:p>
             <a:fld id="{3B3400CD-7287-EA41-97B8-6C373A830532}" type="datetimeFigureOut">
               <a:rPr lang="en-US" smtClean="0"/>
-              <a:t>7/8/20</a:t>
+              <a:t>7/9/20</a:t>
             </a:fld>
             <a:endParaRPr lang="en-US"/>
           </a:p>
@@ -2677,7 +3162,7 @@
           <a:p>
             <a:fld id="{3B3400CD-7287-EA41-97B8-6C373A830532}" type="datetimeFigureOut">
               <a:rPr lang="en-US" smtClean="0"/>
-              <a:t>7/8/20</a:t>
+              <a:t>7/9/20</a:t>
             </a:fld>
             <a:endParaRPr lang="en-US"/>
           </a:p>
@@ -2920,7 +3405,7 @@
           <a:p>
             <a:fld id="{3B3400CD-7287-EA41-97B8-6C373A830532}" type="datetimeFigureOut">
               <a:rPr lang="en-US" smtClean="0"/>
-              <a:t>7/8/20</a:t>
+              <a:t>7/9/20</a:t>
             </a:fld>
             <a:endParaRPr lang="en-US"/>
           </a:p>
@@ -3599,12 +4084,35 @@
               <a:t>Gro?chemostat</a:t>
             </a:r>
             <a:r>
-              <a:rPr lang="en-US"/>
+              <a:rPr lang="en-US" dirty="0"/>
               <a:t>?</a:t>
             </a:r>
           </a:p>
           <a:p>
             <a:pPr lvl="1"/>
+            <a:r>
+              <a:rPr lang="en-US" dirty="0"/>
+              <a:t>Gro simulation for fun</a:t>
+            </a:r>
+          </a:p>
+          <a:p>
+            <a:pPr lvl="2"/>
+            <a:r>
+              <a:rPr lang="en-US" dirty="0"/>
+              <a:t>Includes dilution/division, doesn’t happen in liposomes</a:t>
+            </a:r>
+          </a:p>
+          <a:p>
+            <a:pPr lvl="1"/>
+            <a:endParaRPr lang="en-US" dirty="0"/>
+          </a:p>
+          <a:p>
+            <a:r>
+              <a:rPr lang="en-US" dirty="0"/>
+              <a:t>Include phases like peter (roadmap)</a:t>
+            </a:r>
+          </a:p>
+          <a:p>
             <a:endParaRPr lang="en-US" dirty="0"/>
           </a:p>
           <a:p>
@@ -4124,4 +4632,299 @@
     </a:ext>
   </a:extLst>
 </a:theme>
+</file>
+
+<file path=ppt/theme/theme2.xml><?xml version="1.0" encoding="utf-8"?>
+<a:theme xmlns:a="http://schemas.openxmlformats.org/drawingml/2006/main" name="Office Theme">
+  <a:themeElements>
+    <a:clrScheme name="Office">
+      <a:dk1>
+        <a:sysClr val="windowText" lastClr="000000"/>
+      </a:dk1>
+      <a:lt1>
+        <a:sysClr val="window" lastClr="FFFFFF"/>
+      </a:lt1>
+      <a:dk2>
+        <a:srgbClr val="44546A"/>
+      </a:dk2>
+      <a:lt2>
+        <a:srgbClr val="E7E6E6"/>
+      </a:lt2>
+      <a:accent1>
+        <a:srgbClr val="4472C4"/>
+      </a:accent1>
+      <a:accent2>
+        <a:srgbClr val="ED7D31"/>
+      </a:accent2>
+      <a:accent3>
+        <a:srgbClr val="A5A5A5"/>
+      </a:accent3>
+      <a:accent4>
+        <a:srgbClr val="FFC000"/>
+      </a:accent4>
+      <a:accent5>
+        <a:srgbClr val="5B9BD5"/>
+      </a:accent5>
+      <a:accent6>
+        <a:srgbClr val="70AD47"/>
+      </a:accent6>
+      <a:hlink>
+        <a:srgbClr val="0563C1"/>
+      </a:hlink>
+      <a:folHlink>
+        <a:srgbClr val="954F72"/>
+      </a:folHlink>
+    </a:clrScheme>
+    <a:fontScheme name="Office">
+      <a:majorFont>
+        <a:latin typeface="Calibri Light" panose="020F0302020204030204"/>
+        <a:ea typeface=""/>
+        <a:cs typeface=""/>
+        <a:font script="Jpan" typeface="游ゴシック Light"/>
+        <a:font script="Hang" typeface="맑은 고딕"/>
+        <a:font script="Hans" typeface="等线 Light"/>
+        <a:font script="Hant" typeface="新細明體"/>
+        <a:font script="Arab" typeface="Times New Roman"/>
+        <a:font script="Hebr" typeface="Times New Roman"/>
+        <a:font script="Thai" typeface="Angsana New"/>
+        <a:font script="Ethi" typeface="Nyala"/>
+        <a:font script="Beng" typeface="Vrinda"/>
+        <a:font script="Gujr" typeface="Shruti"/>
+        <a:font script="Khmr" typeface="MoolBoran"/>
+        <a:font script="Knda" typeface="Tunga"/>
+        <a:font script="Guru" typeface="Raavi"/>
+        <a:font script="Cans" typeface="Euphemia"/>
+        <a:font script="Cher" typeface="Plantagenet Cherokee"/>
+        <a:font script="Yiii" typeface="Microsoft Yi Baiti"/>
+        <a:font script="Tibt" typeface="Microsoft Himalaya"/>
+        <a:font script="Thaa" typeface="MV Boli"/>
+        <a:font script="Deva" typeface="Mangal"/>
+        <a:font script="Telu" typeface="Gautami"/>
+        <a:font script="Taml" typeface="Latha"/>
+        <a:font script="Syrc" typeface="Estrangelo Edessa"/>
+        <a:font script="Orya" typeface="Kalinga"/>
+        <a:font script="Mlym" typeface="Kartika"/>
+        <a:font script="Laoo" typeface="DokChampa"/>
+        <a:font script="Sinh" typeface="Iskoola Pota"/>
+        <a:font script="Mong" typeface="Mongolian Baiti"/>
+        <a:font script="Viet" typeface="Times New Roman"/>
+        <a:font script="Uigh" typeface="Microsoft Uighur"/>
+        <a:font script="Geor" typeface="Sylfaen"/>
+        <a:font script="Armn" typeface="Arial"/>
+        <a:font script="Bugi" typeface="Leelawadee UI"/>
+        <a:font script="Bopo" typeface="Microsoft JhengHei"/>
+        <a:font script="Java" typeface="Javanese Text"/>
+        <a:font script="Lisu" typeface="Segoe UI"/>
+        <a:font script="Mymr" typeface="Myanmar Text"/>
+        <a:font script="Nkoo" typeface="Ebrima"/>
+        <a:font script="Olck" typeface="Nirmala UI"/>
+        <a:font script="Osma" typeface="Ebrima"/>
+        <a:font script="Phag" typeface="Phagspa"/>
+        <a:font script="Syrn" typeface="Estrangelo Edessa"/>
+        <a:font script="Syrj" typeface="Estrangelo Edessa"/>
+        <a:font script="Syre" typeface="Estrangelo Edessa"/>
+        <a:font script="Sora" typeface="Nirmala UI"/>
+        <a:font script="Tale" typeface="Microsoft Tai Le"/>
+        <a:font script="Talu" typeface="Microsoft New Tai Lue"/>
+        <a:font script="Tfng" typeface="Ebrima"/>
+      </a:majorFont>
+      <a:minorFont>
+        <a:latin typeface="Calibri" panose="020F0502020204030204"/>
+        <a:ea typeface=""/>
+        <a:cs typeface=""/>
+        <a:font script="Jpan" typeface="游ゴシック"/>
+        <a:font script="Hang" typeface="맑은 고딕"/>
+        <a:font script="Hans" typeface="等线"/>
+        <a:font script="Hant" typeface="新細明體"/>
+        <a:font script="Arab" typeface="Arial"/>
+        <a:font script="Hebr" typeface="Arial"/>
+        <a:font script="Thai" typeface="Cordia New"/>
+        <a:font script="Ethi" typeface="Nyala"/>
+        <a:font script="Beng" typeface="Vrinda"/>
+        <a:font script="Gujr" typeface="Shruti"/>
+        <a:font script="Khmr" typeface="DaunPenh"/>
+        <a:font script="Knda" typeface="Tunga"/>
+        <a:font script="Guru" typeface="Raavi"/>
+        <a:font script="Cans" typeface="Euphemia"/>
+        <a:font script="Cher" typeface="Plantagenet Cherokee"/>
+        <a:font script="Yiii" typeface="Microsoft Yi Baiti"/>
+        <a:font script="Tibt" typeface="Microsoft Himalaya"/>
+        <a:font script="Thaa" typeface="MV Boli"/>
+        <a:font script="Deva" typeface="Mangal"/>
+        <a:font script="Telu" typeface="Gautami"/>
+        <a:font script="Taml" typeface="Latha"/>
+        <a:font script="Syrc" typeface="Estrangelo Edessa"/>
+        <a:font script="Orya" typeface="Kalinga"/>
+        <a:font script="Mlym" typeface="Kartika"/>
+        <a:font script="Laoo" typeface="DokChampa"/>
+        <a:font script="Sinh" typeface="Iskoola Pota"/>
+        <a:font script="Mong" typeface="Mongolian Baiti"/>
+        <a:font script="Viet" typeface="Arial"/>
+        <a:font script="Uigh" typeface="Microsoft Uighur"/>
+        <a:font script="Geor" typeface="Sylfaen"/>
+        <a:font script="Armn" typeface="Arial"/>
+        <a:font script="Bugi" typeface="Leelawadee UI"/>
+        <a:font script="Bopo" typeface="Microsoft JhengHei"/>
+        <a:font script="Java" typeface="Javanese Text"/>
+        <a:font script="Lisu" typeface="Segoe UI"/>
+        <a:font script="Mymr" typeface="Myanmar Text"/>
+        <a:font script="Nkoo" typeface="Ebrima"/>
+        <a:font script="Olck" typeface="Nirmala UI"/>
+        <a:font script="Osma" typeface="Ebrima"/>
+        <a:font script="Phag" typeface="Phagspa"/>
+        <a:font script="Syrn" typeface="Estrangelo Edessa"/>
+        <a:font script="Syrj" typeface="Estrangelo Edessa"/>
+        <a:font script="Syre" typeface="Estrangelo Edessa"/>
+        <a:font script="Sora" typeface="Nirmala UI"/>
+        <a:font script="Tale" typeface="Microsoft Tai Le"/>
+        <a:font script="Talu" typeface="Microsoft New Tai Lue"/>
+        <a:font script="Tfng" typeface="Ebrima"/>
+      </a:minorFont>
+    </a:fontScheme>
+    <a:fmtScheme name="Office">
+      <a:fillStyleLst>
+        <a:solidFill>
+          <a:schemeClr val="phClr"/>
+        </a:solidFill>
+        <a:gradFill rotWithShape="1">
+          <a:gsLst>
+            <a:gs pos="0">
+              <a:schemeClr val="phClr">
+                <a:lumMod val="110000"/>
+                <a:satMod val="105000"/>
+                <a:tint val="67000"/>
+              </a:schemeClr>
+            </a:gs>
+            <a:gs pos="50000">
+              <a:schemeClr val="phClr">
+                <a:lumMod val="105000"/>
+                <a:satMod val="103000"/>
+                <a:tint val="73000"/>
+              </a:schemeClr>
+            </a:gs>
+            <a:gs pos="100000">
+              <a:schemeClr val="phClr">
+                <a:lumMod val="105000"/>
+                <a:satMod val="109000"/>
+                <a:tint val="81000"/>
+              </a:schemeClr>
+            </a:gs>
+          </a:gsLst>
+          <a:lin ang="5400000" scaled="0"/>
+        </a:gradFill>
+        <a:gradFill rotWithShape="1">
+          <a:gsLst>
+            <a:gs pos="0">
+              <a:schemeClr val="phClr">
+                <a:satMod val="103000"/>
+                <a:lumMod val="102000"/>
+                <a:tint val="94000"/>
+              </a:schemeClr>
+            </a:gs>
+            <a:gs pos="50000">
+              <a:schemeClr val="phClr">
+                <a:satMod val="110000"/>
+                <a:lumMod val="100000"/>
+                <a:shade val="100000"/>
+              </a:schemeClr>
+            </a:gs>
+            <a:gs pos="100000">
+              <a:schemeClr val="phClr">
+                <a:lumMod val="99000"/>
+                <a:satMod val="120000"/>
+                <a:shade val="78000"/>
+              </a:schemeClr>
+            </a:gs>
+          </a:gsLst>
+          <a:lin ang="5400000" scaled="0"/>
+        </a:gradFill>
+      </a:fillStyleLst>
+      <a:lnStyleLst>
+        <a:ln w="6350" cap="flat" cmpd="sng" algn="ctr">
+          <a:solidFill>
+            <a:schemeClr val="phClr"/>
+          </a:solidFill>
+          <a:prstDash val="solid"/>
+          <a:miter lim="800000"/>
+        </a:ln>
+        <a:ln w="12700" cap="flat" cmpd="sng" algn="ctr">
+          <a:solidFill>
+            <a:schemeClr val="phClr"/>
+          </a:solidFill>
+          <a:prstDash val="solid"/>
+          <a:miter lim="800000"/>
+        </a:ln>
+        <a:ln w="19050" cap="flat" cmpd="sng" algn="ctr">
+          <a:solidFill>
+            <a:schemeClr val="phClr"/>
+          </a:solidFill>
+          <a:prstDash val="solid"/>
+          <a:miter lim="800000"/>
+        </a:ln>
+      </a:lnStyleLst>
+      <a:effectStyleLst>
+        <a:effectStyle>
+          <a:effectLst/>
+        </a:effectStyle>
+        <a:effectStyle>
+          <a:effectLst/>
+        </a:effectStyle>
+        <a:effectStyle>
+          <a:effectLst>
+            <a:outerShdw blurRad="57150" dist="19050" dir="5400000" algn="ctr" rotWithShape="0">
+              <a:srgbClr val="000000">
+                <a:alpha val="63000"/>
+              </a:srgbClr>
+            </a:outerShdw>
+          </a:effectLst>
+        </a:effectStyle>
+      </a:effectStyleLst>
+      <a:bgFillStyleLst>
+        <a:solidFill>
+          <a:schemeClr val="phClr"/>
+        </a:solidFill>
+        <a:solidFill>
+          <a:schemeClr val="phClr">
+            <a:tint val="95000"/>
+            <a:satMod val="170000"/>
+          </a:schemeClr>
+        </a:solidFill>
+        <a:gradFill rotWithShape="1">
+          <a:gsLst>
+            <a:gs pos="0">
+              <a:schemeClr val="phClr">
+                <a:tint val="93000"/>
+                <a:satMod val="150000"/>
+                <a:shade val="98000"/>
+                <a:lumMod val="102000"/>
+              </a:schemeClr>
+            </a:gs>
+            <a:gs pos="50000">
+              <a:schemeClr val="phClr">
+                <a:tint val="98000"/>
+                <a:satMod val="130000"/>
+                <a:shade val="90000"/>
+                <a:lumMod val="103000"/>
+              </a:schemeClr>
+            </a:gs>
+            <a:gs pos="100000">
+              <a:schemeClr val="phClr">
+                <a:shade val="63000"/>
+                <a:satMod val="120000"/>
+              </a:schemeClr>
+            </a:gs>
+          </a:gsLst>
+          <a:lin ang="5400000" scaled="0"/>
+        </a:gradFill>
+      </a:bgFillStyleLst>
+    </a:fmtScheme>
+  </a:themeElements>
+  <a:objectDefaults/>
+  <a:extraClrSchemeLst/>
+  <a:extLst>
+    <a:ext uri="{05A4C25C-085E-4340-85A3-A5531E510DB2}">
+      <thm15:themeFamily xmlns:thm15="http://schemas.microsoft.com/office/thememl/2012/main" name="Office Theme" id="{62F939B6-93AF-4DB8-9C6B-D6C7DFDC589F}" vid="{4A3C46E8-61CC-4603-A589-7422A47A8E4A}"/>
+    </a:ext>
+  </a:extLst>
+</a:theme>
 </file>
--- a/miscellaneous/presentations/20200715_syncell_mtg.pptx
+++ b/miscellaneous/presentations/20200715_syncell_mtg.pptx
@@ -5,13 +5,23 @@
     <p:sldMasterId id="2147483648" r:id="rId1"/>
   </p:sldMasterIdLst>
   <p:notesMasterIdLst>
-    <p:notesMasterId r:id="rId6"/>
+    <p:notesMasterId r:id="rId16"/>
   </p:notesMasterIdLst>
   <p:sldIdLst>
     <p:sldId id="256" r:id="rId2"/>
     <p:sldId id="259" r:id="rId3"/>
-    <p:sldId id="257" r:id="rId4"/>
-    <p:sldId id="258" r:id="rId5"/>
+    <p:sldId id="269" r:id="rId4"/>
+    <p:sldId id="261" r:id="rId5"/>
+    <p:sldId id="327" r:id="rId6"/>
+    <p:sldId id="262" r:id="rId7"/>
+    <p:sldId id="264" r:id="rId8"/>
+    <p:sldId id="265" r:id="rId9"/>
+    <p:sldId id="266" r:id="rId10"/>
+    <p:sldId id="263" r:id="rId11"/>
+    <p:sldId id="267" r:id="rId12"/>
+    <p:sldId id="268" r:id="rId13"/>
+    <p:sldId id="328" r:id="rId14"/>
+    <p:sldId id="297" r:id="rId15"/>
   </p:sldIdLst>
   <p:sldSz cx="12192000" cy="6858000"/>
   <p:notesSz cx="6858000" cy="9144000"/>
@@ -200,7 +210,7 @@
           <a:p>
             <a:fld id="{B102B905-3FD8-2942-AB12-6B3360B55AB8}" type="datetimeFigureOut">
               <a:rPr lang="en-US" smtClean="0"/>
-              <a:t>7/9/20</a:t>
+              <a:t>7/10/20</a:t>
             </a:fld>
             <a:endParaRPr lang="en-US"/>
           </a:p>
@@ -555,11 +565,7 @@
           <a:p>
             <a:r>
               <a:rPr lang="en-US" dirty="0"/>
-              <a:t>One slide with whatever your project </a:t>
-            </a:r>
-            <a:r>
-              <a:rPr lang="en-US"/>
-              <a:t>is about</a:t>
+              <a:t>One slide with whatever your project is about</a:t>
             </a:r>
           </a:p>
         </p:txBody>
@@ -591,6 +597,267 @@
     <p:extLst>
       <p:ext uri="{BB962C8B-B14F-4D97-AF65-F5344CB8AC3E}">
         <p14:creationId xmlns:p14="http://schemas.microsoft.com/office/powerpoint/2010/main" val="932608025"/>
+      </p:ext>
+    </p:extLst>
+  </p:cSld>
+  <p:clrMapOvr>
+    <a:masterClrMapping/>
+  </p:clrMapOvr>
+</p:notes>
+</file>
+
+<file path=ppt/notesSlides/notesSlide2.xml><?xml version="1.0" encoding="utf-8"?>
+<p:notes xmlns:a="http://schemas.openxmlformats.org/drawingml/2006/main" xmlns:r="http://schemas.openxmlformats.org/officeDocument/2006/relationships" xmlns:p="http://schemas.openxmlformats.org/presentationml/2006/main">
+  <p:cSld>
+    <p:spTree>
+      <p:nvGrpSpPr>
+        <p:cNvPr id="1" name=""/>
+        <p:cNvGrpSpPr/>
+        <p:nvPr/>
+      </p:nvGrpSpPr>
+      <p:grpSpPr>
+        <a:xfrm>
+          <a:off x="0" y="0"/>
+          <a:ext cx="0" cy="0"/>
+          <a:chOff x="0" y="0"/>
+          <a:chExt cx="0" cy="0"/>
+        </a:xfrm>
+      </p:grpSpPr>
+      <p:sp>
+        <p:nvSpPr>
+          <p:cNvPr id="2" name="Slide Image Placeholder 1"/>
+          <p:cNvSpPr>
+            <a:spLocks noGrp="1" noRot="1" noChangeAspect="1"/>
+          </p:cNvSpPr>
+          <p:nvPr>
+            <p:ph type="sldImg"/>
+          </p:nvPr>
+        </p:nvSpPr>
+        <p:spPr/>
+      </p:sp>
+      <p:sp>
+        <p:nvSpPr>
+          <p:cNvPr id="3" name="Notes Placeholder 2"/>
+          <p:cNvSpPr>
+            <a:spLocks noGrp="1"/>
+          </p:cNvSpPr>
+          <p:nvPr>
+            <p:ph type="body" idx="1"/>
+          </p:nvPr>
+        </p:nvSpPr>
+        <p:spPr/>
+        <p:txBody>
+          <a:bodyPr/>
+          <a:lstStyle/>
+          <a:p>
+            <a:endParaRPr lang="en-US" dirty="0"/>
+          </a:p>
+        </p:txBody>
+      </p:sp>
+      <p:sp>
+        <p:nvSpPr>
+          <p:cNvPr id="4" name="Slide Number Placeholder 3"/>
+          <p:cNvSpPr>
+            <a:spLocks noGrp="1"/>
+          </p:cNvSpPr>
+          <p:nvPr>
+            <p:ph type="sldNum" sz="quarter" idx="5"/>
+          </p:nvPr>
+        </p:nvSpPr>
+        <p:spPr/>
+        <p:txBody>
+          <a:bodyPr/>
+          <a:lstStyle/>
+          <a:p>
+            <a:fld id="{67F42522-F24A-B14B-BB2C-B26443761E53}" type="slidenum">
+              <a:rPr lang="en-US" smtClean="0"/>
+              <a:t>4</a:t>
+            </a:fld>
+            <a:endParaRPr lang="en-US"/>
+          </a:p>
+        </p:txBody>
+      </p:sp>
+    </p:spTree>
+    <p:extLst>
+      <p:ext uri="{BB962C8B-B14F-4D97-AF65-F5344CB8AC3E}">
+        <p14:creationId xmlns:p14="http://schemas.microsoft.com/office/powerpoint/2010/main" val="4000923645"/>
+      </p:ext>
+    </p:extLst>
+  </p:cSld>
+  <p:clrMapOvr>
+    <a:masterClrMapping/>
+  </p:clrMapOvr>
+</p:notes>
+</file>
+
+<file path=ppt/notesSlides/notesSlide3.xml><?xml version="1.0" encoding="utf-8"?>
+<p:notes xmlns:a="http://schemas.openxmlformats.org/drawingml/2006/main" xmlns:r="http://schemas.openxmlformats.org/officeDocument/2006/relationships" xmlns:p="http://schemas.openxmlformats.org/presentationml/2006/main">
+  <p:cSld>
+    <p:spTree>
+      <p:nvGrpSpPr>
+        <p:cNvPr id="1" name=""/>
+        <p:cNvGrpSpPr/>
+        <p:nvPr/>
+      </p:nvGrpSpPr>
+      <p:grpSpPr>
+        <a:xfrm>
+          <a:off x="0" y="0"/>
+          <a:ext cx="0" cy="0"/>
+          <a:chOff x="0" y="0"/>
+          <a:chExt cx="0" cy="0"/>
+        </a:xfrm>
+      </p:grpSpPr>
+      <p:sp>
+        <p:nvSpPr>
+          <p:cNvPr id="2" name="Slide Image Placeholder 1"/>
+          <p:cNvSpPr>
+            <a:spLocks noGrp="1" noRot="1" noChangeAspect="1"/>
+          </p:cNvSpPr>
+          <p:nvPr>
+            <p:ph type="sldImg"/>
+          </p:nvPr>
+        </p:nvSpPr>
+        <p:spPr/>
+      </p:sp>
+      <p:sp>
+        <p:nvSpPr>
+          <p:cNvPr id="3" name="Notes Placeholder 2"/>
+          <p:cNvSpPr>
+            <a:spLocks noGrp="1"/>
+          </p:cNvSpPr>
+          <p:nvPr>
+            <p:ph type="body" idx="1"/>
+          </p:nvPr>
+        </p:nvSpPr>
+        <p:spPr/>
+        <p:txBody>
+          <a:bodyPr/>
+          <a:lstStyle/>
+          <a:p>
+            <a:r>
+              <a:rPr lang="en-US" dirty="0"/>
+              <a:t>Full model has all reaction rate parameters</a:t>
+            </a:r>
+          </a:p>
+          <a:p>
+            <a:r>
+              <a:rPr lang="en-US" dirty="0"/>
+              <a:t>This makes sense – I’ve optimized the full model, but how can I come up with some biological relevance</a:t>
+            </a:r>
+          </a:p>
+        </p:txBody>
+      </p:sp>
+      <p:sp>
+        <p:nvSpPr>
+          <p:cNvPr id="4" name="Slide Number Placeholder 3"/>
+          <p:cNvSpPr>
+            <a:spLocks noGrp="1"/>
+          </p:cNvSpPr>
+          <p:nvPr>
+            <p:ph type="sldNum" sz="quarter" idx="5"/>
+          </p:nvPr>
+        </p:nvSpPr>
+        <p:spPr/>
+        <p:txBody>
+          <a:bodyPr/>
+          <a:lstStyle/>
+          <a:p>
+            <a:fld id="{D9FD8077-37EE-C24A-9ACB-6703441F4D97}" type="slidenum">
+              <a:rPr lang="en-US" smtClean="0"/>
+              <a:t>5</a:t>
+            </a:fld>
+            <a:endParaRPr lang="en-US"/>
+          </a:p>
+        </p:txBody>
+      </p:sp>
+    </p:spTree>
+    <p:extLst>
+      <p:ext uri="{BB962C8B-B14F-4D97-AF65-F5344CB8AC3E}">
+        <p14:creationId xmlns:p14="http://schemas.microsoft.com/office/powerpoint/2010/main" val="49408484"/>
+      </p:ext>
+    </p:extLst>
+  </p:cSld>
+  <p:clrMapOvr>
+    <a:masterClrMapping/>
+  </p:clrMapOvr>
+</p:notes>
+</file>
+
+<file path=ppt/notesSlides/notesSlide4.xml><?xml version="1.0" encoding="utf-8"?>
+<p:notes xmlns:a="http://schemas.openxmlformats.org/drawingml/2006/main" xmlns:r="http://schemas.openxmlformats.org/officeDocument/2006/relationships" xmlns:p="http://schemas.openxmlformats.org/presentationml/2006/main">
+  <p:cSld>
+    <p:spTree>
+      <p:nvGrpSpPr>
+        <p:cNvPr id="1" name=""/>
+        <p:cNvGrpSpPr/>
+        <p:nvPr/>
+      </p:nvGrpSpPr>
+      <p:grpSpPr>
+        <a:xfrm>
+          <a:off x="0" y="0"/>
+          <a:ext cx="0" cy="0"/>
+          <a:chOff x="0" y="0"/>
+          <a:chExt cx="0" cy="0"/>
+        </a:xfrm>
+      </p:grpSpPr>
+      <p:sp>
+        <p:nvSpPr>
+          <p:cNvPr id="2" name="Slide Image Placeholder 1"/>
+          <p:cNvSpPr>
+            <a:spLocks noGrp="1" noRot="1" noChangeAspect="1"/>
+          </p:cNvSpPr>
+          <p:nvPr>
+            <p:ph type="sldImg"/>
+          </p:nvPr>
+        </p:nvSpPr>
+        <p:spPr/>
+      </p:sp>
+      <p:sp>
+        <p:nvSpPr>
+          <p:cNvPr id="3" name="Notes Placeholder 2"/>
+          <p:cNvSpPr>
+            <a:spLocks noGrp="1"/>
+          </p:cNvSpPr>
+          <p:nvPr>
+            <p:ph type="body" idx="1"/>
+          </p:nvPr>
+        </p:nvSpPr>
+        <p:spPr/>
+        <p:txBody>
+          <a:bodyPr/>
+          <a:lstStyle/>
+          <a:p>
+            <a:endParaRPr lang="en-US" dirty="0"/>
+          </a:p>
+        </p:txBody>
+      </p:sp>
+      <p:sp>
+        <p:nvSpPr>
+          <p:cNvPr id="4" name="Slide Number Placeholder 3"/>
+          <p:cNvSpPr>
+            <a:spLocks noGrp="1"/>
+          </p:cNvSpPr>
+          <p:nvPr>
+            <p:ph type="sldNum" sz="quarter" idx="5"/>
+          </p:nvPr>
+        </p:nvSpPr>
+        <p:spPr/>
+        <p:txBody>
+          <a:bodyPr/>
+          <a:lstStyle/>
+          <a:p>
+            <a:fld id="{67F42522-F24A-B14B-BB2C-B26443761E53}" type="slidenum">
+              <a:rPr lang="en-US" smtClean="0"/>
+              <a:t>12</a:t>
+            </a:fld>
+            <a:endParaRPr lang="en-US"/>
+          </a:p>
+        </p:txBody>
+      </p:sp>
+    </p:spTree>
+    <p:extLst>
+      <p:ext uri="{BB962C8B-B14F-4D97-AF65-F5344CB8AC3E}">
+        <p14:creationId xmlns:p14="http://schemas.microsoft.com/office/powerpoint/2010/main" val="4267495023"/>
       </p:ext>
     </p:extLst>
   </p:cSld>
@@ -748,7 +1015,7 @@
           <a:p>
             <a:fld id="{3B3400CD-7287-EA41-97B8-6C373A830532}" type="datetimeFigureOut">
               <a:rPr lang="en-US" smtClean="0"/>
-              <a:t>7/9/20</a:t>
+              <a:t>7/10/20</a:t>
             </a:fld>
             <a:endParaRPr lang="en-US"/>
           </a:p>
@@ -946,7 +1213,7 @@
           <a:p>
             <a:fld id="{3B3400CD-7287-EA41-97B8-6C373A830532}" type="datetimeFigureOut">
               <a:rPr lang="en-US" smtClean="0"/>
-              <a:t>7/9/20</a:t>
+              <a:t>7/10/20</a:t>
             </a:fld>
             <a:endParaRPr lang="en-US"/>
           </a:p>
@@ -1154,7 +1421,7 @@
           <a:p>
             <a:fld id="{3B3400CD-7287-EA41-97B8-6C373A830532}" type="datetimeFigureOut">
               <a:rPr lang="en-US" smtClean="0"/>
-              <a:t>7/9/20</a:t>
+              <a:t>7/10/20</a:t>
             </a:fld>
             <a:endParaRPr lang="en-US"/>
           </a:p>
@@ -1354,7 +1621,7 @@
           <a:p>
             <a:fld id="{3B3400CD-7287-EA41-97B8-6C373A830532}" type="datetimeFigureOut">
               <a:rPr lang="en-US" smtClean="0"/>
-              <a:t>7/9/20</a:t>
+              <a:t>7/10/20</a:t>
             </a:fld>
             <a:endParaRPr lang="en-US"/>
           </a:p>
@@ -1629,7 +1896,7 @@
           <a:p>
             <a:fld id="{3B3400CD-7287-EA41-97B8-6C373A830532}" type="datetimeFigureOut">
               <a:rPr lang="en-US" smtClean="0"/>
-              <a:t>7/9/20</a:t>
+              <a:t>7/10/20</a:t>
             </a:fld>
             <a:endParaRPr lang="en-US"/>
           </a:p>
@@ -1894,7 +2161,7 @@
           <a:p>
             <a:fld id="{3B3400CD-7287-EA41-97B8-6C373A830532}" type="datetimeFigureOut">
               <a:rPr lang="en-US" smtClean="0"/>
-              <a:t>7/9/20</a:t>
+              <a:t>7/10/20</a:t>
             </a:fld>
             <a:endParaRPr lang="en-US"/>
           </a:p>
@@ -2306,7 +2573,7 @@
           <a:p>
             <a:fld id="{3B3400CD-7287-EA41-97B8-6C373A830532}" type="datetimeFigureOut">
               <a:rPr lang="en-US" smtClean="0"/>
-              <a:t>7/9/20</a:t>
+              <a:t>7/10/20</a:t>
             </a:fld>
             <a:endParaRPr lang="en-US"/>
           </a:p>
@@ -2447,7 +2714,7 @@
           <a:p>
             <a:fld id="{3B3400CD-7287-EA41-97B8-6C373A830532}" type="datetimeFigureOut">
               <a:rPr lang="en-US" smtClean="0"/>
-              <a:t>7/9/20</a:t>
+              <a:t>7/10/20</a:t>
             </a:fld>
             <a:endParaRPr lang="en-US"/>
           </a:p>
@@ -2560,7 +2827,7 @@
           <a:p>
             <a:fld id="{3B3400CD-7287-EA41-97B8-6C373A830532}" type="datetimeFigureOut">
               <a:rPr lang="en-US" smtClean="0"/>
-              <a:t>7/9/20</a:t>
+              <a:t>7/10/20</a:t>
             </a:fld>
             <a:endParaRPr lang="en-US"/>
           </a:p>
@@ -2871,7 +3138,7 @@
           <a:p>
             <a:fld id="{3B3400CD-7287-EA41-97B8-6C373A830532}" type="datetimeFigureOut">
               <a:rPr lang="en-US" smtClean="0"/>
-              <a:t>7/9/20</a:t>
+              <a:t>7/10/20</a:t>
             </a:fld>
             <a:endParaRPr lang="en-US"/>
           </a:p>
@@ -3162,7 +3429,7 @@
           <a:p>
             <a:fld id="{3B3400CD-7287-EA41-97B8-6C373A830532}" type="datetimeFigureOut">
               <a:rPr lang="en-US" smtClean="0"/>
-              <a:t>7/9/20</a:t>
+              <a:t>7/10/20</a:t>
             </a:fld>
             <a:endParaRPr lang="en-US"/>
           </a:p>
@@ -3405,7 +3672,7 @@
           <a:p>
             <a:fld id="{3B3400CD-7287-EA41-97B8-6C373A830532}" type="datetimeFigureOut">
               <a:rPr lang="en-US" smtClean="0"/>
-              <a:t>7/9/20</a:t>
+              <a:t>7/10/20</a:t>
             </a:fld>
             <a:endParaRPr lang="en-US"/>
           </a:p>
@@ -3840,36 +4107,44 @@
         </p:nvSpPr>
         <p:spPr/>
         <p:txBody>
+          <a:bodyPr>
+            <a:normAutofit/>
+          </a:bodyPr>
+          <a:lstStyle/>
+          <a:p>
+            <a:r>
+              <a:rPr lang="en-US" sz="4000" dirty="0"/>
+              <a:t>ATP Life Extension in Synthetic Cells</a:t>
+            </a:r>
+          </a:p>
+        </p:txBody>
+      </p:sp>
+      <p:sp>
+        <p:nvSpPr>
+          <p:cNvPr id="3" name="Subtitle 2">
+            <a:extLst>
+              <a:ext uri="{FF2B5EF4-FFF2-40B4-BE49-F238E27FC236}">
+                <a16:creationId xmlns:a16="http://schemas.microsoft.com/office/drawing/2014/main" id="{602AF63C-6801-A142-8154-BFC671D7A677}"/>
+              </a:ext>
+            </a:extLst>
+          </p:cNvPr>
+          <p:cNvSpPr>
+            <a:spLocks noGrp="1"/>
+          </p:cNvSpPr>
+          <p:nvPr>
+            <p:ph type="subTitle" idx="1"/>
+          </p:nvPr>
+        </p:nvSpPr>
+        <p:spPr/>
+        <p:txBody>
           <a:bodyPr/>
           <a:lstStyle/>
           <a:p>
             <a:r>
               <a:rPr lang="en-US" dirty="0"/>
-              <a:t>Project Updates</a:t>
-            </a:r>
-          </a:p>
-        </p:txBody>
-      </p:sp>
-      <p:sp>
-        <p:nvSpPr>
-          <p:cNvPr id="3" name="Subtitle 2">
-            <a:extLst>
-              <a:ext uri="{FF2B5EF4-FFF2-40B4-BE49-F238E27FC236}">
-                <a16:creationId xmlns:a16="http://schemas.microsoft.com/office/drawing/2014/main" id="{602AF63C-6801-A142-8154-BFC671D7A677}"/>
-              </a:ext>
-            </a:extLst>
-          </p:cNvPr>
-          <p:cNvSpPr>
-            <a:spLocks noGrp="1"/>
-          </p:cNvSpPr>
-          <p:nvPr>
-            <p:ph type="subTitle" idx="1"/>
-          </p:nvPr>
-        </p:nvSpPr>
-        <p:spPr/>
-        <p:txBody>
-          <a:bodyPr/>
-          <a:lstStyle/>
+              <a:t>Synthetic Cell Meeting 7.15.2020</a:t>
+            </a:r>
+          </a:p>
           <a:p>
             <a:r>
               <a:rPr lang="en-US" dirty="0"/>
@@ -3884,10 +4159,609 @@
           </a:p>
         </p:txBody>
       </p:sp>
+      <p:pic>
+        <p:nvPicPr>
+          <p:cNvPr id="6" name="Picture 5" descr="A picture containing drawing&#10;&#10;Description automatically generated">
+            <a:extLst>
+              <a:ext uri="{FF2B5EF4-FFF2-40B4-BE49-F238E27FC236}">
+                <a16:creationId xmlns:a16="http://schemas.microsoft.com/office/drawing/2014/main" id="{08D95D88-3A02-D240-9CE3-DF4D209319F5}"/>
+              </a:ext>
+            </a:extLst>
+          </p:cNvPr>
+          <p:cNvPicPr>
+            <a:picLocks noChangeAspect="1"/>
+          </p:cNvPicPr>
+          <p:nvPr/>
+        </p:nvPicPr>
+        <p:blipFill rotWithShape="1">
+          <a:blip r:embed="rId2"/>
+          <a:srcRect l="245" b="862"/>
+          <a:stretch/>
+        </p:blipFill>
+        <p:spPr>
+          <a:xfrm>
+            <a:off x="10995199" y="6492240"/>
+            <a:ext cx="1074881" cy="259080"/>
+          </a:xfrm>
+          <a:prstGeom prst="rect">
+            <a:avLst/>
+          </a:prstGeom>
+        </p:spPr>
+      </p:pic>
     </p:spTree>
     <p:extLst>
       <p:ext uri="{BB962C8B-B14F-4D97-AF65-F5344CB8AC3E}">
         <p14:creationId xmlns:p14="http://schemas.microsoft.com/office/powerpoint/2010/main" val="2089212887"/>
+      </p:ext>
+    </p:extLst>
+  </p:cSld>
+  <p:clrMapOvr>
+    <a:masterClrMapping/>
+  </p:clrMapOvr>
+</p:sld>
+</file>
+
+<file path=ppt/slides/slide10.xml><?xml version="1.0" encoding="utf-8"?>
+<p:sld xmlns:a="http://schemas.openxmlformats.org/drawingml/2006/main" xmlns:r="http://schemas.openxmlformats.org/officeDocument/2006/relationships" xmlns:p="http://schemas.openxmlformats.org/presentationml/2006/main">
+  <p:cSld>
+    <p:spTree>
+      <p:nvGrpSpPr>
+        <p:cNvPr id="1" name=""/>
+        <p:cNvGrpSpPr/>
+        <p:nvPr/>
+      </p:nvGrpSpPr>
+      <p:grpSpPr>
+        <a:xfrm>
+          <a:off x="0" y="0"/>
+          <a:ext cx="0" cy="0"/>
+          <a:chOff x="0" y="0"/>
+          <a:chExt cx="0" cy="0"/>
+        </a:xfrm>
+      </p:grpSpPr>
+      <p:sp>
+        <p:nvSpPr>
+          <p:cNvPr id="2" name="Title 1">
+            <a:extLst>
+              <a:ext uri="{FF2B5EF4-FFF2-40B4-BE49-F238E27FC236}">
+                <a16:creationId xmlns:a16="http://schemas.microsoft.com/office/drawing/2014/main" id="{F2199787-9D1B-CB4D-91C9-BFAC7FBF012B}"/>
+              </a:ext>
+            </a:extLst>
+          </p:cNvPr>
+          <p:cNvSpPr>
+            <a:spLocks noGrp="1"/>
+          </p:cNvSpPr>
+          <p:nvPr>
+            <p:ph type="title"/>
+          </p:nvPr>
+        </p:nvSpPr>
+        <p:spPr/>
+        <p:txBody>
+          <a:bodyPr/>
+          <a:lstStyle/>
+          <a:p>
+            <a:r>
+              <a:rPr lang="en-US" dirty="0"/>
+              <a:t>Rheostat concerns</a:t>
+            </a:r>
+          </a:p>
+        </p:txBody>
+      </p:sp>
+      <p:sp>
+        <p:nvSpPr>
+          <p:cNvPr id="3" name="Content Placeholder 2">
+            <a:extLst>
+              <a:ext uri="{FF2B5EF4-FFF2-40B4-BE49-F238E27FC236}">
+                <a16:creationId xmlns:a16="http://schemas.microsoft.com/office/drawing/2014/main" id="{A6450656-1C2E-9E4F-A983-4671F2FA15E9}"/>
+              </a:ext>
+            </a:extLst>
+          </p:cNvPr>
+          <p:cNvSpPr>
+            <a:spLocks noGrp="1"/>
+          </p:cNvSpPr>
+          <p:nvPr>
+            <p:ph idx="1"/>
+          </p:nvPr>
+        </p:nvSpPr>
+        <p:spPr/>
+        <p:txBody>
+          <a:bodyPr/>
+          <a:lstStyle/>
+          <a:p>
+            <a:r>
+              <a:rPr lang="en-US" dirty="0"/>
+              <a:t>Experimental Planning </a:t>
+            </a:r>
+          </a:p>
+          <a:p>
+            <a:r>
+              <a:rPr lang="en-US" dirty="0"/>
+              <a:t>Accurate enzyme kinetics</a:t>
+            </a:r>
+          </a:p>
+          <a:p>
+            <a:r>
+              <a:rPr lang="en-US" dirty="0" err="1"/>
+              <a:t>nOt</a:t>
+            </a:r>
+            <a:r>
+              <a:rPr lang="en-US" dirty="0"/>
+              <a:t> enough information</a:t>
+            </a:r>
+          </a:p>
+          <a:p>
+            <a:r>
+              <a:rPr lang="en-US" dirty="0"/>
+              <a:t>Lot of enzymes in experiment</a:t>
+            </a:r>
+          </a:p>
+          <a:p>
+            <a:r>
+              <a:rPr lang="en-US" dirty="0">
+                <a:solidFill>
+                  <a:srgbClr val="FF0000"/>
+                </a:solidFill>
+              </a:rPr>
+              <a:t>Could affect transcription, translation</a:t>
+            </a:r>
+          </a:p>
+          <a:p>
+            <a:pPr lvl="1"/>
+            <a:r>
+              <a:rPr lang="en-US" dirty="0">
+                <a:solidFill>
+                  <a:srgbClr val="FF0000"/>
+                </a:solidFill>
+              </a:rPr>
+              <a:t>Look into this</a:t>
+            </a:r>
+          </a:p>
+          <a:p>
+            <a:endParaRPr lang="en-US" dirty="0"/>
+          </a:p>
+        </p:txBody>
+      </p:sp>
+    </p:spTree>
+    <p:extLst>
+      <p:ext uri="{BB962C8B-B14F-4D97-AF65-F5344CB8AC3E}">
+        <p14:creationId xmlns:p14="http://schemas.microsoft.com/office/powerpoint/2010/main" val="3822225"/>
+      </p:ext>
+    </p:extLst>
+  </p:cSld>
+  <p:clrMapOvr>
+    <a:masterClrMapping/>
+  </p:clrMapOvr>
+</p:sld>
+</file>
+
+<file path=ppt/slides/slide11.xml><?xml version="1.0" encoding="utf-8"?>
+<p:sld xmlns:a="http://schemas.openxmlformats.org/drawingml/2006/main" xmlns:r="http://schemas.openxmlformats.org/officeDocument/2006/relationships" xmlns:p="http://schemas.openxmlformats.org/presentationml/2006/main">
+  <p:cSld>
+    <p:spTree>
+      <p:nvGrpSpPr>
+        <p:cNvPr id="1" name=""/>
+        <p:cNvGrpSpPr/>
+        <p:nvPr/>
+      </p:nvGrpSpPr>
+      <p:grpSpPr>
+        <a:xfrm>
+          <a:off x="0" y="0"/>
+          <a:ext cx="0" cy="0"/>
+          <a:chOff x="0" y="0"/>
+          <a:chExt cx="0" cy="0"/>
+        </a:xfrm>
+      </p:grpSpPr>
+      <p:sp>
+        <p:nvSpPr>
+          <p:cNvPr id="2" name="Title 1">
+            <a:extLst>
+              <a:ext uri="{FF2B5EF4-FFF2-40B4-BE49-F238E27FC236}">
+                <a16:creationId xmlns:a16="http://schemas.microsoft.com/office/drawing/2014/main" id="{9BEE9B32-4972-D542-AA54-17F1B405C985}"/>
+              </a:ext>
+            </a:extLst>
+          </p:cNvPr>
+          <p:cNvSpPr>
+            <a:spLocks noGrp="1"/>
+          </p:cNvSpPr>
+          <p:nvPr>
+            <p:ph type="title"/>
+          </p:nvPr>
+        </p:nvSpPr>
+        <p:spPr/>
+        <p:txBody>
+          <a:bodyPr/>
+          <a:lstStyle/>
+          <a:p>
+            <a:r>
+              <a:rPr lang="en-US" dirty="0"/>
+              <a:t>For other people to use /how to use</a:t>
+            </a:r>
+          </a:p>
+        </p:txBody>
+      </p:sp>
+      <p:sp>
+        <p:nvSpPr>
+          <p:cNvPr id="3" name="Content Placeholder 2">
+            <a:extLst>
+              <a:ext uri="{FF2B5EF4-FFF2-40B4-BE49-F238E27FC236}">
+                <a16:creationId xmlns:a16="http://schemas.microsoft.com/office/drawing/2014/main" id="{3DA7B1F6-DC45-4644-811C-CC1516A0F4F1}"/>
+              </a:ext>
+            </a:extLst>
+          </p:cNvPr>
+          <p:cNvSpPr>
+            <a:spLocks noGrp="1"/>
+          </p:cNvSpPr>
+          <p:nvPr>
+            <p:ph idx="1"/>
+          </p:nvPr>
+        </p:nvSpPr>
+        <p:spPr/>
+        <p:txBody>
+          <a:bodyPr/>
+          <a:lstStyle/>
+          <a:p>
+            <a:r>
+              <a:rPr lang="en-US" dirty="0"/>
+              <a:t>Include </a:t>
+            </a:r>
+            <a:r>
+              <a:rPr lang="en-US" dirty="0" err="1"/>
+              <a:t>dod</a:t>
+            </a:r>
+            <a:r>
+              <a:rPr lang="en-US" dirty="0"/>
+              <a:t>  proposal schematic s</a:t>
+            </a:r>
+          </a:p>
+          <a:p>
+            <a:r>
+              <a:rPr lang="en-US" dirty="0"/>
+              <a:t>SUBSBML Model</a:t>
+            </a:r>
+          </a:p>
+          <a:p>
+            <a:r>
+              <a:rPr lang="en-US" dirty="0"/>
+              <a:t>Companionship with </a:t>
+            </a:r>
+            <a:r>
+              <a:rPr lang="en-US" dirty="0" err="1"/>
+              <a:t>Agrima</a:t>
+            </a:r>
+            <a:endParaRPr lang="en-US" dirty="0"/>
+          </a:p>
+          <a:p>
+            <a:endParaRPr lang="en-US" dirty="0"/>
+          </a:p>
+        </p:txBody>
+      </p:sp>
+    </p:spTree>
+    <p:extLst>
+      <p:ext uri="{BB962C8B-B14F-4D97-AF65-F5344CB8AC3E}">
+        <p14:creationId xmlns:p14="http://schemas.microsoft.com/office/powerpoint/2010/main" val="2010598947"/>
+      </p:ext>
+    </p:extLst>
+  </p:cSld>
+  <p:clrMapOvr>
+    <a:masterClrMapping/>
+  </p:clrMapOvr>
+</p:sld>
+</file>
+
+<file path=ppt/slides/slide12.xml><?xml version="1.0" encoding="utf-8"?>
+<p:sld xmlns:a="http://schemas.openxmlformats.org/drawingml/2006/main" xmlns:r="http://schemas.openxmlformats.org/officeDocument/2006/relationships" xmlns:p="http://schemas.openxmlformats.org/presentationml/2006/main">
+  <p:cSld>
+    <p:spTree>
+      <p:nvGrpSpPr>
+        <p:cNvPr id="1" name=""/>
+        <p:cNvGrpSpPr/>
+        <p:nvPr/>
+      </p:nvGrpSpPr>
+      <p:grpSpPr>
+        <a:xfrm>
+          <a:off x="0" y="0"/>
+          <a:ext cx="0" cy="0"/>
+          <a:chOff x="0" y="0"/>
+          <a:chExt cx="0" cy="0"/>
+        </a:xfrm>
+      </p:grpSpPr>
+      <p:sp>
+        <p:nvSpPr>
+          <p:cNvPr id="2" name="Title 1">
+            <a:extLst>
+              <a:ext uri="{FF2B5EF4-FFF2-40B4-BE49-F238E27FC236}">
+                <a16:creationId xmlns:a16="http://schemas.microsoft.com/office/drawing/2014/main" id="{8EDB4328-A540-9E41-93E5-E6BFB48B794B}"/>
+              </a:ext>
+            </a:extLst>
+          </p:cNvPr>
+          <p:cNvSpPr>
+            <a:spLocks noGrp="1"/>
+          </p:cNvSpPr>
+          <p:nvPr>
+            <p:ph type="title"/>
+          </p:nvPr>
+        </p:nvSpPr>
+        <p:spPr/>
+        <p:txBody>
+          <a:bodyPr/>
+          <a:lstStyle/>
+          <a:p>
+            <a:r>
+              <a:rPr lang="en-US" dirty="0"/>
+              <a:t>ATP synthase model/roadmap/progress</a:t>
+            </a:r>
+          </a:p>
+        </p:txBody>
+      </p:sp>
+      <p:sp>
+        <p:nvSpPr>
+          <p:cNvPr id="3" name="Content Placeholder 2">
+            <a:extLst>
+              <a:ext uri="{FF2B5EF4-FFF2-40B4-BE49-F238E27FC236}">
+                <a16:creationId xmlns:a16="http://schemas.microsoft.com/office/drawing/2014/main" id="{2D51BB89-A2BF-D54E-B490-282302C69820}"/>
+              </a:ext>
+            </a:extLst>
+          </p:cNvPr>
+          <p:cNvSpPr>
+            <a:spLocks noGrp="1"/>
+          </p:cNvSpPr>
+          <p:nvPr>
+            <p:ph idx="1"/>
+          </p:nvPr>
+        </p:nvSpPr>
+        <p:spPr/>
+        <p:txBody>
+          <a:bodyPr/>
+          <a:lstStyle/>
+          <a:p>
+            <a:r>
+              <a:rPr lang="en-US" dirty="0"/>
+              <a:t>Attach ODE’s of Current Model</a:t>
+            </a:r>
+          </a:p>
+          <a:p>
+            <a:pPr lvl="1"/>
+            <a:r>
+              <a:rPr lang="en-US" dirty="0" err="1"/>
+              <a:t>uFuture</a:t>
+            </a:r>
+            <a:r>
+              <a:rPr lang="en-US" dirty="0"/>
+              <a:t> Steps</a:t>
+            </a:r>
+          </a:p>
+        </p:txBody>
+      </p:sp>
+    </p:spTree>
+    <p:extLst>
+      <p:ext uri="{BB962C8B-B14F-4D97-AF65-F5344CB8AC3E}">
+        <p14:creationId xmlns:p14="http://schemas.microsoft.com/office/powerpoint/2010/main" val="3475064991"/>
+      </p:ext>
+    </p:extLst>
+  </p:cSld>
+  <p:clrMapOvr>
+    <a:masterClrMapping/>
+  </p:clrMapOvr>
+</p:sld>
+</file>
+
+<file path=ppt/slides/slide13.xml><?xml version="1.0" encoding="utf-8"?>
+<p:sld xmlns:a="http://schemas.openxmlformats.org/drawingml/2006/main" xmlns:r="http://schemas.openxmlformats.org/officeDocument/2006/relationships" xmlns:p="http://schemas.openxmlformats.org/presentationml/2006/main">
+  <p:cSld>
+    <p:spTree>
+      <p:nvGrpSpPr>
+        <p:cNvPr id="1" name=""/>
+        <p:cNvGrpSpPr/>
+        <p:nvPr/>
+      </p:nvGrpSpPr>
+      <p:grpSpPr>
+        <a:xfrm>
+          <a:off x="0" y="0"/>
+          <a:ext cx="0" cy="0"/>
+          <a:chOff x="0" y="0"/>
+          <a:chExt cx="0" cy="0"/>
+        </a:xfrm>
+      </p:grpSpPr>
+      <p:sp>
+        <p:nvSpPr>
+          <p:cNvPr id="2" name="Title 1">
+            <a:extLst>
+              <a:ext uri="{FF2B5EF4-FFF2-40B4-BE49-F238E27FC236}">
+                <a16:creationId xmlns:a16="http://schemas.microsoft.com/office/drawing/2014/main" id="{04CF9589-66BD-0B46-9A5D-826964207CCF}"/>
+              </a:ext>
+            </a:extLst>
+          </p:cNvPr>
+          <p:cNvSpPr>
+            <a:spLocks noGrp="1"/>
+          </p:cNvSpPr>
+          <p:nvPr>
+            <p:ph type="title"/>
+          </p:nvPr>
+        </p:nvSpPr>
+        <p:spPr/>
+        <p:txBody>
+          <a:bodyPr/>
+          <a:lstStyle/>
+          <a:p>
+            <a:r>
+              <a:rPr lang="en-US" dirty="0"/>
+              <a:t>Future directions</a:t>
+            </a:r>
+          </a:p>
+        </p:txBody>
+      </p:sp>
+      <p:sp>
+        <p:nvSpPr>
+          <p:cNvPr id="3" name="Content Placeholder 2">
+            <a:extLst>
+              <a:ext uri="{FF2B5EF4-FFF2-40B4-BE49-F238E27FC236}">
+                <a16:creationId xmlns:a16="http://schemas.microsoft.com/office/drawing/2014/main" id="{C4A4F3C8-C846-0343-A706-492C73AF68BB}"/>
+              </a:ext>
+            </a:extLst>
+          </p:cNvPr>
+          <p:cNvSpPr>
+            <a:spLocks noGrp="1"/>
+          </p:cNvSpPr>
+          <p:nvPr>
+            <p:ph idx="1"/>
+          </p:nvPr>
+        </p:nvSpPr>
+        <p:spPr/>
+        <p:txBody>
+          <a:bodyPr/>
+          <a:lstStyle/>
+          <a:p>
+            <a:r>
+              <a:rPr lang="en-US" dirty="0"/>
+              <a:t>Work with others! </a:t>
+            </a:r>
+          </a:p>
+          <a:p>
+            <a:endParaRPr lang="en-US" dirty="0"/>
+          </a:p>
+        </p:txBody>
+      </p:sp>
+    </p:spTree>
+    <p:extLst>
+      <p:ext uri="{BB962C8B-B14F-4D97-AF65-F5344CB8AC3E}">
+        <p14:creationId xmlns:p14="http://schemas.microsoft.com/office/powerpoint/2010/main" val="2500968503"/>
+      </p:ext>
+    </p:extLst>
+  </p:cSld>
+  <p:clrMapOvr>
+    <a:masterClrMapping/>
+  </p:clrMapOvr>
+</p:sld>
+</file>
+
+<file path=ppt/slides/slide14.xml><?xml version="1.0" encoding="utf-8"?>
+<p:sld xmlns:a="http://schemas.openxmlformats.org/drawingml/2006/main" xmlns:r="http://schemas.openxmlformats.org/officeDocument/2006/relationships" xmlns:p="http://schemas.openxmlformats.org/presentationml/2006/main">
+  <p:cSld>
+    <p:spTree>
+      <p:nvGrpSpPr>
+        <p:cNvPr id="1" name=""/>
+        <p:cNvGrpSpPr/>
+        <p:nvPr/>
+      </p:nvGrpSpPr>
+      <p:grpSpPr>
+        <a:xfrm>
+          <a:off x="0" y="0"/>
+          <a:ext cx="0" cy="0"/>
+          <a:chOff x="0" y="0"/>
+          <a:chExt cx="0" cy="0"/>
+        </a:xfrm>
+      </p:grpSpPr>
+      <p:sp>
+        <p:nvSpPr>
+          <p:cNvPr id="2" name="Title 1">
+            <a:extLst>
+              <a:ext uri="{FF2B5EF4-FFF2-40B4-BE49-F238E27FC236}">
+                <a16:creationId xmlns:a16="http://schemas.microsoft.com/office/drawing/2014/main" id="{420F3BB3-77AB-F94D-A671-0879CE66086D}"/>
+              </a:ext>
+            </a:extLst>
+          </p:cNvPr>
+          <p:cNvSpPr>
+            <a:spLocks noGrp="1"/>
+          </p:cNvSpPr>
+          <p:nvPr>
+            <p:ph type="title"/>
+          </p:nvPr>
+        </p:nvSpPr>
+        <p:spPr/>
+        <p:txBody>
+          <a:bodyPr/>
+          <a:lstStyle/>
+          <a:p>
+            <a:r>
+              <a:rPr lang="en-US" dirty="0"/>
+              <a:t>Thank You!</a:t>
+            </a:r>
+          </a:p>
+        </p:txBody>
+      </p:sp>
+      <p:sp>
+        <p:nvSpPr>
+          <p:cNvPr id="3" name="Content Placeholder 2">
+            <a:extLst>
+              <a:ext uri="{FF2B5EF4-FFF2-40B4-BE49-F238E27FC236}">
+                <a16:creationId xmlns:a16="http://schemas.microsoft.com/office/drawing/2014/main" id="{E2D8B660-A6B9-D34F-B145-8B7FFA417B77}"/>
+              </a:ext>
+            </a:extLst>
+          </p:cNvPr>
+          <p:cNvSpPr>
+            <a:spLocks noGrp="1"/>
+          </p:cNvSpPr>
+          <p:nvPr>
+            <p:ph idx="1"/>
+          </p:nvPr>
+        </p:nvSpPr>
+        <p:spPr/>
+        <p:txBody>
+          <a:bodyPr/>
+          <a:lstStyle/>
+          <a:p>
+            <a:r>
+              <a:rPr lang="en-US" dirty="0"/>
+              <a:t>William Poole</a:t>
+            </a:r>
+          </a:p>
+          <a:p>
+            <a:r>
+              <a:rPr lang="en-US" dirty="0"/>
+              <a:t>David Garcia</a:t>
+            </a:r>
+          </a:p>
+          <a:p>
+            <a:r>
+              <a:rPr lang="en-US" dirty="0" err="1"/>
+              <a:t>Ayush</a:t>
+            </a:r>
+            <a:r>
+              <a:rPr lang="en-US" dirty="0"/>
+              <a:t> Pandey</a:t>
+            </a:r>
+          </a:p>
+          <a:p>
+            <a:r>
+              <a:rPr lang="en-US" dirty="0"/>
+              <a:t>Richard Murray</a:t>
+            </a:r>
+          </a:p>
+        </p:txBody>
+      </p:sp>
+      <p:pic>
+        <p:nvPicPr>
+          <p:cNvPr id="4" name="Picture 3" descr="A picture containing drawing&#10;&#10;Description automatically generated">
+            <a:extLst>
+              <a:ext uri="{FF2B5EF4-FFF2-40B4-BE49-F238E27FC236}">
+                <a16:creationId xmlns:a16="http://schemas.microsoft.com/office/drawing/2014/main" id="{E14BF12C-6997-D54E-9304-BD650BAC1A41}"/>
+              </a:ext>
+            </a:extLst>
+          </p:cNvPr>
+          <p:cNvPicPr>
+            <a:picLocks noChangeAspect="1"/>
+          </p:cNvPicPr>
+          <p:nvPr/>
+        </p:nvPicPr>
+        <p:blipFill>
+          <a:blip r:embed="rId2"/>
+          <a:stretch>
+            <a:fillRect/>
+          </a:stretch>
+        </p:blipFill>
+        <p:spPr>
+          <a:xfrm>
+            <a:off x="11117119" y="6514803"/>
+            <a:ext cx="1074881" cy="343197"/>
+          </a:xfrm>
+          <a:prstGeom prst="rect">
+            <a:avLst/>
+          </a:prstGeom>
+        </p:spPr>
+      </p:pic>
+    </p:spTree>
+    <p:extLst>
+      <p:ext uri="{BB962C8B-B14F-4D97-AF65-F5344CB8AC3E}">
+        <p14:creationId xmlns:p14="http://schemas.microsoft.com/office/powerpoint/2010/main" val="1747837899"/>
       </p:ext>
     </p:extLst>
   </p:cSld>
@@ -3998,7 +4872,7 @@
           </a:p>
           <a:p>
             <a:r>
-              <a:rPr lang="en-US" b="1" dirty="0"/>
+              <a:rPr lang="en-US" b="1" strike="sngStrike" dirty="0"/>
               <a:t>Should you try this in biocrnpyler/bioscrape for the time being?</a:t>
             </a:r>
           </a:p>
@@ -4160,10 +5034,10 @@
       </p:grpSpPr>
       <p:sp>
         <p:nvSpPr>
-          <p:cNvPr id="4" name="Title 3">
-            <a:extLst>
-              <a:ext uri="{FF2B5EF4-FFF2-40B4-BE49-F238E27FC236}">
-                <a16:creationId xmlns:a16="http://schemas.microsoft.com/office/drawing/2014/main" id="{E4779695-E9AC-604C-8A6F-9F5D912F2344}"/>
+          <p:cNvPr id="2" name="Title 1">
+            <a:extLst>
+              <a:ext uri="{FF2B5EF4-FFF2-40B4-BE49-F238E27FC236}">
+                <a16:creationId xmlns:a16="http://schemas.microsoft.com/office/drawing/2014/main" id="{FA139E81-C1D2-A74A-B095-1D3CF78DD2AC}"/>
               </a:ext>
             </a:extLst>
           </p:cNvPr>
@@ -4174,7 +5048,12 @@
             <p:ph type="title"/>
           </p:nvPr>
         </p:nvSpPr>
-        <p:spPr/>
+        <p:spPr>
+          <a:xfrm>
+            <a:off x="838200" y="365125"/>
+            <a:ext cx="5023494" cy="1642969"/>
+          </a:xfrm>
+        </p:spPr>
         <p:txBody>
           <a:bodyPr>
             <a:normAutofit/>
@@ -4182,36 +5061,293 @@
           <a:lstStyle/>
           <a:p>
             <a:r>
-              <a:rPr lang="en-US" sz="4800" dirty="0"/>
-              <a:t>Rheostat Machinery - Bioscrape</a:t>
-            </a:r>
-          </a:p>
-        </p:txBody>
-      </p:sp>
-      <p:sp>
-        <p:nvSpPr>
-          <p:cNvPr id="5" name="Text Placeholder 4">
-            <a:extLst>
-              <a:ext uri="{FF2B5EF4-FFF2-40B4-BE49-F238E27FC236}">
-                <a16:creationId xmlns:a16="http://schemas.microsoft.com/office/drawing/2014/main" id="{E2DF285A-7D25-8D4D-BF80-3869FC0F8518}"/>
-              </a:ext>
-            </a:extLst>
-          </p:cNvPr>
-          <p:cNvSpPr>
-            <a:spLocks noGrp="1"/>
-          </p:cNvSpPr>
-          <p:nvPr>
-            <p:ph type="body" idx="1"/>
-          </p:nvPr>
-        </p:nvSpPr>
-        <p:spPr/>
-        <p:txBody>
-          <a:bodyPr/>
-          <a:lstStyle/>
-          <a:p>
-            <a:r>
-              <a:rPr lang="en-US" dirty="0"/>
-              <a:t>5.7.2020</a:t>
+              <a:rPr lang="en-US" sz="3200" dirty="0"/>
+              <a:t>Goal: ATP Life Extension in Synthetic Cells</a:t>
+            </a:r>
+          </a:p>
+        </p:txBody>
+      </p:sp>
+      <p:grpSp>
+        <p:nvGrpSpPr>
+          <p:cNvPr id="3" name="Group 2">
+            <a:extLst>
+              <a:ext uri="{FF2B5EF4-FFF2-40B4-BE49-F238E27FC236}">
+                <a16:creationId xmlns:a16="http://schemas.microsoft.com/office/drawing/2014/main" id="{3758C4B6-413B-6848-8E4F-E7699DA003E3}"/>
+              </a:ext>
+            </a:extLst>
+          </p:cNvPr>
+          <p:cNvGrpSpPr/>
+          <p:nvPr/>
+        </p:nvGrpSpPr>
+        <p:grpSpPr>
+          <a:xfrm>
+            <a:off x="460986" y="2133649"/>
+            <a:ext cx="5023494" cy="3128568"/>
+            <a:chOff x="2673542" y="2305947"/>
+            <a:chExt cx="6358945" cy="3897417"/>
+          </a:xfrm>
+        </p:grpSpPr>
+        <p:pic>
+          <p:nvPicPr>
+            <p:cNvPr id="5" name="Picture 2">
+              <a:extLst>
+                <a:ext uri="{FF2B5EF4-FFF2-40B4-BE49-F238E27FC236}">
+                  <a16:creationId xmlns:a16="http://schemas.microsoft.com/office/drawing/2014/main" id="{0EE84680-DA8D-BD45-80A8-94D8AE7B67B3}"/>
+                </a:ext>
+              </a:extLst>
+            </p:cNvPr>
+            <p:cNvPicPr>
+              <a:picLocks noChangeAspect="1" noChangeArrowheads="1"/>
+            </p:cNvPicPr>
+            <p:nvPr/>
+          </p:nvPicPr>
+          <p:blipFill>
+            <a:blip r:embed="rId2">
+              <a:extLst>
+                <a:ext uri="{28A0092B-C50C-407E-A947-70E740481C1C}">
+                  <a14:useLocalDpi xmlns:a14="http://schemas.microsoft.com/office/drawing/2010/main" val="0"/>
+                </a:ext>
+              </a:extLst>
+            </a:blip>
+            <a:srcRect/>
+            <a:stretch>
+              <a:fillRect/>
+            </a:stretch>
+          </p:blipFill>
+          <p:spPr bwMode="auto">
+            <a:xfrm>
+              <a:off x="2673543" y="2305946"/>
+              <a:ext cx="6358945" cy="3897417"/>
+            </a:xfrm>
+            <a:prstGeom prst="rect">
+              <a:avLst/>
+            </a:prstGeom>
+            <a:noFill/>
+            <a:extLst>
+              <a:ext uri="{909E8E84-426E-40DD-AFC4-6F175D3DCCD1}">
+                <a14:hiddenFill xmlns:a14="http://schemas.microsoft.com/office/drawing/2010/main">
+                  <a:solidFill>
+                    <a:srgbClr val="FFFFFF"/>
+                  </a:solidFill>
+                </a14:hiddenFill>
+              </a:ext>
+            </a:extLst>
+          </p:spPr>
+        </p:pic>
+        <p:sp>
+          <p:nvSpPr>
+            <p:cNvPr id="6" name="TextBox 5">
+              <a:extLst>
+                <a:ext uri="{FF2B5EF4-FFF2-40B4-BE49-F238E27FC236}">
+                  <a16:creationId xmlns:a16="http://schemas.microsoft.com/office/drawing/2014/main" id="{89E9F93C-F176-C040-A502-EB00509D4597}"/>
+                </a:ext>
+              </a:extLst>
+            </p:cNvPr>
+            <p:cNvSpPr txBox="1"/>
+            <p:nvPr/>
+          </p:nvSpPr>
+          <p:spPr>
+            <a:xfrm>
+              <a:off x="4405914" y="3832900"/>
+              <a:ext cx="1447102" cy="421754"/>
+            </a:xfrm>
+            <a:prstGeom prst="rect">
+              <a:avLst/>
+            </a:prstGeom>
+            <a:noFill/>
+          </p:spPr>
+          <p:txBody>
+            <a:bodyPr wrap="square" rtlCol="0">
+              <a:spAutoFit/>
+            </a:bodyPr>
+            <a:lstStyle/>
+            <a:p>
+              <a:r>
+                <a:rPr lang="en-US" sz="1600" dirty="0">
+                  <a:latin typeface="Avenir Book" panose="02000503020000020003" pitchFamily="2" charset="0"/>
+                </a:rPr>
+                <a:t>TX/TL</a:t>
+              </a:r>
+            </a:p>
+          </p:txBody>
+        </p:sp>
+      </p:grpSp>
+      <p:sp>
+        <p:nvSpPr>
+          <p:cNvPr id="7" name="Title 1">
+            <a:extLst>
+              <a:ext uri="{FF2B5EF4-FFF2-40B4-BE49-F238E27FC236}">
+                <a16:creationId xmlns:a16="http://schemas.microsoft.com/office/drawing/2014/main" id="{12D5DA37-0E1D-4D45-8C92-3D2AA3112510}"/>
+              </a:ext>
+            </a:extLst>
+          </p:cNvPr>
+          <p:cNvSpPr txBox="1">
+            <a:spLocks/>
+          </p:cNvSpPr>
+          <p:nvPr/>
+        </p:nvSpPr>
+        <p:spPr>
+          <a:xfrm>
+            <a:off x="7099997" y="200024"/>
+            <a:ext cx="3854380" cy="1642969"/>
+          </a:xfrm>
+          <a:prstGeom prst="rect">
+            <a:avLst/>
+          </a:prstGeom>
+        </p:spPr>
+        <p:txBody>
+          <a:bodyPr vert="horz" lIns="91440" tIns="45720" rIns="91440" bIns="45720" rtlCol="0" anchor="ctr">
+            <a:normAutofit fontScale="97500"/>
+          </a:bodyPr>
+          <a:lstStyle>
+            <a:lvl1pPr algn="l" defTabSz="914400" rtl="0" eaLnBrk="1" latinLnBrk="0" hangingPunct="1">
+              <a:lnSpc>
+                <a:spcPct val="90000"/>
+              </a:lnSpc>
+              <a:spcBef>
+                <a:spcPct val="0"/>
+              </a:spcBef>
+              <a:buNone/>
+              <a:defRPr sz="4400" kern="1200">
+                <a:solidFill>
+                  <a:schemeClr val="tx1"/>
+                </a:solidFill>
+                <a:latin typeface="Avenir Book" panose="02000503020000020003" pitchFamily="2" charset="0"/>
+                <a:ea typeface="+mj-ea"/>
+                <a:cs typeface="+mj-cs"/>
+              </a:defRPr>
+            </a:lvl1pPr>
+          </a:lstStyle>
+          <a:p>
+            <a:r>
+              <a:rPr lang="en-US" sz="2400" dirty="0"/>
+              <a:t>Proposal 1: Regeneration by Rheostat Machinery</a:t>
+            </a:r>
+          </a:p>
+        </p:txBody>
+      </p:sp>
+      <p:pic>
+        <p:nvPicPr>
+          <p:cNvPr id="8" name="Picture 7" descr="A close up of a map&#10;&#10;Description automatically generated">
+            <a:extLst>
+              <a:ext uri="{FF2B5EF4-FFF2-40B4-BE49-F238E27FC236}">
+                <a16:creationId xmlns:a16="http://schemas.microsoft.com/office/drawing/2014/main" id="{A3805F46-DF6F-1E42-BFDD-0FA8B0F0354B}"/>
+              </a:ext>
+            </a:extLst>
+          </p:cNvPr>
+          <p:cNvPicPr>
+            <a:picLocks noChangeAspect="1"/>
+          </p:cNvPicPr>
+          <p:nvPr/>
+        </p:nvPicPr>
+        <p:blipFill>
+          <a:blip r:embed="rId3"/>
+          <a:stretch>
+            <a:fillRect/>
+          </a:stretch>
+        </p:blipFill>
+        <p:spPr>
+          <a:xfrm>
+            <a:off x="6606449" y="2646966"/>
+            <a:ext cx="2886078" cy="2581848"/>
+          </a:xfrm>
+          <a:prstGeom prst="rect">
+            <a:avLst/>
+          </a:prstGeom>
+        </p:spPr>
+      </p:pic>
+      <p:pic>
+        <p:nvPicPr>
+          <p:cNvPr id="9" name="Content Placeholder 4" descr="A close up of a map&#10;&#10;Description automatically generated">
+            <a:extLst>
+              <a:ext uri="{FF2B5EF4-FFF2-40B4-BE49-F238E27FC236}">
+                <a16:creationId xmlns:a16="http://schemas.microsoft.com/office/drawing/2014/main" id="{6466F7DC-E0F1-0E45-A5C5-E16FBB464DD4}"/>
+              </a:ext>
+            </a:extLst>
+          </p:cNvPr>
+          <p:cNvPicPr>
+            <a:picLocks noGrp="1" noChangeAspect="1"/>
+          </p:cNvPicPr>
+          <p:nvPr>
+            <p:ph idx="1"/>
+          </p:nvPr>
+        </p:nvPicPr>
+        <p:blipFill>
+          <a:blip r:embed="rId4"/>
+          <a:stretch>
+            <a:fillRect/>
+          </a:stretch>
+        </p:blipFill>
+        <p:spPr>
+          <a:xfrm>
+            <a:off x="9665005" y="1461829"/>
+            <a:ext cx="2151857" cy="4952123"/>
+          </a:xfrm>
+        </p:spPr>
+      </p:pic>
+      <p:pic>
+        <p:nvPicPr>
+          <p:cNvPr id="14" name="Picture 13" descr="A picture containing drawing&#10;&#10;Description automatically generated">
+            <a:extLst>
+              <a:ext uri="{FF2B5EF4-FFF2-40B4-BE49-F238E27FC236}">
+                <a16:creationId xmlns:a16="http://schemas.microsoft.com/office/drawing/2014/main" id="{51C6EA00-0EBF-3744-8E18-D9DF480D4860}"/>
+              </a:ext>
+            </a:extLst>
+          </p:cNvPr>
+          <p:cNvPicPr>
+            <a:picLocks noChangeAspect="1"/>
+          </p:cNvPicPr>
+          <p:nvPr/>
+        </p:nvPicPr>
+        <p:blipFill>
+          <a:blip r:embed="rId5"/>
+          <a:stretch>
+            <a:fillRect/>
+          </a:stretch>
+        </p:blipFill>
+        <p:spPr>
+          <a:xfrm>
+            <a:off x="11117119" y="6514803"/>
+            <a:ext cx="1074881" cy="343197"/>
+          </a:xfrm>
+          <a:prstGeom prst="rect">
+            <a:avLst/>
+          </a:prstGeom>
+        </p:spPr>
+      </p:pic>
+      <p:sp>
+        <p:nvSpPr>
+          <p:cNvPr id="10" name="TextBox 9">
+            <a:extLst>
+              <a:ext uri="{FF2B5EF4-FFF2-40B4-BE49-F238E27FC236}">
+                <a16:creationId xmlns:a16="http://schemas.microsoft.com/office/drawing/2014/main" id="{8D7DDF09-E5E1-FD4A-A3E0-40BA3C7D5C6A}"/>
+              </a:ext>
+            </a:extLst>
+          </p:cNvPr>
+          <p:cNvSpPr txBox="1"/>
+          <p:nvPr/>
+        </p:nvSpPr>
+        <p:spPr>
+          <a:xfrm>
+            <a:off x="7941790" y="6589099"/>
+            <a:ext cx="3273653" cy="261610"/>
+          </a:xfrm>
+          <a:prstGeom prst="rect">
+            <a:avLst/>
+          </a:prstGeom>
+          <a:noFill/>
+        </p:spPr>
+        <p:txBody>
+          <a:bodyPr wrap="none" rtlCol="0">
+            <a:spAutoFit/>
+          </a:bodyPr>
+          <a:lstStyle/>
+          <a:p>
+            <a:r>
+              <a:rPr lang="en-US" sz="1100" dirty="0">
+                <a:latin typeface="Avenir Book" panose="02000503020000020003" pitchFamily="2" charset="0"/>
+              </a:rPr>
+              <a:t>Opgenorth et al., 2017, Nature Chemical Biology</a:t>
             </a:r>
           </a:p>
         </p:txBody>
@@ -4219,7 +5355,7 @@
     </p:spTree>
     <p:extLst>
       <p:ext uri="{BB962C8B-B14F-4D97-AF65-F5344CB8AC3E}">
-        <p14:creationId xmlns:p14="http://schemas.microsoft.com/office/powerpoint/2010/main" val="148272130"/>
+        <p14:creationId xmlns:p14="http://schemas.microsoft.com/office/powerpoint/2010/main" val="365476452"/>
       </p:ext>
     </p:extLst>
   </p:cSld>
@@ -4248,10 +5384,10 @@
       </p:grpSpPr>
       <p:sp>
         <p:nvSpPr>
-          <p:cNvPr id="4" name="Title 3">
-            <a:extLst>
-              <a:ext uri="{FF2B5EF4-FFF2-40B4-BE49-F238E27FC236}">
-                <a16:creationId xmlns:a16="http://schemas.microsoft.com/office/drawing/2014/main" id="{2E166007-BDDB-294E-8B02-E6F003FECEAB}"/>
+          <p:cNvPr id="2" name="Title 1">
+            <a:extLst>
+              <a:ext uri="{FF2B5EF4-FFF2-40B4-BE49-F238E27FC236}">
+                <a16:creationId xmlns:a16="http://schemas.microsoft.com/office/drawing/2014/main" id="{373BA270-29C6-2541-9E9B-2C6547497111}"/>
               </a:ext>
             </a:extLst>
           </p:cNvPr>
@@ -4262,66 +5398,908 @@
             <p:ph type="title"/>
           </p:nvPr>
         </p:nvSpPr>
-        <p:spPr/>
-        <p:txBody>
-          <a:bodyPr/>
-          <a:lstStyle/>
-          <a:p>
-            <a:r>
-              <a:rPr lang="en-US" dirty="0"/>
-              <a:t>Bioscrape Modeling</a:t>
-            </a:r>
-          </a:p>
-        </p:txBody>
-      </p:sp>
-      <p:sp>
-        <p:nvSpPr>
-          <p:cNvPr id="5" name="Content Placeholder 4">
-            <a:extLst>
-              <a:ext uri="{FF2B5EF4-FFF2-40B4-BE49-F238E27FC236}">
-                <a16:creationId xmlns:a16="http://schemas.microsoft.com/office/drawing/2014/main" id="{98C1650D-F933-BC4A-8898-49464EE61C5B}"/>
-              </a:ext>
-            </a:extLst>
-          </p:cNvPr>
-          <p:cNvSpPr>
-            <a:spLocks noGrp="1"/>
-          </p:cNvSpPr>
-          <p:nvPr>
-            <p:ph idx="1"/>
-          </p:nvPr>
-        </p:nvSpPr>
-        <p:spPr/>
-        <p:txBody>
-          <a:bodyPr/>
-          <a:lstStyle/>
-          <a:p>
-            <a:r>
-              <a:rPr lang="en-US" dirty="0"/>
-              <a:t>Look at all 3 enzymatic models</a:t>
-            </a:r>
-          </a:p>
-          <a:p>
-            <a:r>
-              <a:rPr lang="en-US" dirty="0"/>
-              <a:t>Understand and get valid parameter values</a:t>
-            </a:r>
-          </a:p>
-          <a:p>
-            <a:r>
-              <a:rPr lang="en-US" dirty="0"/>
-              <a:t>Get units of time and concentration</a:t>
-            </a:r>
-          </a:p>
-          <a:p>
-            <a:r>
-              <a:rPr lang="en-US" dirty="0"/>
-              <a:t>Try to find parameter values where the models look the same</a:t>
-            </a:r>
-          </a:p>
-          <a:p>
-            <a:r>
-              <a:rPr lang="en-US" dirty="0"/>
-              <a:t>Try to pick a model</a:t>
+        <p:spPr>
+          <a:xfrm>
+            <a:off x="596897" y="314203"/>
+            <a:ext cx="10515600" cy="1325563"/>
+          </a:xfrm>
+        </p:spPr>
+        <p:txBody>
+          <a:bodyPr>
+            <a:normAutofit/>
+          </a:bodyPr>
+          <a:lstStyle/>
+          <a:p>
+            <a:r>
+              <a:rPr lang="en-US" sz="3200" b="1" dirty="0"/>
+              <a:t>Roadmap</a:t>
+            </a:r>
+          </a:p>
+        </p:txBody>
+      </p:sp>
+      <p:grpSp>
+        <p:nvGrpSpPr>
+          <p:cNvPr id="71" name="Group 70">
+            <a:extLst>
+              <a:ext uri="{FF2B5EF4-FFF2-40B4-BE49-F238E27FC236}">
+                <a16:creationId xmlns:a16="http://schemas.microsoft.com/office/drawing/2014/main" id="{3635B9FF-DBDE-FE4B-A177-09830D39F901}"/>
+              </a:ext>
+            </a:extLst>
+          </p:cNvPr>
+          <p:cNvGrpSpPr/>
+          <p:nvPr/>
+        </p:nvGrpSpPr>
+        <p:grpSpPr>
+          <a:xfrm>
+            <a:off x="114300" y="2359535"/>
+            <a:ext cx="11821762" cy="3360222"/>
+            <a:chOff x="114300" y="2359535"/>
+            <a:chExt cx="11821762" cy="3360222"/>
+          </a:xfrm>
+        </p:grpSpPr>
+        <p:cxnSp>
+          <p:nvCxnSpPr>
+            <p:cNvPr id="6" name="Straight Arrow Connector 5">
+              <a:extLst>
+                <a:ext uri="{FF2B5EF4-FFF2-40B4-BE49-F238E27FC236}">
+                  <a16:creationId xmlns:a16="http://schemas.microsoft.com/office/drawing/2014/main" id="{EF6F3BC4-F6CF-1346-902A-2551BB2B7B2F}"/>
+                </a:ext>
+              </a:extLst>
+            </p:cNvPr>
+            <p:cNvCxnSpPr>
+              <a:cxnSpLocks/>
+            </p:cNvCxnSpPr>
+            <p:nvPr/>
+          </p:nvCxnSpPr>
+          <p:spPr>
+            <a:xfrm>
+              <a:off x="179737" y="3937644"/>
+              <a:ext cx="11756325" cy="0"/>
+            </a:xfrm>
+            <a:prstGeom prst="straightConnector1">
+              <a:avLst/>
+            </a:prstGeom>
+            <a:ln w="38100">
+              <a:tailEnd type="triangle"/>
+            </a:ln>
+          </p:spPr>
+          <p:style>
+            <a:lnRef idx="1">
+              <a:schemeClr val="dk1"/>
+            </a:lnRef>
+            <a:fillRef idx="0">
+              <a:schemeClr val="dk1"/>
+            </a:fillRef>
+            <a:effectRef idx="0">
+              <a:schemeClr val="dk1"/>
+            </a:effectRef>
+            <a:fontRef idx="minor">
+              <a:schemeClr val="tx1"/>
+            </a:fontRef>
+          </p:style>
+        </p:cxnSp>
+        <p:sp>
+          <p:nvSpPr>
+            <p:cNvPr id="7" name="TextBox 6">
+              <a:extLst>
+                <a:ext uri="{FF2B5EF4-FFF2-40B4-BE49-F238E27FC236}">
+                  <a16:creationId xmlns:a16="http://schemas.microsoft.com/office/drawing/2014/main" id="{7B9A96EE-6BA3-BD4A-9EDC-14DED3D0A61F}"/>
+                </a:ext>
+              </a:extLst>
+            </p:cNvPr>
+            <p:cNvSpPr txBox="1"/>
+            <p:nvPr/>
+          </p:nvSpPr>
+          <p:spPr>
+            <a:xfrm>
+              <a:off x="114300" y="2359535"/>
+              <a:ext cx="1625600" cy="923330"/>
+            </a:xfrm>
+            <a:prstGeom prst="rect">
+              <a:avLst/>
+            </a:prstGeom>
+            <a:noFill/>
+          </p:spPr>
+          <p:txBody>
+            <a:bodyPr wrap="square" rtlCol="0">
+              <a:spAutoFit/>
+            </a:bodyPr>
+            <a:lstStyle/>
+            <a:p>
+              <a:r>
+                <a:rPr lang="en-US" dirty="0">
+                  <a:latin typeface="Avenir Book" panose="02000503020000020003" pitchFamily="2" charset="0"/>
+                </a:rPr>
+                <a:t>Model entire rheostat in </a:t>
+              </a:r>
+              <a:r>
+                <a:rPr lang="en-US" dirty="0" err="1">
+                  <a:latin typeface="Avenir Book" panose="02000503020000020003" pitchFamily="2" charset="0"/>
+                </a:rPr>
+                <a:t>BioCRNPyler</a:t>
+              </a:r>
+              <a:endParaRPr lang="en-US" dirty="0">
+                <a:latin typeface="Avenir Book" panose="02000503020000020003" pitchFamily="2" charset="0"/>
+              </a:endParaRPr>
+            </a:p>
+          </p:txBody>
+        </p:sp>
+        <p:sp>
+          <p:nvSpPr>
+            <p:cNvPr id="8" name="TextBox 7">
+              <a:extLst>
+                <a:ext uri="{FF2B5EF4-FFF2-40B4-BE49-F238E27FC236}">
+                  <a16:creationId xmlns:a16="http://schemas.microsoft.com/office/drawing/2014/main" id="{1206918A-D84C-A840-96C9-F8115A66537E}"/>
+                </a:ext>
+              </a:extLst>
+            </p:cNvPr>
+            <p:cNvSpPr txBox="1"/>
+            <p:nvPr/>
+          </p:nvSpPr>
+          <p:spPr>
+            <a:xfrm>
+              <a:off x="1670050" y="4519428"/>
+              <a:ext cx="2552700" cy="1200329"/>
+            </a:xfrm>
+            <a:prstGeom prst="rect">
+              <a:avLst/>
+            </a:prstGeom>
+            <a:noFill/>
+          </p:spPr>
+          <p:txBody>
+            <a:bodyPr wrap="square" rtlCol="0">
+              <a:spAutoFit/>
+            </a:bodyPr>
+            <a:lstStyle/>
+            <a:p>
+              <a:r>
+                <a:rPr lang="en-US" dirty="0">
+                  <a:latin typeface="Avenir Book" panose="02000503020000020003" pitchFamily="2" charset="0"/>
+                </a:rPr>
+                <a:t>Parameter experimentation to understand pathway and optimize</a:t>
+              </a:r>
+            </a:p>
+          </p:txBody>
+        </p:sp>
+        <p:sp>
+          <p:nvSpPr>
+            <p:cNvPr id="9" name="TextBox 8">
+              <a:extLst>
+                <a:ext uri="{FF2B5EF4-FFF2-40B4-BE49-F238E27FC236}">
+                  <a16:creationId xmlns:a16="http://schemas.microsoft.com/office/drawing/2014/main" id="{4FE11F7A-E246-D64E-B431-AA5B3741D0C4}"/>
+                </a:ext>
+              </a:extLst>
+            </p:cNvPr>
+            <p:cNvSpPr txBox="1"/>
+            <p:nvPr/>
+          </p:nvSpPr>
+          <p:spPr>
+            <a:xfrm>
+              <a:off x="3689350" y="2379067"/>
+              <a:ext cx="2552700" cy="923330"/>
+            </a:xfrm>
+            <a:prstGeom prst="rect">
+              <a:avLst/>
+            </a:prstGeom>
+            <a:noFill/>
+          </p:spPr>
+          <p:txBody>
+            <a:bodyPr wrap="square" rtlCol="0">
+              <a:spAutoFit/>
+            </a:bodyPr>
+            <a:lstStyle/>
+            <a:p>
+              <a:r>
+                <a:rPr lang="en-US" dirty="0">
+                  <a:latin typeface="Avenir Book" panose="02000503020000020003" pitchFamily="2" charset="0"/>
+                </a:rPr>
+                <a:t>Investigate reduced (</a:t>
+              </a:r>
+              <a:r>
+                <a:rPr lang="en-US" dirty="0" err="1">
+                  <a:latin typeface="Avenir Book" panose="02000503020000020003" pitchFamily="2" charset="0"/>
+                </a:rPr>
+                <a:t>autoReduce</a:t>
+              </a:r>
+              <a:r>
+                <a:rPr lang="en-US" dirty="0">
+                  <a:latin typeface="Avenir Book" panose="02000503020000020003" pitchFamily="2" charset="0"/>
+                </a:rPr>
+                <a:t>) and minimal models</a:t>
+              </a:r>
+            </a:p>
+          </p:txBody>
+        </p:sp>
+        <p:sp>
+          <p:nvSpPr>
+            <p:cNvPr id="10" name="TextBox 9">
+              <a:extLst>
+                <a:ext uri="{FF2B5EF4-FFF2-40B4-BE49-F238E27FC236}">
+                  <a16:creationId xmlns:a16="http://schemas.microsoft.com/office/drawing/2014/main" id="{E4DB743C-2AF3-1840-A3C8-13F28233B403}"/>
+                </a:ext>
+              </a:extLst>
+            </p:cNvPr>
+            <p:cNvSpPr txBox="1"/>
+            <p:nvPr/>
+          </p:nvSpPr>
+          <p:spPr>
+            <a:xfrm>
+              <a:off x="5708650" y="4519428"/>
+              <a:ext cx="2552700" cy="646331"/>
+            </a:xfrm>
+            <a:prstGeom prst="rect">
+              <a:avLst/>
+            </a:prstGeom>
+            <a:noFill/>
+          </p:spPr>
+          <p:txBody>
+            <a:bodyPr wrap="square" rtlCol="0">
+              <a:spAutoFit/>
+            </a:bodyPr>
+            <a:lstStyle/>
+            <a:p>
+              <a:r>
+                <a:rPr lang="en-US" dirty="0">
+                  <a:latin typeface="Avenir Book" panose="02000503020000020003" pitchFamily="2" charset="0"/>
+                </a:rPr>
+                <a:t>Collaborate with other projects</a:t>
+              </a:r>
+            </a:p>
+          </p:txBody>
+        </p:sp>
+        <p:sp>
+          <p:nvSpPr>
+            <p:cNvPr id="11" name="TextBox 10">
+              <a:extLst>
+                <a:ext uri="{FF2B5EF4-FFF2-40B4-BE49-F238E27FC236}">
+                  <a16:creationId xmlns:a16="http://schemas.microsoft.com/office/drawing/2014/main" id="{9846998A-B02C-5B44-9380-E005251DFC2E}"/>
+                </a:ext>
+              </a:extLst>
+            </p:cNvPr>
+            <p:cNvSpPr txBox="1"/>
+            <p:nvPr/>
+          </p:nvSpPr>
+          <p:spPr>
+            <a:xfrm>
+              <a:off x="7727949" y="2375302"/>
+              <a:ext cx="2552700" cy="646331"/>
+            </a:xfrm>
+            <a:prstGeom prst="rect">
+              <a:avLst/>
+            </a:prstGeom>
+            <a:noFill/>
+          </p:spPr>
+          <p:txBody>
+            <a:bodyPr wrap="square" rtlCol="0">
+              <a:spAutoFit/>
+            </a:bodyPr>
+            <a:lstStyle/>
+            <a:p>
+              <a:r>
+                <a:rPr lang="en-US" dirty="0">
+                  <a:latin typeface="Avenir Book" panose="02000503020000020003" pitchFamily="2" charset="0"/>
+                </a:rPr>
+                <a:t>Study an ATP Synthase Model</a:t>
+              </a:r>
+            </a:p>
+          </p:txBody>
+        </p:sp>
+        <p:sp>
+          <p:nvSpPr>
+            <p:cNvPr id="15" name="Oval 14">
+              <a:extLst>
+                <a:ext uri="{FF2B5EF4-FFF2-40B4-BE49-F238E27FC236}">
+                  <a16:creationId xmlns:a16="http://schemas.microsoft.com/office/drawing/2014/main" id="{09EBEAB6-9081-1542-983A-3406A50E82C5}"/>
+                </a:ext>
+              </a:extLst>
+            </p:cNvPr>
+            <p:cNvSpPr/>
+            <p:nvPr/>
+          </p:nvSpPr>
+          <p:spPr>
+            <a:xfrm>
+              <a:off x="831850" y="3849066"/>
+              <a:ext cx="190500" cy="202554"/>
+            </a:xfrm>
+            <a:prstGeom prst="ellipse">
+              <a:avLst/>
+            </a:prstGeom>
+            <a:solidFill>
+              <a:srgbClr val="00A64F"/>
+            </a:solidFill>
+            <a:ln>
+              <a:solidFill>
+                <a:schemeClr val="tx1"/>
+              </a:solidFill>
+            </a:ln>
+          </p:spPr>
+          <p:style>
+            <a:lnRef idx="2">
+              <a:schemeClr val="dk1">
+                <a:shade val="50000"/>
+              </a:schemeClr>
+            </a:lnRef>
+            <a:fillRef idx="1">
+              <a:schemeClr val="dk1"/>
+            </a:fillRef>
+            <a:effectRef idx="0">
+              <a:schemeClr val="dk1"/>
+            </a:effectRef>
+            <a:fontRef idx="minor">
+              <a:schemeClr val="lt1"/>
+            </a:fontRef>
+          </p:style>
+          <p:txBody>
+            <a:bodyPr rtlCol="0" anchor="ctr"/>
+            <a:lstStyle/>
+            <a:p>
+              <a:pPr algn="ctr"/>
+              <a:endParaRPr lang="en-US"/>
+            </a:p>
+          </p:txBody>
+        </p:sp>
+        <p:sp>
+          <p:nvSpPr>
+            <p:cNvPr id="16" name="Oval 15">
+              <a:extLst>
+                <a:ext uri="{FF2B5EF4-FFF2-40B4-BE49-F238E27FC236}">
+                  <a16:creationId xmlns:a16="http://schemas.microsoft.com/office/drawing/2014/main" id="{0BC854A4-94BB-9F40-AE48-8FB699D9397C}"/>
+                </a:ext>
+              </a:extLst>
+            </p:cNvPr>
+            <p:cNvSpPr/>
+            <p:nvPr/>
+          </p:nvSpPr>
+          <p:spPr>
+            <a:xfrm>
+              <a:off x="2851150" y="3849066"/>
+              <a:ext cx="190500" cy="202554"/>
+            </a:xfrm>
+            <a:prstGeom prst="ellipse">
+              <a:avLst/>
+            </a:prstGeom>
+            <a:solidFill>
+              <a:srgbClr val="00A64F"/>
+            </a:solidFill>
+            <a:ln>
+              <a:solidFill>
+                <a:schemeClr val="tx1"/>
+              </a:solidFill>
+            </a:ln>
+          </p:spPr>
+          <p:style>
+            <a:lnRef idx="2">
+              <a:schemeClr val="dk1">
+                <a:shade val="50000"/>
+              </a:schemeClr>
+            </a:lnRef>
+            <a:fillRef idx="1">
+              <a:schemeClr val="dk1"/>
+            </a:fillRef>
+            <a:effectRef idx="0">
+              <a:schemeClr val="dk1"/>
+            </a:effectRef>
+            <a:fontRef idx="minor">
+              <a:schemeClr val="lt1"/>
+            </a:fontRef>
+          </p:style>
+          <p:txBody>
+            <a:bodyPr rtlCol="0" anchor="ctr"/>
+            <a:lstStyle/>
+            <a:p>
+              <a:pPr algn="ctr"/>
+              <a:endParaRPr lang="en-US"/>
+            </a:p>
+          </p:txBody>
+        </p:sp>
+        <p:sp>
+          <p:nvSpPr>
+            <p:cNvPr id="17" name="Oval 16">
+              <a:extLst>
+                <a:ext uri="{FF2B5EF4-FFF2-40B4-BE49-F238E27FC236}">
+                  <a16:creationId xmlns:a16="http://schemas.microsoft.com/office/drawing/2014/main" id="{7D6E58AB-D4AF-4545-B358-6666F35BC76A}"/>
+                </a:ext>
+              </a:extLst>
+            </p:cNvPr>
+            <p:cNvSpPr/>
+            <p:nvPr/>
+          </p:nvSpPr>
+          <p:spPr>
+            <a:xfrm>
+              <a:off x="4870450" y="3849066"/>
+              <a:ext cx="190500" cy="202554"/>
+            </a:xfrm>
+            <a:prstGeom prst="ellipse">
+              <a:avLst/>
+            </a:prstGeom>
+            <a:solidFill>
+              <a:srgbClr val="E1AD02"/>
+            </a:solidFill>
+            <a:ln>
+              <a:solidFill>
+                <a:schemeClr val="tx1"/>
+              </a:solidFill>
+            </a:ln>
+          </p:spPr>
+          <p:style>
+            <a:lnRef idx="2">
+              <a:schemeClr val="dk1">
+                <a:shade val="50000"/>
+              </a:schemeClr>
+            </a:lnRef>
+            <a:fillRef idx="1">
+              <a:schemeClr val="dk1"/>
+            </a:fillRef>
+            <a:effectRef idx="0">
+              <a:schemeClr val="dk1"/>
+            </a:effectRef>
+            <a:fontRef idx="minor">
+              <a:schemeClr val="lt1"/>
+            </a:fontRef>
+          </p:style>
+          <p:txBody>
+            <a:bodyPr rtlCol="0" anchor="ctr"/>
+            <a:lstStyle/>
+            <a:p>
+              <a:pPr algn="ctr"/>
+              <a:endParaRPr lang="en-US"/>
+            </a:p>
+          </p:txBody>
+        </p:sp>
+        <p:sp>
+          <p:nvSpPr>
+            <p:cNvPr id="18" name="Oval 17">
+              <a:extLst>
+                <a:ext uri="{FF2B5EF4-FFF2-40B4-BE49-F238E27FC236}">
+                  <a16:creationId xmlns:a16="http://schemas.microsoft.com/office/drawing/2014/main" id="{3CAD58BF-44D4-4141-AF5C-F593AD67CE3D}"/>
+                </a:ext>
+              </a:extLst>
+            </p:cNvPr>
+            <p:cNvSpPr/>
+            <p:nvPr/>
+          </p:nvSpPr>
+          <p:spPr>
+            <a:xfrm>
+              <a:off x="6889750" y="3836367"/>
+              <a:ext cx="190500" cy="202554"/>
+            </a:xfrm>
+            <a:prstGeom prst="ellipse">
+              <a:avLst/>
+            </a:prstGeom>
+            <a:solidFill>
+              <a:srgbClr val="E1AD02"/>
+            </a:solidFill>
+            <a:ln>
+              <a:solidFill>
+                <a:schemeClr val="tx1"/>
+              </a:solidFill>
+            </a:ln>
+          </p:spPr>
+          <p:style>
+            <a:lnRef idx="2">
+              <a:schemeClr val="dk1">
+                <a:shade val="50000"/>
+              </a:schemeClr>
+            </a:lnRef>
+            <a:fillRef idx="1">
+              <a:schemeClr val="dk1"/>
+            </a:fillRef>
+            <a:effectRef idx="0">
+              <a:schemeClr val="dk1"/>
+            </a:effectRef>
+            <a:fontRef idx="minor">
+              <a:schemeClr val="lt1"/>
+            </a:fontRef>
+          </p:style>
+          <p:txBody>
+            <a:bodyPr rtlCol="0" anchor="ctr"/>
+            <a:lstStyle/>
+            <a:p>
+              <a:pPr algn="ctr"/>
+              <a:endParaRPr lang="en-US"/>
+            </a:p>
+          </p:txBody>
+        </p:sp>
+        <p:sp>
+          <p:nvSpPr>
+            <p:cNvPr id="19" name="Oval 18">
+              <a:extLst>
+                <a:ext uri="{FF2B5EF4-FFF2-40B4-BE49-F238E27FC236}">
+                  <a16:creationId xmlns:a16="http://schemas.microsoft.com/office/drawing/2014/main" id="{D787801D-AE3C-F644-9B25-E53CCEBE5486}"/>
+                </a:ext>
+              </a:extLst>
+            </p:cNvPr>
+            <p:cNvSpPr/>
+            <p:nvPr/>
+          </p:nvSpPr>
+          <p:spPr>
+            <a:xfrm>
+              <a:off x="8909050" y="3836367"/>
+              <a:ext cx="190500" cy="202554"/>
+            </a:xfrm>
+            <a:prstGeom prst="ellipse">
+              <a:avLst/>
+            </a:prstGeom>
+            <a:solidFill>
+              <a:srgbClr val="E1AD02"/>
+            </a:solidFill>
+            <a:ln>
+              <a:solidFill>
+                <a:schemeClr val="tx1"/>
+              </a:solidFill>
+            </a:ln>
+          </p:spPr>
+          <p:style>
+            <a:lnRef idx="2">
+              <a:schemeClr val="dk1">
+                <a:shade val="50000"/>
+              </a:schemeClr>
+            </a:lnRef>
+            <a:fillRef idx="1">
+              <a:schemeClr val="dk1"/>
+            </a:fillRef>
+            <a:effectRef idx="0">
+              <a:schemeClr val="dk1"/>
+            </a:effectRef>
+            <a:fontRef idx="minor">
+              <a:schemeClr val="lt1"/>
+            </a:fontRef>
+          </p:style>
+          <p:txBody>
+            <a:bodyPr rtlCol="0" anchor="ctr"/>
+            <a:lstStyle/>
+            <a:p>
+              <a:pPr algn="ctr"/>
+              <a:endParaRPr lang="en-US" dirty="0"/>
+            </a:p>
+          </p:txBody>
+        </p:sp>
+        <p:cxnSp>
+          <p:nvCxnSpPr>
+            <p:cNvPr id="21" name="Straight Arrow Connector 20">
+              <a:extLst>
+                <a:ext uri="{FF2B5EF4-FFF2-40B4-BE49-F238E27FC236}">
+                  <a16:creationId xmlns:a16="http://schemas.microsoft.com/office/drawing/2014/main" id="{7CD7E8B5-8D66-A94B-AAE0-9FA054F91694}"/>
+                </a:ext>
+              </a:extLst>
+            </p:cNvPr>
+            <p:cNvCxnSpPr>
+              <a:cxnSpLocks/>
+              <a:stCxn id="15" idx="0"/>
+              <a:endCxn id="7" idx="2"/>
+            </p:cNvCxnSpPr>
+            <p:nvPr/>
+          </p:nvCxnSpPr>
+          <p:spPr>
+            <a:xfrm flipV="1">
+              <a:off x="927100" y="3282865"/>
+              <a:ext cx="0" cy="566201"/>
+            </a:xfrm>
+            <a:prstGeom prst="straightConnector1">
+              <a:avLst/>
+            </a:prstGeom>
+            <a:ln>
+              <a:tailEnd type="triangle"/>
+            </a:ln>
+          </p:spPr>
+          <p:style>
+            <a:lnRef idx="1">
+              <a:schemeClr val="dk1"/>
+            </a:lnRef>
+            <a:fillRef idx="0">
+              <a:schemeClr val="dk1"/>
+            </a:fillRef>
+            <a:effectRef idx="0">
+              <a:schemeClr val="dk1"/>
+            </a:effectRef>
+            <a:fontRef idx="minor">
+              <a:schemeClr val="tx1"/>
+            </a:fontRef>
+          </p:style>
+        </p:cxnSp>
+        <p:cxnSp>
+          <p:nvCxnSpPr>
+            <p:cNvPr id="24" name="Straight Arrow Connector 23">
+              <a:extLst>
+                <a:ext uri="{FF2B5EF4-FFF2-40B4-BE49-F238E27FC236}">
+                  <a16:creationId xmlns:a16="http://schemas.microsoft.com/office/drawing/2014/main" id="{42C9DCE1-A48C-A845-BF17-2209B7C8012D}"/>
+                </a:ext>
+              </a:extLst>
+            </p:cNvPr>
+            <p:cNvCxnSpPr>
+              <a:cxnSpLocks/>
+              <a:stCxn id="16" idx="4"/>
+              <a:endCxn id="8" idx="0"/>
+            </p:cNvCxnSpPr>
+            <p:nvPr/>
+          </p:nvCxnSpPr>
+          <p:spPr>
+            <a:xfrm>
+              <a:off x="2946400" y="4051620"/>
+              <a:ext cx="0" cy="467808"/>
+            </a:xfrm>
+            <a:prstGeom prst="straightConnector1">
+              <a:avLst/>
+            </a:prstGeom>
+            <a:ln>
+              <a:tailEnd type="triangle"/>
+            </a:ln>
+          </p:spPr>
+          <p:style>
+            <a:lnRef idx="1">
+              <a:schemeClr val="dk1"/>
+            </a:lnRef>
+            <a:fillRef idx="0">
+              <a:schemeClr val="dk1"/>
+            </a:fillRef>
+            <a:effectRef idx="0">
+              <a:schemeClr val="dk1"/>
+            </a:effectRef>
+            <a:fontRef idx="minor">
+              <a:schemeClr val="tx1"/>
+            </a:fontRef>
+          </p:style>
+        </p:cxnSp>
+        <p:cxnSp>
+          <p:nvCxnSpPr>
+            <p:cNvPr id="30" name="Straight Arrow Connector 29">
+              <a:extLst>
+                <a:ext uri="{FF2B5EF4-FFF2-40B4-BE49-F238E27FC236}">
+                  <a16:creationId xmlns:a16="http://schemas.microsoft.com/office/drawing/2014/main" id="{426FB52D-44C0-BE44-A151-A38BF9C79354}"/>
+                </a:ext>
+              </a:extLst>
+            </p:cNvPr>
+            <p:cNvCxnSpPr>
+              <a:cxnSpLocks/>
+              <a:stCxn id="17" idx="0"/>
+              <a:endCxn id="9" idx="2"/>
+            </p:cNvCxnSpPr>
+            <p:nvPr/>
+          </p:nvCxnSpPr>
+          <p:spPr>
+            <a:xfrm flipV="1">
+              <a:off x="4965700" y="3302397"/>
+              <a:ext cx="0" cy="546669"/>
+            </a:xfrm>
+            <a:prstGeom prst="straightConnector1">
+              <a:avLst/>
+            </a:prstGeom>
+            <a:ln>
+              <a:tailEnd type="triangle"/>
+            </a:ln>
+          </p:spPr>
+          <p:style>
+            <a:lnRef idx="1">
+              <a:schemeClr val="dk1"/>
+            </a:lnRef>
+            <a:fillRef idx="0">
+              <a:schemeClr val="dk1"/>
+            </a:fillRef>
+            <a:effectRef idx="0">
+              <a:schemeClr val="dk1"/>
+            </a:effectRef>
+            <a:fontRef idx="minor">
+              <a:schemeClr val="tx1"/>
+            </a:fontRef>
+          </p:style>
+        </p:cxnSp>
+        <p:cxnSp>
+          <p:nvCxnSpPr>
+            <p:cNvPr id="40" name="Straight Arrow Connector 39">
+              <a:extLst>
+                <a:ext uri="{FF2B5EF4-FFF2-40B4-BE49-F238E27FC236}">
+                  <a16:creationId xmlns:a16="http://schemas.microsoft.com/office/drawing/2014/main" id="{F19E8515-D399-784B-8805-89E248E70380}"/>
+                </a:ext>
+              </a:extLst>
+            </p:cNvPr>
+            <p:cNvCxnSpPr>
+              <a:cxnSpLocks/>
+              <a:stCxn id="18" idx="4"/>
+              <a:endCxn id="10" idx="0"/>
+            </p:cNvCxnSpPr>
+            <p:nvPr/>
+          </p:nvCxnSpPr>
+          <p:spPr>
+            <a:xfrm>
+              <a:off x="6985000" y="4038921"/>
+              <a:ext cx="0" cy="480507"/>
+            </a:xfrm>
+            <a:prstGeom prst="straightConnector1">
+              <a:avLst/>
+            </a:prstGeom>
+            <a:ln>
+              <a:tailEnd type="triangle"/>
+            </a:ln>
+          </p:spPr>
+          <p:style>
+            <a:lnRef idx="1">
+              <a:schemeClr val="dk1"/>
+            </a:lnRef>
+            <a:fillRef idx="0">
+              <a:schemeClr val="dk1"/>
+            </a:fillRef>
+            <a:effectRef idx="0">
+              <a:schemeClr val="dk1"/>
+            </a:effectRef>
+            <a:fontRef idx="minor">
+              <a:schemeClr val="tx1"/>
+            </a:fontRef>
+          </p:style>
+        </p:cxnSp>
+        <p:cxnSp>
+          <p:nvCxnSpPr>
+            <p:cNvPr id="44" name="Straight Arrow Connector 43">
+              <a:extLst>
+                <a:ext uri="{FF2B5EF4-FFF2-40B4-BE49-F238E27FC236}">
+                  <a16:creationId xmlns:a16="http://schemas.microsoft.com/office/drawing/2014/main" id="{66D9299E-E7D3-DF4F-A574-49C941314C85}"/>
+                </a:ext>
+              </a:extLst>
+            </p:cNvPr>
+            <p:cNvCxnSpPr>
+              <a:cxnSpLocks/>
+              <a:stCxn id="19" idx="0"/>
+              <a:endCxn id="11" idx="2"/>
+            </p:cNvCxnSpPr>
+            <p:nvPr/>
+          </p:nvCxnSpPr>
+          <p:spPr>
+            <a:xfrm flipH="1" flipV="1">
+              <a:off x="9004299" y="3021633"/>
+              <a:ext cx="1" cy="814734"/>
+            </a:xfrm>
+            <a:prstGeom prst="straightConnector1">
+              <a:avLst/>
+            </a:prstGeom>
+            <a:ln>
+              <a:tailEnd type="triangle"/>
+            </a:ln>
+          </p:spPr>
+          <p:style>
+            <a:lnRef idx="1">
+              <a:schemeClr val="dk1"/>
+            </a:lnRef>
+            <a:fillRef idx="0">
+              <a:schemeClr val="dk1"/>
+            </a:fillRef>
+            <a:effectRef idx="0">
+              <a:schemeClr val="dk1"/>
+            </a:effectRef>
+            <a:fontRef idx="minor">
+              <a:schemeClr val="tx1"/>
+            </a:fontRef>
+          </p:style>
+        </p:cxnSp>
+        <p:sp>
+          <p:nvSpPr>
+            <p:cNvPr id="51" name="Oval 50">
+              <a:extLst>
+                <a:ext uri="{FF2B5EF4-FFF2-40B4-BE49-F238E27FC236}">
+                  <a16:creationId xmlns:a16="http://schemas.microsoft.com/office/drawing/2014/main" id="{C78F3F1C-86C1-ED4D-A2A8-29080B9DC6AD}"/>
+                </a:ext>
+              </a:extLst>
+            </p:cNvPr>
+            <p:cNvSpPr/>
+            <p:nvPr/>
+          </p:nvSpPr>
+          <p:spPr>
+            <a:xfrm>
+              <a:off x="11023599" y="3849066"/>
+              <a:ext cx="190500" cy="202554"/>
+            </a:xfrm>
+            <a:prstGeom prst="ellipse">
+              <a:avLst/>
+            </a:prstGeom>
+            <a:solidFill>
+              <a:srgbClr val="C00000"/>
+            </a:solidFill>
+            <a:ln>
+              <a:solidFill>
+                <a:schemeClr val="tx1"/>
+              </a:solidFill>
+            </a:ln>
+          </p:spPr>
+          <p:style>
+            <a:lnRef idx="2">
+              <a:schemeClr val="dk1">
+                <a:shade val="50000"/>
+              </a:schemeClr>
+            </a:lnRef>
+            <a:fillRef idx="1">
+              <a:schemeClr val="dk1"/>
+            </a:fillRef>
+            <a:effectRef idx="0">
+              <a:schemeClr val="dk1"/>
+            </a:effectRef>
+            <a:fontRef idx="minor">
+              <a:schemeClr val="lt1"/>
+            </a:fontRef>
+          </p:style>
+          <p:txBody>
+            <a:bodyPr rtlCol="0" anchor="ctr"/>
+            <a:lstStyle/>
+            <a:p>
+              <a:pPr algn="ctr"/>
+              <a:endParaRPr lang="en-US"/>
+            </a:p>
+          </p:txBody>
+        </p:sp>
+        <p:cxnSp>
+          <p:nvCxnSpPr>
+            <p:cNvPr id="52" name="Straight Arrow Connector 51">
+              <a:extLst>
+                <a:ext uri="{FF2B5EF4-FFF2-40B4-BE49-F238E27FC236}">
+                  <a16:creationId xmlns:a16="http://schemas.microsoft.com/office/drawing/2014/main" id="{4505FEA7-088D-8047-B13C-D3E49A842F04}"/>
+                </a:ext>
+              </a:extLst>
+            </p:cNvPr>
+            <p:cNvCxnSpPr>
+              <a:cxnSpLocks/>
+              <a:stCxn id="51" idx="4"/>
+              <a:endCxn id="54" idx="0"/>
+            </p:cNvCxnSpPr>
+            <p:nvPr/>
+          </p:nvCxnSpPr>
+          <p:spPr>
+            <a:xfrm flipH="1">
+              <a:off x="11112497" y="4051620"/>
+              <a:ext cx="6352" cy="467807"/>
+            </a:xfrm>
+            <a:prstGeom prst="straightConnector1">
+              <a:avLst/>
+            </a:prstGeom>
+            <a:ln>
+              <a:tailEnd type="triangle"/>
+            </a:ln>
+          </p:spPr>
+          <p:style>
+            <a:lnRef idx="1">
+              <a:schemeClr val="dk1"/>
+            </a:lnRef>
+            <a:fillRef idx="0">
+              <a:schemeClr val="dk1"/>
+            </a:fillRef>
+            <a:effectRef idx="0">
+              <a:schemeClr val="dk1"/>
+            </a:effectRef>
+            <a:fontRef idx="minor">
+              <a:schemeClr val="tx1"/>
+            </a:fontRef>
+          </p:style>
+        </p:cxnSp>
+      </p:grpSp>
+      <p:sp>
+        <p:nvSpPr>
+          <p:cNvPr id="54" name="TextBox 53">
+            <a:extLst>
+              <a:ext uri="{FF2B5EF4-FFF2-40B4-BE49-F238E27FC236}">
+                <a16:creationId xmlns:a16="http://schemas.microsoft.com/office/drawing/2014/main" id="{C5C65368-4233-E14E-A296-5D9AA7ADA068}"/>
+              </a:ext>
+            </a:extLst>
+          </p:cNvPr>
+          <p:cNvSpPr txBox="1"/>
+          <p:nvPr/>
+        </p:nvSpPr>
+        <p:spPr>
+          <a:xfrm>
+            <a:off x="10166350" y="4519427"/>
+            <a:ext cx="1892294" cy="646331"/>
+          </a:xfrm>
+          <a:prstGeom prst="rect">
+            <a:avLst/>
+          </a:prstGeom>
+          <a:noFill/>
+        </p:spPr>
+        <p:txBody>
+          <a:bodyPr wrap="square" rtlCol="0">
+            <a:spAutoFit/>
+          </a:bodyPr>
+          <a:lstStyle/>
+          <a:p>
+            <a:r>
+              <a:rPr lang="en-US" dirty="0">
+                <a:latin typeface="Avenir Book" panose="02000503020000020003" pitchFamily="2" charset="0"/>
+              </a:rPr>
+              <a:t>Experimental Planning (?)</a:t>
             </a:r>
           </a:p>
         </p:txBody>
@@ -4329,7 +6307,1255 @@
     </p:spTree>
     <p:extLst>
       <p:ext uri="{BB962C8B-B14F-4D97-AF65-F5344CB8AC3E}">
-        <p14:creationId xmlns:p14="http://schemas.microsoft.com/office/powerpoint/2010/main" val="3835377248"/>
+        <p14:creationId xmlns:p14="http://schemas.microsoft.com/office/powerpoint/2010/main" val="134499218"/>
+      </p:ext>
+    </p:extLst>
+  </p:cSld>
+  <p:clrMapOvr>
+    <a:masterClrMapping/>
+  </p:clrMapOvr>
+</p:sld>
+</file>
+
+<file path=ppt/slides/slide5.xml><?xml version="1.0" encoding="utf-8"?>
+<p:sld xmlns:a="http://schemas.openxmlformats.org/drawingml/2006/main" xmlns:r="http://schemas.openxmlformats.org/officeDocument/2006/relationships" xmlns:p="http://schemas.openxmlformats.org/presentationml/2006/main">
+  <p:cSld>
+    <p:spTree>
+      <p:nvGrpSpPr>
+        <p:cNvPr id="1" name=""/>
+        <p:cNvGrpSpPr/>
+        <p:nvPr/>
+      </p:nvGrpSpPr>
+      <p:grpSpPr>
+        <a:xfrm>
+          <a:off x="0" y="0"/>
+          <a:ext cx="0" cy="0"/>
+          <a:chOff x="0" y="0"/>
+          <a:chExt cx="0" cy="0"/>
+        </a:xfrm>
+      </p:grpSpPr>
+      <p:sp>
+        <p:nvSpPr>
+          <p:cNvPr id="2" name="Title 1">
+            <a:extLst>
+              <a:ext uri="{FF2B5EF4-FFF2-40B4-BE49-F238E27FC236}">
+                <a16:creationId xmlns:a16="http://schemas.microsoft.com/office/drawing/2014/main" id="{049C1BD6-342E-3341-B3BE-7C9A0E5E07B0}"/>
+              </a:ext>
+            </a:extLst>
+          </p:cNvPr>
+          <p:cNvSpPr>
+            <a:spLocks noGrp="1"/>
+          </p:cNvSpPr>
+          <p:nvPr>
+            <p:ph type="title"/>
+          </p:nvPr>
+        </p:nvSpPr>
+        <p:spPr>
+          <a:xfrm>
+            <a:off x="358140" y="295461"/>
+            <a:ext cx="10515600" cy="1325563"/>
+          </a:xfrm>
+        </p:spPr>
+        <p:txBody>
+          <a:bodyPr>
+            <a:normAutofit/>
+          </a:bodyPr>
+          <a:lstStyle/>
+          <a:p>
+            <a:r>
+              <a:rPr lang="en-US" sz="3200" b="1" dirty="0"/>
+              <a:t>Model Overview</a:t>
+            </a:r>
+          </a:p>
+        </p:txBody>
+      </p:sp>
+      <p:grpSp>
+        <p:nvGrpSpPr>
+          <p:cNvPr id="5" name="Group 4">
+            <a:extLst>
+              <a:ext uri="{FF2B5EF4-FFF2-40B4-BE49-F238E27FC236}">
+                <a16:creationId xmlns:a16="http://schemas.microsoft.com/office/drawing/2014/main" id="{84AB6041-5A83-7E4F-B51B-37A0770B8A3E}"/>
+              </a:ext>
+            </a:extLst>
+          </p:cNvPr>
+          <p:cNvGrpSpPr/>
+          <p:nvPr/>
+        </p:nvGrpSpPr>
+        <p:grpSpPr>
+          <a:xfrm>
+            <a:off x="964695" y="1704155"/>
+            <a:ext cx="9233913" cy="3984835"/>
+            <a:chOff x="964695" y="1704155"/>
+            <a:chExt cx="9233913" cy="3984835"/>
+          </a:xfrm>
+        </p:grpSpPr>
+        <p:sp>
+          <p:nvSpPr>
+            <p:cNvPr id="3" name="TextBox 2">
+              <a:extLst>
+                <a:ext uri="{FF2B5EF4-FFF2-40B4-BE49-F238E27FC236}">
+                  <a16:creationId xmlns:a16="http://schemas.microsoft.com/office/drawing/2014/main" id="{9CCCAFE5-3589-3047-8B92-E7E1A0BE4938}"/>
+                </a:ext>
+              </a:extLst>
+            </p:cNvPr>
+            <p:cNvSpPr txBox="1"/>
+            <p:nvPr/>
+          </p:nvSpPr>
+          <p:spPr>
+            <a:xfrm>
+              <a:off x="1993392" y="1715836"/>
+              <a:ext cx="3310128" cy="923330"/>
+            </a:xfrm>
+            <a:prstGeom prst="rect">
+              <a:avLst/>
+            </a:prstGeom>
+            <a:noFill/>
+            <a:ln>
+              <a:solidFill>
+                <a:schemeClr val="tx1"/>
+              </a:solidFill>
+            </a:ln>
+          </p:spPr>
+          <p:txBody>
+            <a:bodyPr wrap="square" rtlCol="0">
+              <a:spAutoFit/>
+            </a:bodyPr>
+            <a:lstStyle/>
+            <a:p>
+              <a:pPr algn="ctr"/>
+              <a:r>
+                <a:rPr lang="en-US" b="1" dirty="0">
+                  <a:latin typeface="Avenir Book" panose="02000503020000020003" pitchFamily="2" charset="0"/>
+                </a:rPr>
+                <a:t>Full Model</a:t>
+              </a:r>
+            </a:p>
+            <a:p>
+              <a:pPr algn="ctr"/>
+              <a:r>
+                <a:rPr lang="en-US" dirty="0">
+                  <a:latin typeface="Avenir Book" panose="02000503020000020003" pitchFamily="2" charset="0"/>
+                </a:rPr>
+                <a:t>CRN Mass action</a:t>
+              </a:r>
+            </a:p>
+            <a:p>
+              <a:pPr algn="ctr"/>
+              <a:r>
+                <a:rPr lang="en-US" dirty="0">
+                  <a:latin typeface="Avenir Book" panose="02000503020000020003" pitchFamily="2" charset="0"/>
+                </a:rPr>
+                <a:t>(k</a:t>
+              </a:r>
+              <a:r>
+                <a:rPr lang="en-US" baseline="-25000" dirty="0">
+                  <a:latin typeface="Avenir Book" panose="02000503020000020003" pitchFamily="2" charset="0"/>
+                </a:rPr>
+                <a:t>bf1</a:t>
+              </a:r>
+              <a:r>
+                <a:rPr lang="en-US" dirty="0">
+                  <a:latin typeface="Avenir Book" panose="02000503020000020003" pitchFamily="2" charset="0"/>
+                </a:rPr>
+                <a:t>, k</a:t>
+              </a:r>
+              <a:r>
+                <a:rPr lang="en-US" baseline="-25000" dirty="0">
+                  <a:latin typeface="Avenir Book" panose="02000503020000020003" pitchFamily="2" charset="0"/>
+                </a:rPr>
+                <a:t>br1</a:t>
+              </a:r>
+              <a:r>
+                <a:rPr lang="en-US" dirty="0">
+                  <a:latin typeface="Avenir Book" panose="02000503020000020003" pitchFamily="2" charset="0"/>
+                </a:rPr>
+                <a:t>, k</a:t>
+              </a:r>
+              <a:r>
+                <a:rPr lang="en-US" baseline="-25000" dirty="0">
+                  <a:latin typeface="Avenir Book" panose="02000503020000020003" pitchFamily="2" charset="0"/>
+                </a:rPr>
+                <a:t>uf1</a:t>
+              </a:r>
+              <a:r>
+                <a:rPr lang="en-US" dirty="0">
+                  <a:latin typeface="Avenir Book" panose="02000503020000020003" pitchFamily="2" charset="0"/>
+                </a:rPr>
+                <a:t>, k</a:t>
+              </a:r>
+              <a:r>
+                <a:rPr lang="en-US" baseline="-25000" dirty="0">
+                  <a:latin typeface="Avenir Book" panose="02000503020000020003" pitchFamily="2" charset="0"/>
+                </a:rPr>
+                <a:t>ur1</a:t>
+              </a:r>
+              <a:r>
+                <a:rPr lang="en-US" dirty="0">
+                  <a:latin typeface="Avenir Book" panose="02000503020000020003" pitchFamily="2" charset="0"/>
+                </a:rPr>
+                <a:t>,k</a:t>
+              </a:r>
+              <a:r>
+                <a:rPr lang="en-US" baseline="-25000" dirty="0">
+                  <a:latin typeface="Avenir Book" panose="02000503020000020003" pitchFamily="2" charset="0"/>
+                </a:rPr>
+                <a:t>cat1</a:t>
+              </a:r>
+              <a:r>
+                <a:rPr lang="en-US" dirty="0">
+                  <a:latin typeface="Avenir Book" panose="02000503020000020003" pitchFamily="2" charset="0"/>
+                </a:rPr>
+                <a:t>,k</a:t>
+              </a:r>
+              <a:r>
+                <a:rPr lang="en-US" baseline="-25000" dirty="0">
+                  <a:latin typeface="Avenir Book" panose="02000503020000020003" pitchFamily="2" charset="0"/>
+                </a:rPr>
+                <a:t>bf2</a:t>
+              </a:r>
+              <a:r>
+                <a:rPr lang="en-US" dirty="0">
+                  <a:latin typeface="Avenir Book" panose="02000503020000020003" pitchFamily="2" charset="0"/>
+                </a:rPr>
+                <a:t>,…)</a:t>
+              </a:r>
+            </a:p>
+          </p:txBody>
+        </p:sp>
+        <p:sp>
+          <p:nvSpPr>
+            <p:cNvPr id="4" name="TextBox 3">
+              <a:extLst>
+                <a:ext uri="{FF2B5EF4-FFF2-40B4-BE49-F238E27FC236}">
+                  <a16:creationId xmlns:a16="http://schemas.microsoft.com/office/drawing/2014/main" id="{FB952FBC-6CD0-BA4D-940C-0FEB363ED5C5}"/>
+                </a:ext>
+              </a:extLst>
+            </p:cNvPr>
+            <p:cNvSpPr txBox="1"/>
+            <p:nvPr/>
+          </p:nvSpPr>
+          <p:spPr>
+            <a:xfrm>
+              <a:off x="2542032" y="4611772"/>
+              <a:ext cx="2212848" cy="646331"/>
+            </a:xfrm>
+            <a:prstGeom prst="rect">
+              <a:avLst/>
+            </a:prstGeom>
+            <a:noFill/>
+            <a:ln>
+              <a:solidFill>
+                <a:schemeClr val="tx1"/>
+              </a:solidFill>
+            </a:ln>
+          </p:spPr>
+          <p:txBody>
+            <a:bodyPr wrap="square" rtlCol="0">
+              <a:spAutoFit/>
+            </a:bodyPr>
+            <a:lstStyle/>
+            <a:p>
+              <a:pPr algn="ctr"/>
+              <a:r>
+                <a:rPr lang="en-US" b="1" dirty="0">
+                  <a:latin typeface="Avenir Book" panose="02000503020000020003" pitchFamily="2" charset="0"/>
+                </a:rPr>
+                <a:t>Reduced Model</a:t>
+              </a:r>
+            </a:p>
+            <a:p>
+              <a:pPr algn="ctr"/>
+              <a:r>
+                <a:rPr lang="en-US" dirty="0">
+                  <a:latin typeface="Avenir Book" panose="02000503020000020003" pitchFamily="2" charset="0"/>
+                </a:rPr>
+                <a:t>(k</a:t>
+              </a:r>
+              <a:r>
+                <a:rPr lang="en-US" baseline="-25000" dirty="0">
+                  <a:latin typeface="Avenir Book" panose="02000503020000020003" pitchFamily="2" charset="0"/>
+                </a:rPr>
+                <a:t>1</a:t>
+              </a:r>
+              <a:r>
+                <a:rPr lang="en-US" dirty="0">
+                  <a:latin typeface="Avenir Book" panose="02000503020000020003" pitchFamily="2" charset="0"/>
+                </a:rPr>
+                <a:t>, k</a:t>
+              </a:r>
+              <a:r>
+                <a:rPr lang="en-US" baseline="-25000" dirty="0">
+                  <a:latin typeface="Avenir Book" panose="02000503020000020003" pitchFamily="2" charset="0"/>
+                </a:rPr>
+                <a:t>2</a:t>
+              </a:r>
+              <a:r>
+                <a:rPr lang="en-US" dirty="0">
+                  <a:latin typeface="Avenir Book" panose="02000503020000020003" pitchFamily="2" charset="0"/>
+                </a:rPr>
+                <a:t>,…)</a:t>
+              </a:r>
+            </a:p>
+          </p:txBody>
+        </p:sp>
+        <p:sp>
+          <p:nvSpPr>
+            <p:cNvPr id="11" name="TextBox 10">
+              <a:extLst>
+                <a:ext uri="{FF2B5EF4-FFF2-40B4-BE49-F238E27FC236}">
+                  <a16:creationId xmlns:a16="http://schemas.microsoft.com/office/drawing/2014/main" id="{B291079D-A860-FD49-A7D7-BDA7EDEDFD4A}"/>
+                </a:ext>
+              </a:extLst>
+            </p:cNvPr>
+            <p:cNvSpPr txBox="1"/>
+            <p:nvPr/>
+          </p:nvSpPr>
+          <p:spPr>
+            <a:xfrm>
+              <a:off x="964695" y="2823832"/>
+              <a:ext cx="2683761" cy="1477328"/>
+            </a:xfrm>
+            <a:prstGeom prst="rect">
+              <a:avLst/>
+            </a:prstGeom>
+            <a:noFill/>
+            <a:ln>
+              <a:noFill/>
+            </a:ln>
+          </p:spPr>
+          <p:txBody>
+            <a:bodyPr wrap="square" rtlCol="0">
+              <a:spAutoFit/>
+            </a:bodyPr>
+            <a:lstStyle/>
+            <a:p>
+              <a:r>
+                <a:rPr lang="en-US" dirty="0">
+                  <a:latin typeface="Avenir Book" panose="02000503020000020003" pitchFamily="2" charset="0"/>
+                </a:rPr>
+                <a:t>Include assumptions</a:t>
+              </a:r>
+            </a:p>
+            <a:p>
+              <a:pPr marL="285750" indent="-285750">
+                <a:buFontTx/>
+                <a:buChar char="-"/>
+              </a:pPr>
+              <a:r>
+                <a:rPr lang="en-US" dirty="0">
+                  <a:latin typeface="Avenir Book" panose="02000503020000020003" pitchFamily="2" charset="0"/>
+                </a:rPr>
+                <a:t>Conservation laws</a:t>
+              </a:r>
+            </a:p>
+            <a:p>
+              <a:pPr marL="285750" indent="-285750">
+                <a:buFontTx/>
+                <a:buChar char="-"/>
+              </a:pPr>
+              <a:r>
+                <a:rPr lang="en-US" dirty="0">
+                  <a:latin typeface="Avenir Book" panose="02000503020000020003" pitchFamily="2" charset="0"/>
+                </a:rPr>
+                <a:t>QSSA</a:t>
+              </a:r>
+            </a:p>
+            <a:p>
+              <a:pPr marL="285750" indent="-285750">
+                <a:buFontTx/>
+                <a:buChar char="-"/>
+              </a:pPr>
+              <a:r>
+                <a:rPr lang="en-US" dirty="0">
+                  <a:latin typeface="Avenir Book" panose="02000503020000020003" pitchFamily="2" charset="0"/>
+                </a:rPr>
+                <a:t>Generalize binding/unbinding</a:t>
+              </a:r>
+            </a:p>
+          </p:txBody>
+        </p:sp>
+        <p:sp>
+          <p:nvSpPr>
+            <p:cNvPr id="12" name="TextBox 11">
+              <a:extLst>
+                <a:ext uri="{FF2B5EF4-FFF2-40B4-BE49-F238E27FC236}">
+                  <a16:creationId xmlns:a16="http://schemas.microsoft.com/office/drawing/2014/main" id="{3B3B0A0A-5FE9-A845-B19F-F1DD17F7C7FF}"/>
+                </a:ext>
+              </a:extLst>
+            </p:cNvPr>
+            <p:cNvSpPr txBox="1"/>
+            <p:nvPr/>
+          </p:nvSpPr>
+          <p:spPr>
+            <a:xfrm>
+              <a:off x="2121408" y="5381213"/>
+              <a:ext cx="3054095" cy="307777"/>
+            </a:xfrm>
+            <a:prstGeom prst="rect">
+              <a:avLst/>
+            </a:prstGeom>
+            <a:noFill/>
+            <a:ln>
+              <a:noFill/>
+            </a:ln>
+          </p:spPr>
+          <p:txBody>
+            <a:bodyPr wrap="square" rtlCol="0">
+              <a:spAutoFit/>
+            </a:bodyPr>
+            <a:lstStyle/>
+            <a:p>
+              <a:r>
+                <a:rPr lang="en-US" sz="1400" dirty="0">
+                  <a:latin typeface="Avenir Book" panose="02000503020000020003" pitchFamily="2" charset="0"/>
+                </a:rPr>
+                <a:t>More relevant to experimental data</a:t>
+              </a:r>
+            </a:p>
+          </p:txBody>
+        </p:sp>
+        <p:sp>
+          <p:nvSpPr>
+            <p:cNvPr id="14" name="TextBox 13">
+              <a:extLst>
+                <a:ext uri="{FF2B5EF4-FFF2-40B4-BE49-F238E27FC236}">
+                  <a16:creationId xmlns:a16="http://schemas.microsoft.com/office/drawing/2014/main" id="{972718FC-7491-6B42-8359-814A9E1EAA27}"/>
+                </a:ext>
+              </a:extLst>
+            </p:cNvPr>
+            <p:cNvSpPr txBox="1"/>
+            <p:nvPr/>
+          </p:nvSpPr>
+          <p:spPr>
+            <a:xfrm>
+              <a:off x="6888480" y="1704155"/>
+              <a:ext cx="3310128" cy="923330"/>
+            </a:xfrm>
+            <a:prstGeom prst="rect">
+              <a:avLst/>
+            </a:prstGeom>
+            <a:noFill/>
+            <a:ln>
+              <a:solidFill>
+                <a:schemeClr val="tx1"/>
+              </a:solidFill>
+            </a:ln>
+          </p:spPr>
+          <p:txBody>
+            <a:bodyPr wrap="square" rtlCol="0">
+              <a:spAutoFit/>
+            </a:bodyPr>
+            <a:lstStyle/>
+            <a:p>
+              <a:pPr algn="ctr"/>
+              <a:r>
+                <a:rPr lang="en-US" b="1" dirty="0">
+                  <a:latin typeface="Avenir Book" panose="02000503020000020003" pitchFamily="2" charset="0"/>
+                </a:rPr>
+                <a:t>Minimal Model</a:t>
+              </a:r>
+            </a:p>
+            <a:p>
+              <a:pPr algn="ctr"/>
+              <a:r>
+                <a:rPr lang="en-US" dirty="0">
+                  <a:latin typeface="Avenir Book" panose="02000503020000020003" pitchFamily="2" charset="0"/>
+                </a:rPr>
+                <a:t>Coarse-grained</a:t>
+              </a:r>
+            </a:p>
+            <a:p>
+              <a:pPr algn="ctr"/>
+              <a:r>
+                <a:rPr lang="en-US" dirty="0">
+                  <a:latin typeface="Avenir Book" panose="02000503020000020003" pitchFamily="2" charset="0"/>
+                </a:rPr>
+                <a:t>(k</a:t>
+              </a:r>
+              <a:r>
+                <a:rPr lang="en-US" baseline="-25000" dirty="0">
+                  <a:latin typeface="Avenir Book" panose="02000503020000020003" pitchFamily="2" charset="0"/>
+                </a:rPr>
+                <a:t>1</a:t>
+              </a:r>
+              <a:r>
+                <a:rPr lang="en-US" dirty="0">
+                  <a:latin typeface="Avenir Book" panose="02000503020000020003" pitchFamily="2" charset="0"/>
+                </a:rPr>
+                <a:t>, k</a:t>
+              </a:r>
+              <a:r>
+                <a:rPr lang="en-US" baseline="-25000" dirty="0">
+                  <a:latin typeface="Avenir Book" panose="02000503020000020003" pitchFamily="2" charset="0"/>
+                </a:rPr>
+                <a:t>2 </a:t>
+              </a:r>
+              <a:r>
+                <a:rPr lang="en-US" dirty="0">
+                  <a:latin typeface="Avenir Book" panose="02000503020000020003" pitchFamily="2" charset="0"/>
+                </a:rPr>
+                <a:t> = k)</a:t>
+              </a:r>
+            </a:p>
+          </p:txBody>
+        </p:sp>
+        <p:cxnSp>
+          <p:nvCxnSpPr>
+            <p:cNvPr id="19" name="Straight Arrow Connector 18">
+              <a:extLst>
+                <a:ext uri="{FF2B5EF4-FFF2-40B4-BE49-F238E27FC236}">
+                  <a16:creationId xmlns:a16="http://schemas.microsoft.com/office/drawing/2014/main" id="{379A824F-9BCA-BE40-AF9C-5BB07667CCCF}"/>
+                </a:ext>
+              </a:extLst>
+            </p:cNvPr>
+            <p:cNvCxnSpPr>
+              <a:cxnSpLocks/>
+              <a:stCxn id="3" idx="2"/>
+              <a:endCxn id="4" idx="0"/>
+            </p:cNvCxnSpPr>
+            <p:nvPr/>
+          </p:nvCxnSpPr>
+          <p:spPr>
+            <a:xfrm>
+              <a:off x="3648456" y="2639166"/>
+              <a:ext cx="0" cy="1972606"/>
+            </a:xfrm>
+            <a:prstGeom prst="straightConnector1">
+              <a:avLst/>
+            </a:prstGeom>
+            <a:ln>
+              <a:headEnd type="triangle"/>
+              <a:tailEnd type="triangle"/>
+            </a:ln>
+          </p:spPr>
+          <p:style>
+            <a:lnRef idx="1">
+              <a:schemeClr val="dk1"/>
+            </a:lnRef>
+            <a:fillRef idx="0">
+              <a:schemeClr val="dk1"/>
+            </a:fillRef>
+            <a:effectRef idx="0">
+              <a:schemeClr val="dk1"/>
+            </a:effectRef>
+            <a:fontRef idx="minor">
+              <a:schemeClr val="tx1"/>
+            </a:fontRef>
+          </p:style>
+        </p:cxnSp>
+        <p:cxnSp>
+          <p:nvCxnSpPr>
+            <p:cNvPr id="21" name="Straight Arrow Connector 20">
+              <a:extLst>
+                <a:ext uri="{FF2B5EF4-FFF2-40B4-BE49-F238E27FC236}">
+                  <a16:creationId xmlns:a16="http://schemas.microsoft.com/office/drawing/2014/main" id="{52337DA7-2024-5748-98D6-84351A2A99B0}"/>
+                </a:ext>
+              </a:extLst>
+            </p:cNvPr>
+            <p:cNvCxnSpPr>
+              <a:cxnSpLocks/>
+              <a:stCxn id="14" idx="1"/>
+              <a:endCxn id="4" idx="3"/>
+            </p:cNvCxnSpPr>
+            <p:nvPr/>
+          </p:nvCxnSpPr>
+          <p:spPr>
+            <a:xfrm flipH="1">
+              <a:off x="4754880" y="2165820"/>
+              <a:ext cx="2133600" cy="2769118"/>
+            </a:xfrm>
+            <a:prstGeom prst="straightConnector1">
+              <a:avLst/>
+            </a:prstGeom>
+            <a:ln>
+              <a:headEnd type="triangle"/>
+              <a:tailEnd type="triangle"/>
+            </a:ln>
+          </p:spPr>
+          <p:style>
+            <a:lnRef idx="1">
+              <a:schemeClr val="dk1"/>
+            </a:lnRef>
+            <a:fillRef idx="0">
+              <a:schemeClr val="dk1"/>
+            </a:fillRef>
+            <a:effectRef idx="0">
+              <a:schemeClr val="dk1"/>
+            </a:effectRef>
+            <a:fontRef idx="minor">
+              <a:schemeClr val="tx1"/>
+            </a:fontRef>
+          </p:style>
+        </p:cxnSp>
+        <p:cxnSp>
+          <p:nvCxnSpPr>
+            <p:cNvPr id="24" name="Straight Arrow Connector 23">
+              <a:extLst>
+                <a:ext uri="{FF2B5EF4-FFF2-40B4-BE49-F238E27FC236}">
+                  <a16:creationId xmlns:a16="http://schemas.microsoft.com/office/drawing/2014/main" id="{7EF635F8-2B6A-6440-9146-9259CC55D6FC}"/>
+                </a:ext>
+              </a:extLst>
+            </p:cNvPr>
+            <p:cNvCxnSpPr>
+              <a:cxnSpLocks/>
+              <a:stCxn id="14" idx="1"/>
+              <a:endCxn id="3" idx="3"/>
+            </p:cNvCxnSpPr>
+            <p:nvPr/>
+          </p:nvCxnSpPr>
+          <p:spPr>
+            <a:xfrm flipH="1">
+              <a:off x="5303520" y="2165820"/>
+              <a:ext cx="1584960" cy="11681"/>
+            </a:xfrm>
+            <a:prstGeom prst="straightConnector1">
+              <a:avLst/>
+            </a:prstGeom>
+            <a:ln>
+              <a:headEnd type="triangle"/>
+              <a:tailEnd type="triangle"/>
+            </a:ln>
+          </p:spPr>
+          <p:style>
+            <a:lnRef idx="1">
+              <a:schemeClr val="dk1"/>
+            </a:lnRef>
+            <a:fillRef idx="0">
+              <a:schemeClr val="dk1"/>
+            </a:fillRef>
+            <a:effectRef idx="0">
+              <a:schemeClr val="dk1"/>
+            </a:effectRef>
+            <a:fontRef idx="minor">
+              <a:schemeClr val="tx1"/>
+            </a:fontRef>
+          </p:style>
+        </p:cxnSp>
+        <p:sp>
+          <p:nvSpPr>
+            <p:cNvPr id="27" name="TextBox 26">
+              <a:extLst>
+                <a:ext uri="{FF2B5EF4-FFF2-40B4-BE49-F238E27FC236}">
+                  <a16:creationId xmlns:a16="http://schemas.microsoft.com/office/drawing/2014/main" id="{CEF7DB30-561B-F044-9662-E6F8A55EAD0E}"/>
+                </a:ext>
+              </a:extLst>
+            </p:cNvPr>
+            <p:cNvSpPr txBox="1"/>
+            <p:nvPr/>
+          </p:nvSpPr>
+          <p:spPr>
+            <a:xfrm>
+              <a:off x="7016496" y="2669943"/>
+              <a:ext cx="3054095" cy="1384995"/>
+            </a:xfrm>
+            <a:prstGeom prst="rect">
+              <a:avLst/>
+            </a:prstGeom>
+            <a:noFill/>
+            <a:ln>
+              <a:noFill/>
+            </a:ln>
+          </p:spPr>
+          <p:txBody>
+            <a:bodyPr wrap="square" rtlCol="0">
+              <a:spAutoFit/>
+            </a:bodyPr>
+            <a:lstStyle/>
+            <a:p>
+              <a:r>
+                <a:rPr lang="en-US" sz="1400" dirty="0">
+                  <a:latin typeface="Avenir Book" panose="02000503020000020003" pitchFamily="2" charset="0"/>
+                </a:rPr>
+                <a:t>Lumped parameters</a:t>
+              </a:r>
+            </a:p>
+            <a:p>
+              <a:endParaRPr lang="en-US" sz="1400" dirty="0">
+                <a:latin typeface="Avenir Book" panose="02000503020000020003" pitchFamily="2" charset="0"/>
+              </a:endParaRPr>
+            </a:p>
+            <a:p>
+              <a:r>
+                <a:rPr lang="en-US" sz="1400" dirty="0">
+                  <a:latin typeface="Avenir Book" panose="02000503020000020003" pitchFamily="2" charset="0"/>
+                </a:rPr>
+                <a:t>Extracted from experimental data</a:t>
+              </a:r>
+            </a:p>
+            <a:p>
+              <a:endParaRPr lang="en-US" sz="1400" dirty="0">
+                <a:latin typeface="Avenir Book" panose="02000503020000020003" pitchFamily="2" charset="0"/>
+              </a:endParaRPr>
+            </a:p>
+            <a:p>
+              <a:r>
+                <a:rPr lang="en-US" sz="1400" dirty="0">
+                  <a:latin typeface="Avenir Book" panose="02000503020000020003" pitchFamily="2" charset="0"/>
+                </a:rPr>
+                <a:t>Effective relations to help argue values of reduced model</a:t>
+              </a:r>
+            </a:p>
+          </p:txBody>
+        </p:sp>
+      </p:grpSp>
+      <p:pic>
+        <p:nvPicPr>
+          <p:cNvPr id="13" name="Picture 12" descr="A picture containing drawing&#10;&#10;Description automatically generated">
+            <a:extLst>
+              <a:ext uri="{FF2B5EF4-FFF2-40B4-BE49-F238E27FC236}">
+                <a16:creationId xmlns:a16="http://schemas.microsoft.com/office/drawing/2014/main" id="{1A47DA00-52D3-AE49-BD1D-5F57BDCE0065}"/>
+              </a:ext>
+            </a:extLst>
+          </p:cNvPr>
+          <p:cNvPicPr>
+            <a:picLocks noChangeAspect="1"/>
+          </p:cNvPicPr>
+          <p:nvPr/>
+        </p:nvPicPr>
+        <p:blipFill>
+          <a:blip r:embed="rId3"/>
+          <a:stretch>
+            <a:fillRect/>
+          </a:stretch>
+        </p:blipFill>
+        <p:spPr>
+          <a:xfrm>
+            <a:off x="11117119" y="6514803"/>
+            <a:ext cx="1074881" cy="343197"/>
+          </a:xfrm>
+          <a:prstGeom prst="rect">
+            <a:avLst/>
+          </a:prstGeom>
+        </p:spPr>
+      </p:pic>
+    </p:spTree>
+    <p:extLst>
+      <p:ext uri="{BB962C8B-B14F-4D97-AF65-F5344CB8AC3E}">
+        <p14:creationId xmlns:p14="http://schemas.microsoft.com/office/powerpoint/2010/main" val="2468413683"/>
+      </p:ext>
+    </p:extLst>
+  </p:cSld>
+  <p:clrMapOvr>
+    <a:masterClrMapping/>
+  </p:clrMapOvr>
+</p:sld>
+</file>
+
+<file path=ppt/slides/slide6.xml><?xml version="1.0" encoding="utf-8"?>
+<p:sld xmlns:a="http://schemas.openxmlformats.org/drawingml/2006/main" xmlns:r="http://schemas.openxmlformats.org/officeDocument/2006/relationships" xmlns:p="http://schemas.openxmlformats.org/presentationml/2006/main">
+  <p:cSld>
+    <p:spTree>
+      <p:nvGrpSpPr>
+        <p:cNvPr id="1" name=""/>
+        <p:cNvGrpSpPr/>
+        <p:nvPr/>
+      </p:nvGrpSpPr>
+      <p:grpSpPr>
+        <a:xfrm>
+          <a:off x="0" y="0"/>
+          <a:ext cx="0" cy="0"/>
+          <a:chOff x="0" y="0"/>
+          <a:chExt cx="0" cy="0"/>
+        </a:xfrm>
+      </p:grpSpPr>
+      <p:sp>
+        <p:nvSpPr>
+          <p:cNvPr id="2" name="Title 1">
+            <a:extLst>
+              <a:ext uri="{FF2B5EF4-FFF2-40B4-BE49-F238E27FC236}">
+                <a16:creationId xmlns:a16="http://schemas.microsoft.com/office/drawing/2014/main" id="{31CBD292-12F9-4C4D-AB7F-B961FBCF1C7E}"/>
+              </a:ext>
+            </a:extLst>
+          </p:cNvPr>
+          <p:cNvSpPr>
+            <a:spLocks noGrp="1"/>
+          </p:cNvSpPr>
+          <p:nvPr>
+            <p:ph type="title"/>
+          </p:nvPr>
+        </p:nvSpPr>
+        <p:spPr>
+          <a:xfrm>
+            <a:off x="295280" y="263525"/>
+            <a:ext cx="10515600" cy="1325563"/>
+          </a:xfrm>
+        </p:spPr>
+        <p:txBody>
+          <a:bodyPr>
+            <a:normAutofit/>
+          </a:bodyPr>
+          <a:lstStyle/>
+          <a:p>
+            <a:r>
+              <a:rPr lang="en-US" sz="3200" b="1" dirty="0"/>
+              <a:t>Rheostat Model Output</a:t>
+            </a:r>
+          </a:p>
+        </p:txBody>
+      </p:sp>
+      <p:grpSp>
+        <p:nvGrpSpPr>
+          <p:cNvPr id="4" name="Group 3">
+            <a:extLst>
+              <a:ext uri="{FF2B5EF4-FFF2-40B4-BE49-F238E27FC236}">
+                <a16:creationId xmlns:a16="http://schemas.microsoft.com/office/drawing/2014/main" id="{D7BC36EF-02F5-FB44-9405-672EC9DCB4F3}"/>
+              </a:ext>
+            </a:extLst>
+          </p:cNvPr>
+          <p:cNvGrpSpPr/>
+          <p:nvPr/>
+        </p:nvGrpSpPr>
+        <p:grpSpPr>
+          <a:xfrm>
+            <a:off x="460357" y="2455322"/>
+            <a:ext cx="11506601" cy="2329568"/>
+            <a:chOff x="536557" y="3661822"/>
+            <a:chExt cx="11506601" cy="2329568"/>
+          </a:xfrm>
+        </p:grpSpPr>
+        <p:pic>
+          <p:nvPicPr>
+            <p:cNvPr id="5" name="Picture 4" descr="A close up of a map&#10;&#10;Description automatically generated">
+              <a:extLst>
+                <a:ext uri="{FF2B5EF4-FFF2-40B4-BE49-F238E27FC236}">
+                  <a16:creationId xmlns:a16="http://schemas.microsoft.com/office/drawing/2014/main" id="{A2F049C7-EA5D-D748-932D-3BB47C606A35}"/>
+                </a:ext>
+              </a:extLst>
+            </p:cNvPr>
+            <p:cNvPicPr>
+              <a:picLocks noChangeAspect="1"/>
+            </p:cNvPicPr>
+            <p:nvPr/>
+          </p:nvPicPr>
+          <p:blipFill>
+            <a:blip r:embed="rId2"/>
+            <a:stretch>
+              <a:fillRect/>
+            </a:stretch>
+          </p:blipFill>
+          <p:spPr>
+            <a:xfrm>
+              <a:off x="4869335" y="3705390"/>
+              <a:ext cx="4114800" cy="2286000"/>
+            </a:xfrm>
+            <a:prstGeom prst="rect">
+              <a:avLst/>
+            </a:prstGeom>
+          </p:spPr>
+        </p:pic>
+        <p:pic>
+          <p:nvPicPr>
+            <p:cNvPr id="6" name="Picture 5" descr="A screenshot of a cell phone&#10;&#10;Description automatically generated">
+              <a:extLst>
+                <a:ext uri="{FF2B5EF4-FFF2-40B4-BE49-F238E27FC236}">
+                  <a16:creationId xmlns:a16="http://schemas.microsoft.com/office/drawing/2014/main" id="{9CB57EE5-DE27-4243-8802-8F77C378DAE8}"/>
+                </a:ext>
+              </a:extLst>
+            </p:cNvPr>
+            <p:cNvPicPr>
+              <a:picLocks noChangeAspect="1"/>
+            </p:cNvPicPr>
+            <p:nvPr/>
+          </p:nvPicPr>
+          <p:blipFill>
+            <a:blip r:embed="rId3"/>
+            <a:stretch>
+              <a:fillRect/>
+            </a:stretch>
+          </p:blipFill>
+          <p:spPr>
+            <a:xfrm>
+              <a:off x="8932678" y="3795488"/>
+              <a:ext cx="1954402" cy="2028308"/>
+            </a:xfrm>
+            <a:prstGeom prst="rect">
+              <a:avLst/>
+            </a:prstGeom>
+          </p:spPr>
+        </p:pic>
+        <p:sp>
+          <p:nvSpPr>
+            <p:cNvPr id="7" name="TextBox 6">
+              <a:extLst>
+                <a:ext uri="{FF2B5EF4-FFF2-40B4-BE49-F238E27FC236}">
+                  <a16:creationId xmlns:a16="http://schemas.microsoft.com/office/drawing/2014/main" id="{41F65531-522B-EC44-BAEE-894066FD7E3B}"/>
+                </a:ext>
+              </a:extLst>
+            </p:cNvPr>
+            <p:cNvSpPr txBox="1"/>
+            <p:nvPr/>
+          </p:nvSpPr>
+          <p:spPr>
+            <a:xfrm>
+              <a:off x="6834487" y="5074862"/>
+              <a:ext cx="1054231" cy="276999"/>
+            </a:xfrm>
+            <a:prstGeom prst="rect">
+              <a:avLst/>
+            </a:prstGeom>
+            <a:noFill/>
+          </p:spPr>
+          <p:txBody>
+            <a:bodyPr wrap="square" rtlCol="0">
+              <a:spAutoFit/>
+            </a:bodyPr>
+            <a:lstStyle/>
+            <a:p>
+              <a:r>
+                <a:rPr lang="en-US" sz="1200" dirty="0">
+                  <a:solidFill>
+                    <a:srgbClr val="E53BDE"/>
+                  </a:solidFill>
+                  <a:latin typeface="Avenir Book" panose="02000503020000020003" pitchFamily="2" charset="0"/>
+                </a:rPr>
+                <a:t>414.6</a:t>
+              </a:r>
+            </a:p>
+          </p:txBody>
+        </p:sp>
+        <p:pic>
+          <p:nvPicPr>
+            <p:cNvPr id="8" name="Picture 7" descr="A screenshot of a cell phone&#10;&#10;Description automatically generated">
+              <a:extLst>
+                <a:ext uri="{FF2B5EF4-FFF2-40B4-BE49-F238E27FC236}">
+                  <a16:creationId xmlns:a16="http://schemas.microsoft.com/office/drawing/2014/main" id="{9CCD1CDA-C813-DD4A-A447-C871AD700BAD}"/>
+                </a:ext>
+              </a:extLst>
+            </p:cNvPr>
+            <p:cNvPicPr>
+              <a:picLocks noChangeAspect="1"/>
+            </p:cNvPicPr>
+            <p:nvPr/>
+          </p:nvPicPr>
+          <p:blipFill>
+            <a:blip r:embed="rId4"/>
+            <a:stretch>
+              <a:fillRect/>
+            </a:stretch>
+          </p:blipFill>
+          <p:spPr>
+            <a:xfrm>
+              <a:off x="536557" y="3705390"/>
+              <a:ext cx="4114800" cy="2286000"/>
+            </a:xfrm>
+            <a:prstGeom prst="rect">
+              <a:avLst/>
+            </a:prstGeom>
+          </p:spPr>
+        </p:pic>
+        <p:pic>
+          <p:nvPicPr>
+            <p:cNvPr id="9" name="Picture 8" descr="A picture containing knife&#10;&#10;Description automatically generated">
+              <a:extLst>
+                <a:ext uri="{FF2B5EF4-FFF2-40B4-BE49-F238E27FC236}">
+                  <a16:creationId xmlns:a16="http://schemas.microsoft.com/office/drawing/2014/main" id="{6D9FE994-015B-CC40-A275-591E0F6393C8}"/>
+                </a:ext>
+              </a:extLst>
+            </p:cNvPr>
+            <p:cNvPicPr>
+              <a:picLocks noChangeAspect="1"/>
+            </p:cNvPicPr>
+            <p:nvPr/>
+          </p:nvPicPr>
+          <p:blipFill>
+            <a:blip r:embed="rId5"/>
+            <a:stretch>
+              <a:fillRect/>
+            </a:stretch>
+          </p:blipFill>
+          <p:spPr>
+            <a:xfrm>
+              <a:off x="10831045" y="3661822"/>
+              <a:ext cx="1212113" cy="2294687"/>
+            </a:xfrm>
+            <a:prstGeom prst="rect">
+              <a:avLst/>
+            </a:prstGeom>
+          </p:spPr>
+        </p:pic>
+      </p:grpSp>
+    </p:spTree>
+    <p:extLst>
+      <p:ext uri="{BB962C8B-B14F-4D97-AF65-F5344CB8AC3E}">
+        <p14:creationId xmlns:p14="http://schemas.microsoft.com/office/powerpoint/2010/main" val="41809250"/>
+      </p:ext>
+    </p:extLst>
+  </p:cSld>
+  <p:clrMapOvr>
+    <a:masterClrMapping/>
+  </p:clrMapOvr>
+</p:sld>
+</file>
+
+<file path=ppt/slides/slide7.xml><?xml version="1.0" encoding="utf-8"?>
+<p:sld xmlns:a="http://schemas.openxmlformats.org/drawingml/2006/main" xmlns:r="http://schemas.openxmlformats.org/officeDocument/2006/relationships" xmlns:p="http://schemas.openxmlformats.org/presentationml/2006/main">
+  <p:cSld>
+    <p:spTree>
+      <p:nvGrpSpPr>
+        <p:cNvPr id="1" name=""/>
+        <p:cNvGrpSpPr/>
+        <p:nvPr/>
+      </p:nvGrpSpPr>
+      <p:grpSpPr>
+        <a:xfrm>
+          <a:off x="0" y="0"/>
+          <a:ext cx="0" cy="0"/>
+          <a:chOff x="0" y="0"/>
+          <a:chExt cx="0" cy="0"/>
+        </a:xfrm>
+      </p:grpSpPr>
+      <p:sp>
+        <p:nvSpPr>
+          <p:cNvPr id="2" name="Title 1">
+            <a:extLst>
+              <a:ext uri="{FF2B5EF4-FFF2-40B4-BE49-F238E27FC236}">
+                <a16:creationId xmlns:a16="http://schemas.microsoft.com/office/drawing/2014/main" id="{0E0E78E3-3B40-3E42-AAEA-173219EF6D18}"/>
+              </a:ext>
+            </a:extLst>
+          </p:cNvPr>
+          <p:cNvSpPr>
+            <a:spLocks noGrp="1"/>
+          </p:cNvSpPr>
+          <p:nvPr>
+            <p:ph type="title"/>
+          </p:nvPr>
+        </p:nvSpPr>
+        <p:spPr>
+          <a:xfrm>
+            <a:off x="482600" y="263525"/>
+            <a:ext cx="10515600" cy="1325563"/>
+          </a:xfrm>
+        </p:spPr>
+        <p:txBody>
+          <a:bodyPr>
+            <a:normAutofit/>
+          </a:bodyPr>
+          <a:lstStyle/>
+          <a:p>
+            <a:r>
+              <a:rPr lang="en-US" sz="3200" b="1" dirty="0" err="1"/>
+              <a:t>autoReduce</a:t>
+            </a:r>
+            <a:r>
+              <a:rPr lang="en-US" sz="3200" b="1" dirty="0"/>
+              <a:t> progress/issues</a:t>
+            </a:r>
+          </a:p>
+        </p:txBody>
+      </p:sp>
+      <p:sp>
+        <p:nvSpPr>
+          <p:cNvPr id="17" name="Content Placeholder 16">
+            <a:extLst>
+              <a:ext uri="{FF2B5EF4-FFF2-40B4-BE49-F238E27FC236}">
+                <a16:creationId xmlns:a16="http://schemas.microsoft.com/office/drawing/2014/main" id="{B8C8D83E-9352-B544-AA22-108BB5ED42A3}"/>
+              </a:ext>
+            </a:extLst>
+          </p:cNvPr>
+          <p:cNvSpPr>
+            <a:spLocks noGrp="1"/>
+          </p:cNvSpPr>
+          <p:nvPr>
+            <p:ph sz="half" idx="1"/>
+          </p:nvPr>
+        </p:nvSpPr>
+        <p:spPr/>
+        <p:txBody>
+          <a:bodyPr/>
+          <a:lstStyle/>
+          <a:p>
+            <a:r>
+              <a:rPr lang="en-US" dirty="0"/>
+              <a:t>SBML to ODE</a:t>
+            </a:r>
+          </a:p>
+          <a:p>
+            <a:endParaRPr lang="en-US" dirty="0"/>
+          </a:p>
+        </p:txBody>
+      </p:sp>
+    </p:spTree>
+    <p:extLst>
+      <p:ext uri="{BB962C8B-B14F-4D97-AF65-F5344CB8AC3E}">
+        <p14:creationId xmlns:p14="http://schemas.microsoft.com/office/powerpoint/2010/main" val="2734269374"/>
+      </p:ext>
+    </p:extLst>
+  </p:cSld>
+  <p:clrMapOvr>
+    <a:masterClrMapping/>
+  </p:clrMapOvr>
+</p:sld>
+</file>
+
+<file path=ppt/slides/slide8.xml><?xml version="1.0" encoding="utf-8"?>
+<p:sld xmlns:a="http://schemas.openxmlformats.org/drawingml/2006/main" xmlns:r="http://schemas.openxmlformats.org/officeDocument/2006/relationships" xmlns:p="http://schemas.openxmlformats.org/presentationml/2006/main">
+  <p:cSld>
+    <p:spTree>
+      <p:nvGrpSpPr>
+        <p:cNvPr id="1" name=""/>
+        <p:cNvGrpSpPr/>
+        <p:nvPr/>
+      </p:nvGrpSpPr>
+      <p:grpSpPr>
+        <a:xfrm>
+          <a:off x="0" y="0"/>
+          <a:ext cx="0" cy="0"/>
+          <a:chOff x="0" y="0"/>
+          <a:chExt cx="0" cy="0"/>
+        </a:xfrm>
+      </p:grpSpPr>
+      <p:sp>
+        <p:nvSpPr>
+          <p:cNvPr id="2" name="Title 1">
+            <a:extLst>
+              <a:ext uri="{FF2B5EF4-FFF2-40B4-BE49-F238E27FC236}">
+                <a16:creationId xmlns:a16="http://schemas.microsoft.com/office/drawing/2014/main" id="{26C5E00C-79EE-E54D-9F6A-E7483B496FF2}"/>
+              </a:ext>
+            </a:extLst>
+          </p:cNvPr>
+          <p:cNvSpPr>
+            <a:spLocks noGrp="1"/>
+          </p:cNvSpPr>
+          <p:nvPr>
+            <p:ph type="title"/>
+          </p:nvPr>
+        </p:nvSpPr>
+        <p:spPr/>
+        <p:txBody>
+          <a:bodyPr/>
+          <a:lstStyle/>
+          <a:p>
+            <a:r>
+              <a:rPr lang="en-US" dirty="0"/>
+              <a:t>Minimal model progress</a:t>
+            </a:r>
+          </a:p>
+        </p:txBody>
+      </p:sp>
+      <p:sp>
+        <p:nvSpPr>
+          <p:cNvPr id="3" name="Content Placeholder 2">
+            <a:extLst>
+              <a:ext uri="{FF2B5EF4-FFF2-40B4-BE49-F238E27FC236}">
+                <a16:creationId xmlns:a16="http://schemas.microsoft.com/office/drawing/2014/main" id="{2512D6E4-2B8E-7E40-A032-37CF4020E6D3}"/>
+              </a:ext>
+            </a:extLst>
+          </p:cNvPr>
+          <p:cNvSpPr>
+            <a:spLocks noGrp="1"/>
+          </p:cNvSpPr>
+          <p:nvPr>
+            <p:ph idx="1"/>
+          </p:nvPr>
+        </p:nvSpPr>
+        <p:spPr/>
+        <p:txBody>
+          <a:bodyPr/>
+          <a:lstStyle/>
+          <a:p>
+            <a:r>
+              <a:rPr lang="en-US" dirty="0"/>
+              <a:t>Attach pics from one notebook (two rates)</a:t>
+            </a:r>
+          </a:p>
+          <a:p>
+            <a:r>
+              <a:rPr lang="en-US" dirty="0"/>
+              <a:t>Can you find data from other places? (NO)</a:t>
+            </a:r>
+          </a:p>
+        </p:txBody>
+      </p:sp>
+    </p:spTree>
+    <p:extLst>
+      <p:ext uri="{BB962C8B-B14F-4D97-AF65-F5344CB8AC3E}">
+        <p14:creationId xmlns:p14="http://schemas.microsoft.com/office/powerpoint/2010/main" val="1341901988"/>
+      </p:ext>
+    </p:extLst>
+  </p:cSld>
+  <p:clrMapOvr>
+    <a:masterClrMapping/>
+  </p:clrMapOvr>
+</p:sld>
+</file>
+
+<file path=ppt/slides/slide9.xml><?xml version="1.0" encoding="utf-8"?>
+<p:sld xmlns:a="http://schemas.openxmlformats.org/drawingml/2006/main" xmlns:r="http://schemas.openxmlformats.org/officeDocument/2006/relationships" xmlns:p="http://schemas.openxmlformats.org/presentationml/2006/main">
+  <p:cSld>
+    <p:spTree>
+      <p:nvGrpSpPr>
+        <p:cNvPr id="1" name=""/>
+        <p:cNvGrpSpPr/>
+        <p:nvPr/>
+      </p:nvGrpSpPr>
+      <p:grpSpPr>
+        <a:xfrm>
+          <a:off x="0" y="0"/>
+          <a:ext cx="0" cy="0"/>
+          <a:chOff x="0" y="0"/>
+          <a:chExt cx="0" cy="0"/>
+        </a:xfrm>
+      </p:grpSpPr>
+      <p:sp>
+        <p:nvSpPr>
+          <p:cNvPr id="2" name="Title 1">
+            <a:extLst>
+              <a:ext uri="{FF2B5EF4-FFF2-40B4-BE49-F238E27FC236}">
+                <a16:creationId xmlns:a16="http://schemas.microsoft.com/office/drawing/2014/main" id="{502F34E0-D3C4-C242-AA6F-5FE7C195F7BF}"/>
+              </a:ext>
+            </a:extLst>
+          </p:cNvPr>
+          <p:cNvSpPr>
+            <a:spLocks noGrp="1"/>
+          </p:cNvSpPr>
+          <p:nvPr>
+            <p:ph type="title"/>
+          </p:nvPr>
+        </p:nvSpPr>
+        <p:spPr/>
+        <p:txBody>
+          <a:bodyPr/>
+          <a:lstStyle/>
+          <a:p>
+            <a:r>
+              <a:rPr lang="en-US" dirty="0"/>
+              <a:t>Putting rheostat it all together</a:t>
+            </a:r>
+          </a:p>
+        </p:txBody>
+      </p:sp>
+      <p:sp>
+        <p:nvSpPr>
+          <p:cNvPr id="3" name="Content Placeholder 2">
+            <a:extLst>
+              <a:ext uri="{FF2B5EF4-FFF2-40B4-BE49-F238E27FC236}">
+                <a16:creationId xmlns:a16="http://schemas.microsoft.com/office/drawing/2014/main" id="{A9EE7B6C-56CA-ED41-A665-2F2622184357}"/>
+              </a:ext>
+            </a:extLst>
+          </p:cNvPr>
+          <p:cNvSpPr>
+            <a:spLocks noGrp="1"/>
+          </p:cNvSpPr>
+          <p:nvPr>
+            <p:ph idx="1"/>
+          </p:nvPr>
+        </p:nvSpPr>
+        <p:spPr/>
+        <p:txBody>
+          <a:bodyPr/>
+          <a:lstStyle/>
+          <a:p>
+            <a:r>
+              <a:rPr lang="en-US" dirty="0"/>
+              <a:t>Model with current minimal parameters in reduced?? Not sure if you are here yet</a:t>
+            </a:r>
+          </a:p>
+        </p:txBody>
+      </p:sp>
+    </p:spTree>
+    <p:extLst>
+      <p:ext uri="{BB962C8B-B14F-4D97-AF65-F5344CB8AC3E}">
+        <p14:creationId xmlns:p14="http://schemas.microsoft.com/office/powerpoint/2010/main" val="2568518235"/>
       </p:ext>
     </p:extLst>
   </p:cSld>

--- a/miscellaneous/presentations/20200715_syncell_mtg.pptx
+++ b/miscellaneous/presentations/20200715_syncell_mtg.pptx
@@ -210,7 +210,7 @@
           <a:p>
             <a:fld id="{B102B905-3FD8-2942-AB12-6B3360B55AB8}" type="datetimeFigureOut">
               <a:rPr lang="en-US" smtClean="0"/>
-              <a:t>7/10/20</a:t>
+              <a:t>7/12/20</a:t>
             </a:fld>
             <a:endParaRPr lang="en-US"/>
           </a:p>
@@ -1015,7 +1015,7 @@
           <a:p>
             <a:fld id="{3B3400CD-7287-EA41-97B8-6C373A830532}" type="datetimeFigureOut">
               <a:rPr lang="en-US" smtClean="0"/>
-              <a:t>7/10/20</a:t>
+              <a:t>7/12/20</a:t>
             </a:fld>
             <a:endParaRPr lang="en-US"/>
           </a:p>
@@ -1213,7 +1213,7 @@
           <a:p>
             <a:fld id="{3B3400CD-7287-EA41-97B8-6C373A830532}" type="datetimeFigureOut">
               <a:rPr lang="en-US" smtClean="0"/>
-              <a:t>7/10/20</a:t>
+              <a:t>7/12/20</a:t>
             </a:fld>
             <a:endParaRPr lang="en-US"/>
           </a:p>
@@ -1421,7 +1421,7 @@
           <a:p>
             <a:fld id="{3B3400CD-7287-EA41-97B8-6C373A830532}" type="datetimeFigureOut">
               <a:rPr lang="en-US" smtClean="0"/>
-              <a:t>7/10/20</a:t>
+              <a:t>7/12/20</a:t>
             </a:fld>
             <a:endParaRPr lang="en-US"/>
           </a:p>
@@ -1621,7 +1621,7 @@
           <a:p>
             <a:fld id="{3B3400CD-7287-EA41-97B8-6C373A830532}" type="datetimeFigureOut">
               <a:rPr lang="en-US" smtClean="0"/>
-              <a:t>7/10/20</a:t>
+              <a:t>7/12/20</a:t>
             </a:fld>
             <a:endParaRPr lang="en-US"/>
           </a:p>
@@ -1896,7 +1896,7 @@
           <a:p>
             <a:fld id="{3B3400CD-7287-EA41-97B8-6C373A830532}" type="datetimeFigureOut">
               <a:rPr lang="en-US" smtClean="0"/>
-              <a:t>7/10/20</a:t>
+              <a:t>7/12/20</a:t>
             </a:fld>
             <a:endParaRPr lang="en-US"/>
           </a:p>
@@ -2161,7 +2161,7 @@
           <a:p>
             <a:fld id="{3B3400CD-7287-EA41-97B8-6C373A830532}" type="datetimeFigureOut">
               <a:rPr lang="en-US" smtClean="0"/>
-              <a:t>7/10/20</a:t>
+              <a:t>7/12/20</a:t>
             </a:fld>
             <a:endParaRPr lang="en-US"/>
           </a:p>
@@ -2573,7 +2573,7 @@
           <a:p>
             <a:fld id="{3B3400CD-7287-EA41-97B8-6C373A830532}" type="datetimeFigureOut">
               <a:rPr lang="en-US" smtClean="0"/>
-              <a:t>7/10/20</a:t>
+              <a:t>7/12/20</a:t>
             </a:fld>
             <a:endParaRPr lang="en-US"/>
           </a:p>
@@ -2714,7 +2714,7 @@
           <a:p>
             <a:fld id="{3B3400CD-7287-EA41-97B8-6C373A830532}" type="datetimeFigureOut">
               <a:rPr lang="en-US" smtClean="0"/>
-              <a:t>7/10/20</a:t>
+              <a:t>7/12/20</a:t>
             </a:fld>
             <a:endParaRPr lang="en-US"/>
           </a:p>
@@ -2827,7 +2827,7 @@
           <a:p>
             <a:fld id="{3B3400CD-7287-EA41-97B8-6C373A830532}" type="datetimeFigureOut">
               <a:rPr lang="en-US" smtClean="0"/>
-              <a:t>7/10/20</a:t>
+              <a:t>7/12/20</a:t>
             </a:fld>
             <a:endParaRPr lang="en-US"/>
           </a:p>
@@ -3138,7 +3138,7 @@
           <a:p>
             <a:fld id="{3B3400CD-7287-EA41-97B8-6C373A830532}" type="datetimeFigureOut">
               <a:rPr lang="en-US" smtClean="0"/>
-              <a:t>7/10/20</a:t>
+              <a:t>7/12/20</a:t>
             </a:fld>
             <a:endParaRPr lang="en-US"/>
           </a:p>
@@ -3429,7 +3429,7 @@
           <a:p>
             <a:fld id="{3B3400CD-7287-EA41-97B8-6C373A830532}" type="datetimeFigureOut">
               <a:rPr lang="en-US" smtClean="0"/>
-              <a:t>7/10/20</a:t>
+              <a:t>7/12/20</a:t>
             </a:fld>
             <a:endParaRPr lang="en-US"/>
           </a:p>
@@ -3672,7 +3672,7 @@
           <a:p>
             <a:fld id="{3B3400CD-7287-EA41-97B8-6C373A830532}" type="datetimeFigureOut">
               <a:rPr lang="en-US" smtClean="0"/>
-              <a:t>7/10/20</a:t>
+              <a:t>7/12/20</a:t>
             </a:fld>
             <a:endParaRPr lang="en-US"/>
           </a:p>
@@ -4430,6 +4430,32 @@
             <a:endParaRPr lang="en-US" dirty="0"/>
           </a:p>
           <a:p>
+            <a:r>
+              <a:rPr lang="en-US" dirty="0">
+                <a:solidFill>
+                  <a:srgbClr val="FF0000"/>
+                </a:solidFill>
+              </a:rPr>
+              <a:t>Add collaboration w </a:t>
+            </a:r>
+            <a:r>
+              <a:rPr lang="en-US" dirty="0" err="1">
+                <a:solidFill>
+                  <a:srgbClr val="FF0000"/>
+                </a:solidFill>
+              </a:rPr>
+              <a:t>agrima</a:t>
+            </a:r>
+            <a:r>
+              <a:rPr lang="en-US" dirty="0">
+                <a:solidFill>
+                  <a:srgbClr val="FF0000"/>
+                </a:solidFill>
+              </a:rPr>
+              <a:t> here</a:t>
+            </a:r>
+          </a:p>
+          <a:p>
             <a:endParaRPr lang="en-US" dirty="0"/>
           </a:p>
         </p:txBody>
@@ -4514,7 +4540,11 @@
           <a:lstStyle/>
           <a:p>
             <a:r>
-              <a:rPr lang="en-US" dirty="0"/>
+              <a:rPr lang="en-US" dirty="0">
+                <a:solidFill>
+                  <a:srgbClr val="FF0000"/>
+                </a:solidFill>
+              </a:rPr>
               <a:t>Attach ODE’s of Current Model</a:t>
             </a:r>
           </a:p>
@@ -4528,6 +4558,14 @@
               <a:rPr lang="en-US" dirty="0"/>
               <a:t> Steps</a:t>
             </a:r>
+          </a:p>
+          <a:p>
+            <a:pPr lvl="1"/>
+            <a:endParaRPr lang="en-US" dirty="0"/>
+          </a:p>
+          <a:p>
+            <a:pPr lvl="1"/>
+            <a:endParaRPr lang="en-US" dirty="0"/>
           </a:p>
         </p:txBody>
       </p:sp>
@@ -7370,6 +7408,32 @@
             </a:r>
           </a:p>
           <a:p>
+            <a:r>
+              <a:rPr lang="en-US" dirty="0">
+                <a:solidFill>
+                  <a:srgbClr val="FF0000"/>
+                </a:solidFill>
+              </a:rPr>
+              <a:t>Attach pictures of different reduced </a:t>
+            </a:r>
+            <a:r>
+              <a:rPr lang="en-US" dirty="0" err="1">
+                <a:solidFill>
+                  <a:srgbClr val="FF0000"/>
+                </a:solidFill>
+              </a:rPr>
+              <a:t>mdoels</a:t>
+            </a:r>
+            <a:r>
+              <a:rPr lang="en-US" dirty="0">
+                <a:solidFill>
+                  <a:srgbClr val="FF0000"/>
+                </a:solidFill>
+              </a:rPr>
+              <a:t> here</a:t>
+            </a:r>
+          </a:p>
+          <a:p>
             <a:endParaRPr lang="en-US" dirty="0"/>
           </a:p>
         </p:txBody>
@@ -7464,6 +7528,16 @@
               <a:t>Can you find data from other places? (NO)</a:t>
             </a:r>
           </a:p>
+          <a:p>
+            <a:r>
+              <a:rPr lang="en-US" dirty="0">
+                <a:solidFill>
+                  <a:srgbClr val="FF0000"/>
+                </a:solidFill>
+              </a:rPr>
+              <a:t>Attach pictures of two rate constants here</a:t>
+            </a:r>
+          </a:p>
         </p:txBody>
       </p:sp>
     </p:spTree>
@@ -7548,6 +7622,16 @@
             <a:r>
               <a:rPr lang="en-US" dirty="0"/>
               <a:t>Model with current minimal parameters in reduced?? Not sure if you are here yet</a:t>
+            </a:r>
+          </a:p>
+          <a:p>
+            <a:r>
+              <a:rPr lang="en-US" dirty="0">
+                <a:solidFill>
+                  <a:srgbClr val="FF0000"/>
+                </a:solidFill>
+              </a:rPr>
+              <a:t>Either say you are looking for more values/research/ and skip or try to see if you get more wholistic model</a:t>
             </a:r>
           </a:p>
         </p:txBody>

--- a/miscellaneous/presentations/20200715_syncell_mtg.pptx
+++ b/miscellaneous/presentations/20200715_syncell_mtg.pptx
@@ -5,7 +5,7 @@
     <p:sldMasterId id="2147483648" r:id="rId1"/>
   </p:sldMasterIdLst>
   <p:notesMasterIdLst>
-    <p:notesMasterId r:id="rId20"/>
+    <p:notesMasterId r:id="rId19"/>
   </p:notesMasterIdLst>
   <p:sldIdLst>
     <p:sldId id="256" r:id="rId2"/>
@@ -17,15 +17,14 @@
     <p:sldId id="329" r:id="rId8"/>
     <p:sldId id="264" r:id="rId9"/>
     <p:sldId id="265" r:id="rId10"/>
-    <p:sldId id="266" r:id="rId11"/>
-    <p:sldId id="263" r:id="rId12"/>
-    <p:sldId id="267" r:id="rId13"/>
-    <p:sldId id="332" r:id="rId14"/>
-    <p:sldId id="268" r:id="rId15"/>
-    <p:sldId id="333" r:id="rId16"/>
-    <p:sldId id="334" r:id="rId17"/>
-    <p:sldId id="328" r:id="rId18"/>
-    <p:sldId id="297" r:id="rId19"/>
+    <p:sldId id="267" r:id="rId11"/>
+    <p:sldId id="332" r:id="rId12"/>
+    <p:sldId id="263" r:id="rId13"/>
+    <p:sldId id="268" r:id="rId14"/>
+    <p:sldId id="333" r:id="rId15"/>
+    <p:sldId id="334" r:id="rId16"/>
+    <p:sldId id="328" r:id="rId17"/>
+    <p:sldId id="297" r:id="rId18"/>
   </p:sldIdLst>
   <p:sldSz cx="12192000" cy="6858000"/>
   <p:notesSz cx="6858000" cy="9144000"/>
@@ -6874,6 +6873,90 @@
 </p:notes>
 </file>
 
+<file path=ppt/notesSlides/notesSlide10.xml><?xml version="1.0" encoding="utf-8"?>
+<p:notes xmlns:a="http://schemas.openxmlformats.org/drawingml/2006/main" xmlns:r="http://schemas.openxmlformats.org/officeDocument/2006/relationships" xmlns:p="http://schemas.openxmlformats.org/presentationml/2006/main">
+  <p:cSld>
+    <p:spTree>
+      <p:nvGrpSpPr>
+        <p:cNvPr id="1" name=""/>
+        <p:cNvGrpSpPr/>
+        <p:nvPr/>
+      </p:nvGrpSpPr>
+      <p:grpSpPr>
+        <a:xfrm>
+          <a:off x="0" y="0"/>
+          <a:ext cx="0" cy="0"/>
+          <a:chOff x="0" y="0"/>
+          <a:chExt cx="0" cy="0"/>
+        </a:xfrm>
+      </p:grpSpPr>
+      <p:sp>
+        <p:nvSpPr>
+          <p:cNvPr id="2" name="Slide Image Placeholder 1"/>
+          <p:cNvSpPr>
+            <a:spLocks noGrp="1" noRot="1" noChangeAspect="1"/>
+          </p:cNvSpPr>
+          <p:nvPr>
+            <p:ph type="sldImg"/>
+          </p:nvPr>
+        </p:nvSpPr>
+        <p:spPr/>
+      </p:sp>
+      <p:sp>
+        <p:nvSpPr>
+          <p:cNvPr id="3" name="Notes Placeholder 2"/>
+          <p:cNvSpPr>
+            <a:spLocks noGrp="1"/>
+          </p:cNvSpPr>
+          <p:nvPr>
+            <p:ph type="body" idx="1"/>
+          </p:nvPr>
+        </p:nvSpPr>
+        <p:spPr/>
+        <p:txBody>
+          <a:bodyPr/>
+          <a:lstStyle/>
+          <a:p>
+            <a:endParaRPr lang="en-US" dirty="0"/>
+          </a:p>
+        </p:txBody>
+      </p:sp>
+      <p:sp>
+        <p:nvSpPr>
+          <p:cNvPr id="4" name="Slide Number Placeholder 3"/>
+          <p:cNvSpPr>
+            <a:spLocks noGrp="1"/>
+          </p:cNvSpPr>
+          <p:nvPr>
+            <p:ph type="sldNum" sz="quarter" idx="5"/>
+          </p:nvPr>
+        </p:nvSpPr>
+        <p:spPr/>
+        <p:txBody>
+          <a:bodyPr/>
+          <a:lstStyle/>
+          <a:p>
+            <a:fld id="{67F42522-F24A-B14B-BB2C-B26443761E53}" type="slidenum">
+              <a:rPr lang="en-US" smtClean="0"/>
+              <a:t>14</a:t>
+            </a:fld>
+            <a:endParaRPr lang="en-US"/>
+          </a:p>
+        </p:txBody>
+      </p:sp>
+    </p:spTree>
+    <p:extLst>
+      <p:ext uri="{BB962C8B-B14F-4D97-AF65-F5344CB8AC3E}">
+        <p14:creationId xmlns:p14="http://schemas.microsoft.com/office/powerpoint/2010/main" val="3356111866"/>
+      </p:ext>
+    </p:extLst>
+  </p:cSld>
+  <p:clrMapOvr>
+    <a:masterClrMapping/>
+  </p:clrMapOvr>
+</p:notes>
+</file>
+
 <file path=ppt/notesSlides/notesSlide2.xml><?xml version="1.0" encoding="utf-8"?>
 <p:notes xmlns:a="http://schemas.openxmlformats.org/drawingml/2006/main" xmlns:r="http://schemas.openxmlformats.org/officeDocument/2006/relationships" xmlns:p="http://schemas.openxmlformats.org/presentationml/2006/main">
   <p:cSld>
@@ -7097,8 +7180,89 @@
           <a:p>
             <a:r>
               <a:rPr lang="en-US" dirty="0"/>
-              <a:t>Double check red mod 3 </a:t>
-            </a:r>
+              <a:t>Isobutanol toxicity - once around 180 mM, cells stopped growing </a:t>
+            </a:r>
+          </a:p>
+          <a:p>
+            <a:r>
+              <a:rPr lang="en-US" dirty="0">
+                <a:hlinkClick r:id="rId3"/>
+              </a:rPr>
+              <a:t>https://www.ncbi.nlm.nih.gov/pmc/articles/PMC3242789/</a:t>
+            </a:r>
+            <a:endParaRPr lang="en-US" dirty="0"/>
+          </a:p>
+          <a:p>
+            <a:endParaRPr lang="en-US" dirty="0"/>
+          </a:p>
+          <a:p>
+            <a:r>
+              <a:rPr lang="en-US" dirty="0"/>
+              <a:t>Concentrations of 1-2 % v/v isobutanol can induce toxic effects in microbial production host, reducing growth rates and precursor synthesis – low product yields</a:t>
+            </a:r>
+          </a:p>
+          <a:p>
+            <a:endParaRPr lang="en-US" dirty="0"/>
+          </a:p>
+          <a:p>
+            <a:r>
+              <a:rPr lang="en-US" dirty="0"/>
+              <a:t>E coli = volume = 1 umeter^3 , length – 1-2 </a:t>
+            </a:r>
+            <a:r>
+              <a:rPr lang="en-US" dirty="0" err="1"/>
+              <a:t>umeter</a:t>
+            </a:r>
+            <a:r>
+              <a:rPr lang="en-US" dirty="0"/>
+              <a:t> = 1000 nanometer</a:t>
+            </a:r>
+          </a:p>
+          <a:p>
+            <a:r>
+              <a:rPr lang="en-US" dirty="0"/>
+              <a:t>GUV = 300 nanometer , volume = 0.3 umeter^3</a:t>
+            </a:r>
+          </a:p>
+          <a:p>
+            <a:r>
+              <a:rPr lang="en-US" dirty="0"/>
+              <a:t>Conc </a:t>
+            </a:r>
+            <a:r>
+              <a:rPr lang="en-US"/>
+              <a:t>of isobutanol – 30 mM</a:t>
+            </a:r>
+            <a:endParaRPr lang="en-US" dirty="0"/>
+          </a:p>
+          <a:p>
+            <a:endParaRPr lang="en-US" dirty="0"/>
+          </a:p>
+          <a:p>
+            <a:endParaRPr lang="en-US" dirty="0"/>
+          </a:p>
+          <a:p>
+            <a:r>
+              <a:rPr lang="en-US" dirty="0"/>
+              <a:t>Isobutanol toxicity: n-butanol can interact with the cell by altering the lipid composition and fluidity of the membrane, decreasing intracellular pH and ATP concentration, inhibiting the uptake of glucose. Isobutanol stress response in E.coli is quantitively similar to that of n-butanol with respect to transcriptional levels, except for increased repression of amino acid biosynthesis by n-</a:t>
+            </a:r>
+            <a:r>
+              <a:rPr lang="en-US" dirty="0" err="1"/>
+              <a:t>butanol</a:t>
+            </a:r>
+            <a:r>
+              <a:rPr lang="en-US" dirty="0" err="1">
+                <a:hlinkClick r:id="rId4"/>
+              </a:rPr>
+              <a:t>https</a:t>
+            </a:r>
+            <a:r>
+              <a:rPr lang="en-US" dirty="0">
+                <a:hlinkClick r:id="rId4"/>
+              </a:rPr>
+              <a:t>://www.embopress.org/doi/full/10.1038/msb.2010.98</a:t>
+            </a:r>
+            <a:endParaRPr lang="en-US" dirty="0"/>
           </a:p>
         </p:txBody>
       </p:sp>
@@ -7119,7 +7283,7 @@
           <a:p>
             <a:fld id="{67F42522-F24A-B14B-BB2C-B26443761E53}" type="slidenum">
               <a:rPr lang="en-US" smtClean="0"/>
-              <a:t>8</a:t>
+              <a:t>6</a:t>
             </a:fld>
             <a:endParaRPr lang="en-US"/>
           </a:p>
@@ -7128,7 +7292,7 @@
     </p:spTree>
     <p:extLst>
       <p:ext uri="{BB962C8B-B14F-4D97-AF65-F5344CB8AC3E}">
-        <p14:creationId xmlns:p14="http://schemas.microsoft.com/office/powerpoint/2010/main" val="2083763848"/>
+        <p14:creationId xmlns:p14="http://schemas.microsoft.com/office/powerpoint/2010/main" val="2344226793"/>
       </p:ext>
     </p:extLst>
   </p:cSld>
@@ -7182,7 +7346,52 @@
           <a:bodyPr/>
           <a:lstStyle/>
           <a:p>
-            <a:endParaRPr lang="en-US" dirty="0"/>
+            <a:r>
+              <a:rPr lang="en-US" dirty="0"/>
+              <a:t>Seems like all the models reach the appropriate steady state value</a:t>
+            </a:r>
+          </a:p>
+          <a:p>
+            <a:r>
+              <a:rPr lang="en-US" dirty="0"/>
+              <a:t>Concerns include the sacrificed dynamics. Not sure why </a:t>
+            </a:r>
+            <a:r>
+              <a:rPr lang="en-US" dirty="0" err="1"/>
+              <a:t>remov</a:t>
+            </a:r>
+            <a:r>
+              <a:rPr lang="en-US" dirty="0"/>
+              <a:t> </a:t>
+            </a:r>
+            <a:r>
+              <a:rPr lang="en-US" dirty="0" err="1"/>
+              <a:t>ing</a:t>
+            </a:r>
+            <a:r>
+              <a:rPr lang="en-US" dirty="0"/>
+              <a:t> all complexes quickens all the dynamics and why removing ½ complexes seems to only delay </a:t>
+            </a:r>
+            <a:r>
+              <a:rPr lang="en-US" dirty="0" err="1"/>
+              <a:t>atp</a:t>
+            </a:r>
+            <a:r>
+              <a:rPr lang="en-US" dirty="0"/>
+              <a:t> dynamics. </a:t>
+            </a:r>
+          </a:p>
+          <a:p>
+            <a:r>
+              <a:rPr lang="en-US" dirty="0"/>
+              <a:t>Have to find a compromise between having curves close to the full model but also reducing the amount of species and corresponding parameters required</a:t>
+            </a:r>
+          </a:p>
+          <a:p>
+            <a:r>
+              <a:rPr lang="en-US" dirty="0"/>
+              <a:t> </a:t>
+            </a:r>
           </a:p>
         </p:txBody>
       </p:sp>
@@ -7203,7 +7412,7 @@
           <a:p>
             <a:fld id="{67F42522-F24A-B14B-BB2C-B26443761E53}" type="slidenum">
               <a:rPr lang="en-US" smtClean="0"/>
-              <a:t>12</a:t>
+              <a:t>8</a:t>
             </a:fld>
             <a:endParaRPr lang="en-US"/>
           </a:p>
@@ -7212,7 +7421,7 @@
     </p:spTree>
     <p:extLst>
       <p:ext uri="{BB962C8B-B14F-4D97-AF65-F5344CB8AC3E}">
-        <p14:creationId xmlns:p14="http://schemas.microsoft.com/office/powerpoint/2010/main" val="3267296316"/>
+        <p14:creationId xmlns:p14="http://schemas.microsoft.com/office/powerpoint/2010/main" val="2083763848"/>
       </p:ext>
     </p:extLst>
   </p:cSld>
@@ -7266,6 +7475,12 @@
           <a:bodyPr/>
           <a:lstStyle/>
           <a:p>
+            <a:r>
+              <a:rPr lang="en-US" dirty="0"/>
+              <a:t>Kind of gives us a guide on the timescale of glucose/isobutanol consumption but this minimal model seems quite disconnected from underlying dynamics since there is only one state. </a:t>
+            </a:r>
+          </a:p>
+          <a:p>
             <a:endParaRPr lang="en-US" dirty="0"/>
           </a:p>
         </p:txBody>
@@ -7287,7 +7502,7 @@
           <a:p>
             <a:fld id="{67F42522-F24A-B14B-BB2C-B26443761E53}" type="slidenum">
               <a:rPr lang="en-US" smtClean="0"/>
-              <a:t>13</a:t>
+              <a:t>9</a:t>
             </a:fld>
             <a:endParaRPr lang="en-US"/>
           </a:p>
@@ -7296,7 +7511,7 @@
     </p:spTree>
     <p:extLst>
       <p:ext uri="{BB962C8B-B14F-4D97-AF65-F5344CB8AC3E}">
-        <p14:creationId xmlns:p14="http://schemas.microsoft.com/office/powerpoint/2010/main" val="3128394393"/>
+        <p14:creationId xmlns:p14="http://schemas.microsoft.com/office/powerpoint/2010/main" val="1079020711"/>
       </p:ext>
     </p:extLst>
   </p:cSld>
@@ -7350,7 +7565,43 @@
           <a:bodyPr/>
           <a:lstStyle/>
           <a:p>
+            <a:r>
+              <a:rPr lang="en-US" dirty="0"/>
+              <a:t>Working on metabolism! Can work with any of these other processes, like export, signaling, regulation, </a:t>
+            </a:r>
+            <a:r>
+              <a:rPr lang="en-US" dirty="0" err="1"/>
+              <a:t>etc</a:t>
+            </a:r>
+            <a:r>
+              <a:rPr lang="en-US" dirty="0"/>
+              <a:t> as long as </a:t>
+            </a:r>
+            <a:r>
+              <a:rPr lang="en-US" dirty="0" err="1"/>
+              <a:t>atp</a:t>
+            </a:r>
+            <a:r>
+              <a:rPr lang="en-US" dirty="0"/>
+              <a:t> consumption is modelled! Have to input some initial concentrations once the </a:t>
+            </a:r>
+            <a:r>
+              <a:rPr lang="en-US" dirty="0" err="1"/>
+              <a:t>sbml</a:t>
+            </a:r>
+            <a:r>
+              <a:rPr lang="en-US" dirty="0"/>
+              <a:t> model is downloaded and then you’re good to go!</a:t>
+            </a:r>
+          </a:p>
+          <a:p>
             <a:endParaRPr lang="en-US" dirty="0"/>
+          </a:p>
+          <a:p>
+            <a:r>
+              <a:rPr lang="en-US" dirty="0"/>
+              <a:t>I’m happy to work with anyone’s models and look into this. </a:t>
+            </a:r>
           </a:p>
         </p:txBody>
       </p:sp>
@@ -7371,7 +7622,7 @@
           <a:p>
             <a:fld id="{67F42522-F24A-B14B-BB2C-B26443761E53}" type="slidenum">
               <a:rPr lang="en-US" smtClean="0"/>
-              <a:t>14</a:t>
+              <a:t>10</a:t>
             </a:fld>
             <a:endParaRPr lang="en-US"/>
           </a:p>
@@ -7380,7 +7631,7 @@
     </p:spTree>
     <p:extLst>
       <p:ext uri="{BB962C8B-B14F-4D97-AF65-F5344CB8AC3E}">
-        <p14:creationId xmlns:p14="http://schemas.microsoft.com/office/powerpoint/2010/main" val="4267495023"/>
+        <p14:creationId xmlns:p14="http://schemas.microsoft.com/office/powerpoint/2010/main" val="3267296316"/>
       </p:ext>
     </p:extLst>
   </p:cSld>
@@ -7434,7 +7685,50 @@
           <a:bodyPr/>
           <a:lstStyle/>
           <a:p>
-            <a:endParaRPr lang="en-US" dirty="0"/>
+            <a:r>
+              <a:rPr lang="en-US" dirty="0"/>
+              <a:t>One that we’ve tried, that you’ve already kind of heard about, is my </a:t>
+            </a:r>
+            <a:r>
+              <a:rPr lang="en-US" dirty="0" err="1"/>
+              <a:t>collab</a:t>
+            </a:r>
+            <a:r>
+              <a:rPr lang="en-US" dirty="0"/>
+              <a:t> with </a:t>
+            </a:r>
+            <a:r>
+              <a:rPr lang="en-US" dirty="0" err="1"/>
+              <a:t>Agrima</a:t>
+            </a:r>
+            <a:r>
+              <a:rPr lang="en-US" dirty="0"/>
+              <a:t>. One issue is that my regeneration was on timescale of 50 </a:t>
+            </a:r>
+            <a:r>
+              <a:rPr lang="en-US" dirty="0" err="1"/>
+              <a:t>hrs</a:t>
+            </a:r>
+            <a:r>
+              <a:rPr lang="en-US" dirty="0"/>
+              <a:t> and </a:t>
+            </a:r>
+            <a:r>
+              <a:rPr lang="en-US" dirty="0" err="1"/>
+              <a:t>Agrima’s</a:t>
+            </a:r>
+            <a:r>
+              <a:rPr lang="en-US" dirty="0"/>
+              <a:t> process is on order of 1 minute. For this reason, when the models were initially combined, there was no effect to the amt/rate of vire2 bound. Once I lowered the timescale of my system so </a:t>
+            </a:r>
+            <a:r>
+              <a:rPr lang="en-US" dirty="0" err="1"/>
+              <a:t>atp</a:t>
+            </a:r>
+            <a:r>
+              <a:rPr lang="en-US" dirty="0"/>
+              <a:t> regeneration could happen quicker, I was able to see effects. Something to consider moving forward. Find what’s accurate.</a:t>
+            </a:r>
           </a:p>
         </p:txBody>
       </p:sp>
@@ -7455,7 +7749,7 @@
           <a:p>
             <a:fld id="{67F42522-F24A-B14B-BB2C-B26443761E53}" type="slidenum">
               <a:rPr lang="en-US" smtClean="0"/>
-              <a:t>15</a:t>
+              <a:t>11</a:t>
             </a:fld>
             <a:endParaRPr lang="en-US"/>
           </a:p>
@@ -7464,7 +7758,91 @@
     </p:spTree>
     <p:extLst>
       <p:ext uri="{BB962C8B-B14F-4D97-AF65-F5344CB8AC3E}">
-        <p14:creationId xmlns:p14="http://schemas.microsoft.com/office/powerpoint/2010/main" val="3356111866"/>
+        <p14:creationId xmlns:p14="http://schemas.microsoft.com/office/powerpoint/2010/main" val="3128394393"/>
+      </p:ext>
+    </p:extLst>
+  </p:cSld>
+  <p:clrMapOvr>
+    <a:masterClrMapping/>
+  </p:clrMapOvr>
+</p:notes>
+</file>
+
+<file path=ppt/notesSlides/notesSlide9.xml><?xml version="1.0" encoding="utf-8"?>
+<p:notes xmlns:a="http://schemas.openxmlformats.org/drawingml/2006/main" xmlns:r="http://schemas.openxmlformats.org/officeDocument/2006/relationships" xmlns:p="http://schemas.openxmlformats.org/presentationml/2006/main">
+  <p:cSld>
+    <p:spTree>
+      <p:nvGrpSpPr>
+        <p:cNvPr id="1" name=""/>
+        <p:cNvGrpSpPr/>
+        <p:nvPr/>
+      </p:nvGrpSpPr>
+      <p:grpSpPr>
+        <a:xfrm>
+          <a:off x="0" y="0"/>
+          <a:ext cx="0" cy="0"/>
+          <a:chOff x="0" y="0"/>
+          <a:chExt cx="0" cy="0"/>
+        </a:xfrm>
+      </p:grpSpPr>
+      <p:sp>
+        <p:nvSpPr>
+          <p:cNvPr id="2" name="Slide Image Placeholder 1"/>
+          <p:cNvSpPr>
+            <a:spLocks noGrp="1" noRot="1" noChangeAspect="1"/>
+          </p:cNvSpPr>
+          <p:nvPr>
+            <p:ph type="sldImg"/>
+          </p:nvPr>
+        </p:nvSpPr>
+        <p:spPr/>
+      </p:sp>
+      <p:sp>
+        <p:nvSpPr>
+          <p:cNvPr id="3" name="Notes Placeholder 2"/>
+          <p:cNvSpPr>
+            <a:spLocks noGrp="1"/>
+          </p:cNvSpPr>
+          <p:nvPr>
+            <p:ph type="body" idx="1"/>
+          </p:nvPr>
+        </p:nvSpPr>
+        <p:spPr/>
+        <p:txBody>
+          <a:bodyPr/>
+          <a:lstStyle/>
+          <a:p>
+            <a:endParaRPr lang="en-US" dirty="0"/>
+          </a:p>
+        </p:txBody>
+      </p:sp>
+      <p:sp>
+        <p:nvSpPr>
+          <p:cNvPr id="4" name="Slide Number Placeholder 3"/>
+          <p:cNvSpPr>
+            <a:spLocks noGrp="1"/>
+          </p:cNvSpPr>
+          <p:nvPr>
+            <p:ph type="sldNum" sz="quarter" idx="5"/>
+          </p:nvPr>
+        </p:nvSpPr>
+        <p:spPr/>
+        <p:txBody>
+          <a:bodyPr/>
+          <a:lstStyle/>
+          <a:p>
+            <a:fld id="{67F42522-F24A-B14B-BB2C-B26443761E53}" type="slidenum">
+              <a:rPr lang="en-US" smtClean="0"/>
+              <a:t>13</a:t>
+            </a:fld>
+            <a:endParaRPr lang="en-US"/>
+          </a:p>
+        </p:txBody>
+      </p:sp>
+    </p:spTree>
+    <p:extLst>
+      <p:ext uri="{BB962C8B-B14F-4D97-AF65-F5344CB8AC3E}">
+        <p14:creationId xmlns:p14="http://schemas.microsoft.com/office/powerpoint/2010/main" val="4267495023"/>
       </p:ext>
     </p:extLst>
   </p:cSld>
@@ -10830,294 +11208,6 @@
           <p:cNvPr id="2" name="Title 1">
             <a:extLst>
               <a:ext uri="{FF2B5EF4-FFF2-40B4-BE49-F238E27FC236}">
-                <a16:creationId xmlns:a16="http://schemas.microsoft.com/office/drawing/2014/main" id="{502F34E0-D3C4-C242-AA6F-5FE7C195F7BF}"/>
-              </a:ext>
-            </a:extLst>
-          </p:cNvPr>
-          <p:cNvSpPr>
-            <a:spLocks noGrp="1"/>
-          </p:cNvSpPr>
-          <p:nvPr>
-            <p:ph type="title"/>
-          </p:nvPr>
-        </p:nvSpPr>
-        <p:spPr/>
-        <p:txBody>
-          <a:bodyPr/>
-          <a:lstStyle/>
-          <a:p>
-            <a:r>
-              <a:rPr lang="en-US" dirty="0"/>
-              <a:t>Putting rheostat it all together</a:t>
-            </a:r>
-          </a:p>
-        </p:txBody>
-      </p:sp>
-      <p:sp>
-        <p:nvSpPr>
-          <p:cNvPr id="3" name="Content Placeholder 2">
-            <a:extLst>
-              <a:ext uri="{FF2B5EF4-FFF2-40B4-BE49-F238E27FC236}">
-                <a16:creationId xmlns:a16="http://schemas.microsoft.com/office/drawing/2014/main" id="{A9EE7B6C-56CA-ED41-A665-2F2622184357}"/>
-              </a:ext>
-            </a:extLst>
-          </p:cNvPr>
-          <p:cNvSpPr>
-            <a:spLocks noGrp="1"/>
-          </p:cNvSpPr>
-          <p:nvPr>
-            <p:ph idx="1"/>
-          </p:nvPr>
-        </p:nvSpPr>
-        <p:spPr/>
-        <p:txBody>
-          <a:bodyPr/>
-          <a:lstStyle/>
-          <a:p>
-            <a:r>
-              <a:rPr lang="en-US" dirty="0"/>
-              <a:t>Model with current minimal parameters in reduced?? Not sure if you are here yet</a:t>
-            </a:r>
-          </a:p>
-          <a:p>
-            <a:r>
-              <a:rPr lang="en-US" dirty="0">
-                <a:solidFill>
-                  <a:srgbClr val="FF0000"/>
-                </a:solidFill>
-              </a:rPr>
-              <a:t>Either say you are looking for more values/research/ and skip or try to see if you get more wholistic model</a:t>
-            </a:r>
-          </a:p>
-        </p:txBody>
-      </p:sp>
-      <p:pic>
-        <p:nvPicPr>
-          <p:cNvPr id="4" name="Picture 3" descr="A picture containing drawing&#10;&#10;Description automatically generated">
-            <a:extLst>
-              <a:ext uri="{FF2B5EF4-FFF2-40B4-BE49-F238E27FC236}">
-                <a16:creationId xmlns:a16="http://schemas.microsoft.com/office/drawing/2014/main" id="{441C701D-56EB-4146-A826-30FE7505B99C}"/>
-              </a:ext>
-            </a:extLst>
-          </p:cNvPr>
-          <p:cNvPicPr>
-            <a:picLocks noChangeAspect="1"/>
-          </p:cNvPicPr>
-          <p:nvPr/>
-        </p:nvPicPr>
-        <p:blipFill>
-          <a:blip r:embed="rId2"/>
-          <a:stretch>
-            <a:fillRect/>
-          </a:stretch>
-        </p:blipFill>
-        <p:spPr>
-          <a:xfrm>
-            <a:off x="11117119" y="6514803"/>
-            <a:ext cx="1074881" cy="343197"/>
-          </a:xfrm>
-          <a:prstGeom prst="rect">
-            <a:avLst/>
-          </a:prstGeom>
-        </p:spPr>
-      </p:pic>
-    </p:spTree>
-    <p:extLst>
-      <p:ext uri="{BB962C8B-B14F-4D97-AF65-F5344CB8AC3E}">
-        <p14:creationId xmlns:p14="http://schemas.microsoft.com/office/powerpoint/2010/main" val="2568518235"/>
-      </p:ext>
-    </p:extLst>
-  </p:cSld>
-  <p:clrMapOvr>
-    <a:masterClrMapping/>
-  </p:clrMapOvr>
-</p:sld>
-</file>
-
-<file path=ppt/slides/slide11.xml><?xml version="1.0" encoding="utf-8"?>
-<p:sld xmlns:a="http://schemas.openxmlformats.org/drawingml/2006/main" xmlns:r="http://schemas.openxmlformats.org/officeDocument/2006/relationships" xmlns:p="http://schemas.openxmlformats.org/presentationml/2006/main">
-  <p:cSld>
-    <p:spTree>
-      <p:nvGrpSpPr>
-        <p:cNvPr id="1" name=""/>
-        <p:cNvGrpSpPr/>
-        <p:nvPr/>
-      </p:nvGrpSpPr>
-      <p:grpSpPr>
-        <a:xfrm>
-          <a:off x="0" y="0"/>
-          <a:ext cx="0" cy="0"/>
-          <a:chOff x="0" y="0"/>
-          <a:chExt cx="0" cy="0"/>
-        </a:xfrm>
-      </p:grpSpPr>
-      <p:sp>
-        <p:nvSpPr>
-          <p:cNvPr id="2" name="Title 1">
-            <a:extLst>
-              <a:ext uri="{FF2B5EF4-FFF2-40B4-BE49-F238E27FC236}">
-                <a16:creationId xmlns:a16="http://schemas.microsoft.com/office/drawing/2014/main" id="{F2199787-9D1B-CB4D-91C9-BFAC7FBF012B}"/>
-              </a:ext>
-            </a:extLst>
-          </p:cNvPr>
-          <p:cNvSpPr>
-            <a:spLocks noGrp="1"/>
-          </p:cNvSpPr>
-          <p:nvPr>
-            <p:ph type="title"/>
-          </p:nvPr>
-        </p:nvSpPr>
-        <p:spPr/>
-        <p:txBody>
-          <a:bodyPr/>
-          <a:lstStyle/>
-          <a:p>
-            <a:r>
-              <a:rPr lang="en-US" dirty="0"/>
-              <a:t>Rheostat concerns</a:t>
-            </a:r>
-          </a:p>
-        </p:txBody>
-      </p:sp>
-      <p:sp>
-        <p:nvSpPr>
-          <p:cNvPr id="3" name="Content Placeholder 2">
-            <a:extLst>
-              <a:ext uri="{FF2B5EF4-FFF2-40B4-BE49-F238E27FC236}">
-                <a16:creationId xmlns:a16="http://schemas.microsoft.com/office/drawing/2014/main" id="{A6450656-1C2E-9E4F-A983-4671F2FA15E9}"/>
-              </a:ext>
-            </a:extLst>
-          </p:cNvPr>
-          <p:cNvSpPr>
-            <a:spLocks noGrp="1"/>
-          </p:cNvSpPr>
-          <p:nvPr>
-            <p:ph idx="1"/>
-          </p:nvPr>
-        </p:nvSpPr>
-        <p:spPr/>
-        <p:txBody>
-          <a:bodyPr/>
-          <a:lstStyle/>
-          <a:p>
-            <a:r>
-              <a:rPr lang="en-US" dirty="0"/>
-              <a:t>Experimental Planning </a:t>
-            </a:r>
-          </a:p>
-          <a:p>
-            <a:r>
-              <a:rPr lang="en-US" dirty="0"/>
-              <a:t>Accurate enzyme kinetics</a:t>
-            </a:r>
-          </a:p>
-          <a:p>
-            <a:r>
-              <a:rPr lang="en-US" dirty="0" err="1"/>
-              <a:t>nOt</a:t>
-            </a:r>
-            <a:r>
-              <a:rPr lang="en-US" dirty="0"/>
-              <a:t> enough information</a:t>
-            </a:r>
-          </a:p>
-          <a:p>
-            <a:r>
-              <a:rPr lang="en-US" dirty="0"/>
-              <a:t>Lot of enzymes in experiment</a:t>
-            </a:r>
-          </a:p>
-          <a:p>
-            <a:r>
-              <a:rPr lang="en-US" dirty="0">
-                <a:solidFill>
-                  <a:srgbClr val="FF0000"/>
-                </a:solidFill>
-              </a:rPr>
-              <a:t>Could affect transcription, translation</a:t>
-            </a:r>
-          </a:p>
-          <a:p>
-            <a:pPr lvl="1"/>
-            <a:r>
-              <a:rPr lang="en-US" dirty="0">
-                <a:solidFill>
-                  <a:srgbClr val="FF0000"/>
-                </a:solidFill>
-              </a:rPr>
-              <a:t>Look into this</a:t>
-            </a:r>
-          </a:p>
-          <a:p>
-            <a:endParaRPr lang="en-US" dirty="0"/>
-          </a:p>
-        </p:txBody>
-      </p:sp>
-      <p:pic>
-        <p:nvPicPr>
-          <p:cNvPr id="4" name="Picture 3" descr="A picture containing drawing&#10;&#10;Description automatically generated">
-            <a:extLst>
-              <a:ext uri="{FF2B5EF4-FFF2-40B4-BE49-F238E27FC236}">
-                <a16:creationId xmlns:a16="http://schemas.microsoft.com/office/drawing/2014/main" id="{42A50099-819B-9145-B960-E94F55D6E26D}"/>
-              </a:ext>
-            </a:extLst>
-          </p:cNvPr>
-          <p:cNvPicPr>
-            <a:picLocks noChangeAspect="1"/>
-          </p:cNvPicPr>
-          <p:nvPr/>
-        </p:nvPicPr>
-        <p:blipFill>
-          <a:blip r:embed="rId2"/>
-          <a:stretch>
-            <a:fillRect/>
-          </a:stretch>
-        </p:blipFill>
-        <p:spPr>
-          <a:xfrm>
-            <a:off x="11117119" y="6514803"/>
-            <a:ext cx="1074881" cy="343197"/>
-          </a:xfrm>
-          <a:prstGeom prst="rect">
-            <a:avLst/>
-          </a:prstGeom>
-        </p:spPr>
-      </p:pic>
-    </p:spTree>
-    <p:extLst>
-      <p:ext uri="{BB962C8B-B14F-4D97-AF65-F5344CB8AC3E}">
-        <p14:creationId xmlns:p14="http://schemas.microsoft.com/office/powerpoint/2010/main" val="3822225"/>
-      </p:ext>
-    </p:extLst>
-  </p:cSld>
-  <p:clrMapOvr>
-    <a:masterClrMapping/>
-  </p:clrMapOvr>
-</p:sld>
-</file>
-
-<file path=ppt/slides/slide12.xml><?xml version="1.0" encoding="utf-8"?>
-<p:sld xmlns:a="http://schemas.openxmlformats.org/drawingml/2006/main" xmlns:r="http://schemas.openxmlformats.org/officeDocument/2006/relationships" xmlns:p="http://schemas.openxmlformats.org/presentationml/2006/main">
-  <p:cSld>
-    <p:spTree>
-      <p:nvGrpSpPr>
-        <p:cNvPr id="1" name=""/>
-        <p:cNvGrpSpPr/>
-        <p:nvPr/>
-      </p:nvGrpSpPr>
-      <p:grpSpPr>
-        <a:xfrm>
-          <a:off x="0" y="0"/>
-          <a:ext cx="0" cy="0"/>
-          <a:chOff x="0" y="0"/>
-          <a:chExt cx="0" cy="0"/>
-        </a:xfrm>
-      </p:grpSpPr>
-      <p:sp>
-        <p:nvSpPr>
-          <p:cNvPr id="2" name="Title 1">
-            <a:extLst>
-              <a:ext uri="{FF2B5EF4-FFF2-40B4-BE49-F238E27FC236}">
                 <a16:creationId xmlns:a16="http://schemas.microsoft.com/office/drawing/2014/main" id="{9BEE9B32-4972-D542-AA54-17F1B405C985}"/>
               </a:ext>
             </a:extLst>
@@ -11432,7 +11522,7 @@
 </p:sld>
 </file>
 
-<file path=ppt/slides/slide13.xml><?xml version="1.0" encoding="utf-8"?>
+<file path=ppt/slides/slide11.xml><?xml version="1.0" encoding="utf-8"?>
 <p:sld xmlns:a="http://schemas.openxmlformats.org/drawingml/2006/main" xmlns:r="http://schemas.openxmlformats.org/officeDocument/2006/relationships" xmlns:p="http://schemas.openxmlformats.org/presentationml/2006/main">
   <p:cSld>
     <p:spTree>
@@ -11491,15 +11581,7 @@
             </a:r>
             <a:r>
               <a:rPr lang="en-US" sz="2400" dirty="0"/>
-              <a:t> (VirE2) </a:t>
-            </a:r>
-            <a:r>
-              <a:rPr lang="en-US" sz="2400" dirty="0">
-                <a:solidFill>
-                  <a:srgbClr val="FF0000"/>
-                </a:solidFill>
-              </a:rPr>
-              <a:t>CHECK UNITS OF THESE</a:t>
+              <a:t> (VirE2)</a:t>
             </a:r>
             <a:endParaRPr lang="en-US" sz="3200" b="1" dirty="0">
               <a:solidFill>
@@ -11636,19 +11718,17 @@
       </p:pic>
       <p:pic>
         <p:nvPicPr>
-          <p:cNvPr id="15" name="Content Placeholder 14" descr="A close up of a map&#10;&#10;Description automatically generated">
+          <p:cNvPr id="6" name="Picture 5" descr="A screenshot of a cell phone&#10;&#10;Description automatically generated">
             <a:extLst>
               <a:ext uri="{FF2B5EF4-FFF2-40B4-BE49-F238E27FC236}">
-                <a16:creationId xmlns:a16="http://schemas.microsoft.com/office/drawing/2014/main" id="{DDC936AE-BC2E-9449-AE6D-3EF8F81B88E6}"/>
+                <a16:creationId xmlns:a16="http://schemas.microsoft.com/office/drawing/2014/main" id="{C4BC2AA9-6FB4-9D4F-AF69-D35E66ECC33B}"/>
               </a:ext>
             </a:extLst>
           </p:cNvPr>
           <p:cNvPicPr>
-            <a:picLocks noGrp="1" noChangeAspect="1"/>
+            <a:picLocks noChangeAspect="1"/>
           </p:cNvPicPr>
-          <p:nvPr>
-            <p:ph sz="half" idx="1"/>
-          </p:nvPr>
+          <p:nvPr/>
         </p:nvPicPr>
         <p:blipFill>
           <a:blip r:embed="rId4"/>
@@ -11658,17 +11738,20 @@
         </p:blipFill>
         <p:spPr>
           <a:xfrm>
-            <a:off x="535057" y="1756796"/>
-            <a:ext cx="5486400" cy="3200400"/>
+            <a:off x="405661" y="1704290"/>
+            <a:ext cx="5486401" cy="3200400"/>
           </a:xfrm>
+          <a:prstGeom prst="rect">
+            <a:avLst/>
+          </a:prstGeom>
         </p:spPr>
       </p:pic>
       <p:pic>
         <p:nvPicPr>
-          <p:cNvPr id="19" name="Picture 18" descr="A close up of a map&#10;&#10;Description automatically generated">
+          <p:cNvPr id="8" name="Picture 7" descr="A close up of a map&#10;&#10;Description automatically generated">
             <a:extLst>
               <a:ext uri="{FF2B5EF4-FFF2-40B4-BE49-F238E27FC236}">
-                <a16:creationId xmlns:a16="http://schemas.microsoft.com/office/drawing/2014/main" id="{79841E15-2961-5F40-A744-324957AB88F1}"/>
+                <a16:creationId xmlns:a16="http://schemas.microsoft.com/office/drawing/2014/main" id="{0D31197F-C682-5E40-B070-62CACC297E33}"/>
               </a:ext>
             </a:extLst>
           </p:cNvPr>
@@ -11685,8 +11768,8 @@
         </p:blipFill>
         <p:spPr>
           <a:xfrm>
-            <a:off x="6021457" y="1756796"/>
-            <a:ext cx="5486400" cy="3200400"/>
+            <a:off x="6299938" y="1704290"/>
+            <a:ext cx="5486401" cy="3200400"/>
           </a:xfrm>
           <a:prstGeom prst="rect">
             <a:avLst/>
@@ -11706,7 +11789,169 @@
 </p:sld>
 </file>
 
-<file path=ppt/slides/slide14.xml><?xml version="1.0" encoding="utf-8"?>
+<file path=ppt/slides/slide12.xml><?xml version="1.0" encoding="utf-8"?>
+<p:sld xmlns:a="http://schemas.openxmlformats.org/drawingml/2006/main" xmlns:r="http://schemas.openxmlformats.org/officeDocument/2006/relationships" xmlns:p="http://schemas.openxmlformats.org/presentationml/2006/main">
+  <p:cSld>
+    <p:spTree>
+      <p:nvGrpSpPr>
+        <p:cNvPr id="1" name=""/>
+        <p:cNvGrpSpPr/>
+        <p:nvPr/>
+      </p:nvGrpSpPr>
+      <p:grpSpPr>
+        <a:xfrm>
+          <a:off x="0" y="0"/>
+          <a:ext cx="0" cy="0"/>
+          <a:chOff x="0" y="0"/>
+          <a:chExt cx="0" cy="0"/>
+        </a:xfrm>
+      </p:grpSpPr>
+      <p:sp>
+        <p:nvSpPr>
+          <p:cNvPr id="2" name="Title 1">
+            <a:extLst>
+              <a:ext uri="{FF2B5EF4-FFF2-40B4-BE49-F238E27FC236}">
+                <a16:creationId xmlns:a16="http://schemas.microsoft.com/office/drawing/2014/main" id="{F2199787-9D1B-CB4D-91C9-BFAC7FBF012B}"/>
+              </a:ext>
+            </a:extLst>
+          </p:cNvPr>
+          <p:cNvSpPr>
+            <a:spLocks noGrp="1"/>
+          </p:cNvSpPr>
+          <p:nvPr>
+            <p:ph type="title"/>
+          </p:nvPr>
+        </p:nvSpPr>
+        <p:spPr/>
+        <p:txBody>
+          <a:bodyPr>
+            <a:normAutofit/>
+          </a:bodyPr>
+          <a:lstStyle/>
+          <a:p>
+            <a:r>
+              <a:rPr lang="en-US" sz="3200" b="1" dirty="0"/>
+              <a:t>Rheostat concerns</a:t>
+            </a:r>
+          </a:p>
+        </p:txBody>
+      </p:sp>
+      <p:sp>
+        <p:nvSpPr>
+          <p:cNvPr id="3" name="Content Placeholder 2">
+            <a:extLst>
+              <a:ext uri="{FF2B5EF4-FFF2-40B4-BE49-F238E27FC236}">
+                <a16:creationId xmlns:a16="http://schemas.microsoft.com/office/drawing/2014/main" id="{A6450656-1C2E-9E4F-A983-4671F2FA15E9}"/>
+              </a:ext>
+            </a:extLst>
+          </p:cNvPr>
+          <p:cNvSpPr>
+            <a:spLocks noGrp="1"/>
+          </p:cNvSpPr>
+          <p:nvPr>
+            <p:ph idx="1"/>
+          </p:nvPr>
+        </p:nvSpPr>
+        <p:spPr/>
+        <p:txBody>
+          <a:bodyPr>
+            <a:normAutofit/>
+          </a:bodyPr>
+          <a:lstStyle/>
+          <a:p>
+            <a:r>
+              <a:rPr lang="en-US" sz="2400" dirty="0"/>
+              <a:t>Accurate enzyme kinetics</a:t>
+            </a:r>
+          </a:p>
+          <a:p>
+            <a:pPr lvl="1"/>
+            <a:r>
+              <a:rPr lang="en-US" sz="2000" dirty="0"/>
+              <a:t>Limited information</a:t>
+            </a:r>
+          </a:p>
+          <a:p>
+            <a:pPr lvl="1"/>
+            <a:r>
+              <a:rPr lang="en-US" sz="2000" dirty="0"/>
+              <a:t>Many enzymes</a:t>
+            </a:r>
+          </a:p>
+          <a:p>
+            <a:pPr lvl="1"/>
+            <a:r>
+              <a:rPr lang="en-US" sz="2000" dirty="0"/>
+              <a:t>How may these enzymes/byproducts affect transcription translation</a:t>
+            </a:r>
+          </a:p>
+          <a:p>
+            <a:r>
+              <a:rPr lang="en-US" sz="2400" dirty="0"/>
+              <a:t>Timescale separation </a:t>
+            </a:r>
+          </a:p>
+          <a:p>
+            <a:pPr lvl="1"/>
+            <a:r>
+              <a:rPr lang="en-US" sz="2000" dirty="0"/>
+              <a:t>Parameter estimation</a:t>
+            </a:r>
+            <a:endParaRPr lang="en-US" sz="2000" dirty="0">
+              <a:solidFill>
+                <a:srgbClr val="FF0000"/>
+              </a:solidFill>
+            </a:endParaRPr>
+          </a:p>
+          <a:p>
+            <a:endParaRPr lang="en-US" sz="2400" dirty="0"/>
+          </a:p>
+        </p:txBody>
+      </p:sp>
+      <p:pic>
+        <p:nvPicPr>
+          <p:cNvPr id="4" name="Picture 3" descr="A picture containing drawing&#10;&#10;Description automatically generated">
+            <a:extLst>
+              <a:ext uri="{FF2B5EF4-FFF2-40B4-BE49-F238E27FC236}">
+                <a16:creationId xmlns:a16="http://schemas.microsoft.com/office/drawing/2014/main" id="{42A50099-819B-9145-B960-E94F55D6E26D}"/>
+              </a:ext>
+            </a:extLst>
+          </p:cNvPr>
+          <p:cNvPicPr>
+            <a:picLocks noChangeAspect="1"/>
+          </p:cNvPicPr>
+          <p:nvPr/>
+        </p:nvPicPr>
+        <p:blipFill>
+          <a:blip r:embed="rId2"/>
+          <a:stretch>
+            <a:fillRect/>
+          </a:stretch>
+        </p:blipFill>
+        <p:spPr>
+          <a:xfrm>
+            <a:off x="11117119" y="6514803"/>
+            <a:ext cx="1074881" cy="343197"/>
+          </a:xfrm>
+          <a:prstGeom prst="rect">
+            <a:avLst/>
+          </a:prstGeom>
+        </p:spPr>
+      </p:pic>
+    </p:spTree>
+    <p:extLst>
+      <p:ext uri="{BB962C8B-B14F-4D97-AF65-F5344CB8AC3E}">
+        <p14:creationId xmlns:p14="http://schemas.microsoft.com/office/powerpoint/2010/main" val="3822225"/>
+      </p:ext>
+    </p:extLst>
+  </p:cSld>
+  <p:clrMapOvr>
+    <a:masterClrMapping/>
+  </p:clrMapOvr>
+</p:sld>
+</file>
+
+<file path=ppt/slides/slide13.xml><?xml version="1.0" encoding="utf-8"?>
 <p:sld xmlns:a="http://schemas.openxmlformats.org/drawingml/2006/main" xmlns:r="http://schemas.openxmlformats.org/officeDocument/2006/relationships" xmlns:p="http://schemas.openxmlformats.org/presentationml/2006/main">
   <p:cSld>
     <p:spTree>
@@ -12341,369 +12586,12 @@
           </a:prstGeom>
         </p:spPr>
       </p:pic>
-      <mc:AlternateContent xmlns:mc="http://schemas.openxmlformats.org/markup-compatibility/2006">
-        <mc:Choice xmlns:a14="http://schemas.microsoft.com/office/drawing/2010/main" Requires="a14">
-          <p:sp>
-            <p:nvSpPr>
-              <p:cNvPr id="24" name="Rectangle 23">
-                <a:extLst>
-                  <a:ext uri="{FF2B5EF4-FFF2-40B4-BE49-F238E27FC236}">
-                    <a16:creationId xmlns:a16="http://schemas.microsoft.com/office/drawing/2014/main" id="{E6A550AE-590A-BF48-B41D-7CD0EBE5FD6D}"/>
-                  </a:ext>
-                </a:extLst>
-              </p:cNvPr>
-              <p:cNvSpPr/>
-              <p:nvPr/>
-            </p:nvSpPr>
-            <p:spPr>
-              <a:xfrm>
-                <a:off x="5927447" y="3688444"/>
-                <a:ext cx="4975593" cy="630429"/>
-              </a:xfrm>
-              <a:prstGeom prst="rect">
-                <a:avLst/>
-              </a:prstGeom>
-            </p:spPr>
-            <p:txBody>
-              <a:bodyPr wrap="none">
-                <a:spAutoFit/>
-              </a:bodyPr>
-              <a:lstStyle/>
-              <a:p>
-                <a:pPr/>
-                <a14:m>
-                  <m:oMathPara xmlns:m="http://schemas.openxmlformats.org/officeDocument/2006/math">
-                    <m:oMathParaPr>
-                      <m:jc m:val="centerGroup"/>
-                    </m:oMathParaPr>
-                    <m:oMath xmlns:m="http://schemas.openxmlformats.org/officeDocument/2006/math">
-                      <m:f>
-                        <m:fPr>
-                          <m:ctrlPr>
-                            <a:rPr lang="en-US" i="1">
-                              <a:latin typeface="Cambria Math" panose="02040503050406030204" pitchFamily="18" charset="0"/>
-                            </a:rPr>
-                          </m:ctrlPr>
-                        </m:fPr>
-                        <m:num>
-                          <m:r>
-                            <a:rPr lang="en-US" i="1">
-                              <a:latin typeface="Cambria Math" panose="02040503050406030204" pitchFamily="18" charset="0"/>
-                            </a:rPr>
-                            <m:t>𝑑</m:t>
-                          </m:r>
-                          <m:d>
-                            <m:dPr>
-                              <m:begChr m:val="["/>
-                              <m:endChr m:val="]"/>
-                              <m:ctrlPr>
-                                <a:rPr lang="en-US" i="1">
-                                  <a:latin typeface="Cambria Math" panose="02040503050406030204" pitchFamily="18" charset="0"/>
-                                </a:rPr>
-                              </m:ctrlPr>
-                            </m:dPr>
-                            <m:e>
-                              <m:r>
-                                <a:rPr lang="en-US" i="1">
-                                  <a:latin typeface="Cambria Math" panose="02040503050406030204" pitchFamily="18" charset="0"/>
-                                </a:rPr>
-                                <m:t>𝑎𝑑𝑝</m:t>
-                              </m:r>
-                            </m:e>
-                          </m:d>
-                        </m:num>
-                        <m:den>
-                          <m:r>
-                            <a:rPr lang="en-US" i="1">
-                              <a:latin typeface="Cambria Math" panose="02040503050406030204" pitchFamily="18" charset="0"/>
-                            </a:rPr>
-                            <m:t>𝑑𝑡</m:t>
-                          </m:r>
-                        </m:den>
-                      </m:f>
-                      <m:r>
-                        <a:rPr lang="en-US" i="1">
-                          <a:latin typeface="Cambria Math" panose="02040503050406030204" pitchFamily="18" charset="0"/>
-                        </a:rPr>
-                        <m:t>=</m:t>
-                      </m:r>
-                      <m:sSub>
-                        <m:sSubPr>
-                          <m:ctrlPr>
-                            <a:rPr lang="en-US" i="1">
-                              <a:latin typeface="Cambria Math" panose="02040503050406030204" pitchFamily="18" charset="0"/>
-                            </a:rPr>
-                          </m:ctrlPr>
-                        </m:sSubPr>
-                        <m:e>
-                          <m:f>
-                            <m:fPr>
-                              <m:ctrlPr>
-                                <a:rPr lang="en-US" i="1">
-                                  <a:latin typeface="Cambria Math" panose="02040503050406030204" pitchFamily="18" charset="0"/>
-                                </a:rPr>
-                              </m:ctrlPr>
-                            </m:fPr>
-                            <m:num>
-                              <m:r>
-                                <a:rPr lang="en-US" i="1">
-                                  <a:latin typeface="Cambria Math" panose="02040503050406030204" pitchFamily="18" charset="0"/>
-                                </a:rPr>
-                                <m:t>𝑑</m:t>
-                              </m:r>
-                              <m:r>
-                                <a:rPr lang="en-US" i="1">
-                                  <a:latin typeface="Cambria Math" panose="02040503050406030204" pitchFamily="18" charset="0"/>
-                                </a:rPr>
-                                <m:t>[</m:t>
-                              </m:r>
-                              <m:r>
-                                <a:rPr lang="en-US" i="1">
-                                  <a:latin typeface="Cambria Math" panose="02040503050406030204" pitchFamily="18" charset="0"/>
-                                </a:rPr>
-                                <m:t>𝑝𝑖</m:t>
-                              </m:r>
-                              <m:r>
-                                <a:rPr lang="en-US" i="1">
-                                  <a:latin typeface="Cambria Math" panose="02040503050406030204" pitchFamily="18" charset="0"/>
-                                </a:rPr>
-                                <m:t>]</m:t>
-                              </m:r>
-                            </m:num>
-                            <m:den>
-                              <m:r>
-                                <a:rPr lang="en-US" i="1">
-                                  <a:latin typeface="Cambria Math" panose="02040503050406030204" pitchFamily="18" charset="0"/>
-                                </a:rPr>
-                                <m:t>𝑑𝑡</m:t>
-                              </m:r>
-                            </m:den>
-                          </m:f>
-                          <m:r>
-                            <a:rPr lang="en-US" i="1">
-                              <a:latin typeface="Cambria Math" panose="02040503050406030204" pitchFamily="18" charset="0"/>
-                            </a:rPr>
-                            <m:t>= −</m:t>
-                          </m:r>
-                          <m:r>
-                            <a:rPr lang="en-US" i="1">
-                              <a:latin typeface="Cambria Math" panose="02040503050406030204" pitchFamily="18" charset="0"/>
-                            </a:rPr>
-                            <m:t>𝑘</m:t>
-                          </m:r>
-                        </m:e>
-                        <m:sub>
-                          <m:r>
-                            <a:rPr lang="en-US" i="1">
-                              <a:latin typeface="Cambria Math" panose="02040503050406030204" pitchFamily="18" charset="0"/>
-                            </a:rPr>
-                            <m:t>1</m:t>
-                          </m:r>
-                        </m:sub>
-                      </m:sSub>
-                      <m:d>
-                        <m:dPr>
-                          <m:begChr m:val="["/>
-                          <m:endChr m:val="]"/>
-                          <m:ctrlPr>
-                            <a:rPr lang="en-US" i="1">
-                              <a:latin typeface="Cambria Math" panose="02040503050406030204" pitchFamily="18" charset="0"/>
-                            </a:rPr>
-                          </m:ctrlPr>
-                        </m:dPr>
-                        <m:e>
-                          <m:r>
-                            <a:rPr lang="en-US" i="1">
-                              <a:latin typeface="Cambria Math" panose="02040503050406030204" pitchFamily="18" charset="0"/>
-                            </a:rPr>
-                            <m:t>𝑎𝑑𝑝</m:t>
-                          </m:r>
-                        </m:e>
-                      </m:d>
-                      <m:d>
-                        <m:dPr>
-                          <m:begChr m:val="["/>
-                          <m:endChr m:val="]"/>
-                          <m:ctrlPr>
-                            <a:rPr lang="en-US" i="1">
-                              <a:latin typeface="Cambria Math" panose="02040503050406030204" pitchFamily="18" charset="0"/>
-                            </a:rPr>
-                          </m:ctrlPr>
-                        </m:dPr>
-                        <m:e>
-                          <m:r>
-                            <a:rPr lang="en-US" i="1">
-                              <a:latin typeface="Cambria Math" panose="02040503050406030204" pitchFamily="18" charset="0"/>
-                            </a:rPr>
-                            <m:t>𝑝𝑖</m:t>
-                          </m:r>
-                        </m:e>
-                      </m:d>
-                      <m:sSup>
-                        <m:sSupPr>
-                          <m:ctrlPr>
-                            <a:rPr lang="en-US" i="1">
-                              <a:latin typeface="Cambria Math" panose="02040503050406030204" pitchFamily="18" charset="0"/>
-                            </a:rPr>
-                          </m:ctrlPr>
-                        </m:sSupPr>
-                        <m:e>
-                          <m:d>
-                            <m:dPr>
-                              <m:begChr m:val="["/>
-                              <m:endChr m:val="]"/>
-                              <m:ctrlPr>
-                                <a:rPr lang="en-US" i="1">
-                                  <a:latin typeface="Cambria Math" panose="02040503050406030204" pitchFamily="18" charset="0"/>
-                                </a:rPr>
-                              </m:ctrlPr>
-                            </m:dPr>
-                            <m:e>
-                              <m:sSup>
-                                <m:sSupPr>
-                                  <m:ctrlPr>
-                                    <a:rPr lang="en-US" i="1">
-                                      <a:latin typeface="Cambria Math" panose="02040503050406030204" pitchFamily="18" charset="0"/>
-                                    </a:rPr>
-                                  </m:ctrlPr>
-                                </m:sSupPr>
-                                <m:e>
-                                  <m:r>
-                                    <a:rPr lang="en-US" i="1">
-                                      <a:latin typeface="Cambria Math" panose="02040503050406030204" pitchFamily="18" charset="0"/>
-                                    </a:rPr>
-                                    <m:t>h</m:t>
-                                  </m:r>
-                                </m:e>
-                                <m:sup>
-                                  <m:r>
-                                    <a:rPr lang="en-US" i="1">
-                                      <a:latin typeface="Cambria Math" panose="02040503050406030204" pitchFamily="18" charset="0"/>
-                                    </a:rPr>
-                                    <m:t>+</m:t>
-                                  </m:r>
-                                </m:sup>
-                              </m:sSup>
-                            </m:e>
-                          </m:d>
-                        </m:e>
-                        <m:sup>
-                          <m:r>
-                            <a:rPr lang="en-US" i="1">
-                              <a:latin typeface="Cambria Math" panose="02040503050406030204" pitchFamily="18" charset="0"/>
-                            </a:rPr>
-                            <m:t>4</m:t>
-                          </m:r>
-                        </m:sup>
-                      </m:sSup>
-                      <m:r>
-                        <a:rPr lang="en-US" i="1">
-                          <a:latin typeface="Cambria Math" panose="02040503050406030204" pitchFamily="18" charset="0"/>
-                        </a:rPr>
-                        <m:t>+</m:t>
-                      </m:r>
-                      <m:sSub>
-                        <m:sSubPr>
-                          <m:ctrlPr>
-                            <a:rPr lang="en-US" i="1">
-                              <a:latin typeface="Cambria Math" panose="02040503050406030204" pitchFamily="18" charset="0"/>
-                            </a:rPr>
-                          </m:ctrlPr>
-                        </m:sSubPr>
-                        <m:e>
-                          <m:r>
-                            <a:rPr lang="en-US" i="1">
-                              <a:latin typeface="Cambria Math" panose="02040503050406030204" pitchFamily="18" charset="0"/>
-                            </a:rPr>
-                            <m:t>𝑘</m:t>
-                          </m:r>
-                        </m:e>
-                        <m:sub>
-                          <m:r>
-                            <a:rPr lang="en-US" i="1">
-                              <a:latin typeface="Cambria Math" panose="02040503050406030204" pitchFamily="18" charset="0"/>
-                            </a:rPr>
-                            <m:t>2</m:t>
-                          </m:r>
-                        </m:sub>
-                      </m:sSub>
-                      <m:r>
-                        <a:rPr lang="en-US" i="1">
-                          <a:latin typeface="Cambria Math" panose="02040503050406030204" pitchFamily="18" charset="0"/>
-                        </a:rPr>
-                        <m:t>[</m:t>
-                      </m:r>
-                      <m:r>
-                        <a:rPr lang="en-US" i="1">
-                          <a:latin typeface="Cambria Math" panose="02040503050406030204" pitchFamily="18" charset="0"/>
-                        </a:rPr>
-                        <m:t>𝑎𝑡𝑝</m:t>
-                      </m:r>
-                      <m:r>
-                        <a:rPr lang="en-US" i="1">
-                          <a:latin typeface="Cambria Math" panose="02040503050406030204" pitchFamily="18" charset="0"/>
-                        </a:rPr>
-                        <m:t>]</m:t>
-                      </m:r>
-                    </m:oMath>
-                  </m:oMathPara>
-                </a14:m>
-                <a:endParaRPr lang="en-US" dirty="0"/>
-              </a:p>
-            </p:txBody>
-          </p:sp>
-        </mc:Choice>
-        <mc:Fallback>
-          <p:sp>
-            <p:nvSpPr>
-              <p:cNvPr id="24" name="Rectangle 23">
-                <a:extLst>
-                  <a:ext uri="{FF2B5EF4-FFF2-40B4-BE49-F238E27FC236}">
-                    <a16:creationId xmlns:a16="http://schemas.microsoft.com/office/drawing/2014/main" id="{E6A550AE-590A-BF48-B41D-7CD0EBE5FD6D}"/>
-                  </a:ext>
-                </a:extLst>
-              </p:cNvPr>
-              <p:cNvSpPr>
-                <a:spLocks noRot="1" noChangeAspect="1" noMove="1" noResize="1" noEditPoints="1" noAdjustHandles="1" noChangeArrowheads="1" noChangeShapeType="1" noTextEdit="1"/>
-              </p:cNvSpPr>
-              <p:nvPr/>
-            </p:nvSpPr>
-            <p:spPr>
-              <a:xfrm>
-                <a:off x="5927447" y="3688444"/>
-                <a:ext cx="4975593" cy="630429"/>
-              </a:xfrm>
-              <a:prstGeom prst="rect">
-                <a:avLst/>
-              </a:prstGeom>
-              <a:blipFill>
-                <a:blip r:embed="rId9"/>
-                <a:stretch>
-                  <a:fillRect b="-3922"/>
-                </a:stretch>
-              </a:blipFill>
-            </p:spPr>
-            <p:txBody>
-              <a:bodyPr/>
-              <a:lstStyle/>
-              <a:p>
-                <a:r>
-                  <a:rPr lang="en-US">
-                    <a:noFill/>
-                  </a:rPr>
-                  <a:t> </a:t>
-                </a:r>
-              </a:p>
-            </p:txBody>
-          </p:sp>
-        </mc:Fallback>
-      </mc:AlternateContent>
       <p:grpSp>
         <p:nvGrpSpPr>
-          <p:cNvPr id="27" name="Group 26">
+          <p:cNvPr id="3" name="Group 2">
             <a:extLst>
               <a:ext uri="{FF2B5EF4-FFF2-40B4-BE49-F238E27FC236}">
-                <a16:creationId xmlns:a16="http://schemas.microsoft.com/office/drawing/2014/main" id="{D1ABAE2C-013D-584A-B2B4-F5CEF240D6DF}"/>
+                <a16:creationId xmlns:a16="http://schemas.microsoft.com/office/drawing/2014/main" id="{0A9539B6-47E4-1647-B17B-D8B9ED749ABB}"/>
               </a:ext>
             </a:extLst>
           </p:cNvPr>
@@ -12713,339 +12601,19 @@
         <p:grpSpPr>
           <a:xfrm>
             <a:off x="5927447" y="2906876"/>
-            <a:ext cx="3943067" cy="3199288"/>
+            <a:ext cx="4975593" cy="3199288"/>
             <a:chOff x="5927447" y="2906876"/>
-            <a:chExt cx="3943067" cy="3199288"/>
+            <a:chExt cx="4975593" cy="3199288"/>
           </a:xfrm>
         </p:grpSpPr>
         <mc:AlternateContent xmlns:mc="http://schemas.openxmlformats.org/markup-compatibility/2006">
           <mc:Choice xmlns:a14="http://schemas.microsoft.com/office/drawing/2010/main" Requires="a14">
             <p:sp>
               <p:nvSpPr>
-                <p:cNvPr id="21" name="TextBox 20">
+                <p:cNvPr id="24" name="Rectangle 23">
                   <a:extLst>
                     <a:ext uri="{FF2B5EF4-FFF2-40B4-BE49-F238E27FC236}">
-                      <a16:creationId xmlns:a16="http://schemas.microsoft.com/office/drawing/2014/main" id="{E987E528-C4A9-8F48-BB0B-A9F99929B697}"/>
-                    </a:ext>
-                  </a:extLst>
-                </p:cNvPr>
-                <p:cNvSpPr txBox="1"/>
-                <p:nvPr/>
-              </p:nvSpPr>
-              <p:spPr>
-                <a:xfrm>
-                  <a:off x="5927447" y="2906876"/>
-                  <a:ext cx="3943067" cy="1646092"/>
-                </a:xfrm>
-                <a:prstGeom prst="rect">
-                  <a:avLst/>
-                </a:prstGeom>
-                <a:noFill/>
-              </p:spPr>
-              <p:txBody>
-                <a:bodyPr wrap="none" lIns="0" tIns="0" rIns="0" bIns="0" rtlCol="0">
-                  <a:spAutoFit/>
-                </a:bodyPr>
-                <a:lstStyle/>
-                <a:p>
-                  <a14:m>
-                    <m:oMathPara xmlns:m="http://schemas.openxmlformats.org/officeDocument/2006/math">
-                      <m:oMathParaPr>
-                        <m:jc m:val="centerGroup"/>
-                      </m:oMathParaPr>
-                      <m:oMath xmlns:m="http://schemas.openxmlformats.org/officeDocument/2006/math">
-                        <m:f>
-                          <m:fPr>
-                            <m:ctrlPr>
-                              <a:rPr lang="en-US" b="0" i="1" smtClean="0">
-                                <a:latin typeface="Cambria Math" panose="02040503050406030204" pitchFamily="18" charset="0"/>
-                              </a:rPr>
-                            </m:ctrlPr>
-                          </m:fPr>
-                          <m:num>
-                            <m:r>
-                              <a:rPr lang="en-US" b="0" i="1" smtClean="0">
-                                <a:latin typeface="Cambria Math" panose="02040503050406030204" pitchFamily="18" charset="0"/>
-                              </a:rPr>
-                              <m:t>𝑑</m:t>
-                            </m:r>
-                            <m:d>
-                              <m:dPr>
-                                <m:begChr m:val="["/>
-                                <m:endChr m:val="]"/>
-                                <m:ctrlPr>
-                                  <a:rPr lang="en-US" b="0" i="1" smtClean="0">
-                                    <a:latin typeface="Cambria Math" panose="02040503050406030204" pitchFamily="18" charset="0"/>
-                                  </a:rPr>
-                                </m:ctrlPr>
-                              </m:dPr>
-                              <m:e>
-                                <m:r>
-                                  <a:rPr lang="en-US" b="0" i="1" smtClean="0">
-                                    <a:latin typeface="Cambria Math" panose="02040503050406030204" pitchFamily="18" charset="0"/>
-                                  </a:rPr>
-                                  <m:t>𝑎𝑡𝑝</m:t>
-                                </m:r>
-                              </m:e>
-                            </m:d>
-                          </m:num>
-                          <m:den>
-                            <m:r>
-                              <a:rPr lang="en-US" b="0" i="1" smtClean="0">
-                                <a:latin typeface="Cambria Math" panose="02040503050406030204" pitchFamily="18" charset="0"/>
-                              </a:rPr>
-                              <m:t>𝑑𝑡</m:t>
-                            </m:r>
-                          </m:den>
-                        </m:f>
-                        <m:r>
-                          <a:rPr lang="en-US" b="0" i="1" smtClean="0">
-                            <a:latin typeface="Cambria Math" panose="02040503050406030204" pitchFamily="18" charset="0"/>
-                          </a:rPr>
-                          <m:t>=</m:t>
-                        </m:r>
-                        <m:sSub>
-                          <m:sSubPr>
-                            <m:ctrlPr>
-                              <a:rPr lang="en-US" b="0" i="1" smtClean="0">
-                                <a:latin typeface="Cambria Math" panose="02040503050406030204" pitchFamily="18" charset="0"/>
-                              </a:rPr>
-                            </m:ctrlPr>
-                          </m:sSubPr>
-                          <m:e>
-                            <m:r>
-                              <a:rPr lang="en-US" b="0" i="1" smtClean="0">
-                                <a:latin typeface="Cambria Math" panose="02040503050406030204" pitchFamily="18" charset="0"/>
-                              </a:rPr>
-                              <m:t>𝑘</m:t>
-                            </m:r>
-                          </m:e>
-                          <m:sub>
-                            <m:r>
-                              <a:rPr lang="en-US" b="0" i="1" smtClean="0">
-                                <a:latin typeface="Cambria Math" panose="02040503050406030204" pitchFamily="18" charset="0"/>
-                              </a:rPr>
-                              <m:t>1</m:t>
-                            </m:r>
-                          </m:sub>
-                        </m:sSub>
-                        <m:d>
-                          <m:dPr>
-                            <m:begChr m:val="["/>
-                            <m:endChr m:val="]"/>
-                            <m:ctrlPr>
-                              <a:rPr lang="en-US" b="0" i="1" smtClean="0">
-                                <a:latin typeface="Cambria Math" panose="02040503050406030204" pitchFamily="18" charset="0"/>
-                              </a:rPr>
-                            </m:ctrlPr>
-                          </m:dPr>
-                          <m:e>
-                            <m:r>
-                              <a:rPr lang="en-US" b="0" i="1" smtClean="0">
-                                <a:latin typeface="Cambria Math" panose="02040503050406030204" pitchFamily="18" charset="0"/>
-                              </a:rPr>
-                              <m:t>𝑎𝑑𝑝</m:t>
-                            </m:r>
-                          </m:e>
-                        </m:d>
-                        <m:d>
-                          <m:dPr>
-                            <m:begChr m:val="["/>
-                            <m:endChr m:val="]"/>
-                            <m:ctrlPr>
-                              <a:rPr lang="en-US" b="0" i="1" smtClean="0">
-                                <a:latin typeface="Cambria Math" panose="02040503050406030204" pitchFamily="18" charset="0"/>
-                              </a:rPr>
-                            </m:ctrlPr>
-                          </m:dPr>
-                          <m:e>
-                            <m:r>
-                              <a:rPr lang="en-US" b="0" i="1" smtClean="0">
-                                <a:latin typeface="Cambria Math" panose="02040503050406030204" pitchFamily="18" charset="0"/>
-                              </a:rPr>
-                              <m:t>𝑝𝑖</m:t>
-                            </m:r>
-                          </m:e>
-                        </m:d>
-                        <m:sSup>
-                          <m:sSupPr>
-                            <m:ctrlPr>
-                              <a:rPr lang="en-US" b="0" i="1" smtClean="0">
-                                <a:latin typeface="Cambria Math" panose="02040503050406030204" pitchFamily="18" charset="0"/>
-                              </a:rPr>
-                            </m:ctrlPr>
-                          </m:sSupPr>
-                          <m:e>
-                            <m:d>
-                              <m:dPr>
-                                <m:begChr m:val="["/>
-                                <m:endChr m:val="]"/>
-                                <m:ctrlPr>
-                                  <a:rPr lang="en-US" b="0" i="1" smtClean="0">
-                                    <a:latin typeface="Cambria Math" panose="02040503050406030204" pitchFamily="18" charset="0"/>
-                                  </a:rPr>
-                                </m:ctrlPr>
-                              </m:dPr>
-                              <m:e>
-                                <m:sSup>
-                                  <m:sSupPr>
-                                    <m:ctrlPr>
-                                      <a:rPr lang="en-US" b="0" i="1" smtClean="0">
-                                        <a:latin typeface="Cambria Math" panose="02040503050406030204" pitchFamily="18" charset="0"/>
-                                      </a:rPr>
-                                    </m:ctrlPr>
-                                  </m:sSupPr>
-                                  <m:e>
-                                    <m:r>
-                                      <a:rPr lang="en-US" b="0" i="1" smtClean="0">
-                                        <a:latin typeface="Cambria Math" panose="02040503050406030204" pitchFamily="18" charset="0"/>
-                                      </a:rPr>
-                                      <m:t>h</m:t>
-                                    </m:r>
-                                  </m:e>
-                                  <m:sup>
-                                    <m:r>
-                                      <a:rPr lang="en-US" b="0" i="1" smtClean="0">
-                                        <a:latin typeface="Cambria Math" panose="02040503050406030204" pitchFamily="18" charset="0"/>
-                                      </a:rPr>
-                                      <m:t>+</m:t>
-                                    </m:r>
-                                  </m:sup>
-                                </m:sSup>
-                              </m:e>
-                            </m:d>
-                          </m:e>
-                          <m:sup>
-                            <m:r>
-                              <a:rPr lang="en-US" b="0" i="1" smtClean="0">
-                                <a:latin typeface="Cambria Math" panose="02040503050406030204" pitchFamily="18" charset="0"/>
-                              </a:rPr>
-                              <m:t>4</m:t>
-                            </m:r>
-                          </m:sup>
-                        </m:sSup>
-                        <m:r>
-                          <a:rPr lang="en-US" b="0" i="1" smtClean="0">
-                            <a:latin typeface="Cambria Math" panose="02040503050406030204" pitchFamily="18" charset="0"/>
-                          </a:rPr>
-                          <m:t>−</m:t>
-                        </m:r>
-                        <m:sSub>
-                          <m:sSubPr>
-                            <m:ctrlPr>
-                              <a:rPr lang="en-US" b="0" i="1" smtClean="0">
-                                <a:latin typeface="Cambria Math" panose="02040503050406030204" pitchFamily="18" charset="0"/>
-                              </a:rPr>
-                            </m:ctrlPr>
-                          </m:sSubPr>
-                          <m:e>
-                            <m:r>
-                              <a:rPr lang="en-US" b="0" i="1" smtClean="0">
-                                <a:latin typeface="Cambria Math" panose="02040503050406030204" pitchFamily="18" charset="0"/>
-                              </a:rPr>
-                              <m:t>𝑘</m:t>
-                            </m:r>
-                          </m:e>
-                          <m:sub>
-                            <m:r>
-                              <a:rPr lang="en-US" b="0" i="1" smtClean="0">
-                                <a:latin typeface="Cambria Math" panose="02040503050406030204" pitchFamily="18" charset="0"/>
-                              </a:rPr>
-                              <m:t>2</m:t>
-                            </m:r>
-                          </m:sub>
-                        </m:sSub>
-                        <m:r>
-                          <a:rPr lang="en-US" b="0" i="1" smtClean="0">
-                            <a:latin typeface="Cambria Math" panose="02040503050406030204" pitchFamily="18" charset="0"/>
-                          </a:rPr>
-                          <m:t>[</m:t>
-                        </m:r>
-                        <m:r>
-                          <a:rPr lang="en-US" b="0" i="1" smtClean="0">
-                            <a:latin typeface="Cambria Math" panose="02040503050406030204" pitchFamily="18" charset="0"/>
-                          </a:rPr>
-                          <m:t>𝑎𝑡𝑝</m:t>
-                        </m:r>
-                        <m:r>
-                          <a:rPr lang="en-US" b="0" i="1" smtClean="0">
-                            <a:latin typeface="Cambria Math" panose="02040503050406030204" pitchFamily="18" charset="0"/>
-                          </a:rPr>
-                          <m:t>]</m:t>
-                        </m:r>
-                      </m:oMath>
-                    </m:oMathPara>
-                  </a14:m>
-                  <a:endParaRPr lang="en-US" dirty="0"/>
-                </a:p>
-                <a:p>
-                  <a:endParaRPr lang="en-US" dirty="0"/>
-                </a:p>
-                <a:p>
-                  <a:endParaRPr lang="en-US" dirty="0"/>
-                </a:p>
-                <a:p>
-                  <a:endParaRPr lang="en-US" dirty="0"/>
-                </a:p>
-                <a:p>
-                  <a:endParaRPr lang="en-US" dirty="0"/>
-                </a:p>
-              </p:txBody>
-            </p:sp>
-          </mc:Choice>
-          <mc:Fallback>
-            <p:sp>
-              <p:nvSpPr>
-                <p:cNvPr id="21" name="TextBox 20">
-                  <a:extLst>
-                    <a:ext uri="{FF2B5EF4-FFF2-40B4-BE49-F238E27FC236}">
-                      <a16:creationId xmlns:a16="http://schemas.microsoft.com/office/drawing/2014/main" id="{E987E528-C4A9-8F48-BB0B-A9F99929B697}"/>
-                    </a:ext>
-                  </a:extLst>
-                </p:cNvPr>
-                <p:cNvSpPr txBox="1">
-                  <a:spLocks noRot="1" noChangeAspect="1" noMove="1" noResize="1" noEditPoints="1" noAdjustHandles="1" noChangeArrowheads="1" noChangeShapeType="1" noTextEdit="1"/>
-                </p:cNvSpPr>
-                <p:nvPr/>
-              </p:nvSpPr>
-              <p:spPr>
-                <a:xfrm>
-                  <a:off x="5927447" y="2906876"/>
-                  <a:ext cx="3943067" cy="1646092"/>
-                </a:xfrm>
-                <a:prstGeom prst="rect">
-                  <a:avLst/>
-                </a:prstGeom>
-                <a:blipFill>
-                  <a:blip r:embed="rId10"/>
-                  <a:stretch>
-                    <a:fillRect/>
-                  </a:stretch>
-                </a:blipFill>
-              </p:spPr>
-              <p:txBody>
-                <a:bodyPr/>
-                <a:lstStyle/>
-                <a:p>
-                  <a:r>
-                    <a:rPr lang="en-US">
-                      <a:noFill/>
-                    </a:rPr>
-                    <a:t> </a:t>
-                  </a:r>
-                </a:p>
-              </p:txBody>
-            </p:sp>
-          </mc:Fallback>
-        </mc:AlternateContent>
-        <mc:AlternateContent xmlns:mc="http://schemas.openxmlformats.org/markup-compatibility/2006">
-          <mc:Choice xmlns:a14="http://schemas.microsoft.com/office/drawing/2010/main" Requires="a14">
-            <p:sp>
-              <p:nvSpPr>
-                <p:cNvPr id="25" name="Rectangle 24">
-                  <a:extLst>
-                    <a:ext uri="{FF2B5EF4-FFF2-40B4-BE49-F238E27FC236}">
-                      <a16:creationId xmlns:a16="http://schemas.microsoft.com/office/drawing/2014/main" id="{6301F926-44E0-274E-A11A-4BAC9F8E82E9}"/>
+                      <a16:creationId xmlns:a16="http://schemas.microsoft.com/office/drawing/2014/main" id="{E6A550AE-590A-BF48-B41D-7CD0EBE5FD6D}"/>
                     </a:ext>
                   </a:extLst>
                 </p:cNvPr>
@@ -13054,222 +12622,8 @@
               </p:nvSpPr>
               <p:spPr>
                 <a:xfrm>
-                  <a:off x="5927447" y="4552968"/>
-                  <a:ext cx="1989967" cy="639278"/>
-                </a:xfrm>
-                <a:prstGeom prst="rect">
-                  <a:avLst/>
-                </a:prstGeom>
-              </p:spPr>
-              <p:txBody>
-                <a:bodyPr wrap="none">
-                  <a:spAutoFit/>
-                </a:bodyPr>
-                <a:lstStyle/>
-                <a:p>
-                  <a:pPr/>
-                  <a14:m>
-                    <m:oMathPara xmlns:m="http://schemas.openxmlformats.org/officeDocument/2006/math">
-                      <m:oMathParaPr>
-                        <m:jc m:val="centerGroup"/>
-                      </m:oMathParaPr>
-                      <m:oMath xmlns:m="http://schemas.openxmlformats.org/officeDocument/2006/math">
-                        <m:f>
-                          <m:fPr>
-                            <m:ctrlPr>
-                              <a:rPr lang="en-US" i="1">
-                                <a:latin typeface="Cambria Math" panose="02040503050406030204" pitchFamily="18" charset="0"/>
-                              </a:rPr>
-                            </m:ctrlPr>
-                          </m:fPr>
-                          <m:num>
-                            <m:r>
-                              <a:rPr lang="en-US" i="1">
-                                <a:latin typeface="Cambria Math" panose="02040503050406030204" pitchFamily="18" charset="0"/>
-                              </a:rPr>
-                              <m:t>𝑑</m:t>
-                            </m:r>
-                            <m:d>
-                              <m:dPr>
-                                <m:begChr m:val="["/>
-                                <m:endChr m:val="]"/>
-                                <m:ctrlPr>
-                                  <a:rPr lang="en-US" i="1">
-                                    <a:latin typeface="Cambria Math" panose="02040503050406030204" pitchFamily="18" charset="0"/>
-                                  </a:rPr>
-                                </m:ctrlPr>
-                              </m:dPr>
-                              <m:e>
-                                <m:sSup>
-                                  <m:sSupPr>
-                                    <m:ctrlPr>
-                                      <a:rPr lang="en-US" i="1">
-                                        <a:latin typeface="Cambria Math" panose="02040503050406030204" pitchFamily="18" charset="0"/>
-                                      </a:rPr>
-                                    </m:ctrlPr>
-                                  </m:sSupPr>
-                                  <m:e>
-                                    <m:r>
-                                      <a:rPr lang="en-US" i="1">
-                                        <a:latin typeface="Cambria Math" panose="02040503050406030204" pitchFamily="18" charset="0"/>
-                                      </a:rPr>
-                                      <m:t>h</m:t>
-                                    </m:r>
-                                  </m:e>
-                                  <m:sup>
-                                    <m:r>
-                                      <a:rPr lang="en-US" i="1">
-                                        <a:latin typeface="Cambria Math" panose="02040503050406030204" pitchFamily="18" charset="0"/>
-                                      </a:rPr>
-                                      <m:t>+</m:t>
-                                    </m:r>
-                                  </m:sup>
-                                </m:sSup>
-                              </m:e>
-                            </m:d>
-                          </m:num>
-                          <m:den>
-                            <m:r>
-                              <a:rPr lang="en-US" i="1">
-                                <a:latin typeface="Cambria Math" panose="02040503050406030204" pitchFamily="18" charset="0"/>
-                              </a:rPr>
-                              <m:t>𝑑𝑡</m:t>
-                            </m:r>
-                          </m:den>
-                        </m:f>
-                        <m:r>
-                          <a:rPr lang="en-US" i="1">
-                            <a:latin typeface="Cambria Math" panose="02040503050406030204" pitchFamily="18" charset="0"/>
-                          </a:rPr>
-                          <m:t>=−</m:t>
-                        </m:r>
-                        <m:sSub>
-                          <m:sSubPr>
-                            <m:ctrlPr>
-                              <a:rPr lang="en-US" i="1">
-                                <a:latin typeface="Cambria Math" panose="02040503050406030204" pitchFamily="18" charset="0"/>
-                              </a:rPr>
-                            </m:ctrlPr>
-                          </m:sSubPr>
-                          <m:e>
-                            <m:r>
-                              <a:rPr lang="en-US" i="1">
-                                <a:latin typeface="Cambria Math" panose="02040503050406030204" pitchFamily="18" charset="0"/>
-                              </a:rPr>
-                              <m:t>𝑘</m:t>
-                            </m:r>
-                          </m:e>
-                          <m:sub>
-                            <m:r>
-                              <a:rPr lang="en-US" i="1">
-                                <a:latin typeface="Cambria Math" panose="02040503050406030204" pitchFamily="18" charset="0"/>
-                              </a:rPr>
-                              <m:t>3</m:t>
-                            </m:r>
-                          </m:sub>
-                        </m:sSub>
-                        <m:r>
-                          <a:rPr lang="en-US" i="1">
-                            <a:latin typeface="Cambria Math" panose="02040503050406030204" pitchFamily="18" charset="0"/>
-                          </a:rPr>
-                          <m:t>∗</m:t>
-                        </m:r>
-                        <m:sSup>
-                          <m:sSupPr>
-                            <m:ctrlPr>
-                              <a:rPr lang="en-US" i="1">
-                                <a:latin typeface="Cambria Math" panose="02040503050406030204" pitchFamily="18" charset="0"/>
-                              </a:rPr>
-                            </m:ctrlPr>
-                          </m:sSupPr>
-                          <m:e>
-                            <m:r>
-                              <a:rPr lang="en-US" i="1">
-                                <a:latin typeface="Cambria Math" panose="02040503050406030204" pitchFamily="18" charset="0"/>
-                              </a:rPr>
-                              <m:t>h</m:t>
-                            </m:r>
-                          </m:e>
-                          <m:sup>
-                            <m:r>
-                              <a:rPr lang="en-US" i="1">
-                                <a:latin typeface="Cambria Math" panose="02040503050406030204" pitchFamily="18" charset="0"/>
-                              </a:rPr>
-                              <m:t>+</m:t>
-                            </m:r>
-                          </m:sup>
-                        </m:sSup>
-                      </m:oMath>
-                    </m:oMathPara>
-                  </a14:m>
-                  <a:endParaRPr lang="en-US" dirty="0"/>
-                </a:p>
-              </p:txBody>
-            </p:sp>
-          </mc:Choice>
-          <mc:Fallback>
-            <p:sp>
-              <p:nvSpPr>
-                <p:cNvPr id="25" name="Rectangle 24">
-                  <a:extLst>
-                    <a:ext uri="{FF2B5EF4-FFF2-40B4-BE49-F238E27FC236}">
-                      <a16:creationId xmlns:a16="http://schemas.microsoft.com/office/drawing/2014/main" id="{6301F926-44E0-274E-A11A-4BAC9F8E82E9}"/>
-                    </a:ext>
-                  </a:extLst>
-                </p:cNvPr>
-                <p:cNvSpPr>
-                  <a:spLocks noRot="1" noChangeAspect="1" noMove="1" noResize="1" noEditPoints="1" noAdjustHandles="1" noChangeArrowheads="1" noChangeShapeType="1" noTextEdit="1"/>
-                </p:cNvSpPr>
-                <p:nvPr/>
-              </p:nvSpPr>
-              <p:spPr>
-                <a:xfrm>
-                  <a:off x="5927447" y="4552968"/>
-                  <a:ext cx="1989967" cy="639278"/>
-                </a:xfrm>
-                <a:prstGeom prst="rect">
-                  <a:avLst/>
-                </a:prstGeom>
-                <a:blipFill>
-                  <a:blip r:embed="rId11"/>
-                  <a:stretch>
-                    <a:fillRect b="-1961"/>
-                  </a:stretch>
-                </a:blipFill>
-              </p:spPr>
-              <p:txBody>
-                <a:bodyPr/>
-                <a:lstStyle/>
-                <a:p>
-                  <a:r>
-                    <a:rPr lang="en-US">
-                      <a:noFill/>
-                    </a:rPr>
-                    <a:t> </a:t>
-                  </a:r>
-                </a:p>
-              </p:txBody>
-            </p:sp>
-          </mc:Fallback>
-        </mc:AlternateContent>
-        <mc:AlternateContent xmlns:mc="http://schemas.openxmlformats.org/markup-compatibility/2006">
-          <mc:Choice xmlns:a14="http://schemas.microsoft.com/office/drawing/2010/main" Requires="a14">
-            <p:sp>
-              <p:nvSpPr>
-                <p:cNvPr id="26" name="Rectangle 25">
-                  <a:extLst>
-                    <a:ext uri="{FF2B5EF4-FFF2-40B4-BE49-F238E27FC236}">
-                      <a16:creationId xmlns:a16="http://schemas.microsoft.com/office/drawing/2014/main" id="{D37EE3F9-D1C0-064B-A31A-98B9956DC33D}"/>
-                    </a:ext>
-                  </a:extLst>
-                </p:cNvPr>
-                <p:cNvSpPr/>
-                <p:nvPr/>
-              </p:nvSpPr>
-              <p:spPr>
-                <a:xfrm>
-                  <a:off x="5927447" y="5475735"/>
-                  <a:ext cx="3633944" cy="630429"/>
+                  <a:off x="5927447" y="3688444"/>
+                  <a:ext cx="4975593" cy="630429"/>
                 </a:xfrm>
                 <a:prstGeom prst="rect">
                   <a:avLst/>
@@ -13318,19 +12672,7 @@
                                   <a:rPr lang="en-US" i="1">
                                     <a:latin typeface="Cambria Math" panose="02040503050406030204" pitchFamily="18" charset="0"/>
                                   </a:rPr>
-                                  <m:t>𝑜𝑢𝑡𝑠𝑖𝑑𝑒</m:t>
-                                </m:r>
-                                <m:r>
-                                  <a:rPr lang="en-US" i="1">
-                                    <a:latin typeface="Cambria Math" panose="02040503050406030204" pitchFamily="18" charset="0"/>
-                                  </a:rPr>
-                                  <m:t>_</m:t>
-                                </m:r>
-                                <m:r>
-                                  <a:rPr lang="en-US" i="1">
-                                    <a:latin typeface="Cambria Math" panose="02040503050406030204" pitchFamily="18" charset="0"/>
-                                  </a:rPr>
-                                  <m:t>𝐻</m:t>
+                                  <m:t>𝑎𝑑𝑝</m:t>
                                 </m:r>
                               </m:e>
                             </m:d>
@@ -13350,30 +12692,228 @@
                           </a:rPr>
                           <m:t>=</m:t>
                         </m:r>
+                        <m:sSub>
+                          <m:sSubPr>
+                            <m:ctrlPr>
+                              <a:rPr lang="en-US" i="1">
+                                <a:latin typeface="Cambria Math" panose="02040503050406030204" pitchFamily="18" charset="0"/>
+                              </a:rPr>
+                            </m:ctrlPr>
+                          </m:sSubPr>
+                          <m:e>
+                            <m:f>
+                              <m:fPr>
+                                <m:ctrlPr>
+                                  <a:rPr lang="en-US" i="1">
+                                    <a:latin typeface="Cambria Math" panose="02040503050406030204" pitchFamily="18" charset="0"/>
+                                  </a:rPr>
+                                </m:ctrlPr>
+                              </m:fPr>
+                              <m:num>
+                                <m:r>
+                                  <a:rPr lang="en-US" i="1">
+                                    <a:latin typeface="Cambria Math" panose="02040503050406030204" pitchFamily="18" charset="0"/>
+                                  </a:rPr>
+                                  <m:t>𝑑</m:t>
+                                </m:r>
+                                <m:r>
+                                  <a:rPr lang="en-US" i="1">
+                                    <a:latin typeface="Cambria Math" panose="02040503050406030204" pitchFamily="18" charset="0"/>
+                                  </a:rPr>
+                                  <m:t>[</m:t>
+                                </m:r>
+                                <m:r>
+                                  <a:rPr lang="en-US" i="1">
+                                    <a:latin typeface="Cambria Math" panose="02040503050406030204" pitchFamily="18" charset="0"/>
+                                  </a:rPr>
+                                  <m:t>𝑝𝑖</m:t>
+                                </m:r>
+                                <m:r>
+                                  <a:rPr lang="en-US" i="1">
+                                    <a:latin typeface="Cambria Math" panose="02040503050406030204" pitchFamily="18" charset="0"/>
+                                  </a:rPr>
+                                  <m:t>]</m:t>
+                                </m:r>
+                              </m:num>
+                              <m:den>
+                                <m:r>
+                                  <a:rPr lang="en-US" i="1">
+                                    <a:latin typeface="Cambria Math" panose="02040503050406030204" pitchFamily="18" charset="0"/>
+                                  </a:rPr>
+                                  <m:t>𝑑𝑡</m:t>
+                                </m:r>
+                              </m:den>
+                            </m:f>
+                            <m:r>
+                              <a:rPr lang="en-US" i="1">
+                                <a:latin typeface="Cambria Math" panose="02040503050406030204" pitchFamily="18" charset="0"/>
+                              </a:rPr>
+                              <m:t>= −</m:t>
+                            </m:r>
+                            <m:r>
+                              <a:rPr lang="en-US" i="1">
+                                <a:latin typeface="Cambria Math" panose="02040503050406030204" pitchFamily="18" charset="0"/>
+                              </a:rPr>
+                              <m:t>𝑘</m:t>
+                            </m:r>
+                          </m:e>
+                          <m:sub>
+                            <m:r>
+                              <a:rPr lang="en-US" i="1">
+                                <a:latin typeface="Cambria Math" panose="02040503050406030204" pitchFamily="18" charset="0"/>
+                              </a:rPr>
+                              <m:t>1</m:t>
+                            </m:r>
+                          </m:sub>
+                        </m:sSub>
+                        <m:d>
+                          <m:dPr>
+                            <m:begChr m:val="["/>
+                            <m:endChr m:val="]"/>
+                            <m:ctrlPr>
+                              <a:rPr lang="en-US" i="1">
+                                <a:latin typeface="Cambria Math" panose="02040503050406030204" pitchFamily="18" charset="0"/>
+                              </a:rPr>
+                            </m:ctrlPr>
+                          </m:dPr>
+                          <m:e>
+                            <m:r>
+                              <a:rPr lang="en-US" i="1">
+                                <a:latin typeface="Cambria Math" panose="02040503050406030204" pitchFamily="18" charset="0"/>
+                              </a:rPr>
+                              <m:t>𝑎𝑑𝑝</m:t>
+                            </m:r>
+                          </m:e>
+                        </m:d>
+                        <m:d>
+                          <m:dPr>
+                            <m:begChr m:val="["/>
+                            <m:endChr m:val="]"/>
+                            <m:ctrlPr>
+                              <a:rPr lang="en-US" i="1">
+                                <a:latin typeface="Cambria Math" panose="02040503050406030204" pitchFamily="18" charset="0"/>
+                              </a:rPr>
+                            </m:ctrlPr>
+                          </m:dPr>
+                          <m:e>
+                            <m:r>
+                              <a:rPr lang="en-US" i="1">
+                                <a:latin typeface="Cambria Math" panose="02040503050406030204" pitchFamily="18" charset="0"/>
+                              </a:rPr>
+                              <m:t>𝑝𝑖</m:t>
+                            </m:r>
+                          </m:e>
+                        </m:d>
+                        <m:sSup>
+                          <m:sSupPr>
+                            <m:ctrlPr>
+                              <a:rPr lang="en-US" i="1">
+                                <a:latin typeface="Cambria Math" panose="02040503050406030204" pitchFamily="18" charset="0"/>
+                              </a:rPr>
+                            </m:ctrlPr>
+                          </m:sSupPr>
+                          <m:e>
+                            <m:d>
+                              <m:dPr>
+                                <m:begChr m:val="["/>
+                                <m:endChr m:val="]"/>
+                                <m:ctrlPr>
+                                  <a:rPr lang="en-US" i="1">
+                                    <a:latin typeface="Cambria Math" panose="02040503050406030204" pitchFamily="18" charset="0"/>
+                                  </a:rPr>
+                                </m:ctrlPr>
+                              </m:dPr>
+                              <m:e>
+                                <m:sSup>
+                                  <m:sSupPr>
+                                    <m:ctrlPr>
+                                      <a:rPr lang="en-US" i="1">
+                                        <a:latin typeface="Cambria Math" panose="02040503050406030204" pitchFamily="18" charset="0"/>
+                                      </a:rPr>
+                                    </m:ctrlPr>
+                                  </m:sSupPr>
+                                  <m:e>
+                                    <m:r>
+                                      <a:rPr lang="en-US" i="1">
+                                        <a:latin typeface="Cambria Math" panose="02040503050406030204" pitchFamily="18" charset="0"/>
+                                      </a:rPr>
+                                      <m:t>h</m:t>
+                                    </m:r>
+                                  </m:e>
+                                  <m:sup>
+                                    <m:r>
+                                      <a:rPr lang="en-US" i="1">
+                                        <a:latin typeface="Cambria Math" panose="02040503050406030204" pitchFamily="18" charset="0"/>
+                                      </a:rPr>
+                                      <m:t>+</m:t>
+                                    </m:r>
+                                  </m:sup>
+                                </m:sSup>
+                              </m:e>
+                            </m:d>
+                          </m:e>
+                          <m:sup>
+                            <m:r>
+                              <a:rPr lang="en-US" i="1">
+                                <a:latin typeface="Cambria Math" panose="02040503050406030204" pitchFamily="18" charset="0"/>
+                              </a:rPr>
+                              <m:t>4</m:t>
+                            </m:r>
+                          </m:sup>
+                        </m:sSup>
                         <m:r>
                           <a:rPr lang="en-US" i="1">
                             <a:latin typeface="Cambria Math" panose="02040503050406030204" pitchFamily="18" charset="0"/>
                           </a:rPr>
-                          <m:t>𝑐𝑜𝑛𝑡𝑟𝑜𝑙</m:t>
+                          <m:t>+</m:t>
+                        </m:r>
+                        <m:sSub>
+                          <m:sSubPr>
+                            <m:ctrlPr>
+                              <a:rPr lang="en-US" i="1">
+                                <a:latin typeface="Cambria Math" panose="02040503050406030204" pitchFamily="18" charset="0"/>
+                              </a:rPr>
+                            </m:ctrlPr>
+                          </m:sSubPr>
+                          <m:e>
+                            <m:r>
+                              <a:rPr lang="en-US" i="1">
+                                <a:latin typeface="Cambria Math" panose="02040503050406030204" pitchFamily="18" charset="0"/>
+                              </a:rPr>
+                              <m:t>𝑘</m:t>
+                            </m:r>
+                          </m:e>
+                          <m:sub>
+                            <m:r>
+                              <a:rPr lang="en-US" i="1">
+                                <a:latin typeface="Cambria Math" panose="02040503050406030204" pitchFamily="18" charset="0"/>
+                              </a:rPr>
+                              <m:t>2</m:t>
+                            </m:r>
+                          </m:sub>
+                        </m:sSub>
+                        <m:r>
+                          <a:rPr lang="en-US" i="1">
+                            <a:latin typeface="Cambria Math" panose="02040503050406030204" pitchFamily="18" charset="0"/>
+                          </a:rPr>
+                          <m:t>[</m:t>
                         </m:r>
                         <m:r>
                           <a:rPr lang="en-US" i="1">
                             <a:latin typeface="Cambria Math" panose="02040503050406030204" pitchFamily="18" charset="0"/>
                           </a:rPr>
-                          <m:t> </m:t>
+                          <m:t>𝑎𝑡𝑝</m:t>
                         </m:r>
                         <m:r>
                           <a:rPr lang="en-US" i="1">
                             <a:latin typeface="Cambria Math" panose="02040503050406030204" pitchFamily="18" charset="0"/>
                           </a:rPr>
-                          <m:t>𝑓𝑢𝑛𝑐𝑡𝑖𝑜𝑛</m:t>
+                          <m:t>]</m:t>
                         </m:r>
                       </m:oMath>
                     </m:oMathPara>
                   </a14:m>
-                  <a:endParaRPr lang="en-US" dirty="0">
-                    <a:latin typeface="Avenir Book" panose="02000503020000020003" pitchFamily="2" charset="0"/>
-                  </a:endParaRPr>
+                  <a:endParaRPr lang="en-US" dirty="0"/>
                 </a:p>
               </p:txBody>
             </p:sp>
@@ -13381,10 +12921,10 @@
           <mc:Fallback>
             <p:sp>
               <p:nvSpPr>
-                <p:cNvPr id="26" name="Rectangle 25">
+                <p:cNvPr id="24" name="Rectangle 23">
                   <a:extLst>
                     <a:ext uri="{FF2B5EF4-FFF2-40B4-BE49-F238E27FC236}">
-                      <a16:creationId xmlns:a16="http://schemas.microsoft.com/office/drawing/2014/main" id="{D37EE3F9-D1C0-064B-A31A-98B9956DC33D}"/>
+                      <a16:creationId xmlns:a16="http://schemas.microsoft.com/office/drawing/2014/main" id="{E6A550AE-590A-BF48-B41D-7CD0EBE5FD6D}"/>
                     </a:ext>
                   </a:extLst>
                 </p:cNvPr>
@@ -13395,14 +12935,14 @@
               </p:nvSpPr>
               <p:spPr>
                 <a:xfrm>
-                  <a:off x="5927447" y="5475735"/>
-                  <a:ext cx="3633944" cy="630429"/>
+                  <a:off x="5927447" y="3688444"/>
+                  <a:ext cx="4975593" cy="630429"/>
                 </a:xfrm>
                 <a:prstGeom prst="rect">
                   <a:avLst/>
                 </a:prstGeom>
                 <a:blipFill>
-                  <a:blip r:embed="rId12"/>
+                  <a:blip r:embed="rId9"/>
                   <a:stretch>
                     <a:fillRect b="-3922"/>
                   </a:stretch>
@@ -13423,6 +12963,733 @@
             </p:sp>
           </mc:Fallback>
         </mc:AlternateContent>
+        <p:grpSp>
+          <p:nvGrpSpPr>
+            <p:cNvPr id="27" name="Group 26">
+              <a:extLst>
+                <a:ext uri="{FF2B5EF4-FFF2-40B4-BE49-F238E27FC236}">
+                  <a16:creationId xmlns:a16="http://schemas.microsoft.com/office/drawing/2014/main" id="{D1ABAE2C-013D-584A-B2B4-F5CEF240D6DF}"/>
+                </a:ext>
+              </a:extLst>
+            </p:cNvPr>
+            <p:cNvGrpSpPr/>
+            <p:nvPr/>
+          </p:nvGrpSpPr>
+          <p:grpSpPr>
+            <a:xfrm>
+              <a:off x="5927447" y="2906876"/>
+              <a:ext cx="3943067" cy="3199288"/>
+              <a:chOff x="5927447" y="2906876"/>
+              <a:chExt cx="3943067" cy="3199288"/>
+            </a:xfrm>
+          </p:grpSpPr>
+          <mc:AlternateContent xmlns:mc="http://schemas.openxmlformats.org/markup-compatibility/2006" xmlns:a14="http://schemas.microsoft.com/office/drawing/2010/main">
+            <mc:Choice Requires="a14">
+              <p:sp>
+                <p:nvSpPr>
+                  <p:cNvPr id="21" name="TextBox 20">
+                    <a:extLst>
+                      <a:ext uri="{FF2B5EF4-FFF2-40B4-BE49-F238E27FC236}">
+                        <a16:creationId xmlns:a16="http://schemas.microsoft.com/office/drawing/2014/main" id="{E987E528-C4A9-8F48-BB0B-A9F99929B697}"/>
+                      </a:ext>
+                    </a:extLst>
+                  </p:cNvPr>
+                  <p:cNvSpPr txBox="1"/>
+                  <p:nvPr/>
+                </p:nvSpPr>
+                <p:spPr>
+                  <a:xfrm>
+                    <a:off x="5927447" y="2906876"/>
+                    <a:ext cx="3943067" cy="1646092"/>
+                  </a:xfrm>
+                  <a:prstGeom prst="rect">
+                    <a:avLst/>
+                  </a:prstGeom>
+                  <a:noFill/>
+                </p:spPr>
+                <p:txBody>
+                  <a:bodyPr wrap="none" lIns="0" tIns="0" rIns="0" bIns="0" rtlCol="0">
+                    <a:spAutoFit/>
+                  </a:bodyPr>
+                  <a:lstStyle/>
+                  <a:p>
+                    <a:pPr/>
+                    <a14:m>
+                      <m:oMathPara xmlns:m="http://schemas.openxmlformats.org/officeDocument/2006/math">
+                        <m:oMathParaPr>
+                          <m:jc m:val="centerGroup"/>
+                        </m:oMathParaPr>
+                        <m:oMath xmlns:m="http://schemas.openxmlformats.org/officeDocument/2006/math">
+                          <m:f>
+                            <m:fPr>
+                              <m:ctrlPr>
+                                <a:rPr lang="en-US" b="0" i="1" smtClean="0">
+                                  <a:latin typeface="Cambria Math" panose="02040503050406030204" pitchFamily="18" charset="0"/>
+                                </a:rPr>
+                              </m:ctrlPr>
+                            </m:fPr>
+                            <m:num>
+                              <m:r>
+                                <a:rPr lang="en-US" b="0" i="1" smtClean="0">
+                                  <a:latin typeface="Cambria Math" panose="02040503050406030204" pitchFamily="18" charset="0"/>
+                                </a:rPr>
+                                <m:t>𝑑</m:t>
+                              </m:r>
+                              <m:d>
+                                <m:dPr>
+                                  <m:begChr m:val="["/>
+                                  <m:endChr m:val="]"/>
+                                  <m:ctrlPr>
+                                    <a:rPr lang="en-US" b="0" i="1" smtClean="0">
+                                      <a:latin typeface="Cambria Math" panose="02040503050406030204" pitchFamily="18" charset="0"/>
+                                    </a:rPr>
+                                  </m:ctrlPr>
+                                </m:dPr>
+                                <m:e>
+                                  <m:r>
+                                    <a:rPr lang="en-US" b="0" i="1" smtClean="0">
+                                      <a:latin typeface="Cambria Math" panose="02040503050406030204" pitchFamily="18" charset="0"/>
+                                    </a:rPr>
+                                    <m:t>𝑎𝑡𝑝</m:t>
+                                  </m:r>
+                                </m:e>
+                              </m:d>
+                            </m:num>
+                            <m:den>
+                              <m:r>
+                                <a:rPr lang="en-US" b="0" i="1" smtClean="0">
+                                  <a:latin typeface="Cambria Math" panose="02040503050406030204" pitchFamily="18" charset="0"/>
+                                </a:rPr>
+                                <m:t>𝑑𝑡</m:t>
+                              </m:r>
+                            </m:den>
+                          </m:f>
+                          <m:r>
+                            <a:rPr lang="en-US" b="0" i="1" smtClean="0">
+                              <a:latin typeface="Cambria Math" panose="02040503050406030204" pitchFamily="18" charset="0"/>
+                            </a:rPr>
+                            <m:t>=</m:t>
+                          </m:r>
+                          <m:sSub>
+                            <m:sSubPr>
+                              <m:ctrlPr>
+                                <a:rPr lang="en-US" b="0" i="1" smtClean="0">
+                                  <a:latin typeface="Cambria Math" panose="02040503050406030204" pitchFamily="18" charset="0"/>
+                                </a:rPr>
+                              </m:ctrlPr>
+                            </m:sSubPr>
+                            <m:e>
+                              <m:r>
+                                <a:rPr lang="en-US" b="0" i="1" smtClean="0">
+                                  <a:latin typeface="Cambria Math" panose="02040503050406030204" pitchFamily="18" charset="0"/>
+                                </a:rPr>
+                                <m:t>𝑘</m:t>
+                              </m:r>
+                            </m:e>
+                            <m:sub>
+                              <m:r>
+                                <a:rPr lang="en-US" b="0" i="1" smtClean="0">
+                                  <a:latin typeface="Cambria Math" panose="02040503050406030204" pitchFamily="18" charset="0"/>
+                                </a:rPr>
+                                <m:t>1</m:t>
+                              </m:r>
+                            </m:sub>
+                          </m:sSub>
+                          <m:d>
+                            <m:dPr>
+                              <m:begChr m:val="["/>
+                              <m:endChr m:val="]"/>
+                              <m:ctrlPr>
+                                <a:rPr lang="en-US" b="0" i="1" smtClean="0">
+                                  <a:latin typeface="Cambria Math" panose="02040503050406030204" pitchFamily="18" charset="0"/>
+                                </a:rPr>
+                              </m:ctrlPr>
+                            </m:dPr>
+                            <m:e>
+                              <m:r>
+                                <a:rPr lang="en-US" b="0" i="1" smtClean="0">
+                                  <a:latin typeface="Cambria Math" panose="02040503050406030204" pitchFamily="18" charset="0"/>
+                                </a:rPr>
+                                <m:t>𝑎𝑑𝑝</m:t>
+                              </m:r>
+                            </m:e>
+                          </m:d>
+                          <m:d>
+                            <m:dPr>
+                              <m:begChr m:val="["/>
+                              <m:endChr m:val="]"/>
+                              <m:ctrlPr>
+                                <a:rPr lang="en-US" b="0" i="1" smtClean="0">
+                                  <a:latin typeface="Cambria Math" panose="02040503050406030204" pitchFamily="18" charset="0"/>
+                                </a:rPr>
+                              </m:ctrlPr>
+                            </m:dPr>
+                            <m:e>
+                              <m:r>
+                                <a:rPr lang="en-US" b="0" i="1" smtClean="0">
+                                  <a:latin typeface="Cambria Math" panose="02040503050406030204" pitchFamily="18" charset="0"/>
+                                </a:rPr>
+                                <m:t>𝑝𝑖</m:t>
+                              </m:r>
+                            </m:e>
+                          </m:d>
+                          <m:sSup>
+                            <m:sSupPr>
+                              <m:ctrlPr>
+                                <a:rPr lang="en-US" b="0" i="1" smtClean="0">
+                                  <a:latin typeface="Cambria Math" panose="02040503050406030204" pitchFamily="18" charset="0"/>
+                                </a:rPr>
+                              </m:ctrlPr>
+                            </m:sSupPr>
+                            <m:e>
+                              <m:d>
+                                <m:dPr>
+                                  <m:begChr m:val="["/>
+                                  <m:endChr m:val="]"/>
+                                  <m:ctrlPr>
+                                    <a:rPr lang="en-US" b="0" i="1" smtClean="0">
+                                      <a:latin typeface="Cambria Math" panose="02040503050406030204" pitchFamily="18" charset="0"/>
+                                    </a:rPr>
+                                  </m:ctrlPr>
+                                </m:dPr>
+                                <m:e>
+                                  <m:sSup>
+                                    <m:sSupPr>
+                                      <m:ctrlPr>
+                                        <a:rPr lang="en-US" b="0" i="1" smtClean="0">
+                                          <a:latin typeface="Cambria Math" panose="02040503050406030204" pitchFamily="18" charset="0"/>
+                                        </a:rPr>
+                                      </m:ctrlPr>
+                                    </m:sSupPr>
+                                    <m:e>
+                                      <m:r>
+                                        <a:rPr lang="en-US" b="0" i="1" smtClean="0">
+                                          <a:latin typeface="Cambria Math" panose="02040503050406030204" pitchFamily="18" charset="0"/>
+                                        </a:rPr>
+                                        <m:t>h</m:t>
+                                      </m:r>
+                                    </m:e>
+                                    <m:sup>
+                                      <m:r>
+                                        <a:rPr lang="en-US" b="0" i="1" smtClean="0">
+                                          <a:latin typeface="Cambria Math" panose="02040503050406030204" pitchFamily="18" charset="0"/>
+                                        </a:rPr>
+                                        <m:t>+</m:t>
+                                      </m:r>
+                                    </m:sup>
+                                  </m:sSup>
+                                </m:e>
+                              </m:d>
+                            </m:e>
+                            <m:sup>
+                              <m:r>
+                                <a:rPr lang="en-US" b="0" i="1" smtClean="0">
+                                  <a:latin typeface="Cambria Math" panose="02040503050406030204" pitchFamily="18" charset="0"/>
+                                </a:rPr>
+                                <m:t>4</m:t>
+                              </m:r>
+                            </m:sup>
+                          </m:sSup>
+                          <m:r>
+                            <a:rPr lang="en-US" b="0" i="1" smtClean="0">
+                              <a:latin typeface="Cambria Math" panose="02040503050406030204" pitchFamily="18" charset="0"/>
+                            </a:rPr>
+                            <m:t>−</m:t>
+                          </m:r>
+                          <m:sSub>
+                            <m:sSubPr>
+                              <m:ctrlPr>
+                                <a:rPr lang="en-US" b="0" i="1" smtClean="0">
+                                  <a:latin typeface="Cambria Math" panose="02040503050406030204" pitchFamily="18" charset="0"/>
+                                </a:rPr>
+                              </m:ctrlPr>
+                            </m:sSubPr>
+                            <m:e>
+                              <m:r>
+                                <a:rPr lang="en-US" b="0" i="1" smtClean="0">
+                                  <a:latin typeface="Cambria Math" panose="02040503050406030204" pitchFamily="18" charset="0"/>
+                                </a:rPr>
+                                <m:t>𝑘</m:t>
+                              </m:r>
+                            </m:e>
+                            <m:sub>
+                              <m:r>
+                                <a:rPr lang="en-US" b="0" i="1" smtClean="0">
+                                  <a:latin typeface="Cambria Math" panose="02040503050406030204" pitchFamily="18" charset="0"/>
+                                </a:rPr>
+                                <m:t>2</m:t>
+                              </m:r>
+                            </m:sub>
+                          </m:sSub>
+                          <m:r>
+                            <a:rPr lang="en-US" b="0" i="1" smtClean="0">
+                              <a:latin typeface="Cambria Math" panose="02040503050406030204" pitchFamily="18" charset="0"/>
+                            </a:rPr>
+                            <m:t>[</m:t>
+                          </m:r>
+                          <m:r>
+                            <a:rPr lang="en-US" b="0" i="1" smtClean="0">
+                              <a:latin typeface="Cambria Math" panose="02040503050406030204" pitchFamily="18" charset="0"/>
+                            </a:rPr>
+                            <m:t>𝑎𝑡𝑝</m:t>
+                          </m:r>
+                          <m:r>
+                            <a:rPr lang="en-US" b="0" i="1" smtClean="0">
+                              <a:latin typeface="Cambria Math" panose="02040503050406030204" pitchFamily="18" charset="0"/>
+                            </a:rPr>
+                            <m:t>]</m:t>
+                          </m:r>
+                        </m:oMath>
+                      </m:oMathPara>
+                    </a14:m>
+                    <a:endParaRPr lang="en-US" dirty="0"/>
+                  </a:p>
+                  <a:p>
+                    <a:endParaRPr lang="en-US" dirty="0"/>
+                  </a:p>
+                  <a:p>
+                    <a:endParaRPr lang="en-US" dirty="0"/>
+                  </a:p>
+                  <a:p>
+                    <a:endParaRPr lang="en-US" dirty="0"/>
+                  </a:p>
+                  <a:p>
+                    <a:endParaRPr lang="en-US" dirty="0"/>
+                  </a:p>
+                </p:txBody>
+              </p:sp>
+            </mc:Choice>
+            <mc:Fallback xmlns="">
+              <p:sp>
+                <p:nvSpPr>
+                  <p:cNvPr id="21" name="TextBox 20">
+                    <a:extLst>
+                      <a:ext uri="{FF2B5EF4-FFF2-40B4-BE49-F238E27FC236}">
+                        <a16:creationId xmlns:a16="http://schemas.microsoft.com/office/drawing/2014/main" id="{E987E528-C4A9-8F48-BB0B-A9F99929B697}"/>
+                      </a:ext>
+                    </a:extLst>
+                  </p:cNvPr>
+                  <p:cNvSpPr txBox="1">
+                    <a:spLocks noRot="1" noChangeAspect="1" noMove="1" noResize="1" noEditPoints="1" noAdjustHandles="1" noChangeArrowheads="1" noChangeShapeType="1" noTextEdit="1"/>
+                  </p:cNvSpPr>
+                  <p:nvPr/>
+                </p:nvSpPr>
+                <p:spPr>
+                  <a:xfrm>
+                    <a:off x="5927447" y="2906876"/>
+                    <a:ext cx="3943067" cy="1646092"/>
+                  </a:xfrm>
+                  <a:prstGeom prst="rect">
+                    <a:avLst/>
+                  </a:prstGeom>
+                  <a:blipFill>
+                    <a:blip r:embed="rId10"/>
+                    <a:stretch>
+                      <a:fillRect/>
+                    </a:stretch>
+                  </a:blipFill>
+                </p:spPr>
+                <p:txBody>
+                  <a:bodyPr/>
+                  <a:lstStyle/>
+                  <a:p>
+                    <a:r>
+                      <a:rPr lang="en-US">
+                        <a:noFill/>
+                      </a:rPr>
+                      <a:t> </a:t>
+                    </a:r>
+                  </a:p>
+                </p:txBody>
+              </p:sp>
+            </mc:Fallback>
+          </mc:AlternateContent>
+          <mc:AlternateContent xmlns:mc="http://schemas.openxmlformats.org/markup-compatibility/2006" xmlns:a14="http://schemas.microsoft.com/office/drawing/2010/main">
+            <mc:Choice Requires="a14">
+              <p:sp>
+                <p:nvSpPr>
+                  <p:cNvPr id="25" name="Rectangle 24">
+                    <a:extLst>
+                      <a:ext uri="{FF2B5EF4-FFF2-40B4-BE49-F238E27FC236}">
+                        <a16:creationId xmlns:a16="http://schemas.microsoft.com/office/drawing/2014/main" id="{6301F926-44E0-274E-A11A-4BAC9F8E82E9}"/>
+                      </a:ext>
+                    </a:extLst>
+                  </p:cNvPr>
+                  <p:cNvSpPr/>
+                  <p:nvPr/>
+                </p:nvSpPr>
+                <p:spPr>
+                  <a:xfrm>
+                    <a:off x="5927447" y="4552968"/>
+                    <a:ext cx="1989967" cy="639278"/>
+                  </a:xfrm>
+                  <a:prstGeom prst="rect">
+                    <a:avLst/>
+                  </a:prstGeom>
+                </p:spPr>
+                <p:txBody>
+                  <a:bodyPr wrap="none">
+                    <a:spAutoFit/>
+                  </a:bodyPr>
+                  <a:lstStyle/>
+                  <a:p>
+                    <a:pPr/>
+                    <a14:m>
+                      <m:oMathPara xmlns:m="http://schemas.openxmlformats.org/officeDocument/2006/math">
+                        <m:oMathParaPr>
+                          <m:jc m:val="centerGroup"/>
+                        </m:oMathParaPr>
+                        <m:oMath xmlns:m="http://schemas.openxmlformats.org/officeDocument/2006/math">
+                          <m:f>
+                            <m:fPr>
+                              <m:ctrlPr>
+                                <a:rPr lang="en-US" i="1">
+                                  <a:latin typeface="Cambria Math" panose="02040503050406030204" pitchFamily="18" charset="0"/>
+                                </a:rPr>
+                              </m:ctrlPr>
+                            </m:fPr>
+                            <m:num>
+                              <m:r>
+                                <a:rPr lang="en-US" i="1">
+                                  <a:latin typeface="Cambria Math" panose="02040503050406030204" pitchFamily="18" charset="0"/>
+                                </a:rPr>
+                                <m:t>𝑑</m:t>
+                              </m:r>
+                              <m:d>
+                                <m:dPr>
+                                  <m:begChr m:val="["/>
+                                  <m:endChr m:val="]"/>
+                                  <m:ctrlPr>
+                                    <a:rPr lang="en-US" i="1">
+                                      <a:latin typeface="Cambria Math" panose="02040503050406030204" pitchFamily="18" charset="0"/>
+                                    </a:rPr>
+                                  </m:ctrlPr>
+                                </m:dPr>
+                                <m:e>
+                                  <m:sSup>
+                                    <m:sSupPr>
+                                      <m:ctrlPr>
+                                        <a:rPr lang="en-US" i="1">
+                                          <a:latin typeface="Cambria Math" panose="02040503050406030204" pitchFamily="18" charset="0"/>
+                                        </a:rPr>
+                                      </m:ctrlPr>
+                                    </m:sSupPr>
+                                    <m:e>
+                                      <m:r>
+                                        <a:rPr lang="en-US" i="1">
+                                          <a:latin typeface="Cambria Math" panose="02040503050406030204" pitchFamily="18" charset="0"/>
+                                        </a:rPr>
+                                        <m:t>h</m:t>
+                                      </m:r>
+                                    </m:e>
+                                    <m:sup>
+                                      <m:r>
+                                        <a:rPr lang="en-US" i="1">
+                                          <a:latin typeface="Cambria Math" panose="02040503050406030204" pitchFamily="18" charset="0"/>
+                                        </a:rPr>
+                                        <m:t>+</m:t>
+                                      </m:r>
+                                    </m:sup>
+                                  </m:sSup>
+                                </m:e>
+                              </m:d>
+                            </m:num>
+                            <m:den>
+                              <m:r>
+                                <a:rPr lang="en-US" i="1">
+                                  <a:latin typeface="Cambria Math" panose="02040503050406030204" pitchFamily="18" charset="0"/>
+                                </a:rPr>
+                                <m:t>𝑑𝑡</m:t>
+                              </m:r>
+                            </m:den>
+                          </m:f>
+                          <m:r>
+                            <a:rPr lang="en-US" i="1">
+                              <a:latin typeface="Cambria Math" panose="02040503050406030204" pitchFamily="18" charset="0"/>
+                            </a:rPr>
+                            <m:t>=−</m:t>
+                          </m:r>
+                          <m:sSub>
+                            <m:sSubPr>
+                              <m:ctrlPr>
+                                <a:rPr lang="en-US" i="1">
+                                  <a:latin typeface="Cambria Math" panose="02040503050406030204" pitchFamily="18" charset="0"/>
+                                </a:rPr>
+                              </m:ctrlPr>
+                            </m:sSubPr>
+                            <m:e>
+                              <m:r>
+                                <a:rPr lang="en-US" i="1">
+                                  <a:latin typeface="Cambria Math" panose="02040503050406030204" pitchFamily="18" charset="0"/>
+                                </a:rPr>
+                                <m:t>𝑘</m:t>
+                              </m:r>
+                            </m:e>
+                            <m:sub>
+                              <m:r>
+                                <a:rPr lang="en-US" i="1">
+                                  <a:latin typeface="Cambria Math" panose="02040503050406030204" pitchFamily="18" charset="0"/>
+                                </a:rPr>
+                                <m:t>3</m:t>
+                              </m:r>
+                            </m:sub>
+                          </m:sSub>
+                          <m:r>
+                            <a:rPr lang="en-US" i="1">
+                              <a:latin typeface="Cambria Math" panose="02040503050406030204" pitchFamily="18" charset="0"/>
+                            </a:rPr>
+                            <m:t>∗</m:t>
+                          </m:r>
+                          <m:sSup>
+                            <m:sSupPr>
+                              <m:ctrlPr>
+                                <a:rPr lang="en-US" i="1">
+                                  <a:latin typeface="Cambria Math" panose="02040503050406030204" pitchFamily="18" charset="0"/>
+                                </a:rPr>
+                              </m:ctrlPr>
+                            </m:sSupPr>
+                            <m:e>
+                              <m:r>
+                                <a:rPr lang="en-US" i="1">
+                                  <a:latin typeface="Cambria Math" panose="02040503050406030204" pitchFamily="18" charset="0"/>
+                                </a:rPr>
+                                <m:t>h</m:t>
+                              </m:r>
+                            </m:e>
+                            <m:sup>
+                              <m:r>
+                                <a:rPr lang="en-US" i="1">
+                                  <a:latin typeface="Cambria Math" panose="02040503050406030204" pitchFamily="18" charset="0"/>
+                                </a:rPr>
+                                <m:t>+</m:t>
+                              </m:r>
+                            </m:sup>
+                          </m:sSup>
+                        </m:oMath>
+                      </m:oMathPara>
+                    </a14:m>
+                    <a:endParaRPr lang="en-US" dirty="0"/>
+                  </a:p>
+                </p:txBody>
+              </p:sp>
+            </mc:Choice>
+            <mc:Fallback xmlns="">
+              <p:sp>
+                <p:nvSpPr>
+                  <p:cNvPr id="25" name="Rectangle 24">
+                    <a:extLst>
+                      <a:ext uri="{FF2B5EF4-FFF2-40B4-BE49-F238E27FC236}">
+                        <a16:creationId xmlns:a16="http://schemas.microsoft.com/office/drawing/2014/main" id="{6301F926-44E0-274E-A11A-4BAC9F8E82E9}"/>
+                      </a:ext>
+                    </a:extLst>
+                  </p:cNvPr>
+                  <p:cNvSpPr>
+                    <a:spLocks noRot="1" noChangeAspect="1" noMove="1" noResize="1" noEditPoints="1" noAdjustHandles="1" noChangeArrowheads="1" noChangeShapeType="1" noTextEdit="1"/>
+                  </p:cNvSpPr>
+                  <p:nvPr/>
+                </p:nvSpPr>
+                <p:spPr>
+                  <a:xfrm>
+                    <a:off x="5927447" y="4552968"/>
+                    <a:ext cx="1989967" cy="639278"/>
+                  </a:xfrm>
+                  <a:prstGeom prst="rect">
+                    <a:avLst/>
+                  </a:prstGeom>
+                  <a:blipFill>
+                    <a:blip r:embed="rId11"/>
+                    <a:stretch>
+                      <a:fillRect b="-1961"/>
+                    </a:stretch>
+                  </a:blipFill>
+                </p:spPr>
+                <p:txBody>
+                  <a:bodyPr/>
+                  <a:lstStyle/>
+                  <a:p>
+                    <a:r>
+                      <a:rPr lang="en-US">
+                        <a:noFill/>
+                      </a:rPr>
+                      <a:t> </a:t>
+                    </a:r>
+                  </a:p>
+                </p:txBody>
+              </p:sp>
+            </mc:Fallback>
+          </mc:AlternateContent>
+          <mc:AlternateContent xmlns:mc="http://schemas.openxmlformats.org/markup-compatibility/2006" xmlns:a14="http://schemas.microsoft.com/office/drawing/2010/main">
+            <mc:Choice Requires="a14">
+              <p:sp>
+                <p:nvSpPr>
+                  <p:cNvPr id="26" name="Rectangle 25">
+                    <a:extLst>
+                      <a:ext uri="{FF2B5EF4-FFF2-40B4-BE49-F238E27FC236}">
+                        <a16:creationId xmlns:a16="http://schemas.microsoft.com/office/drawing/2014/main" id="{D37EE3F9-D1C0-064B-A31A-98B9956DC33D}"/>
+                      </a:ext>
+                    </a:extLst>
+                  </p:cNvPr>
+                  <p:cNvSpPr/>
+                  <p:nvPr/>
+                </p:nvSpPr>
+                <p:spPr>
+                  <a:xfrm>
+                    <a:off x="5927447" y="5475735"/>
+                    <a:ext cx="3633944" cy="630429"/>
+                  </a:xfrm>
+                  <a:prstGeom prst="rect">
+                    <a:avLst/>
+                  </a:prstGeom>
+                </p:spPr>
+                <p:txBody>
+                  <a:bodyPr wrap="none">
+                    <a:spAutoFit/>
+                  </a:bodyPr>
+                  <a:lstStyle/>
+                  <a:p>
+                    <a:pPr/>
+                    <a14:m>
+                      <m:oMathPara xmlns:m="http://schemas.openxmlformats.org/officeDocument/2006/math">
+                        <m:oMathParaPr>
+                          <m:jc m:val="centerGroup"/>
+                        </m:oMathParaPr>
+                        <m:oMath xmlns:m="http://schemas.openxmlformats.org/officeDocument/2006/math">
+                          <m:f>
+                            <m:fPr>
+                              <m:ctrlPr>
+                                <a:rPr lang="en-US" i="1">
+                                  <a:latin typeface="Cambria Math" panose="02040503050406030204" pitchFamily="18" charset="0"/>
+                                </a:rPr>
+                              </m:ctrlPr>
+                            </m:fPr>
+                            <m:num>
+                              <m:r>
+                                <a:rPr lang="en-US" i="1">
+                                  <a:latin typeface="Cambria Math" panose="02040503050406030204" pitchFamily="18" charset="0"/>
+                                </a:rPr>
+                                <m:t>𝑑</m:t>
+                              </m:r>
+                              <m:d>
+                                <m:dPr>
+                                  <m:begChr m:val="["/>
+                                  <m:endChr m:val="]"/>
+                                  <m:ctrlPr>
+                                    <a:rPr lang="en-US" i="1">
+                                      <a:latin typeface="Cambria Math" panose="02040503050406030204" pitchFamily="18" charset="0"/>
+                                    </a:rPr>
+                                  </m:ctrlPr>
+                                </m:dPr>
+                                <m:e>
+                                  <m:r>
+                                    <a:rPr lang="en-US" i="1">
+                                      <a:latin typeface="Cambria Math" panose="02040503050406030204" pitchFamily="18" charset="0"/>
+                                    </a:rPr>
+                                    <m:t>𝑜𝑢𝑡𝑠𝑖𝑑𝑒</m:t>
+                                  </m:r>
+                                  <m:r>
+                                    <a:rPr lang="en-US" i="1">
+                                      <a:latin typeface="Cambria Math" panose="02040503050406030204" pitchFamily="18" charset="0"/>
+                                    </a:rPr>
+                                    <m:t>_</m:t>
+                                  </m:r>
+                                  <m:r>
+                                    <a:rPr lang="en-US" i="1">
+                                      <a:latin typeface="Cambria Math" panose="02040503050406030204" pitchFamily="18" charset="0"/>
+                                    </a:rPr>
+                                    <m:t>𝐻</m:t>
+                                  </m:r>
+                                </m:e>
+                              </m:d>
+                            </m:num>
+                            <m:den>
+                              <m:r>
+                                <a:rPr lang="en-US" i="1">
+                                  <a:latin typeface="Cambria Math" panose="02040503050406030204" pitchFamily="18" charset="0"/>
+                                </a:rPr>
+                                <m:t>𝑑𝑡</m:t>
+                              </m:r>
+                            </m:den>
+                          </m:f>
+                          <m:r>
+                            <a:rPr lang="en-US" i="1">
+                              <a:latin typeface="Cambria Math" panose="02040503050406030204" pitchFamily="18" charset="0"/>
+                            </a:rPr>
+                            <m:t>=</m:t>
+                          </m:r>
+                          <m:r>
+                            <a:rPr lang="en-US" i="1">
+                              <a:latin typeface="Cambria Math" panose="02040503050406030204" pitchFamily="18" charset="0"/>
+                            </a:rPr>
+                            <m:t>𝑐𝑜𝑛𝑡𝑟𝑜𝑙</m:t>
+                          </m:r>
+                          <m:r>
+                            <a:rPr lang="en-US" i="1">
+                              <a:latin typeface="Cambria Math" panose="02040503050406030204" pitchFamily="18" charset="0"/>
+                            </a:rPr>
+                            <m:t> </m:t>
+                          </m:r>
+                          <m:r>
+                            <a:rPr lang="en-US" i="1">
+                              <a:latin typeface="Cambria Math" panose="02040503050406030204" pitchFamily="18" charset="0"/>
+                            </a:rPr>
+                            <m:t>𝑓𝑢𝑛𝑐𝑡𝑖𝑜𝑛</m:t>
+                          </m:r>
+                        </m:oMath>
+                      </m:oMathPara>
+                    </a14:m>
+                    <a:endParaRPr lang="en-US" dirty="0">
+                      <a:latin typeface="Avenir Book" panose="02000503020000020003" pitchFamily="2" charset="0"/>
+                    </a:endParaRPr>
+                  </a:p>
+                </p:txBody>
+              </p:sp>
+            </mc:Choice>
+            <mc:Fallback xmlns="">
+              <p:sp>
+                <p:nvSpPr>
+                  <p:cNvPr id="26" name="Rectangle 25">
+                    <a:extLst>
+                      <a:ext uri="{FF2B5EF4-FFF2-40B4-BE49-F238E27FC236}">
+                        <a16:creationId xmlns:a16="http://schemas.microsoft.com/office/drawing/2014/main" id="{D37EE3F9-D1C0-064B-A31A-98B9956DC33D}"/>
+                      </a:ext>
+                    </a:extLst>
+                  </p:cNvPr>
+                  <p:cNvSpPr>
+                    <a:spLocks noRot="1" noChangeAspect="1" noMove="1" noResize="1" noEditPoints="1" noAdjustHandles="1" noChangeArrowheads="1" noChangeShapeType="1" noTextEdit="1"/>
+                  </p:cNvSpPr>
+                  <p:nvPr/>
+                </p:nvSpPr>
+                <p:spPr>
+                  <a:xfrm>
+                    <a:off x="5927447" y="5475735"/>
+                    <a:ext cx="3633944" cy="630429"/>
+                  </a:xfrm>
+                  <a:prstGeom prst="rect">
+                    <a:avLst/>
+                  </a:prstGeom>
+                  <a:blipFill>
+                    <a:blip r:embed="rId12"/>
+                    <a:stretch>
+                      <a:fillRect b="-3922"/>
+                    </a:stretch>
+                  </a:blipFill>
+                </p:spPr>
+                <p:txBody>
+                  <a:bodyPr/>
+                  <a:lstStyle/>
+                  <a:p>
+                    <a:r>
+                      <a:rPr lang="en-US">
+                        <a:noFill/>
+                      </a:rPr>
+                      <a:t> </a:t>
+                    </a:r>
+                  </a:p>
+                </p:txBody>
+              </p:sp>
+            </mc:Fallback>
+          </mc:AlternateContent>
+        </p:grpSp>
       </p:grpSp>
       <p:pic>
         <p:nvPicPr>
@@ -13498,7 +13765,7 @@
                                           </p:stCondLst>
                                         </p:cTn>
                                         <p:tgtEl>
-                                          <p:spTgt spid="27"/>
+                                          <p:spTgt spid="3"/>
                                         </p:tgtEl>
                                         <p:attrNameLst>
                                           <p:attrName>style.visibility</p:attrName>
@@ -13542,7 +13809,7 @@
 </p:sld>
 </file>
 
-<file path=ppt/slides/slide15.xml><?xml version="1.0" encoding="utf-8"?>
+<file path=ppt/slides/slide14.xml><?xml version="1.0" encoding="utf-8"?>
 <p:sld xmlns:a="http://schemas.openxmlformats.org/drawingml/2006/main" xmlns:r="http://schemas.openxmlformats.org/officeDocument/2006/relationships" xmlns:p="http://schemas.openxmlformats.org/presentationml/2006/main">
   <p:cSld>
     <p:spTree>
@@ -14127,8 +14394,8 @@
             <a:chExt cx="3381760" cy="3153655"/>
           </a:xfrm>
         </p:grpSpPr>
-        <mc:AlternateContent xmlns:mc="http://schemas.openxmlformats.org/markup-compatibility/2006">
-          <mc:Choice xmlns:a14="http://schemas.microsoft.com/office/drawing/2010/main" Requires="a14">
+        <mc:AlternateContent xmlns:mc="http://schemas.openxmlformats.org/markup-compatibility/2006" xmlns:a14="http://schemas.microsoft.com/office/drawing/2010/main">
+          <mc:Choice Requires="a14">
             <p:sp>
               <p:nvSpPr>
                 <p:cNvPr id="29" name="Rectangle 28">
@@ -14297,7 +14564,7 @@
               </p:txBody>
             </p:sp>
           </mc:Choice>
-          <mc:Fallback>
+          <mc:Fallback xmlns="">
             <p:sp>
               <p:nvSpPr>
                 <p:cNvPr id="29" name="Rectangle 28">
@@ -14342,8 +14609,8 @@
             </p:sp>
           </mc:Fallback>
         </mc:AlternateContent>
-        <mc:AlternateContent xmlns:mc="http://schemas.openxmlformats.org/markup-compatibility/2006">
-          <mc:Choice xmlns:a14="http://schemas.microsoft.com/office/drawing/2010/main" Requires="a14">
+        <mc:AlternateContent xmlns:mc="http://schemas.openxmlformats.org/markup-compatibility/2006" xmlns:a14="http://schemas.microsoft.com/office/drawing/2010/main">
+          <mc:Choice Requires="a14">
             <p:sp>
               <p:nvSpPr>
                 <p:cNvPr id="30" name="Rectangle 29">
@@ -14545,7 +14812,7 @@
               </p:txBody>
             </p:sp>
           </mc:Choice>
-          <mc:Fallback>
+          <mc:Fallback xmlns="">
             <p:sp>
               <p:nvSpPr>
                 <p:cNvPr id="30" name="Rectangle 29">
@@ -14590,8 +14857,8 @@
             </p:sp>
           </mc:Fallback>
         </mc:AlternateContent>
-        <mc:AlternateContent xmlns:mc="http://schemas.openxmlformats.org/markup-compatibility/2006">
-          <mc:Choice xmlns:a14="http://schemas.microsoft.com/office/drawing/2010/main" Requires="a14">
+        <mc:AlternateContent xmlns:mc="http://schemas.openxmlformats.org/markup-compatibility/2006" xmlns:a14="http://schemas.microsoft.com/office/drawing/2010/main">
+          <mc:Choice Requires="a14">
             <p:sp>
               <p:nvSpPr>
                 <p:cNvPr id="31" name="Rectangle 30">
@@ -14837,7 +15104,7 @@
               </p:txBody>
             </p:sp>
           </mc:Choice>
-          <mc:Fallback>
+          <mc:Fallback xmlns="">
             <p:sp>
               <p:nvSpPr>
                 <p:cNvPr id="31" name="Rectangle 30">
@@ -14882,8 +15149,8 @@
             </p:sp>
           </mc:Fallback>
         </mc:AlternateContent>
-        <mc:AlternateContent xmlns:mc="http://schemas.openxmlformats.org/markup-compatibility/2006">
-          <mc:Choice xmlns:a14="http://schemas.microsoft.com/office/drawing/2010/main" Requires="a14">
+        <mc:AlternateContent xmlns:mc="http://schemas.openxmlformats.org/markup-compatibility/2006" xmlns:a14="http://schemas.microsoft.com/office/drawing/2010/main">
+          <mc:Choice Requires="a14">
             <p:sp>
               <p:nvSpPr>
                 <p:cNvPr id="32" name="Rectangle 31">
@@ -15059,7 +15326,7 @@
               </p:txBody>
             </p:sp>
           </mc:Choice>
-          <mc:Fallback>
+          <mc:Fallback xmlns="">
             <p:sp>
               <p:nvSpPr>
                 <p:cNvPr id="32" name="Rectangle 31">
@@ -15223,7 +15490,7 @@
 </p:sld>
 </file>
 
-<file path=ppt/slides/slide16.xml><?xml version="1.0" encoding="utf-8"?>
+<file path=ppt/slides/slide15.xml><?xml version="1.0" encoding="utf-8"?>
 <p:sld xmlns:a="http://schemas.openxmlformats.org/drawingml/2006/main" xmlns:r="http://schemas.openxmlformats.org/officeDocument/2006/relationships" xmlns:p="http://schemas.openxmlformats.org/presentationml/2006/main">
   <p:cSld>
     <p:spTree>
@@ -15379,7 +15646,7 @@
         </p:nvSpPr>
         <p:spPr>
           <a:xfrm>
-            <a:off x="6465518" y="5914050"/>
+            <a:off x="6452266" y="4217772"/>
             <a:ext cx="2542783" cy="369332"/>
           </a:xfrm>
           <a:prstGeom prst="rect">
@@ -15432,6 +15699,67 @@
           </a:prstGeom>
         </p:spPr>
       </p:pic>
+      <p:sp>
+        <p:nvSpPr>
+          <p:cNvPr id="9" name="TextBox 8">
+            <a:extLst>
+              <a:ext uri="{FF2B5EF4-FFF2-40B4-BE49-F238E27FC236}">
+                <a16:creationId xmlns:a16="http://schemas.microsoft.com/office/drawing/2014/main" id="{520A5F99-23D1-8641-9120-CDBD5D1B18BC}"/>
+              </a:ext>
+            </a:extLst>
+          </p:cNvPr>
+          <p:cNvSpPr txBox="1"/>
+          <p:nvPr/>
+        </p:nvSpPr>
+        <p:spPr>
+          <a:xfrm>
+            <a:off x="6452266" y="4860428"/>
+            <a:ext cx="3380847" cy="923330"/>
+          </a:xfrm>
+          <a:prstGeom prst="rect">
+            <a:avLst/>
+          </a:prstGeom>
+          <a:noFill/>
+        </p:spPr>
+        <p:txBody>
+          <a:bodyPr wrap="square" rtlCol="0">
+            <a:spAutoFit/>
+          </a:bodyPr>
+          <a:lstStyle/>
+          <a:p>
+            <a:r>
+              <a:rPr lang="en-US" dirty="0">
+                <a:latin typeface="Avenir Book" panose="02000503020000020003" pitchFamily="2" charset="0"/>
+              </a:rPr>
+              <a:t>Add complexity</a:t>
+            </a:r>
+          </a:p>
+          <a:p>
+            <a:pPr marL="285750" indent="-285750">
+              <a:buFontTx/>
+              <a:buChar char="-"/>
+            </a:pPr>
+            <a:r>
+              <a:rPr lang="en-US" dirty="0">
+                <a:latin typeface="Avenir Book" panose="02000503020000020003" pitchFamily="2" charset="0"/>
+              </a:rPr>
+              <a:t>Protein folding</a:t>
+            </a:r>
+          </a:p>
+          <a:p>
+            <a:pPr marL="285750" indent="-285750">
+              <a:buFontTx/>
+              <a:buChar char="-"/>
+            </a:pPr>
+            <a:r>
+              <a:rPr lang="en-US" dirty="0">
+                <a:latin typeface="Avenir Book" panose="02000503020000020003" pitchFamily="2" charset="0"/>
+              </a:rPr>
+              <a:t>Membrane integration</a:t>
+            </a:r>
+          </a:p>
+        </p:txBody>
+      </p:sp>
     </p:spTree>
     <p:extLst>
       <p:ext uri="{BB962C8B-B14F-4D97-AF65-F5344CB8AC3E}">
@@ -15442,10 +15770,88 @@
   <p:clrMapOvr>
     <a:masterClrMapping/>
   </p:clrMapOvr>
+  <p:timing>
+    <p:tnLst>
+      <p:par>
+        <p:cTn id="1" dur="indefinite" restart="never" nodeType="tmRoot">
+          <p:childTnLst>
+            <p:seq concurrent="1" nextAc="seek">
+              <p:cTn id="2" dur="indefinite" nodeType="mainSeq">
+                <p:childTnLst>
+                  <p:par>
+                    <p:cTn id="3" fill="hold">
+                      <p:stCondLst>
+                        <p:cond delay="indefinite"/>
+                      </p:stCondLst>
+                      <p:childTnLst>
+                        <p:par>
+                          <p:cTn id="4" fill="hold">
+                            <p:stCondLst>
+                              <p:cond delay="0"/>
+                            </p:stCondLst>
+                            <p:childTnLst>
+                              <p:par>
+                                <p:cTn id="5" presetID="1" presetClass="entr" presetSubtype="0" fill="hold" grpId="0" nodeType="clickEffect">
+                                  <p:stCondLst>
+                                    <p:cond delay="0"/>
+                                  </p:stCondLst>
+                                  <p:childTnLst>
+                                    <p:set>
+                                      <p:cBhvr>
+                                        <p:cTn id="6" dur="1" fill="hold">
+                                          <p:stCondLst>
+                                            <p:cond delay="0"/>
+                                          </p:stCondLst>
+                                        </p:cTn>
+                                        <p:tgtEl>
+                                          <p:spTgt spid="9"/>
+                                        </p:tgtEl>
+                                        <p:attrNameLst>
+                                          <p:attrName>style.visibility</p:attrName>
+                                        </p:attrNameLst>
+                                      </p:cBhvr>
+                                      <p:to>
+                                        <p:strVal val="visible"/>
+                                      </p:to>
+                                    </p:set>
+                                  </p:childTnLst>
+                                </p:cTn>
+                              </p:par>
+                            </p:childTnLst>
+                          </p:cTn>
+                        </p:par>
+                      </p:childTnLst>
+                    </p:cTn>
+                  </p:par>
+                </p:childTnLst>
+              </p:cTn>
+              <p:prevCondLst>
+                <p:cond evt="onPrev" delay="0">
+                  <p:tgtEl>
+                    <p:sldTgt/>
+                  </p:tgtEl>
+                </p:cond>
+              </p:prevCondLst>
+              <p:nextCondLst>
+                <p:cond evt="onNext" delay="0">
+                  <p:tgtEl>
+                    <p:sldTgt/>
+                  </p:tgtEl>
+                </p:cond>
+              </p:nextCondLst>
+            </p:seq>
+          </p:childTnLst>
+        </p:cTn>
+      </p:par>
+    </p:tnLst>
+    <p:bldLst>
+      <p:bldP spid="9" grpId="0"/>
+    </p:bldLst>
+  </p:timing>
 </p:sld>
 </file>
 
-<file path=ppt/slides/slide17.xml><?xml version="1.0" encoding="utf-8"?>
+<file path=ppt/slides/slide16.xml><?xml version="1.0" encoding="utf-8"?>
 <p:sld xmlns:a="http://schemas.openxmlformats.org/drawingml/2006/main" xmlns:r="http://schemas.openxmlformats.org/officeDocument/2006/relationships" xmlns:p="http://schemas.openxmlformats.org/presentationml/2006/main">
   <p:cSld>
     <p:spTree>
@@ -15615,7 +16021,7 @@
 </p:sld>
 </file>
 
-<file path=ppt/slides/slide18.xml><?xml version="1.0" encoding="utf-8"?>
+<file path=ppt/slides/slide17.xml><?xml version="1.0" encoding="utf-8"?>
 <p:sld xmlns:a="http://schemas.openxmlformats.org/drawingml/2006/main" xmlns:r="http://schemas.openxmlformats.org/officeDocument/2006/relationships" xmlns:p="http://schemas.openxmlformats.org/presentationml/2006/main">
   <p:cSld>
     <p:spTree>
@@ -18130,8 +18536,49 @@
           <a:p>
             <a:r>
               <a:rPr lang="en-US" sz="3200" b="1" dirty="0"/>
-              <a:t>Rheostat Model Output</a:t>
-            </a:r>
+              <a:t>Rheostat Model Output </a:t>
+            </a:r>
+            <a:r>
+              <a:rPr lang="en-US" sz="3200" b="1" dirty="0">
+                <a:solidFill>
+                  <a:srgbClr val="FF0000"/>
+                </a:solidFill>
+              </a:rPr>
+              <a:t>add </a:t>
+            </a:r>
+            <a:r>
+              <a:rPr lang="en-US" sz="3200" b="1" dirty="0" err="1">
+                <a:solidFill>
+                  <a:srgbClr val="FF0000"/>
+                </a:solidFill>
+              </a:rPr>
+              <a:t>isob</a:t>
+            </a:r>
+            <a:r>
+              <a:rPr lang="en-US" sz="3200" b="1" dirty="0">
+                <a:solidFill>
+                  <a:srgbClr val="FF0000"/>
+                </a:solidFill>
+              </a:rPr>
+              <a:t> toxicity to membrane protein folding/</a:t>
+            </a:r>
+            <a:r>
+              <a:rPr lang="en-US" sz="3200" b="1" dirty="0" err="1">
+                <a:solidFill>
+                  <a:srgbClr val="FF0000"/>
+                </a:solidFill>
+              </a:rPr>
+              <a:t>txtl</a:t>
+            </a:r>
+            <a:r>
+              <a:rPr lang="en-US" sz="3200" b="1" dirty="0">
+                <a:solidFill>
+                  <a:srgbClr val="FF0000"/>
+                </a:solidFill>
+              </a:rPr>
+              <a:t> here</a:t>
+            </a:r>
+            <a:endParaRPr lang="en-US" sz="3200" b="1" dirty="0"/>
           </a:p>
         </p:txBody>
       </p:sp>
@@ -18170,7 +18617,7 @@
             <p:nvPr/>
           </p:nvPicPr>
           <p:blipFill>
-            <a:blip r:embed="rId2"/>
+            <a:blip r:embed="rId3"/>
             <a:stretch>
               <a:fillRect/>
             </a:stretch>
@@ -18200,7 +18647,7 @@
             <p:nvPr/>
           </p:nvPicPr>
           <p:blipFill>
-            <a:blip r:embed="rId3"/>
+            <a:blip r:embed="rId4"/>
             <a:stretch>
               <a:fillRect/>
             </a:stretch>
@@ -18270,7 +18717,7 @@
             <p:nvPr/>
           </p:nvPicPr>
           <p:blipFill>
-            <a:blip r:embed="rId4"/>
+            <a:blip r:embed="rId5"/>
             <a:stretch>
               <a:fillRect/>
             </a:stretch>
@@ -18300,7 +18747,7 @@
             <p:nvPr/>
           </p:nvPicPr>
           <p:blipFill>
-            <a:blip r:embed="rId5"/>
+            <a:blip r:embed="rId6"/>
             <a:stretch>
               <a:fillRect/>
             </a:stretch>
@@ -18331,7 +18778,7 @@
           <p:nvPr/>
         </p:nvPicPr>
         <p:blipFill>
-          <a:blip r:embed="rId6"/>
+          <a:blip r:embed="rId7"/>
           <a:stretch>
             <a:fillRect/>
           </a:stretch>
@@ -18861,7 +19308,7 @@
           <a:p>
             <a:r>
               <a:rPr lang="en-US" sz="1800" dirty="0"/>
-              <a:t>High error for proposed reduced models</a:t>
+              <a:t>High error for some proposed reduced models</a:t>
             </a:r>
           </a:p>
           <a:p>
@@ -19295,16 +19742,13 @@
           <a:p>
             <a:r>
               <a:rPr lang="en-US" sz="3200" b="1" dirty="0"/>
-              <a:t>Minimal model progress </a:t>
-            </a:r>
-            <a:r>
-              <a:rPr lang="en-US" sz="3200" dirty="0">
-                <a:solidFill>
-                  <a:srgbClr val="FF0000"/>
-                </a:solidFill>
-              </a:rPr>
-              <a:t>data from other papers?</a:t>
-            </a:r>
+              <a:t>Minimal model progress</a:t>
+            </a:r>
+            <a:endParaRPr lang="en-US" sz="3200" dirty="0">
+              <a:solidFill>
+                <a:srgbClr val="FF0000"/>
+              </a:solidFill>
+            </a:endParaRPr>
           </a:p>
         </p:txBody>
       </p:sp>
@@ -19323,15 +19767,15 @@
           <p:nvPr/>
         </p:nvPicPr>
         <p:blipFill>
-          <a:blip r:embed="rId2"/>
+          <a:blip r:embed="rId3"/>
           <a:stretch>
             <a:fillRect/>
           </a:stretch>
         </p:blipFill>
         <p:spPr>
           <a:xfrm>
-            <a:off x="434955" y="1243772"/>
-            <a:ext cx="4975245" cy="3657600"/>
+            <a:off x="1108213" y="1274371"/>
+            <a:ext cx="4353339" cy="3200400"/>
           </a:xfrm>
           <a:prstGeom prst="rect">
             <a:avLst/>
@@ -19353,23 +19797,23 @@
           <p:nvPr/>
         </p:nvPicPr>
         <p:blipFill>
-          <a:blip r:embed="rId3"/>
+          <a:blip r:embed="rId4"/>
           <a:stretch>
             <a:fillRect/>
           </a:stretch>
         </p:blipFill>
         <p:spPr>
           <a:xfrm>
-            <a:off x="5834032" y="1243772"/>
-            <a:ext cx="4975245" cy="3657600"/>
+            <a:off x="6507290" y="1274371"/>
+            <a:ext cx="4353339" cy="3200400"/>
           </a:xfrm>
           <a:prstGeom prst="rect">
             <a:avLst/>
           </a:prstGeom>
         </p:spPr>
       </p:pic>
-      <mc:AlternateContent xmlns:mc="http://schemas.openxmlformats.org/markup-compatibility/2006" xmlns:a14="http://schemas.microsoft.com/office/drawing/2010/main">
-        <mc:Choice Requires="a14">
+      <mc:AlternateContent xmlns:mc="http://schemas.openxmlformats.org/markup-compatibility/2006">
+        <mc:Choice xmlns:a14="http://schemas.microsoft.com/office/drawing/2010/main" Requires="a14">
           <p:sp>
             <p:nvSpPr>
               <p:cNvPr id="10" name="TextBox 9">
@@ -19384,7 +19828,7 @@
             </p:nvSpPr>
             <p:spPr>
               <a:xfrm>
-                <a:off x="1108213" y="5475728"/>
+                <a:off x="1770493" y="4856485"/>
                 <a:ext cx="3028778" cy="538096"/>
               </a:xfrm>
               <a:prstGeom prst="rect">
@@ -19506,7 +19950,7 @@
             </p:txBody>
           </p:sp>
         </mc:Choice>
-        <mc:Fallback xmlns="">
+        <mc:Fallback>
           <p:sp>
             <p:nvSpPr>
               <p:cNvPr id="10" name="TextBox 9">
@@ -19523,14 +19967,14 @@
             </p:nvSpPr>
             <p:spPr>
               <a:xfrm>
-                <a:off x="1108213" y="5475728"/>
+                <a:off x="1770493" y="4856485"/>
                 <a:ext cx="3028778" cy="538096"/>
               </a:xfrm>
               <a:prstGeom prst="rect">
                 <a:avLst/>
               </a:prstGeom>
               <a:blipFill>
-                <a:blip r:embed="rId4"/>
+                <a:blip r:embed="rId5"/>
                 <a:stretch>
                   <a:fillRect l="-1250" r="-2083" b="-13636"/>
                 </a:stretch>
@@ -19551,8 +19995,8 @@
           </p:sp>
         </mc:Fallback>
       </mc:AlternateContent>
-      <mc:AlternateContent xmlns:mc="http://schemas.openxmlformats.org/markup-compatibility/2006" xmlns:a14="http://schemas.microsoft.com/office/drawing/2010/main">
-        <mc:Choice Requires="a14">
+      <mc:AlternateContent xmlns:mc="http://schemas.openxmlformats.org/markup-compatibility/2006">
+        <mc:Choice xmlns:a14="http://schemas.microsoft.com/office/drawing/2010/main" Requires="a14">
           <p:sp>
             <p:nvSpPr>
               <p:cNvPr id="11" name="TextBox 10">
@@ -19567,7 +20011,7 @@
             </p:nvSpPr>
             <p:spPr>
               <a:xfrm>
-                <a:off x="6935856" y="5475728"/>
+                <a:off x="7038989" y="4646224"/>
                 <a:ext cx="3289940" cy="538096"/>
               </a:xfrm>
               <a:prstGeom prst="rect">
@@ -19689,7 +20133,7 @@
             </p:txBody>
           </p:sp>
         </mc:Choice>
-        <mc:Fallback xmlns="">
+        <mc:Fallback>
           <p:sp>
             <p:nvSpPr>
               <p:cNvPr id="11" name="TextBox 10">
@@ -19706,16 +20150,16 @@
             </p:nvSpPr>
             <p:spPr>
               <a:xfrm>
-                <a:off x="6935856" y="5475728"/>
+                <a:off x="7038989" y="4646224"/>
                 <a:ext cx="3289940" cy="538096"/>
               </a:xfrm>
               <a:prstGeom prst="rect">
                 <a:avLst/>
               </a:prstGeom>
               <a:blipFill>
-                <a:blip r:embed="rId5"/>
+                <a:blip r:embed="rId6"/>
                 <a:stretch>
-                  <a:fillRect l="-1154" r="-1923" b="-13636"/>
+                  <a:fillRect l="-769" r="-1923" b="-13953"/>
                 </a:stretch>
               </a:blipFill>
             </p:spPr>
@@ -19734,8 +20178,8 @@
           </p:sp>
         </mc:Fallback>
       </mc:AlternateContent>
-      <mc:AlternateContent xmlns:mc="http://schemas.openxmlformats.org/markup-compatibility/2006" xmlns:a14="http://schemas.microsoft.com/office/drawing/2010/main">
-        <mc:Choice Requires="a14">
+      <mc:AlternateContent xmlns:mc="http://schemas.openxmlformats.org/markup-compatibility/2006">
+        <mc:Choice xmlns:a14="http://schemas.microsoft.com/office/drawing/2010/main" Requires="a14">
           <p:sp>
             <p:nvSpPr>
               <p:cNvPr id="12" name="TextBox 11">
@@ -19750,7 +20194,7 @@
             </p:nvSpPr>
             <p:spPr>
               <a:xfrm>
-                <a:off x="7732912" y="6247579"/>
+                <a:off x="7627321" y="5628283"/>
                 <a:ext cx="2113271" cy="219227"/>
               </a:xfrm>
               <a:prstGeom prst="rect">
@@ -19847,7 +20291,7 @@
             </p:txBody>
           </p:sp>
         </mc:Choice>
-        <mc:Fallback xmlns="">
+        <mc:Fallback>
           <p:sp>
             <p:nvSpPr>
               <p:cNvPr id="12" name="TextBox 11">
@@ -19864,16 +20308,16 @@
             </p:nvSpPr>
             <p:spPr>
               <a:xfrm>
-                <a:off x="7732912" y="6247579"/>
+                <a:off x="7627321" y="5628283"/>
                 <a:ext cx="2113271" cy="219227"/>
               </a:xfrm>
               <a:prstGeom prst="rect">
                 <a:avLst/>
               </a:prstGeom>
               <a:blipFill>
-                <a:blip r:embed="rId6"/>
+                <a:blip r:embed="rId7"/>
                 <a:stretch>
-                  <a:fillRect l="-2395" t="-5882" r="-2994" b="-41176"/>
+                  <a:fillRect l="-2395" r="-2395" b="-38889"/>
                 </a:stretch>
               </a:blipFill>
             </p:spPr>
@@ -19892,8 +20336,8 @@
           </p:sp>
         </mc:Fallback>
       </mc:AlternateContent>
-      <mc:AlternateContent xmlns:mc="http://schemas.openxmlformats.org/markup-compatibility/2006" xmlns:a14="http://schemas.microsoft.com/office/drawing/2010/main">
-        <mc:Choice Requires="a14">
+      <mc:AlternateContent xmlns:mc="http://schemas.openxmlformats.org/markup-compatibility/2006">
+        <mc:Choice xmlns:a14="http://schemas.microsoft.com/office/drawing/2010/main" Requires="a14">
           <p:sp>
             <p:nvSpPr>
               <p:cNvPr id="13" name="TextBox 12">
@@ -19908,7 +20352,7 @@
             </p:nvSpPr>
             <p:spPr>
               <a:xfrm>
-                <a:off x="1723052" y="6314392"/>
+                <a:off x="2615917" y="5742344"/>
                 <a:ext cx="1337930" cy="219227"/>
               </a:xfrm>
               <a:prstGeom prst="rect">
@@ -19996,7 +20440,7 @@
             </p:txBody>
           </p:sp>
         </mc:Choice>
-        <mc:Fallback xmlns="">
+        <mc:Fallback>
           <p:sp>
             <p:nvSpPr>
               <p:cNvPr id="13" name="TextBox 12">
@@ -20013,16 +20457,16 @@
             </p:nvSpPr>
             <p:spPr>
               <a:xfrm>
-                <a:off x="1723052" y="6314392"/>
+                <a:off x="2615917" y="5742344"/>
                 <a:ext cx="1337930" cy="219227"/>
               </a:xfrm>
               <a:prstGeom prst="rect">
                 <a:avLst/>
               </a:prstGeom>
               <a:blipFill>
-                <a:blip r:embed="rId7"/>
+                <a:blip r:embed="rId8"/>
                 <a:stretch>
-                  <a:fillRect l="-5660" t="-22222" r="-6604" b="-44444"/>
+                  <a:fillRect l="-5660" t="-22222" r="-7547" b="-50000"/>
                 </a:stretch>
               </a:blipFill>
             </p:spPr>
@@ -20041,8 +20485,8 @@
           </p:sp>
         </mc:Fallback>
       </mc:AlternateContent>
-      <mc:AlternateContent xmlns:mc="http://schemas.openxmlformats.org/markup-compatibility/2006" xmlns:a14="http://schemas.microsoft.com/office/drawing/2010/main">
-        <mc:Choice Requires="a14">
+      <mc:AlternateContent xmlns:mc="http://schemas.openxmlformats.org/markup-compatibility/2006">
+        <mc:Choice xmlns:a14="http://schemas.microsoft.com/office/drawing/2010/main" Requires="a14">
           <p:sp>
             <p:nvSpPr>
               <p:cNvPr id="14" name="TextBox 13">
@@ -20057,7 +20501,7 @@
             </p:nvSpPr>
             <p:spPr>
               <a:xfrm>
-                <a:off x="2922577" y="2569335"/>
+                <a:off x="2810329" y="6175911"/>
                 <a:ext cx="949106" cy="215444"/>
               </a:xfrm>
               <a:prstGeom prst="rect">
@@ -20117,7 +20561,7 @@
             </p:txBody>
           </p:sp>
         </mc:Choice>
-        <mc:Fallback xmlns="">
+        <mc:Fallback>
           <p:sp>
             <p:nvSpPr>
               <p:cNvPr id="14" name="TextBox 13">
@@ -20134,14 +20578,14 @@
             </p:nvSpPr>
             <p:spPr>
               <a:xfrm>
-                <a:off x="2922577" y="2569335"/>
+                <a:off x="2810329" y="6175911"/>
                 <a:ext cx="949106" cy="215444"/>
               </a:xfrm>
               <a:prstGeom prst="rect">
                 <a:avLst/>
               </a:prstGeom>
               <a:blipFill>
-                <a:blip r:embed="rId8"/>
+                <a:blip r:embed="rId9"/>
                 <a:stretch>
                   <a:fillRect l="-3947" r="-2632" b="-11111"/>
                 </a:stretch>
@@ -20162,8 +20606,8 @@
           </p:sp>
         </mc:Fallback>
       </mc:AlternateContent>
-      <mc:AlternateContent xmlns:mc="http://schemas.openxmlformats.org/markup-compatibility/2006" xmlns:a14="http://schemas.microsoft.com/office/drawing/2010/main">
-        <mc:Choice Requires="a14">
+      <mc:AlternateContent xmlns:mc="http://schemas.openxmlformats.org/markup-compatibility/2006">
+        <mc:Choice xmlns:a14="http://schemas.microsoft.com/office/drawing/2010/main" Requires="a14">
           <p:sp>
             <p:nvSpPr>
               <p:cNvPr id="15" name="TextBox 14">
@@ -20178,7 +20622,7 @@
             </p:nvSpPr>
             <p:spPr>
               <a:xfrm>
-                <a:off x="8321654" y="2569335"/>
+                <a:off x="8180869" y="6175911"/>
                 <a:ext cx="1006173" cy="215444"/>
               </a:xfrm>
               <a:prstGeom prst="rect">
@@ -20238,7 +20682,7 @@
             </p:txBody>
           </p:sp>
         </mc:Choice>
-        <mc:Fallback xmlns="">
+        <mc:Fallback>
           <p:sp>
             <p:nvSpPr>
               <p:cNvPr id="15" name="TextBox 14">
@@ -20255,14 +20699,14 @@
             </p:nvSpPr>
             <p:spPr>
               <a:xfrm>
-                <a:off x="8321654" y="2569335"/>
+                <a:off x="8180869" y="6175911"/>
                 <a:ext cx="1006173" cy="215444"/>
               </a:xfrm>
               <a:prstGeom prst="rect">
                 <a:avLst/>
               </a:prstGeom>
               <a:blipFill>
-                <a:blip r:embed="rId9"/>
+                <a:blip r:embed="rId10"/>
                 <a:stretch>
                   <a:fillRect l="-3750" r="-3750" b="-11111"/>
                 </a:stretch>
@@ -20298,7 +20742,7 @@
           <p:nvPr/>
         </p:nvPicPr>
         <p:blipFill>
-          <a:blip r:embed="rId10"/>
+          <a:blip r:embed="rId11"/>
           <a:stretch>
             <a:fillRect/>
           </a:stretch>
@@ -20313,6 +20757,43 @@
           </a:prstGeom>
         </p:spPr>
       </p:pic>
+      <p:sp>
+        <p:nvSpPr>
+          <p:cNvPr id="17" name="TextBox 16">
+            <a:extLst>
+              <a:ext uri="{FF2B5EF4-FFF2-40B4-BE49-F238E27FC236}">
+                <a16:creationId xmlns:a16="http://schemas.microsoft.com/office/drawing/2014/main" id="{C63DA29A-9090-4D4B-A075-4A2A85FD4353}"/>
+              </a:ext>
+            </a:extLst>
+          </p:cNvPr>
+          <p:cNvSpPr txBox="1"/>
+          <p:nvPr/>
+        </p:nvSpPr>
+        <p:spPr>
+          <a:xfrm>
+            <a:off x="7941790" y="6589099"/>
+            <a:ext cx="3273653" cy="261610"/>
+          </a:xfrm>
+          <a:prstGeom prst="rect">
+            <a:avLst/>
+          </a:prstGeom>
+          <a:noFill/>
+        </p:spPr>
+        <p:txBody>
+          <a:bodyPr wrap="none" rtlCol="0">
+            <a:spAutoFit/>
+          </a:bodyPr>
+          <a:lstStyle/>
+          <a:p>
+            <a:r>
+              <a:rPr lang="en-US" sz="1100" dirty="0">
+                <a:latin typeface="Avenir Book" panose="02000503020000020003" pitchFamily="2" charset="0"/>
+              </a:rPr>
+              <a:t>Opgenorth et al., 2017, Nature Chemical Biology</a:t>
+            </a:r>
+          </a:p>
+        </p:txBody>
+      </p:sp>
     </p:spTree>
     <p:extLst>
       <p:ext uri="{BB962C8B-B14F-4D97-AF65-F5344CB8AC3E}">

--- a/miscellaneous/presentations/20200715_syncell_mtg.pptx
+++ b/miscellaneous/presentations/20200715_syncell_mtg.pptx
@@ -5,26 +5,25 @@
     <p:sldMasterId id="2147483648" r:id="rId1"/>
   </p:sldMasterIdLst>
   <p:notesMasterIdLst>
-    <p:notesMasterId r:id="rId19"/>
+    <p:notesMasterId r:id="rId18"/>
   </p:notesMasterIdLst>
   <p:sldIdLst>
     <p:sldId id="256" r:id="rId2"/>
-    <p:sldId id="259" r:id="rId3"/>
-    <p:sldId id="269" r:id="rId4"/>
-    <p:sldId id="261" r:id="rId5"/>
-    <p:sldId id="327" r:id="rId6"/>
-    <p:sldId id="262" r:id="rId7"/>
-    <p:sldId id="329" r:id="rId8"/>
-    <p:sldId id="264" r:id="rId9"/>
-    <p:sldId id="265" r:id="rId10"/>
-    <p:sldId id="267" r:id="rId11"/>
-    <p:sldId id="332" r:id="rId12"/>
-    <p:sldId id="263" r:id="rId13"/>
-    <p:sldId id="268" r:id="rId14"/>
-    <p:sldId id="333" r:id="rId15"/>
-    <p:sldId id="334" r:id="rId16"/>
-    <p:sldId id="328" r:id="rId17"/>
-    <p:sldId id="297" r:id="rId18"/>
+    <p:sldId id="269" r:id="rId3"/>
+    <p:sldId id="261" r:id="rId4"/>
+    <p:sldId id="327" r:id="rId5"/>
+    <p:sldId id="262" r:id="rId6"/>
+    <p:sldId id="329" r:id="rId7"/>
+    <p:sldId id="264" r:id="rId8"/>
+    <p:sldId id="265" r:id="rId9"/>
+    <p:sldId id="267" r:id="rId10"/>
+    <p:sldId id="332" r:id="rId11"/>
+    <p:sldId id="263" r:id="rId12"/>
+    <p:sldId id="268" r:id="rId13"/>
+    <p:sldId id="333" r:id="rId14"/>
+    <p:sldId id="334" r:id="rId15"/>
+    <p:sldId id="328" r:id="rId16"/>
+    <p:sldId id="297" r:id="rId17"/>
   </p:sldIdLst>
   <p:sldSz cx="12192000" cy="6858000"/>
   <p:notesSz cx="6858000" cy="9144000"/>
@@ -6477,7 +6476,7 @@
           <a:p>
             <a:fld id="{B102B905-3FD8-2942-AB12-6B3360B55AB8}" type="datetimeFigureOut">
               <a:rPr lang="en-US" smtClean="0"/>
-              <a:t>7/13/20</a:t>
+              <a:t>7/15/20</a:t>
             </a:fld>
             <a:endParaRPr lang="en-US"/>
           </a:p>
@@ -6788,52 +6787,7 @@
           <a:bodyPr/>
           <a:lstStyle/>
           <a:p>
-            <a:r>
-              <a:rPr lang="en-US" dirty="0"/>
-              <a:t>Bigger context of synthetic cell</a:t>
-            </a:r>
-          </a:p>
-          <a:p>
             <a:endParaRPr lang="en-US" dirty="0"/>
-          </a:p>
-          <a:p>
-            <a:r>
-              <a:rPr lang="en-US" dirty="0"/>
-              <a:t>How link to other peoples</a:t>
-            </a:r>
-          </a:p>
-          <a:p>
-            <a:endParaRPr lang="en-US" dirty="0"/>
-          </a:p>
-          <a:p>
-            <a:r>
-              <a:rPr lang="en-US" dirty="0"/>
-              <a:t>Other things for syn cell that could integrate, subsystem of component within a syn cell that has other stuff going on (from DOD PROPOSAL)</a:t>
-            </a:r>
-          </a:p>
-          <a:p>
-            <a:endParaRPr lang="en-US" dirty="0"/>
-          </a:p>
-          <a:p>
-            <a:r>
-              <a:rPr lang="en-US" dirty="0"/>
-              <a:t>Have to try to get someone else’s model and get it to work</a:t>
-            </a:r>
-          </a:p>
-          <a:p>
-            <a:r>
-              <a:rPr lang="en-US" dirty="0"/>
-              <a:t> peter + Ankita? Reach out to see energy regeneration</a:t>
-            </a:r>
-          </a:p>
-          <a:p>
-            <a:endParaRPr lang="en-US" dirty="0"/>
-          </a:p>
-          <a:p>
-            <a:r>
-              <a:rPr lang="en-US" dirty="0"/>
-              <a:t>One slide with whatever your project is about</a:t>
-            </a:r>
           </a:p>
         </p:txBody>
       </p:sp>
@@ -6854,7 +6808,7 @@
           <a:p>
             <a:fld id="{67F42522-F24A-B14B-BB2C-B26443761E53}" type="slidenum">
               <a:rPr lang="en-US" smtClean="0"/>
-              <a:t>2</a:t>
+              <a:t>1</a:t>
             </a:fld>
             <a:endParaRPr lang="en-US"/>
           </a:p>
@@ -6863,7 +6817,7 @@
     </p:spTree>
     <p:extLst>
       <p:ext uri="{BB962C8B-B14F-4D97-AF65-F5344CB8AC3E}">
-        <p14:creationId xmlns:p14="http://schemas.microsoft.com/office/powerpoint/2010/main" val="932608025"/>
+        <p14:creationId xmlns:p14="http://schemas.microsoft.com/office/powerpoint/2010/main" val="3563903470"/>
       </p:ext>
     </p:extLst>
   </p:cSld>
@@ -6938,7 +6892,7 @@
           <a:p>
             <a:fld id="{67F42522-F24A-B14B-BB2C-B26443761E53}" type="slidenum">
               <a:rPr lang="en-US" smtClean="0"/>
-              <a:t>14</a:t>
+              <a:t>13</a:t>
             </a:fld>
             <a:endParaRPr lang="en-US"/>
           </a:p>
@@ -7022,7 +6976,7 @@
           <a:p>
             <a:fld id="{67F42522-F24A-B14B-BB2C-B26443761E53}" type="slidenum">
               <a:rPr lang="en-US" smtClean="0"/>
-              <a:t>4</a:t>
+              <a:t>3</a:t>
             </a:fld>
             <a:endParaRPr lang="en-US"/>
           </a:p>
@@ -7115,7 +7069,7 @@
           <a:p>
             <a:fld id="{D9FD8077-37EE-C24A-9ACB-6703441F4D97}" type="slidenum">
               <a:rPr lang="en-US" smtClean="0"/>
-              <a:t>5</a:t>
+              <a:t>4</a:t>
             </a:fld>
             <a:endParaRPr lang="en-US"/>
           </a:p>
@@ -7227,13 +7181,8 @@
           <a:p>
             <a:r>
               <a:rPr lang="en-US" dirty="0"/>
-              <a:t>Conc </a:t>
-            </a:r>
-            <a:r>
-              <a:rPr lang="en-US"/>
-              <a:t>of isobutanol – 30 mM</a:t>
-            </a:r>
-            <a:endParaRPr lang="en-US" dirty="0"/>
+              <a:t>Conc of isobutanol – 30 mM</a:t>
+            </a:r>
           </a:p>
           <a:p>
             <a:endParaRPr lang="en-US" dirty="0"/>
@@ -7283,7 +7232,7 @@
           <a:p>
             <a:fld id="{67F42522-F24A-B14B-BB2C-B26443761E53}" type="slidenum">
               <a:rPr lang="en-US" smtClean="0"/>
-              <a:t>6</a:t>
+              <a:t>5</a:t>
             </a:fld>
             <a:endParaRPr lang="en-US"/>
           </a:p>
@@ -7388,9 +7337,78 @@
             </a:r>
           </a:p>
           <a:p>
+            <a:endParaRPr lang="en-US" dirty="0"/>
+          </a:p>
+          <a:p>
+            <a:r>
+              <a:rPr lang="en-US" dirty="0"/>
+              <a:t>Maybe look at redmod1, has a lot less parameters, adjust parameters to see desired dynamics, kind of like having different mechanism in biocrnpyler</a:t>
+            </a:r>
+          </a:p>
+          <a:p>
+            <a:endParaRPr lang="en-US" dirty="0"/>
+          </a:p>
+          <a:p>
+            <a:r>
+              <a:rPr lang="en-US" dirty="0"/>
+              <a:t>Benefits: lumped parameters in reduced models, lower num of params to analyze system with. Helps with parameter identification. Without data, a reduced model may be closer to phenomenological model so you can conclude things about model in easier manner because you only have the species that you care about</a:t>
+            </a:r>
+          </a:p>
+          <a:p>
+            <a:r>
+              <a:rPr lang="en-US" dirty="0"/>
+              <a:t>Param sweeps and simulations with a red model would be more about how outputs are affected by inputs </a:t>
+            </a:r>
+            <a:r>
+              <a:rPr lang="en-US" dirty="0" err="1"/>
+              <a:t>bc</a:t>
+            </a:r>
+            <a:r>
+              <a:rPr lang="en-US" dirty="0"/>
+              <a:t> you get rid of other states so could guide design choices</a:t>
+            </a:r>
+          </a:p>
+          <a:p>
+            <a:r>
+              <a:rPr lang="en-US" dirty="0"/>
+              <a:t>Get a better understanding of what really matters from a physical point of view – is it that a particular metabolite affects dynamics or some other species </a:t>
+            </a:r>
+            <a:r>
+              <a:rPr lang="en-US" dirty="0" err="1"/>
+              <a:t>etc</a:t>
+            </a:r>
+            <a:r>
+              <a:rPr lang="en-US" dirty="0"/>
+              <a:t> – can be helpful information</a:t>
+            </a:r>
+          </a:p>
+          <a:p>
             <a:r>
               <a:rPr lang="en-US" dirty="0"/>
               <a:t> </a:t>
+            </a:r>
+          </a:p>
+          <a:p>
+            <a:r>
+              <a:rPr lang="en-US" dirty="0"/>
+              <a:t>Am hoping that if more experiments are done with this system, parameters can be extracted and inserted into one of these reduced models compared to the full </a:t>
+            </a:r>
+            <a:r>
+              <a:rPr lang="en-US" dirty="0" err="1"/>
+              <a:t>massaction</a:t>
+            </a:r>
+            <a:r>
+              <a:rPr lang="en-US" dirty="0"/>
+              <a:t> model . </a:t>
+            </a:r>
+          </a:p>
+          <a:p>
+            <a:endParaRPr lang="en-US" dirty="0"/>
+          </a:p>
+          <a:p>
+            <a:r>
+              <a:rPr lang="en-US" dirty="0"/>
+              <a:t>Easier to work with more generalized dynamics.</a:t>
             </a:r>
           </a:p>
         </p:txBody>
@@ -7412,7 +7430,7 @@
           <a:p>
             <a:fld id="{67F42522-F24A-B14B-BB2C-B26443761E53}" type="slidenum">
               <a:rPr lang="en-US" smtClean="0"/>
-              <a:t>8</a:t>
+              <a:t>7</a:t>
             </a:fld>
             <a:endParaRPr lang="en-US"/>
           </a:p>
@@ -7483,6 +7501,45 @@
           <a:p>
             <a:endParaRPr lang="en-US" dirty="0"/>
           </a:p>
+          <a:p>
+            <a:r>
+              <a:rPr lang="en-US" dirty="0"/>
+              <a:t>An attempt at using experimental data. Gives us a frame of reference of what parameters should look like. Tells us what the overarching rate is but doesn’t </a:t>
+            </a:r>
+            <a:r>
+              <a:rPr lang="en-US" dirty="0" err="1"/>
+              <a:t>necesarilly</a:t>
+            </a:r>
+            <a:r>
+              <a:rPr lang="en-US" dirty="0"/>
+              <a:t> help with the reduced model unless I can get a model to work that only has glucose and isobutanol, and </a:t>
+            </a:r>
+            <a:r>
+              <a:rPr lang="en-US" dirty="0" err="1"/>
+              <a:t>prpbably</a:t>
+            </a:r>
+            <a:r>
+              <a:rPr lang="en-US" dirty="0"/>
+              <a:t> </a:t>
+            </a:r>
+            <a:r>
+              <a:rPr lang="en-US" dirty="0" err="1"/>
+              <a:t>atp</a:t>
+            </a:r>
+            <a:r>
+              <a:rPr lang="en-US" dirty="0"/>
+              <a:t>, in it</a:t>
+            </a:r>
+          </a:p>
+          <a:p>
+            <a:endParaRPr lang="en-US" dirty="0"/>
+          </a:p>
+          <a:p>
+            <a:r>
+              <a:rPr lang="en-US" dirty="0"/>
+              <a:t>I am limited by experimental data. </a:t>
+            </a:r>
+          </a:p>
         </p:txBody>
       </p:sp>
       <p:sp>
@@ -7502,7 +7559,7 @@
           <a:p>
             <a:fld id="{67F42522-F24A-B14B-BB2C-B26443761E53}" type="slidenum">
               <a:rPr lang="en-US" smtClean="0"/>
-              <a:t>9</a:t>
+              <a:t>8</a:t>
             </a:fld>
             <a:endParaRPr lang="en-US"/>
           </a:p>
@@ -7622,7 +7679,7 @@
           <a:p>
             <a:fld id="{67F42522-F24A-B14B-BB2C-B26443761E53}" type="slidenum">
               <a:rPr lang="en-US" smtClean="0"/>
-              <a:t>10</a:t>
+              <a:t>9</a:t>
             </a:fld>
             <a:endParaRPr lang="en-US"/>
           </a:p>
@@ -7730,6 +7787,15 @@
               <a:t> regeneration could happen quicker, I was able to see effects. Something to consider moving forward. Find what’s accurate.</a:t>
             </a:r>
           </a:p>
+          <a:p>
+            <a:endParaRPr lang="en-US" dirty="0"/>
+          </a:p>
+          <a:p>
+            <a:r>
+              <a:rPr lang="en-US" dirty="0"/>
+              <a:t>Timescale of membrane insertion may be too quick, so that's also something to adjust in the future</a:t>
+            </a:r>
+          </a:p>
         </p:txBody>
       </p:sp>
       <p:sp>
@@ -7749,7 +7815,7 @@
           <a:p>
             <a:fld id="{67F42522-F24A-B14B-BB2C-B26443761E53}" type="slidenum">
               <a:rPr lang="en-US" smtClean="0"/>
-              <a:t>11</a:t>
+              <a:t>10</a:t>
             </a:fld>
             <a:endParaRPr lang="en-US"/>
           </a:p>
@@ -7833,7 +7899,7 @@
           <a:p>
             <a:fld id="{67F42522-F24A-B14B-BB2C-B26443761E53}" type="slidenum">
               <a:rPr lang="en-US" smtClean="0"/>
-              <a:t>13</a:t>
+              <a:t>12</a:t>
             </a:fld>
             <a:endParaRPr lang="en-US"/>
           </a:p>
@@ -8000,7 +8066,7 @@
           <a:p>
             <a:fld id="{3B3400CD-7287-EA41-97B8-6C373A830532}" type="datetimeFigureOut">
               <a:rPr lang="en-US" smtClean="0"/>
-              <a:t>7/13/20</a:t>
+              <a:t>7/15/20</a:t>
             </a:fld>
             <a:endParaRPr lang="en-US"/>
           </a:p>
@@ -8198,7 +8264,7 @@
           <a:p>
             <a:fld id="{3B3400CD-7287-EA41-97B8-6C373A830532}" type="datetimeFigureOut">
               <a:rPr lang="en-US" smtClean="0"/>
-              <a:t>7/13/20</a:t>
+              <a:t>7/15/20</a:t>
             </a:fld>
             <a:endParaRPr lang="en-US"/>
           </a:p>
@@ -8406,7 +8472,7 @@
           <a:p>
             <a:fld id="{3B3400CD-7287-EA41-97B8-6C373A830532}" type="datetimeFigureOut">
               <a:rPr lang="en-US" smtClean="0"/>
-              <a:t>7/13/20</a:t>
+              <a:t>7/15/20</a:t>
             </a:fld>
             <a:endParaRPr lang="en-US"/>
           </a:p>
@@ -8606,7 +8672,7 @@
           <a:p>
             <a:fld id="{3B3400CD-7287-EA41-97B8-6C373A830532}" type="datetimeFigureOut">
               <a:rPr lang="en-US" smtClean="0"/>
-              <a:t>7/13/20</a:t>
+              <a:t>7/15/20</a:t>
             </a:fld>
             <a:endParaRPr lang="en-US"/>
           </a:p>
@@ -8881,7 +8947,7 @@
           <a:p>
             <a:fld id="{3B3400CD-7287-EA41-97B8-6C373A830532}" type="datetimeFigureOut">
               <a:rPr lang="en-US" smtClean="0"/>
-              <a:t>7/13/20</a:t>
+              <a:t>7/15/20</a:t>
             </a:fld>
             <a:endParaRPr lang="en-US"/>
           </a:p>
@@ -9146,7 +9212,7 @@
           <a:p>
             <a:fld id="{3B3400CD-7287-EA41-97B8-6C373A830532}" type="datetimeFigureOut">
               <a:rPr lang="en-US" smtClean="0"/>
-              <a:t>7/13/20</a:t>
+              <a:t>7/15/20</a:t>
             </a:fld>
             <a:endParaRPr lang="en-US"/>
           </a:p>
@@ -9558,7 +9624,7 @@
           <a:p>
             <a:fld id="{3B3400CD-7287-EA41-97B8-6C373A830532}" type="datetimeFigureOut">
               <a:rPr lang="en-US" smtClean="0"/>
-              <a:t>7/13/20</a:t>
+              <a:t>7/15/20</a:t>
             </a:fld>
             <a:endParaRPr lang="en-US"/>
           </a:p>
@@ -9699,7 +9765,7 @@
           <a:p>
             <a:fld id="{3B3400CD-7287-EA41-97B8-6C373A830532}" type="datetimeFigureOut">
               <a:rPr lang="en-US" smtClean="0"/>
-              <a:t>7/13/20</a:t>
+              <a:t>7/15/20</a:t>
             </a:fld>
             <a:endParaRPr lang="en-US"/>
           </a:p>
@@ -9812,7 +9878,7 @@
           <a:p>
             <a:fld id="{3B3400CD-7287-EA41-97B8-6C373A830532}" type="datetimeFigureOut">
               <a:rPr lang="en-US" smtClean="0"/>
-              <a:t>7/13/20</a:t>
+              <a:t>7/15/20</a:t>
             </a:fld>
             <a:endParaRPr lang="en-US"/>
           </a:p>
@@ -10123,7 +10189,7 @@
           <a:p>
             <a:fld id="{3B3400CD-7287-EA41-97B8-6C373A830532}" type="datetimeFigureOut">
               <a:rPr lang="en-US" smtClean="0"/>
-              <a:t>7/13/20</a:t>
+              <a:t>7/15/20</a:t>
             </a:fld>
             <a:endParaRPr lang="en-US"/>
           </a:p>
@@ -10414,7 +10480,7 @@
           <a:p>
             <a:fld id="{3B3400CD-7287-EA41-97B8-6C373A830532}" type="datetimeFigureOut">
               <a:rPr lang="en-US" smtClean="0"/>
-              <a:t>7/13/20</a:t>
+              <a:t>7/15/20</a:t>
             </a:fld>
             <a:endParaRPr lang="en-US"/>
           </a:p>
@@ -10657,7 +10723,7 @@
           <a:p>
             <a:fld id="{3B3400CD-7287-EA41-97B8-6C373A830532}" type="datetimeFigureOut">
               <a:rPr lang="en-US" smtClean="0"/>
-              <a:t>7/13/20</a:t>
+              <a:t>7/15/20</a:t>
             </a:fld>
             <a:endParaRPr lang="en-US"/>
           </a:p>
@@ -11122,23 +11188,25 @@
         </p:nvSpPr>
         <p:spPr/>
         <p:txBody>
-          <a:bodyPr/>
+          <a:bodyPr>
+            <a:normAutofit/>
+          </a:bodyPr>
           <a:lstStyle/>
           <a:p>
             <a:r>
-              <a:rPr lang="en-US" dirty="0"/>
+              <a:rPr lang="en-US" sz="2000" dirty="0"/>
               <a:t>Synthetic Cell Meeting 7.15.2020</a:t>
             </a:r>
           </a:p>
           <a:p>
             <a:r>
-              <a:rPr lang="en-US" dirty="0"/>
+              <a:rPr lang="en-US" sz="2000" dirty="0"/>
               <a:t>Ankita Roychoudhury</a:t>
             </a:r>
           </a:p>
           <a:p>
             <a:r>
-              <a:rPr lang="en-US" dirty="0"/>
+              <a:rPr lang="en-US" sz="2000" dirty="0"/>
               <a:t>Murray Lab</a:t>
             </a:r>
           </a:p>
@@ -11159,7 +11227,7 @@
           <p:nvPr/>
         </p:nvPicPr>
         <p:blipFill rotWithShape="1">
-          <a:blip r:embed="rId2"/>
+          <a:blip r:embed="rId3"/>
           <a:srcRect l="245" b="862"/>
           <a:stretch/>
         </p:blipFill>
@@ -11187,342 +11255,6 @@
 </file>
 
 <file path=ppt/slides/slide10.xml><?xml version="1.0" encoding="utf-8"?>
-<p:sld xmlns:a="http://schemas.openxmlformats.org/drawingml/2006/main" xmlns:r="http://schemas.openxmlformats.org/officeDocument/2006/relationships" xmlns:p="http://schemas.openxmlformats.org/presentationml/2006/main">
-  <p:cSld>
-    <p:spTree>
-      <p:nvGrpSpPr>
-        <p:cNvPr id="1" name=""/>
-        <p:cNvGrpSpPr/>
-        <p:nvPr/>
-      </p:nvGrpSpPr>
-      <p:grpSpPr>
-        <a:xfrm>
-          <a:off x="0" y="0"/>
-          <a:ext cx="0" cy="0"/>
-          <a:chOff x="0" y="0"/>
-          <a:chExt cx="0" cy="0"/>
-        </a:xfrm>
-      </p:grpSpPr>
-      <p:sp>
-        <p:nvSpPr>
-          <p:cNvPr id="2" name="Title 1">
-            <a:extLst>
-              <a:ext uri="{FF2B5EF4-FFF2-40B4-BE49-F238E27FC236}">
-                <a16:creationId xmlns:a16="http://schemas.microsoft.com/office/drawing/2014/main" id="{9BEE9B32-4972-D542-AA54-17F1B405C985}"/>
-              </a:ext>
-            </a:extLst>
-          </p:cNvPr>
-          <p:cNvSpPr>
-            <a:spLocks noGrp="1"/>
-          </p:cNvSpPr>
-          <p:nvPr>
-            <p:ph type="title"/>
-          </p:nvPr>
-        </p:nvSpPr>
-        <p:spPr>
-          <a:xfrm>
-            <a:off x="321365" y="166342"/>
-            <a:ext cx="10515600" cy="1325563"/>
-          </a:xfrm>
-        </p:spPr>
-        <p:txBody>
-          <a:bodyPr>
-            <a:normAutofit/>
-          </a:bodyPr>
-          <a:lstStyle/>
-          <a:p>
-            <a:r>
-              <a:rPr lang="en-US" sz="3200" b="1" dirty="0"/>
-              <a:t>Collaboration</a:t>
-            </a:r>
-          </a:p>
-        </p:txBody>
-      </p:sp>
-      <p:sp>
-        <p:nvSpPr>
-          <p:cNvPr id="6" name="Content Placeholder 5">
-            <a:extLst>
-              <a:ext uri="{FF2B5EF4-FFF2-40B4-BE49-F238E27FC236}">
-                <a16:creationId xmlns:a16="http://schemas.microsoft.com/office/drawing/2014/main" id="{6468D1C1-49DF-C741-87DA-9844C5203FCE}"/>
-              </a:ext>
-            </a:extLst>
-          </p:cNvPr>
-          <p:cNvSpPr>
-            <a:spLocks noGrp="1"/>
-          </p:cNvSpPr>
-          <p:nvPr>
-            <p:ph sz="half" idx="2"/>
-          </p:nvPr>
-        </p:nvSpPr>
-        <p:spPr>
-          <a:xfrm>
-            <a:off x="6172200" y="2235097"/>
-            <a:ext cx="5181600" cy="1412564"/>
-          </a:xfrm>
-        </p:spPr>
-        <p:txBody>
-          <a:bodyPr>
-            <a:normAutofit/>
-          </a:bodyPr>
-          <a:lstStyle/>
-          <a:p>
-            <a:r>
-              <a:rPr lang="en-US" sz="2000" dirty="0" err="1"/>
-              <a:t>Subsbml</a:t>
-            </a:r>
-            <a:r>
-              <a:rPr lang="en-US" sz="2000" dirty="0"/>
-              <a:t> model</a:t>
-            </a:r>
-          </a:p>
-          <a:p>
-            <a:pPr lvl="1"/>
-            <a:r>
-              <a:rPr lang="en-US" sz="1800" dirty="0"/>
-              <a:t>”</a:t>
-            </a:r>
-            <a:r>
-              <a:rPr lang="en-US" sz="1800" dirty="0" err="1"/>
-              <a:t>rheostat_sbml_model.xml</a:t>
-            </a:r>
-            <a:r>
-              <a:rPr lang="en-US" sz="1800" dirty="0"/>
-              <a:t>”</a:t>
-            </a:r>
-          </a:p>
-          <a:p>
-            <a:pPr lvl="1"/>
-            <a:r>
-              <a:rPr lang="en-US" sz="1800" dirty="0"/>
-              <a:t>Input [enzymes]</a:t>
-            </a:r>
-            <a:r>
-              <a:rPr lang="en-US" sz="1800" baseline="-25000" dirty="0"/>
-              <a:t>0</a:t>
-            </a:r>
-            <a:r>
-              <a:rPr lang="en-US" sz="1800" dirty="0"/>
-              <a:t>, [glucose]</a:t>
-            </a:r>
-            <a:r>
-              <a:rPr lang="en-US" sz="1800" baseline="-25000" dirty="0"/>
-              <a:t>0</a:t>
-            </a:r>
-            <a:r>
-              <a:rPr lang="en-US" sz="1800" dirty="0"/>
-              <a:t>, [</a:t>
-            </a:r>
-            <a:r>
-              <a:rPr lang="en-US" sz="1800" dirty="0" err="1"/>
-              <a:t>atp</a:t>
-            </a:r>
-            <a:r>
-              <a:rPr lang="en-US" sz="1800" dirty="0"/>
-              <a:t>]</a:t>
-            </a:r>
-            <a:r>
-              <a:rPr lang="en-US" sz="1800" baseline="-25000" dirty="0"/>
-              <a:t>0</a:t>
-            </a:r>
-            <a:r>
-              <a:rPr lang="en-US" sz="1800" dirty="0"/>
-              <a:t>, [pi]</a:t>
-            </a:r>
-            <a:r>
-              <a:rPr lang="en-US" sz="1800" baseline="-25000" dirty="0"/>
-              <a:t>0</a:t>
-            </a:r>
-            <a:r>
-              <a:rPr lang="en-US" sz="1800" dirty="0"/>
-              <a:t>, [</a:t>
-            </a:r>
-            <a:r>
-              <a:rPr lang="en-US" sz="1800" dirty="0" err="1"/>
-              <a:t>nadp</a:t>
-            </a:r>
-            <a:r>
-              <a:rPr lang="en-US" sz="1800" dirty="0"/>
-              <a:t>]</a:t>
-            </a:r>
-            <a:r>
-              <a:rPr lang="en-US" sz="1800" baseline="-25000" dirty="0"/>
-              <a:t>0</a:t>
-            </a:r>
-          </a:p>
-          <a:p>
-            <a:pPr lvl="1"/>
-            <a:endParaRPr lang="en-US" sz="1800" baseline="-25000" dirty="0"/>
-          </a:p>
-          <a:p>
-            <a:pPr lvl="1"/>
-            <a:endParaRPr lang="en-US" sz="1800" dirty="0"/>
-          </a:p>
-        </p:txBody>
-      </p:sp>
-      <p:pic>
-        <p:nvPicPr>
-          <p:cNvPr id="5" name="Picture 4" descr="A close up of a map&#10;&#10;Description automatically generated">
-            <a:extLst>
-              <a:ext uri="{FF2B5EF4-FFF2-40B4-BE49-F238E27FC236}">
-                <a16:creationId xmlns:a16="http://schemas.microsoft.com/office/drawing/2014/main" id="{083B9151-3721-434D-BF40-9B652C46C99F}"/>
-              </a:ext>
-            </a:extLst>
-          </p:cNvPr>
-          <p:cNvPicPr>
-            <a:picLocks noChangeAspect="1"/>
-          </p:cNvPicPr>
-          <p:nvPr/>
-        </p:nvPicPr>
-        <p:blipFill>
-          <a:blip r:embed="rId3">
-            <a:extLst>
-              <a:ext uri="{BEBA8EAE-BF5A-486C-A8C5-ECC9F3942E4B}">
-                <a14:imgProps xmlns:a14="http://schemas.microsoft.com/office/drawing/2010/main">
-                  <a14:imgLayer r:embed="rId4">
-                    <a14:imgEffect>
-                      <a14:backgroundRemoval t="10000" b="99750" l="5195" r="96537">
-                        <a14:foregroundMark x1="82107" y1="15500" x2="40260" y2="7750"/>
-                        <a14:foregroundMark x1="40260" y1="7750" x2="17893" y2="25750"/>
-                        <a14:foregroundMark x1="17893" y1="25750" x2="7359" y2="30500"/>
-                        <a14:foregroundMark x1="7359" y1="30500" x2="2685" y2="48905"/>
-                        <a14:foregroundMark x1="3112" y1="51009" x2="7648" y2="66500"/>
-                        <a14:foregroundMark x1="7648" y1="66500" x2="21356" y2="76250"/>
-                        <a14:foregroundMark x1="21356" y1="76250" x2="29726" y2="89500"/>
-                        <a14:foregroundMark x1="29726" y1="89500" x2="40260" y2="96000"/>
-                        <a14:foregroundMark x1="40260" y1="96000" x2="67388" y2="97500"/>
-                        <a14:foregroundMark x1="67388" y1="97500" x2="78788" y2="95750"/>
-                        <a14:foregroundMark x1="78788" y1="95750" x2="95671" y2="68750"/>
-                        <a14:foregroundMark x1="95671" y1="68750" x2="98413" y2="50250"/>
-                        <a14:foregroundMark x1="98413" y1="50250" x2="96681" y2="28000"/>
-                        <a14:foregroundMark x1="96681" y1="28000" x2="87734" y2="14750"/>
-                        <a14:foregroundMark x1="87734" y1="14750" x2="76912" y2="10750"/>
-                        <a14:foregroundMark x1="76912" y1="10750" x2="71717" y2="16750"/>
-                        <a14:foregroundMark x1="13131" y1="37500" x2="4185" y2="49250"/>
-                        <a14:foregroundMark x1="5002" y1="65432" x2="5095" y2="67277"/>
-                        <a14:foregroundMark x1="4185" y1="49250" x2="4658" y2="58617"/>
-                        <a14:foregroundMark x1="5551" y1="69208" x2="11544" y2="68500"/>
-                        <a14:foregroundMark x1="22511" y1="81750" x2="57431" y2="96750"/>
-                        <a14:foregroundMark x1="57431" y1="96750" x2="68543" y2="91000"/>
-                        <a14:foregroundMark x1="68543" y1="91000" x2="87734" y2="99750"/>
-                        <a14:backgroundMark x1="29870" y1="7250" x2="144" y2="15500"/>
-                        <a14:backgroundMark x1="0" y1="48500" x2="3608" y2="66250"/>
-                        <a14:backgroundMark x1="3608" y1="66250" x2="144" y2="80500"/>
-                        <a14:backgroundMark x1="33189" y1="5500" x2="22367" y2="15250"/>
-                        <a14:backgroundMark x1="22367" y1="15250" x2="9380" y2="12500"/>
-                      </a14:backgroundRemoval>
-                    </a14:imgEffect>
-                  </a14:imgLayer>
-                </a14:imgProps>
-              </a:ext>
-            </a:extLst>
-          </a:blip>
-          <a:stretch>
-            <a:fillRect/>
-          </a:stretch>
-        </p:blipFill>
-        <p:spPr>
-          <a:xfrm>
-            <a:off x="1075635" y="1870766"/>
-            <a:ext cx="4394200" cy="2540000"/>
-          </a:xfrm>
-          <a:prstGeom prst="rect">
-            <a:avLst/>
-          </a:prstGeom>
-        </p:spPr>
-      </p:pic>
-      <p:sp>
-        <p:nvSpPr>
-          <p:cNvPr id="9" name="TextBox 8">
-            <a:extLst>
-              <a:ext uri="{FF2B5EF4-FFF2-40B4-BE49-F238E27FC236}">
-                <a16:creationId xmlns:a16="http://schemas.microsoft.com/office/drawing/2014/main" id="{1C3C4163-5E71-C943-9C4F-6C58DD3AFBBA}"/>
-              </a:ext>
-            </a:extLst>
-          </p:cNvPr>
-          <p:cNvSpPr txBox="1"/>
-          <p:nvPr/>
-        </p:nvSpPr>
-        <p:spPr>
-          <a:xfrm>
-            <a:off x="3113761" y="6596390"/>
-            <a:ext cx="9169053" cy="261610"/>
-          </a:xfrm>
-          <a:prstGeom prst="rect">
-            <a:avLst/>
-          </a:prstGeom>
-          <a:noFill/>
-        </p:spPr>
-        <p:txBody>
-          <a:bodyPr wrap="square" rtlCol="0">
-            <a:spAutoFit/>
-          </a:bodyPr>
-          <a:lstStyle/>
-          <a:p>
-            <a:r>
-              <a:rPr lang="en-US" sz="1050" dirty="0">
-                <a:latin typeface="Avenir Book" panose="02000503020000020003" pitchFamily="2" charset="0"/>
-              </a:rPr>
-              <a:t>Murray, Richard, </a:t>
-            </a:r>
-            <a:r>
-              <a:rPr lang="en-US" sz="1050" i="1" dirty="0">
-                <a:latin typeface="Avenir Book" panose="02000503020000020003" pitchFamily="2" charset="0"/>
-              </a:rPr>
-              <a:t>Towards Genetically-Programmed Synthetic Cells and Multi-Cellular Machines</a:t>
-            </a:r>
-            <a:r>
-              <a:rPr lang="en-US" sz="1050" dirty="0">
-                <a:latin typeface="Avenir Book" panose="02000503020000020003" pitchFamily="2" charset="0"/>
-              </a:rPr>
-              <a:t>, July 2017. PowerPoint Presentation. </a:t>
-            </a:r>
-          </a:p>
-        </p:txBody>
-      </p:sp>
-      <p:pic>
-        <p:nvPicPr>
-          <p:cNvPr id="10" name="Picture 9" descr="A picture containing drawing&#10;&#10;Description automatically generated">
-            <a:extLst>
-              <a:ext uri="{FF2B5EF4-FFF2-40B4-BE49-F238E27FC236}">
-                <a16:creationId xmlns:a16="http://schemas.microsoft.com/office/drawing/2014/main" id="{BD461982-BBBC-954E-8E6C-48A1D7CC9BC1}"/>
-              </a:ext>
-            </a:extLst>
-          </p:cNvPr>
-          <p:cNvPicPr>
-            <a:picLocks noChangeAspect="1"/>
-          </p:cNvPicPr>
-          <p:nvPr/>
-        </p:nvPicPr>
-        <p:blipFill>
-          <a:blip r:embed="rId5"/>
-          <a:stretch>
-            <a:fillRect/>
-          </a:stretch>
-        </p:blipFill>
-        <p:spPr>
-          <a:xfrm>
-            <a:off x="11117119" y="6514803"/>
-            <a:ext cx="1074881" cy="343197"/>
-          </a:xfrm>
-          <a:prstGeom prst="rect">
-            <a:avLst/>
-          </a:prstGeom>
-        </p:spPr>
-      </p:pic>
-    </p:spTree>
-    <p:extLst>
-      <p:ext uri="{BB962C8B-B14F-4D97-AF65-F5344CB8AC3E}">
-        <p14:creationId xmlns:p14="http://schemas.microsoft.com/office/powerpoint/2010/main" val="2010598947"/>
-      </p:ext>
-    </p:extLst>
-  </p:cSld>
-  <p:clrMapOvr>
-    <a:masterClrMapping/>
-  </p:clrMapOvr>
-</p:sld>
-</file>
-
-<file path=ppt/slides/slide11.xml><?xml version="1.0" encoding="utf-8"?>
 <p:sld xmlns:a="http://schemas.openxmlformats.org/drawingml/2006/main" xmlns:r="http://schemas.openxmlformats.org/officeDocument/2006/relationships" xmlns:p="http://schemas.openxmlformats.org/presentationml/2006/main">
   <p:cSld>
     <p:spTree>
@@ -11789,7 +11521,7 @@
 </p:sld>
 </file>
 
-<file path=ppt/slides/slide12.xml><?xml version="1.0" encoding="utf-8"?>
+<file path=ppt/slides/slide11.xml><?xml version="1.0" encoding="utf-8"?>
 <p:sld xmlns:a="http://schemas.openxmlformats.org/drawingml/2006/main" xmlns:r="http://schemas.openxmlformats.org/officeDocument/2006/relationships" xmlns:p="http://schemas.openxmlformats.org/presentationml/2006/main">
   <p:cSld>
     <p:spTree>
@@ -11882,7 +11614,7 @@
             <a:pPr lvl="1"/>
             <a:r>
               <a:rPr lang="en-US" sz="2000" dirty="0"/>
-              <a:t>How may these enzymes/byproducts affect transcription translation</a:t>
+              <a:t>How may these enzymes affect transcription translation</a:t>
             </a:r>
           </a:p>
           <a:p>
@@ -11951,7 +11683,7 @@
 </p:sld>
 </file>
 
-<file path=ppt/slides/slide13.xml><?xml version="1.0" encoding="utf-8"?>
+<file path=ppt/slides/slide12.xml><?xml version="1.0" encoding="utf-8"?>
 <p:sld xmlns:a="http://schemas.openxmlformats.org/drawingml/2006/main" xmlns:r="http://schemas.openxmlformats.org/officeDocument/2006/relationships" xmlns:p="http://schemas.openxmlformats.org/presentationml/2006/main">
   <p:cSld>
     <p:spTree>
@@ -12606,8 +12338,8 @@
             <a:chExt cx="4975593" cy="3199288"/>
           </a:xfrm>
         </p:grpSpPr>
-        <mc:AlternateContent xmlns:mc="http://schemas.openxmlformats.org/markup-compatibility/2006">
-          <mc:Choice xmlns:a14="http://schemas.microsoft.com/office/drawing/2010/main" Requires="a14">
+        <mc:AlternateContent xmlns:mc="http://schemas.openxmlformats.org/markup-compatibility/2006" xmlns:a14="http://schemas.microsoft.com/office/drawing/2010/main">
+          <mc:Choice Requires="a14">
             <p:sp>
               <p:nvSpPr>
                 <p:cNvPr id="24" name="Rectangle 23">
@@ -12918,7 +12650,7 @@
               </p:txBody>
             </p:sp>
           </mc:Choice>
-          <mc:Fallback>
+          <mc:Fallback xmlns="">
             <p:sp>
               <p:nvSpPr>
                 <p:cNvPr id="24" name="Rectangle 23">
@@ -13321,7 +13053,7 @@
                 <p:spPr>
                   <a:xfrm>
                     <a:off x="5927447" y="4552968"/>
-                    <a:ext cx="1989967" cy="639278"/>
+                    <a:ext cx="1935465" cy="639278"/>
                   </a:xfrm>
                   <a:prstGeom prst="rect">
                     <a:avLst/>
@@ -13343,7 +13075,7 @@
                           <m:f>
                             <m:fPr>
                               <m:ctrlPr>
-                                <a:rPr lang="en-US" i="1">
+                                <a:rPr lang="en-US" i="1" smtClean="0">
                                   <a:latin typeface="Cambria Math" panose="02040503050406030204" pitchFamily="18" charset="0"/>
                                 </a:rPr>
                               </m:ctrlPr>
@@ -13435,10 +13167,10 @@
                             </m:sub>
                           </m:sSub>
                           <m:r>
-                            <a:rPr lang="en-US" i="1">
+                            <a:rPr lang="en-US" b="0" i="1" smtClean="0">
                               <a:latin typeface="Cambria Math" panose="02040503050406030204" pitchFamily="18" charset="0"/>
                             </a:rPr>
-                            <m:t>∗</m:t>
+                            <m:t>[</m:t>
                           </m:r>
                           <m:sSup>
                             <m:sSupPr>
@@ -13465,6 +13197,12 @@
                               </m:r>
                             </m:sup>
                           </m:sSup>
+                          <m:r>
+                            <a:rPr lang="en-US" b="0" i="1" smtClean="0">
+                              <a:latin typeface="Cambria Math" panose="02040503050406030204" pitchFamily="18" charset="0"/>
+                            </a:rPr>
+                            <m:t>]</m:t>
+                          </m:r>
                         </m:oMath>
                       </m:oMathPara>
                     </a14:m>
@@ -13491,7 +13229,7 @@
                 <p:spPr>
                   <a:xfrm>
                     <a:off x="5927447" y="4552968"/>
-                    <a:ext cx="1989967" cy="639278"/>
+                    <a:ext cx="1935465" cy="639278"/>
                   </a:xfrm>
                   <a:prstGeom prst="rect">
                     <a:avLst/>
@@ -13809,7 +13547,7 @@
 </p:sld>
 </file>
 
-<file path=ppt/slides/slide14.xml><?xml version="1.0" encoding="utf-8"?>
+<file path=ppt/slides/slide13.xml><?xml version="1.0" encoding="utf-8"?>
 <p:sld xmlns:a="http://schemas.openxmlformats.org/drawingml/2006/main" xmlns:r="http://schemas.openxmlformats.org/officeDocument/2006/relationships" xmlns:p="http://schemas.openxmlformats.org/presentationml/2006/main">
   <p:cSld>
     <p:spTree>
@@ -15490,7 +15228,7 @@
 </p:sld>
 </file>
 
-<file path=ppt/slides/slide15.xml><?xml version="1.0" encoding="utf-8"?>
+<file path=ppt/slides/slide14.xml><?xml version="1.0" encoding="utf-8"?>
 <p:sld xmlns:a="http://schemas.openxmlformats.org/drawingml/2006/main" xmlns:r="http://schemas.openxmlformats.org/officeDocument/2006/relationships" xmlns:p="http://schemas.openxmlformats.org/presentationml/2006/main">
   <p:cSld>
     <p:spTree>
@@ -15851,7 +15589,7 @@
 </p:sld>
 </file>
 
-<file path=ppt/slides/slide16.xml><?xml version="1.0" encoding="utf-8"?>
+<file path=ppt/slides/slide15.xml><?xml version="1.0" encoding="utf-8"?>
 <p:sld xmlns:a="http://schemas.openxmlformats.org/drawingml/2006/main" xmlns:r="http://schemas.openxmlformats.org/officeDocument/2006/relationships" xmlns:p="http://schemas.openxmlformats.org/presentationml/2006/main">
   <p:cSld>
     <p:spTree>
@@ -15957,7 +15695,7 @@
             <a:pPr lvl="1"/>
             <a:r>
               <a:rPr lang="en-US" dirty="0"/>
-              <a:t>More work with minimal/reduced models</a:t>
+              <a:t>More work with reduced models</a:t>
             </a:r>
           </a:p>
           <a:p>
@@ -16021,7 +15759,7 @@
 </p:sld>
 </file>
 
-<file path=ppt/slides/slide17.xml><?xml version="1.0" encoding="utf-8"?>
+<file path=ppt/slides/slide16.xml><?xml version="1.0" encoding="utf-8"?>
 <p:sld xmlns:a="http://schemas.openxmlformats.org/drawingml/2006/main" xmlns:r="http://schemas.openxmlformats.org/officeDocument/2006/relationships" xmlns:p="http://schemas.openxmlformats.org/presentationml/2006/main">
   <p:cSld>
     <p:spTree>
@@ -16107,6 +15845,23 @@
               <a:rPr lang="en-US" dirty="0"/>
               <a:t> Pandey</a:t>
             </a:r>
+          </a:p>
+          <a:p>
+            <a:r>
+              <a:rPr lang="en-US" dirty="0"/>
+              <a:t>Zoila Jurado</a:t>
+            </a:r>
+          </a:p>
+          <a:p>
+            <a:r>
+              <a:rPr lang="en-US" dirty="0"/>
+              <a:t>Manisha </a:t>
+            </a:r>
+            <a:r>
+              <a:rPr lang="en-US"/>
+              <a:t>Kapasiawala</a:t>
+            </a:r>
+            <a:endParaRPr lang="en-US" dirty="0"/>
           </a:p>
           <a:p>
             <a:r>
@@ -16160,280 +15915,6 @@
 </file>
 
 <file path=ppt/slides/slide2.xml><?xml version="1.0" encoding="utf-8"?>
-<p:sld xmlns:a="http://schemas.openxmlformats.org/drawingml/2006/main" xmlns:r="http://schemas.openxmlformats.org/officeDocument/2006/relationships" xmlns:p="http://schemas.openxmlformats.org/presentationml/2006/main">
-  <p:cSld>
-    <p:spTree>
-      <p:nvGrpSpPr>
-        <p:cNvPr id="1" name=""/>
-        <p:cNvGrpSpPr/>
-        <p:nvPr/>
-      </p:nvGrpSpPr>
-      <p:grpSpPr>
-        <a:xfrm>
-          <a:off x="0" y="0"/>
-          <a:ext cx="0" cy="0"/>
-          <a:chOff x="0" y="0"/>
-          <a:chExt cx="0" cy="0"/>
-        </a:xfrm>
-      </p:grpSpPr>
-      <p:sp>
-        <p:nvSpPr>
-          <p:cNvPr id="2" name="Title 1">
-            <a:extLst>
-              <a:ext uri="{FF2B5EF4-FFF2-40B4-BE49-F238E27FC236}">
-                <a16:creationId xmlns:a16="http://schemas.microsoft.com/office/drawing/2014/main" id="{7EC07F0F-B993-C948-8ACF-2E8E263704A2}"/>
-              </a:ext>
-            </a:extLst>
-          </p:cNvPr>
-          <p:cNvSpPr>
-            <a:spLocks noGrp="1"/>
-          </p:cNvSpPr>
-          <p:nvPr>
-            <p:ph type="title"/>
-          </p:nvPr>
-        </p:nvSpPr>
-        <p:spPr/>
-        <p:txBody>
-          <a:bodyPr/>
-          <a:lstStyle/>
-          <a:p>
-            <a:r>
-              <a:rPr lang="en-US" dirty="0"/>
-              <a:t>Things to include in this</a:t>
-            </a:r>
-          </a:p>
-        </p:txBody>
-      </p:sp>
-      <p:sp>
-        <p:nvSpPr>
-          <p:cNvPr id="3" name="Content Placeholder 2">
-            <a:extLst>
-              <a:ext uri="{FF2B5EF4-FFF2-40B4-BE49-F238E27FC236}">
-                <a16:creationId xmlns:a16="http://schemas.microsoft.com/office/drawing/2014/main" id="{E1B3534E-255C-5F40-8AC6-3D9C8D5E6223}"/>
-              </a:ext>
-            </a:extLst>
-          </p:cNvPr>
-          <p:cNvSpPr>
-            <a:spLocks noGrp="1"/>
-          </p:cNvSpPr>
-          <p:nvPr>
-            <p:ph sz="half" idx="1"/>
-          </p:nvPr>
-        </p:nvSpPr>
-        <p:spPr/>
-        <p:txBody>
-          <a:bodyPr>
-            <a:normAutofit fontScale="92500" lnSpcReduction="10000"/>
-          </a:bodyPr>
-          <a:lstStyle/>
-          <a:p>
-            <a:r>
-              <a:rPr lang="en-US" dirty="0" err="1"/>
-              <a:t>Autoreduce</a:t>
-            </a:r>
-            <a:r>
-              <a:rPr lang="en-US" dirty="0"/>
-              <a:t> progress (reduced model)</a:t>
-            </a:r>
-          </a:p>
-          <a:p>
-            <a:pPr lvl="1"/>
-            <a:r>
-              <a:rPr lang="en-US" dirty="0"/>
-              <a:t>Comparison between outputs of reduced and unreduced model</a:t>
-            </a:r>
-            <a:r>
-              <a:rPr lang="en-US" dirty="0">
-                <a:solidFill>
-                  <a:srgbClr val="FF0000"/>
-                </a:solidFill>
-              </a:rPr>
-              <a:t> not good</a:t>
-            </a:r>
-            <a:endParaRPr lang="en-US" dirty="0"/>
-          </a:p>
-          <a:p>
-            <a:r>
-              <a:rPr lang="en-US" dirty="0"/>
-              <a:t>Model reduced model with appropriate parameters? </a:t>
-            </a:r>
-          </a:p>
-          <a:p>
-            <a:r>
-              <a:rPr lang="en-US" b="1" strike="sngStrike" dirty="0"/>
-              <a:t>Should you try this in biocrnpyler/bioscrape for the time being?</a:t>
-            </a:r>
-          </a:p>
-          <a:p>
-            <a:r>
-              <a:rPr lang="en-US" dirty="0"/>
-              <a:t>Maybe show some minimal model things</a:t>
-            </a:r>
-          </a:p>
-          <a:p>
-            <a:endParaRPr lang="en-US" dirty="0"/>
-          </a:p>
-        </p:txBody>
-      </p:sp>
-      <p:sp>
-        <p:nvSpPr>
-          <p:cNvPr id="4" name="Content Placeholder 3">
-            <a:extLst>
-              <a:ext uri="{FF2B5EF4-FFF2-40B4-BE49-F238E27FC236}">
-                <a16:creationId xmlns:a16="http://schemas.microsoft.com/office/drawing/2014/main" id="{6533B018-4B20-FE4E-BCCE-7FBA6F30B8A6}"/>
-              </a:ext>
-            </a:extLst>
-          </p:cNvPr>
-          <p:cNvSpPr>
-            <a:spLocks noGrp="1"/>
-          </p:cNvSpPr>
-          <p:nvPr>
-            <p:ph sz="half" idx="2"/>
-          </p:nvPr>
-        </p:nvSpPr>
-        <p:spPr/>
-        <p:txBody>
-          <a:bodyPr>
-            <a:normAutofit fontScale="92500" lnSpcReduction="10000"/>
-          </a:bodyPr>
-          <a:lstStyle/>
-          <a:p>
-            <a:r>
-              <a:rPr lang="en-US" dirty="0"/>
-              <a:t>IMPORTANT</a:t>
-            </a:r>
-          </a:p>
-          <a:p>
-            <a:pPr lvl="1"/>
-            <a:r>
-              <a:rPr lang="en-US" dirty="0"/>
-              <a:t>Other people you can </a:t>
-            </a:r>
-            <a:r>
-              <a:rPr lang="en-US" dirty="0" err="1"/>
-              <a:t>colab</a:t>
-            </a:r>
-            <a:r>
-              <a:rPr lang="en-US" dirty="0"/>
-              <a:t> with</a:t>
-            </a:r>
-          </a:p>
-          <a:p>
-            <a:pPr lvl="1"/>
-            <a:r>
-              <a:rPr lang="en-US" dirty="0"/>
-              <a:t>How other’s can use this model (</a:t>
-            </a:r>
-            <a:r>
-              <a:rPr lang="en-US" dirty="0" err="1"/>
-              <a:t>subSBML</a:t>
-            </a:r>
-            <a:r>
-              <a:rPr lang="en-US" dirty="0"/>
-              <a:t>)</a:t>
-            </a:r>
-          </a:p>
-          <a:p>
-            <a:r>
-              <a:rPr lang="en-US" dirty="0"/>
-              <a:t>Do ATP Synthase Model</a:t>
-            </a:r>
-          </a:p>
-          <a:p>
-            <a:pPr lvl="1"/>
-            <a:r>
-              <a:rPr lang="en-US" dirty="0" err="1"/>
-              <a:t>Gro?chemostat</a:t>
-            </a:r>
-            <a:r>
-              <a:rPr lang="en-US" dirty="0"/>
-              <a:t>?</a:t>
-            </a:r>
-          </a:p>
-          <a:p>
-            <a:pPr lvl="1"/>
-            <a:r>
-              <a:rPr lang="en-US" dirty="0"/>
-              <a:t>Gro simulation for fun</a:t>
-            </a:r>
-          </a:p>
-          <a:p>
-            <a:pPr lvl="2"/>
-            <a:r>
-              <a:rPr lang="en-US" dirty="0"/>
-              <a:t>Includes dilution/division, doesn’t happen in liposomes</a:t>
-            </a:r>
-          </a:p>
-          <a:p>
-            <a:pPr lvl="1"/>
-            <a:endParaRPr lang="en-US" dirty="0"/>
-          </a:p>
-          <a:p>
-            <a:r>
-              <a:rPr lang="en-US" dirty="0"/>
-              <a:t>Include phases like peter (roadmap)</a:t>
-            </a:r>
-          </a:p>
-          <a:p>
-            <a:endParaRPr lang="en-US" dirty="0"/>
-          </a:p>
-          <a:p>
-            <a:pPr lvl="1"/>
-            <a:endParaRPr lang="en-US" dirty="0"/>
-          </a:p>
-          <a:p>
-            <a:pPr lvl="1"/>
-            <a:endParaRPr lang="en-US" dirty="0"/>
-          </a:p>
-          <a:p>
-            <a:endParaRPr lang="en-US" dirty="0"/>
-          </a:p>
-        </p:txBody>
-      </p:sp>
-      <p:pic>
-        <p:nvPicPr>
-          <p:cNvPr id="5" name="Picture 4" descr="A picture containing drawing&#10;&#10;Description automatically generated">
-            <a:extLst>
-              <a:ext uri="{FF2B5EF4-FFF2-40B4-BE49-F238E27FC236}">
-                <a16:creationId xmlns:a16="http://schemas.microsoft.com/office/drawing/2014/main" id="{DE90D10D-FDED-764D-B1ED-BF0CCB00C446}"/>
-              </a:ext>
-            </a:extLst>
-          </p:cNvPr>
-          <p:cNvPicPr>
-            <a:picLocks noChangeAspect="1"/>
-          </p:cNvPicPr>
-          <p:nvPr/>
-        </p:nvPicPr>
-        <p:blipFill>
-          <a:blip r:embed="rId3"/>
-          <a:stretch>
-            <a:fillRect/>
-          </a:stretch>
-        </p:blipFill>
-        <p:spPr>
-          <a:xfrm>
-            <a:off x="11117119" y="6514803"/>
-            <a:ext cx="1074881" cy="343197"/>
-          </a:xfrm>
-          <a:prstGeom prst="rect">
-            <a:avLst/>
-          </a:prstGeom>
-        </p:spPr>
-      </p:pic>
-    </p:spTree>
-    <p:extLst>
-      <p:ext uri="{BB962C8B-B14F-4D97-AF65-F5344CB8AC3E}">
-        <p14:creationId xmlns:p14="http://schemas.microsoft.com/office/powerpoint/2010/main" val="1800116548"/>
-      </p:ext>
-    </p:extLst>
-  </p:cSld>
-  <p:clrMapOvr>
-    <a:masterClrMapping/>
-  </p:clrMapOvr>
-</p:sld>
-</file>
-
-<file path=ppt/slides/slide3.xml><?xml version="1.0" encoding="utf-8"?>
 <p:sld xmlns:a="http://schemas.openxmlformats.org/drawingml/2006/main" xmlns:r="http://schemas.openxmlformats.org/officeDocument/2006/relationships" xmlns:p="http://schemas.openxmlformats.org/presentationml/2006/main">
   <p:cSld>
     <p:spTree>
@@ -16783,7 +16264,7 @@
 </p:sld>
 </file>
 
-<file path=ppt/slides/slide4.xml><?xml version="1.0" encoding="utf-8"?>
+<file path=ppt/slides/slide3.xml><?xml version="1.0" encoding="utf-8"?>
 <p:sld xmlns:a="http://schemas.openxmlformats.org/drawingml/2006/main" xmlns:r="http://schemas.openxmlformats.org/officeDocument/2006/relationships" xmlns:p="http://schemas.openxmlformats.org/presentationml/2006/main">
   <p:cSld>
     <p:spTree>
@@ -17765,7 +17246,7 @@
 </p:sld>
 </file>
 
-<file path=ppt/slides/slide5.xml><?xml version="1.0" encoding="utf-8"?>
+<file path=ppt/slides/slide4.xml><?xml version="1.0" encoding="utf-8"?>
 <p:sld xmlns:a="http://schemas.openxmlformats.org/drawingml/2006/main" xmlns:r="http://schemas.openxmlformats.org/officeDocument/2006/relationships" xmlns:p="http://schemas.openxmlformats.org/presentationml/2006/main">
   <p:cSld>
     <p:spTree>
@@ -18489,7 +17970,7 @@
 </p:sld>
 </file>
 
-<file path=ppt/slides/slide6.xml><?xml version="1.0" encoding="utf-8"?>
+<file path=ppt/slides/slide5.xml><?xml version="1.0" encoding="utf-8"?>
 <p:sld xmlns:a="http://schemas.openxmlformats.org/drawingml/2006/main" xmlns:r="http://schemas.openxmlformats.org/officeDocument/2006/relationships" xmlns:p="http://schemas.openxmlformats.org/presentationml/2006/main">
   <p:cSld>
     <p:spTree>
@@ -18536,49 +18017,8 @@
           <a:p>
             <a:r>
               <a:rPr lang="en-US" sz="3200" b="1" dirty="0"/>
-              <a:t>Rheostat Model Output </a:t>
-            </a:r>
-            <a:r>
-              <a:rPr lang="en-US" sz="3200" b="1" dirty="0">
-                <a:solidFill>
-                  <a:srgbClr val="FF0000"/>
-                </a:solidFill>
-              </a:rPr>
-              <a:t>add </a:t>
-            </a:r>
-            <a:r>
-              <a:rPr lang="en-US" sz="3200" b="1" dirty="0" err="1">
-                <a:solidFill>
-                  <a:srgbClr val="FF0000"/>
-                </a:solidFill>
-              </a:rPr>
-              <a:t>isob</a:t>
-            </a:r>
-            <a:r>
-              <a:rPr lang="en-US" sz="3200" b="1" dirty="0">
-                <a:solidFill>
-                  <a:srgbClr val="FF0000"/>
-                </a:solidFill>
-              </a:rPr>
-              <a:t> toxicity to membrane protein folding/</a:t>
-            </a:r>
-            <a:r>
-              <a:rPr lang="en-US" sz="3200" b="1" dirty="0" err="1">
-                <a:solidFill>
-                  <a:srgbClr val="FF0000"/>
-                </a:solidFill>
-              </a:rPr>
-              <a:t>txtl</a:t>
-            </a:r>
-            <a:r>
-              <a:rPr lang="en-US" sz="3200" b="1" dirty="0">
-                <a:solidFill>
-                  <a:srgbClr val="FF0000"/>
-                </a:solidFill>
-              </a:rPr>
-              <a:t> here</a:t>
-            </a:r>
-            <a:endParaRPr lang="en-US" sz="3200" b="1" dirty="0"/>
+              <a:t>Rheostat Model Output</a:t>
+            </a:r>
           </a:p>
         </p:txBody>
       </p:sp>
@@ -18806,7 +18246,7 @@
 </p:sld>
 </file>
 
-<file path=ppt/slides/slide7.xml><?xml version="1.0" encoding="utf-8"?>
+<file path=ppt/slides/slide6.xml><?xml version="1.0" encoding="utf-8"?>
 <p:sld xmlns:a="http://schemas.openxmlformats.org/drawingml/2006/main" xmlns:r="http://schemas.openxmlformats.org/officeDocument/2006/relationships" xmlns:p="http://schemas.openxmlformats.org/presentationml/2006/main">
   <p:cSld>
     <p:spTree>
@@ -18879,7 +18319,15 @@
             </a:r>
             <a:r>
               <a:rPr lang="en-US" sz="2400" dirty="0"/>
-              <a:t>, isobutanol, glucose</a:t>
+              <a:t>, </a:t>
+            </a:r>
+            <a:r>
+              <a:rPr lang="en-US" sz="2400" dirty="0" err="1"/>
+              <a:t>nadph</a:t>
+            </a:r>
+            <a:r>
+              <a:rPr lang="en-US" sz="2400" dirty="0"/>
+              <a:t>, isobutanol, glucose, enzymes</a:t>
             </a:r>
           </a:p>
         </p:txBody>
@@ -19208,7 +18656,7 @@
 </p:sld>
 </file>
 
-<file path=ppt/slides/slide8.xml><?xml version="1.0" encoding="utf-8"?>
+<file path=ppt/slides/slide7.xml><?xml version="1.0" encoding="utf-8"?>
 <p:sld xmlns:a="http://schemas.openxmlformats.org/drawingml/2006/main" xmlns:r="http://schemas.openxmlformats.org/officeDocument/2006/relationships" xmlns:p="http://schemas.openxmlformats.org/presentationml/2006/main">
   <p:cSld>
     <p:spTree>
@@ -19314,10 +18762,8 @@
           <a:p>
             <a:r>
               <a:rPr lang="en-US" sz="1800" dirty="0"/>
-              <a:t>Long runtime for Reduced Model 4</a:t>
-            </a:r>
-          </a:p>
-          <a:p>
+              <a:t>Errors for Reduced Model 4</a:t>
+            </a:r>
             <a:endParaRPr lang="en-US" dirty="0"/>
           </a:p>
         </p:txBody>
@@ -19695,7 +19141,7 @@
 </p:sld>
 </file>
 
-<file path=ppt/slides/slide9.xml><?xml version="1.0" encoding="utf-8"?>
+<file path=ppt/slides/slide8.xml><?xml version="1.0" encoding="utf-8"?>
 <p:sld xmlns:a="http://schemas.openxmlformats.org/drawingml/2006/main" xmlns:r="http://schemas.openxmlformats.org/officeDocument/2006/relationships" xmlns:p="http://schemas.openxmlformats.org/presentationml/2006/main">
   <p:cSld>
     <p:spTree>
@@ -19812,8 +19258,8 @@
           </a:prstGeom>
         </p:spPr>
       </p:pic>
-      <mc:AlternateContent xmlns:mc="http://schemas.openxmlformats.org/markup-compatibility/2006">
-        <mc:Choice xmlns:a14="http://schemas.microsoft.com/office/drawing/2010/main" Requires="a14">
+      <mc:AlternateContent xmlns:mc="http://schemas.openxmlformats.org/markup-compatibility/2006" xmlns:a14="http://schemas.microsoft.com/office/drawing/2010/main">
+        <mc:Choice Requires="a14">
           <p:sp>
             <p:nvSpPr>
               <p:cNvPr id="10" name="TextBox 9">
@@ -19950,7 +19396,7 @@
             </p:txBody>
           </p:sp>
         </mc:Choice>
-        <mc:Fallback>
+        <mc:Fallback xmlns="">
           <p:sp>
             <p:nvSpPr>
               <p:cNvPr id="10" name="TextBox 9">
@@ -19995,8 +19441,8 @@
           </p:sp>
         </mc:Fallback>
       </mc:AlternateContent>
-      <mc:AlternateContent xmlns:mc="http://schemas.openxmlformats.org/markup-compatibility/2006">
-        <mc:Choice xmlns:a14="http://schemas.microsoft.com/office/drawing/2010/main" Requires="a14">
+      <mc:AlternateContent xmlns:mc="http://schemas.openxmlformats.org/markup-compatibility/2006" xmlns:a14="http://schemas.microsoft.com/office/drawing/2010/main">
+        <mc:Choice Requires="a14">
           <p:sp>
             <p:nvSpPr>
               <p:cNvPr id="11" name="TextBox 10">
@@ -20133,7 +19579,7 @@
             </p:txBody>
           </p:sp>
         </mc:Choice>
-        <mc:Fallback>
+        <mc:Fallback xmlns="">
           <p:sp>
             <p:nvSpPr>
               <p:cNvPr id="11" name="TextBox 10">
@@ -20178,8 +19624,8 @@
           </p:sp>
         </mc:Fallback>
       </mc:AlternateContent>
-      <mc:AlternateContent xmlns:mc="http://schemas.openxmlformats.org/markup-compatibility/2006">
-        <mc:Choice xmlns:a14="http://schemas.microsoft.com/office/drawing/2010/main" Requires="a14">
+      <mc:AlternateContent xmlns:mc="http://schemas.openxmlformats.org/markup-compatibility/2006" xmlns:a14="http://schemas.microsoft.com/office/drawing/2010/main">
+        <mc:Choice Requires="a14">
           <p:sp>
             <p:nvSpPr>
               <p:cNvPr id="12" name="TextBox 11">
@@ -20291,7 +19737,7 @@
             </p:txBody>
           </p:sp>
         </mc:Choice>
-        <mc:Fallback>
+        <mc:Fallback xmlns="">
           <p:sp>
             <p:nvSpPr>
               <p:cNvPr id="12" name="TextBox 11">
@@ -20336,8 +19782,8 @@
           </p:sp>
         </mc:Fallback>
       </mc:AlternateContent>
-      <mc:AlternateContent xmlns:mc="http://schemas.openxmlformats.org/markup-compatibility/2006">
-        <mc:Choice xmlns:a14="http://schemas.microsoft.com/office/drawing/2010/main" Requires="a14">
+      <mc:AlternateContent xmlns:mc="http://schemas.openxmlformats.org/markup-compatibility/2006" xmlns:a14="http://schemas.microsoft.com/office/drawing/2010/main">
+        <mc:Choice Requires="a14">
           <p:sp>
             <p:nvSpPr>
               <p:cNvPr id="13" name="TextBox 12">
@@ -20440,7 +19886,7 @@
             </p:txBody>
           </p:sp>
         </mc:Choice>
-        <mc:Fallback>
+        <mc:Fallback xmlns="">
           <p:sp>
             <p:nvSpPr>
               <p:cNvPr id="13" name="TextBox 12">
@@ -20485,8 +19931,8 @@
           </p:sp>
         </mc:Fallback>
       </mc:AlternateContent>
-      <mc:AlternateContent xmlns:mc="http://schemas.openxmlformats.org/markup-compatibility/2006">
-        <mc:Choice xmlns:a14="http://schemas.microsoft.com/office/drawing/2010/main" Requires="a14">
+      <mc:AlternateContent xmlns:mc="http://schemas.openxmlformats.org/markup-compatibility/2006" xmlns:a14="http://schemas.microsoft.com/office/drawing/2010/main">
+        <mc:Choice Requires="a14">
           <p:sp>
             <p:nvSpPr>
               <p:cNvPr id="14" name="TextBox 13">
@@ -20561,7 +20007,7 @@
             </p:txBody>
           </p:sp>
         </mc:Choice>
-        <mc:Fallback>
+        <mc:Fallback xmlns="">
           <p:sp>
             <p:nvSpPr>
               <p:cNvPr id="14" name="TextBox 13">
@@ -20606,8 +20052,8 @@
           </p:sp>
         </mc:Fallback>
       </mc:AlternateContent>
-      <mc:AlternateContent xmlns:mc="http://schemas.openxmlformats.org/markup-compatibility/2006">
-        <mc:Choice xmlns:a14="http://schemas.microsoft.com/office/drawing/2010/main" Requires="a14">
+      <mc:AlternateContent xmlns:mc="http://schemas.openxmlformats.org/markup-compatibility/2006" xmlns:a14="http://schemas.microsoft.com/office/drawing/2010/main">
+        <mc:Choice Requires="a14">
           <p:sp>
             <p:nvSpPr>
               <p:cNvPr id="15" name="TextBox 14">
@@ -20682,7 +20128,7 @@
             </p:txBody>
           </p:sp>
         </mc:Choice>
-        <mc:Fallback>
+        <mc:Fallback xmlns="">
           <p:sp>
             <p:nvSpPr>
               <p:cNvPr id="15" name="TextBox 14">
@@ -20798,6 +20244,342 @@
     <p:extLst>
       <p:ext uri="{BB962C8B-B14F-4D97-AF65-F5344CB8AC3E}">
         <p14:creationId xmlns:p14="http://schemas.microsoft.com/office/powerpoint/2010/main" val="1341901988"/>
+      </p:ext>
+    </p:extLst>
+  </p:cSld>
+  <p:clrMapOvr>
+    <a:masterClrMapping/>
+  </p:clrMapOvr>
+</p:sld>
+</file>
+
+<file path=ppt/slides/slide9.xml><?xml version="1.0" encoding="utf-8"?>
+<p:sld xmlns:a="http://schemas.openxmlformats.org/drawingml/2006/main" xmlns:r="http://schemas.openxmlformats.org/officeDocument/2006/relationships" xmlns:p="http://schemas.openxmlformats.org/presentationml/2006/main">
+  <p:cSld>
+    <p:spTree>
+      <p:nvGrpSpPr>
+        <p:cNvPr id="1" name=""/>
+        <p:cNvGrpSpPr/>
+        <p:nvPr/>
+      </p:nvGrpSpPr>
+      <p:grpSpPr>
+        <a:xfrm>
+          <a:off x="0" y="0"/>
+          <a:ext cx="0" cy="0"/>
+          <a:chOff x="0" y="0"/>
+          <a:chExt cx="0" cy="0"/>
+        </a:xfrm>
+      </p:grpSpPr>
+      <p:sp>
+        <p:nvSpPr>
+          <p:cNvPr id="2" name="Title 1">
+            <a:extLst>
+              <a:ext uri="{FF2B5EF4-FFF2-40B4-BE49-F238E27FC236}">
+                <a16:creationId xmlns:a16="http://schemas.microsoft.com/office/drawing/2014/main" id="{9BEE9B32-4972-D542-AA54-17F1B405C985}"/>
+              </a:ext>
+            </a:extLst>
+          </p:cNvPr>
+          <p:cNvSpPr>
+            <a:spLocks noGrp="1"/>
+          </p:cNvSpPr>
+          <p:nvPr>
+            <p:ph type="title"/>
+          </p:nvPr>
+        </p:nvSpPr>
+        <p:spPr>
+          <a:xfrm>
+            <a:off x="321365" y="166342"/>
+            <a:ext cx="10515600" cy="1325563"/>
+          </a:xfrm>
+        </p:spPr>
+        <p:txBody>
+          <a:bodyPr>
+            <a:normAutofit/>
+          </a:bodyPr>
+          <a:lstStyle/>
+          <a:p>
+            <a:r>
+              <a:rPr lang="en-US" sz="3200" b="1" dirty="0"/>
+              <a:t>Collaboration</a:t>
+            </a:r>
+          </a:p>
+        </p:txBody>
+      </p:sp>
+      <p:sp>
+        <p:nvSpPr>
+          <p:cNvPr id="6" name="Content Placeholder 5">
+            <a:extLst>
+              <a:ext uri="{FF2B5EF4-FFF2-40B4-BE49-F238E27FC236}">
+                <a16:creationId xmlns:a16="http://schemas.microsoft.com/office/drawing/2014/main" id="{6468D1C1-49DF-C741-87DA-9844C5203FCE}"/>
+              </a:ext>
+            </a:extLst>
+          </p:cNvPr>
+          <p:cNvSpPr>
+            <a:spLocks noGrp="1"/>
+          </p:cNvSpPr>
+          <p:nvPr>
+            <p:ph sz="half" idx="2"/>
+          </p:nvPr>
+        </p:nvSpPr>
+        <p:spPr>
+          <a:xfrm>
+            <a:off x="6172200" y="2235097"/>
+            <a:ext cx="5181600" cy="1412564"/>
+          </a:xfrm>
+        </p:spPr>
+        <p:txBody>
+          <a:bodyPr>
+            <a:normAutofit/>
+          </a:bodyPr>
+          <a:lstStyle/>
+          <a:p>
+            <a:r>
+              <a:rPr lang="en-US" sz="2000" dirty="0" err="1"/>
+              <a:t>Subsbml</a:t>
+            </a:r>
+            <a:r>
+              <a:rPr lang="en-US" sz="2000" dirty="0"/>
+              <a:t> model</a:t>
+            </a:r>
+          </a:p>
+          <a:p>
+            <a:pPr lvl="1"/>
+            <a:r>
+              <a:rPr lang="en-US" sz="1800" dirty="0"/>
+              <a:t>”</a:t>
+            </a:r>
+            <a:r>
+              <a:rPr lang="en-US" sz="1800" dirty="0" err="1"/>
+              <a:t>rheostat_sbml_model.xml</a:t>
+            </a:r>
+            <a:r>
+              <a:rPr lang="en-US" sz="1800" dirty="0"/>
+              <a:t>”</a:t>
+            </a:r>
+          </a:p>
+          <a:p>
+            <a:pPr lvl="1"/>
+            <a:r>
+              <a:rPr lang="en-US" sz="1800" dirty="0"/>
+              <a:t>Input [enzymes]</a:t>
+            </a:r>
+            <a:r>
+              <a:rPr lang="en-US" sz="1800" baseline="-25000" dirty="0"/>
+              <a:t>0</a:t>
+            </a:r>
+            <a:r>
+              <a:rPr lang="en-US" sz="1800" dirty="0"/>
+              <a:t>, [glucose]</a:t>
+            </a:r>
+            <a:r>
+              <a:rPr lang="en-US" sz="1800" baseline="-25000" dirty="0"/>
+              <a:t>0</a:t>
+            </a:r>
+            <a:r>
+              <a:rPr lang="en-US" sz="1800" dirty="0"/>
+              <a:t>, [</a:t>
+            </a:r>
+            <a:r>
+              <a:rPr lang="en-US" sz="1800" dirty="0" err="1"/>
+              <a:t>atp</a:t>
+            </a:r>
+            <a:r>
+              <a:rPr lang="en-US" sz="1800" dirty="0"/>
+              <a:t>]</a:t>
+            </a:r>
+            <a:r>
+              <a:rPr lang="en-US" sz="1800" baseline="-25000" dirty="0"/>
+              <a:t>0</a:t>
+            </a:r>
+            <a:r>
+              <a:rPr lang="en-US" sz="1800" dirty="0"/>
+              <a:t>, [pi]</a:t>
+            </a:r>
+            <a:r>
+              <a:rPr lang="en-US" sz="1800" baseline="-25000" dirty="0"/>
+              <a:t>0</a:t>
+            </a:r>
+            <a:r>
+              <a:rPr lang="en-US" sz="1800" dirty="0"/>
+              <a:t>, [</a:t>
+            </a:r>
+            <a:r>
+              <a:rPr lang="en-US" sz="1800" dirty="0" err="1"/>
+              <a:t>nadp</a:t>
+            </a:r>
+            <a:r>
+              <a:rPr lang="en-US" sz="1800" dirty="0"/>
+              <a:t>]</a:t>
+            </a:r>
+            <a:r>
+              <a:rPr lang="en-US" sz="1800" baseline="-25000" dirty="0"/>
+              <a:t>0</a:t>
+            </a:r>
+          </a:p>
+          <a:p>
+            <a:pPr lvl="1"/>
+            <a:endParaRPr lang="en-US" sz="1800" baseline="-25000" dirty="0"/>
+          </a:p>
+          <a:p>
+            <a:pPr lvl="1"/>
+            <a:endParaRPr lang="en-US" sz="1800" dirty="0"/>
+          </a:p>
+        </p:txBody>
+      </p:sp>
+      <p:pic>
+        <p:nvPicPr>
+          <p:cNvPr id="5" name="Picture 4" descr="A close up of a map&#10;&#10;Description automatically generated">
+            <a:extLst>
+              <a:ext uri="{FF2B5EF4-FFF2-40B4-BE49-F238E27FC236}">
+                <a16:creationId xmlns:a16="http://schemas.microsoft.com/office/drawing/2014/main" id="{083B9151-3721-434D-BF40-9B652C46C99F}"/>
+              </a:ext>
+            </a:extLst>
+          </p:cNvPr>
+          <p:cNvPicPr>
+            <a:picLocks noChangeAspect="1"/>
+          </p:cNvPicPr>
+          <p:nvPr/>
+        </p:nvPicPr>
+        <p:blipFill>
+          <a:blip r:embed="rId3">
+            <a:extLst>
+              <a:ext uri="{BEBA8EAE-BF5A-486C-A8C5-ECC9F3942E4B}">
+                <a14:imgProps xmlns:a14="http://schemas.microsoft.com/office/drawing/2010/main">
+                  <a14:imgLayer r:embed="rId4">
+                    <a14:imgEffect>
+                      <a14:backgroundRemoval t="10000" b="99750" l="5195" r="96537">
+                        <a14:foregroundMark x1="82107" y1="15500" x2="40260" y2="7750"/>
+                        <a14:foregroundMark x1="40260" y1="7750" x2="17893" y2="25750"/>
+                        <a14:foregroundMark x1="17893" y1="25750" x2="7359" y2="30500"/>
+                        <a14:foregroundMark x1="7359" y1="30500" x2="2685" y2="48905"/>
+                        <a14:foregroundMark x1="3112" y1="51009" x2="7648" y2="66500"/>
+                        <a14:foregroundMark x1="7648" y1="66500" x2="21356" y2="76250"/>
+                        <a14:foregroundMark x1="21356" y1="76250" x2="29726" y2="89500"/>
+                        <a14:foregroundMark x1="29726" y1="89500" x2="40260" y2="96000"/>
+                        <a14:foregroundMark x1="40260" y1="96000" x2="67388" y2="97500"/>
+                        <a14:foregroundMark x1="67388" y1="97500" x2="78788" y2="95750"/>
+                        <a14:foregroundMark x1="78788" y1="95750" x2="95671" y2="68750"/>
+                        <a14:foregroundMark x1="95671" y1="68750" x2="98413" y2="50250"/>
+                        <a14:foregroundMark x1="98413" y1="50250" x2="96681" y2="28000"/>
+                        <a14:foregroundMark x1="96681" y1="28000" x2="87734" y2="14750"/>
+                        <a14:foregroundMark x1="87734" y1="14750" x2="76912" y2="10750"/>
+                        <a14:foregroundMark x1="76912" y1="10750" x2="71717" y2="16750"/>
+                        <a14:foregroundMark x1="13131" y1="37500" x2="4185" y2="49250"/>
+                        <a14:foregroundMark x1="5002" y1="65432" x2="5095" y2="67277"/>
+                        <a14:foregroundMark x1="4185" y1="49250" x2="4658" y2="58617"/>
+                        <a14:foregroundMark x1="5551" y1="69208" x2="11544" y2="68500"/>
+                        <a14:foregroundMark x1="22511" y1="81750" x2="57431" y2="96750"/>
+                        <a14:foregroundMark x1="57431" y1="96750" x2="68543" y2="91000"/>
+                        <a14:foregroundMark x1="68543" y1="91000" x2="87734" y2="99750"/>
+                        <a14:backgroundMark x1="29870" y1="7250" x2="144" y2="15500"/>
+                        <a14:backgroundMark x1="0" y1="48500" x2="3608" y2="66250"/>
+                        <a14:backgroundMark x1="3608" y1="66250" x2="144" y2="80500"/>
+                        <a14:backgroundMark x1="33189" y1="5500" x2="22367" y2="15250"/>
+                        <a14:backgroundMark x1="22367" y1="15250" x2="9380" y2="12500"/>
+                      </a14:backgroundRemoval>
+                    </a14:imgEffect>
+                  </a14:imgLayer>
+                </a14:imgProps>
+              </a:ext>
+            </a:extLst>
+          </a:blip>
+          <a:stretch>
+            <a:fillRect/>
+          </a:stretch>
+        </p:blipFill>
+        <p:spPr>
+          <a:xfrm>
+            <a:off x="1075635" y="1870766"/>
+            <a:ext cx="4394200" cy="2540000"/>
+          </a:xfrm>
+          <a:prstGeom prst="rect">
+            <a:avLst/>
+          </a:prstGeom>
+        </p:spPr>
+      </p:pic>
+      <p:sp>
+        <p:nvSpPr>
+          <p:cNvPr id="9" name="TextBox 8">
+            <a:extLst>
+              <a:ext uri="{FF2B5EF4-FFF2-40B4-BE49-F238E27FC236}">
+                <a16:creationId xmlns:a16="http://schemas.microsoft.com/office/drawing/2014/main" id="{1C3C4163-5E71-C943-9C4F-6C58DD3AFBBA}"/>
+              </a:ext>
+            </a:extLst>
+          </p:cNvPr>
+          <p:cNvSpPr txBox="1"/>
+          <p:nvPr/>
+        </p:nvSpPr>
+        <p:spPr>
+          <a:xfrm>
+            <a:off x="3113761" y="6596390"/>
+            <a:ext cx="9169053" cy="261610"/>
+          </a:xfrm>
+          <a:prstGeom prst="rect">
+            <a:avLst/>
+          </a:prstGeom>
+          <a:noFill/>
+        </p:spPr>
+        <p:txBody>
+          <a:bodyPr wrap="square" rtlCol="0">
+            <a:spAutoFit/>
+          </a:bodyPr>
+          <a:lstStyle/>
+          <a:p>
+            <a:r>
+              <a:rPr lang="en-US" sz="1050" dirty="0">
+                <a:latin typeface="Avenir Book" panose="02000503020000020003" pitchFamily="2" charset="0"/>
+              </a:rPr>
+              <a:t>Murray, Richard, </a:t>
+            </a:r>
+            <a:r>
+              <a:rPr lang="en-US" sz="1050" i="1" dirty="0">
+                <a:latin typeface="Avenir Book" panose="02000503020000020003" pitchFamily="2" charset="0"/>
+              </a:rPr>
+              <a:t>Towards Genetically-Programmed Synthetic Cells and Multi-Cellular Machines</a:t>
+            </a:r>
+            <a:r>
+              <a:rPr lang="en-US" sz="1050" dirty="0">
+                <a:latin typeface="Avenir Book" panose="02000503020000020003" pitchFamily="2" charset="0"/>
+              </a:rPr>
+              <a:t>, July 2017. PowerPoint Presentation. </a:t>
+            </a:r>
+          </a:p>
+        </p:txBody>
+      </p:sp>
+      <p:pic>
+        <p:nvPicPr>
+          <p:cNvPr id="10" name="Picture 9" descr="A picture containing drawing&#10;&#10;Description automatically generated">
+            <a:extLst>
+              <a:ext uri="{FF2B5EF4-FFF2-40B4-BE49-F238E27FC236}">
+                <a16:creationId xmlns:a16="http://schemas.microsoft.com/office/drawing/2014/main" id="{BD461982-BBBC-954E-8E6C-48A1D7CC9BC1}"/>
+              </a:ext>
+            </a:extLst>
+          </p:cNvPr>
+          <p:cNvPicPr>
+            <a:picLocks noChangeAspect="1"/>
+          </p:cNvPicPr>
+          <p:nvPr/>
+        </p:nvPicPr>
+        <p:blipFill>
+          <a:blip r:embed="rId5"/>
+          <a:stretch>
+            <a:fillRect/>
+          </a:stretch>
+        </p:blipFill>
+        <p:spPr>
+          <a:xfrm>
+            <a:off x="11117119" y="6514803"/>
+            <a:ext cx="1074881" cy="343197"/>
+          </a:xfrm>
+          <a:prstGeom prst="rect">
+            <a:avLst/>
+          </a:prstGeom>
+        </p:spPr>
+      </p:pic>
+    </p:spTree>
+    <p:extLst>
+      <p:ext uri="{BB962C8B-B14F-4D97-AF65-F5344CB8AC3E}">
+        <p14:creationId xmlns:p14="http://schemas.microsoft.com/office/powerpoint/2010/main" val="2010598947"/>
       </p:ext>
     </p:extLst>
   </p:cSld>

--- a/miscellaneous/presentations/20200715_syncell_mtg.pptx
+++ b/miscellaneous/presentations/20200715_syncell_mtg.pptx
@@ -6476,7 +6476,7 @@
           <a:p>
             <a:fld id="{B102B905-3FD8-2942-AB12-6B3360B55AB8}" type="datetimeFigureOut">
               <a:rPr lang="en-US" smtClean="0"/>
-              <a:t>7/15/20</a:t>
+              <a:t>7/17/20</a:t>
             </a:fld>
             <a:endParaRPr lang="en-US"/>
           </a:p>
@@ -8066,7 +8066,7 @@
           <a:p>
             <a:fld id="{3B3400CD-7287-EA41-97B8-6C373A830532}" type="datetimeFigureOut">
               <a:rPr lang="en-US" smtClean="0"/>
-              <a:t>7/15/20</a:t>
+              <a:t>7/17/20</a:t>
             </a:fld>
             <a:endParaRPr lang="en-US"/>
           </a:p>
@@ -8264,7 +8264,7 @@
           <a:p>
             <a:fld id="{3B3400CD-7287-EA41-97B8-6C373A830532}" type="datetimeFigureOut">
               <a:rPr lang="en-US" smtClean="0"/>
-              <a:t>7/15/20</a:t>
+              <a:t>7/17/20</a:t>
             </a:fld>
             <a:endParaRPr lang="en-US"/>
           </a:p>
@@ -8472,7 +8472,7 @@
           <a:p>
             <a:fld id="{3B3400CD-7287-EA41-97B8-6C373A830532}" type="datetimeFigureOut">
               <a:rPr lang="en-US" smtClean="0"/>
-              <a:t>7/15/20</a:t>
+              <a:t>7/17/20</a:t>
             </a:fld>
             <a:endParaRPr lang="en-US"/>
           </a:p>
@@ -8672,7 +8672,7 @@
           <a:p>
             <a:fld id="{3B3400CD-7287-EA41-97B8-6C373A830532}" type="datetimeFigureOut">
               <a:rPr lang="en-US" smtClean="0"/>
-              <a:t>7/15/20</a:t>
+              <a:t>7/17/20</a:t>
             </a:fld>
             <a:endParaRPr lang="en-US"/>
           </a:p>
@@ -8947,7 +8947,7 @@
           <a:p>
             <a:fld id="{3B3400CD-7287-EA41-97B8-6C373A830532}" type="datetimeFigureOut">
               <a:rPr lang="en-US" smtClean="0"/>
-              <a:t>7/15/20</a:t>
+              <a:t>7/17/20</a:t>
             </a:fld>
             <a:endParaRPr lang="en-US"/>
           </a:p>
@@ -9212,7 +9212,7 @@
           <a:p>
             <a:fld id="{3B3400CD-7287-EA41-97B8-6C373A830532}" type="datetimeFigureOut">
               <a:rPr lang="en-US" smtClean="0"/>
-              <a:t>7/15/20</a:t>
+              <a:t>7/17/20</a:t>
             </a:fld>
             <a:endParaRPr lang="en-US"/>
           </a:p>
@@ -9624,7 +9624,7 @@
           <a:p>
             <a:fld id="{3B3400CD-7287-EA41-97B8-6C373A830532}" type="datetimeFigureOut">
               <a:rPr lang="en-US" smtClean="0"/>
-              <a:t>7/15/20</a:t>
+              <a:t>7/17/20</a:t>
             </a:fld>
             <a:endParaRPr lang="en-US"/>
           </a:p>
@@ -9765,7 +9765,7 @@
           <a:p>
             <a:fld id="{3B3400CD-7287-EA41-97B8-6C373A830532}" type="datetimeFigureOut">
               <a:rPr lang="en-US" smtClean="0"/>
-              <a:t>7/15/20</a:t>
+              <a:t>7/17/20</a:t>
             </a:fld>
             <a:endParaRPr lang="en-US"/>
           </a:p>
@@ -9878,7 +9878,7 @@
           <a:p>
             <a:fld id="{3B3400CD-7287-EA41-97B8-6C373A830532}" type="datetimeFigureOut">
               <a:rPr lang="en-US" smtClean="0"/>
-              <a:t>7/15/20</a:t>
+              <a:t>7/17/20</a:t>
             </a:fld>
             <a:endParaRPr lang="en-US"/>
           </a:p>
@@ -10189,7 +10189,7 @@
           <a:p>
             <a:fld id="{3B3400CD-7287-EA41-97B8-6C373A830532}" type="datetimeFigureOut">
               <a:rPr lang="en-US" smtClean="0"/>
-              <a:t>7/15/20</a:t>
+              <a:t>7/17/20</a:t>
             </a:fld>
             <a:endParaRPr lang="en-US"/>
           </a:p>
@@ -10480,7 +10480,7 @@
           <a:p>
             <a:fld id="{3B3400CD-7287-EA41-97B8-6C373A830532}" type="datetimeFigureOut">
               <a:rPr lang="en-US" smtClean="0"/>
-              <a:t>7/15/20</a:t>
+              <a:t>7/17/20</a:t>
             </a:fld>
             <a:endParaRPr lang="en-US"/>
           </a:p>
@@ -10723,7 +10723,7 @@
           <a:p>
             <a:fld id="{3B3400CD-7287-EA41-97B8-6C373A830532}" type="datetimeFigureOut">
               <a:rPr lang="en-US" smtClean="0"/>
-              <a:t>7/15/20</a:t>
+              <a:t>7/17/20</a:t>
             </a:fld>
             <a:endParaRPr lang="en-US"/>
           </a:p>
@@ -15817,12 +15817,14 @@
             <a:spLocks noGrp="1"/>
           </p:cNvSpPr>
           <p:nvPr>
-            <p:ph idx="1"/>
+            <p:ph sz="half" idx="1"/>
           </p:nvPr>
         </p:nvSpPr>
         <p:spPr/>
         <p:txBody>
-          <a:bodyPr/>
+          <a:bodyPr>
+            <a:normAutofit/>
+          </a:bodyPr>
           <a:lstStyle/>
           <a:p>
             <a:r>
@@ -15858,16 +15860,66 @@
               <a:t>Manisha </a:t>
             </a:r>
             <a:r>
-              <a:rPr lang="en-US"/>
+              <a:rPr lang="en-US" dirty="0" err="1"/>
               <a:t>Kapasiawala</a:t>
             </a:r>
             <a:endParaRPr lang="en-US" dirty="0"/>
+          </a:p>
+        </p:txBody>
+      </p:sp>
+      <p:sp>
+        <p:nvSpPr>
+          <p:cNvPr id="5" name="Content Placeholder 4">
+            <a:extLst>
+              <a:ext uri="{FF2B5EF4-FFF2-40B4-BE49-F238E27FC236}">
+                <a16:creationId xmlns:a16="http://schemas.microsoft.com/office/drawing/2014/main" id="{A9F6E671-4B35-664E-B7D1-0A7BA08E3F4B}"/>
+              </a:ext>
+            </a:extLst>
+          </p:cNvPr>
+          <p:cNvSpPr>
+            <a:spLocks noGrp="1"/>
+          </p:cNvSpPr>
+          <p:nvPr>
+            <p:ph sz="half" idx="2"/>
+          </p:nvPr>
+        </p:nvSpPr>
+        <p:spPr/>
+        <p:txBody>
+          <a:bodyPr>
+            <a:normAutofit/>
+          </a:bodyPr>
+          <a:lstStyle/>
+          <a:p>
+            <a:r>
+              <a:rPr lang="en-US" dirty="0"/>
+              <a:t>Melissa Takahashi</a:t>
+            </a:r>
           </a:p>
           <a:p>
             <a:r>
               <a:rPr lang="en-US" dirty="0"/>
               <a:t>Richard Murray</a:t>
             </a:r>
+          </a:p>
+          <a:p>
+            <a:endParaRPr lang="en-US" dirty="0"/>
+          </a:p>
+          <a:p>
+            <a:r>
+              <a:rPr lang="en-US" dirty="0"/>
+              <a:t>Samuel P. and Frances </a:t>
+            </a:r>
+            <a:r>
+              <a:rPr lang="en-US" dirty="0" err="1"/>
+              <a:t>Krown</a:t>
+            </a:r>
+            <a:r>
+              <a:rPr lang="en-US" dirty="0"/>
+              <a:t> SURF Fellow</a:t>
+            </a:r>
+          </a:p>
+          <a:p>
+            <a:endParaRPr lang="en-US" dirty="0"/>
           </a:p>
         </p:txBody>
       </p:sp>

--- a/miscellaneous/presentations/20200715_syncell_mtg.pptx
+++ b/miscellaneous/presentations/20200715_syncell_mtg.pptx
@@ -2502,7 +2502,7 @@
   <dgm:whole/>
   <dgm:extLst>
     <a:ext uri="http://schemas.microsoft.com/office/drawing/2008/diagram">
-      <dsp:dataModelExt xmlns:dsp="http://schemas.microsoft.com/office/drawing/2008/diagram" relId="rId7" minVer="http://schemas.openxmlformats.org/drawingml/2006/diagram"/>
+      <dsp:dataModelExt xmlns:dsp="http://schemas.microsoft.com/office/drawing/2008/diagram" relId="rId8" minVer="http://schemas.openxmlformats.org/drawingml/2006/diagram"/>
     </a:ext>
   </dgm:extLst>
 </dgm:dataModel>
@@ -6476,7 +6476,7 @@
           <a:p>
             <a:fld id="{B102B905-3FD8-2942-AB12-6B3360B55AB8}" type="datetimeFigureOut">
               <a:rPr lang="en-US" smtClean="0"/>
-              <a:t>7/17/20</a:t>
+              <a:t>7/27/20</a:t>
             </a:fld>
             <a:endParaRPr lang="en-US"/>
           </a:p>
@@ -8066,7 +8066,7 @@
           <a:p>
             <a:fld id="{3B3400CD-7287-EA41-97B8-6C373A830532}" type="datetimeFigureOut">
               <a:rPr lang="en-US" smtClean="0"/>
-              <a:t>7/17/20</a:t>
+              <a:t>7/27/20</a:t>
             </a:fld>
             <a:endParaRPr lang="en-US"/>
           </a:p>
@@ -8264,7 +8264,7 @@
           <a:p>
             <a:fld id="{3B3400CD-7287-EA41-97B8-6C373A830532}" type="datetimeFigureOut">
               <a:rPr lang="en-US" smtClean="0"/>
-              <a:t>7/17/20</a:t>
+              <a:t>7/27/20</a:t>
             </a:fld>
             <a:endParaRPr lang="en-US"/>
           </a:p>
@@ -8472,7 +8472,7 @@
           <a:p>
             <a:fld id="{3B3400CD-7287-EA41-97B8-6C373A830532}" type="datetimeFigureOut">
               <a:rPr lang="en-US" smtClean="0"/>
-              <a:t>7/17/20</a:t>
+              <a:t>7/27/20</a:t>
             </a:fld>
             <a:endParaRPr lang="en-US"/>
           </a:p>
@@ -8672,7 +8672,7 @@
           <a:p>
             <a:fld id="{3B3400CD-7287-EA41-97B8-6C373A830532}" type="datetimeFigureOut">
               <a:rPr lang="en-US" smtClean="0"/>
-              <a:t>7/17/20</a:t>
+              <a:t>7/27/20</a:t>
             </a:fld>
             <a:endParaRPr lang="en-US"/>
           </a:p>
@@ -8947,7 +8947,7 @@
           <a:p>
             <a:fld id="{3B3400CD-7287-EA41-97B8-6C373A830532}" type="datetimeFigureOut">
               <a:rPr lang="en-US" smtClean="0"/>
-              <a:t>7/17/20</a:t>
+              <a:t>7/27/20</a:t>
             </a:fld>
             <a:endParaRPr lang="en-US"/>
           </a:p>
@@ -9212,7 +9212,7 @@
           <a:p>
             <a:fld id="{3B3400CD-7287-EA41-97B8-6C373A830532}" type="datetimeFigureOut">
               <a:rPr lang="en-US" smtClean="0"/>
-              <a:t>7/17/20</a:t>
+              <a:t>7/27/20</a:t>
             </a:fld>
             <a:endParaRPr lang="en-US"/>
           </a:p>
@@ -9624,7 +9624,7 @@
           <a:p>
             <a:fld id="{3B3400CD-7287-EA41-97B8-6C373A830532}" type="datetimeFigureOut">
               <a:rPr lang="en-US" smtClean="0"/>
-              <a:t>7/17/20</a:t>
+              <a:t>7/27/20</a:t>
             </a:fld>
             <a:endParaRPr lang="en-US"/>
           </a:p>
@@ -9765,7 +9765,7 @@
           <a:p>
             <a:fld id="{3B3400CD-7287-EA41-97B8-6C373A830532}" type="datetimeFigureOut">
               <a:rPr lang="en-US" smtClean="0"/>
-              <a:t>7/17/20</a:t>
+              <a:t>7/27/20</a:t>
             </a:fld>
             <a:endParaRPr lang="en-US"/>
           </a:p>
@@ -9878,7 +9878,7 @@
           <a:p>
             <a:fld id="{3B3400CD-7287-EA41-97B8-6C373A830532}" type="datetimeFigureOut">
               <a:rPr lang="en-US" smtClean="0"/>
-              <a:t>7/17/20</a:t>
+              <a:t>7/27/20</a:t>
             </a:fld>
             <a:endParaRPr lang="en-US"/>
           </a:p>
@@ -10189,7 +10189,7 @@
           <a:p>
             <a:fld id="{3B3400CD-7287-EA41-97B8-6C373A830532}" type="datetimeFigureOut">
               <a:rPr lang="en-US" smtClean="0"/>
-              <a:t>7/17/20</a:t>
+              <a:t>7/27/20</a:t>
             </a:fld>
             <a:endParaRPr lang="en-US"/>
           </a:p>
@@ -10480,7 +10480,7 @@
           <a:p>
             <a:fld id="{3B3400CD-7287-EA41-97B8-6C373A830532}" type="datetimeFigureOut">
               <a:rPr lang="en-US" smtClean="0"/>
-              <a:t>7/17/20</a:t>
+              <a:t>7/27/20</a:t>
             </a:fld>
             <a:endParaRPr lang="en-US"/>
           </a:p>
@@ -10723,7 +10723,7 @@
           <a:p>
             <a:fld id="{3B3400CD-7287-EA41-97B8-6C373A830532}" type="datetimeFigureOut">
               <a:rPr lang="en-US" smtClean="0"/>
-              <a:t>7/17/20</a:t>
+              <a:t>7/27/20</a:t>
             </a:fld>
             <a:endParaRPr lang="en-US"/>
           </a:p>
@@ -13604,443 +13604,6 @@
           </a:p>
         </p:txBody>
       </p:sp>
-      <p:sp>
-        <p:nvSpPr>
-          <p:cNvPr id="5" name="Oval 4">
-            <a:extLst>
-              <a:ext uri="{FF2B5EF4-FFF2-40B4-BE49-F238E27FC236}">
-                <a16:creationId xmlns:a16="http://schemas.microsoft.com/office/drawing/2014/main" id="{D10E32F9-D534-9242-80A8-B33D894CE950}"/>
-              </a:ext>
-            </a:extLst>
-          </p:cNvPr>
-          <p:cNvSpPr/>
-          <p:nvPr/>
-        </p:nvSpPr>
-        <p:spPr>
-          <a:xfrm>
-            <a:off x="1113773" y="1684329"/>
-            <a:ext cx="3429000" cy="3111500"/>
-          </a:xfrm>
-          <a:prstGeom prst="ellipse">
-            <a:avLst/>
-          </a:prstGeom>
-          <a:noFill/>
-          <a:ln w="38100">
-            <a:solidFill>
-              <a:schemeClr val="tx1"/>
-            </a:solidFill>
-            <a:prstDash val="dash"/>
-          </a:ln>
-        </p:spPr>
-        <p:style>
-          <a:lnRef idx="2">
-            <a:schemeClr val="accent1">
-              <a:shade val="50000"/>
-            </a:schemeClr>
-          </a:lnRef>
-          <a:fillRef idx="1">
-            <a:schemeClr val="accent1"/>
-          </a:fillRef>
-          <a:effectRef idx="0">
-            <a:schemeClr val="accent1"/>
-          </a:effectRef>
-          <a:fontRef idx="minor">
-            <a:schemeClr val="lt1"/>
-          </a:fontRef>
-        </p:style>
-        <p:txBody>
-          <a:bodyPr rtlCol="0" anchor="ctr"/>
-          <a:lstStyle/>
-          <a:p>
-            <a:pPr algn="ctr"/>
-            <a:endParaRPr lang="en-US"/>
-          </a:p>
-        </p:txBody>
-      </p:sp>
-      <p:sp>
-        <p:nvSpPr>
-          <p:cNvPr id="6" name="Freeform 5">
-            <a:extLst>
-              <a:ext uri="{FF2B5EF4-FFF2-40B4-BE49-F238E27FC236}">
-                <a16:creationId xmlns:a16="http://schemas.microsoft.com/office/drawing/2014/main" id="{2D8EE119-22B2-D349-A85A-8117845F82B8}"/>
-              </a:ext>
-            </a:extLst>
-          </p:cNvPr>
-          <p:cNvSpPr/>
-          <p:nvPr/>
-        </p:nvSpPr>
-        <p:spPr>
-          <a:xfrm>
-            <a:off x="3330545" y="1675335"/>
-            <a:ext cx="781664" cy="752168"/>
-          </a:xfrm>
-          <a:custGeom>
-            <a:avLst/>
-            <a:gdLst>
-              <a:gd name="connsiteX0" fmla="*/ 678425 w 781664"/>
-              <a:gd name="connsiteY0" fmla="*/ 0 h 752168"/>
-              <a:gd name="connsiteX1" fmla="*/ 294967 w 781664"/>
-              <a:gd name="connsiteY1" fmla="*/ 442451 h 752168"/>
-              <a:gd name="connsiteX2" fmla="*/ 0 w 781664"/>
-              <a:gd name="connsiteY2" fmla="*/ 427703 h 752168"/>
-              <a:gd name="connsiteX3" fmla="*/ 398206 w 781664"/>
-              <a:gd name="connsiteY3" fmla="*/ 752168 h 752168"/>
-              <a:gd name="connsiteX4" fmla="*/ 398206 w 781664"/>
-              <a:gd name="connsiteY4" fmla="*/ 545690 h 752168"/>
-              <a:gd name="connsiteX5" fmla="*/ 781664 w 781664"/>
-              <a:gd name="connsiteY5" fmla="*/ 103239 h 752168"/>
-              <a:gd name="connsiteX6" fmla="*/ 678425 w 781664"/>
-              <a:gd name="connsiteY6" fmla="*/ 0 h 752168"/>
-            </a:gdLst>
-            <a:ahLst/>
-            <a:cxnLst>
-              <a:cxn ang="0">
-                <a:pos x="connsiteX0" y="connsiteY0"/>
-              </a:cxn>
-              <a:cxn ang="0">
-                <a:pos x="connsiteX1" y="connsiteY1"/>
-              </a:cxn>
-              <a:cxn ang="0">
-                <a:pos x="connsiteX2" y="connsiteY2"/>
-              </a:cxn>
-              <a:cxn ang="0">
-                <a:pos x="connsiteX3" y="connsiteY3"/>
-              </a:cxn>
-              <a:cxn ang="0">
-                <a:pos x="connsiteX4" y="connsiteY4"/>
-              </a:cxn>
-              <a:cxn ang="0">
-                <a:pos x="connsiteX5" y="connsiteY5"/>
-              </a:cxn>
-              <a:cxn ang="0">
-                <a:pos x="connsiteX6" y="connsiteY6"/>
-              </a:cxn>
-            </a:cxnLst>
-            <a:rect l="l" t="t" r="r" b="b"/>
-            <a:pathLst>
-              <a:path w="781664" h="752168">
-                <a:moveTo>
-                  <a:pt x="678425" y="0"/>
-                </a:moveTo>
-                <a:lnTo>
-                  <a:pt x="294967" y="442451"/>
-                </a:lnTo>
-                <a:lnTo>
-                  <a:pt x="0" y="427703"/>
-                </a:lnTo>
-                <a:lnTo>
-                  <a:pt x="398206" y="752168"/>
-                </a:lnTo>
-                <a:lnTo>
-                  <a:pt x="398206" y="545690"/>
-                </a:lnTo>
-                <a:lnTo>
-                  <a:pt x="781664" y="103239"/>
-                </a:lnTo>
-                <a:lnTo>
-                  <a:pt x="678425" y="0"/>
-                </a:lnTo>
-                <a:close/>
-              </a:path>
-            </a:pathLst>
-          </a:custGeom>
-          <a:solidFill>
-            <a:schemeClr val="bg1"/>
-          </a:solidFill>
-          <a:ln w="19050">
-            <a:solidFill>
-              <a:srgbClr val="FF0000"/>
-            </a:solidFill>
-          </a:ln>
-        </p:spPr>
-        <p:style>
-          <a:lnRef idx="2">
-            <a:schemeClr val="accent1">
-              <a:shade val="50000"/>
-            </a:schemeClr>
-          </a:lnRef>
-          <a:fillRef idx="1">
-            <a:schemeClr val="accent1"/>
-          </a:fillRef>
-          <a:effectRef idx="0">
-            <a:schemeClr val="accent1"/>
-          </a:effectRef>
-          <a:fontRef idx="minor">
-            <a:schemeClr val="lt1"/>
-          </a:fontRef>
-        </p:style>
-        <p:txBody>
-          <a:bodyPr rtlCol="0" anchor="ctr"/>
-          <a:lstStyle/>
-          <a:p>
-            <a:pPr algn="ctr"/>
-            <a:endParaRPr lang="en-US"/>
-          </a:p>
-        </p:txBody>
-      </p:sp>
-      <p:sp>
-        <p:nvSpPr>
-          <p:cNvPr id="7" name="TextBox 6">
-            <a:extLst>
-              <a:ext uri="{FF2B5EF4-FFF2-40B4-BE49-F238E27FC236}">
-                <a16:creationId xmlns:a16="http://schemas.microsoft.com/office/drawing/2014/main" id="{5E33BAA6-61E8-5D4E-AC3D-B38A39DE88E2}"/>
-              </a:ext>
-            </a:extLst>
-          </p:cNvPr>
-          <p:cNvSpPr txBox="1"/>
-          <p:nvPr/>
-        </p:nvSpPr>
-        <p:spPr>
-          <a:xfrm>
-            <a:off x="2236430" y="2190265"/>
-            <a:ext cx="1193800" cy="338554"/>
-          </a:xfrm>
-          <a:prstGeom prst="rect">
-            <a:avLst/>
-          </a:prstGeom>
-          <a:noFill/>
-        </p:spPr>
-        <p:txBody>
-          <a:bodyPr wrap="square" rtlCol="0">
-            <a:spAutoFit/>
-          </a:bodyPr>
-          <a:lstStyle/>
-          <a:p>
-            <a:r>
-              <a:rPr lang="en-US" sz="1600" dirty="0">
-                <a:latin typeface="Avenir Book" panose="02000503020000020003" pitchFamily="2" charset="0"/>
-              </a:rPr>
-              <a:t>ADP + Pi</a:t>
-            </a:r>
-          </a:p>
-        </p:txBody>
-      </p:sp>
-      <p:sp>
-        <p:nvSpPr>
-          <p:cNvPr id="8" name="TextBox 7">
-            <a:extLst>
-              <a:ext uri="{FF2B5EF4-FFF2-40B4-BE49-F238E27FC236}">
-                <a16:creationId xmlns:a16="http://schemas.microsoft.com/office/drawing/2014/main" id="{4B25AF02-6736-7245-B3CC-A58C760E84CC}"/>
-              </a:ext>
-            </a:extLst>
-          </p:cNvPr>
-          <p:cNvSpPr txBox="1"/>
-          <p:nvPr/>
-        </p:nvSpPr>
-        <p:spPr>
-          <a:xfrm>
-            <a:off x="3523185" y="2636428"/>
-            <a:ext cx="588457" cy="338554"/>
-          </a:xfrm>
-          <a:prstGeom prst="rect">
-            <a:avLst/>
-          </a:prstGeom>
-          <a:noFill/>
-        </p:spPr>
-        <p:txBody>
-          <a:bodyPr wrap="square" rtlCol="0">
-            <a:spAutoFit/>
-          </a:bodyPr>
-          <a:lstStyle/>
-          <a:p>
-            <a:r>
-              <a:rPr lang="en-US" sz="1600" dirty="0">
-                <a:latin typeface="Avenir Book" panose="02000503020000020003" pitchFamily="2" charset="0"/>
-              </a:rPr>
-              <a:t>ATP</a:t>
-            </a:r>
-          </a:p>
-        </p:txBody>
-      </p:sp>
-      <p:cxnSp>
-        <p:nvCxnSpPr>
-          <p:cNvPr id="10" name="Straight Arrow Connector 9">
-            <a:extLst>
-              <a:ext uri="{FF2B5EF4-FFF2-40B4-BE49-F238E27FC236}">
-                <a16:creationId xmlns:a16="http://schemas.microsoft.com/office/drawing/2014/main" id="{E84A4E17-CCC7-5D49-8867-AF63DC2E8F9E}"/>
-              </a:ext>
-            </a:extLst>
-          </p:cNvPr>
-          <p:cNvCxnSpPr>
-            <a:cxnSpLocks/>
-          </p:cNvCxnSpPr>
-          <p:nvPr/>
-        </p:nvCxnSpPr>
-        <p:spPr>
-          <a:xfrm flipV="1">
-            <a:off x="3203298" y="1367025"/>
-            <a:ext cx="1186746" cy="1317334"/>
-          </a:xfrm>
-          <a:prstGeom prst="straightConnector1">
-            <a:avLst/>
-          </a:prstGeom>
-          <a:ln>
-            <a:tailEnd type="triangle"/>
-          </a:ln>
-        </p:spPr>
-        <p:style>
-          <a:lnRef idx="1">
-            <a:schemeClr val="dk1"/>
-          </a:lnRef>
-          <a:fillRef idx="0">
-            <a:schemeClr val="dk1"/>
-          </a:fillRef>
-          <a:effectRef idx="0">
-            <a:schemeClr val="dk1"/>
-          </a:effectRef>
-          <a:fontRef idx="minor">
-            <a:schemeClr val="tx1"/>
-          </a:fontRef>
-        </p:style>
-      </p:cxnSp>
-      <p:sp>
-        <p:nvSpPr>
-          <p:cNvPr id="11" name="TextBox 10">
-            <a:extLst>
-              <a:ext uri="{FF2B5EF4-FFF2-40B4-BE49-F238E27FC236}">
-                <a16:creationId xmlns:a16="http://schemas.microsoft.com/office/drawing/2014/main" id="{61F57610-2322-2F44-AF23-335A86CCF25B}"/>
-              </a:ext>
-            </a:extLst>
-          </p:cNvPr>
-          <p:cNvSpPr txBox="1"/>
-          <p:nvPr/>
-        </p:nvSpPr>
-        <p:spPr>
-          <a:xfrm>
-            <a:off x="4356097" y="1156345"/>
-            <a:ext cx="548532" cy="346307"/>
-          </a:xfrm>
-          <a:prstGeom prst="rect">
-            <a:avLst/>
-          </a:prstGeom>
-          <a:noFill/>
-        </p:spPr>
-        <p:txBody>
-          <a:bodyPr wrap="square" rtlCol="0">
-            <a:spAutoFit/>
-          </a:bodyPr>
-          <a:lstStyle/>
-          <a:p>
-            <a:r>
-              <a:rPr lang="en-US" sz="1600" dirty="0">
-                <a:latin typeface="Avenir Book" panose="02000503020000020003" pitchFamily="2" charset="0"/>
-              </a:rPr>
-              <a:t>H</a:t>
-            </a:r>
-            <a:r>
-              <a:rPr lang="en-US" sz="1600" baseline="30000" dirty="0">
-                <a:latin typeface="Avenir Book" panose="02000503020000020003" pitchFamily="2" charset="0"/>
-              </a:rPr>
-              <a:t>+</a:t>
-            </a:r>
-            <a:endParaRPr lang="en-US" sz="1600" dirty="0">
-              <a:latin typeface="Avenir Book" panose="02000503020000020003" pitchFamily="2" charset="0"/>
-            </a:endParaRPr>
-          </a:p>
-        </p:txBody>
-      </p:sp>
-      <p:graphicFrame>
-        <p:nvGraphicFramePr>
-          <p:cNvPr id="12" name="Diagram 11">
-            <a:extLst>
-              <a:ext uri="{FF2B5EF4-FFF2-40B4-BE49-F238E27FC236}">
-                <a16:creationId xmlns:a16="http://schemas.microsoft.com/office/drawing/2014/main" id="{B0B5E906-7C10-4C4F-B386-7DA1F3E51963}"/>
-              </a:ext>
-            </a:extLst>
-          </p:cNvPr>
-          <p:cNvGraphicFramePr/>
-          <p:nvPr/>
-        </p:nvGraphicFramePr>
-        <p:xfrm>
-          <a:off x="1507473" y="2507968"/>
-          <a:ext cx="1225550" cy="1180476"/>
-        </p:xfrm>
-        <a:graphic>
-          <a:graphicData uri="http://schemas.openxmlformats.org/drawingml/2006/diagram">
-            <dgm:relIds xmlns:dgm="http://schemas.openxmlformats.org/drawingml/2006/diagram" xmlns:r="http://schemas.openxmlformats.org/officeDocument/2006/relationships" r:dm="rId3" r:lo="rId4" r:qs="rId5" r:cs="rId6"/>
-          </a:graphicData>
-        </a:graphic>
-      </p:graphicFrame>
-      <p:sp>
-        <p:nvSpPr>
-          <p:cNvPr id="13" name="TextBox 12">
-            <a:extLst>
-              <a:ext uri="{FF2B5EF4-FFF2-40B4-BE49-F238E27FC236}">
-                <a16:creationId xmlns:a16="http://schemas.microsoft.com/office/drawing/2014/main" id="{A14AF987-A825-374E-B194-0BE07C514567}"/>
-              </a:ext>
-            </a:extLst>
-          </p:cNvPr>
-          <p:cNvSpPr txBox="1"/>
-          <p:nvPr/>
-        </p:nvSpPr>
-        <p:spPr>
-          <a:xfrm>
-            <a:off x="1728430" y="2928929"/>
-            <a:ext cx="1016000" cy="338554"/>
-          </a:xfrm>
-          <a:prstGeom prst="rect">
-            <a:avLst/>
-          </a:prstGeom>
-          <a:noFill/>
-        </p:spPr>
-        <p:txBody>
-          <a:bodyPr wrap="square" rtlCol="0">
-            <a:spAutoFit/>
-          </a:bodyPr>
-          <a:lstStyle/>
-          <a:p>
-            <a:r>
-              <a:rPr lang="en-US" sz="1600" dirty="0">
-                <a:latin typeface="Avenir Book" panose="02000503020000020003" pitchFamily="2" charset="0"/>
-              </a:rPr>
-              <a:t>TX/TL</a:t>
-            </a:r>
-          </a:p>
-        </p:txBody>
-      </p:sp>
-      <p:cxnSp>
-        <p:nvCxnSpPr>
-          <p:cNvPr id="14" name="Curved Connector 13">
-            <a:extLst>
-              <a:ext uri="{FF2B5EF4-FFF2-40B4-BE49-F238E27FC236}">
-                <a16:creationId xmlns:a16="http://schemas.microsoft.com/office/drawing/2014/main" id="{108ED97C-DD82-184C-B271-F186970C59B9}"/>
-              </a:ext>
-            </a:extLst>
-          </p:cNvPr>
-          <p:cNvCxnSpPr>
-            <a:cxnSpLocks/>
-          </p:cNvCxnSpPr>
-          <p:nvPr/>
-        </p:nvCxnSpPr>
-        <p:spPr>
-          <a:xfrm rot="5400000" flipH="1" flipV="1">
-            <a:off x="1856062" y="2391338"/>
-            <a:ext cx="478438" cy="382691"/>
-          </a:xfrm>
-          <a:prstGeom prst="curvedConnector3">
-            <a:avLst>
-              <a:gd name="adj1" fmla="val 93157"/>
-            </a:avLst>
-          </a:prstGeom>
-          <a:ln>
-            <a:tailEnd type="triangle"/>
-          </a:ln>
-        </p:spPr>
-        <p:style>
-          <a:lnRef idx="1">
-            <a:schemeClr val="dk1"/>
-          </a:lnRef>
-          <a:fillRef idx="0">
-            <a:schemeClr val="dk1"/>
-          </a:fillRef>
-          <a:effectRef idx="0">
-            <a:schemeClr val="dk1"/>
-          </a:effectRef>
-          <a:fontRef idx="minor">
-            <a:schemeClr val="tx1"/>
-          </a:fontRef>
-        </p:style>
-      </p:cxnSp>
       <p:pic>
         <p:nvPicPr>
           <p:cNvPr id="18" name="Picture 17" descr="A screenshot of a cell phone&#10;&#10;Description automatically generated">
@@ -14056,7 +13619,7 @@
           <p:nvPr/>
         </p:nvPicPr>
         <p:blipFill rotWithShape="1">
-          <a:blip r:embed="rId8"/>
+          <a:blip r:embed="rId3"/>
           <a:srcRect l="629" t="57050" r="-629" b="2984"/>
           <a:stretch/>
         </p:blipFill>
@@ -14070,48 +13633,512 @@
           </a:prstGeom>
         </p:spPr>
       </p:pic>
-      <p:cxnSp>
-        <p:nvCxnSpPr>
-          <p:cNvPr id="21" name="Curved Connector 20">
+      <p:grpSp>
+        <p:nvGrpSpPr>
+          <p:cNvPr id="3" name="Group 2">
             <a:extLst>
               <a:ext uri="{FF2B5EF4-FFF2-40B4-BE49-F238E27FC236}">
-                <a16:creationId xmlns:a16="http://schemas.microsoft.com/office/drawing/2014/main" id="{1C1E3DBB-8908-214D-8236-8B1F99753945}"/>
+                <a16:creationId xmlns:a16="http://schemas.microsoft.com/office/drawing/2014/main" id="{14123D9B-A94D-A842-ADB1-9E1A09D5E689}"/>
               </a:ext>
             </a:extLst>
           </p:cNvPr>
-          <p:cNvCxnSpPr>
-            <a:cxnSpLocks/>
-            <a:stCxn id="8" idx="0"/>
-          </p:cNvCxnSpPr>
+          <p:cNvGrpSpPr/>
           <p:nvPr/>
-        </p:nvCxnSpPr>
-        <p:spPr>
-          <a:xfrm rot="16200000" flipV="1">
-            <a:off x="3390666" y="2209680"/>
-            <a:ext cx="235618" cy="617878"/>
+        </p:nvGrpSpPr>
+        <p:grpSpPr>
+          <a:xfrm>
+            <a:off x="1113773" y="1156345"/>
+            <a:ext cx="3790856" cy="3639484"/>
+            <a:chOff x="1113773" y="1156345"/>
+            <a:chExt cx="3790856" cy="3639484"/>
           </a:xfrm>
-          <a:prstGeom prst="curvedConnector2">
-            <a:avLst/>
-          </a:prstGeom>
-          <a:ln>
-            <a:tailEnd type="triangle"/>
-          </a:ln>
-        </p:spPr>
-        <p:style>
-          <a:lnRef idx="1">
-            <a:schemeClr val="dk1"/>
-          </a:lnRef>
-          <a:fillRef idx="0">
-            <a:schemeClr val="dk1"/>
-          </a:fillRef>
-          <a:effectRef idx="0">
-            <a:schemeClr val="dk1"/>
-          </a:effectRef>
-          <a:fontRef idx="minor">
-            <a:schemeClr val="tx1"/>
-          </a:fontRef>
-        </p:style>
-      </p:cxnSp>
+        </p:grpSpPr>
+        <p:sp>
+          <p:nvSpPr>
+            <p:cNvPr id="5" name="Oval 4">
+              <a:extLst>
+                <a:ext uri="{FF2B5EF4-FFF2-40B4-BE49-F238E27FC236}">
+                  <a16:creationId xmlns:a16="http://schemas.microsoft.com/office/drawing/2014/main" id="{D10E32F9-D534-9242-80A8-B33D894CE950}"/>
+                </a:ext>
+              </a:extLst>
+            </p:cNvPr>
+            <p:cNvSpPr/>
+            <p:nvPr/>
+          </p:nvSpPr>
+          <p:spPr>
+            <a:xfrm>
+              <a:off x="1113773" y="1684329"/>
+              <a:ext cx="3429000" cy="3111500"/>
+            </a:xfrm>
+            <a:prstGeom prst="ellipse">
+              <a:avLst/>
+            </a:prstGeom>
+            <a:noFill/>
+            <a:ln w="38100">
+              <a:solidFill>
+                <a:schemeClr val="tx1"/>
+              </a:solidFill>
+              <a:prstDash val="dash"/>
+            </a:ln>
+          </p:spPr>
+          <p:style>
+            <a:lnRef idx="2">
+              <a:schemeClr val="accent1">
+                <a:shade val="50000"/>
+              </a:schemeClr>
+            </a:lnRef>
+            <a:fillRef idx="1">
+              <a:schemeClr val="accent1"/>
+            </a:fillRef>
+            <a:effectRef idx="0">
+              <a:schemeClr val="accent1"/>
+            </a:effectRef>
+            <a:fontRef idx="minor">
+              <a:schemeClr val="lt1"/>
+            </a:fontRef>
+          </p:style>
+          <p:txBody>
+            <a:bodyPr rtlCol="0" anchor="ctr"/>
+            <a:lstStyle/>
+            <a:p>
+              <a:pPr algn="ctr"/>
+              <a:endParaRPr lang="en-US"/>
+            </a:p>
+          </p:txBody>
+        </p:sp>
+        <p:sp>
+          <p:nvSpPr>
+            <p:cNvPr id="6" name="Freeform 5">
+              <a:extLst>
+                <a:ext uri="{FF2B5EF4-FFF2-40B4-BE49-F238E27FC236}">
+                  <a16:creationId xmlns:a16="http://schemas.microsoft.com/office/drawing/2014/main" id="{2D8EE119-22B2-D349-A85A-8117845F82B8}"/>
+                </a:ext>
+              </a:extLst>
+            </p:cNvPr>
+            <p:cNvSpPr/>
+            <p:nvPr/>
+          </p:nvSpPr>
+          <p:spPr>
+            <a:xfrm>
+              <a:off x="3330545" y="1675335"/>
+              <a:ext cx="781664" cy="752168"/>
+            </a:xfrm>
+            <a:custGeom>
+              <a:avLst/>
+              <a:gdLst>
+                <a:gd name="connsiteX0" fmla="*/ 678425 w 781664"/>
+                <a:gd name="connsiteY0" fmla="*/ 0 h 752168"/>
+                <a:gd name="connsiteX1" fmla="*/ 294967 w 781664"/>
+                <a:gd name="connsiteY1" fmla="*/ 442451 h 752168"/>
+                <a:gd name="connsiteX2" fmla="*/ 0 w 781664"/>
+                <a:gd name="connsiteY2" fmla="*/ 427703 h 752168"/>
+                <a:gd name="connsiteX3" fmla="*/ 398206 w 781664"/>
+                <a:gd name="connsiteY3" fmla="*/ 752168 h 752168"/>
+                <a:gd name="connsiteX4" fmla="*/ 398206 w 781664"/>
+                <a:gd name="connsiteY4" fmla="*/ 545690 h 752168"/>
+                <a:gd name="connsiteX5" fmla="*/ 781664 w 781664"/>
+                <a:gd name="connsiteY5" fmla="*/ 103239 h 752168"/>
+                <a:gd name="connsiteX6" fmla="*/ 678425 w 781664"/>
+                <a:gd name="connsiteY6" fmla="*/ 0 h 752168"/>
+              </a:gdLst>
+              <a:ahLst/>
+              <a:cxnLst>
+                <a:cxn ang="0">
+                  <a:pos x="connsiteX0" y="connsiteY0"/>
+                </a:cxn>
+                <a:cxn ang="0">
+                  <a:pos x="connsiteX1" y="connsiteY1"/>
+                </a:cxn>
+                <a:cxn ang="0">
+                  <a:pos x="connsiteX2" y="connsiteY2"/>
+                </a:cxn>
+                <a:cxn ang="0">
+                  <a:pos x="connsiteX3" y="connsiteY3"/>
+                </a:cxn>
+                <a:cxn ang="0">
+                  <a:pos x="connsiteX4" y="connsiteY4"/>
+                </a:cxn>
+                <a:cxn ang="0">
+                  <a:pos x="connsiteX5" y="connsiteY5"/>
+                </a:cxn>
+                <a:cxn ang="0">
+                  <a:pos x="connsiteX6" y="connsiteY6"/>
+                </a:cxn>
+              </a:cxnLst>
+              <a:rect l="l" t="t" r="r" b="b"/>
+              <a:pathLst>
+                <a:path w="781664" h="752168">
+                  <a:moveTo>
+                    <a:pt x="678425" y="0"/>
+                  </a:moveTo>
+                  <a:lnTo>
+                    <a:pt x="294967" y="442451"/>
+                  </a:lnTo>
+                  <a:lnTo>
+                    <a:pt x="0" y="427703"/>
+                  </a:lnTo>
+                  <a:lnTo>
+                    <a:pt x="398206" y="752168"/>
+                  </a:lnTo>
+                  <a:lnTo>
+                    <a:pt x="398206" y="545690"/>
+                  </a:lnTo>
+                  <a:lnTo>
+                    <a:pt x="781664" y="103239"/>
+                  </a:lnTo>
+                  <a:lnTo>
+                    <a:pt x="678425" y="0"/>
+                  </a:lnTo>
+                  <a:close/>
+                </a:path>
+              </a:pathLst>
+            </a:custGeom>
+            <a:solidFill>
+              <a:schemeClr val="bg1"/>
+            </a:solidFill>
+            <a:ln w="19050">
+              <a:solidFill>
+                <a:srgbClr val="FF0000"/>
+              </a:solidFill>
+            </a:ln>
+          </p:spPr>
+          <p:style>
+            <a:lnRef idx="2">
+              <a:schemeClr val="accent1">
+                <a:shade val="50000"/>
+              </a:schemeClr>
+            </a:lnRef>
+            <a:fillRef idx="1">
+              <a:schemeClr val="accent1"/>
+            </a:fillRef>
+            <a:effectRef idx="0">
+              <a:schemeClr val="accent1"/>
+            </a:effectRef>
+            <a:fontRef idx="minor">
+              <a:schemeClr val="lt1"/>
+            </a:fontRef>
+          </p:style>
+          <p:txBody>
+            <a:bodyPr rtlCol="0" anchor="ctr"/>
+            <a:lstStyle/>
+            <a:p>
+              <a:pPr algn="ctr"/>
+              <a:endParaRPr lang="en-US"/>
+            </a:p>
+          </p:txBody>
+        </p:sp>
+        <p:sp>
+          <p:nvSpPr>
+            <p:cNvPr id="7" name="TextBox 6">
+              <a:extLst>
+                <a:ext uri="{FF2B5EF4-FFF2-40B4-BE49-F238E27FC236}">
+                  <a16:creationId xmlns:a16="http://schemas.microsoft.com/office/drawing/2014/main" id="{5E33BAA6-61E8-5D4E-AC3D-B38A39DE88E2}"/>
+                </a:ext>
+              </a:extLst>
+            </p:cNvPr>
+            <p:cNvSpPr txBox="1"/>
+            <p:nvPr/>
+          </p:nvSpPr>
+          <p:spPr>
+            <a:xfrm>
+              <a:off x="2236430" y="2190265"/>
+              <a:ext cx="1193800" cy="338554"/>
+            </a:xfrm>
+            <a:prstGeom prst="rect">
+              <a:avLst/>
+            </a:prstGeom>
+            <a:noFill/>
+          </p:spPr>
+          <p:txBody>
+            <a:bodyPr wrap="square" rtlCol="0">
+              <a:spAutoFit/>
+            </a:bodyPr>
+            <a:lstStyle/>
+            <a:p>
+              <a:r>
+                <a:rPr lang="en-US" sz="1600" dirty="0">
+                  <a:latin typeface="Avenir Book" panose="02000503020000020003" pitchFamily="2" charset="0"/>
+                </a:rPr>
+                <a:t>ADP + Pi</a:t>
+              </a:r>
+            </a:p>
+          </p:txBody>
+        </p:sp>
+        <p:sp>
+          <p:nvSpPr>
+            <p:cNvPr id="8" name="TextBox 7">
+              <a:extLst>
+                <a:ext uri="{FF2B5EF4-FFF2-40B4-BE49-F238E27FC236}">
+                  <a16:creationId xmlns:a16="http://schemas.microsoft.com/office/drawing/2014/main" id="{4B25AF02-6736-7245-B3CC-A58C760E84CC}"/>
+                </a:ext>
+              </a:extLst>
+            </p:cNvPr>
+            <p:cNvSpPr txBox="1"/>
+            <p:nvPr/>
+          </p:nvSpPr>
+          <p:spPr>
+            <a:xfrm>
+              <a:off x="3523185" y="2636428"/>
+              <a:ext cx="588457" cy="338554"/>
+            </a:xfrm>
+            <a:prstGeom prst="rect">
+              <a:avLst/>
+            </a:prstGeom>
+            <a:noFill/>
+          </p:spPr>
+          <p:txBody>
+            <a:bodyPr wrap="square" rtlCol="0">
+              <a:spAutoFit/>
+            </a:bodyPr>
+            <a:lstStyle/>
+            <a:p>
+              <a:r>
+                <a:rPr lang="en-US" sz="1600" dirty="0">
+                  <a:latin typeface="Avenir Book" panose="02000503020000020003" pitchFamily="2" charset="0"/>
+                </a:rPr>
+                <a:t>ATP</a:t>
+              </a:r>
+            </a:p>
+          </p:txBody>
+        </p:sp>
+        <p:cxnSp>
+          <p:nvCxnSpPr>
+            <p:cNvPr id="10" name="Straight Arrow Connector 9">
+              <a:extLst>
+                <a:ext uri="{FF2B5EF4-FFF2-40B4-BE49-F238E27FC236}">
+                  <a16:creationId xmlns:a16="http://schemas.microsoft.com/office/drawing/2014/main" id="{E84A4E17-CCC7-5D49-8867-AF63DC2E8F9E}"/>
+                </a:ext>
+              </a:extLst>
+            </p:cNvPr>
+            <p:cNvCxnSpPr>
+              <a:cxnSpLocks/>
+            </p:cNvCxnSpPr>
+            <p:nvPr/>
+          </p:nvCxnSpPr>
+          <p:spPr>
+            <a:xfrm flipV="1">
+              <a:off x="3203298" y="1367025"/>
+              <a:ext cx="1186746" cy="1317334"/>
+            </a:xfrm>
+            <a:prstGeom prst="straightConnector1">
+              <a:avLst/>
+            </a:prstGeom>
+            <a:ln>
+              <a:tailEnd type="triangle"/>
+            </a:ln>
+          </p:spPr>
+          <p:style>
+            <a:lnRef idx="1">
+              <a:schemeClr val="dk1"/>
+            </a:lnRef>
+            <a:fillRef idx="0">
+              <a:schemeClr val="dk1"/>
+            </a:fillRef>
+            <a:effectRef idx="0">
+              <a:schemeClr val="dk1"/>
+            </a:effectRef>
+            <a:fontRef idx="minor">
+              <a:schemeClr val="tx1"/>
+            </a:fontRef>
+          </p:style>
+        </p:cxnSp>
+        <p:sp>
+          <p:nvSpPr>
+            <p:cNvPr id="11" name="TextBox 10">
+              <a:extLst>
+                <a:ext uri="{FF2B5EF4-FFF2-40B4-BE49-F238E27FC236}">
+                  <a16:creationId xmlns:a16="http://schemas.microsoft.com/office/drawing/2014/main" id="{61F57610-2322-2F44-AF23-335A86CCF25B}"/>
+                </a:ext>
+              </a:extLst>
+            </p:cNvPr>
+            <p:cNvSpPr txBox="1"/>
+            <p:nvPr/>
+          </p:nvSpPr>
+          <p:spPr>
+            <a:xfrm>
+              <a:off x="4356097" y="1156345"/>
+              <a:ext cx="548532" cy="346307"/>
+            </a:xfrm>
+            <a:prstGeom prst="rect">
+              <a:avLst/>
+            </a:prstGeom>
+            <a:noFill/>
+          </p:spPr>
+          <p:txBody>
+            <a:bodyPr wrap="square" rtlCol="0">
+              <a:spAutoFit/>
+            </a:bodyPr>
+            <a:lstStyle/>
+            <a:p>
+              <a:r>
+                <a:rPr lang="en-US" sz="1600" dirty="0">
+                  <a:latin typeface="Avenir Book" panose="02000503020000020003" pitchFamily="2" charset="0"/>
+                </a:rPr>
+                <a:t>H</a:t>
+              </a:r>
+              <a:r>
+                <a:rPr lang="en-US" sz="1600" baseline="30000" dirty="0">
+                  <a:latin typeface="Avenir Book" panose="02000503020000020003" pitchFamily="2" charset="0"/>
+                </a:rPr>
+                <a:t>+</a:t>
+              </a:r>
+              <a:endParaRPr lang="en-US" sz="1600" dirty="0">
+                <a:latin typeface="Avenir Book" panose="02000503020000020003" pitchFamily="2" charset="0"/>
+              </a:endParaRPr>
+            </a:p>
+          </p:txBody>
+        </p:sp>
+        <p:graphicFrame>
+          <p:nvGraphicFramePr>
+            <p:cNvPr id="12" name="Diagram 11">
+              <a:extLst>
+                <a:ext uri="{FF2B5EF4-FFF2-40B4-BE49-F238E27FC236}">
+                  <a16:creationId xmlns:a16="http://schemas.microsoft.com/office/drawing/2014/main" id="{B0B5E906-7C10-4C4F-B386-7DA1F3E51963}"/>
+                </a:ext>
+              </a:extLst>
+            </p:cNvPr>
+            <p:cNvGraphicFramePr/>
+            <p:nvPr>
+              <p:extLst>
+                <p:ext uri="{D42A27DB-BD31-4B8C-83A1-F6EECF244321}">
+                  <p14:modId xmlns:p14="http://schemas.microsoft.com/office/powerpoint/2010/main" val="340135400"/>
+                </p:ext>
+              </p:extLst>
+            </p:nvPr>
+          </p:nvGraphicFramePr>
+          <p:xfrm>
+            <a:off x="1507473" y="2507968"/>
+            <a:ext cx="1225550" cy="1180476"/>
+          </p:xfrm>
+          <a:graphic>
+            <a:graphicData uri="http://schemas.openxmlformats.org/drawingml/2006/diagram">
+              <dgm:relIds xmlns:dgm="http://schemas.openxmlformats.org/drawingml/2006/diagram" xmlns:r="http://schemas.openxmlformats.org/officeDocument/2006/relationships" r:dm="rId4" r:lo="rId5" r:qs="rId6" r:cs="rId7"/>
+            </a:graphicData>
+          </a:graphic>
+        </p:graphicFrame>
+        <p:sp>
+          <p:nvSpPr>
+            <p:cNvPr id="13" name="TextBox 12">
+              <a:extLst>
+                <a:ext uri="{FF2B5EF4-FFF2-40B4-BE49-F238E27FC236}">
+                  <a16:creationId xmlns:a16="http://schemas.microsoft.com/office/drawing/2014/main" id="{A14AF987-A825-374E-B194-0BE07C514567}"/>
+                </a:ext>
+              </a:extLst>
+            </p:cNvPr>
+            <p:cNvSpPr txBox="1"/>
+            <p:nvPr/>
+          </p:nvSpPr>
+          <p:spPr>
+            <a:xfrm>
+              <a:off x="1728430" y="2928929"/>
+              <a:ext cx="1016000" cy="338554"/>
+            </a:xfrm>
+            <a:prstGeom prst="rect">
+              <a:avLst/>
+            </a:prstGeom>
+            <a:noFill/>
+          </p:spPr>
+          <p:txBody>
+            <a:bodyPr wrap="square" rtlCol="0">
+              <a:spAutoFit/>
+            </a:bodyPr>
+            <a:lstStyle/>
+            <a:p>
+              <a:r>
+                <a:rPr lang="en-US" sz="1600" dirty="0">
+                  <a:latin typeface="Avenir Book" panose="02000503020000020003" pitchFamily="2" charset="0"/>
+                </a:rPr>
+                <a:t>TX/TL</a:t>
+              </a:r>
+            </a:p>
+          </p:txBody>
+        </p:sp>
+        <p:cxnSp>
+          <p:nvCxnSpPr>
+            <p:cNvPr id="14" name="Curved Connector 13">
+              <a:extLst>
+                <a:ext uri="{FF2B5EF4-FFF2-40B4-BE49-F238E27FC236}">
+                  <a16:creationId xmlns:a16="http://schemas.microsoft.com/office/drawing/2014/main" id="{108ED97C-DD82-184C-B271-F186970C59B9}"/>
+                </a:ext>
+              </a:extLst>
+            </p:cNvPr>
+            <p:cNvCxnSpPr>
+              <a:cxnSpLocks/>
+            </p:cNvCxnSpPr>
+            <p:nvPr/>
+          </p:nvCxnSpPr>
+          <p:spPr>
+            <a:xfrm rot="5400000" flipH="1" flipV="1">
+              <a:off x="1856062" y="2391338"/>
+              <a:ext cx="478438" cy="382691"/>
+            </a:xfrm>
+            <a:prstGeom prst="curvedConnector3">
+              <a:avLst>
+                <a:gd name="adj1" fmla="val 93157"/>
+              </a:avLst>
+            </a:prstGeom>
+            <a:ln>
+              <a:tailEnd type="triangle"/>
+            </a:ln>
+          </p:spPr>
+          <p:style>
+            <a:lnRef idx="1">
+              <a:schemeClr val="dk1"/>
+            </a:lnRef>
+            <a:fillRef idx="0">
+              <a:schemeClr val="dk1"/>
+            </a:fillRef>
+            <a:effectRef idx="0">
+              <a:schemeClr val="dk1"/>
+            </a:effectRef>
+            <a:fontRef idx="minor">
+              <a:schemeClr val="tx1"/>
+            </a:fontRef>
+          </p:style>
+        </p:cxnSp>
+        <p:cxnSp>
+          <p:nvCxnSpPr>
+            <p:cNvPr id="21" name="Curved Connector 20">
+              <a:extLst>
+                <a:ext uri="{FF2B5EF4-FFF2-40B4-BE49-F238E27FC236}">
+                  <a16:creationId xmlns:a16="http://schemas.microsoft.com/office/drawing/2014/main" id="{1C1E3DBB-8908-214D-8236-8B1F99753945}"/>
+                </a:ext>
+              </a:extLst>
+            </p:cNvPr>
+            <p:cNvCxnSpPr>
+              <a:cxnSpLocks/>
+              <a:stCxn id="8" idx="0"/>
+            </p:cNvCxnSpPr>
+            <p:nvPr/>
+          </p:nvCxnSpPr>
+          <p:spPr>
+            <a:xfrm rot="16200000" flipV="1">
+              <a:off x="3390666" y="2209680"/>
+              <a:ext cx="235618" cy="617878"/>
+            </a:xfrm>
+            <a:prstGeom prst="curvedConnector2">
+              <a:avLst/>
+            </a:prstGeom>
+            <a:ln>
+              <a:tailEnd type="triangle"/>
+            </a:ln>
+          </p:spPr>
+          <p:style>
+            <a:lnRef idx="1">
+              <a:schemeClr val="dk1"/>
+            </a:lnRef>
+            <a:fillRef idx="0">
+              <a:schemeClr val="dk1"/>
+            </a:fillRef>
+            <a:effectRef idx="0">
+              <a:schemeClr val="dk1"/>
+            </a:effectRef>
+            <a:fontRef idx="minor">
+              <a:schemeClr val="tx1"/>
+            </a:fontRef>
+          </p:style>
+        </p:cxnSp>
+      </p:grpSp>
       <p:grpSp>
         <p:nvGrpSpPr>
           <p:cNvPr id="33" name="Group 32">
@@ -19250,468 +19277,641 @@
           </a:p>
         </p:txBody>
       </p:sp>
-      <p:pic>
-        <p:nvPicPr>
-          <p:cNvPr id="5" name="Picture 4" descr="A close up of a mans face&#10;&#10;Description automatically generated">
+      <p:grpSp>
+        <p:nvGrpSpPr>
+          <p:cNvPr id="3" name="Group 2">
             <a:extLst>
               <a:ext uri="{FF2B5EF4-FFF2-40B4-BE49-F238E27FC236}">
-                <a16:creationId xmlns:a16="http://schemas.microsoft.com/office/drawing/2014/main" id="{2821C7BD-FE43-2840-8145-104B6200CB62}"/>
+                <a16:creationId xmlns:a16="http://schemas.microsoft.com/office/drawing/2014/main" id="{5386B640-136A-5D4F-873A-003A236BD439}"/>
               </a:ext>
             </a:extLst>
           </p:cNvPr>
-          <p:cNvPicPr>
-            <a:picLocks noChangeAspect="1"/>
-          </p:cNvPicPr>
+          <p:cNvGrpSpPr/>
           <p:nvPr/>
-        </p:nvPicPr>
-        <p:blipFill>
-          <a:blip r:embed="rId3"/>
-          <a:stretch>
-            <a:fillRect/>
-          </a:stretch>
-        </p:blipFill>
-        <p:spPr>
+        </p:nvGrpSpPr>
+        <p:grpSpPr>
           <a:xfrm>
             <a:off x="1108213" y="1274371"/>
-            <a:ext cx="4353339" cy="3200400"/>
+            <a:ext cx="9752416" cy="5116984"/>
+            <a:chOff x="1108213" y="1274371"/>
+            <a:chExt cx="9752416" cy="5116984"/>
           </a:xfrm>
-          <a:prstGeom prst="rect">
-            <a:avLst/>
-          </a:prstGeom>
-        </p:spPr>
-      </p:pic>
-      <p:pic>
-        <p:nvPicPr>
-          <p:cNvPr id="7" name="Picture 6" descr="A close up of a map&#10;&#10;Description automatically generated">
-            <a:extLst>
-              <a:ext uri="{FF2B5EF4-FFF2-40B4-BE49-F238E27FC236}">
-                <a16:creationId xmlns:a16="http://schemas.microsoft.com/office/drawing/2014/main" id="{EAED58EF-BEC5-DE4B-89F9-BC11F9871C31}"/>
-              </a:ext>
-            </a:extLst>
-          </p:cNvPr>
-          <p:cNvPicPr>
-            <a:picLocks noChangeAspect="1"/>
-          </p:cNvPicPr>
-          <p:nvPr/>
-        </p:nvPicPr>
-        <p:blipFill>
-          <a:blip r:embed="rId4"/>
-          <a:stretch>
-            <a:fillRect/>
-          </a:stretch>
-        </p:blipFill>
-        <p:spPr>
-          <a:xfrm>
-            <a:off x="6507290" y="1274371"/>
-            <a:ext cx="4353339" cy="3200400"/>
-          </a:xfrm>
-          <a:prstGeom prst="rect">
-            <a:avLst/>
-          </a:prstGeom>
-        </p:spPr>
-      </p:pic>
-      <mc:AlternateContent xmlns:mc="http://schemas.openxmlformats.org/markup-compatibility/2006" xmlns:a14="http://schemas.microsoft.com/office/drawing/2010/main">
-        <mc:Choice Requires="a14">
-          <p:sp>
-            <p:nvSpPr>
-              <p:cNvPr id="10" name="TextBox 9">
-                <a:extLst>
-                  <a:ext uri="{FF2B5EF4-FFF2-40B4-BE49-F238E27FC236}">
-                    <a16:creationId xmlns:a16="http://schemas.microsoft.com/office/drawing/2014/main" id="{0FA226FF-8519-7D4E-83A4-B7C21E5118E7}"/>
-                  </a:ext>
-                </a:extLst>
-              </p:cNvPr>
-              <p:cNvSpPr txBox="1"/>
-              <p:nvPr/>
-            </p:nvSpPr>
-            <p:spPr>
-              <a:xfrm>
-                <a:off x="1770493" y="4856485"/>
-                <a:ext cx="3028778" cy="538096"/>
-              </a:xfrm>
-              <a:prstGeom prst="rect">
-                <a:avLst/>
-              </a:prstGeom>
-              <a:noFill/>
-            </p:spPr>
-            <p:txBody>
-              <a:bodyPr wrap="none" lIns="0" tIns="0" rIns="0" bIns="0" rtlCol="0">
-                <a:spAutoFit/>
-              </a:bodyPr>
-              <a:lstStyle/>
-              <a:p>
-                <a:pPr/>
-                <a14:m>
-                  <m:oMathPara xmlns:m="http://schemas.openxmlformats.org/officeDocument/2006/math">
-                    <m:oMathParaPr>
-                      <m:jc m:val="centerGroup"/>
-                    </m:oMathParaPr>
-                    <m:oMath xmlns:m="http://schemas.openxmlformats.org/officeDocument/2006/math">
-                      <m:f>
-                        <m:fPr>
-                          <m:ctrlPr>
-                            <a:rPr lang="en-US" b="0" i="1" smtClean="0">
-                              <a:latin typeface="Cambria Math" panose="02040503050406030204" pitchFamily="18" charset="0"/>
-                            </a:rPr>
-                          </m:ctrlPr>
-                        </m:fPr>
-                        <m:num>
-                          <m:r>
-                            <a:rPr lang="en-US" b="0" i="1" smtClean="0">
-                              <a:latin typeface="Cambria Math" panose="02040503050406030204" pitchFamily="18" charset="0"/>
-                            </a:rPr>
-                            <m:t>𝑑</m:t>
-                          </m:r>
-                          <m:d>
-                            <m:dPr>
-                              <m:begChr m:val="["/>
-                              <m:endChr m:val="]"/>
-                              <m:ctrlPr>
-                                <a:rPr lang="en-US" b="0" i="1" smtClean="0">
-                                  <a:latin typeface="Cambria Math" panose="02040503050406030204" pitchFamily="18" charset="0"/>
-                                </a:rPr>
-                              </m:ctrlPr>
-                            </m:dPr>
-                            <m:e>
-                              <m:r>
-                                <a:rPr lang="en-US" b="0" i="1" smtClean="0">
-                                  <a:latin typeface="Cambria Math" panose="02040503050406030204" pitchFamily="18" charset="0"/>
-                                </a:rPr>
-                                <m:t>𝑔𝑙𝑢𝑐𝑜𝑠𝑒</m:t>
-                              </m:r>
-                            </m:e>
-                          </m:d>
-                        </m:num>
-                        <m:den>
-                          <m:r>
-                            <a:rPr lang="en-US" b="0" i="1" smtClean="0">
-                              <a:latin typeface="Cambria Math" panose="02040503050406030204" pitchFamily="18" charset="0"/>
-                            </a:rPr>
-                            <m:t>𝑑𝑡</m:t>
-                          </m:r>
-                        </m:den>
-                      </m:f>
-                      <m:r>
-                        <a:rPr lang="en-US" b="0" i="1" smtClean="0">
-                          <a:latin typeface="Cambria Math" panose="02040503050406030204" pitchFamily="18" charset="0"/>
-                        </a:rPr>
-                        <m:t>=−</m:t>
-                      </m:r>
-                      <m:sSub>
-                        <m:sSubPr>
-                          <m:ctrlPr>
-                            <a:rPr lang="en-US" b="0" i="1" smtClean="0">
-                              <a:latin typeface="Cambria Math" panose="02040503050406030204" pitchFamily="18" charset="0"/>
-                            </a:rPr>
-                          </m:ctrlPr>
-                        </m:sSubPr>
-                        <m:e>
-                          <m:r>
-                            <a:rPr lang="en-US" b="0" i="1" smtClean="0">
-                              <a:latin typeface="Cambria Math" panose="02040503050406030204" pitchFamily="18" charset="0"/>
-                            </a:rPr>
-                            <m:t>𝑘</m:t>
-                          </m:r>
-                        </m:e>
-                        <m:sub>
-                          <m:r>
-                            <a:rPr lang="en-US" b="0" i="1" smtClean="0">
-                              <a:latin typeface="Cambria Math" panose="02040503050406030204" pitchFamily="18" charset="0"/>
-                            </a:rPr>
-                            <m:t>h𝑒𝑥</m:t>
-                          </m:r>
-                        </m:sub>
-                      </m:sSub>
-                      <m:r>
-                        <a:rPr lang="en-US" b="0" i="1" smtClean="0">
-                          <a:latin typeface="Cambria Math" panose="02040503050406030204" pitchFamily="18" charset="0"/>
-                        </a:rPr>
-                        <m:t>[</m:t>
-                      </m:r>
-                      <m:r>
-                        <a:rPr lang="en-US" b="0" i="1" smtClean="0">
-                          <a:latin typeface="Cambria Math" panose="02040503050406030204" pitchFamily="18" charset="0"/>
-                        </a:rPr>
-                        <m:t>𝑔𝑙𝑢𝑐𝑜𝑠𝑒</m:t>
-                      </m:r>
-                      <m:r>
-                        <a:rPr lang="en-US" b="0" i="1" smtClean="0">
-                          <a:latin typeface="Cambria Math" panose="02040503050406030204" pitchFamily="18" charset="0"/>
-                        </a:rPr>
-                        <m:t>]</m:t>
-                      </m:r>
-                    </m:oMath>
-                  </m:oMathPara>
-                </a14:m>
-                <a:endParaRPr lang="en-US" dirty="0"/>
-              </a:p>
-            </p:txBody>
-          </p:sp>
-        </mc:Choice>
-        <mc:Fallback xmlns="">
-          <p:sp>
-            <p:nvSpPr>
-              <p:cNvPr id="10" name="TextBox 9">
-                <a:extLst>
-                  <a:ext uri="{FF2B5EF4-FFF2-40B4-BE49-F238E27FC236}">
-                    <a16:creationId xmlns:a16="http://schemas.microsoft.com/office/drawing/2014/main" id="{0FA226FF-8519-7D4E-83A4-B7C21E5118E7}"/>
-                  </a:ext>
-                </a:extLst>
-              </p:cNvPr>
-              <p:cNvSpPr txBox="1">
-                <a:spLocks noRot="1" noChangeAspect="1" noMove="1" noResize="1" noEditPoints="1" noAdjustHandles="1" noChangeArrowheads="1" noChangeShapeType="1" noTextEdit="1"/>
-              </p:cNvSpPr>
-              <p:nvPr/>
-            </p:nvSpPr>
-            <p:spPr>
-              <a:xfrm>
-                <a:off x="1770493" y="4856485"/>
-                <a:ext cx="3028778" cy="538096"/>
-              </a:xfrm>
-              <a:prstGeom prst="rect">
-                <a:avLst/>
-              </a:prstGeom>
-              <a:blipFill>
-                <a:blip r:embed="rId5"/>
-                <a:stretch>
-                  <a:fillRect l="-1250" r="-2083" b="-13636"/>
-                </a:stretch>
-              </a:blipFill>
-            </p:spPr>
-            <p:txBody>
-              <a:bodyPr/>
-              <a:lstStyle/>
-              <a:p>
-                <a:r>
-                  <a:rPr lang="en-US">
-                    <a:noFill/>
-                  </a:rPr>
-                  <a:t> </a:t>
-                </a:r>
-              </a:p>
-            </p:txBody>
-          </p:sp>
-        </mc:Fallback>
-      </mc:AlternateContent>
-      <mc:AlternateContent xmlns:mc="http://schemas.openxmlformats.org/markup-compatibility/2006" xmlns:a14="http://schemas.microsoft.com/office/drawing/2010/main">
-        <mc:Choice Requires="a14">
-          <p:sp>
-            <p:nvSpPr>
-              <p:cNvPr id="11" name="TextBox 10">
-                <a:extLst>
-                  <a:ext uri="{FF2B5EF4-FFF2-40B4-BE49-F238E27FC236}">
-                    <a16:creationId xmlns:a16="http://schemas.microsoft.com/office/drawing/2014/main" id="{B25655B0-5C53-C947-AE91-CDE2A784663F}"/>
-                  </a:ext>
-                </a:extLst>
-              </p:cNvPr>
-              <p:cNvSpPr txBox="1"/>
-              <p:nvPr/>
-            </p:nvSpPr>
-            <p:spPr>
-              <a:xfrm>
-                <a:off x="7038989" y="4646224"/>
-                <a:ext cx="3289940" cy="538096"/>
-              </a:xfrm>
-              <a:prstGeom prst="rect">
-                <a:avLst/>
-              </a:prstGeom>
-              <a:noFill/>
-            </p:spPr>
-            <p:txBody>
-              <a:bodyPr wrap="none" lIns="0" tIns="0" rIns="0" bIns="0" rtlCol="0">
-                <a:spAutoFit/>
-              </a:bodyPr>
-              <a:lstStyle/>
-              <a:p>
-                <a:pPr/>
-                <a14:m>
-                  <m:oMathPara xmlns:m="http://schemas.openxmlformats.org/officeDocument/2006/math">
-                    <m:oMathParaPr>
-                      <m:jc m:val="centerGroup"/>
-                    </m:oMathParaPr>
-                    <m:oMath xmlns:m="http://schemas.openxmlformats.org/officeDocument/2006/math">
-                      <m:f>
-                        <m:fPr>
-                          <m:ctrlPr>
-                            <a:rPr lang="en-US" b="0" i="1" smtClean="0">
-                              <a:latin typeface="Cambria Math" panose="02040503050406030204" pitchFamily="18" charset="0"/>
-                            </a:rPr>
-                          </m:ctrlPr>
-                        </m:fPr>
-                        <m:num>
-                          <m:r>
-                            <a:rPr lang="en-US" b="0" i="1" smtClean="0">
-                              <a:latin typeface="Cambria Math" panose="02040503050406030204" pitchFamily="18" charset="0"/>
-                            </a:rPr>
-                            <m:t>𝑑</m:t>
-                          </m:r>
-                          <m:d>
-                            <m:dPr>
-                              <m:begChr m:val="["/>
-                              <m:endChr m:val="]"/>
-                              <m:ctrlPr>
-                                <a:rPr lang="en-US" b="0" i="1" smtClean="0">
-                                  <a:latin typeface="Cambria Math" panose="02040503050406030204" pitchFamily="18" charset="0"/>
-                                </a:rPr>
-                              </m:ctrlPr>
-                            </m:dPr>
-                            <m:e>
-                              <m:r>
-                                <a:rPr lang="en-US" b="0" i="1" smtClean="0">
-                                  <a:latin typeface="Cambria Math" panose="02040503050406030204" pitchFamily="18" charset="0"/>
-                                </a:rPr>
-                                <m:t>𝑖𝑠𝑜𝑏𝑢𝑡𝑎𝑛𝑜𝑙</m:t>
-                              </m:r>
-                            </m:e>
-                          </m:d>
-                        </m:num>
-                        <m:den>
-                          <m:r>
-                            <a:rPr lang="en-US" b="0" i="1" smtClean="0">
-                              <a:latin typeface="Cambria Math" panose="02040503050406030204" pitchFamily="18" charset="0"/>
-                            </a:rPr>
-                            <m:t>𝑑𝑡</m:t>
-                          </m:r>
-                        </m:den>
-                      </m:f>
-                      <m:r>
-                        <a:rPr lang="en-US" b="0" i="1" smtClean="0">
-                          <a:latin typeface="Cambria Math" panose="02040503050406030204" pitchFamily="18" charset="0"/>
-                        </a:rPr>
-                        <m:t>=+</m:t>
-                      </m:r>
-                      <m:sSub>
-                        <m:sSubPr>
-                          <m:ctrlPr>
-                            <a:rPr lang="en-US" b="0" i="1" smtClean="0">
-                              <a:latin typeface="Cambria Math" panose="02040503050406030204" pitchFamily="18" charset="0"/>
-                            </a:rPr>
-                          </m:ctrlPr>
-                        </m:sSubPr>
-                        <m:e>
-                          <m:r>
-                            <a:rPr lang="en-US" b="0" i="1" smtClean="0">
-                              <a:latin typeface="Cambria Math" panose="02040503050406030204" pitchFamily="18" charset="0"/>
-                            </a:rPr>
-                            <m:t>𝑘</m:t>
-                          </m:r>
-                        </m:e>
-                        <m:sub>
-                          <m:r>
-                            <a:rPr lang="en-US" b="0" i="1" smtClean="0">
-                              <a:latin typeface="Cambria Math" panose="02040503050406030204" pitchFamily="18" charset="0"/>
-                            </a:rPr>
-                            <m:t>𝑖𝑠𝑜</m:t>
-                          </m:r>
-                        </m:sub>
-                      </m:sSub>
-                      <m:r>
-                        <a:rPr lang="en-US" b="0" i="1" smtClean="0">
-                          <a:latin typeface="Cambria Math" panose="02040503050406030204" pitchFamily="18" charset="0"/>
-                        </a:rPr>
-                        <m:t>[</m:t>
-                      </m:r>
-                      <m:r>
-                        <a:rPr lang="en-US" b="0" i="1" smtClean="0">
-                          <a:latin typeface="Cambria Math" panose="02040503050406030204" pitchFamily="18" charset="0"/>
-                        </a:rPr>
-                        <m:t>𝑔𝑙𝑢𝑐𝑜𝑠𝑒</m:t>
-                      </m:r>
-                      <m:r>
-                        <a:rPr lang="en-US" b="0" i="1" smtClean="0">
-                          <a:latin typeface="Cambria Math" panose="02040503050406030204" pitchFamily="18" charset="0"/>
-                        </a:rPr>
-                        <m:t>]</m:t>
-                      </m:r>
-                    </m:oMath>
-                  </m:oMathPara>
-                </a14:m>
-                <a:endParaRPr lang="en-US" dirty="0"/>
-              </a:p>
-            </p:txBody>
-          </p:sp>
-        </mc:Choice>
-        <mc:Fallback xmlns="">
-          <p:sp>
-            <p:nvSpPr>
-              <p:cNvPr id="11" name="TextBox 10">
-                <a:extLst>
-                  <a:ext uri="{FF2B5EF4-FFF2-40B4-BE49-F238E27FC236}">
-                    <a16:creationId xmlns:a16="http://schemas.microsoft.com/office/drawing/2014/main" id="{B25655B0-5C53-C947-AE91-CDE2A784663F}"/>
-                  </a:ext>
-                </a:extLst>
-              </p:cNvPr>
-              <p:cNvSpPr txBox="1">
-                <a:spLocks noRot="1" noChangeAspect="1" noMove="1" noResize="1" noEditPoints="1" noAdjustHandles="1" noChangeArrowheads="1" noChangeShapeType="1" noTextEdit="1"/>
-              </p:cNvSpPr>
-              <p:nvPr/>
-            </p:nvSpPr>
-            <p:spPr>
-              <a:xfrm>
-                <a:off x="7038989" y="4646224"/>
-                <a:ext cx="3289940" cy="538096"/>
-              </a:xfrm>
-              <a:prstGeom prst="rect">
-                <a:avLst/>
-              </a:prstGeom>
-              <a:blipFill>
-                <a:blip r:embed="rId6"/>
-                <a:stretch>
-                  <a:fillRect l="-769" r="-1923" b="-13953"/>
-                </a:stretch>
-              </a:blipFill>
-            </p:spPr>
-            <p:txBody>
-              <a:bodyPr/>
-              <a:lstStyle/>
-              <a:p>
-                <a:r>
-                  <a:rPr lang="en-US">
-                    <a:noFill/>
-                  </a:rPr>
-                  <a:t> </a:t>
-                </a:r>
-              </a:p>
-            </p:txBody>
-          </p:sp>
-        </mc:Fallback>
-      </mc:AlternateContent>
-      <mc:AlternateContent xmlns:mc="http://schemas.openxmlformats.org/markup-compatibility/2006" xmlns:a14="http://schemas.microsoft.com/office/drawing/2010/main">
-        <mc:Choice Requires="a14">
-          <p:sp>
-            <p:nvSpPr>
-              <p:cNvPr id="12" name="TextBox 11">
-                <a:extLst>
-                  <a:ext uri="{FF2B5EF4-FFF2-40B4-BE49-F238E27FC236}">
-                    <a16:creationId xmlns:a16="http://schemas.microsoft.com/office/drawing/2014/main" id="{8F7DFFA2-8069-9249-9CFF-24A014ED29EE}"/>
-                  </a:ext>
-                </a:extLst>
-              </p:cNvPr>
-              <p:cNvSpPr txBox="1"/>
-              <p:nvPr/>
-            </p:nvSpPr>
-            <p:spPr>
-              <a:xfrm>
-                <a:off x="7627321" y="5628283"/>
-                <a:ext cx="2113271" cy="219227"/>
-              </a:xfrm>
-              <a:prstGeom prst="rect">
-                <a:avLst/>
-              </a:prstGeom>
-              <a:noFill/>
-            </p:spPr>
-            <p:txBody>
-              <a:bodyPr wrap="none" lIns="0" tIns="0" rIns="0" bIns="0" rtlCol="0">
-                <a:spAutoFit/>
-              </a:bodyPr>
-              <a:lstStyle/>
-              <a:p>
-                <a:pPr/>
-                <a14:m>
-                  <m:oMathPara xmlns:m="http://schemas.openxmlformats.org/officeDocument/2006/math">
-                    <m:oMathParaPr>
-                      <m:jc m:val="centerGroup"/>
-                    </m:oMathParaPr>
+        </p:grpSpPr>
+        <p:pic>
+          <p:nvPicPr>
+            <p:cNvPr id="5" name="Picture 4" descr="A close up of a mans face&#10;&#10;Description automatically generated">
+              <a:extLst>
+                <a:ext uri="{FF2B5EF4-FFF2-40B4-BE49-F238E27FC236}">
+                  <a16:creationId xmlns:a16="http://schemas.microsoft.com/office/drawing/2014/main" id="{2821C7BD-FE43-2840-8145-104B6200CB62}"/>
+                </a:ext>
+              </a:extLst>
+            </p:cNvPr>
+            <p:cNvPicPr>
+              <a:picLocks noChangeAspect="1"/>
+            </p:cNvPicPr>
+            <p:nvPr/>
+          </p:nvPicPr>
+          <p:blipFill>
+            <a:blip r:embed="rId3"/>
+            <a:stretch>
+              <a:fillRect/>
+            </a:stretch>
+          </p:blipFill>
+          <p:spPr>
+            <a:xfrm>
+              <a:off x="1108213" y="1274371"/>
+              <a:ext cx="4353339" cy="3200400"/>
+            </a:xfrm>
+            <a:prstGeom prst="rect">
+              <a:avLst/>
+            </a:prstGeom>
+          </p:spPr>
+        </p:pic>
+        <p:pic>
+          <p:nvPicPr>
+            <p:cNvPr id="7" name="Picture 6" descr="A close up of a map&#10;&#10;Description automatically generated">
+              <a:extLst>
+                <a:ext uri="{FF2B5EF4-FFF2-40B4-BE49-F238E27FC236}">
+                  <a16:creationId xmlns:a16="http://schemas.microsoft.com/office/drawing/2014/main" id="{EAED58EF-BEC5-DE4B-89F9-BC11F9871C31}"/>
+                </a:ext>
+              </a:extLst>
+            </p:cNvPr>
+            <p:cNvPicPr>
+              <a:picLocks noChangeAspect="1"/>
+            </p:cNvPicPr>
+            <p:nvPr/>
+          </p:nvPicPr>
+          <p:blipFill>
+            <a:blip r:embed="rId4"/>
+            <a:stretch>
+              <a:fillRect/>
+            </a:stretch>
+          </p:blipFill>
+          <p:spPr>
+            <a:xfrm>
+              <a:off x="6507290" y="1274371"/>
+              <a:ext cx="4353339" cy="3200400"/>
+            </a:xfrm>
+            <a:prstGeom prst="rect">
+              <a:avLst/>
+            </a:prstGeom>
+          </p:spPr>
+        </p:pic>
+        <mc:AlternateContent xmlns:mc="http://schemas.openxmlformats.org/markup-compatibility/2006">
+          <mc:Choice xmlns:a14="http://schemas.microsoft.com/office/drawing/2010/main" Requires="a14">
+            <p:sp>
+              <p:nvSpPr>
+                <p:cNvPr id="10" name="TextBox 9">
+                  <a:extLst>
+                    <a:ext uri="{FF2B5EF4-FFF2-40B4-BE49-F238E27FC236}">
+                      <a16:creationId xmlns:a16="http://schemas.microsoft.com/office/drawing/2014/main" id="{0FA226FF-8519-7D4E-83A4-B7C21E5118E7}"/>
+                    </a:ext>
+                  </a:extLst>
+                </p:cNvPr>
+                <p:cNvSpPr txBox="1"/>
+                <p:nvPr/>
+              </p:nvSpPr>
+              <p:spPr>
+                <a:xfrm>
+                  <a:off x="1770493" y="4856485"/>
+                  <a:ext cx="3028778" cy="538096"/>
+                </a:xfrm>
+                <a:prstGeom prst="rect">
+                  <a:avLst/>
+                </a:prstGeom>
+                <a:noFill/>
+              </p:spPr>
+              <p:txBody>
+                <a:bodyPr wrap="none" lIns="0" tIns="0" rIns="0" bIns="0" rtlCol="0">
+                  <a:spAutoFit/>
+                </a:bodyPr>
+                <a:lstStyle/>
+                <a:p>
+                  <a:pPr/>
+                  <a14:m>
+                    <m:oMathPara xmlns:m="http://schemas.openxmlformats.org/officeDocument/2006/math">
+                      <m:oMathParaPr>
+                        <m:jc m:val="centerGroup"/>
+                      </m:oMathParaPr>
+                      <m:oMath xmlns:m="http://schemas.openxmlformats.org/officeDocument/2006/math">
+                        <m:f>
+                          <m:fPr>
+                            <m:ctrlPr>
+                              <a:rPr lang="en-US" b="0" i="1" smtClean="0">
+                                <a:latin typeface="Cambria Math" panose="02040503050406030204" pitchFamily="18" charset="0"/>
+                              </a:rPr>
+                            </m:ctrlPr>
+                          </m:fPr>
+                          <m:num>
+                            <m:r>
+                              <a:rPr lang="en-US" b="0" i="1" smtClean="0">
+                                <a:latin typeface="Cambria Math" panose="02040503050406030204" pitchFamily="18" charset="0"/>
+                              </a:rPr>
+                              <m:t>𝑑</m:t>
+                            </m:r>
+                            <m:d>
+                              <m:dPr>
+                                <m:begChr m:val="["/>
+                                <m:endChr m:val="]"/>
+                                <m:ctrlPr>
+                                  <a:rPr lang="en-US" b="0" i="1" smtClean="0">
+                                    <a:latin typeface="Cambria Math" panose="02040503050406030204" pitchFamily="18" charset="0"/>
+                                  </a:rPr>
+                                </m:ctrlPr>
+                              </m:dPr>
+                              <m:e>
+                                <m:r>
+                                  <a:rPr lang="en-US" b="0" i="1" smtClean="0">
+                                    <a:latin typeface="Cambria Math" panose="02040503050406030204" pitchFamily="18" charset="0"/>
+                                  </a:rPr>
+                                  <m:t>𝑔𝑙𝑢𝑐𝑜𝑠𝑒</m:t>
+                                </m:r>
+                              </m:e>
+                            </m:d>
+                          </m:num>
+                          <m:den>
+                            <m:r>
+                              <a:rPr lang="en-US" b="0" i="1" smtClean="0">
+                                <a:latin typeface="Cambria Math" panose="02040503050406030204" pitchFamily="18" charset="0"/>
+                              </a:rPr>
+                              <m:t>𝑑𝑡</m:t>
+                            </m:r>
+                          </m:den>
+                        </m:f>
+                        <m:r>
+                          <a:rPr lang="en-US" b="0" i="1" smtClean="0">
+                            <a:latin typeface="Cambria Math" panose="02040503050406030204" pitchFamily="18" charset="0"/>
+                          </a:rPr>
+                          <m:t>=−</m:t>
+                        </m:r>
+                        <m:sSub>
+                          <m:sSubPr>
+                            <m:ctrlPr>
+                              <a:rPr lang="en-US" b="0" i="1" smtClean="0">
+                                <a:latin typeface="Cambria Math" panose="02040503050406030204" pitchFamily="18" charset="0"/>
+                              </a:rPr>
+                            </m:ctrlPr>
+                          </m:sSubPr>
+                          <m:e>
+                            <m:r>
+                              <a:rPr lang="en-US" b="0" i="1" smtClean="0">
+                                <a:latin typeface="Cambria Math" panose="02040503050406030204" pitchFamily="18" charset="0"/>
+                              </a:rPr>
+                              <m:t>𝑘</m:t>
+                            </m:r>
+                          </m:e>
+                          <m:sub>
+                            <m:r>
+                              <a:rPr lang="en-US" b="0" i="1" smtClean="0">
+                                <a:latin typeface="Cambria Math" panose="02040503050406030204" pitchFamily="18" charset="0"/>
+                              </a:rPr>
+                              <m:t>h𝑒𝑥</m:t>
+                            </m:r>
+                          </m:sub>
+                        </m:sSub>
+                        <m:r>
+                          <a:rPr lang="en-US" b="0" i="1" smtClean="0">
+                            <a:latin typeface="Cambria Math" panose="02040503050406030204" pitchFamily="18" charset="0"/>
+                          </a:rPr>
+                          <m:t>[</m:t>
+                        </m:r>
+                        <m:r>
+                          <a:rPr lang="en-US" b="0" i="1" smtClean="0">
+                            <a:latin typeface="Cambria Math" panose="02040503050406030204" pitchFamily="18" charset="0"/>
+                          </a:rPr>
+                          <m:t>𝑔𝑙𝑢𝑐𝑜𝑠𝑒</m:t>
+                        </m:r>
+                        <m:r>
+                          <a:rPr lang="en-US" b="0" i="1" smtClean="0">
+                            <a:latin typeface="Cambria Math" panose="02040503050406030204" pitchFamily="18" charset="0"/>
+                          </a:rPr>
+                          <m:t>]</m:t>
+                        </m:r>
+                      </m:oMath>
+                    </m:oMathPara>
+                  </a14:m>
+                  <a:endParaRPr lang="en-US" dirty="0"/>
+                </a:p>
+              </p:txBody>
+            </p:sp>
+          </mc:Choice>
+          <mc:Fallback>
+            <p:sp>
+              <p:nvSpPr>
+                <p:cNvPr id="10" name="TextBox 9">
+                  <a:extLst>
+                    <a:ext uri="{FF2B5EF4-FFF2-40B4-BE49-F238E27FC236}">
+                      <a16:creationId xmlns:a16="http://schemas.microsoft.com/office/drawing/2014/main" id="{0FA226FF-8519-7D4E-83A4-B7C21E5118E7}"/>
+                    </a:ext>
+                  </a:extLst>
+                </p:cNvPr>
+                <p:cNvSpPr txBox="1">
+                  <a:spLocks noRot="1" noChangeAspect="1" noMove="1" noResize="1" noEditPoints="1" noAdjustHandles="1" noChangeArrowheads="1" noChangeShapeType="1" noTextEdit="1"/>
+                </p:cNvSpPr>
+                <p:nvPr/>
+              </p:nvSpPr>
+              <p:spPr>
+                <a:xfrm>
+                  <a:off x="1770493" y="4856485"/>
+                  <a:ext cx="3028778" cy="538096"/>
+                </a:xfrm>
+                <a:prstGeom prst="rect">
+                  <a:avLst/>
+                </a:prstGeom>
+                <a:blipFill>
+                  <a:blip r:embed="rId5"/>
+                  <a:stretch>
+                    <a:fillRect l="-1250" r="-2083" b="-13636"/>
+                  </a:stretch>
+                </a:blipFill>
+              </p:spPr>
+              <p:txBody>
+                <a:bodyPr/>
+                <a:lstStyle/>
+                <a:p>
+                  <a:r>
+                    <a:rPr lang="en-US">
+                      <a:noFill/>
+                    </a:rPr>
+                    <a:t> </a:t>
+                  </a:r>
+                </a:p>
+              </p:txBody>
+            </p:sp>
+          </mc:Fallback>
+        </mc:AlternateContent>
+        <mc:AlternateContent xmlns:mc="http://schemas.openxmlformats.org/markup-compatibility/2006">
+          <mc:Choice xmlns:a14="http://schemas.microsoft.com/office/drawing/2010/main" Requires="a14">
+            <p:sp>
+              <p:nvSpPr>
+                <p:cNvPr id="11" name="TextBox 10">
+                  <a:extLst>
+                    <a:ext uri="{FF2B5EF4-FFF2-40B4-BE49-F238E27FC236}">
+                      <a16:creationId xmlns:a16="http://schemas.microsoft.com/office/drawing/2014/main" id="{B25655B0-5C53-C947-AE91-CDE2A784663F}"/>
+                    </a:ext>
+                  </a:extLst>
+                </p:cNvPr>
+                <p:cNvSpPr txBox="1"/>
+                <p:nvPr/>
+              </p:nvSpPr>
+              <p:spPr>
+                <a:xfrm>
+                  <a:off x="7038989" y="4646224"/>
+                  <a:ext cx="3289940" cy="538096"/>
+                </a:xfrm>
+                <a:prstGeom prst="rect">
+                  <a:avLst/>
+                </a:prstGeom>
+                <a:noFill/>
+              </p:spPr>
+              <p:txBody>
+                <a:bodyPr wrap="none" lIns="0" tIns="0" rIns="0" bIns="0" rtlCol="0">
+                  <a:spAutoFit/>
+                </a:bodyPr>
+                <a:lstStyle/>
+                <a:p>
+                  <a:pPr/>
+                  <a14:m>
+                    <m:oMathPara xmlns:m="http://schemas.openxmlformats.org/officeDocument/2006/math">
+                      <m:oMathParaPr>
+                        <m:jc m:val="centerGroup"/>
+                      </m:oMathParaPr>
+                      <m:oMath xmlns:m="http://schemas.openxmlformats.org/officeDocument/2006/math">
+                        <m:f>
+                          <m:fPr>
+                            <m:ctrlPr>
+                              <a:rPr lang="en-US" b="0" i="1" smtClean="0">
+                                <a:latin typeface="Cambria Math" panose="02040503050406030204" pitchFamily="18" charset="0"/>
+                              </a:rPr>
+                            </m:ctrlPr>
+                          </m:fPr>
+                          <m:num>
+                            <m:r>
+                              <a:rPr lang="en-US" b="0" i="1" smtClean="0">
+                                <a:latin typeface="Cambria Math" panose="02040503050406030204" pitchFamily="18" charset="0"/>
+                              </a:rPr>
+                              <m:t>𝑑</m:t>
+                            </m:r>
+                            <m:d>
+                              <m:dPr>
+                                <m:begChr m:val="["/>
+                                <m:endChr m:val="]"/>
+                                <m:ctrlPr>
+                                  <a:rPr lang="en-US" b="0" i="1" smtClean="0">
+                                    <a:latin typeface="Cambria Math" panose="02040503050406030204" pitchFamily="18" charset="0"/>
+                                  </a:rPr>
+                                </m:ctrlPr>
+                              </m:dPr>
+                              <m:e>
+                                <m:r>
+                                  <a:rPr lang="en-US" b="0" i="1" smtClean="0">
+                                    <a:latin typeface="Cambria Math" panose="02040503050406030204" pitchFamily="18" charset="0"/>
+                                  </a:rPr>
+                                  <m:t>𝑖𝑠𝑜𝑏𝑢𝑡𝑎𝑛𝑜𝑙</m:t>
+                                </m:r>
+                              </m:e>
+                            </m:d>
+                          </m:num>
+                          <m:den>
+                            <m:r>
+                              <a:rPr lang="en-US" b="0" i="1" smtClean="0">
+                                <a:latin typeface="Cambria Math" panose="02040503050406030204" pitchFamily="18" charset="0"/>
+                              </a:rPr>
+                              <m:t>𝑑𝑡</m:t>
+                            </m:r>
+                          </m:den>
+                        </m:f>
+                        <m:r>
+                          <a:rPr lang="en-US" b="0" i="1" smtClean="0">
+                            <a:latin typeface="Cambria Math" panose="02040503050406030204" pitchFamily="18" charset="0"/>
+                          </a:rPr>
+                          <m:t>=+</m:t>
+                        </m:r>
+                        <m:sSub>
+                          <m:sSubPr>
+                            <m:ctrlPr>
+                              <a:rPr lang="en-US" b="0" i="1" smtClean="0">
+                                <a:latin typeface="Cambria Math" panose="02040503050406030204" pitchFamily="18" charset="0"/>
+                              </a:rPr>
+                            </m:ctrlPr>
+                          </m:sSubPr>
+                          <m:e>
+                            <m:r>
+                              <a:rPr lang="en-US" b="0" i="1" smtClean="0">
+                                <a:latin typeface="Cambria Math" panose="02040503050406030204" pitchFamily="18" charset="0"/>
+                              </a:rPr>
+                              <m:t>𝑘</m:t>
+                            </m:r>
+                          </m:e>
+                          <m:sub>
+                            <m:r>
+                              <a:rPr lang="en-US" b="0" i="1" smtClean="0">
+                                <a:latin typeface="Cambria Math" panose="02040503050406030204" pitchFamily="18" charset="0"/>
+                              </a:rPr>
+                              <m:t>𝑖𝑠𝑜</m:t>
+                            </m:r>
+                          </m:sub>
+                        </m:sSub>
+                        <m:r>
+                          <a:rPr lang="en-US" b="0" i="1" smtClean="0">
+                            <a:latin typeface="Cambria Math" panose="02040503050406030204" pitchFamily="18" charset="0"/>
+                          </a:rPr>
+                          <m:t>[</m:t>
+                        </m:r>
+                        <m:r>
+                          <a:rPr lang="en-US" b="0" i="1" smtClean="0">
+                            <a:latin typeface="Cambria Math" panose="02040503050406030204" pitchFamily="18" charset="0"/>
+                          </a:rPr>
+                          <m:t>𝑔𝑙𝑢𝑐𝑜𝑠𝑒</m:t>
+                        </m:r>
+                        <m:r>
+                          <a:rPr lang="en-US" b="0" i="1" smtClean="0">
+                            <a:latin typeface="Cambria Math" panose="02040503050406030204" pitchFamily="18" charset="0"/>
+                          </a:rPr>
+                          <m:t>]</m:t>
+                        </m:r>
+                      </m:oMath>
+                    </m:oMathPara>
+                  </a14:m>
+                  <a:endParaRPr lang="en-US" dirty="0"/>
+                </a:p>
+              </p:txBody>
+            </p:sp>
+          </mc:Choice>
+          <mc:Fallback>
+            <p:sp>
+              <p:nvSpPr>
+                <p:cNvPr id="11" name="TextBox 10">
+                  <a:extLst>
+                    <a:ext uri="{FF2B5EF4-FFF2-40B4-BE49-F238E27FC236}">
+                      <a16:creationId xmlns:a16="http://schemas.microsoft.com/office/drawing/2014/main" id="{B25655B0-5C53-C947-AE91-CDE2A784663F}"/>
+                    </a:ext>
+                  </a:extLst>
+                </p:cNvPr>
+                <p:cNvSpPr txBox="1">
+                  <a:spLocks noRot="1" noChangeAspect="1" noMove="1" noResize="1" noEditPoints="1" noAdjustHandles="1" noChangeArrowheads="1" noChangeShapeType="1" noTextEdit="1"/>
+                </p:cNvSpPr>
+                <p:nvPr/>
+              </p:nvSpPr>
+              <p:spPr>
+                <a:xfrm>
+                  <a:off x="7038989" y="4646224"/>
+                  <a:ext cx="3289940" cy="538096"/>
+                </a:xfrm>
+                <a:prstGeom prst="rect">
+                  <a:avLst/>
+                </a:prstGeom>
+                <a:blipFill>
+                  <a:blip r:embed="rId6"/>
+                  <a:stretch>
+                    <a:fillRect l="-769" r="-1923" b="-13953"/>
+                  </a:stretch>
+                </a:blipFill>
+              </p:spPr>
+              <p:txBody>
+                <a:bodyPr/>
+                <a:lstStyle/>
+                <a:p>
+                  <a:r>
+                    <a:rPr lang="en-US">
+                      <a:noFill/>
+                    </a:rPr>
+                    <a:t> </a:t>
+                  </a:r>
+                </a:p>
+              </p:txBody>
+            </p:sp>
+          </mc:Fallback>
+        </mc:AlternateContent>
+        <mc:AlternateContent xmlns:mc="http://schemas.openxmlformats.org/markup-compatibility/2006">
+          <mc:Choice xmlns:a14="http://schemas.microsoft.com/office/drawing/2010/main" Requires="a14">
+            <p:sp>
+              <p:nvSpPr>
+                <p:cNvPr id="12" name="TextBox 11">
+                  <a:extLst>
+                    <a:ext uri="{FF2B5EF4-FFF2-40B4-BE49-F238E27FC236}">
+                      <a16:creationId xmlns:a16="http://schemas.microsoft.com/office/drawing/2014/main" id="{8F7DFFA2-8069-9249-9CFF-24A014ED29EE}"/>
+                    </a:ext>
+                  </a:extLst>
+                </p:cNvPr>
+                <p:cNvSpPr txBox="1"/>
+                <p:nvPr/>
+              </p:nvSpPr>
+              <p:spPr>
+                <a:xfrm>
+                  <a:off x="7627321" y="5628283"/>
+                  <a:ext cx="2113271" cy="219227"/>
+                </a:xfrm>
+                <a:prstGeom prst="rect">
+                  <a:avLst/>
+                </a:prstGeom>
+                <a:noFill/>
+              </p:spPr>
+              <p:txBody>
+                <a:bodyPr wrap="none" lIns="0" tIns="0" rIns="0" bIns="0" rtlCol="0">
+                  <a:spAutoFit/>
+                </a:bodyPr>
+                <a:lstStyle/>
+                <a:p>
+                  <a:pPr/>
+                  <a14:m>
+                    <m:oMathPara xmlns:m="http://schemas.openxmlformats.org/officeDocument/2006/math">
+                      <m:oMathParaPr>
+                        <m:jc m:val="centerGroup"/>
+                      </m:oMathParaPr>
+                      <m:oMath xmlns:m="http://schemas.openxmlformats.org/officeDocument/2006/math">
+                        <m:r>
+                          <a:rPr lang="en-US" sz="1400" b="0" i="1" smtClean="0">
+                            <a:latin typeface="Cambria Math" panose="02040503050406030204" pitchFamily="18" charset="0"/>
+                          </a:rPr>
+                          <m:t>𝑔𝑙𝑢𝑐𝑜𝑠𝑒</m:t>
+                        </m:r>
+                        <m:r>
+                          <a:rPr lang="en-US" sz="1400" b="0" i="1" smtClean="0">
+                            <a:latin typeface="Cambria Math" panose="02040503050406030204" pitchFamily="18" charset="0"/>
+                          </a:rPr>
+                          <m:t> </m:t>
+                        </m:r>
+                        <m:sSup>
+                          <m:sSupPr>
+                            <m:ctrlPr>
+                              <a:rPr lang="en-US" sz="1400" b="0" i="1" smtClean="0">
+                                <a:latin typeface="Cambria Math" panose="02040503050406030204" pitchFamily="18" charset="0"/>
+                              </a:rPr>
+                            </m:ctrlPr>
+                          </m:sSupPr>
+                          <m:e>
+                            <m:r>
+                              <a:rPr lang="en-US" sz="1400" b="0" i="1" smtClean="0">
+                                <a:latin typeface="Cambria Math" panose="02040503050406030204" pitchFamily="18" charset="0"/>
+                              </a:rPr>
+                              <m:t>→</m:t>
+                            </m:r>
+                          </m:e>
+                          <m:sup>
+                            <m:sSub>
+                              <m:sSubPr>
+                                <m:ctrlPr>
+                                  <a:rPr lang="en-US" sz="1400" b="0" i="1" smtClean="0">
+                                    <a:latin typeface="Cambria Math" panose="02040503050406030204" pitchFamily="18" charset="0"/>
+                                  </a:rPr>
+                                </m:ctrlPr>
+                              </m:sSubPr>
+                              <m:e>
+                                <m:r>
+                                  <a:rPr lang="en-US" sz="1400" b="0" i="1" smtClean="0">
+                                    <a:latin typeface="Cambria Math" panose="02040503050406030204" pitchFamily="18" charset="0"/>
+                                  </a:rPr>
+                                  <m:t>𝑘</m:t>
+                                </m:r>
+                              </m:e>
+                              <m:sub>
+                                <m:r>
+                                  <a:rPr lang="en-US" sz="1400" b="0" i="1" smtClean="0">
+                                    <a:latin typeface="Cambria Math" panose="02040503050406030204" pitchFamily="18" charset="0"/>
+                                  </a:rPr>
+                                  <m:t>𝑖𝑠𝑜</m:t>
+                                </m:r>
+                              </m:sub>
+                            </m:sSub>
+                          </m:sup>
+                        </m:sSup>
+                        <m:r>
+                          <a:rPr lang="en-US" sz="1400" b="0" i="1" smtClean="0">
+                            <a:latin typeface="Cambria Math" panose="02040503050406030204" pitchFamily="18" charset="0"/>
+                          </a:rPr>
+                          <m:t>𝑖𝑠𝑜𝑏𝑢𝑡𝑎𝑛𝑜𝑙</m:t>
+                        </m:r>
+                        <m:r>
+                          <a:rPr lang="en-US" sz="1400" b="0" i="1" smtClean="0">
+                            <a:latin typeface="Cambria Math" panose="02040503050406030204" pitchFamily="18" charset="0"/>
+                          </a:rPr>
+                          <m:t> </m:t>
+                        </m:r>
+                      </m:oMath>
+                    </m:oMathPara>
+                  </a14:m>
+                  <a:endParaRPr lang="en-US" sz="1400" dirty="0"/>
+                </a:p>
+              </p:txBody>
+            </p:sp>
+          </mc:Choice>
+          <mc:Fallback>
+            <p:sp>
+              <p:nvSpPr>
+                <p:cNvPr id="12" name="TextBox 11">
+                  <a:extLst>
+                    <a:ext uri="{FF2B5EF4-FFF2-40B4-BE49-F238E27FC236}">
+                      <a16:creationId xmlns:a16="http://schemas.microsoft.com/office/drawing/2014/main" id="{8F7DFFA2-8069-9249-9CFF-24A014ED29EE}"/>
+                    </a:ext>
+                  </a:extLst>
+                </p:cNvPr>
+                <p:cNvSpPr txBox="1">
+                  <a:spLocks noRot="1" noChangeAspect="1" noMove="1" noResize="1" noEditPoints="1" noAdjustHandles="1" noChangeArrowheads="1" noChangeShapeType="1" noTextEdit="1"/>
+                </p:cNvSpPr>
+                <p:nvPr/>
+              </p:nvSpPr>
+              <p:spPr>
+                <a:xfrm>
+                  <a:off x="7627321" y="5628283"/>
+                  <a:ext cx="2113271" cy="219227"/>
+                </a:xfrm>
+                <a:prstGeom prst="rect">
+                  <a:avLst/>
+                </a:prstGeom>
+                <a:blipFill>
+                  <a:blip r:embed="rId7"/>
+                  <a:stretch>
+                    <a:fillRect l="-2395" r="-2395" b="-38889"/>
+                  </a:stretch>
+                </a:blipFill>
+              </p:spPr>
+              <p:txBody>
+                <a:bodyPr/>
+                <a:lstStyle/>
+                <a:p>
+                  <a:r>
+                    <a:rPr lang="en-US">
+                      <a:noFill/>
+                    </a:rPr>
+                    <a:t> </a:t>
+                  </a:r>
+                </a:p>
+              </p:txBody>
+            </p:sp>
+          </mc:Fallback>
+        </mc:AlternateContent>
+        <mc:AlternateContent xmlns:mc="http://schemas.openxmlformats.org/markup-compatibility/2006">
+          <mc:Choice xmlns:a14="http://schemas.microsoft.com/office/drawing/2010/main" Requires="a14">
+            <p:sp>
+              <p:nvSpPr>
+                <p:cNvPr id="13" name="TextBox 12">
+                  <a:extLst>
+                    <a:ext uri="{FF2B5EF4-FFF2-40B4-BE49-F238E27FC236}">
+                      <a16:creationId xmlns:a16="http://schemas.microsoft.com/office/drawing/2014/main" id="{ACDD241B-69BE-124B-8B03-7E89E1E2BDBC}"/>
+                    </a:ext>
+                  </a:extLst>
+                </p:cNvPr>
+                <p:cNvSpPr txBox="1"/>
+                <p:nvPr/>
+              </p:nvSpPr>
+              <p:spPr>
+                <a:xfrm>
+                  <a:off x="2615917" y="5742344"/>
+                  <a:ext cx="1337930" cy="219227"/>
+                </a:xfrm>
+                <a:prstGeom prst="rect">
+                  <a:avLst/>
+                </a:prstGeom>
+                <a:noFill/>
+              </p:spPr>
+              <p:txBody>
+                <a:bodyPr wrap="none" lIns="0" tIns="0" rIns="0" bIns="0" rtlCol="0">
+                  <a:spAutoFit/>
+                </a:bodyPr>
+                <a:lstStyle/>
+                <a:p>
+                  <a14:m>
                     <m:oMath xmlns:m="http://schemas.openxmlformats.org/officeDocument/2006/math">
                       <m:r>
                         <a:rPr lang="en-US" sz="1400" b="0" i="1" smtClean="0">
@@ -19763,7 +19963,7 @@
                                 <a:rPr lang="en-US" sz="1400" b="0" i="1" smtClean="0">
                                   <a:latin typeface="Cambria Math" panose="02040503050406030204" pitchFamily="18" charset="0"/>
                                 </a:rPr>
-                                <m:t>𝑖𝑠𝑜</m:t>
+                                <m:t>h𝑒𝑥</m:t>
                               </m:r>
                             </m:sub>
                           </m:sSub>
@@ -19773,128 +19973,100 @@
                         <a:rPr lang="en-US" sz="1400" b="0" i="1" smtClean="0">
                           <a:latin typeface="Cambria Math" panose="02040503050406030204" pitchFamily="18" charset="0"/>
                         </a:rPr>
-                        <m:t>𝑖𝑠𝑜𝑏𝑢𝑡𝑎𝑛𝑜𝑙</m:t>
-                      </m:r>
-                      <m:r>
-                        <a:rPr lang="en-US" sz="1400" b="0" i="1" smtClean="0">
-                          <a:latin typeface="Cambria Math" panose="02040503050406030204" pitchFamily="18" charset="0"/>
-                        </a:rPr>
                         <m:t> </m:t>
                       </m:r>
                     </m:oMath>
-                  </m:oMathPara>
-                </a14:m>
-                <a:endParaRPr lang="en-US" sz="1400" dirty="0"/>
-              </a:p>
-            </p:txBody>
-          </p:sp>
-        </mc:Choice>
-        <mc:Fallback xmlns="">
-          <p:sp>
-            <p:nvSpPr>
-              <p:cNvPr id="12" name="TextBox 11">
-                <a:extLst>
-                  <a:ext uri="{FF2B5EF4-FFF2-40B4-BE49-F238E27FC236}">
-                    <a16:creationId xmlns:a16="http://schemas.microsoft.com/office/drawing/2014/main" id="{8F7DFFA2-8069-9249-9CFF-24A014ED29EE}"/>
-                  </a:ext>
-                </a:extLst>
-              </p:cNvPr>
-              <p:cNvSpPr txBox="1">
-                <a:spLocks noRot="1" noChangeAspect="1" noMove="1" noResize="1" noEditPoints="1" noAdjustHandles="1" noChangeArrowheads="1" noChangeShapeType="1" noTextEdit="1"/>
-              </p:cNvSpPr>
-              <p:nvPr/>
-            </p:nvSpPr>
-            <p:spPr>
-              <a:xfrm>
-                <a:off x="7627321" y="5628283"/>
-                <a:ext cx="2113271" cy="219227"/>
-              </a:xfrm>
-              <a:prstGeom prst="rect">
-                <a:avLst/>
-              </a:prstGeom>
-              <a:blipFill>
-                <a:blip r:embed="rId7"/>
-                <a:stretch>
-                  <a:fillRect l="-2395" r="-2395" b="-38889"/>
-                </a:stretch>
-              </a:blipFill>
-            </p:spPr>
-            <p:txBody>
-              <a:bodyPr/>
-              <a:lstStyle/>
-              <a:p>
-                <a:r>
-                  <a:rPr lang="en-US">
-                    <a:noFill/>
-                  </a:rPr>
-                  <a:t> </a:t>
-                </a:r>
-              </a:p>
-            </p:txBody>
-          </p:sp>
-        </mc:Fallback>
-      </mc:AlternateContent>
-      <mc:AlternateContent xmlns:mc="http://schemas.openxmlformats.org/markup-compatibility/2006" xmlns:a14="http://schemas.microsoft.com/office/drawing/2010/main">
-        <mc:Choice Requires="a14">
-          <p:sp>
-            <p:nvSpPr>
-              <p:cNvPr id="13" name="TextBox 12">
-                <a:extLst>
-                  <a:ext uri="{FF2B5EF4-FFF2-40B4-BE49-F238E27FC236}">
-                    <a16:creationId xmlns:a16="http://schemas.microsoft.com/office/drawing/2014/main" id="{ACDD241B-69BE-124B-8B03-7E89E1E2BDBC}"/>
-                  </a:ext>
-                </a:extLst>
-              </p:cNvPr>
-              <p:cNvSpPr txBox="1"/>
-              <p:nvPr/>
-            </p:nvSpPr>
-            <p:spPr>
-              <a:xfrm>
-                <a:off x="2615917" y="5742344"/>
-                <a:ext cx="1337930" cy="219227"/>
-              </a:xfrm>
-              <a:prstGeom prst="rect">
-                <a:avLst/>
-              </a:prstGeom>
-              <a:noFill/>
-            </p:spPr>
-            <p:txBody>
-              <a:bodyPr wrap="none" lIns="0" tIns="0" rIns="0" bIns="0" rtlCol="0">
-                <a:spAutoFit/>
-              </a:bodyPr>
-              <a:lstStyle/>
-              <a:p>
-                <a14:m>
-                  <m:oMath xmlns:m="http://schemas.openxmlformats.org/officeDocument/2006/math">
-                    <m:r>
-                      <a:rPr lang="en-US" sz="1400" b="0" i="1" smtClean="0">
-                        <a:latin typeface="Cambria Math" panose="02040503050406030204" pitchFamily="18" charset="0"/>
-                      </a:rPr>
-                      <m:t>𝑔𝑙𝑢𝑐𝑜𝑠𝑒</m:t>
-                    </m:r>
-                    <m:r>
-                      <a:rPr lang="en-US" sz="1400" b="0" i="1" smtClean="0">
-                        <a:latin typeface="Cambria Math" panose="02040503050406030204" pitchFamily="18" charset="0"/>
-                      </a:rPr>
-                      <m:t> </m:t>
-                    </m:r>
-                    <m:sSup>
-                      <m:sSupPr>
-                        <m:ctrlPr>
-                          <a:rPr lang="en-US" sz="1400" b="0" i="1" smtClean="0">
-                            <a:latin typeface="Cambria Math" panose="02040503050406030204" pitchFamily="18" charset="0"/>
-                          </a:rPr>
-                        </m:ctrlPr>
-                      </m:sSupPr>
-                      <m:e>
-                        <m:r>
-                          <a:rPr lang="en-US" sz="1400" b="0" i="1" smtClean="0">
-                            <a:latin typeface="Cambria Math" panose="02040503050406030204" pitchFamily="18" charset="0"/>
-                          </a:rPr>
-                          <m:t>→</m:t>
-                        </m:r>
-                      </m:e>
-                      <m:sup>
+                  </a14:m>
+                  <a:r>
+                    <a:rPr lang="en-US" sz="1400" dirty="0"/>
+                    <a:t> ⌀</a:t>
+                  </a:r>
+                </a:p>
+              </p:txBody>
+            </p:sp>
+          </mc:Choice>
+          <mc:Fallback>
+            <p:sp>
+              <p:nvSpPr>
+                <p:cNvPr id="13" name="TextBox 12">
+                  <a:extLst>
+                    <a:ext uri="{FF2B5EF4-FFF2-40B4-BE49-F238E27FC236}">
+                      <a16:creationId xmlns:a16="http://schemas.microsoft.com/office/drawing/2014/main" id="{ACDD241B-69BE-124B-8B03-7E89E1E2BDBC}"/>
+                    </a:ext>
+                  </a:extLst>
+                </p:cNvPr>
+                <p:cNvSpPr txBox="1">
+                  <a:spLocks noRot="1" noChangeAspect="1" noMove="1" noResize="1" noEditPoints="1" noAdjustHandles="1" noChangeArrowheads="1" noChangeShapeType="1" noTextEdit="1"/>
+                </p:cNvSpPr>
+                <p:nvPr/>
+              </p:nvSpPr>
+              <p:spPr>
+                <a:xfrm>
+                  <a:off x="2615917" y="5742344"/>
+                  <a:ext cx="1337930" cy="219227"/>
+                </a:xfrm>
+                <a:prstGeom prst="rect">
+                  <a:avLst/>
+                </a:prstGeom>
+                <a:blipFill>
+                  <a:blip r:embed="rId8"/>
+                  <a:stretch>
+                    <a:fillRect l="-5660" t="-22222" r="-7547" b="-50000"/>
+                  </a:stretch>
+                </a:blipFill>
+              </p:spPr>
+              <p:txBody>
+                <a:bodyPr/>
+                <a:lstStyle/>
+                <a:p>
+                  <a:r>
+                    <a:rPr lang="en-US">
+                      <a:noFill/>
+                    </a:rPr>
+                    <a:t> </a:t>
+                  </a:r>
+                </a:p>
+              </p:txBody>
+            </p:sp>
+          </mc:Fallback>
+        </mc:AlternateContent>
+        <mc:AlternateContent xmlns:mc="http://schemas.openxmlformats.org/markup-compatibility/2006">
+          <mc:Choice xmlns:a14="http://schemas.microsoft.com/office/drawing/2010/main" Requires="a14">
+            <p:sp>
+              <p:nvSpPr>
+                <p:cNvPr id="14" name="TextBox 13">
+                  <a:extLst>
+                    <a:ext uri="{FF2B5EF4-FFF2-40B4-BE49-F238E27FC236}">
+                      <a16:creationId xmlns:a16="http://schemas.microsoft.com/office/drawing/2014/main" id="{2F304252-6206-A24F-898A-665DEF078479}"/>
+                    </a:ext>
+                  </a:extLst>
+                </p:cNvPr>
+                <p:cNvSpPr txBox="1"/>
+                <p:nvPr/>
+              </p:nvSpPr>
+              <p:spPr>
+                <a:xfrm>
+                  <a:off x="2810329" y="6175911"/>
+                  <a:ext cx="949106" cy="215444"/>
+                </a:xfrm>
+                <a:prstGeom prst="rect">
+                  <a:avLst/>
+                </a:prstGeom>
+                <a:noFill/>
+              </p:spPr>
+              <p:txBody>
+                <a:bodyPr wrap="none" lIns="0" tIns="0" rIns="0" bIns="0" rtlCol="0">
+                  <a:spAutoFit/>
+                </a:bodyPr>
+                <a:lstStyle/>
+                <a:p>
+                  <a:pPr/>
+                  <a14:m>
+                    <m:oMathPara xmlns:m="http://schemas.openxmlformats.org/officeDocument/2006/math">
+                      <m:oMathParaPr>
+                        <m:jc m:val="centerGroup"/>
+                      </m:oMathParaPr>
+                      <m:oMath xmlns:m="http://schemas.openxmlformats.org/officeDocument/2006/math">
                         <m:sSub>
                           <m:sSubPr>
                             <m:ctrlPr>
@@ -19920,311 +20092,187 @@
                             </m:r>
                           </m:sub>
                         </m:sSub>
-                      </m:sup>
-                    </m:sSup>
-                    <m:r>
-                      <a:rPr lang="en-US" sz="1400" b="0" i="1" smtClean="0">
-                        <a:latin typeface="Cambria Math" panose="02040503050406030204" pitchFamily="18" charset="0"/>
-                      </a:rPr>
-                      <m:t> </m:t>
-                    </m:r>
-                  </m:oMath>
-                </a14:m>
-                <a:r>
-                  <a:rPr lang="en-US" sz="1400" dirty="0"/>
-                  <a:t> ⌀</a:t>
-                </a:r>
-              </a:p>
-            </p:txBody>
-          </p:sp>
-        </mc:Choice>
-        <mc:Fallback xmlns="">
-          <p:sp>
-            <p:nvSpPr>
-              <p:cNvPr id="13" name="TextBox 12">
-                <a:extLst>
-                  <a:ext uri="{FF2B5EF4-FFF2-40B4-BE49-F238E27FC236}">
-                    <a16:creationId xmlns:a16="http://schemas.microsoft.com/office/drawing/2014/main" id="{ACDD241B-69BE-124B-8B03-7E89E1E2BDBC}"/>
-                  </a:ext>
-                </a:extLst>
-              </p:cNvPr>
-              <p:cNvSpPr txBox="1">
-                <a:spLocks noRot="1" noChangeAspect="1" noMove="1" noResize="1" noEditPoints="1" noAdjustHandles="1" noChangeArrowheads="1" noChangeShapeType="1" noTextEdit="1"/>
-              </p:cNvSpPr>
-              <p:nvPr/>
-            </p:nvSpPr>
-            <p:spPr>
-              <a:xfrm>
-                <a:off x="2615917" y="5742344"/>
-                <a:ext cx="1337930" cy="219227"/>
-              </a:xfrm>
-              <a:prstGeom prst="rect">
-                <a:avLst/>
-              </a:prstGeom>
-              <a:blipFill>
-                <a:blip r:embed="rId8"/>
-                <a:stretch>
-                  <a:fillRect l="-5660" t="-22222" r="-7547" b="-50000"/>
-                </a:stretch>
-              </a:blipFill>
-            </p:spPr>
-            <p:txBody>
-              <a:bodyPr/>
-              <a:lstStyle/>
-              <a:p>
-                <a:r>
-                  <a:rPr lang="en-US">
-                    <a:noFill/>
-                  </a:rPr>
-                  <a:t> </a:t>
-                </a:r>
-              </a:p>
-            </p:txBody>
-          </p:sp>
-        </mc:Fallback>
-      </mc:AlternateContent>
-      <mc:AlternateContent xmlns:mc="http://schemas.openxmlformats.org/markup-compatibility/2006" xmlns:a14="http://schemas.microsoft.com/office/drawing/2010/main">
-        <mc:Choice Requires="a14">
-          <p:sp>
-            <p:nvSpPr>
-              <p:cNvPr id="14" name="TextBox 13">
-                <a:extLst>
-                  <a:ext uri="{FF2B5EF4-FFF2-40B4-BE49-F238E27FC236}">
-                    <a16:creationId xmlns:a16="http://schemas.microsoft.com/office/drawing/2014/main" id="{2F304252-6206-A24F-898A-665DEF078479}"/>
-                  </a:ext>
-                </a:extLst>
-              </p:cNvPr>
-              <p:cNvSpPr txBox="1"/>
-              <p:nvPr/>
-            </p:nvSpPr>
-            <p:spPr>
-              <a:xfrm>
-                <a:off x="2810329" y="6175911"/>
-                <a:ext cx="949106" cy="215444"/>
-              </a:xfrm>
-              <a:prstGeom prst="rect">
-                <a:avLst/>
-              </a:prstGeom>
-              <a:noFill/>
-            </p:spPr>
-            <p:txBody>
-              <a:bodyPr wrap="none" lIns="0" tIns="0" rIns="0" bIns="0" rtlCol="0">
-                <a:spAutoFit/>
-              </a:bodyPr>
-              <a:lstStyle/>
-              <a:p>
-                <a:pPr/>
-                <a14:m>
-                  <m:oMathPara xmlns:m="http://schemas.openxmlformats.org/officeDocument/2006/math">
-                    <m:oMathParaPr>
-                      <m:jc m:val="centerGroup"/>
-                    </m:oMathParaPr>
-                    <m:oMath xmlns:m="http://schemas.openxmlformats.org/officeDocument/2006/math">
-                      <m:sSub>
-                        <m:sSubPr>
-                          <m:ctrlPr>
-                            <a:rPr lang="en-US" sz="1400" b="0" i="1" smtClean="0">
-                              <a:latin typeface="Cambria Math" panose="02040503050406030204" pitchFamily="18" charset="0"/>
-                            </a:rPr>
-                          </m:ctrlPr>
-                        </m:sSubPr>
-                        <m:e>
-                          <m:r>
-                            <a:rPr lang="en-US" sz="1400" b="0" i="1" smtClean="0">
-                              <a:latin typeface="Cambria Math" panose="02040503050406030204" pitchFamily="18" charset="0"/>
-                            </a:rPr>
-                            <m:t>𝑘</m:t>
-                          </m:r>
-                        </m:e>
-                        <m:sub>
-                          <m:r>
-                            <a:rPr lang="en-US" sz="1400" b="0" i="1" smtClean="0">
-                              <a:latin typeface="Cambria Math" panose="02040503050406030204" pitchFamily="18" charset="0"/>
-                            </a:rPr>
-                            <m:t>h𝑒𝑥</m:t>
-                          </m:r>
-                        </m:sub>
-                      </m:sSub>
-                      <m:r>
-                        <a:rPr lang="en-US" sz="1400" b="0" i="1" smtClean="0">
-                          <a:latin typeface="Cambria Math" panose="02040503050406030204" pitchFamily="18" charset="0"/>
-                        </a:rPr>
-                        <m:t>=0.06</m:t>
-                      </m:r>
-                    </m:oMath>
-                  </m:oMathPara>
-                </a14:m>
-                <a:endParaRPr lang="en-US" sz="1400" dirty="0"/>
-              </a:p>
-            </p:txBody>
-          </p:sp>
-        </mc:Choice>
-        <mc:Fallback xmlns="">
-          <p:sp>
-            <p:nvSpPr>
-              <p:cNvPr id="14" name="TextBox 13">
-                <a:extLst>
-                  <a:ext uri="{FF2B5EF4-FFF2-40B4-BE49-F238E27FC236}">
-                    <a16:creationId xmlns:a16="http://schemas.microsoft.com/office/drawing/2014/main" id="{2F304252-6206-A24F-898A-665DEF078479}"/>
-                  </a:ext>
-                </a:extLst>
-              </p:cNvPr>
-              <p:cNvSpPr txBox="1">
-                <a:spLocks noRot="1" noChangeAspect="1" noMove="1" noResize="1" noEditPoints="1" noAdjustHandles="1" noChangeArrowheads="1" noChangeShapeType="1" noTextEdit="1"/>
-              </p:cNvSpPr>
-              <p:nvPr/>
-            </p:nvSpPr>
-            <p:spPr>
-              <a:xfrm>
-                <a:off x="2810329" y="6175911"/>
-                <a:ext cx="949106" cy="215444"/>
-              </a:xfrm>
-              <a:prstGeom prst="rect">
-                <a:avLst/>
-              </a:prstGeom>
-              <a:blipFill>
-                <a:blip r:embed="rId9"/>
-                <a:stretch>
-                  <a:fillRect l="-3947" r="-2632" b="-11111"/>
-                </a:stretch>
-              </a:blipFill>
-            </p:spPr>
-            <p:txBody>
-              <a:bodyPr/>
-              <a:lstStyle/>
-              <a:p>
-                <a:r>
-                  <a:rPr lang="en-US">
-                    <a:noFill/>
-                  </a:rPr>
-                  <a:t> </a:t>
-                </a:r>
-              </a:p>
-            </p:txBody>
-          </p:sp>
-        </mc:Fallback>
-      </mc:AlternateContent>
-      <mc:AlternateContent xmlns:mc="http://schemas.openxmlformats.org/markup-compatibility/2006" xmlns:a14="http://schemas.microsoft.com/office/drawing/2010/main">
-        <mc:Choice Requires="a14">
-          <p:sp>
-            <p:nvSpPr>
-              <p:cNvPr id="15" name="TextBox 14">
-                <a:extLst>
-                  <a:ext uri="{FF2B5EF4-FFF2-40B4-BE49-F238E27FC236}">
-                    <a16:creationId xmlns:a16="http://schemas.microsoft.com/office/drawing/2014/main" id="{BCC2CA93-B1CF-CE43-856B-DD8C452F34F9}"/>
-                  </a:ext>
-                </a:extLst>
-              </p:cNvPr>
-              <p:cNvSpPr txBox="1"/>
-              <p:nvPr/>
-            </p:nvSpPr>
-            <p:spPr>
-              <a:xfrm>
-                <a:off x="8180869" y="6175911"/>
-                <a:ext cx="1006173" cy="215444"/>
-              </a:xfrm>
-              <a:prstGeom prst="rect">
-                <a:avLst/>
-              </a:prstGeom>
-              <a:noFill/>
-            </p:spPr>
-            <p:txBody>
-              <a:bodyPr wrap="none" lIns="0" tIns="0" rIns="0" bIns="0" rtlCol="0">
-                <a:spAutoFit/>
-              </a:bodyPr>
-              <a:lstStyle/>
-              <a:p>
-                <a:pPr/>
-                <a14:m>
-                  <m:oMathPara xmlns:m="http://schemas.openxmlformats.org/officeDocument/2006/math">
-                    <m:oMathParaPr>
-                      <m:jc m:val="centerGroup"/>
-                    </m:oMathParaPr>
-                    <m:oMath xmlns:m="http://schemas.openxmlformats.org/officeDocument/2006/math">
-                      <m:sSub>
-                        <m:sSubPr>
-                          <m:ctrlPr>
-                            <a:rPr lang="en-US" sz="1400" b="0" i="1" smtClean="0">
-                              <a:latin typeface="Cambria Math" panose="02040503050406030204" pitchFamily="18" charset="0"/>
-                            </a:rPr>
-                          </m:ctrlPr>
-                        </m:sSubPr>
-                        <m:e>
-                          <m:r>
-                            <a:rPr lang="en-US" sz="1400" b="0" i="1" smtClean="0">
-                              <a:latin typeface="Cambria Math" panose="02040503050406030204" pitchFamily="18" charset="0"/>
-                            </a:rPr>
-                            <m:t>𝑘</m:t>
-                          </m:r>
-                        </m:e>
-                        <m:sub>
-                          <m:r>
-                            <a:rPr lang="en-US" sz="1400" b="0" i="1" smtClean="0">
-                              <a:latin typeface="Cambria Math" panose="02040503050406030204" pitchFamily="18" charset="0"/>
-                            </a:rPr>
-                            <m:t>𝑖𝑠𝑜</m:t>
-                          </m:r>
-                        </m:sub>
-                      </m:sSub>
-                      <m:r>
-                        <a:rPr lang="en-US" sz="1400" b="0" i="1" smtClean="0">
-                          <a:latin typeface="Cambria Math" panose="02040503050406030204" pitchFamily="18" charset="0"/>
-                        </a:rPr>
-                        <m:t>=0.057</m:t>
-                      </m:r>
-                    </m:oMath>
-                  </m:oMathPara>
-                </a14:m>
-                <a:endParaRPr lang="en-US" sz="1400" dirty="0"/>
-              </a:p>
-            </p:txBody>
-          </p:sp>
-        </mc:Choice>
-        <mc:Fallback xmlns="">
-          <p:sp>
-            <p:nvSpPr>
-              <p:cNvPr id="15" name="TextBox 14">
-                <a:extLst>
-                  <a:ext uri="{FF2B5EF4-FFF2-40B4-BE49-F238E27FC236}">
-                    <a16:creationId xmlns:a16="http://schemas.microsoft.com/office/drawing/2014/main" id="{BCC2CA93-B1CF-CE43-856B-DD8C452F34F9}"/>
-                  </a:ext>
-                </a:extLst>
-              </p:cNvPr>
-              <p:cNvSpPr txBox="1">
-                <a:spLocks noRot="1" noChangeAspect="1" noMove="1" noResize="1" noEditPoints="1" noAdjustHandles="1" noChangeArrowheads="1" noChangeShapeType="1" noTextEdit="1"/>
-              </p:cNvSpPr>
-              <p:nvPr/>
-            </p:nvSpPr>
-            <p:spPr>
-              <a:xfrm>
-                <a:off x="8180869" y="6175911"/>
-                <a:ext cx="1006173" cy="215444"/>
-              </a:xfrm>
-              <a:prstGeom prst="rect">
-                <a:avLst/>
-              </a:prstGeom>
-              <a:blipFill>
-                <a:blip r:embed="rId10"/>
-                <a:stretch>
-                  <a:fillRect l="-3750" r="-3750" b="-11111"/>
-                </a:stretch>
-              </a:blipFill>
-            </p:spPr>
-            <p:txBody>
-              <a:bodyPr/>
-              <a:lstStyle/>
-              <a:p>
-                <a:r>
-                  <a:rPr lang="en-US">
-                    <a:noFill/>
-                  </a:rPr>
-                  <a:t> </a:t>
-                </a:r>
-              </a:p>
-            </p:txBody>
-          </p:sp>
-        </mc:Fallback>
-      </mc:AlternateContent>
+                        <m:r>
+                          <a:rPr lang="en-US" sz="1400" b="0" i="1" smtClean="0">
+                            <a:latin typeface="Cambria Math" panose="02040503050406030204" pitchFamily="18" charset="0"/>
+                          </a:rPr>
+                          <m:t>=0.06</m:t>
+                        </m:r>
+                      </m:oMath>
+                    </m:oMathPara>
+                  </a14:m>
+                  <a:endParaRPr lang="en-US" sz="1400" dirty="0"/>
+                </a:p>
+              </p:txBody>
+            </p:sp>
+          </mc:Choice>
+          <mc:Fallback>
+            <p:sp>
+              <p:nvSpPr>
+                <p:cNvPr id="14" name="TextBox 13">
+                  <a:extLst>
+                    <a:ext uri="{FF2B5EF4-FFF2-40B4-BE49-F238E27FC236}">
+                      <a16:creationId xmlns:a16="http://schemas.microsoft.com/office/drawing/2014/main" id="{2F304252-6206-A24F-898A-665DEF078479}"/>
+                    </a:ext>
+                  </a:extLst>
+                </p:cNvPr>
+                <p:cNvSpPr txBox="1">
+                  <a:spLocks noRot="1" noChangeAspect="1" noMove="1" noResize="1" noEditPoints="1" noAdjustHandles="1" noChangeArrowheads="1" noChangeShapeType="1" noTextEdit="1"/>
+                </p:cNvSpPr>
+                <p:nvPr/>
+              </p:nvSpPr>
+              <p:spPr>
+                <a:xfrm>
+                  <a:off x="2810329" y="6175911"/>
+                  <a:ext cx="949106" cy="215444"/>
+                </a:xfrm>
+                <a:prstGeom prst="rect">
+                  <a:avLst/>
+                </a:prstGeom>
+                <a:blipFill>
+                  <a:blip r:embed="rId9"/>
+                  <a:stretch>
+                    <a:fillRect l="-3947" r="-2632" b="-11111"/>
+                  </a:stretch>
+                </a:blipFill>
+              </p:spPr>
+              <p:txBody>
+                <a:bodyPr/>
+                <a:lstStyle/>
+                <a:p>
+                  <a:r>
+                    <a:rPr lang="en-US">
+                      <a:noFill/>
+                    </a:rPr>
+                    <a:t> </a:t>
+                  </a:r>
+                </a:p>
+              </p:txBody>
+            </p:sp>
+          </mc:Fallback>
+        </mc:AlternateContent>
+        <mc:AlternateContent xmlns:mc="http://schemas.openxmlformats.org/markup-compatibility/2006">
+          <mc:Choice xmlns:a14="http://schemas.microsoft.com/office/drawing/2010/main" Requires="a14">
+            <p:sp>
+              <p:nvSpPr>
+                <p:cNvPr id="15" name="TextBox 14">
+                  <a:extLst>
+                    <a:ext uri="{FF2B5EF4-FFF2-40B4-BE49-F238E27FC236}">
+                      <a16:creationId xmlns:a16="http://schemas.microsoft.com/office/drawing/2014/main" id="{BCC2CA93-B1CF-CE43-856B-DD8C452F34F9}"/>
+                    </a:ext>
+                  </a:extLst>
+                </p:cNvPr>
+                <p:cNvSpPr txBox="1"/>
+                <p:nvPr/>
+              </p:nvSpPr>
+              <p:spPr>
+                <a:xfrm>
+                  <a:off x="8180869" y="6175911"/>
+                  <a:ext cx="1006173" cy="215444"/>
+                </a:xfrm>
+                <a:prstGeom prst="rect">
+                  <a:avLst/>
+                </a:prstGeom>
+                <a:noFill/>
+              </p:spPr>
+              <p:txBody>
+                <a:bodyPr wrap="none" lIns="0" tIns="0" rIns="0" bIns="0" rtlCol="0">
+                  <a:spAutoFit/>
+                </a:bodyPr>
+                <a:lstStyle/>
+                <a:p>
+                  <a:pPr/>
+                  <a14:m>
+                    <m:oMathPara xmlns:m="http://schemas.openxmlformats.org/officeDocument/2006/math">
+                      <m:oMathParaPr>
+                        <m:jc m:val="centerGroup"/>
+                      </m:oMathParaPr>
+                      <m:oMath xmlns:m="http://schemas.openxmlformats.org/officeDocument/2006/math">
+                        <m:sSub>
+                          <m:sSubPr>
+                            <m:ctrlPr>
+                              <a:rPr lang="en-US" sz="1400" b="0" i="1" smtClean="0">
+                                <a:latin typeface="Cambria Math" panose="02040503050406030204" pitchFamily="18" charset="0"/>
+                              </a:rPr>
+                            </m:ctrlPr>
+                          </m:sSubPr>
+                          <m:e>
+                            <m:r>
+                              <a:rPr lang="en-US" sz="1400" b="0" i="1" smtClean="0">
+                                <a:latin typeface="Cambria Math" panose="02040503050406030204" pitchFamily="18" charset="0"/>
+                              </a:rPr>
+                              <m:t>𝑘</m:t>
+                            </m:r>
+                          </m:e>
+                          <m:sub>
+                            <m:r>
+                              <a:rPr lang="en-US" sz="1400" b="0" i="1" smtClean="0">
+                                <a:latin typeface="Cambria Math" panose="02040503050406030204" pitchFamily="18" charset="0"/>
+                              </a:rPr>
+                              <m:t>𝑖𝑠𝑜</m:t>
+                            </m:r>
+                          </m:sub>
+                        </m:sSub>
+                        <m:r>
+                          <a:rPr lang="en-US" sz="1400" b="0" i="1" smtClean="0">
+                            <a:latin typeface="Cambria Math" panose="02040503050406030204" pitchFamily="18" charset="0"/>
+                          </a:rPr>
+                          <m:t>=0.057</m:t>
+                        </m:r>
+                      </m:oMath>
+                    </m:oMathPara>
+                  </a14:m>
+                  <a:endParaRPr lang="en-US" sz="1400" dirty="0"/>
+                </a:p>
+              </p:txBody>
+            </p:sp>
+          </mc:Choice>
+          <mc:Fallback>
+            <p:sp>
+              <p:nvSpPr>
+                <p:cNvPr id="15" name="TextBox 14">
+                  <a:extLst>
+                    <a:ext uri="{FF2B5EF4-FFF2-40B4-BE49-F238E27FC236}">
+                      <a16:creationId xmlns:a16="http://schemas.microsoft.com/office/drawing/2014/main" id="{BCC2CA93-B1CF-CE43-856B-DD8C452F34F9}"/>
+                    </a:ext>
+                  </a:extLst>
+                </p:cNvPr>
+                <p:cNvSpPr txBox="1">
+                  <a:spLocks noRot="1" noChangeAspect="1" noMove="1" noResize="1" noEditPoints="1" noAdjustHandles="1" noChangeArrowheads="1" noChangeShapeType="1" noTextEdit="1"/>
+                </p:cNvSpPr>
+                <p:nvPr/>
+              </p:nvSpPr>
+              <p:spPr>
+                <a:xfrm>
+                  <a:off x="8180869" y="6175911"/>
+                  <a:ext cx="1006173" cy="215444"/>
+                </a:xfrm>
+                <a:prstGeom prst="rect">
+                  <a:avLst/>
+                </a:prstGeom>
+                <a:blipFill>
+                  <a:blip r:embed="rId10"/>
+                  <a:stretch>
+                    <a:fillRect l="-3750" r="-3750" b="-11111"/>
+                  </a:stretch>
+                </a:blipFill>
+              </p:spPr>
+              <p:txBody>
+                <a:bodyPr/>
+                <a:lstStyle/>
+                <a:p>
+                  <a:r>
+                    <a:rPr lang="en-US">
+                      <a:noFill/>
+                    </a:rPr>
+                    <a:t> </a:t>
+                  </a:r>
+                </a:p>
+              </p:txBody>
+            </p:sp>
+          </mc:Fallback>
+        </mc:AlternateContent>
+      </p:grpSp>
       <p:pic>
         <p:nvPicPr>
           <p:cNvPr id="16" name="Picture 15" descr="A picture containing drawing&#10;&#10;Description automatically generated">

--- a/miscellaneous/presentations/20200715_syncell_mtg.pptx
+++ b/miscellaneous/presentations/20200715_syncell_mtg.pptx
@@ -5,7 +5,7 @@
     <p:sldMasterId id="2147483648" r:id="rId1"/>
   </p:sldMasterIdLst>
   <p:notesMasterIdLst>
-    <p:notesMasterId r:id="rId18"/>
+    <p:notesMasterId r:id="rId19"/>
   </p:notesMasterIdLst>
   <p:sldIdLst>
     <p:sldId id="256" r:id="rId2"/>
@@ -20,10 +20,11 @@
     <p:sldId id="332" r:id="rId11"/>
     <p:sldId id="263" r:id="rId12"/>
     <p:sldId id="268" r:id="rId13"/>
-    <p:sldId id="333" r:id="rId14"/>
-    <p:sldId id="334" r:id="rId15"/>
-    <p:sldId id="328" r:id="rId16"/>
-    <p:sldId id="297" r:id="rId17"/>
+    <p:sldId id="336" r:id="rId14"/>
+    <p:sldId id="333" r:id="rId15"/>
+    <p:sldId id="334" r:id="rId16"/>
+    <p:sldId id="328" r:id="rId17"/>
+    <p:sldId id="297" r:id="rId18"/>
   </p:sldIdLst>
   <p:sldSz cx="12192000" cy="6858000"/>
   <p:notesSz cx="6858000" cy="9144000"/>
@@ -938,6 +939,813 @@
 </file>
 
 <file path=ppt/diagrams/colors2.xml><?xml version="1.0" encoding="utf-8"?>
+<dgm:colorsDef xmlns:dgm="http://schemas.openxmlformats.org/drawingml/2006/diagram" xmlns:a="http://schemas.openxmlformats.org/drawingml/2006/main" uniqueId="urn:microsoft.com/office/officeart/2005/8/colors/accent0_2">
+  <dgm:title val=""/>
+  <dgm:desc val=""/>
+  <dgm:catLst>
+    <dgm:cat type="mainScheme" pri="10200"/>
+  </dgm:catLst>
+  <dgm:styleLbl name="node0">
+    <dgm:fillClrLst meth="repeat">
+      <a:schemeClr val="lt1"/>
+    </dgm:fillClrLst>
+    <dgm:linClrLst meth="repeat">
+      <a:schemeClr val="dk2">
+        <a:shade val="80000"/>
+      </a:schemeClr>
+    </dgm:linClrLst>
+    <dgm:effectClrLst/>
+    <dgm:txLinClrLst/>
+    <dgm:txFillClrLst meth="repeat">
+      <a:schemeClr val="dk2"/>
+    </dgm:txFillClrLst>
+    <dgm:txEffectClrLst/>
+  </dgm:styleLbl>
+  <dgm:styleLbl name="node1">
+    <dgm:fillClrLst meth="repeat">
+      <a:schemeClr val="lt1"/>
+    </dgm:fillClrLst>
+    <dgm:linClrLst meth="repeat">
+      <a:schemeClr val="dk2">
+        <a:shade val="80000"/>
+      </a:schemeClr>
+    </dgm:linClrLst>
+    <dgm:effectClrLst/>
+    <dgm:txLinClrLst/>
+    <dgm:txFillClrLst meth="repeat">
+      <a:schemeClr val="dk2"/>
+    </dgm:txFillClrLst>
+    <dgm:txEffectClrLst/>
+  </dgm:styleLbl>
+  <dgm:styleLbl name="alignNode1">
+    <dgm:fillClrLst meth="repeat">
+      <a:schemeClr val="lt1"/>
+    </dgm:fillClrLst>
+    <dgm:linClrLst meth="repeat">
+      <a:schemeClr val="dk2">
+        <a:shade val="80000"/>
+      </a:schemeClr>
+    </dgm:linClrLst>
+    <dgm:effectClrLst/>
+    <dgm:txLinClrLst/>
+    <dgm:txFillClrLst meth="repeat">
+      <a:schemeClr val="dk2"/>
+    </dgm:txFillClrLst>
+    <dgm:txEffectClrLst/>
+  </dgm:styleLbl>
+  <dgm:styleLbl name="lnNode1">
+    <dgm:fillClrLst meth="repeat">
+      <a:schemeClr val="lt1"/>
+    </dgm:fillClrLst>
+    <dgm:linClrLst meth="repeat">
+      <a:schemeClr val="dk2">
+        <a:shade val="80000"/>
+      </a:schemeClr>
+    </dgm:linClrLst>
+    <dgm:effectClrLst/>
+    <dgm:txLinClrLst/>
+    <dgm:txFillClrLst meth="repeat">
+      <a:schemeClr val="dk2"/>
+    </dgm:txFillClrLst>
+    <dgm:txEffectClrLst/>
+  </dgm:styleLbl>
+  <dgm:styleLbl name="vennNode1">
+    <dgm:fillClrLst meth="repeat">
+      <a:schemeClr val="lt1">
+        <a:alpha val="50000"/>
+      </a:schemeClr>
+    </dgm:fillClrLst>
+    <dgm:linClrLst meth="repeat">
+      <a:schemeClr val="dk2">
+        <a:shade val="80000"/>
+      </a:schemeClr>
+    </dgm:linClrLst>
+    <dgm:effectClrLst/>
+    <dgm:txLinClrLst/>
+    <dgm:txFillClrLst/>
+    <dgm:txEffectClrLst/>
+  </dgm:styleLbl>
+  <dgm:styleLbl name="node2">
+    <dgm:fillClrLst meth="repeat">
+      <a:schemeClr val="lt1"/>
+    </dgm:fillClrLst>
+    <dgm:linClrLst meth="repeat">
+      <a:schemeClr val="dk2">
+        <a:shade val="80000"/>
+      </a:schemeClr>
+    </dgm:linClrLst>
+    <dgm:effectClrLst/>
+    <dgm:txLinClrLst/>
+    <dgm:txFillClrLst meth="repeat">
+      <a:schemeClr val="dk2"/>
+    </dgm:txFillClrLst>
+    <dgm:txEffectClrLst/>
+  </dgm:styleLbl>
+  <dgm:styleLbl name="node3">
+    <dgm:fillClrLst meth="repeat">
+      <a:schemeClr val="lt1"/>
+    </dgm:fillClrLst>
+    <dgm:linClrLst meth="repeat">
+      <a:schemeClr val="dk2">
+        <a:shade val="80000"/>
+      </a:schemeClr>
+    </dgm:linClrLst>
+    <dgm:effectClrLst/>
+    <dgm:txLinClrLst/>
+    <dgm:txFillClrLst meth="repeat">
+      <a:schemeClr val="dk2"/>
+    </dgm:txFillClrLst>
+    <dgm:txEffectClrLst/>
+  </dgm:styleLbl>
+  <dgm:styleLbl name="node4">
+    <dgm:fillClrLst meth="repeat">
+      <a:schemeClr val="lt1"/>
+    </dgm:fillClrLst>
+    <dgm:linClrLst meth="repeat">
+      <a:schemeClr val="dk2">
+        <a:shade val="80000"/>
+      </a:schemeClr>
+    </dgm:linClrLst>
+    <dgm:effectClrLst/>
+    <dgm:txLinClrLst/>
+    <dgm:txFillClrLst meth="repeat">
+      <a:schemeClr val="dk2"/>
+    </dgm:txFillClrLst>
+    <dgm:txEffectClrLst/>
+  </dgm:styleLbl>
+  <dgm:styleLbl name="fgImgPlace1">
+    <dgm:fillClrLst meth="repeat">
+      <a:schemeClr val="dk2">
+        <a:tint val="40000"/>
+      </a:schemeClr>
+    </dgm:fillClrLst>
+    <dgm:linClrLst meth="repeat">
+      <a:schemeClr val="dk2">
+        <a:shade val="80000"/>
+      </a:schemeClr>
+    </dgm:linClrLst>
+    <dgm:effectClrLst/>
+    <dgm:txLinClrLst/>
+    <dgm:txFillClrLst meth="repeat">
+      <a:schemeClr val="lt1"/>
+    </dgm:txFillClrLst>
+    <dgm:txEffectClrLst/>
+  </dgm:styleLbl>
+  <dgm:styleLbl name="alignImgPlace1">
+    <dgm:fillClrLst meth="repeat">
+      <a:schemeClr val="dk2">
+        <a:tint val="40000"/>
+      </a:schemeClr>
+    </dgm:fillClrLst>
+    <dgm:linClrLst meth="repeat">
+      <a:schemeClr val="dk2">
+        <a:shade val="80000"/>
+      </a:schemeClr>
+    </dgm:linClrLst>
+    <dgm:effectClrLst/>
+    <dgm:txLinClrLst/>
+    <dgm:txFillClrLst meth="repeat">
+      <a:schemeClr val="lt1"/>
+    </dgm:txFillClrLst>
+    <dgm:txEffectClrLst/>
+  </dgm:styleLbl>
+  <dgm:styleLbl name="bgImgPlace1">
+    <dgm:fillClrLst meth="repeat">
+      <a:schemeClr val="dk2">
+        <a:tint val="40000"/>
+      </a:schemeClr>
+    </dgm:fillClrLst>
+    <dgm:linClrLst meth="repeat">
+      <a:schemeClr val="dk2">
+        <a:shade val="80000"/>
+      </a:schemeClr>
+    </dgm:linClrLst>
+    <dgm:effectClrLst/>
+    <dgm:txLinClrLst/>
+    <dgm:txFillClrLst meth="repeat">
+      <a:schemeClr val="lt1"/>
+    </dgm:txFillClrLst>
+    <dgm:txEffectClrLst/>
+  </dgm:styleLbl>
+  <dgm:styleLbl name="sibTrans2D1">
+    <dgm:fillClrLst meth="repeat">
+      <a:schemeClr val="dk2">
+        <a:tint val="60000"/>
+      </a:schemeClr>
+    </dgm:fillClrLst>
+    <dgm:linClrLst meth="repeat">
+      <a:schemeClr val="dk2">
+        <a:tint val="60000"/>
+      </a:schemeClr>
+    </dgm:linClrLst>
+    <dgm:effectClrLst/>
+    <dgm:txLinClrLst/>
+    <dgm:txFillClrLst meth="repeat">
+      <a:schemeClr val="dk2"/>
+    </dgm:txFillClrLst>
+    <dgm:txEffectClrLst/>
+  </dgm:styleLbl>
+  <dgm:styleLbl name="fgSibTrans2D1">
+    <dgm:fillClrLst meth="repeat">
+      <a:schemeClr val="dk2">
+        <a:tint val="60000"/>
+      </a:schemeClr>
+    </dgm:fillClrLst>
+    <dgm:linClrLst meth="repeat">
+      <a:schemeClr val="dk2">
+        <a:tint val="60000"/>
+      </a:schemeClr>
+    </dgm:linClrLst>
+    <dgm:effectClrLst/>
+    <dgm:txLinClrLst/>
+    <dgm:txFillClrLst meth="repeat">
+      <a:schemeClr val="dk2"/>
+    </dgm:txFillClrLst>
+    <dgm:txEffectClrLst/>
+  </dgm:styleLbl>
+  <dgm:styleLbl name="bgSibTrans2D1">
+    <dgm:fillClrLst meth="repeat">
+      <a:schemeClr val="dk2">
+        <a:tint val="60000"/>
+      </a:schemeClr>
+    </dgm:fillClrLst>
+    <dgm:linClrLst meth="repeat">
+      <a:schemeClr val="dk2">
+        <a:tint val="60000"/>
+      </a:schemeClr>
+    </dgm:linClrLst>
+    <dgm:effectClrLst/>
+    <dgm:txLinClrLst/>
+    <dgm:txFillClrLst meth="repeat">
+      <a:schemeClr val="dk2"/>
+    </dgm:txFillClrLst>
+    <dgm:txEffectClrLst/>
+  </dgm:styleLbl>
+  <dgm:styleLbl name="sibTrans1D1">
+    <dgm:fillClrLst meth="repeat">
+      <a:schemeClr val="dk2"/>
+    </dgm:fillClrLst>
+    <dgm:linClrLst meth="repeat">
+      <a:schemeClr val="dk2"/>
+    </dgm:linClrLst>
+    <dgm:effectClrLst/>
+    <dgm:txLinClrLst/>
+    <dgm:txFillClrLst meth="repeat">
+      <a:schemeClr val="tx1"/>
+    </dgm:txFillClrLst>
+    <dgm:txEffectClrLst/>
+  </dgm:styleLbl>
+  <dgm:styleLbl name="callout">
+    <dgm:fillClrLst meth="repeat">
+      <a:schemeClr val="dk2"/>
+    </dgm:fillClrLst>
+    <dgm:linClrLst meth="repeat">
+      <a:schemeClr val="dk2"/>
+    </dgm:linClrLst>
+    <dgm:effectClrLst/>
+    <dgm:txLinClrLst/>
+    <dgm:txFillClrLst meth="repeat">
+      <a:schemeClr val="tx1"/>
+    </dgm:txFillClrLst>
+    <dgm:txEffectClrLst/>
+  </dgm:styleLbl>
+  <dgm:styleLbl name="asst0">
+    <dgm:fillClrLst meth="repeat">
+      <a:schemeClr val="lt1"/>
+    </dgm:fillClrLst>
+    <dgm:linClrLst meth="repeat">
+      <a:schemeClr val="dk2">
+        <a:shade val="80000"/>
+      </a:schemeClr>
+    </dgm:linClrLst>
+    <dgm:effectClrLst/>
+    <dgm:txLinClrLst/>
+    <dgm:txFillClrLst meth="repeat">
+      <a:schemeClr val="dk2"/>
+    </dgm:txFillClrLst>
+    <dgm:txEffectClrLst/>
+  </dgm:styleLbl>
+  <dgm:styleLbl name="asst1">
+    <dgm:fillClrLst meth="repeat">
+      <a:schemeClr val="lt1"/>
+    </dgm:fillClrLst>
+    <dgm:linClrLst meth="repeat">
+      <a:schemeClr val="dk2">
+        <a:shade val="80000"/>
+      </a:schemeClr>
+    </dgm:linClrLst>
+    <dgm:effectClrLst/>
+    <dgm:txLinClrLst/>
+    <dgm:txFillClrLst meth="repeat">
+      <a:schemeClr val="dk2"/>
+    </dgm:txFillClrLst>
+    <dgm:txEffectClrLst/>
+  </dgm:styleLbl>
+  <dgm:styleLbl name="asst2">
+    <dgm:fillClrLst meth="repeat">
+      <a:schemeClr val="lt1"/>
+    </dgm:fillClrLst>
+    <dgm:linClrLst meth="repeat">
+      <a:schemeClr val="dk2">
+        <a:shade val="80000"/>
+      </a:schemeClr>
+    </dgm:linClrLst>
+    <dgm:effectClrLst/>
+    <dgm:txLinClrLst/>
+    <dgm:txFillClrLst meth="repeat">
+      <a:schemeClr val="dk2"/>
+    </dgm:txFillClrLst>
+    <dgm:txEffectClrLst/>
+  </dgm:styleLbl>
+  <dgm:styleLbl name="asst3">
+    <dgm:fillClrLst meth="repeat">
+      <a:schemeClr val="lt1"/>
+    </dgm:fillClrLst>
+    <dgm:linClrLst meth="repeat">
+      <a:schemeClr val="dk2">
+        <a:shade val="80000"/>
+      </a:schemeClr>
+    </dgm:linClrLst>
+    <dgm:effectClrLst/>
+    <dgm:txLinClrLst/>
+    <dgm:txFillClrLst meth="repeat">
+      <a:schemeClr val="dk2"/>
+    </dgm:txFillClrLst>
+    <dgm:txEffectClrLst/>
+  </dgm:styleLbl>
+  <dgm:styleLbl name="asst4">
+    <dgm:fillClrLst meth="repeat">
+      <a:schemeClr val="lt1"/>
+    </dgm:fillClrLst>
+    <dgm:linClrLst meth="repeat">
+      <a:schemeClr val="dk2">
+        <a:shade val="80000"/>
+      </a:schemeClr>
+    </dgm:linClrLst>
+    <dgm:effectClrLst/>
+    <dgm:txLinClrLst/>
+    <dgm:txFillClrLst meth="repeat">
+      <a:schemeClr val="dk2"/>
+    </dgm:txFillClrLst>
+    <dgm:txEffectClrLst/>
+  </dgm:styleLbl>
+  <dgm:styleLbl name="parChTrans2D1">
+    <dgm:fillClrLst meth="repeat">
+      <a:schemeClr val="dk2">
+        <a:tint val="60000"/>
+      </a:schemeClr>
+    </dgm:fillClrLst>
+    <dgm:linClrLst meth="repeat">
+      <a:schemeClr val="dk2">
+        <a:tint val="60000"/>
+      </a:schemeClr>
+    </dgm:linClrLst>
+    <dgm:effectClrLst/>
+    <dgm:txLinClrLst/>
+    <dgm:txFillClrLst/>
+    <dgm:txEffectClrLst/>
+  </dgm:styleLbl>
+  <dgm:styleLbl name="parChTrans2D2">
+    <dgm:fillClrLst meth="repeat">
+      <a:schemeClr val="dk2"/>
+    </dgm:fillClrLst>
+    <dgm:linClrLst meth="repeat">
+      <a:schemeClr val="dk2"/>
+    </dgm:linClrLst>
+    <dgm:effectClrLst/>
+    <dgm:txLinClrLst/>
+    <dgm:txFillClrLst/>
+    <dgm:txEffectClrLst/>
+  </dgm:styleLbl>
+  <dgm:styleLbl name="parChTrans2D3">
+    <dgm:fillClrLst meth="repeat">
+      <a:schemeClr val="dk2"/>
+    </dgm:fillClrLst>
+    <dgm:linClrLst meth="repeat">
+      <a:schemeClr val="dk2"/>
+    </dgm:linClrLst>
+    <dgm:effectClrLst/>
+    <dgm:txLinClrLst/>
+    <dgm:txFillClrLst/>
+    <dgm:txEffectClrLst/>
+  </dgm:styleLbl>
+  <dgm:styleLbl name="parChTrans2D4">
+    <dgm:fillClrLst meth="repeat">
+      <a:schemeClr val="dk2"/>
+    </dgm:fillClrLst>
+    <dgm:linClrLst meth="repeat">
+      <a:schemeClr val="dk2"/>
+    </dgm:linClrLst>
+    <dgm:effectClrLst/>
+    <dgm:txLinClrLst/>
+    <dgm:txFillClrLst meth="repeat">
+      <a:schemeClr val="lt1"/>
+    </dgm:txFillClrLst>
+    <dgm:txEffectClrLst/>
+  </dgm:styleLbl>
+  <dgm:styleLbl name="parChTrans1D1">
+    <dgm:fillClrLst meth="repeat">
+      <a:schemeClr val="dk2"/>
+    </dgm:fillClrLst>
+    <dgm:linClrLst meth="repeat">
+      <a:schemeClr val="dk2">
+        <a:shade val="60000"/>
+      </a:schemeClr>
+    </dgm:linClrLst>
+    <dgm:effectClrLst/>
+    <dgm:txLinClrLst/>
+    <dgm:txFillClrLst meth="repeat">
+      <a:schemeClr val="tx1"/>
+    </dgm:txFillClrLst>
+    <dgm:txEffectClrLst/>
+  </dgm:styleLbl>
+  <dgm:styleLbl name="parChTrans1D2">
+    <dgm:fillClrLst meth="repeat">
+      <a:schemeClr val="dk2"/>
+    </dgm:fillClrLst>
+    <dgm:linClrLst meth="repeat">
+      <a:schemeClr val="dk2">
+        <a:shade val="60000"/>
+      </a:schemeClr>
+    </dgm:linClrLst>
+    <dgm:effectClrLst/>
+    <dgm:txLinClrLst/>
+    <dgm:txFillClrLst meth="repeat">
+      <a:schemeClr val="tx1"/>
+    </dgm:txFillClrLst>
+    <dgm:txEffectClrLst/>
+  </dgm:styleLbl>
+  <dgm:styleLbl name="parChTrans1D3">
+    <dgm:fillClrLst meth="repeat">
+      <a:schemeClr val="dk2"/>
+    </dgm:fillClrLst>
+    <dgm:linClrLst meth="repeat">
+      <a:schemeClr val="dk2">
+        <a:shade val="80000"/>
+      </a:schemeClr>
+    </dgm:linClrLst>
+    <dgm:effectClrLst/>
+    <dgm:txLinClrLst/>
+    <dgm:txFillClrLst meth="repeat">
+      <a:schemeClr val="tx1"/>
+    </dgm:txFillClrLst>
+    <dgm:txEffectClrLst/>
+  </dgm:styleLbl>
+  <dgm:styleLbl name="parChTrans1D4">
+    <dgm:fillClrLst meth="repeat">
+      <a:schemeClr val="dk2"/>
+    </dgm:fillClrLst>
+    <dgm:linClrLst meth="repeat">
+      <a:schemeClr val="dk2">
+        <a:shade val="80000"/>
+      </a:schemeClr>
+    </dgm:linClrLst>
+    <dgm:effectClrLst/>
+    <dgm:txLinClrLst/>
+    <dgm:txFillClrLst meth="repeat">
+      <a:schemeClr val="tx1"/>
+    </dgm:txFillClrLst>
+    <dgm:txEffectClrLst/>
+  </dgm:styleLbl>
+  <dgm:styleLbl name="fgAcc1">
+    <dgm:fillClrLst meth="repeat">
+      <a:schemeClr val="dk2">
+        <a:alpha val="90000"/>
+        <a:tint val="40000"/>
+      </a:schemeClr>
+    </dgm:fillClrLst>
+    <dgm:linClrLst meth="repeat">
+      <a:schemeClr val="dk2"/>
+    </dgm:linClrLst>
+    <dgm:effectClrLst/>
+    <dgm:txLinClrLst/>
+    <dgm:txFillClrLst meth="repeat">
+      <a:schemeClr val="dk2"/>
+    </dgm:txFillClrLst>
+    <dgm:txEffectClrLst/>
+  </dgm:styleLbl>
+  <dgm:styleLbl name="conFgAcc1">
+    <dgm:fillClrLst meth="repeat">
+      <a:schemeClr val="dk2">
+        <a:alpha val="90000"/>
+        <a:tint val="40000"/>
+      </a:schemeClr>
+    </dgm:fillClrLst>
+    <dgm:linClrLst meth="repeat">
+      <a:schemeClr val="dk2"/>
+    </dgm:linClrLst>
+    <dgm:effectClrLst/>
+    <dgm:txLinClrLst/>
+    <dgm:txFillClrLst meth="repeat">
+      <a:schemeClr val="dk2"/>
+    </dgm:txFillClrLst>
+    <dgm:txEffectClrLst/>
+  </dgm:styleLbl>
+  <dgm:styleLbl name="alignAcc1">
+    <dgm:fillClrLst meth="repeat">
+      <a:schemeClr val="dk2">
+        <a:alpha val="90000"/>
+        <a:tint val="40000"/>
+      </a:schemeClr>
+    </dgm:fillClrLst>
+    <dgm:linClrLst meth="repeat">
+      <a:schemeClr val="dk2"/>
+    </dgm:linClrLst>
+    <dgm:effectClrLst/>
+    <dgm:txLinClrLst/>
+    <dgm:txFillClrLst meth="repeat">
+      <a:schemeClr val="dk2"/>
+    </dgm:txFillClrLst>
+    <dgm:txEffectClrLst/>
+  </dgm:styleLbl>
+  <dgm:styleLbl name="trAlignAcc1">
+    <dgm:fillClrLst meth="repeat">
+      <a:schemeClr val="dk2">
+        <a:alpha val="40000"/>
+        <a:tint val="40000"/>
+      </a:schemeClr>
+    </dgm:fillClrLst>
+    <dgm:linClrLst meth="repeat">
+      <a:schemeClr val="dk2"/>
+    </dgm:linClrLst>
+    <dgm:effectClrLst/>
+    <dgm:txLinClrLst/>
+    <dgm:txFillClrLst meth="repeat">
+      <a:schemeClr val="dk2"/>
+    </dgm:txFillClrLst>
+    <dgm:txEffectClrLst/>
+  </dgm:styleLbl>
+  <dgm:styleLbl name="bgAcc1">
+    <dgm:fillClrLst meth="repeat">
+      <a:schemeClr val="dk2">
+        <a:alpha val="90000"/>
+        <a:tint val="40000"/>
+      </a:schemeClr>
+    </dgm:fillClrLst>
+    <dgm:linClrLst meth="repeat">
+      <a:schemeClr val="dk2"/>
+    </dgm:linClrLst>
+    <dgm:effectClrLst/>
+    <dgm:txLinClrLst/>
+    <dgm:txFillClrLst meth="repeat">
+      <a:schemeClr val="dk2"/>
+    </dgm:txFillClrLst>
+    <dgm:txEffectClrLst/>
+  </dgm:styleLbl>
+  <dgm:styleLbl name="solidFgAcc1">
+    <dgm:fillClrLst meth="repeat">
+      <a:schemeClr val="lt1"/>
+    </dgm:fillClrLst>
+    <dgm:linClrLst meth="repeat">
+      <a:schemeClr val="dk2"/>
+    </dgm:linClrLst>
+    <dgm:effectClrLst/>
+    <dgm:txLinClrLst/>
+    <dgm:txFillClrLst meth="repeat">
+      <a:schemeClr val="dk2"/>
+    </dgm:txFillClrLst>
+    <dgm:txEffectClrLst/>
+  </dgm:styleLbl>
+  <dgm:styleLbl name="solidAlignAcc1">
+    <dgm:fillClrLst meth="repeat">
+      <a:schemeClr val="lt1"/>
+    </dgm:fillClrLst>
+    <dgm:linClrLst meth="repeat">
+      <a:schemeClr val="dk2"/>
+    </dgm:linClrLst>
+    <dgm:effectClrLst/>
+    <dgm:txLinClrLst/>
+    <dgm:txFillClrLst meth="repeat">
+      <a:schemeClr val="dk2"/>
+    </dgm:txFillClrLst>
+    <dgm:txEffectClrLst/>
+  </dgm:styleLbl>
+  <dgm:styleLbl name="solidBgAcc1">
+    <dgm:fillClrLst meth="repeat">
+      <a:schemeClr val="lt1"/>
+    </dgm:fillClrLst>
+    <dgm:linClrLst meth="repeat">
+      <a:schemeClr val="dk2"/>
+    </dgm:linClrLst>
+    <dgm:effectClrLst/>
+    <dgm:txLinClrLst/>
+    <dgm:txFillClrLst meth="repeat">
+      <a:schemeClr val="dk2"/>
+    </dgm:txFillClrLst>
+    <dgm:txEffectClrLst/>
+  </dgm:styleLbl>
+  <dgm:styleLbl name="fgAccFollowNode1">
+    <dgm:fillClrLst meth="repeat">
+      <a:schemeClr val="lt1">
+        <a:alpha val="90000"/>
+        <a:tint val="40000"/>
+      </a:schemeClr>
+    </dgm:fillClrLst>
+    <dgm:linClrLst meth="repeat">
+      <a:schemeClr val="dk2">
+        <a:alpha val="90000"/>
+      </a:schemeClr>
+    </dgm:linClrLst>
+    <dgm:effectClrLst/>
+    <dgm:txLinClrLst/>
+    <dgm:txFillClrLst meth="repeat">
+      <a:schemeClr val="dk2"/>
+    </dgm:txFillClrLst>
+    <dgm:txEffectClrLst/>
+  </dgm:styleLbl>
+  <dgm:styleLbl name="alignAccFollowNode1">
+    <dgm:fillClrLst meth="repeat">
+      <a:schemeClr val="lt1">
+        <a:alpha val="90000"/>
+        <a:tint val="40000"/>
+      </a:schemeClr>
+    </dgm:fillClrLst>
+    <dgm:linClrLst meth="repeat">
+      <a:schemeClr val="dk2">
+        <a:alpha val="90000"/>
+      </a:schemeClr>
+    </dgm:linClrLst>
+    <dgm:effectClrLst/>
+    <dgm:txLinClrLst/>
+    <dgm:txFillClrLst meth="repeat">
+      <a:schemeClr val="dk2"/>
+    </dgm:txFillClrLst>
+    <dgm:txEffectClrLst/>
+  </dgm:styleLbl>
+  <dgm:styleLbl name="bgAccFollowNode1">
+    <dgm:fillClrLst meth="repeat">
+      <a:schemeClr val="lt1">
+        <a:alpha val="90000"/>
+        <a:tint val="40000"/>
+      </a:schemeClr>
+    </dgm:fillClrLst>
+    <dgm:linClrLst meth="repeat">
+      <a:schemeClr val="dk2">
+        <a:alpha val="90000"/>
+      </a:schemeClr>
+    </dgm:linClrLst>
+    <dgm:effectClrLst/>
+    <dgm:txLinClrLst/>
+    <dgm:txFillClrLst meth="repeat">
+      <a:schemeClr val="dk2"/>
+    </dgm:txFillClrLst>
+    <dgm:txEffectClrLst/>
+  </dgm:styleLbl>
+  <dgm:styleLbl name="fgAcc0">
+    <dgm:fillClrLst meth="repeat">
+      <a:schemeClr val="dk2">
+        <a:alpha val="90000"/>
+        <a:tint val="40000"/>
+      </a:schemeClr>
+    </dgm:fillClrLst>
+    <dgm:linClrLst meth="repeat">
+      <a:schemeClr val="dk2"/>
+    </dgm:linClrLst>
+    <dgm:effectClrLst/>
+    <dgm:txLinClrLst/>
+    <dgm:txFillClrLst meth="repeat">
+      <a:schemeClr val="dk2"/>
+    </dgm:txFillClrLst>
+    <dgm:txEffectClrLst/>
+  </dgm:styleLbl>
+  <dgm:styleLbl name="fgAcc2">
+    <dgm:fillClrLst meth="repeat">
+      <a:schemeClr val="dk2">
+        <a:alpha val="90000"/>
+        <a:tint val="40000"/>
+      </a:schemeClr>
+    </dgm:fillClrLst>
+    <dgm:linClrLst meth="repeat">
+      <a:schemeClr val="dk2"/>
+    </dgm:linClrLst>
+    <dgm:effectClrLst/>
+    <dgm:txLinClrLst/>
+    <dgm:txFillClrLst meth="repeat">
+      <a:schemeClr val="dk2"/>
+    </dgm:txFillClrLst>
+    <dgm:txEffectClrLst/>
+  </dgm:styleLbl>
+  <dgm:styleLbl name="fgAcc3">
+    <dgm:fillClrLst meth="repeat">
+      <a:schemeClr val="dk2">
+        <a:alpha val="90000"/>
+        <a:tint val="40000"/>
+      </a:schemeClr>
+    </dgm:fillClrLst>
+    <dgm:linClrLst meth="repeat">
+      <a:schemeClr val="dk2"/>
+    </dgm:linClrLst>
+    <dgm:effectClrLst/>
+    <dgm:txLinClrLst/>
+    <dgm:txFillClrLst meth="repeat">
+      <a:schemeClr val="dk2"/>
+    </dgm:txFillClrLst>
+    <dgm:txEffectClrLst/>
+  </dgm:styleLbl>
+  <dgm:styleLbl name="fgAcc4">
+    <dgm:fillClrLst meth="repeat">
+      <a:schemeClr val="dk2">
+        <a:alpha val="90000"/>
+        <a:tint val="40000"/>
+      </a:schemeClr>
+    </dgm:fillClrLst>
+    <dgm:linClrLst meth="repeat">
+      <a:schemeClr val="dk2"/>
+    </dgm:linClrLst>
+    <dgm:effectClrLst/>
+    <dgm:txLinClrLst/>
+    <dgm:txFillClrLst meth="repeat">
+      <a:schemeClr val="dk2"/>
+    </dgm:txFillClrLst>
+    <dgm:txEffectClrLst/>
+  </dgm:styleLbl>
+  <dgm:styleLbl name="bgShp">
+    <dgm:fillClrLst meth="repeat">
+      <a:schemeClr val="dk2">
+        <a:tint val="40000"/>
+      </a:schemeClr>
+    </dgm:fillClrLst>
+    <dgm:linClrLst meth="repeat">
+      <a:schemeClr val="dk2"/>
+    </dgm:linClrLst>
+    <dgm:effectClrLst/>
+    <dgm:txLinClrLst/>
+    <dgm:txFillClrLst meth="repeat">
+      <a:schemeClr val="dk1"/>
+    </dgm:txFillClrLst>
+    <dgm:txEffectClrLst/>
+  </dgm:styleLbl>
+  <dgm:styleLbl name="dkBgShp">
+    <dgm:fillClrLst meth="repeat">
+      <a:schemeClr val="dk2">
+        <a:shade val="80000"/>
+      </a:schemeClr>
+    </dgm:fillClrLst>
+    <dgm:linClrLst meth="repeat">
+      <a:schemeClr val="dk2"/>
+    </dgm:linClrLst>
+    <dgm:effectClrLst/>
+    <dgm:txLinClrLst/>
+    <dgm:txFillClrLst meth="repeat">
+      <a:schemeClr val="lt2"/>
+    </dgm:txFillClrLst>
+    <dgm:txEffectClrLst/>
+  </dgm:styleLbl>
+  <dgm:styleLbl name="trBgShp">
+    <dgm:fillClrLst meth="repeat">
+      <a:schemeClr val="dk2">
+        <a:tint val="50000"/>
+        <a:alpha val="40000"/>
+      </a:schemeClr>
+    </dgm:fillClrLst>
+    <dgm:linClrLst meth="repeat">
+      <a:schemeClr val="dk2"/>
+    </dgm:linClrLst>
+    <dgm:effectClrLst/>
+    <dgm:txLinClrLst/>
+    <dgm:txFillClrLst meth="repeat">
+      <a:schemeClr val="lt2"/>
+    </dgm:txFillClrLst>
+    <dgm:txEffectClrLst/>
+  </dgm:styleLbl>
+  <dgm:styleLbl name="fgShp">
+    <dgm:fillClrLst meth="repeat">
+      <a:schemeClr val="dk2">
+        <a:tint val="60000"/>
+      </a:schemeClr>
+    </dgm:fillClrLst>
+    <dgm:linClrLst meth="repeat">
+      <a:schemeClr val="lt1"/>
+    </dgm:linClrLst>
+    <dgm:effectClrLst/>
+    <dgm:txLinClrLst/>
+    <dgm:txFillClrLst meth="repeat">
+      <a:schemeClr val="dk2"/>
+    </dgm:txFillClrLst>
+    <dgm:txEffectClrLst/>
+  </dgm:styleLbl>
+  <dgm:styleLbl name="revTx">
+    <dgm:fillClrLst meth="repeat">
+      <a:schemeClr val="lt1">
+        <a:alpha val="0"/>
+      </a:schemeClr>
+    </dgm:fillClrLst>
+    <dgm:linClrLst meth="repeat">
+      <a:schemeClr val="dk2">
+        <a:alpha val="0"/>
+      </a:schemeClr>
+    </dgm:linClrLst>
+    <dgm:effectClrLst/>
+    <dgm:txLinClrLst/>
+    <dgm:txFillClrLst meth="repeat">
+      <a:schemeClr val="tx1"/>
+    </dgm:txFillClrLst>
+    <dgm:txEffectClrLst/>
+  </dgm:styleLbl>
+</dgm:colorsDef>
+</file>
+
+<file path=ppt/diagrams/colors3.xml><?xml version="1.0" encoding="utf-8"?>
 <dgm:colorsDef xmlns:dgm="http://schemas.openxmlformats.org/drawingml/2006/diagram" xmlns:a="http://schemas.openxmlformats.org/drawingml/2006/main" uniqueId="urn:microsoft.com/office/officeart/2005/8/colors/accent0_2">
   <dgm:title val=""/>
   <dgm:desc val=""/>
@@ -2127,6 +2935,388 @@
 </file>
 
 <file path=ppt/diagrams/data2.xml><?xml version="1.0" encoding="utf-8"?>
+<dgm:dataModel xmlns:dgm="http://schemas.openxmlformats.org/drawingml/2006/diagram" xmlns:a="http://schemas.openxmlformats.org/drawingml/2006/main">
+  <dgm:ptLst>
+    <dgm:pt modelId="{F614EAEA-60EF-B045-A363-0E3758185095}" type="doc">
+      <dgm:prSet loTypeId="urn:microsoft.com/office/officeart/2005/8/layout/cycle1" loCatId="" qsTypeId="urn:microsoft.com/office/officeart/2005/8/quickstyle/simple1" qsCatId="simple" csTypeId="urn:microsoft.com/office/officeart/2005/8/colors/accent0_2" csCatId="mainScheme" phldr="1"/>
+      <dgm:spPr/>
+      <dgm:t>
+        <a:bodyPr/>
+        <a:lstStyle/>
+        <a:p>
+          <a:endParaRPr lang="en-US"/>
+        </a:p>
+      </dgm:t>
+    </dgm:pt>
+    <dgm:pt modelId="{929B4777-E928-2D44-99F2-9E02A3194C2D}">
+      <dgm:prSet phldrT="[Text]"/>
+      <dgm:spPr/>
+      <dgm:t>
+        <a:bodyPr/>
+        <a:lstStyle/>
+        <a:p>
+          <a:r>
+            <a:rPr lang="en-US" dirty="0"/>
+            <a:t> </a:t>
+          </a:r>
+        </a:p>
+      </dgm:t>
+    </dgm:pt>
+    <dgm:pt modelId="{8BC94024-02E8-8442-B77F-4967ADBC6CFF}" type="parTrans" cxnId="{03DCC18E-641C-4A46-931C-192443618581}">
+      <dgm:prSet/>
+      <dgm:spPr/>
+      <dgm:t>
+        <a:bodyPr/>
+        <a:lstStyle/>
+        <a:p>
+          <a:endParaRPr lang="en-US"/>
+        </a:p>
+      </dgm:t>
+    </dgm:pt>
+    <dgm:pt modelId="{E95F4ADB-50AC-8A4C-93D4-06BAA0EB36F4}" type="sibTrans" cxnId="{03DCC18E-641C-4A46-931C-192443618581}">
+      <dgm:prSet/>
+      <dgm:spPr/>
+      <dgm:t>
+        <a:bodyPr/>
+        <a:lstStyle/>
+        <a:p>
+          <a:endParaRPr lang="en-US"/>
+        </a:p>
+      </dgm:t>
+    </dgm:pt>
+    <dgm:pt modelId="{9B946133-DC9F-B548-856E-0858F3169FA8}">
+      <dgm:prSet phldrT="[Text]"/>
+      <dgm:spPr/>
+      <dgm:t>
+        <a:bodyPr/>
+        <a:lstStyle/>
+        <a:p>
+          <a:r>
+            <a:rPr lang="en-US" dirty="0"/>
+            <a:t> </a:t>
+          </a:r>
+        </a:p>
+      </dgm:t>
+    </dgm:pt>
+    <dgm:pt modelId="{FA213A72-EAD5-5247-9E73-B7F735C343DF}" type="parTrans" cxnId="{FC82B00B-9512-DE4C-836C-BCF11BA09DC1}">
+      <dgm:prSet/>
+      <dgm:spPr/>
+      <dgm:t>
+        <a:bodyPr/>
+        <a:lstStyle/>
+        <a:p>
+          <a:endParaRPr lang="en-US"/>
+        </a:p>
+      </dgm:t>
+    </dgm:pt>
+    <dgm:pt modelId="{4BAD9CE2-3B8E-AE4B-A29D-B356F6E4D47C}" type="sibTrans" cxnId="{FC82B00B-9512-DE4C-836C-BCF11BA09DC1}">
+      <dgm:prSet/>
+      <dgm:spPr/>
+      <dgm:t>
+        <a:bodyPr/>
+        <a:lstStyle/>
+        <a:p>
+          <a:endParaRPr lang="en-US"/>
+        </a:p>
+      </dgm:t>
+    </dgm:pt>
+    <dgm:pt modelId="{41857A07-9656-EC44-A6B3-D1C65DC77685}">
+      <dgm:prSet phldrT="[Text]"/>
+      <dgm:spPr/>
+      <dgm:t>
+        <a:bodyPr/>
+        <a:lstStyle/>
+        <a:p>
+          <a:r>
+            <a:rPr lang="en-US" dirty="0"/>
+            <a:t> </a:t>
+          </a:r>
+        </a:p>
+      </dgm:t>
+    </dgm:pt>
+    <dgm:pt modelId="{CB288919-0F20-BB44-9C44-67720ED07DC5}" type="parTrans" cxnId="{37FAD290-2330-9547-BBD2-24302C56224E}">
+      <dgm:prSet/>
+      <dgm:spPr/>
+      <dgm:t>
+        <a:bodyPr/>
+        <a:lstStyle/>
+        <a:p>
+          <a:endParaRPr lang="en-US"/>
+        </a:p>
+      </dgm:t>
+    </dgm:pt>
+    <dgm:pt modelId="{2AA23939-7A9A-CD43-8DAB-1BFBB160D2A9}" type="sibTrans" cxnId="{37FAD290-2330-9547-BBD2-24302C56224E}">
+      <dgm:prSet/>
+      <dgm:spPr/>
+      <dgm:t>
+        <a:bodyPr/>
+        <a:lstStyle/>
+        <a:p>
+          <a:endParaRPr lang="en-US"/>
+        </a:p>
+      </dgm:t>
+    </dgm:pt>
+    <dgm:pt modelId="{D92434B8-EB5B-8848-924B-307F3160899D}">
+      <dgm:prSet phldrT="[Text]"/>
+      <dgm:spPr/>
+      <dgm:t>
+        <a:bodyPr/>
+        <a:lstStyle/>
+        <a:p>
+          <a:r>
+            <a:rPr lang="en-US" dirty="0"/>
+            <a:t> </a:t>
+          </a:r>
+        </a:p>
+      </dgm:t>
+    </dgm:pt>
+    <dgm:pt modelId="{BC62BA3B-8C99-344D-9FC6-0EBED4D35B24}" type="parTrans" cxnId="{DA995F11-D2CD-0747-AD04-3137EBF1D79A}">
+      <dgm:prSet/>
+      <dgm:spPr/>
+      <dgm:t>
+        <a:bodyPr/>
+        <a:lstStyle/>
+        <a:p>
+          <a:endParaRPr lang="en-US"/>
+        </a:p>
+      </dgm:t>
+    </dgm:pt>
+    <dgm:pt modelId="{44CDDD68-0AE8-1048-BF78-F547600DD765}" type="sibTrans" cxnId="{DA995F11-D2CD-0747-AD04-3137EBF1D79A}">
+      <dgm:prSet/>
+      <dgm:spPr/>
+      <dgm:t>
+        <a:bodyPr/>
+        <a:lstStyle/>
+        <a:p>
+          <a:endParaRPr lang="en-US"/>
+        </a:p>
+      </dgm:t>
+    </dgm:pt>
+    <dgm:pt modelId="{C5A6AB9D-91D8-664A-B98A-C7CD9D161425}">
+      <dgm:prSet phldrT="[Text]"/>
+      <dgm:spPr/>
+      <dgm:t>
+        <a:bodyPr/>
+        <a:lstStyle/>
+        <a:p>
+          <a:r>
+            <a:rPr lang="en-US" dirty="0"/>
+            <a:t> </a:t>
+          </a:r>
+        </a:p>
+      </dgm:t>
+    </dgm:pt>
+    <dgm:pt modelId="{33C2411D-299E-2144-8817-0F89928496F0}" type="parTrans" cxnId="{3EF92A05-DD9C-1040-ADDE-54150AB45DF0}">
+      <dgm:prSet/>
+      <dgm:spPr/>
+      <dgm:t>
+        <a:bodyPr/>
+        <a:lstStyle/>
+        <a:p>
+          <a:endParaRPr lang="en-US"/>
+        </a:p>
+      </dgm:t>
+    </dgm:pt>
+    <dgm:pt modelId="{0953A09E-A2FC-8641-AE81-DC72167E6591}" type="sibTrans" cxnId="{3EF92A05-DD9C-1040-ADDE-54150AB45DF0}">
+      <dgm:prSet/>
+      <dgm:spPr/>
+      <dgm:t>
+        <a:bodyPr/>
+        <a:lstStyle/>
+        <a:p>
+          <a:endParaRPr lang="en-US"/>
+        </a:p>
+      </dgm:t>
+    </dgm:pt>
+    <dgm:pt modelId="{6C44EC70-1BEE-E440-94B1-366EECF0D4DD}">
+      <dgm:prSet/>
+      <dgm:spPr/>
+      <dgm:t>
+        <a:bodyPr/>
+        <a:lstStyle/>
+        <a:p>
+          <a:endParaRPr lang="en-US"/>
+        </a:p>
+      </dgm:t>
+    </dgm:pt>
+    <dgm:pt modelId="{CC76C5C7-7954-F148-BB1E-99EBCAE2BCE4}" type="parTrans" cxnId="{89E6C873-7BE0-9849-8909-E801862CB122}">
+      <dgm:prSet/>
+      <dgm:spPr/>
+      <dgm:t>
+        <a:bodyPr/>
+        <a:lstStyle/>
+        <a:p>
+          <a:endParaRPr lang="en-US"/>
+        </a:p>
+      </dgm:t>
+    </dgm:pt>
+    <dgm:pt modelId="{BF5384D4-87AF-7F45-89D1-D2E8B15D730B}" type="sibTrans" cxnId="{89E6C873-7BE0-9849-8909-E801862CB122}">
+      <dgm:prSet/>
+      <dgm:spPr/>
+      <dgm:t>
+        <a:bodyPr/>
+        <a:lstStyle/>
+        <a:p>
+          <a:endParaRPr lang="en-US"/>
+        </a:p>
+      </dgm:t>
+    </dgm:pt>
+    <dgm:pt modelId="{A452763E-8874-604E-95DC-284B060532A4}" type="pres">
+      <dgm:prSet presAssocID="{F614EAEA-60EF-B045-A363-0E3758185095}" presName="cycle" presStyleCnt="0">
+        <dgm:presLayoutVars>
+          <dgm:dir/>
+          <dgm:resizeHandles val="exact"/>
+        </dgm:presLayoutVars>
+      </dgm:prSet>
+      <dgm:spPr/>
+    </dgm:pt>
+    <dgm:pt modelId="{6D44DE58-5729-1345-BFE9-4909F51F0BBB}" type="pres">
+      <dgm:prSet presAssocID="{929B4777-E928-2D44-99F2-9E02A3194C2D}" presName="dummy" presStyleCnt="0"/>
+      <dgm:spPr/>
+    </dgm:pt>
+    <dgm:pt modelId="{14940865-2C34-E540-B8F4-5B5481B8F75E}" type="pres">
+      <dgm:prSet presAssocID="{929B4777-E928-2D44-99F2-9E02A3194C2D}" presName="node" presStyleLbl="revTx" presStyleIdx="0" presStyleCnt="6">
+        <dgm:presLayoutVars>
+          <dgm:bulletEnabled val="1"/>
+        </dgm:presLayoutVars>
+      </dgm:prSet>
+      <dgm:spPr/>
+    </dgm:pt>
+    <dgm:pt modelId="{934C93EC-4007-4542-80CF-F9C5D725D2D0}" type="pres">
+      <dgm:prSet presAssocID="{E95F4ADB-50AC-8A4C-93D4-06BAA0EB36F4}" presName="sibTrans" presStyleLbl="node1" presStyleIdx="0" presStyleCnt="6"/>
+      <dgm:spPr/>
+    </dgm:pt>
+    <dgm:pt modelId="{043178FA-B445-444E-A2FC-AAEA88E9FE6F}" type="pres">
+      <dgm:prSet presAssocID="{9B946133-DC9F-B548-856E-0858F3169FA8}" presName="dummy" presStyleCnt="0"/>
+      <dgm:spPr/>
+    </dgm:pt>
+    <dgm:pt modelId="{A39626CD-FAE4-394A-99A2-E2CB171F5C8C}" type="pres">
+      <dgm:prSet presAssocID="{9B946133-DC9F-B548-856E-0858F3169FA8}" presName="node" presStyleLbl="revTx" presStyleIdx="1" presStyleCnt="6">
+        <dgm:presLayoutVars>
+          <dgm:bulletEnabled val="1"/>
+        </dgm:presLayoutVars>
+      </dgm:prSet>
+      <dgm:spPr/>
+    </dgm:pt>
+    <dgm:pt modelId="{C706A535-B6D0-CF45-A865-317E40362A8F}" type="pres">
+      <dgm:prSet presAssocID="{4BAD9CE2-3B8E-AE4B-A29D-B356F6E4D47C}" presName="sibTrans" presStyleLbl="node1" presStyleIdx="1" presStyleCnt="6"/>
+      <dgm:spPr/>
+    </dgm:pt>
+    <dgm:pt modelId="{08C8CE54-D97B-454C-A5F5-35945C5717A5}" type="pres">
+      <dgm:prSet presAssocID="{41857A07-9656-EC44-A6B3-D1C65DC77685}" presName="dummy" presStyleCnt="0"/>
+      <dgm:spPr/>
+    </dgm:pt>
+    <dgm:pt modelId="{7732C34B-403D-6B43-8A7D-ECE41D8BB032}" type="pres">
+      <dgm:prSet presAssocID="{41857A07-9656-EC44-A6B3-D1C65DC77685}" presName="node" presStyleLbl="revTx" presStyleIdx="2" presStyleCnt="6">
+        <dgm:presLayoutVars>
+          <dgm:bulletEnabled val="1"/>
+        </dgm:presLayoutVars>
+      </dgm:prSet>
+      <dgm:spPr/>
+    </dgm:pt>
+    <dgm:pt modelId="{89C95E3D-E56F-6142-9266-3C93460C8B8D}" type="pres">
+      <dgm:prSet presAssocID="{2AA23939-7A9A-CD43-8DAB-1BFBB160D2A9}" presName="sibTrans" presStyleLbl="node1" presStyleIdx="2" presStyleCnt="6"/>
+      <dgm:spPr/>
+    </dgm:pt>
+    <dgm:pt modelId="{F3047FD4-B88B-D94A-B6C0-CBE3BBE03DDA}" type="pres">
+      <dgm:prSet presAssocID="{D92434B8-EB5B-8848-924B-307F3160899D}" presName="dummy" presStyleCnt="0"/>
+      <dgm:spPr/>
+    </dgm:pt>
+    <dgm:pt modelId="{BCFD3CAF-6867-0244-9512-C5610CC81065}" type="pres">
+      <dgm:prSet presAssocID="{D92434B8-EB5B-8848-924B-307F3160899D}" presName="node" presStyleLbl="revTx" presStyleIdx="3" presStyleCnt="6">
+        <dgm:presLayoutVars>
+          <dgm:bulletEnabled val="1"/>
+        </dgm:presLayoutVars>
+      </dgm:prSet>
+      <dgm:spPr/>
+    </dgm:pt>
+    <dgm:pt modelId="{38349559-4D5F-F14F-83AC-16BEA504F693}" type="pres">
+      <dgm:prSet presAssocID="{44CDDD68-0AE8-1048-BF78-F547600DD765}" presName="sibTrans" presStyleLbl="node1" presStyleIdx="3" presStyleCnt="6"/>
+      <dgm:spPr/>
+    </dgm:pt>
+    <dgm:pt modelId="{7E859055-1413-4641-983D-69DD21C4BBEF}" type="pres">
+      <dgm:prSet presAssocID="{C5A6AB9D-91D8-664A-B98A-C7CD9D161425}" presName="dummy" presStyleCnt="0"/>
+      <dgm:spPr/>
+    </dgm:pt>
+    <dgm:pt modelId="{77C7656B-7194-1C4E-BBD6-FD12259B3327}" type="pres">
+      <dgm:prSet presAssocID="{C5A6AB9D-91D8-664A-B98A-C7CD9D161425}" presName="node" presStyleLbl="revTx" presStyleIdx="4" presStyleCnt="6">
+        <dgm:presLayoutVars>
+          <dgm:bulletEnabled val="1"/>
+        </dgm:presLayoutVars>
+      </dgm:prSet>
+      <dgm:spPr/>
+    </dgm:pt>
+    <dgm:pt modelId="{DCF14260-0C01-2146-B7B9-437AFDBB6130}" type="pres">
+      <dgm:prSet presAssocID="{0953A09E-A2FC-8641-AE81-DC72167E6591}" presName="sibTrans" presStyleLbl="node1" presStyleIdx="4" presStyleCnt="6"/>
+      <dgm:spPr/>
+    </dgm:pt>
+    <dgm:pt modelId="{8CAE0426-1DFF-2B4C-B285-7F6DFC39CAB0}" type="pres">
+      <dgm:prSet presAssocID="{6C44EC70-1BEE-E440-94B1-366EECF0D4DD}" presName="dummy" presStyleCnt="0"/>
+      <dgm:spPr/>
+    </dgm:pt>
+    <dgm:pt modelId="{AB6408C1-32BC-9A4C-BF6C-DFF9F466A712}" type="pres">
+      <dgm:prSet presAssocID="{6C44EC70-1BEE-E440-94B1-366EECF0D4DD}" presName="node" presStyleLbl="revTx" presStyleIdx="5" presStyleCnt="6">
+        <dgm:presLayoutVars>
+          <dgm:bulletEnabled val="1"/>
+        </dgm:presLayoutVars>
+      </dgm:prSet>
+      <dgm:spPr/>
+    </dgm:pt>
+    <dgm:pt modelId="{CE26F8B0-CDD1-AE4E-9863-9063391C53E3}" type="pres">
+      <dgm:prSet presAssocID="{BF5384D4-87AF-7F45-89D1-D2E8B15D730B}" presName="sibTrans" presStyleLbl="node1" presStyleIdx="5" presStyleCnt="6"/>
+      <dgm:spPr/>
+    </dgm:pt>
+  </dgm:ptLst>
+  <dgm:cxnLst>
+    <dgm:cxn modelId="{3EF92A05-DD9C-1040-ADDE-54150AB45DF0}" srcId="{F614EAEA-60EF-B045-A363-0E3758185095}" destId="{C5A6AB9D-91D8-664A-B98A-C7CD9D161425}" srcOrd="4" destOrd="0" parTransId="{33C2411D-299E-2144-8817-0F89928496F0}" sibTransId="{0953A09E-A2FC-8641-AE81-DC72167E6591}"/>
+    <dgm:cxn modelId="{FC82B00B-9512-DE4C-836C-BCF11BA09DC1}" srcId="{F614EAEA-60EF-B045-A363-0E3758185095}" destId="{9B946133-DC9F-B548-856E-0858F3169FA8}" srcOrd="1" destOrd="0" parTransId="{FA213A72-EAD5-5247-9E73-B7F735C343DF}" sibTransId="{4BAD9CE2-3B8E-AE4B-A29D-B356F6E4D47C}"/>
+    <dgm:cxn modelId="{DA995F11-D2CD-0747-AD04-3137EBF1D79A}" srcId="{F614EAEA-60EF-B045-A363-0E3758185095}" destId="{D92434B8-EB5B-8848-924B-307F3160899D}" srcOrd="3" destOrd="0" parTransId="{BC62BA3B-8C99-344D-9FC6-0EBED4D35B24}" sibTransId="{44CDDD68-0AE8-1048-BF78-F547600DD765}"/>
+    <dgm:cxn modelId="{CC290A1F-4BDB-5440-858E-1748AF4644E1}" type="presOf" srcId="{F614EAEA-60EF-B045-A363-0E3758185095}" destId="{A452763E-8874-604E-95DC-284B060532A4}" srcOrd="0" destOrd="0" presId="urn:microsoft.com/office/officeart/2005/8/layout/cycle1"/>
+    <dgm:cxn modelId="{EBDDEA22-4B42-F44A-82FA-3B6456E7772B}" type="presOf" srcId="{6C44EC70-1BEE-E440-94B1-366EECF0D4DD}" destId="{AB6408C1-32BC-9A4C-BF6C-DFF9F466A712}" srcOrd="0" destOrd="0" presId="urn:microsoft.com/office/officeart/2005/8/layout/cycle1"/>
+    <dgm:cxn modelId="{6245C92A-66B3-6647-BE33-9D46946141C9}" type="presOf" srcId="{D92434B8-EB5B-8848-924B-307F3160899D}" destId="{BCFD3CAF-6867-0244-9512-C5610CC81065}" srcOrd="0" destOrd="0" presId="urn:microsoft.com/office/officeart/2005/8/layout/cycle1"/>
+    <dgm:cxn modelId="{4110044C-866D-614A-9798-AF7117B7896C}" type="presOf" srcId="{929B4777-E928-2D44-99F2-9E02A3194C2D}" destId="{14940865-2C34-E540-B8F4-5B5481B8F75E}" srcOrd="0" destOrd="0" presId="urn:microsoft.com/office/officeart/2005/8/layout/cycle1"/>
+    <dgm:cxn modelId="{1D79405C-2E51-5048-92EA-42E96E5903A5}" type="presOf" srcId="{44CDDD68-0AE8-1048-BF78-F547600DD765}" destId="{38349559-4D5F-F14F-83AC-16BEA504F693}" srcOrd="0" destOrd="0" presId="urn:microsoft.com/office/officeart/2005/8/layout/cycle1"/>
+    <dgm:cxn modelId="{89E6C873-7BE0-9849-8909-E801862CB122}" srcId="{F614EAEA-60EF-B045-A363-0E3758185095}" destId="{6C44EC70-1BEE-E440-94B1-366EECF0D4DD}" srcOrd="5" destOrd="0" parTransId="{CC76C5C7-7954-F148-BB1E-99EBCAE2BCE4}" sibTransId="{BF5384D4-87AF-7F45-89D1-D2E8B15D730B}"/>
+    <dgm:cxn modelId="{03DCC18E-641C-4A46-931C-192443618581}" srcId="{F614EAEA-60EF-B045-A363-0E3758185095}" destId="{929B4777-E928-2D44-99F2-9E02A3194C2D}" srcOrd="0" destOrd="0" parTransId="{8BC94024-02E8-8442-B77F-4967ADBC6CFF}" sibTransId="{E95F4ADB-50AC-8A4C-93D4-06BAA0EB36F4}"/>
+    <dgm:cxn modelId="{37FAD290-2330-9547-BBD2-24302C56224E}" srcId="{F614EAEA-60EF-B045-A363-0E3758185095}" destId="{41857A07-9656-EC44-A6B3-D1C65DC77685}" srcOrd="2" destOrd="0" parTransId="{CB288919-0F20-BB44-9C44-67720ED07DC5}" sibTransId="{2AA23939-7A9A-CD43-8DAB-1BFBB160D2A9}"/>
+    <dgm:cxn modelId="{E0ECDB9A-4CFB-6345-A7DD-CCBF05470A44}" type="presOf" srcId="{E95F4ADB-50AC-8A4C-93D4-06BAA0EB36F4}" destId="{934C93EC-4007-4542-80CF-F9C5D725D2D0}" srcOrd="0" destOrd="0" presId="urn:microsoft.com/office/officeart/2005/8/layout/cycle1"/>
+    <dgm:cxn modelId="{B082ECC2-9957-284A-9FC7-6817EF1AC815}" type="presOf" srcId="{0953A09E-A2FC-8641-AE81-DC72167E6591}" destId="{DCF14260-0C01-2146-B7B9-437AFDBB6130}" srcOrd="0" destOrd="0" presId="urn:microsoft.com/office/officeart/2005/8/layout/cycle1"/>
+    <dgm:cxn modelId="{18B1E3C5-C559-C445-BAA7-353D8900C051}" type="presOf" srcId="{9B946133-DC9F-B548-856E-0858F3169FA8}" destId="{A39626CD-FAE4-394A-99A2-E2CB171F5C8C}" srcOrd="0" destOrd="0" presId="urn:microsoft.com/office/officeart/2005/8/layout/cycle1"/>
+    <dgm:cxn modelId="{126A00CD-879E-4848-848B-F6264BAD9519}" type="presOf" srcId="{BF5384D4-87AF-7F45-89D1-D2E8B15D730B}" destId="{CE26F8B0-CDD1-AE4E-9863-9063391C53E3}" srcOrd="0" destOrd="0" presId="urn:microsoft.com/office/officeart/2005/8/layout/cycle1"/>
+    <dgm:cxn modelId="{CD8930D1-C1F5-8640-AF86-010C358F68BC}" type="presOf" srcId="{C5A6AB9D-91D8-664A-B98A-C7CD9D161425}" destId="{77C7656B-7194-1C4E-BBD6-FD12259B3327}" srcOrd="0" destOrd="0" presId="urn:microsoft.com/office/officeart/2005/8/layout/cycle1"/>
+    <dgm:cxn modelId="{48730CD3-9C3E-A441-931A-24B9E60DF7B1}" type="presOf" srcId="{4BAD9CE2-3B8E-AE4B-A29D-B356F6E4D47C}" destId="{C706A535-B6D0-CF45-A865-317E40362A8F}" srcOrd="0" destOrd="0" presId="urn:microsoft.com/office/officeart/2005/8/layout/cycle1"/>
+    <dgm:cxn modelId="{959735E7-37C3-C847-B605-683ED7B76134}" type="presOf" srcId="{41857A07-9656-EC44-A6B3-D1C65DC77685}" destId="{7732C34B-403D-6B43-8A7D-ECE41D8BB032}" srcOrd="0" destOrd="0" presId="urn:microsoft.com/office/officeart/2005/8/layout/cycle1"/>
+    <dgm:cxn modelId="{DFAC43F8-9174-8B47-B7CB-851955720557}" type="presOf" srcId="{2AA23939-7A9A-CD43-8DAB-1BFBB160D2A9}" destId="{89C95E3D-E56F-6142-9266-3C93460C8B8D}" srcOrd="0" destOrd="0" presId="urn:microsoft.com/office/officeart/2005/8/layout/cycle1"/>
+    <dgm:cxn modelId="{A71037C2-DD3C-F846-BF74-05904A8DE8F2}" type="presParOf" srcId="{A452763E-8874-604E-95DC-284B060532A4}" destId="{6D44DE58-5729-1345-BFE9-4909F51F0BBB}" srcOrd="0" destOrd="0" presId="urn:microsoft.com/office/officeart/2005/8/layout/cycle1"/>
+    <dgm:cxn modelId="{618AB82B-E473-794F-A965-BFE1344C4CF2}" type="presParOf" srcId="{A452763E-8874-604E-95DC-284B060532A4}" destId="{14940865-2C34-E540-B8F4-5B5481B8F75E}" srcOrd="1" destOrd="0" presId="urn:microsoft.com/office/officeart/2005/8/layout/cycle1"/>
+    <dgm:cxn modelId="{9DDA186E-DB30-4046-BC71-6FA43E9A49CC}" type="presParOf" srcId="{A452763E-8874-604E-95DC-284B060532A4}" destId="{934C93EC-4007-4542-80CF-F9C5D725D2D0}" srcOrd="2" destOrd="0" presId="urn:microsoft.com/office/officeart/2005/8/layout/cycle1"/>
+    <dgm:cxn modelId="{79827DAE-8141-1841-9425-C078BA6F03DF}" type="presParOf" srcId="{A452763E-8874-604E-95DC-284B060532A4}" destId="{043178FA-B445-444E-A2FC-AAEA88E9FE6F}" srcOrd="3" destOrd="0" presId="urn:microsoft.com/office/officeart/2005/8/layout/cycle1"/>
+    <dgm:cxn modelId="{128CC221-B6A7-1E49-A13A-893C92FCFB37}" type="presParOf" srcId="{A452763E-8874-604E-95DC-284B060532A4}" destId="{A39626CD-FAE4-394A-99A2-E2CB171F5C8C}" srcOrd="4" destOrd="0" presId="urn:microsoft.com/office/officeart/2005/8/layout/cycle1"/>
+    <dgm:cxn modelId="{1B28684C-ED5A-4B4A-ADB5-7CB3B3A0DAE2}" type="presParOf" srcId="{A452763E-8874-604E-95DC-284B060532A4}" destId="{C706A535-B6D0-CF45-A865-317E40362A8F}" srcOrd="5" destOrd="0" presId="urn:microsoft.com/office/officeart/2005/8/layout/cycle1"/>
+    <dgm:cxn modelId="{9A7970FC-8155-664A-B640-78434D50DC25}" type="presParOf" srcId="{A452763E-8874-604E-95DC-284B060532A4}" destId="{08C8CE54-D97B-454C-A5F5-35945C5717A5}" srcOrd="6" destOrd="0" presId="urn:microsoft.com/office/officeart/2005/8/layout/cycle1"/>
+    <dgm:cxn modelId="{39BEAA01-3870-A141-8643-615CD5A3AA38}" type="presParOf" srcId="{A452763E-8874-604E-95DC-284B060532A4}" destId="{7732C34B-403D-6B43-8A7D-ECE41D8BB032}" srcOrd="7" destOrd="0" presId="urn:microsoft.com/office/officeart/2005/8/layout/cycle1"/>
+    <dgm:cxn modelId="{3B7A3D0C-A19C-A748-9C24-0936E9E89E35}" type="presParOf" srcId="{A452763E-8874-604E-95DC-284B060532A4}" destId="{89C95E3D-E56F-6142-9266-3C93460C8B8D}" srcOrd="8" destOrd="0" presId="urn:microsoft.com/office/officeart/2005/8/layout/cycle1"/>
+    <dgm:cxn modelId="{27A66F6E-64A2-F545-8F3D-A279854A01B0}" type="presParOf" srcId="{A452763E-8874-604E-95DC-284B060532A4}" destId="{F3047FD4-B88B-D94A-B6C0-CBE3BBE03DDA}" srcOrd="9" destOrd="0" presId="urn:microsoft.com/office/officeart/2005/8/layout/cycle1"/>
+    <dgm:cxn modelId="{8108286D-82A0-CC4A-AD4E-07C3255F67FC}" type="presParOf" srcId="{A452763E-8874-604E-95DC-284B060532A4}" destId="{BCFD3CAF-6867-0244-9512-C5610CC81065}" srcOrd="10" destOrd="0" presId="urn:microsoft.com/office/officeart/2005/8/layout/cycle1"/>
+    <dgm:cxn modelId="{8A1D1596-4A57-BF4A-9747-1500859D37B6}" type="presParOf" srcId="{A452763E-8874-604E-95DC-284B060532A4}" destId="{38349559-4D5F-F14F-83AC-16BEA504F693}" srcOrd="11" destOrd="0" presId="urn:microsoft.com/office/officeart/2005/8/layout/cycle1"/>
+    <dgm:cxn modelId="{6E8E5F72-B658-FA41-815E-209F3D4EF67D}" type="presParOf" srcId="{A452763E-8874-604E-95DC-284B060532A4}" destId="{7E859055-1413-4641-983D-69DD21C4BBEF}" srcOrd="12" destOrd="0" presId="urn:microsoft.com/office/officeart/2005/8/layout/cycle1"/>
+    <dgm:cxn modelId="{BDA1B64C-D767-F54B-9DCE-FDBCD4FA0E49}" type="presParOf" srcId="{A452763E-8874-604E-95DC-284B060532A4}" destId="{77C7656B-7194-1C4E-BBD6-FD12259B3327}" srcOrd="13" destOrd="0" presId="urn:microsoft.com/office/officeart/2005/8/layout/cycle1"/>
+    <dgm:cxn modelId="{211B3ECC-832B-F24B-87B4-DBFAF44097FC}" type="presParOf" srcId="{A452763E-8874-604E-95DC-284B060532A4}" destId="{DCF14260-0C01-2146-B7B9-437AFDBB6130}" srcOrd="14" destOrd="0" presId="urn:microsoft.com/office/officeart/2005/8/layout/cycle1"/>
+    <dgm:cxn modelId="{D391B822-B3E8-4945-9EE0-F5A37ACBD01B}" type="presParOf" srcId="{A452763E-8874-604E-95DC-284B060532A4}" destId="{8CAE0426-1DFF-2B4C-B285-7F6DFC39CAB0}" srcOrd="15" destOrd="0" presId="urn:microsoft.com/office/officeart/2005/8/layout/cycle1"/>
+    <dgm:cxn modelId="{77CE20A6-D344-CC4C-B8B9-726ACAB2FEC3}" type="presParOf" srcId="{A452763E-8874-604E-95DC-284B060532A4}" destId="{AB6408C1-32BC-9A4C-BF6C-DFF9F466A712}" srcOrd="16" destOrd="0" presId="urn:microsoft.com/office/officeart/2005/8/layout/cycle1"/>
+    <dgm:cxn modelId="{585DF1D7-F69B-8544-A2A4-AB00C808CFF5}" type="presParOf" srcId="{A452763E-8874-604E-95DC-284B060532A4}" destId="{CE26F8B0-CDD1-AE4E-9863-9063391C53E3}" srcOrd="17" destOrd="0" presId="urn:microsoft.com/office/officeart/2005/8/layout/cycle1"/>
+  </dgm:cxnLst>
+  <dgm:bg/>
+  <dgm:whole/>
+  <dgm:extLst>
+    <a:ext uri="http://schemas.microsoft.com/office/drawing/2008/diagram">
+      <dsp:dataModelExt xmlns:dsp="http://schemas.microsoft.com/office/drawing/2008/diagram" relId="rId7" minVer="http://schemas.openxmlformats.org/drawingml/2006/diagram"/>
+    </a:ext>
+  </dgm:extLst>
+</dgm:dataModel>
+</file>
+
+<file path=ppt/diagrams/data3.xml><?xml version="1.0" encoding="utf-8"?>
 <dgm:dataModel xmlns:dgm="http://schemas.openxmlformats.org/drawingml/2006/diagram" xmlns:a="http://schemas.openxmlformats.org/drawingml/2006/main">
   <dgm:ptLst>
     <dgm:pt modelId="{F614EAEA-60EF-B045-A363-0E3758185095}" type="doc">
@@ -3930,6 +5120,717 @@
 </dsp:drawing>
 </file>
 
+<file path=ppt/diagrams/drawing3.xml><?xml version="1.0" encoding="utf-8"?>
+<dsp:drawing xmlns:dgm="http://schemas.openxmlformats.org/drawingml/2006/diagram" xmlns:dsp="http://schemas.microsoft.com/office/drawing/2008/diagram" xmlns:a="http://schemas.openxmlformats.org/drawingml/2006/main">
+  <dsp:spTree>
+    <dsp:nvGrpSpPr>
+      <dsp:cNvPr id="0" name=""/>
+      <dsp:cNvGrpSpPr/>
+    </dsp:nvGrpSpPr>
+    <dsp:grpSpPr/>
+    <dsp:sp modelId="{14940865-2C34-E540-B8F4-5B5481B8F75E}">
+      <dsp:nvSpPr>
+        <dsp:cNvPr id="0" name=""/>
+        <dsp:cNvSpPr/>
+      </dsp:nvSpPr>
+      <dsp:spPr>
+        <a:xfrm>
+          <a:off x="750818" y="45006"/>
+          <a:ext cx="224105" cy="224105"/>
+        </a:xfrm>
+        <a:prstGeom prst="rect">
+          <a:avLst/>
+        </a:prstGeom>
+        <a:noFill/>
+        <a:ln>
+          <a:noFill/>
+        </a:ln>
+        <a:effectLst/>
+      </dsp:spPr>
+      <dsp:style>
+        <a:lnRef idx="0">
+          <a:scrgbClr r="0" g="0" b="0"/>
+        </a:lnRef>
+        <a:fillRef idx="0">
+          <a:scrgbClr r="0" g="0" b="0"/>
+        </a:fillRef>
+        <a:effectRef idx="0">
+          <a:scrgbClr r="0" g="0" b="0"/>
+        </a:effectRef>
+        <a:fontRef idx="minor"/>
+      </dsp:style>
+      <dsp:txBody>
+        <a:bodyPr spcFirstLastPara="0" vert="horz" wrap="square" lIns="16510" tIns="16510" rIns="16510" bIns="16510" numCol="1" spcCol="1270" anchor="ctr" anchorCtr="0">
+          <a:noAutofit/>
+        </a:bodyPr>
+        <a:lstStyle/>
+        <a:p>
+          <a:pPr marL="0" lvl="0" indent="0" algn="ctr" defTabSz="577850">
+            <a:lnSpc>
+              <a:spcPct val="90000"/>
+            </a:lnSpc>
+            <a:spcBef>
+              <a:spcPct val="0"/>
+            </a:spcBef>
+            <a:spcAft>
+              <a:spcPct val="35000"/>
+            </a:spcAft>
+            <a:buNone/>
+          </a:pPr>
+          <a:r>
+            <a:rPr lang="en-US" sz="1300" kern="1200" dirty="0"/>
+            <a:t> </a:t>
+          </a:r>
+        </a:p>
+      </dsp:txBody>
+      <dsp:txXfrm>
+        <a:off x="750818" y="45006"/>
+        <a:ext cx="224105" cy="224105"/>
+      </dsp:txXfrm>
+    </dsp:sp>
+    <dsp:sp modelId="{934C93EC-4007-4542-80CF-F9C5D725D2D0}">
+      <dsp:nvSpPr>
+        <dsp:cNvPr id="0" name=""/>
+        <dsp:cNvSpPr/>
+      </dsp:nvSpPr>
+      <dsp:spPr>
+        <a:xfrm>
+          <a:off x="65240" y="42703"/>
+          <a:ext cx="1095068" cy="1095068"/>
+        </a:xfrm>
+        <a:prstGeom prst="circularArrow">
+          <a:avLst>
+            <a:gd name="adj1" fmla="val 3991"/>
+            <a:gd name="adj2" fmla="val 250345"/>
+            <a:gd name="adj3" fmla="val 20572940"/>
+            <a:gd name="adj4" fmla="val 18983242"/>
+            <a:gd name="adj5" fmla="val 4656"/>
+          </a:avLst>
+        </a:prstGeom>
+        <a:solidFill>
+          <a:schemeClr val="lt1">
+            <a:hueOff val="0"/>
+            <a:satOff val="0"/>
+            <a:lumOff val="0"/>
+            <a:alphaOff val="0"/>
+          </a:schemeClr>
+        </a:solidFill>
+        <a:ln w="12700" cap="flat" cmpd="sng" algn="ctr">
+          <a:solidFill>
+            <a:schemeClr val="dk2">
+              <a:shade val="80000"/>
+              <a:hueOff val="0"/>
+              <a:satOff val="0"/>
+              <a:lumOff val="0"/>
+              <a:alphaOff val="0"/>
+            </a:schemeClr>
+          </a:solidFill>
+          <a:prstDash val="solid"/>
+          <a:miter lim="800000"/>
+        </a:ln>
+        <a:effectLst/>
+      </dsp:spPr>
+      <dsp:style>
+        <a:lnRef idx="2">
+          <a:scrgbClr r="0" g="0" b="0"/>
+        </a:lnRef>
+        <a:fillRef idx="1">
+          <a:scrgbClr r="0" g="0" b="0"/>
+        </a:fillRef>
+        <a:effectRef idx="0">
+          <a:scrgbClr r="0" g="0" b="0"/>
+        </a:effectRef>
+        <a:fontRef idx="minor">
+          <a:schemeClr val="lt1"/>
+        </a:fontRef>
+      </dsp:style>
+    </dsp:sp>
+    <dsp:sp modelId="{A39626CD-FAE4-394A-99A2-E2CB171F5C8C}">
+      <dsp:nvSpPr>
+        <dsp:cNvPr id="0" name=""/>
+        <dsp:cNvSpPr/>
+      </dsp:nvSpPr>
+      <dsp:spPr>
+        <a:xfrm>
+          <a:off x="1000914" y="478185"/>
+          <a:ext cx="224105" cy="224105"/>
+        </a:xfrm>
+        <a:prstGeom prst="rect">
+          <a:avLst/>
+        </a:prstGeom>
+        <a:noFill/>
+        <a:ln>
+          <a:noFill/>
+        </a:ln>
+        <a:effectLst/>
+      </dsp:spPr>
+      <dsp:style>
+        <a:lnRef idx="0">
+          <a:scrgbClr r="0" g="0" b="0"/>
+        </a:lnRef>
+        <a:fillRef idx="0">
+          <a:scrgbClr r="0" g="0" b="0"/>
+        </a:fillRef>
+        <a:effectRef idx="0">
+          <a:scrgbClr r="0" g="0" b="0"/>
+        </a:effectRef>
+        <a:fontRef idx="minor"/>
+      </dsp:style>
+      <dsp:txBody>
+        <a:bodyPr spcFirstLastPara="0" vert="horz" wrap="square" lIns="16510" tIns="16510" rIns="16510" bIns="16510" numCol="1" spcCol="1270" anchor="ctr" anchorCtr="0">
+          <a:noAutofit/>
+        </a:bodyPr>
+        <a:lstStyle/>
+        <a:p>
+          <a:pPr marL="0" lvl="0" indent="0" algn="ctr" defTabSz="577850">
+            <a:lnSpc>
+              <a:spcPct val="90000"/>
+            </a:lnSpc>
+            <a:spcBef>
+              <a:spcPct val="0"/>
+            </a:spcBef>
+            <a:spcAft>
+              <a:spcPct val="35000"/>
+            </a:spcAft>
+            <a:buNone/>
+          </a:pPr>
+          <a:r>
+            <a:rPr lang="en-US" sz="1300" kern="1200" dirty="0"/>
+            <a:t> </a:t>
+          </a:r>
+        </a:p>
+      </dsp:txBody>
+      <dsp:txXfrm>
+        <a:off x="1000914" y="478185"/>
+        <a:ext cx="224105" cy="224105"/>
+      </dsp:txXfrm>
+    </dsp:sp>
+    <dsp:sp modelId="{C706A535-B6D0-CF45-A865-317E40362A8F}">
+      <dsp:nvSpPr>
+        <dsp:cNvPr id="0" name=""/>
+        <dsp:cNvSpPr/>
+      </dsp:nvSpPr>
+      <dsp:spPr>
+        <a:xfrm>
+          <a:off x="65240" y="42703"/>
+          <a:ext cx="1095068" cy="1095068"/>
+        </a:xfrm>
+        <a:prstGeom prst="circularArrow">
+          <a:avLst>
+            <a:gd name="adj1" fmla="val 3991"/>
+            <a:gd name="adj2" fmla="val 250345"/>
+            <a:gd name="adj3" fmla="val 2366413"/>
+            <a:gd name="adj4" fmla="val 776714"/>
+            <a:gd name="adj5" fmla="val 4656"/>
+          </a:avLst>
+        </a:prstGeom>
+        <a:solidFill>
+          <a:schemeClr val="lt1">
+            <a:hueOff val="0"/>
+            <a:satOff val="0"/>
+            <a:lumOff val="0"/>
+            <a:alphaOff val="0"/>
+          </a:schemeClr>
+        </a:solidFill>
+        <a:ln w="12700" cap="flat" cmpd="sng" algn="ctr">
+          <a:solidFill>
+            <a:schemeClr val="dk2">
+              <a:shade val="80000"/>
+              <a:hueOff val="0"/>
+              <a:satOff val="0"/>
+              <a:lumOff val="0"/>
+              <a:alphaOff val="0"/>
+            </a:schemeClr>
+          </a:solidFill>
+          <a:prstDash val="solid"/>
+          <a:miter lim="800000"/>
+        </a:ln>
+        <a:effectLst/>
+      </dsp:spPr>
+      <dsp:style>
+        <a:lnRef idx="2">
+          <a:scrgbClr r="0" g="0" b="0"/>
+        </a:lnRef>
+        <a:fillRef idx="1">
+          <a:scrgbClr r="0" g="0" b="0"/>
+        </a:fillRef>
+        <a:effectRef idx="0">
+          <a:scrgbClr r="0" g="0" b="0"/>
+        </a:effectRef>
+        <a:fontRef idx="minor">
+          <a:schemeClr val="lt1"/>
+        </a:fontRef>
+      </dsp:style>
+    </dsp:sp>
+    <dsp:sp modelId="{7732C34B-403D-6B43-8A7D-ECE41D8BB032}">
+      <dsp:nvSpPr>
+        <dsp:cNvPr id="0" name=""/>
+        <dsp:cNvSpPr/>
+      </dsp:nvSpPr>
+      <dsp:spPr>
+        <a:xfrm>
+          <a:off x="750818" y="911364"/>
+          <a:ext cx="224105" cy="224105"/>
+        </a:xfrm>
+        <a:prstGeom prst="rect">
+          <a:avLst/>
+        </a:prstGeom>
+        <a:noFill/>
+        <a:ln>
+          <a:noFill/>
+        </a:ln>
+        <a:effectLst/>
+      </dsp:spPr>
+      <dsp:style>
+        <a:lnRef idx="0">
+          <a:scrgbClr r="0" g="0" b="0"/>
+        </a:lnRef>
+        <a:fillRef idx="0">
+          <a:scrgbClr r="0" g="0" b="0"/>
+        </a:fillRef>
+        <a:effectRef idx="0">
+          <a:scrgbClr r="0" g="0" b="0"/>
+        </a:effectRef>
+        <a:fontRef idx="minor"/>
+      </dsp:style>
+      <dsp:txBody>
+        <a:bodyPr spcFirstLastPara="0" vert="horz" wrap="square" lIns="16510" tIns="16510" rIns="16510" bIns="16510" numCol="1" spcCol="1270" anchor="ctr" anchorCtr="0">
+          <a:noAutofit/>
+        </a:bodyPr>
+        <a:lstStyle/>
+        <a:p>
+          <a:pPr marL="0" lvl="0" indent="0" algn="ctr" defTabSz="577850">
+            <a:lnSpc>
+              <a:spcPct val="90000"/>
+            </a:lnSpc>
+            <a:spcBef>
+              <a:spcPct val="0"/>
+            </a:spcBef>
+            <a:spcAft>
+              <a:spcPct val="35000"/>
+            </a:spcAft>
+            <a:buNone/>
+          </a:pPr>
+          <a:r>
+            <a:rPr lang="en-US" sz="1300" kern="1200" dirty="0"/>
+            <a:t> </a:t>
+          </a:r>
+        </a:p>
+      </dsp:txBody>
+      <dsp:txXfrm>
+        <a:off x="750818" y="911364"/>
+        <a:ext cx="224105" cy="224105"/>
+      </dsp:txXfrm>
+    </dsp:sp>
+    <dsp:sp modelId="{89C95E3D-E56F-6142-9266-3C93460C8B8D}">
+      <dsp:nvSpPr>
+        <dsp:cNvPr id="0" name=""/>
+        <dsp:cNvSpPr/>
+      </dsp:nvSpPr>
+      <dsp:spPr>
+        <a:xfrm>
+          <a:off x="65240" y="42703"/>
+          <a:ext cx="1095068" cy="1095068"/>
+        </a:xfrm>
+        <a:prstGeom prst="circularArrow">
+          <a:avLst>
+            <a:gd name="adj1" fmla="val 3991"/>
+            <a:gd name="adj2" fmla="val 250345"/>
+            <a:gd name="adj3" fmla="val 6110881"/>
+            <a:gd name="adj4" fmla="val 4438773"/>
+            <a:gd name="adj5" fmla="val 4656"/>
+          </a:avLst>
+        </a:prstGeom>
+        <a:solidFill>
+          <a:schemeClr val="lt1">
+            <a:hueOff val="0"/>
+            <a:satOff val="0"/>
+            <a:lumOff val="0"/>
+            <a:alphaOff val="0"/>
+          </a:schemeClr>
+        </a:solidFill>
+        <a:ln w="12700" cap="flat" cmpd="sng" algn="ctr">
+          <a:solidFill>
+            <a:schemeClr val="dk2">
+              <a:shade val="80000"/>
+              <a:hueOff val="0"/>
+              <a:satOff val="0"/>
+              <a:lumOff val="0"/>
+              <a:alphaOff val="0"/>
+            </a:schemeClr>
+          </a:solidFill>
+          <a:prstDash val="solid"/>
+          <a:miter lim="800000"/>
+        </a:ln>
+        <a:effectLst/>
+      </dsp:spPr>
+      <dsp:style>
+        <a:lnRef idx="2">
+          <a:scrgbClr r="0" g="0" b="0"/>
+        </a:lnRef>
+        <a:fillRef idx="1">
+          <a:scrgbClr r="0" g="0" b="0"/>
+        </a:fillRef>
+        <a:effectRef idx="0">
+          <a:scrgbClr r="0" g="0" b="0"/>
+        </a:effectRef>
+        <a:fontRef idx="minor">
+          <a:schemeClr val="lt1"/>
+        </a:fontRef>
+      </dsp:style>
+    </dsp:sp>
+    <dsp:sp modelId="{BCFD3CAF-6867-0244-9512-C5610CC81065}">
+      <dsp:nvSpPr>
+        <dsp:cNvPr id="0" name=""/>
+        <dsp:cNvSpPr/>
+      </dsp:nvSpPr>
+      <dsp:spPr>
+        <a:xfrm>
+          <a:off x="250626" y="911364"/>
+          <a:ext cx="224105" cy="224105"/>
+        </a:xfrm>
+        <a:prstGeom prst="rect">
+          <a:avLst/>
+        </a:prstGeom>
+        <a:noFill/>
+        <a:ln>
+          <a:noFill/>
+        </a:ln>
+        <a:effectLst/>
+      </dsp:spPr>
+      <dsp:style>
+        <a:lnRef idx="0">
+          <a:scrgbClr r="0" g="0" b="0"/>
+        </a:lnRef>
+        <a:fillRef idx="0">
+          <a:scrgbClr r="0" g="0" b="0"/>
+        </a:fillRef>
+        <a:effectRef idx="0">
+          <a:scrgbClr r="0" g="0" b="0"/>
+        </a:effectRef>
+        <a:fontRef idx="minor"/>
+      </dsp:style>
+      <dsp:txBody>
+        <a:bodyPr spcFirstLastPara="0" vert="horz" wrap="square" lIns="16510" tIns="16510" rIns="16510" bIns="16510" numCol="1" spcCol="1270" anchor="ctr" anchorCtr="0">
+          <a:noAutofit/>
+        </a:bodyPr>
+        <a:lstStyle/>
+        <a:p>
+          <a:pPr marL="0" lvl="0" indent="0" algn="ctr" defTabSz="577850">
+            <a:lnSpc>
+              <a:spcPct val="90000"/>
+            </a:lnSpc>
+            <a:spcBef>
+              <a:spcPct val="0"/>
+            </a:spcBef>
+            <a:spcAft>
+              <a:spcPct val="35000"/>
+            </a:spcAft>
+            <a:buNone/>
+          </a:pPr>
+          <a:r>
+            <a:rPr lang="en-US" sz="1300" kern="1200" dirty="0"/>
+            <a:t> </a:t>
+          </a:r>
+        </a:p>
+      </dsp:txBody>
+      <dsp:txXfrm>
+        <a:off x="250626" y="911364"/>
+        <a:ext cx="224105" cy="224105"/>
+      </dsp:txXfrm>
+    </dsp:sp>
+    <dsp:sp modelId="{38349559-4D5F-F14F-83AC-16BEA504F693}">
+      <dsp:nvSpPr>
+        <dsp:cNvPr id="0" name=""/>
+        <dsp:cNvSpPr/>
+      </dsp:nvSpPr>
+      <dsp:spPr>
+        <a:xfrm>
+          <a:off x="65240" y="42703"/>
+          <a:ext cx="1095068" cy="1095068"/>
+        </a:xfrm>
+        <a:prstGeom prst="circularArrow">
+          <a:avLst>
+            <a:gd name="adj1" fmla="val 3991"/>
+            <a:gd name="adj2" fmla="val 250345"/>
+            <a:gd name="adj3" fmla="val 9772940"/>
+            <a:gd name="adj4" fmla="val 8183242"/>
+            <a:gd name="adj5" fmla="val 4656"/>
+          </a:avLst>
+        </a:prstGeom>
+        <a:solidFill>
+          <a:schemeClr val="lt1">
+            <a:hueOff val="0"/>
+            <a:satOff val="0"/>
+            <a:lumOff val="0"/>
+            <a:alphaOff val="0"/>
+          </a:schemeClr>
+        </a:solidFill>
+        <a:ln w="12700" cap="flat" cmpd="sng" algn="ctr">
+          <a:solidFill>
+            <a:schemeClr val="dk2">
+              <a:shade val="80000"/>
+              <a:hueOff val="0"/>
+              <a:satOff val="0"/>
+              <a:lumOff val="0"/>
+              <a:alphaOff val="0"/>
+            </a:schemeClr>
+          </a:solidFill>
+          <a:prstDash val="solid"/>
+          <a:miter lim="800000"/>
+        </a:ln>
+        <a:effectLst/>
+      </dsp:spPr>
+      <dsp:style>
+        <a:lnRef idx="2">
+          <a:scrgbClr r="0" g="0" b="0"/>
+        </a:lnRef>
+        <a:fillRef idx="1">
+          <a:scrgbClr r="0" g="0" b="0"/>
+        </a:fillRef>
+        <a:effectRef idx="0">
+          <a:scrgbClr r="0" g="0" b="0"/>
+        </a:effectRef>
+        <a:fontRef idx="minor">
+          <a:schemeClr val="lt1"/>
+        </a:fontRef>
+      </dsp:style>
+    </dsp:sp>
+    <dsp:sp modelId="{77C7656B-7194-1C4E-BBD6-FD12259B3327}">
+      <dsp:nvSpPr>
+        <dsp:cNvPr id="0" name=""/>
+        <dsp:cNvSpPr/>
+      </dsp:nvSpPr>
+      <dsp:spPr>
+        <a:xfrm>
+          <a:off x="530" y="478185"/>
+          <a:ext cx="224105" cy="224105"/>
+        </a:xfrm>
+        <a:prstGeom prst="rect">
+          <a:avLst/>
+        </a:prstGeom>
+        <a:noFill/>
+        <a:ln>
+          <a:noFill/>
+        </a:ln>
+        <a:effectLst/>
+      </dsp:spPr>
+      <dsp:style>
+        <a:lnRef idx="0">
+          <a:scrgbClr r="0" g="0" b="0"/>
+        </a:lnRef>
+        <a:fillRef idx="0">
+          <a:scrgbClr r="0" g="0" b="0"/>
+        </a:fillRef>
+        <a:effectRef idx="0">
+          <a:scrgbClr r="0" g="0" b="0"/>
+        </a:effectRef>
+        <a:fontRef idx="minor"/>
+      </dsp:style>
+      <dsp:txBody>
+        <a:bodyPr spcFirstLastPara="0" vert="horz" wrap="square" lIns="16510" tIns="16510" rIns="16510" bIns="16510" numCol="1" spcCol="1270" anchor="ctr" anchorCtr="0">
+          <a:noAutofit/>
+        </a:bodyPr>
+        <a:lstStyle/>
+        <a:p>
+          <a:pPr marL="0" lvl="0" indent="0" algn="ctr" defTabSz="577850">
+            <a:lnSpc>
+              <a:spcPct val="90000"/>
+            </a:lnSpc>
+            <a:spcBef>
+              <a:spcPct val="0"/>
+            </a:spcBef>
+            <a:spcAft>
+              <a:spcPct val="35000"/>
+            </a:spcAft>
+            <a:buNone/>
+          </a:pPr>
+          <a:r>
+            <a:rPr lang="en-US" sz="1300" kern="1200" dirty="0"/>
+            <a:t> </a:t>
+          </a:r>
+        </a:p>
+      </dsp:txBody>
+      <dsp:txXfrm>
+        <a:off x="530" y="478185"/>
+        <a:ext cx="224105" cy="224105"/>
+      </dsp:txXfrm>
+    </dsp:sp>
+    <dsp:sp modelId="{DCF14260-0C01-2146-B7B9-437AFDBB6130}">
+      <dsp:nvSpPr>
+        <dsp:cNvPr id="0" name=""/>
+        <dsp:cNvSpPr/>
+      </dsp:nvSpPr>
+      <dsp:spPr>
+        <a:xfrm>
+          <a:off x="65240" y="42703"/>
+          <a:ext cx="1095068" cy="1095068"/>
+        </a:xfrm>
+        <a:prstGeom prst="circularArrow">
+          <a:avLst>
+            <a:gd name="adj1" fmla="val 3991"/>
+            <a:gd name="adj2" fmla="val 250345"/>
+            <a:gd name="adj3" fmla="val 13166413"/>
+            <a:gd name="adj4" fmla="val 11576714"/>
+            <a:gd name="adj5" fmla="val 4656"/>
+          </a:avLst>
+        </a:prstGeom>
+        <a:solidFill>
+          <a:schemeClr val="lt1">
+            <a:hueOff val="0"/>
+            <a:satOff val="0"/>
+            <a:lumOff val="0"/>
+            <a:alphaOff val="0"/>
+          </a:schemeClr>
+        </a:solidFill>
+        <a:ln w="12700" cap="flat" cmpd="sng" algn="ctr">
+          <a:solidFill>
+            <a:schemeClr val="dk2">
+              <a:shade val="80000"/>
+              <a:hueOff val="0"/>
+              <a:satOff val="0"/>
+              <a:lumOff val="0"/>
+              <a:alphaOff val="0"/>
+            </a:schemeClr>
+          </a:solidFill>
+          <a:prstDash val="solid"/>
+          <a:miter lim="800000"/>
+        </a:ln>
+        <a:effectLst/>
+      </dsp:spPr>
+      <dsp:style>
+        <a:lnRef idx="2">
+          <a:scrgbClr r="0" g="0" b="0"/>
+        </a:lnRef>
+        <a:fillRef idx="1">
+          <a:scrgbClr r="0" g="0" b="0"/>
+        </a:fillRef>
+        <a:effectRef idx="0">
+          <a:scrgbClr r="0" g="0" b="0"/>
+        </a:effectRef>
+        <a:fontRef idx="minor">
+          <a:schemeClr val="lt1"/>
+        </a:fontRef>
+      </dsp:style>
+    </dsp:sp>
+    <dsp:sp modelId="{AB6408C1-32BC-9A4C-BF6C-DFF9F466A712}">
+      <dsp:nvSpPr>
+        <dsp:cNvPr id="0" name=""/>
+        <dsp:cNvSpPr/>
+      </dsp:nvSpPr>
+      <dsp:spPr>
+        <a:xfrm>
+          <a:off x="250626" y="45006"/>
+          <a:ext cx="224105" cy="224105"/>
+        </a:xfrm>
+        <a:prstGeom prst="rect">
+          <a:avLst/>
+        </a:prstGeom>
+        <a:noFill/>
+        <a:ln>
+          <a:noFill/>
+        </a:ln>
+        <a:effectLst/>
+      </dsp:spPr>
+      <dsp:style>
+        <a:lnRef idx="0">
+          <a:scrgbClr r="0" g="0" b="0"/>
+        </a:lnRef>
+        <a:fillRef idx="0">
+          <a:scrgbClr r="0" g="0" b="0"/>
+        </a:fillRef>
+        <a:effectRef idx="0">
+          <a:scrgbClr r="0" g="0" b="0"/>
+        </a:effectRef>
+        <a:fontRef idx="minor"/>
+      </dsp:style>
+      <dsp:txBody>
+        <a:bodyPr spcFirstLastPara="0" vert="horz" wrap="square" lIns="16510" tIns="16510" rIns="16510" bIns="16510" numCol="1" spcCol="1270" anchor="ctr" anchorCtr="0">
+          <a:noAutofit/>
+        </a:bodyPr>
+        <a:lstStyle/>
+        <a:p>
+          <a:pPr marL="0" lvl="0" indent="0" algn="ctr" defTabSz="577850">
+            <a:lnSpc>
+              <a:spcPct val="90000"/>
+            </a:lnSpc>
+            <a:spcBef>
+              <a:spcPct val="0"/>
+            </a:spcBef>
+            <a:spcAft>
+              <a:spcPct val="35000"/>
+            </a:spcAft>
+            <a:buNone/>
+          </a:pPr>
+          <a:endParaRPr lang="en-US" sz="1300" kern="1200"/>
+        </a:p>
+      </dsp:txBody>
+      <dsp:txXfrm>
+        <a:off x="250626" y="45006"/>
+        <a:ext cx="224105" cy="224105"/>
+      </dsp:txXfrm>
+    </dsp:sp>
+    <dsp:sp modelId="{CE26F8B0-CDD1-AE4E-9863-9063391C53E3}">
+      <dsp:nvSpPr>
+        <dsp:cNvPr id="0" name=""/>
+        <dsp:cNvSpPr/>
+      </dsp:nvSpPr>
+      <dsp:spPr>
+        <a:xfrm>
+          <a:off x="65240" y="42703"/>
+          <a:ext cx="1095068" cy="1095068"/>
+        </a:xfrm>
+        <a:prstGeom prst="circularArrow">
+          <a:avLst>
+            <a:gd name="adj1" fmla="val 3991"/>
+            <a:gd name="adj2" fmla="val 250345"/>
+            <a:gd name="adj3" fmla="val 16910881"/>
+            <a:gd name="adj4" fmla="val 15238773"/>
+            <a:gd name="adj5" fmla="val 4656"/>
+          </a:avLst>
+        </a:prstGeom>
+        <a:solidFill>
+          <a:schemeClr val="lt1">
+            <a:hueOff val="0"/>
+            <a:satOff val="0"/>
+            <a:lumOff val="0"/>
+            <a:alphaOff val="0"/>
+          </a:schemeClr>
+        </a:solidFill>
+        <a:ln w="12700" cap="flat" cmpd="sng" algn="ctr">
+          <a:solidFill>
+            <a:schemeClr val="dk2">
+              <a:shade val="80000"/>
+              <a:hueOff val="0"/>
+              <a:satOff val="0"/>
+              <a:lumOff val="0"/>
+              <a:alphaOff val="0"/>
+            </a:schemeClr>
+          </a:solidFill>
+          <a:prstDash val="solid"/>
+          <a:miter lim="800000"/>
+        </a:ln>
+        <a:effectLst/>
+      </dsp:spPr>
+      <dsp:style>
+        <a:lnRef idx="2">
+          <a:scrgbClr r="0" g="0" b="0"/>
+        </a:lnRef>
+        <a:fillRef idx="1">
+          <a:scrgbClr r="0" g="0" b="0"/>
+        </a:fillRef>
+        <a:effectRef idx="0">
+          <a:scrgbClr r="0" g="0" b="0"/>
+        </a:effectRef>
+        <a:fontRef idx="minor">
+          <a:schemeClr val="lt1"/>
+        </a:fontRef>
+      </dsp:style>
+    </dsp:sp>
+  </dsp:spTree>
+</dsp:drawing>
+</file>
+
 <file path=ppt/diagrams/layout1.xml><?xml version="1.0" encoding="utf-8"?>
 <dgm:layoutDef xmlns:dgm="http://schemas.openxmlformats.org/drawingml/2006/diagram" xmlns:a="http://schemas.openxmlformats.org/drawingml/2006/main" uniqueId="urn:microsoft.com/office/officeart/2005/8/layout/cycle1">
   <dgm:title val=""/>
@@ -4326,6 +6227,204 @@
 </dgm:layoutDef>
 </file>
 
+<file path=ppt/diagrams/layout3.xml><?xml version="1.0" encoding="utf-8"?>
+<dgm:layoutDef xmlns:dgm="http://schemas.openxmlformats.org/drawingml/2006/diagram" xmlns:a="http://schemas.openxmlformats.org/drawingml/2006/main" uniqueId="urn:microsoft.com/office/officeart/2005/8/layout/cycle1">
+  <dgm:title val=""/>
+  <dgm:desc val=""/>
+  <dgm:catLst>
+    <dgm:cat type="cycle" pri="2000"/>
+  </dgm:catLst>
+  <dgm:sampData>
+    <dgm:dataModel>
+      <dgm:ptLst>
+        <dgm:pt modelId="0" type="doc"/>
+        <dgm:pt modelId="1">
+          <dgm:prSet phldr="1"/>
+        </dgm:pt>
+        <dgm:pt modelId="2">
+          <dgm:prSet phldr="1"/>
+        </dgm:pt>
+        <dgm:pt modelId="3">
+          <dgm:prSet phldr="1"/>
+        </dgm:pt>
+        <dgm:pt modelId="4">
+          <dgm:prSet phldr="1"/>
+        </dgm:pt>
+        <dgm:pt modelId="5">
+          <dgm:prSet phldr="1"/>
+        </dgm:pt>
+      </dgm:ptLst>
+      <dgm:cxnLst>
+        <dgm:cxn modelId="6" srcId="0" destId="1" srcOrd="0" destOrd="0"/>
+        <dgm:cxn modelId="7" srcId="0" destId="2" srcOrd="1" destOrd="0"/>
+        <dgm:cxn modelId="8" srcId="0" destId="3" srcOrd="2" destOrd="0"/>
+        <dgm:cxn modelId="9" srcId="0" destId="4" srcOrd="3" destOrd="0"/>
+        <dgm:cxn modelId="10" srcId="0" destId="5" srcOrd="4" destOrd="0"/>
+      </dgm:cxnLst>
+      <dgm:bg/>
+      <dgm:whole/>
+    </dgm:dataModel>
+  </dgm:sampData>
+  <dgm:styleData>
+    <dgm:dataModel>
+      <dgm:ptLst>
+        <dgm:pt modelId="0" type="doc"/>
+        <dgm:pt modelId="1"/>
+        <dgm:pt modelId="2"/>
+        <dgm:pt modelId="3"/>
+      </dgm:ptLst>
+      <dgm:cxnLst>
+        <dgm:cxn modelId="4" srcId="0" destId="1" srcOrd="0" destOrd="0"/>
+        <dgm:cxn modelId="5" srcId="0" destId="2" srcOrd="1" destOrd="0"/>
+        <dgm:cxn modelId="6" srcId="0" destId="3" srcOrd="2" destOrd="0"/>
+      </dgm:cxnLst>
+      <dgm:bg/>
+      <dgm:whole/>
+    </dgm:dataModel>
+  </dgm:styleData>
+  <dgm:clrData>
+    <dgm:dataModel>
+      <dgm:ptLst>
+        <dgm:pt modelId="0" type="doc"/>
+        <dgm:pt modelId="1"/>
+        <dgm:pt modelId="2"/>
+        <dgm:pt modelId="3"/>
+        <dgm:pt modelId="4"/>
+        <dgm:pt modelId="5"/>
+        <dgm:pt modelId="6"/>
+      </dgm:ptLst>
+      <dgm:cxnLst>
+        <dgm:cxn modelId="7" srcId="0" destId="1" srcOrd="0" destOrd="0"/>
+        <dgm:cxn modelId="8" srcId="0" destId="2" srcOrd="1" destOrd="0"/>
+        <dgm:cxn modelId="9" srcId="0" destId="3" srcOrd="2" destOrd="0"/>
+        <dgm:cxn modelId="10" srcId="0" destId="4" srcOrd="3" destOrd="0"/>
+        <dgm:cxn modelId="11" srcId="0" destId="5" srcOrd="4" destOrd="0"/>
+        <dgm:cxn modelId="12" srcId="0" destId="6" srcOrd="5" destOrd="0"/>
+      </dgm:cxnLst>
+      <dgm:bg/>
+      <dgm:whole/>
+    </dgm:dataModel>
+  </dgm:clrData>
+  <dgm:layoutNode name="cycle">
+    <dgm:varLst>
+      <dgm:dir/>
+      <dgm:resizeHandles val="exact"/>
+    </dgm:varLst>
+    <dgm:choose name="Name0">
+      <dgm:if name="Name1" func="var" arg="dir" op="equ" val="norm">
+        <dgm:alg type="cycle">
+          <dgm:param type="stAng" val="0"/>
+          <dgm:param type="spanAng" val="360"/>
+        </dgm:alg>
+      </dgm:if>
+      <dgm:else name="Name2">
+        <dgm:alg type="cycle">
+          <dgm:param type="stAng" val="0"/>
+          <dgm:param type="spanAng" val="-360"/>
+        </dgm:alg>
+      </dgm:else>
+    </dgm:choose>
+    <dgm:shape xmlns:r="http://schemas.openxmlformats.org/officeDocument/2006/relationships" r:blip="">
+      <dgm:adjLst/>
+    </dgm:shape>
+    <dgm:presOf/>
+    <dgm:choose name="Name3">
+      <dgm:if name="Name4" func="var" arg="dir" op="equ" val="norm">
+        <dgm:constrLst>
+          <dgm:constr type="diam" val="1"/>
+          <dgm:constr type="w" for="ch" forName="node" refType="w"/>
+          <dgm:constr type="w" for="ch" ptType="sibTrans" refType="w" refFor="ch" refForName="node" fact="0.5"/>
+          <dgm:constr type="h" for="ch" ptType="sibTrans" op="equ"/>
+          <dgm:constr type="diam" for="ch" ptType="sibTrans" refType="diam" op="equ"/>
+          <dgm:constr type="sibSp" refType="w" refFor="ch" refForName="node" fact="0.15"/>
+          <dgm:constr type="w" for="ch" forName="dummy" refType="sibSp" fact="2.8"/>
+          <dgm:constr type="primFontSz" for="ch" forName="node" op="equ" val="65"/>
+        </dgm:constrLst>
+      </dgm:if>
+      <dgm:else name="Name5">
+        <dgm:constrLst>
+          <dgm:constr type="diam" val="1"/>
+          <dgm:constr type="w" for="ch" forName="node" refType="w"/>
+          <dgm:constr type="w" for="ch" ptType="sibTrans" refType="w" refFor="ch" refForName="node" fact="0.5"/>
+          <dgm:constr type="h" for="ch" ptType="sibTrans" op="equ"/>
+          <dgm:constr type="diam" for="ch" ptType="sibTrans" refType="diam" op="equ" fact="-1"/>
+          <dgm:constr type="sibSp" refType="w" refFor="ch" refForName="node" fact="0.15"/>
+          <dgm:constr type="w" for="ch" forName="dummy" refType="sibSp" fact="2.8"/>
+          <dgm:constr type="primFontSz" for="ch" forName="node" op="equ" val="65"/>
+        </dgm:constrLst>
+      </dgm:else>
+    </dgm:choose>
+    <dgm:ruleLst>
+      <dgm:rule type="diam" val="INF" fact="NaN" max="NaN"/>
+    </dgm:ruleLst>
+    <dgm:forEach name="nodesForEach" axis="ch" ptType="node">
+      <dgm:choose name="Name6">
+        <dgm:if name="Name7" axis="par ch" ptType="doc node" func="cnt" op="gt" val="1">
+          <dgm:layoutNode name="dummy">
+            <dgm:alg type="sp"/>
+            <dgm:shape xmlns:r="http://schemas.openxmlformats.org/officeDocument/2006/relationships" r:blip="">
+              <dgm:adjLst/>
+            </dgm:shape>
+            <dgm:presOf/>
+            <dgm:constrLst>
+              <dgm:constr type="h" refType="w"/>
+            </dgm:constrLst>
+            <dgm:ruleLst/>
+          </dgm:layoutNode>
+        </dgm:if>
+        <dgm:else name="Name8"/>
+      </dgm:choose>
+      <dgm:layoutNode name="node" styleLbl="revTx">
+        <dgm:varLst>
+          <dgm:bulletEnabled val="1"/>
+        </dgm:varLst>
+        <dgm:alg type="tx">
+          <dgm:param type="txAnchorVertCh" val="mid"/>
+        </dgm:alg>
+        <dgm:shape xmlns:r="http://schemas.openxmlformats.org/officeDocument/2006/relationships" type="rect" r:blip="">
+          <dgm:adjLst/>
+        </dgm:shape>
+        <dgm:presOf axis="desOrSelf" ptType="node"/>
+        <dgm:constrLst>
+          <dgm:constr type="h" refType="w"/>
+          <dgm:constr type="lMarg" refType="primFontSz" fact="0.1"/>
+          <dgm:constr type="rMarg" refType="primFontSz" fact="0.1"/>
+          <dgm:constr type="tMarg" refType="primFontSz" fact="0.1"/>
+          <dgm:constr type="bMarg" refType="primFontSz" fact="0.1"/>
+        </dgm:constrLst>
+        <dgm:ruleLst>
+          <dgm:rule type="primFontSz" val="5" fact="NaN" max="NaN"/>
+        </dgm:ruleLst>
+      </dgm:layoutNode>
+      <dgm:choose name="Name9">
+        <dgm:if name="Name10" axis="par ch" ptType="doc node" func="cnt" op="gt" val="1">
+          <dgm:forEach name="Name11" axis="followSib" ptType="sibTrans" hideLastTrans="0" cnt="1">
+            <dgm:layoutNode name="sibTrans" styleLbl="node1">
+              <dgm:alg type="conn">
+                <dgm:param type="connRout" val="curve"/>
+                <dgm:param type="begPts" val="radial"/>
+                <dgm:param type="endPts" val="radial"/>
+              </dgm:alg>
+              <dgm:shape xmlns:r="http://schemas.openxmlformats.org/officeDocument/2006/relationships" type="conn" r:blip="">
+                <dgm:adjLst/>
+              </dgm:shape>
+              <dgm:presOf axis="self"/>
+              <dgm:constrLst>
+                <dgm:constr type="h" refType="w" fact="0.65"/>
+                <dgm:constr type="begPad"/>
+                <dgm:constr type="endPad"/>
+              </dgm:constrLst>
+              <dgm:ruleLst/>
+            </dgm:layoutNode>
+          </dgm:forEach>
+        </dgm:if>
+        <dgm:else name="Name12"/>
+      </dgm:choose>
+    </dgm:forEach>
+  </dgm:layoutNode>
+</dgm:layoutDef>
+</file>
+
 <file path=ppt/diagrams/quickStyle1.xml><?xml version="1.0" encoding="utf-8"?>
 <dgm:styleDef xmlns:dgm="http://schemas.openxmlformats.org/drawingml/2006/diagram" xmlns:a="http://schemas.openxmlformats.org/drawingml/2006/main" uniqueId="urn:microsoft.com/office/officeart/2005/8/quickstyle/simple1">
   <dgm:title val=""/>
@@ -5361,6 +7460,1040 @@
 </file>
 
 <file path=ppt/diagrams/quickStyle2.xml><?xml version="1.0" encoding="utf-8"?>
+<dgm:styleDef xmlns:dgm="http://schemas.openxmlformats.org/drawingml/2006/diagram" xmlns:a="http://schemas.openxmlformats.org/drawingml/2006/main" uniqueId="urn:microsoft.com/office/officeart/2005/8/quickstyle/simple1">
+  <dgm:title val=""/>
+  <dgm:desc val=""/>
+  <dgm:catLst>
+    <dgm:cat type="simple" pri="10100"/>
+  </dgm:catLst>
+  <dgm:scene3d>
+    <a:camera prst="orthographicFront"/>
+    <a:lightRig rig="threePt" dir="t"/>
+  </dgm:scene3d>
+  <dgm:styleLbl name="node0">
+    <dgm:scene3d>
+      <a:camera prst="orthographicFront"/>
+      <a:lightRig rig="threePt" dir="t"/>
+    </dgm:scene3d>
+    <dgm:sp3d/>
+    <dgm:txPr/>
+    <dgm:style>
+      <a:lnRef idx="2">
+        <a:scrgbClr r="0" g="0" b="0"/>
+      </a:lnRef>
+      <a:fillRef idx="1">
+        <a:scrgbClr r="0" g="0" b="0"/>
+      </a:fillRef>
+      <a:effectRef idx="0">
+        <a:scrgbClr r="0" g="0" b="0"/>
+      </a:effectRef>
+      <a:fontRef idx="minor">
+        <a:schemeClr val="lt1"/>
+      </a:fontRef>
+    </dgm:style>
+  </dgm:styleLbl>
+  <dgm:styleLbl name="lnNode1">
+    <dgm:scene3d>
+      <a:camera prst="orthographicFront"/>
+      <a:lightRig rig="threePt" dir="t"/>
+    </dgm:scene3d>
+    <dgm:sp3d/>
+    <dgm:txPr/>
+    <dgm:style>
+      <a:lnRef idx="2">
+        <a:scrgbClr r="0" g="0" b="0"/>
+      </a:lnRef>
+      <a:fillRef idx="1">
+        <a:scrgbClr r="0" g="0" b="0"/>
+      </a:fillRef>
+      <a:effectRef idx="0">
+        <a:scrgbClr r="0" g="0" b="0"/>
+      </a:effectRef>
+      <a:fontRef idx="minor">
+        <a:schemeClr val="lt1"/>
+      </a:fontRef>
+    </dgm:style>
+  </dgm:styleLbl>
+  <dgm:styleLbl name="vennNode1">
+    <dgm:scene3d>
+      <a:camera prst="orthographicFront"/>
+      <a:lightRig rig="threePt" dir="t"/>
+    </dgm:scene3d>
+    <dgm:sp3d/>
+    <dgm:txPr/>
+    <dgm:style>
+      <a:lnRef idx="2">
+        <a:scrgbClr r="0" g="0" b="0"/>
+      </a:lnRef>
+      <a:fillRef idx="1">
+        <a:scrgbClr r="0" g="0" b="0"/>
+      </a:fillRef>
+      <a:effectRef idx="0">
+        <a:scrgbClr r="0" g="0" b="0"/>
+      </a:effectRef>
+      <a:fontRef idx="minor">
+        <a:schemeClr val="tx1"/>
+      </a:fontRef>
+    </dgm:style>
+  </dgm:styleLbl>
+  <dgm:styleLbl name="alignNode1">
+    <dgm:scene3d>
+      <a:camera prst="orthographicFront"/>
+      <a:lightRig rig="threePt" dir="t"/>
+    </dgm:scene3d>
+    <dgm:sp3d/>
+    <dgm:txPr/>
+    <dgm:style>
+      <a:lnRef idx="2">
+        <a:scrgbClr r="0" g="0" b="0"/>
+      </a:lnRef>
+      <a:fillRef idx="1">
+        <a:scrgbClr r="0" g="0" b="0"/>
+      </a:fillRef>
+      <a:effectRef idx="0">
+        <a:scrgbClr r="0" g="0" b="0"/>
+      </a:effectRef>
+      <a:fontRef idx="minor">
+        <a:schemeClr val="lt1"/>
+      </a:fontRef>
+    </dgm:style>
+  </dgm:styleLbl>
+  <dgm:styleLbl name="node1">
+    <dgm:scene3d>
+      <a:camera prst="orthographicFront"/>
+      <a:lightRig rig="threePt" dir="t"/>
+    </dgm:scene3d>
+    <dgm:sp3d/>
+    <dgm:txPr/>
+    <dgm:style>
+      <a:lnRef idx="2">
+        <a:scrgbClr r="0" g="0" b="0"/>
+      </a:lnRef>
+      <a:fillRef idx="1">
+        <a:scrgbClr r="0" g="0" b="0"/>
+      </a:fillRef>
+      <a:effectRef idx="0">
+        <a:scrgbClr r="0" g="0" b="0"/>
+      </a:effectRef>
+      <a:fontRef idx="minor">
+        <a:schemeClr val="lt1"/>
+      </a:fontRef>
+    </dgm:style>
+  </dgm:styleLbl>
+  <dgm:styleLbl name="node2">
+    <dgm:scene3d>
+      <a:camera prst="orthographicFront"/>
+      <a:lightRig rig="threePt" dir="t"/>
+    </dgm:scene3d>
+    <dgm:sp3d/>
+    <dgm:txPr/>
+    <dgm:style>
+      <a:lnRef idx="2">
+        <a:scrgbClr r="0" g="0" b="0"/>
+      </a:lnRef>
+      <a:fillRef idx="1">
+        <a:scrgbClr r="0" g="0" b="0"/>
+      </a:fillRef>
+      <a:effectRef idx="0">
+        <a:scrgbClr r="0" g="0" b="0"/>
+      </a:effectRef>
+      <a:fontRef idx="minor">
+        <a:schemeClr val="lt1"/>
+      </a:fontRef>
+    </dgm:style>
+  </dgm:styleLbl>
+  <dgm:styleLbl name="node3">
+    <dgm:scene3d>
+      <a:camera prst="orthographicFront"/>
+      <a:lightRig rig="threePt" dir="t"/>
+    </dgm:scene3d>
+    <dgm:sp3d/>
+    <dgm:txPr/>
+    <dgm:style>
+      <a:lnRef idx="2">
+        <a:scrgbClr r="0" g="0" b="0"/>
+      </a:lnRef>
+      <a:fillRef idx="1">
+        <a:scrgbClr r="0" g="0" b="0"/>
+      </a:fillRef>
+      <a:effectRef idx="0">
+        <a:scrgbClr r="0" g="0" b="0"/>
+      </a:effectRef>
+      <a:fontRef idx="minor">
+        <a:schemeClr val="lt1"/>
+      </a:fontRef>
+    </dgm:style>
+  </dgm:styleLbl>
+  <dgm:styleLbl name="node4">
+    <dgm:scene3d>
+      <a:camera prst="orthographicFront"/>
+      <a:lightRig rig="threePt" dir="t"/>
+    </dgm:scene3d>
+    <dgm:sp3d/>
+    <dgm:txPr/>
+    <dgm:style>
+      <a:lnRef idx="2">
+        <a:scrgbClr r="0" g="0" b="0"/>
+      </a:lnRef>
+      <a:fillRef idx="1">
+        <a:scrgbClr r="0" g="0" b="0"/>
+      </a:fillRef>
+      <a:effectRef idx="0">
+        <a:scrgbClr r="0" g="0" b="0"/>
+      </a:effectRef>
+      <a:fontRef idx="minor">
+        <a:schemeClr val="lt1"/>
+      </a:fontRef>
+    </dgm:style>
+  </dgm:styleLbl>
+  <dgm:styleLbl name="fgImgPlace1">
+    <dgm:scene3d>
+      <a:camera prst="orthographicFront"/>
+      <a:lightRig rig="threePt" dir="t"/>
+    </dgm:scene3d>
+    <dgm:sp3d/>
+    <dgm:txPr/>
+    <dgm:style>
+      <a:lnRef idx="2">
+        <a:scrgbClr r="0" g="0" b="0"/>
+      </a:lnRef>
+      <a:fillRef idx="1">
+        <a:scrgbClr r="0" g="0" b="0"/>
+      </a:fillRef>
+      <a:effectRef idx="0">
+        <a:scrgbClr r="0" g="0" b="0"/>
+      </a:effectRef>
+      <a:fontRef idx="minor"/>
+    </dgm:style>
+  </dgm:styleLbl>
+  <dgm:styleLbl name="alignImgPlace1">
+    <dgm:scene3d>
+      <a:camera prst="orthographicFront"/>
+      <a:lightRig rig="threePt" dir="t"/>
+    </dgm:scene3d>
+    <dgm:sp3d/>
+    <dgm:txPr/>
+    <dgm:style>
+      <a:lnRef idx="2">
+        <a:scrgbClr r="0" g="0" b="0"/>
+      </a:lnRef>
+      <a:fillRef idx="1">
+        <a:scrgbClr r="0" g="0" b="0"/>
+      </a:fillRef>
+      <a:effectRef idx="0">
+        <a:scrgbClr r="0" g="0" b="0"/>
+      </a:effectRef>
+      <a:fontRef idx="minor"/>
+    </dgm:style>
+  </dgm:styleLbl>
+  <dgm:styleLbl name="bgImgPlace1">
+    <dgm:scene3d>
+      <a:camera prst="orthographicFront"/>
+      <a:lightRig rig="threePt" dir="t"/>
+    </dgm:scene3d>
+    <dgm:sp3d/>
+    <dgm:txPr/>
+    <dgm:style>
+      <a:lnRef idx="2">
+        <a:scrgbClr r="0" g="0" b="0"/>
+      </a:lnRef>
+      <a:fillRef idx="1">
+        <a:scrgbClr r="0" g="0" b="0"/>
+      </a:fillRef>
+      <a:effectRef idx="0">
+        <a:scrgbClr r="0" g="0" b="0"/>
+      </a:effectRef>
+      <a:fontRef idx="minor"/>
+    </dgm:style>
+  </dgm:styleLbl>
+  <dgm:styleLbl name="sibTrans2D1">
+    <dgm:scene3d>
+      <a:camera prst="orthographicFront"/>
+      <a:lightRig rig="threePt" dir="t"/>
+    </dgm:scene3d>
+    <dgm:sp3d/>
+    <dgm:txPr/>
+    <dgm:style>
+      <a:lnRef idx="0">
+        <a:scrgbClr r="0" g="0" b="0"/>
+      </a:lnRef>
+      <a:fillRef idx="1">
+        <a:scrgbClr r="0" g="0" b="0"/>
+      </a:fillRef>
+      <a:effectRef idx="0">
+        <a:scrgbClr r="0" g="0" b="0"/>
+      </a:effectRef>
+      <a:fontRef idx="minor">
+        <a:schemeClr val="lt1"/>
+      </a:fontRef>
+    </dgm:style>
+  </dgm:styleLbl>
+  <dgm:styleLbl name="fgSibTrans2D1">
+    <dgm:scene3d>
+      <a:camera prst="orthographicFront"/>
+      <a:lightRig rig="threePt" dir="t"/>
+    </dgm:scene3d>
+    <dgm:sp3d/>
+    <dgm:txPr/>
+    <dgm:style>
+      <a:lnRef idx="0">
+        <a:scrgbClr r="0" g="0" b="0"/>
+      </a:lnRef>
+      <a:fillRef idx="1">
+        <a:scrgbClr r="0" g="0" b="0"/>
+      </a:fillRef>
+      <a:effectRef idx="0">
+        <a:scrgbClr r="0" g="0" b="0"/>
+      </a:effectRef>
+      <a:fontRef idx="minor">
+        <a:schemeClr val="lt1"/>
+      </a:fontRef>
+    </dgm:style>
+  </dgm:styleLbl>
+  <dgm:styleLbl name="bgSibTrans2D1">
+    <dgm:scene3d>
+      <a:camera prst="orthographicFront"/>
+      <a:lightRig rig="threePt" dir="t"/>
+    </dgm:scene3d>
+    <dgm:sp3d/>
+    <dgm:txPr/>
+    <dgm:style>
+      <a:lnRef idx="0">
+        <a:scrgbClr r="0" g="0" b="0"/>
+      </a:lnRef>
+      <a:fillRef idx="1">
+        <a:scrgbClr r="0" g="0" b="0"/>
+      </a:fillRef>
+      <a:effectRef idx="0">
+        <a:scrgbClr r="0" g="0" b="0"/>
+      </a:effectRef>
+      <a:fontRef idx="minor">
+        <a:schemeClr val="lt1"/>
+      </a:fontRef>
+    </dgm:style>
+  </dgm:styleLbl>
+  <dgm:styleLbl name="sibTrans1D1">
+    <dgm:scene3d>
+      <a:camera prst="orthographicFront"/>
+      <a:lightRig rig="threePt" dir="t"/>
+    </dgm:scene3d>
+    <dgm:sp3d/>
+    <dgm:txPr/>
+    <dgm:style>
+      <a:lnRef idx="1">
+        <a:scrgbClr r="0" g="0" b="0"/>
+      </a:lnRef>
+      <a:fillRef idx="0">
+        <a:scrgbClr r="0" g="0" b="0"/>
+      </a:fillRef>
+      <a:effectRef idx="0">
+        <a:scrgbClr r="0" g="0" b="0"/>
+      </a:effectRef>
+      <a:fontRef idx="minor"/>
+    </dgm:style>
+  </dgm:styleLbl>
+  <dgm:styleLbl name="callout">
+    <dgm:scene3d>
+      <a:camera prst="orthographicFront"/>
+      <a:lightRig rig="threePt" dir="t"/>
+    </dgm:scene3d>
+    <dgm:sp3d/>
+    <dgm:txPr/>
+    <dgm:style>
+      <a:lnRef idx="2">
+        <a:scrgbClr r="0" g="0" b="0"/>
+      </a:lnRef>
+      <a:fillRef idx="1">
+        <a:scrgbClr r="0" g="0" b="0"/>
+      </a:fillRef>
+      <a:effectRef idx="0">
+        <a:scrgbClr r="0" g="0" b="0"/>
+      </a:effectRef>
+      <a:fontRef idx="minor"/>
+    </dgm:style>
+  </dgm:styleLbl>
+  <dgm:styleLbl name="asst0">
+    <dgm:scene3d>
+      <a:camera prst="orthographicFront"/>
+      <a:lightRig rig="threePt" dir="t"/>
+    </dgm:scene3d>
+    <dgm:sp3d/>
+    <dgm:txPr/>
+    <dgm:style>
+      <a:lnRef idx="2">
+        <a:scrgbClr r="0" g="0" b="0"/>
+      </a:lnRef>
+      <a:fillRef idx="1">
+        <a:scrgbClr r="0" g="0" b="0"/>
+      </a:fillRef>
+      <a:effectRef idx="0">
+        <a:scrgbClr r="0" g="0" b="0"/>
+      </a:effectRef>
+      <a:fontRef idx="minor">
+        <a:schemeClr val="lt1"/>
+      </a:fontRef>
+    </dgm:style>
+  </dgm:styleLbl>
+  <dgm:styleLbl name="asst1">
+    <dgm:scene3d>
+      <a:camera prst="orthographicFront"/>
+      <a:lightRig rig="threePt" dir="t"/>
+    </dgm:scene3d>
+    <dgm:sp3d/>
+    <dgm:txPr/>
+    <dgm:style>
+      <a:lnRef idx="2">
+        <a:scrgbClr r="0" g="0" b="0"/>
+      </a:lnRef>
+      <a:fillRef idx="1">
+        <a:scrgbClr r="0" g="0" b="0"/>
+      </a:fillRef>
+      <a:effectRef idx="0">
+        <a:scrgbClr r="0" g="0" b="0"/>
+      </a:effectRef>
+      <a:fontRef idx="minor">
+        <a:schemeClr val="lt1"/>
+      </a:fontRef>
+    </dgm:style>
+  </dgm:styleLbl>
+  <dgm:styleLbl name="asst2">
+    <dgm:scene3d>
+      <a:camera prst="orthographicFront"/>
+      <a:lightRig rig="threePt" dir="t"/>
+    </dgm:scene3d>
+    <dgm:sp3d/>
+    <dgm:txPr/>
+    <dgm:style>
+      <a:lnRef idx="2">
+        <a:scrgbClr r="0" g="0" b="0"/>
+      </a:lnRef>
+      <a:fillRef idx="1">
+        <a:scrgbClr r="0" g="0" b="0"/>
+      </a:fillRef>
+      <a:effectRef idx="0">
+        <a:scrgbClr r="0" g="0" b="0"/>
+      </a:effectRef>
+      <a:fontRef idx="minor">
+        <a:schemeClr val="lt1"/>
+      </a:fontRef>
+    </dgm:style>
+  </dgm:styleLbl>
+  <dgm:styleLbl name="asst3">
+    <dgm:scene3d>
+      <a:camera prst="orthographicFront"/>
+      <a:lightRig rig="threePt" dir="t"/>
+    </dgm:scene3d>
+    <dgm:sp3d/>
+    <dgm:txPr/>
+    <dgm:style>
+      <a:lnRef idx="2">
+        <a:scrgbClr r="0" g="0" b="0"/>
+      </a:lnRef>
+      <a:fillRef idx="1">
+        <a:scrgbClr r="0" g="0" b="0"/>
+      </a:fillRef>
+      <a:effectRef idx="0">
+        <a:scrgbClr r="0" g="0" b="0"/>
+      </a:effectRef>
+      <a:fontRef idx="minor">
+        <a:schemeClr val="lt1"/>
+      </a:fontRef>
+    </dgm:style>
+  </dgm:styleLbl>
+  <dgm:styleLbl name="asst4">
+    <dgm:scene3d>
+      <a:camera prst="orthographicFront"/>
+      <a:lightRig rig="threePt" dir="t"/>
+    </dgm:scene3d>
+    <dgm:sp3d/>
+    <dgm:txPr/>
+    <dgm:style>
+      <a:lnRef idx="2">
+        <a:scrgbClr r="0" g="0" b="0"/>
+      </a:lnRef>
+      <a:fillRef idx="1">
+        <a:scrgbClr r="0" g="0" b="0"/>
+      </a:fillRef>
+      <a:effectRef idx="0">
+        <a:scrgbClr r="0" g="0" b="0"/>
+      </a:effectRef>
+      <a:fontRef idx="minor">
+        <a:schemeClr val="lt1"/>
+      </a:fontRef>
+    </dgm:style>
+  </dgm:styleLbl>
+  <dgm:styleLbl name="parChTrans2D1">
+    <dgm:scene3d>
+      <a:camera prst="orthographicFront"/>
+      <a:lightRig rig="threePt" dir="t"/>
+    </dgm:scene3d>
+    <dgm:sp3d/>
+    <dgm:txPr/>
+    <dgm:style>
+      <a:lnRef idx="2">
+        <a:scrgbClr r="0" g="0" b="0"/>
+      </a:lnRef>
+      <a:fillRef idx="1">
+        <a:scrgbClr r="0" g="0" b="0"/>
+      </a:fillRef>
+      <a:effectRef idx="0">
+        <a:scrgbClr r="0" g="0" b="0"/>
+      </a:effectRef>
+      <a:fontRef idx="minor">
+        <a:schemeClr val="lt1"/>
+      </a:fontRef>
+    </dgm:style>
+  </dgm:styleLbl>
+  <dgm:styleLbl name="parChTrans2D2">
+    <dgm:scene3d>
+      <a:camera prst="orthographicFront"/>
+      <a:lightRig rig="threePt" dir="t"/>
+    </dgm:scene3d>
+    <dgm:sp3d/>
+    <dgm:txPr/>
+    <dgm:style>
+      <a:lnRef idx="2">
+        <a:scrgbClr r="0" g="0" b="0"/>
+      </a:lnRef>
+      <a:fillRef idx="1">
+        <a:scrgbClr r="0" g="0" b="0"/>
+      </a:fillRef>
+      <a:effectRef idx="0">
+        <a:scrgbClr r="0" g="0" b="0"/>
+      </a:effectRef>
+      <a:fontRef idx="minor">
+        <a:schemeClr val="lt1"/>
+      </a:fontRef>
+    </dgm:style>
+  </dgm:styleLbl>
+  <dgm:styleLbl name="parChTrans2D3">
+    <dgm:scene3d>
+      <a:camera prst="orthographicFront"/>
+      <a:lightRig rig="threePt" dir="t"/>
+    </dgm:scene3d>
+    <dgm:sp3d/>
+    <dgm:txPr/>
+    <dgm:style>
+      <a:lnRef idx="2">
+        <a:scrgbClr r="0" g="0" b="0"/>
+      </a:lnRef>
+      <a:fillRef idx="1">
+        <a:scrgbClr r="0" g="0" b="0"/>
+      </a:fillRef>
+      <a:effectRef idx="0">
+        <a:scrgbClr r="0" g="0" b="0"/>
+      </a:effectRef>
+      <a:fontRef idx="minor">
+        <a:schemeClr val="lt1"/>
+      </a:fontRef>
+    </dgm:style>
+  </dgm:styleLbl>
+  <dgm:styleLbl name="parChTrans2D4">
+    <dgm:scene3d>
+      <a:camera prst="orthographicFront"/>
+      <a:lightRig rig="threePt" dir="t"/>
+    </dgm:scene3d>
+    <dgm:sp3d/>
+    <dgm:txPr/>
+    <dgm:style>
+      <a:lnRef idx="2">
+        <a:scrgbClr r="0" g="0" b="0"/>
+      </a:lnRef>
+      <a:fillRef idx="1">
+        <a:scrgbClr r="0" g="0" b="0"/>
+      </a:fillRef>
+      <a:effectRef idx="0">
+        <a:scrgbClr r="0" g="0" b="0"/>
+      </a:effectRef>
+      <a:fontRef idx="minor">
+        <a:schemeClr val="lt1"/>
+      </a:fontRef>
+    </dgm:style>
+  </dgm:styleLbl>
+  <dgm:styleLbl name="parChTrans1D1">
+    <dgm:scene3d>
+      <a:camera prst="orthographicFront"/>
+      <a:lightRig rig="threePt" dir="t"/>
+    </dgm:scene3d>
+    <dgm:sp3d/>
+    <dgm:txPr/>
+    <dgm:style>
+      <a:lnRef idx="2">
+        <a:scrgbClr r="0" g="0" b="0"/>
+      </a:lnRef>
+      <a:fillRef idx="0">
+        <a:scrgbClr r="0" g="0" b="0"/>
+      </a:fillRef>
+      <a:effectRef idx="0">
+        <a:scrgbClr r="0" g="0" b="0"/>
+      </a:effectRef>
+      <a:fontRef idx="minor"/>
+    </dgm:style>
+  </dgm:styleLbl>
+  <dgm:styleLbl name="parChTrans1D2">
+    <dgm:scene3d>
+      <a:camera prst="orthographicFront"/>
+      <a:lightRig rig="threePt" dir="t"/>
+    </dgm:scene3d>
+    <dgm:sp3d/>
+    <dgm:txPr/>
+    <dgm:style>
+      <a:lnRef idx="2">
+        <a:scrgbClr r="0" g="0" b="0"/>
+      </a:lnRef>
+      <a:fillRef idx="0">
+        <a:scrgbClr r="0" g="0" b="0"/>
+      </a:fillRef>
+      <a:effectRef idx="0">
+        <a:scrgbClr r="0" g="0" b="0"/>
+      </a:effectRef>
+      <a:fontRef idx="minor"/>
+    </dgm:style>
+  </dgm:styleLbl>
+  <dgm:styleLbl name="parChTrans1D3">
+    <dgm:scene3d>
+      <a:camera prst="orthographicFront"/>
+      <a:lightRig rig="threePt" dir="t"/>
+    </dgm:scene3d>
+    <dgm:sp3d/>
+    <dgm:txPr/>
+    <dgm:style>
+      <a:lnRef idx="2">
+        <a:scrgbClr r="0" g="0" b="0"/>
+      </a:lnRef>
+      <a:fillRef idx="0">
+        <a:scrgbClr r="0" g="0" b="0"/>
+      </a:fillRef>
+      <a:effectRef idx="0">
+        <a:scrgbClr r="0" g="0" b="0"/>
+      </a:effectRef>
+      <a:fontRef idx="minor"/>
+    </dgm:style>
+  </dgm:styleLbl>
+  <dgm:styleLbl name="parChTrans1D4">
+    <dgm:scene3d>
+      <a:camera prst="orthographicFront"/>
+      <a:lightRig rig="threePt" dir="t"/>
+    </dgm:scene3d>
+    <dgm:sp3d/>
+    <dgm:txPr/>
+    <dgm:style>
+      <a:lnRef idx="2">
+        <a:scrgbClr r="0" g="0" b="0"/>
+      </a:lnRef>
+      <a:fillRef idx="0">
+        <a:scrgbClr r="0" g="0" b="0"/>
+      </a:fillRef>
+      <a:effectRef idx="0">
+        <a:scrgbClr r="0" g="0" b="0"/>
+      </a:effectRef>
+      <a:fontRef idx="minor"/>
+    </dgm:style>
+  </dgm:styleLbl>
+  <dgm:styleLbl name="fgAcc1">
+    <dgm:scene3d>
+      <a:camera prst="orthographicFront"/>
+      <a:lightRig rig="threePt" dir="t"/>
+    </dgm:scene3d>
+    <dgm:sp3d/>
+    <dgm:txPr/>
+    <dgm:style>
+      <a:lnRef idx="2">
+        <a:scrgbClr r="0" g="0" b="0"/>
+      </a:lnRef>
+      <a:fillRef idx="1">
+        <a:scrgbClr r="0" g="0" b="0"/>
+      </a:fillRef>
+      <a:effectRef idx="0">
+        <a:scrgbClr r="0" g="0" b="0"/>
+      </a:effectRef>
+      <a:fontRef idx="minor"/>
+    </dgm:style>
+  </dgm:styleLbl>
+  <dgm:styleLbl name="conFgAcc1">
+    <dgm:scene3d>
+      <a:camera prst="orthographicFront"/>
+      <a:lightRig rig="threePt" dir="t"/>
+    </dgm:scene3d>
+    <dgm:sp3d/>
+    <dgm:txPr/>
+    <dgm:style>
+      <a:lnRef idx="2">
+        <a:scrgbClr r="0" g="0" b="0"/>
+      </a:lnRef>
+      <a:fillRef idx="1">
+        <a:scrgbClr r="0" g="0" b="0"/>
+      </a:fillRef>
+      <a:effectRef idx="0">
+        <a:scrgbClr r="0" g="0" b="0"/>
+      </a:effectRef>
+      <a:fontRef idx="minor"/>
+    </dgm:style>
+  </dgm:styleLbl>
+  <dgm:styleLbl name="alignAcc1">
+    <dgm:scene3d>
+      <a:camera prst="orthographicFront"/>
+      <a:lightRig rig="threePt" dir="t"/>
+    </dgm:scene3d>
+    <dgm:sp3d/>
+    <dgm:txPr/>
+    <dgm:style>
+      <a:lnRef idx="2">
+        <a:scrgbClr r="0" g="0" b="0"/>
+      </a:lnRef>
+      <a:fillRef idx="1">
+        <a:scrgbClr r="0" g="0" b="0"/>
+      </a:fillRef>
+      <a:effectRef idx="0">
+        <a:scrgbClr r="0" g="0" b="0"/>
+      </a:effectRef>
+      <a:fontRef idx="minor"/>
+    </dgm:style>
+  </dgm:styleLbl>
+  <dgm:styleLbl name="trAlignAcc1">
+    <dgm:scene3d>
+      <a:camera prst="orthographicFront"/>
+      <a:lightRig rig="threePt" dir="t"/>
+    </dgm:scene3d>
+    <dgm:sp3d/>
+    <dgm:txPr/>
+    <dgm:style>
+      <a:lnRef idx="1">
+        <a:scrgbClr r="0" g="0" b="0"/>
+      </a:lnRef>
+      <a:fillRef idx="1">
+        <a:scrgbClr r="0" g="0" b="0"/>
+      </a:fillRef>
+      <a:effectRef idx="0">
+        <a:scrgbClr r="0" g="0" b="0"/>
+      </a:effectRef>
+      <a:fontRef idx="minor"/>
+    </dgm:style>
+  </dgm:styleLbl>
+  <dgm:styleLbl name="bgAcc1">
+    <dgm:scene3d>
+      <a:camera prst="orthographicFront"/>
+      <a:lightRig rig="threePt" dir="t"/>
+    </dgm:scene3d>
+    <dgm:sp3d/>
+    <dgm:txPr/>
+    <dgm:style>
+      <a:lnRef idx="2">
+        <a:scrgbClr r="0" g="0" b="0"/>
+      </a:lnRef>
+      <a:fillRef idx="1">
+        <a:scrgbClr r="0" g="0" b="0"/>
+      </a:fillRef>
+      <a:effectRef idx="0">
+        <a:scrgbClr r="0" g="0" b="0"/>
+      </a:effectRef>
+      <a:fontRef idx="minor"/>
+    </dgm:style>
+  </dgm:styleLbl>
+  <dgm:styleLbl name="solidFgAcc1">
+    <dgm:scene3d>
+      <a:camera prst="orthographicFront"/>
+      <a:lightRig rig="threePt" dir="t"/>
+    </dgm:scene3d>
+    <dgm:sp3d/>
+    <dgm:txPr/>
+    <dgm:style>
+      <a:lnRef idx="2">
+        <a:scrgbClr r="0" g="0" b="0"/>
+      </a:lnRef>
+      <a:fillRef idx="1">
+        <a:scrgbClr r="0" g="0" b="0"/>
+      </a:fillRef>
+      <a:effectRef idx="0">
+        <a:scrgbClr r="0" g="0" b="0"/>
+      </a:effectRef>
+      <a:fontRef idx="minor"/>
+    </dgm:style>
+  </dgm:styleLbl>
+  <dgm:styleLbl name="solidAlignAcc1">
+    <dgm:scene3d>
+      <a:camera prst="orthographicFront"/>
+      <a:lightRig rig="threePt" dir="t"/>
+    </dgm:scene3d>
+    <dgm:sp3d/>
+    <dgm:txPr/>
+    <dgm:style>
+      <a:lnRef idx="2">
+        <a:scrgbClr r="0" g="0" b="0"/>
+      </a:lnRef>
+      <a:fillRef idx="1">
+        <a:scrgbClr r="0" g="0" b="0"/>
+      </a:fillRef>
+      <a:effectRef idx="0">
+        <a:scrgbClr r="0" g="0" b="0"/>
+      </a:effectRef>
+      <a:fontRef idx="minor"/>
+    </dgm:style>
+  </dgm:styleLbl>
+  <dgm:styleLbl name="solidBgAcc1">
+    <dgm:scene3d>
+      <a:camera prst="orthographicFront"/>
+      <a:lightRig rig="threePt" dir="t"/>
+    </dgm:scene3d>
+    <dgm:sp3d/>
+    <dgm:txPr/>
+    <dgm:style>
+      <a:lnRef idx="2">
+        <a:scrgbClr r="0" g="0" b="0"/>
+      </a:lnRef>
+      <a:fillRef idx="1">
+        <a:scrgbClr r="0" g="0" b="0"/>
+      </a:fillRef>
+      <a:effectRef idx="0">
+        <a:scrgbClr r="0" g="0" b="0"/>
+      </a:effectRef>
+      <a:fontRef idx="minor"/>
+    </dgm:style>
+  </dgm:styleLbl>
+  <dgm:styleLbl name="fgAccFollowNode1">
+    <dgm:scene3d>
+      <a:camera prst="orthographicFront"/>
+      <a:lightRig rig="threePt" dir="t"/>
+    </dgm:scene3d>
+    <dgm:sp3d/>
+    <dgm:txPr/>
+    <dgm:style>
+      <a:lnRef idx="2">
+        <a:scrgbClr r="0" g="0" b="0"/>
+      </a:lnRef>
+      <a:fillRef idx="1">
+        <a:scrgbClr r="0" g="0" b="0"/>
+      </a:fillRef>
+      <a:effectRef idx="0">
+        <a:scrgbClr r="0" g="0" b="0"/>
+      </a:effectRef>
+      <a:fontRef idx="minor"/>
+    </dgm:style>
+  </dgm:styleLbl>
+  <dgm:styleLbl name="alignAccFollowNode1">
+    <dgm:scene3d>
+      <a:camera prst="orthographicFront"/>
+      <a:lightRig rig="threePt" dir="t"/>
+    </dgm:scene3d>
+    <dgm:sp3d/>
+    <dgm:txPr/>
+    <dgm:style>
+      <a:lnRef idx="2">
+        <a:scrgbClr r="0" g="0" b="0"/>
+      </a:lnRef>
+      <a:fillRef idx="1">
+        <a:scrgbClr r="0" g="0" b="0"/>
+      </a:fillRef>
+      <a:effectRef idx="0">
+        <a:scrgbClr r="0" g="0" b="0"/>
+      </a:effectRef>
+      <a:fontRef idx="minor"/>
+    </dgm:style>
+  </dgm:styleLbl>
+  <dgm:styleLbl name="bgAccFollowNode1">
+    <dgm:scene3d>
+      <a:camera prst="orthographicFront"/>
+      <a:lightRig rig="threePt" dir="t"/>
+    </dgm:scene3d>
+    <dgm:sp3d/>
+    <dgm:txPr/>
+    <dgm:style>
+      <a:lnRef idx="2">
+        <a:scrgbClr r="0" g="0" b="0"/>
+      </a:lnRef>
+      <a:fillRef idx="1">
+        <a:scrgbClr r="0" g="0" b="0"/>
+      </a:fillRef>
+      <a:effectRef idx="0">
+        <a:scrgbClr r="0" g="0" b="0"/>
+      </a:effectRef>
+      <a:fontRef idx="minor"/>
+    </dgm:style>
+  </dgm:styleLbl>
+  <dgm:styleLbl name="fgAcc0">
+    <dgm:scene3d>
+      <a:camera prst="orthographicFront"/>
+      <a:lightRig rig="threePt" dir="t"/>
+    </dgm:scene3d>
+    <dgm:sp3d/>
+    <dgm:txPr/>
+    <dgm:style>
+      <a:lnRef idx="2">
+        <a:scrgbClr r="0" g="0" b="0"/>
+      </a:lnRef>
+      <a:fillRef idx="1">
+        <a:scrgbClr r="0" g="0" b="0"/>
+      </a:fillRef>
+      <a:effectRef idx="0">
+        <a:scrgbClr r="0" g="0" b="0"/>
+      </a:effectRef>
+      <a:fontRef idx="minor"/>
+    </dgm:style>
+  </dgm:styleLbl>
+  <dgm:styleLbl name="fgAcc2">
+    <dgm:scene3d>
+      <a:camera prst="orthographicFront"/>
+      <a:lightRig rig="threePt" dir="t"/>
+    </dgm:scene3d>
+    <dgm:sp3d/>
+    <dgm:txPr/>
+    <dgm:style>
+      <a:lnRef idx="2">
+        <a:scrgbClr r="0" g="0" b="0"/>
+      </a:lnRef>
+      <a:fillRef idx="1">
+        <a:scrgbClr r="0" g="0" b="0"/>
+      </a:fillRef>
+      <a:effectRef idx="0">
+        <a:scrgbClr r="0" g="0" b="0"/>
+      </a:effectRef>
+      <a:fontRef idx="minor"/>
+    </dgm:style>
+  </dgm:styleLbl>
+  <dgm:styleLbl name="fgAcc3">
+    <dgm:scene3d>
+      <a:camera prst="orthographicFront"/>
+      <a:lightRig rig="threePt" dir="t"/>
+    </dgm:scene3d>
+    <dgm:sp3d/>
+    <dgm:txPr/>
+    <dgm:style>
+      <a:lnRef idx="2">
+        <a:scrgbClr r="0" g="0" b="0"/>
+      </a:lnRef>
+      <a:fillRef idx="1">
+        <a:scrgbClr r="0" g="0" b="0"/>
+      </a:fillRef>
+      <a:effectRef idx="0">
+        <a:scrgbClr r="0" g="0" b="0"/>
+      </a:effectRef>
+      <a:fontRef idx="minor"/>
+    </dgm:style>
+  </dgm:styleLbl>
+  <dgm:styleLbl name="fgAcc4">
+    <dgm:scene3d>
+      <a:camera prst="orthographicFront"/>
+      <a:lightRig rig="threePt" dir="t"/>
+    </dgm:scene3d>
+    <dgm:sp3d/>
+    <dgm:txPr/>
+    <dgm:style>
+      <a:lnRef idx="2">
+        <a:scrgbClr r="0" g="0" b="0"/>
+      </a:lnRef>
+      <a:fillRef idx="1">
+        <a:scrgbClr r="0" g="0" b="0"/>
+      </a:fillRef>
+      <a:effectRef idx="0">
+        <a:scrgbClr r="0" g="0" b="0"/>
+      </a:effectRef>
+      <a:fontRef idx="minor"/>
+    </dgm:style>
+  </dgm:styleLbl>
+  <dgm:styleLbl name="bgShp">
+    <dgm:scene3d>
+      <a:camera prst="orthographicFront"/>
+      <a:lightRig rig="threePt" dir="t"/>
+    </dgm:scene3d>
+    <dgm:sp3d/>
+    <dgm:txPr/>
+    <dgm:style>
+      <a:lnRef idx="0">
+        <a:scrgbClr r="0" g="0" b="0"/>
+      </a:lnRef>
+      <a:fillRef idx="1">
+        <a:scrgbClr r="0" g="0" b="0"/>
+      </a:fillRef>
+      <a:effectRef idx="0">
+        <a:scrgbClr r="0" g="0" b="0"/>
+      </a:effectRef>
+      <a:fontRef idx="minor"/>
+    </dgm:style>
+  </dgm:styleLbl>
+  <dgm:styleLbl name="dkBgShp">
+    <dgm:scene3d>
+      <a:camera prst="orthographicFront"/>
+      <a:lightRig rig="threePt" dir="t"/>
+    </dgm:scene3d>
+    <dgm:sp3d/>
+    <dgm:txPr/>
+    <dgm:style>
+      <a:lnRef idx="0">
+        <a:scrgbClr r="0" g="0" b="0"/>
+      </a:lnRef>
+      <a:fillRef idx="1">
+        <a:scrgbClr r="0" g="0" b="0"/>
+      </a:fillRef>
+      <a:effectRef idx="0">
+        <a:scrgbClr r="0" g="0" b="0"/>
+      </a:effectRef>
+      <a:fontRef idx="minor"/>
+    </dgm:style>
+  </dgm:styleLbl>
+  <dgm:styleLbl name="trBgShp">
+    <dgm:scene3d>
+      <a:camera prst="orthographicFront"/>
+      <a:lightRig rig="threePt" dir="t"/>
+    </dgm:scene3d>
+    <dgm:sp3d/>
+    <dgm:txPr/>
+    <dgm:style>
+      <a:lnRef idx="0">
+        <a:scrgbClr r="0" g="0" b="0"/>
+      </a:lnRef>
+      <a:fillRef idx="1">
+        <a:scrgbClr r="0" g="0" b="0"/>
+      </a:fillRef>
+      <a:effectRef idx="0">
+        <a:scrgbClr r="0" g="0" b="0"/>
+      </a:effectRef>
+      <a:fontRef idx="minor"/>
+    </dgm:style>
+  </dgm:styleLbl>
+  <dgm:styleLbl name="fgShp">
+    <dgm:scene3d>
+      <a:camera prst="orthographicFront"/>
+      <a:lightRig rig="threePt" dir="t"/>
+    </dgm:scene3d>
+    <dgm:sp3d/>
+    <dgm:txPr/>
+    <dgm:style>
+      <a:lnRef idx="2">
+        <a:scrgbClr r="0" g="0" b="0"/>
+      </a:lnRef>
+      <a:fillRef idx="1">
+        <a:scrgbClr r="0" g="0" b="0"/>
+      </a:fillRef>
+      <a:effectRef idx="0">
+        <a:scrgbClr r="0" g="0" b="0"/>
+      </a:effectRef>
+      <a:fontRef idx="minor"/>
+    </dgm:style>
+  </dgm:styleLbl>
+  <dgm:styleLbl name="revTx">
+    <dgm:scene3d>
+      <a:camera prst="orthographicFront"/>
+      <a:lightRig rig="threePt" dir="t"/>
+    </dgm:scene3d>
+    <dgm:sp3d/>
+    <dgm:txPr/>
+    <dgm:style>
+      <a:lnRef idx="0">
+        <a:scrgbClr r="0" g="0" b="0"/>
+      </a:lnRef>
+      <a:fillRef idx="0">
+        <a:scrgbClr r="0" g="0" b="0"/>
+      </a:fillRef>
+      <a:effectRef idx="0">
+        <a:scrgbClr r="0" g="0" b="0"/>
+      </a:effectRef>
+      <a:fontRef idx="minor"/>
+    </dgm:style>
+  </dgm:styleLbl>
+</dgm:styleDef>
+</file>
+
+<file path=ppt/diagrams/quickStyle3.xml><?xml version="1.0" encoding="utf-8"?>
 <dgm:styleDef xmlns:dgm="http://schemas.openxmlformats.org/drawingml/2006/diagram" xmlns:a="http://schemas.openxmlformats.org/drawingml/2006/main" uniqueId="urn:microsoft.com/office/officeart/2005/8/quickstyle/simple1">
   <dgm:title val=""/>
   <dgm:desc val=""/>
@@ -6476,7 +9609,7 @@
           <a:p>
             <a:fld id="{B102B905-3FD8-2942-AB12-6B3360B55AB8}" type="datetimeFigureOut">
               <a:rPr lang="en-US" smtClean="0"/>
-              <a:t>7/27/20</a:t>
+              <a:t>8/3/20</a:t>
             </a:fld>
             <a:endParaRPr lang="en-US"/>
           </a:p>
@@ -6893,6 +10026,90 @@
             <a:fld id="{67F42522-F24A-B14B-BB2C-B26443761E53}" type="slidenum">
               <a:rPr lang="en-US" smtClean="0"/>
               <a:t>13</a:t>
+            </a:fld>
+            <a:endParaRPr lang="en-US"/>
+          </a:p>
+        </p:txBody>
+      </p:sp>
+    </p:spTree>
+    <p:extLst>
+      <p:ext uri="{BB962C8B-B14F-4D97-AF65-F5344CB8AC3E}">
+        <p14:creationId xmlns:p14="http://schemas.microsoft.com/office/powerpoint/2010/main" val="1236491992"/>
+      </p:ext>
+    </p:extLst>
+  </p:cSld>
+  <p:clrMapOvr>
+    <a:masterClrMapping/>
+  </p:clrMapOvr>
+</p:notes>
+</file>
+
+<file path=ppt/notesSlides/notesSlide11.xml><?xml version="1.0" encoding="utf-8"?>
+<p:notes xmlns:a="http://schemas.openxmlformats.org/drawingml/2006/main" xmlns:r="http://schemas.openxmlformats.org/officeDocument/2006/relationships" xmlns:p="http://schemas.openxmlformats.org/presentationml/2006/main">
+  <p:cSld>
+    <p:spTree>
+      <p:nvGrpSpPr>
+        <p:cNvPr id="1" name=""/>
+        <p:cNvGrpSpPr/>
+        <p:nvPr/>
+      </p:nvGrpSpPr>
+      <p:grpSpPr>
+        <a:xfrm>
+          <a:off x="0" y="0"/>
+          <a:ext cx="0" cy="0"/>
+          <a:chOff x="0" y="0"/>
+          <a:chExt cx="0" cy="0"/>
+        </a:xfrm>
+      </p:grpSpPr>
+      <p:sp>
+        <p:nvSpPr>
+          <p:cNvPr id="2" name="Slide Image Placeholder 1"/>
+          <p:cNvSpPr>
+            <a:spLocks noGrp="1" noRot="1" noChangeAspect="1"/>
+          </p:cNvSpPr>
+          <p:nvPr>
+            <p:ph type="sldImg"/>
+          </p:nvPr>
+        </p:nvSpPr>
+        <p:spPr/>
+      </p:sp>
+      <p:sp>
+        <p:nvSpPr>
+          <p:cNvPr id="3" name="Notes Placeholder 2"/>
+          <p:cNvSpPr>
+            <a:spLocks noGrp="1"/>
+          </p:cNvSpPr>
+          <p:nvPr>
+            <p:ph type="body" idx="1"/>
+          </p:nvPr>
+        </p:nvSpPr>
+        <p:spPr/>
+        <p:txBody>
+          <a:bodyPr/>
+          <a:lstStyle/>
+          <a:p>
+            <a:endParaRPr lang="en-US" dirty="0"/>
+          </a:p>
+        </p:txBody>
+      </p:sp>
+      <p:sp>
+        <p:nvSpPr>
+          <p:cNvPr id="4" name="Slide Number Placeholder 3"/>
+          <p:cNvSpPr>
+            <a:spLocks noGrp="1"/>
+          </p:cNvSpPr>
+          <p:nvPr>
+            <p:ph type="sldNum" sz="quarter" idx="5"/>
+          </p:nvPr>
+        </p:nvSpPr>
+        <p:spPr/>
+        <p:txBody>
+          <a:bodyPr/>
+          <a:lstStyle/>
+          <a:p>
+            <a:fld id="{67F42522-F24A-B14B-BB2C-B26443761E53}" type="slidenum">
+              <a:rPr lang="en-US" smtClean="0"/>
+              <a:t>14</a:t>
             </a:fld>
             <a:endParaRPr lang="en-US"/>
           </a:p>
@@ -8066,7 +11283,7 @@
           <a:p>
             <a:fld id="{3B3400CD-7287-EA41-97B8-6C373A830532}" type="datetimeFigureOut">
               <a:rPr lang="en-US" smtClean="0"/>
-              <a:t>7/27/20</a:t>
+              <a:t>8/3/20</a:t>
             </a:fld>
             <a:endParaRPr lang="en-US"/>
           </a:p>
@@ -8264,7 +11481,7 @@
           <a:p>
             <a:fld id="{3B3400CD-7287-EA41-97B8-6C373A830532}" type="datetimeFigureOut">
               <a:rPr lang="en-US" smtClean="0"/>
-              <a:t>7/27/20</a:t>
+              <a:t>8/3/20</a:t>
             </a:fld>
             <a:endParaRPr lang="en-US"/>
           </a:p>
@@ -8472,7 +11689,7 @@
           <a:p>
             <a:fld id="{3B3400CD-7287-EA41-97B8-6C373A830532}" type="datetimeFigureOut">
               <a:rPr lang="en-US" smtClean="0"/>
-              <a:t>7/27/20</a:t>
+              <a:t>8/3/20</a:t>
             </a:fld>
             <a:endParaRPr lang="en-US"/>
           </a:p>
@@ -8672,7 +11889,7 @@
           <a:p>
             <a:fld id="{3B3400CD-7287-EA41-97B8-6C373A830532}" type="datetimeFigureOut">
               <a:rPr lang="en-US" smtClean="0"/>
-              <a:t>7/27/20</a:t>
+              <a:t>8/3/20</a:t>
             </a:fld>
             <a:endParaRPr lang="en-US"/>
           </a:p>
@@ -8947,7 +12164,7 @@
           <a:p>
             <a:fld id="{3B3400CD-7287-EA41-97B8-6C373A830532}" type="datetimeFigureOut">
               <a:rPr lang="en-US" smtClean="0"/>
-              <a:t>7/27/20</a:t>
+              <a:t>8/3/20</a:t>
             </a:fld>
             <a:endParaRPr lang="en-US"/>
           </a:p>
@@ -9212,7 +12429,7 @@
           <a:p>
             <a:fld id="{3B3400CD-7287-EA41-97B8-6C373A830532}" type="datetimeFigureOut">
               <a:rPr lang="en-US" smtClean="0"/>
-              <a:t>7/27/20</a:t>
+              <a:t>8/3/20</a:t>
             </a:fld>
             <a:endParaRPr lang="en-US"/>
           </a:p>
@@ -9624,7 +12841,7 @@
           <a:p>
             <a:fld id="{3B3400CD-7287-EA41-97B8-6C373A830532}" type="datetimeFigureOut">
               <a:rPr lang="en-US" smtClean="0"/>
-              <a:t>7/27/20</a:t>
+              <a:t>8/3/20</a:t>
             </a:fld>
             <a:endParaRPr lang="en-US"/>
           </a:p>
@@ -9765,7 +12982,7 @@
           <a:p>
             <a:fld id="{3B3400CD-7287-EA41-97B8-6C373A830532}" type="datetimeFigureOut">
               <a:rPr lang="en-US" smtClean="0"/>
-              <a:t>7/27/20</a:t>
+              <a:t>8/3/20</a:t>
             </a:fld>
             <a:endParaRPr lang="en-US"/>
           </a:p>
@@ -9878,7 +13095,7 @@
           <a:p>
             <a:fld id="{3B3400CD-7287-EA41-97B8-6C373A830532}" type="datetimeFigureOut">
               <a:rPr lang="en-US" smtClean="0"/>
-              <a:t>7/27/20</a:t>
+              <a:t>8/3/20</a:t>
             </a:fld>
             <a:endParaRPr lang="en-US"/>
           </a:p>
@@ -10189,7 +13406,7 @@
           <a:p>
             <a:fld id="{3B3400CD-7287-EA41-97B8-6C373A830532}" type="datetimeFigureOut">
               <a:rPr lang="en-US" smtClean="0"/>
-              <a:t>7/27/20</a:t>
+              <a:t>8/3/20</a:t>
             </a:fld>
             <a:endParaRPr lang="en-US"/>
           </a:p>
@@ -10480,7 +13697,7 @@
           <a:p>
             <a:fld id="{3B3400CD-7287-EA41-97B8-6C373A830532}" type="datetimeFigureOut">
               <a:rPr lang="en-US" smtClean="0"/>
-              <a:t>7/27/20</a:t>
+              <a:t>8/3/20</a:t>
             </a:fld>
             <a:endParaRPr lang="en-US"/>
           </a:p>
@@ -10723,7 +13940,7 @@
           <a:p>
             <a:fld id="{3B3400CD-7287-EA41-97B8-6C373A830532}" type="datetimeFigureOut">
               <a:rPr lang="en-US" smtClean="0"/>
-              <a:t>7/27/20</a:t>
+              <a:t>8/3/20</a:t>
             </a:fld>
             <a:endParaRPr lang="en-US"/>
           </a:p>
@@ -11905,7 +15122,7 @@
             </a:solidFill>
             <a:ln w="19050">
               <a:solidFill>
-                <a:srgbClr val="FF0000"/>
+                <a:srgbClr val="7030A0"/>
               </a:solidFill>
             </a:ln>
           </p:spPr>
@@ -13459,6 +16676,43 @@
           </a:prstGeom>
         </p:spPr>
       </p:pic>
+      <p:sp>
+        <p:nvSpPr>
+          <p:cNvPr id="16" name="TextBox 15">
+            <a:extLst>
+              <a:ext uri="{FF2B5EF4-FFF2-40B4-BE49-F238E27FC236}">
+                <a16:creationId xmlns:a16="http://schemas.microsoft.com/office/drawing/2014/main" id="{ACC50EBE-0960-5240-BFDC-CB95A57A75D9}"/>
+              </a:ext>
+            </a:extLst>
+          </p:cNvPr>
+          <p:cNvSpPr txBox="1"/>
+          <p:nvPr/>
+        </p:nvSpPr>
+        <p:spPr>
+          <a:xfrm>
+            <a:off x="1051054" y="1220183"/>
+            <a:ext cx="2223730" cy="369332"/>
+          </a:xfrm>
+          <a:prstGeom prst="rect">
+            <a:avLst/>
+          </a:prstGeom>
+          <a:noFill/>
+        </p:spPr>
+        <p:txBody>
+          <a:bodyPr wrap="square" rtlCol="0">
+            <a:spAutoFit/>
+          </a:bodyPr>
+          <a:lstStyle/>
+          <a:p>
+            <a:r>
+              <a:rPr lang="en-US" dirty="0">
+                <a:latin typeface="Times" pitchFamily="2" charset="0"/>
+              </a:rPr>
+              <a:t>If pH outside &lt;= 8:</a:t>
+            </a:r>
+          </a:p>
+        </p:txBody>
+      </p:sp>
     </p:spTree>
     <p:extLst>
       <p:ext uri="{BB962C8B-B14F-4D97-AF65-F5344CB8AC3E}">
@@ -13548,6 +16802,1953 @@
 </file>
 
 <file path=ppt/slides/slide13.xml><?xml version="1.0" encoding="utf-8"?>
+<p:sld xmlns:a="http://schemas.openxmlformats.org/drawingml/2006/main" xmlns:r="http://schemas.openxmlformats.org/officeDocument/2006/relationships" xmlns:p="http://schemas.openxmlformats.org/presentationml/2006/main">
+  <p:cSld>
+    <p:spTree>
+      <p:nvGrpSpPr>
+        <p:cNvPr id="1" name=""/>
+        <p:cNvGrpSpPr/>
+        <p:nvPr/>
+      </p:nvGrpSpPr>
+      <p:grpSpPr>
+        <a:xfrm>
+          <a:off x="0" y="0"/>
+          <a:ext cx="0" cy="0"/>
+          <a:chOff x="0" y="0"/>
+          <a:chExt cx="0" cy="0"/>
+        </a:xfrm>
+      </p:grpSpPr>
+      <p:sp>
+        <p:nvSpPr>
+          <p:cNvPr id="2" name="Title 1">
+            <a:extLst>
+              <a:ext uri="{FF2B5EF4-FFF2-40B4-BE49-F238E27FC236}">
+                <a16:creationId xmlns:a16="http://schemas.microsoft.com/office/drawing/2014/main" id="{8EDB4328-A540-9E41-93E5-E6BFB48B794B}"/>
+              </a:ext>
+            </a:extLst>
+          </p:cNvPr>
+          <p:cNvSpPr>
+            <a:spLocks noGrp="1"/>
+          </p:cNvSpPr>
+          <p:nvPr>
+            <p:ph type="title"/>
+          </p:nvPr>
+        </p:nvSpPr>
+        <p:spPr>
+          <a:xfrm>
+            <a:off x="186846" y="12165"/>
+            <a:ext cx="10515600" cy="1325563"/>
+          </a:xfrm>
+        </p:spPr>
+        <p:txBody>
+          <a:bodyPr>
+            <a:normAutofit/>
+          </a:bodyPr>
+          <a:lstStyle/>
+          <a:p>
+            <a:r>
+              <a:rPr lang="en-US" sz="3200" b="1" dirty="0"/>
+              <a:t>ATP synthase model progress – </a:t>
+            </a:r>
+            <a:r>
+              <a:rPr lang="en-US" sz="3200" dirty="0"/>
+              <a:t>ATP synthesis</a:t>
+            </a:r>
+            <a:endParaRPr lang="en-US" sz="3200" b="1" dirty="0"/>
+          </a:p>
+        </p:txBody>
+      </p:sp>
+      <p:grpSp>
+        <p:nvGrpSpPr>
+          <p:cNvPr id="4" name="Group 3">
+            <a:extLst>
+              <a:ext uri="{FF2B5EF4-FFF2-40B4-BE49-F238E27FC236}">
+                <a16:creationId xmlns:a16="http://schemas.microsoft.com/office/drawing/2014/main" id="{D828C43E-C660-C445-A7FE-9F93AA56AC8F}"/>
+              </a:ext>
+            </a:extLst>
+          </p:cNvPr>
+          <p:cNvGrpSpPr/>
+          <p:nvPr/>
+        </p:nvGrpSpPr>
+        <p:grpSpPr>
+          <a:xfrm>
+            <a:off x="1113773" y="1156345"/>
+            <a:ext cx="3790856" cy="3639484"/>
+            <a:chOff x="7276937" y="1782646"/>
+            <a:chExt cx="3790856" cy="3639484"/>
+          </a:xfrm>
+        </p:grpSpPr>
+        <p:sp>
+          <p:nvSpPr>
+            <p:cNvPr id="5" name="Oval 4">
+              <a:extLst>
+                <a:ext uri="{FF2B5EF4-FFF2-40B4-BE49-F238E27FC236}">
+                  <a16:creationId xmlns:a16="http://schemas.microsoft.com/office/drawing/2014/main" id="{D10E32F9-D534-9242-80A8-B33D894CE950}"/>
+                </a:ext>
+              </a:extLst>
+            </p:cNvPr>
+            <p:cNvSpPr/>
+            <p:nvPr/>
+          </p:nvSpPr>
+          <p:spPr>
+            <a:xfrm>
+              <a:off x="7276937" y="2310630"/>
+              <a:ext cx="3429000" cy="3111500"/>
+            </a:xfrm>
+            <a:prstGeom prst="ellipse">
+              <a:avLst/>
+            </a:prstGeom>
+            <a:noFill/>
+            <a:ln w="38100">
+              <a:solidFill>
+                <a:schemeClr val="tx1"/>
+              </a:solidFill>
+              <a:prstDash val="dash"/>
+            </a:ln>
+          </p:spPr>
+          <p:style>
+            <a:lnRef idx="2">
+              <a:schemeClr val="accent1">
+                <a:shade val="50000"/>
+              </a:schemeClr>
+            </a:lnRef>
+            <a:fillRef idx="1">
+              <a:schemeClr val="accent1"/>
+            </a:fillRef>
+            <a:effectRef idx="0">
+              <a:schemeClr val="accent1"/>
+            </a:effectRef>
+            <a:fontRef idx="minor">
+              <a:schemeClr val="lt1"/>
+            </a:fontRef>
+          </p:style>
+          <p:txBody>
+            <a:bodyPr rtlCol="0" anchor="ctr"/>
+            <a:lstStyle/>
+            <a:p>
+              <a:pPr algn="ctr"/>
+              <a:endParaRPr lang="en-US"/>
+            </a:p>
+          </p:txBody>
+        </p:sp>
+        <p:sp>
+          <p:nvSpPr>
+            <p:cNvPr id="6" name="Freeform 5">
+              <a:extLst>
+                <a:ext uri="{FF2B5EF4-FFF2-40B4-BE49-F238E27FC236}">
+                  <a16:creationId xmlns:a16="http://schemas.microsoft.com/office/drawing/2014/main" id="{2D8EE119-22B2-D349-A85A-8117845F82B8}"/>
+                </a:ext>
+              </a:extLst>
+            </p:cNvPr>
+            <p:cNvSpPr/>
+            <p:nvPr/>
+          </p:nvSpPr>
+          <p:spPr>
+            <a:xfrm>
+              <a:off x="9493709" y="2301636"/>
+              <a:ext cx="781664" cy="752168"/>
+            </a:xfrm>
+            <a:custGeom>
+              <a:avLst/>
+              <a:gdLst>
+                <a:gd name="connsiteX0" fmla="*/ 678425 w 781664"/>
+                <a:gd name="connsiteY0" fmla="*/ 0 h 752168"/>
+                <a:gd name="connsiteX1" fmla="*/ 294967 w 781664"/>
+                <a:gd name="connsiteY1" fmla="*/ 442451 h 752168"/>
+                <a:gd name="connsiteX2" fmla="*/ 0 w 781664"/>
+                <a:gd name="connsiteY2" fmla="*/ 427703 h 752168"/>
+                <a:gd name="connsiteX3" fmla="*/ 398206 w 781664"/>
+                <a:gd name="connsiteY3" fmla="*/ 752168 h 752168"/>
+                <a:gd name="connsiteX4" fmla="*/ 398206 w 781664"/>
+                <a:gd name="connsiteY4" fmla="*/ 545690 h 752168"/>
+                <a:gd name="connsiteX5" fmla="*/ 781664 w 781664"/>
+                <a:gd name="connsiteY5" fmla="*/ 103239 h 752168"/>
+                <a:gd name="connsiteX6" fmla="*/ 678425 w 781664"/>
+                <a:gd name="connsiteY6" fmla="*/ 0 h 752168"/>
+              </a:gdLst>
+              <a:ahLst/>
+              <a:cxnLst>
+                <a:cxn ang="0">
+                  <a:pos x="connsiteX0" y="connsiteY0"/>
+                </a:cxn>
+                <a:cxn ang="0">
+                  <a:pos x="connsiteX1" y="connsiteY1"/>
+                </a:cxn>
+                <a:cxn ang="0">
+                  <a:pos x="connsiteX2" y="connsiteY2"/>
+                </a:cxn>
+                <a:cxn ang="0">
+                  <a:pos x="connsiteX3" y="connsiteY3"/>
+                </a:cxn>
+                <a:cxn ang="0">
+                  <a:pos x="connsiteX4" y="connsiteY4"/>
+                </a:cxn>
+                <a:cxn ang="0">
+                  <a:pos x="connsiteX5" y="connsiteY5"/>
+                </a:cxn>
+                <a:cxn ang="0">
+                  <a:pos x="connsiteX6" y="connsiteY6"/>
+                </a:cxn>
+              </a:cxnLst>
+              <a:rect l="l" t="t" r="r" b="b"/>
+              <a:pathLst>
+                <a:path w="781664" h="752168">
+                  <a:moveTo>
+                    <a:pt x="678425" y="0"/>
+                  </a:moveTo>
+                  <a:lnTo>
+                    <a:pt x="294967" y="442451"/>
+                  </a:lnTo>
+                  <a:lnTo>
+                    <a:pt x="0" y="427703"/>
+                  </a:lnTo>
+                  <a:lnTo>
+                    <a:pt x="398206" y="752168"/>
+                  </a:lnTo>
+                  <a:lnTo>
+                    <a:pt x="398206" y="545690"/>
+                  </a:lnTo>
+                  <a:lnTo>
+                    <a:pt x="781664" y="103239"/>
+                  </a:lnTo>
+                  <a:lnTo>
+                    <a:pt x="678425" y="0"/>
+                  </a:lnTo>
+                  <a:close/>
+                </a:path>
+              </a:pathLst>
+            </a:custGeom>
+            <a:solidFill>
+              <a:schemeClr val="bg1"/>
+            </a:solidFill>
+            <a:ln w="19050">
+              <a:solidFill>
+                <a:srgbClr val="7030A0"/>
+              </a:solidFill>
+            </a:ln>
+          </p:spPr>
+          <p:style>
+            <a:lnRef idx="2">
+              <a:schemeClr val="accent1">
+                <a:shade val="50000"/>
+              </a:schemeClr>
+            </a:lnRef>
+            <a:fillRef idx="1">
+              <a:schemeClr val="accent1"/>
+            </a:fillRef>
+            <a:effectRef idx="0">
+              <a:schemeClr val="accent1"/>
+            </a:effectRef>
+            <a:fontRef idx="minor">
+              <a:schemeClr val="lt1"/>
+            </a:fontRef>
+          </p:style>
+          <p:txBody>
+            <a:bodyPr rtlCol="0" anchor="ctr"/>
+            <a:lstStyle/>
+            <a:p>
+              <a:pPr algn="ctr"/>
+              <a:endParaRPr lang="en-US"/>
+            </a:p>
+          </p:txBody>
+        </p:sp>
+        <p:sp>
+          <p:nvSpPr>
+            <p:cNvPr id="7" name="TextBox 6">
+              <a:extLst>
+                <a:ext uri="{FF2B5EF4-FFF2-40B4-BE49-F238E27FC236}">
+                  <a16:creationId xmlns:a16="http://schemas.microsoft.com/office/drawing/2014/main" id="{5E33BAA6-61E8-5D4E-AC3D-B38A39DE88E2}"/>
+                </a:ext>
+              </a:extLst>
+            </p:cNvPr>
+            <p:cNvSpPr txBox="1"/>
+            <p:nvPr/>
+          </p:nvSpPr>
+          <p:spPr>
+            <a:xfrm>
+              <a:off x="8399594" y="2816566"/>
+              <a:ext cx="1193800" cy="338554"/>
+            </a:xfrm>
+            <a:prstGeom prst="rect">
+              <a:avLst/>
+            </a:prstGeom>
+            <a:noFill/>
+          </p:spPr>
+          <p:txBody>
+            <a:bodyPr wrap="square" rtlCol="0">
+              <a:spAutoFit/>
+            </a:bodyPr>
+            <a:lstStyle/>
+            <a:p>
+              <a:r>
+                <a:rPr lang="en-US" sz="1600" dirty="0">
+                  <a:latin typeface="Avenir Book" panose="02000503020000020003" pitchFamily="2" charset="0"/>
+                </a:rPr>
+                <a:t>ADP + Pi</a:t>
+              </a:r>
+            </a:p>
+          </p:txBody>
+        </p:sp>
+        <p:sp>
+          <p:nvSpPr>
+            <p:cNvPr id="8" name="TextBox 7">
+              <a:extLst>
+                <a:ext uri="{FF2B5EF4-FFF2-40B4-BE49-F238E27FC236}">
+                  <a16:creationId xmlns:a16="http://schemas.microsoft.com/office/drawing/2014/main" id="{4B25AF02-6736-7245-B3CC-A58C760E84CC}"/>
+                </a:ext>
+              </a:extLst>
+            </p:cNvPr>
+            <p:cNvSpPr txBox="1"/>
+            <p:nvPr/>
+          </p:nvSpPr>
+          <p:spPr>
+            <a:xfrm>
+              <a:off x="9548939" y="3363900"/>
+              <a:ext cx="681341" cy="338554"/>
+            </a:xfrm>
+            <a:prstGeom prst="rect">
+              <a:avLst/>
+            </a:prstGeom>
+            <a:noFill/>
+          </p:spPr>
+          <p:txBody>
+            <a:bodyPr wrap="square" rtlCol="0">
+              <a:spAutoFit/>
+            </a:bodyPr>
+            <a:lstStyle/>
+            <a:p>
+              <a:r>
+                <a:rPr lang="en-US" sz="1600" dirty="0">
+                  <a:latin typeface="Avenir Book" panose="02000503020000020003" pitchFamily="2" charset="0"/>
+                </a:rPr>
+                <a:t>ATP</a:t>
+              </a:r>
+            </a:p>
+          </p:txBody>
+        </p:sp>
+        <p:cxnSp>
+          <p:nvCxnSpPr>
+            <p:cNvPr id="9" name="Curved Connector 8">
+              <a:extLst>
+                <a:ext uri="{FF2B5EF4-FFF2-40B4-BE49-F238E27FC236}">
+                  <a16:creationId xmlns:a16="http://schemas.microsoft.com/office/drawing/2014/main" id="{D2316589-F8C3-ED4B-A7BE-B126B9A86BE8}"/>
+                </a:ext>
+              </a:extLst>
+            </p:cNvPr>
+            <p:cNvCxnSpPr>
+              <a:cxnSpLocks/>
+              <a:endCxn id="8" idx="0"/>
+            </p:cNvCxnSpPr>
+            <p:nvPr/>
+          </p:nvCxnSpPr>
+          <p:spPr>
+            <a:xfrm>
+              <a:off x="9307033" y="3012070"/>
+              <a:ext cx="582577" cy="351830"/>
+            </a:xfrm>
+            <a:prstGeom prst="curvedConnector2">
+              <a:avLst/>
+            </a:prstGeom>
+            <a:ln>
+              <a:tailEnd type="triangle"/>
+            </a:ln>
+          </p:spPr>
+          <p:style>
+            <a:lnRef idx="1">
+              <a:schemeClr val="dk1"/>
+            </a:lnRef>
+            <a:fillRef idx="0">
+              <a:schemeClr val="dk1"/>
+            </a:fillRef>
+            <a:effectRef idx="0">
+              <a:schemeClr val="dk1"/>
+            </a:effectRef>
+            <a:fontRef idx="minor">
+              <a:schemeClr val="tx1"/>
+            </a:fontRef>
+          </p:style>
+        </p:cxnSp>
+        <p:cxnSp>
+          <p:nvCxnSpPr>
+            <p:cNvPr id="10" name="Straight Arrow Connector 9">
+              <a:extLst>
+                <a:ext uri="{FF2B5EF4-FFF2-40B4-BE49-F238E27FC236}">
+                  <a16:creationId xmlns:a16="http://schemas.microsoft.com/office/drawing/2014/main" id="{E84A4E17-CCC7-5D49-8867-AF63DC2E8F9E}"/>
+                </a:ext>
+              </a:extLst>
+            </p:cNvPr>
+            <p:cNvCxnSpPr>
+              <a:cxnSpLocks/>
+            </p:cNvCxnSpPr>
+            <p:nvPr/>
+          </p:nvCxnSpPr>
+          <p:spPr>
+            <a:xfrm flipH="1">
+              <a:off x="9249822" y="2029242"/>
+              <a:ext cx="1269439" cy="1392005"/>
+            </a:xfrm>
+            <a:prstGeom prst="straightConnector1">
+              <a:avLst/>
+            </a:prstGeom>
+            <a:ln>
+              <a:tailEnd type="triangle"/>
+            </a:ln>
+          </p:spPr>
+          <p:style>
+            <a:lnRef idx="1">
+              <a:schemeClr val="dk1"/>
+            </a:lnRef>
+            <a:fillRef idx="0">
+              <a:schemeClr val="dk1"/>
+            </a:fillRef>
+            <a:effectRef idx="0">
+              <a:schemeClr val="dk1"/>
+            </a:effectRef>
+            <a:fontRef idx="minor">
+              <a:schemeClr val="tx1"/>
+            </a:fontRef>
+          </p:style>
+        </p:cxnSp>
+        <p:sp>
+          <p:nvSpPr>
+            <p:cNvPr id="11" name="TextBox 10">
+              <a:extLst>
+                <a:ext uri="{FF2B5EF4-FFF2-40B4-BE49-F238E27FC236}">
+                  <a16:creationId xmlns:a16="http://schemas.microsoft.com/office/drawing/2014/main" id="{61F57610-2322-2F44-AF23-335A86CCF25B}"/>
+                </a:ext>
+              </a:extLst>
+            </p:cNvPr>
+            <p:cNvSpPr txBox="1"/>
+            <p:nvPr/>
+          </p:nvSpPr>
+          <p:spPr>
+            <a:xfrm>
+              <a:off x="10519261" y="1782646"/>
+              <a:ext cx="548532" cy="346307"/>
+            </a:xfrm>
+            <a:prstGeom prst="rect">
+              <a:avLst/>
+            </a:prstGeom>
+            <a:noFill/>
+          </p:spPr>
+          <p:txBody>
+            <a:bodyPr wrap="square" rtlCol="0">
+              <a:spAutoFit/>
+            </a:bodyPr>
+            <a:lstStyle/>
+            <a:p>
+              <a:r>
+                <a:rPr lang="en-US" sz="1600" dirty="0">
+                  <a:latin typeface="Avenir Book" panose="02000503020000020003" pitchFamily="2" charset="0"/>
+                </a:rPr>
+                <a:t>H</a:t>
+              </a:r>
+              <a:r>
+                <a:rPr lang="en-US" sz="1600" baseline="30000" dirty="0">
+                  <a:latin typeface="Avenir Book" panose="02000503020000020003" pitchFamily="2" charset="0"/>
+                </a:rPr>
+                <a:t>+</a:t>
+              </a:r>
+              <a:endParaRPr lang="en-US" sz="1600" dirty="0">
+                <a:latin typeface="Avenir Book" panose="02000503020000020003" pitchFamily="2" charset="0"/>
+              </a:endParaRPr>
+            </a:p>
+          </p:txBody>
+        </p:sp>
+        <p:graphicFrame>
+          <p:nvGraphicFramePr>
+            <p:cNvPr id="12" name="Diagram 11">
+              <a:extLst>
+                <a:ext uri="{FF2B5EF4-FFF2-40B4-BE49-F238E27FC236}">
+                  <a16:creationId xmlns:a16="http://schemas.microsoft.com/office/drawing/2014/main" id="{B0B5E906-7C10-4C4F-B386-7DA1F3E51963}"/>
+                </a:ext>
+              </a:extLst>
+            </p:cNvPr>
+            <p:cNvGraphicFramePr/>
+            <p:nvPr/>
+          </p:nvGraphicFramePr>
+          <p:xfrm>
+            <a:off x="7670637" y="3134269"/>
+            <a:ext cx="1225550" cy="1180476"/>
+          </p:xfrm>
+          <a:graphic>
+            <a:graphicData uri="http://schemas.openxmlformats.org/drawingml/2006/diagram">
+              <dgm:relIds xmlns:dgm="http://schemas.openxmlformats.org/drawingml/2006/diagram" xmlns:r="http://schemas.openxmlformats.org/officeDocument/2006/relationships" r:dm="rId3" r:lo="rId4" r:qs="rId5" r:cs="rId6"/>
+            </a:graphicData>
+          </a:graphic>
+        </p:graphicFrame>
+        <p:sp>
+          <p:nvSpPr>
+            <p:cNvPr id="13" name="TextBox 12">
+              <a:extLst>
+                <a:ext uri="{FF2B5EF4-FFF2-40B4-BE49-F238E27FC236}">
+                  <a16:creationId xmlns:a16="http://schemas.microsoft.com/office/drawing/2014/main" id="{A14AF987-A825-374E-B194-0BE07C514567}"/>
+                </a:ext>
+              </a:extLst>
+            </p:cNvPr>
+            <p:cNvSpPr txBox="1"/>
+            <p:nvPr/>
+          </p:nvSpPr>
+          <p:spPr>
+            <a:xfrm>
+              <a:off x="7891594" y="3555230"/>
+              <a:ext cx="1016000" cy="338554"/>
+            </a:xfrm>
+            <a:prstGeom prst="rect">
+              <a:avLst/>
+            </a:prstGeom>
+            <a:noFill/>
+          </p:spPr>
+          <p:txBody>
+            <a:bodyPr wrap="square" rtlCol="0">
+              <a:spAutoFit/>
+            </a:bodyPr>
+            <a:lstStyle/>
+            <a:p>
+              <a:r>
+                <a:rPr lang="en-US" sz="1600" dirty="0">
+                  <a:latin typeface="Avenir Book" panose="02000503020000020003" pitchFamily="2" charset="0"/>
+                </a:rPr>
+                <a:t>TX/TL</a:t>
+              </a:r>
+            </a:p>
+          </p:txBody>
+        </p:sp>
+        <p:cxnSp>
+          <p:nvCxnSpPr>
+            <p:cNvPr id="14" name="Curved Connector 13">
+              <a:extLst>
+                <a:ext uri="{FF2B5EF4-FFF2-40B4-BE49-F238E27FC236}">
+                  <a16:creationId xmlns:a16="http://schemas.microsoft.com/office/drawing/2014/main" id="{108ED97C-DD82-184C-B271-F186970C59B9}"/>
+                </a:ext>
+              </a:extLst>
+            </p:cNvPr>
+            <p:cNvCxnSpPr>
+              <a:cxnSpLocks/>
+            </p:cNvCxnSpPr>
+            <p:nvPr/>
+          </p:nvCxnSpPr>
+          <p:spPr>
+            <a:xfrm rot="5400000" flipH="1" flipV="1">
+              <a:off x="8019226" y="3017639"/>
+              <a:ext cx="478438" cy="382691"/>
+            </a:xfrm>
+            <a:prstGeom prst="curvedConnector3">
+              <a:avLst>
+                <a:gd name="adj1" fmla="val 93157"/>
+              </a:avLst>
+            </a:prstGeom>
+            <a:ln>
+              <a:tailEnd type="triangle"/>
+            </a:ln>
+          </p:spPr>
+          <p:style>
+            <a:lnRef idx="1">
+              <a:schemeClr val="dk1"/>
+            </a:lnRef>
+            <a:fillRef idx="0">
+              <a:schemeClr val="dk1"/>
+            </a:fillRef>
+            <a:effectRef idx="0">
+              <a:schemeClr val="dk1"/>
+            </a:effectRef>
+            <a:fontRef idx="minor">
+              <a:schemeClr val="tx1"/>
+            </a:fontRef>
+          </p:style>
+        </p:cxnSp>
+        <p:cxnSp>
+          <p:nvCxnSpPr>
+            <p:cNvPr id="15" name="Curved Connector 14">
+              <a:extLst>
+                <a:ext uri="{FF2B5EF4-FFF2-40B4-BE49-F238E27FC236}">
+                  <a16:creationId xmlns:a16="http://schemas.microsoft.com/office/drawing/2014/main" id="{7EC57C4D-40D0-6449-A1A4-77D2106AE8A9}"/>
+                </a:ext>
+              </a:extLst>
+            </p:cNvPr>
+            <p:cNvCxnSpPr>
+              <a:cxnSpLocks/>
+            </p:cNvCxnSpPr>
+            <p:nvPr/>
+          </p:nvCxnSpPr>
+          <p:spPr>
+            <a:xfrm rot="10800000" flipV="1">
+              <a:off x="8532940" y="3714080"/>
+              <a:ext cx="1060456" cy="152300"/>
+            </a:xfrm>
+            <a:prstGeom prst="curvedConnector3">
+              <a:avLst>
+                <a:gd name="adj1" fmla="val -4240"/>
+              </a:avLst>
+            </a:prstGeom>
+            <a:ln>
+              <a:tailEnd type="triangle"/>
+            </a:ln>
+          </p:spPr>
+          <p:style>
+            <a:lnRef idx="1">
+              <a:schemeClr val="dk1"/>
+            </a:lnRef>
+            <a:fillRef idx="0">
+              <a:schemeClr val="dk1"/>
+            </a:fillRef>
+            <a:effectRef idx="0">
+              <a:schemeClr val="dk1"/>
+            </a:effectRef>
+            <a:fontRef idx="minor">
+              <a:schemeClr val="tx1"/>
+            </a:fontRef>
+          </p:style>
+        </p:cxnSp>
+      </p:grpSp>
+      <p:pic>
+        <p:nvPicPr>
+          <p:cNvPr id="18" name="Picture 17" descr="A screenshot of a cell phone&#10;&#10;Description automatically generated">
+            <a:extLst>
+              <a:ext uri="{FF2B5EF4-FFF2-40B4-BE49-F238E27FC236}">
+                <a16:creationId xmlns:a16="http://schemas.microsoft.com/office/drawing/2014/main" id="{71338391-6BBD-1846-9468-946EA746264A}"/>
+              </a:ext>
+            </a:extLst>
+          </p:cNvPr>
+          <p:cNvPicPr>
+            <a:picLocks noChangeAspect="1"/>
+          </p:cNvPicPr>
+          <p:nvPr/>
+        </p:nvPicPr>
+        <p:blipFill rotWithShape="1">
+          <a:blip r:embed="rId8"/>
+          <a:srcRect b="38636"/>
+          <a:stretch/>
+        </p:blipFill>
+        <p:spPr>
+          <a:xfrm>
+            <a:off x="6328982" y="1309316"/>
+            <a:ext cx="4088271" cy="1325563"/>
+          </a:xfrm>
+          <a:prstGeom prst="rect">
+            <a:avLst/>
+          </a:prstGeom>
+        </p:spPr>
+      </p:pic>
+      <p:grpSp>
+        <p:nvGrpSpPr>
+          <p:cNvPr id="3" name="Group 2">
+            <a:extLst>
+              <a:ext uri="{FF2B5EF4-FFF2-40B4-BE49-F238E27FC236}">
+                <a16:creationId xmlns:a16="http://schemas.microsoft.com/office/drawing/2014/main" id="{0A9539B6-47E4-1647-B17B-D8B9ED749ABB}"/>
+              </a:ext>
+            </a:extLst>
+          </p:cNvPr>
+          <p:cNvGrpSpPr/>
+          <p:nvPr/>
+        </p:nvGrpSpPr>
+        <p:grpSpPr>
+          <a:xfrm>
+            <a:off x="5927447" y="2906876"/>
+            <a:ext cx="4975593" cy="3199288"/>
+            <a:chOff x="5927447" y="2906876"/>
+            <a:chExt cx="4975593" cy="3199288"/>
+          </a:xfrm>
+        </p:grpSpPr>
+        <mc:AlternateContent xmlns:mc="http://schemas.openxmlformats.org/markup-compatibility/2006" xmlns:a14="http://schemas.microsoft.com/office/drawing/2010/main">
+          <mc:Choice Requires="a14">
+            <p:sp>
+              <p:nvSpPr>
+                <p:cNvPr id="24" name="Rectangle 23">
+                  <a:extLst>
+                    <a:ext uri="{FF2B5EF4-FFF2-40B4-BE49-F238E27FC236}">
+                      <a16:creationId xmlns:a16="http://schemas.microsoft.com/office/drawing/2014/main" id="{E6A550AE-590A-BF48-B41D-7CD0EBE5FD6D}"/>
+                    </a:ext>
+                  </a:extLst>
+                </p:cNvPr>
+                <p:cNvSpPr/>
+                <p:nvPr/>
+              </p:nvSpPr>
+              <p:spPr>
+                <a:xfrm>
+                  <a:off x="5927447" y="3688444"/>
+                  <a:ext cx="4975593" cy="630429"/>
+                </a:xfrm>
+                <a:prstGeom prst="rect">
+                  <a:avLst/>
+                </a:prstGeom>
+              </p:spPr>
+              <p:txBody>
+                <a:bodyPr wrap="none">
+                  <a:spAutoFit/>
+                </a:bodyPr>
+                <a:lstStyle/>
+                <a:p>
+                  <a:pPr/>
+                  <a14:m>
+                    <m:oMathPara xmlns:m="http://schemas.openxmlformats.org/officeDocument/2006/math">
+                      <m:oMathParaPr>
+                        <m:jc m:val="centerGroup"/>
+                      </m:oMathParaPr>
+                      <m:oMath xmlns:m="http://schemas.openxmlformats.org/officeDocument/2006/math">
+                        <m:f>
+                          <m:fPr>
+                            <m:ctrlPr>
+                              <a:rPr lang="en-US" i="1">
+                                <a:latin typeface="Cambria Math" panose="02040503050406030204" pitchFamily="18" charset="0"/>
+                              </a:rPr>
+                            </m:ctrlPr>
+                          </m:fPr>
+                          <m:num>
+                            <m:r>
+                              <a:rPr lang="en-US" i="1">
+                                <a:latin typeface="Cambria Math" panose="02040503050406030204" pitchFamily="18" charset="0"/>
+                              </a:rPr>
+                              <m:t>𝑑</m:t>
+                            </m:r>
+                            <m:d>
+                              <m:dPr>
+                                <m:begChr m:val="["/>
+                                <m:endChr m:val="]"/>
+                                <m:ctrlPr>
+                                  <a:rPr lang="en-US" i="1">
+                                    <a:latin typeface="Cambria Math" panose="02040503050406030204" pitchFamily="18" charset="0"/>
+                                  </a:rPr>
+                                </m:ctrlPr>
+                              </m:dPr>
+                              <m:e>
+                                <m:r>
+                                  <a:rPr lang="en-US" i="1">
+                                    <a:latin typeface="Cambria Math" panose="02040503050406030204" pitchFamily="18" charset="0"/>
+                                  </a:rPr>
+                                  <m:t>𝑎𝑑𝑝</m:t>
+                                </m:r>
+                              </m:e>
+                            </m:d>
+                          </m:num>
+                          <m:den>
+                            <m:r>
+                              <a:rPr lang="en-US" i="1">
+                                <a:latin typeface="Cambria Math" panose="02040503050406030204" pitchFamily="18" charset="0"/>
+                              </a:rPr>
+                              <m:t>𝑑𝑡</m:t>
+                            </m:r>
+                          </m:den>
+                        </m:f>
+                        <m:r>
+                          <a:rPr lang="en-US" i="1">
+                            <a:latin typeface="Cambria Math" panose="02040503050406030204" pitchFamily="18" charset="0"/>
+                          </a:rPr>
+                          <m:t>=</m:t>
+                        </m:r>
+                        <m:sSub>
+                          <m:sSubPr>
+                            <m:ctrlPr>
+                              <a:rPr lang="en-US" i="1">
+                                <a:latin typeface="Cambria Math" panose="02040503050406030204" pitchFamily="18" charset="0"/>
+                              </a:rPr>
+                            </m:ctrlPr>
+                          </m:sSubPr>
+                          <m:e>
+                            <m:f>
+                              <m:fPr>
+                                <m:ctrlPr>
+                                  <a:rPr lang="en-US" i="1">
+                                    <a:latin typeface="Cambria Math" panose="02040503050406030204" pitchFamily="18" charset="0"/>
+                                  </a:rPr>
+                                </m:ctrlPr>
+                              </m:fPr>
+                              <m:num>
+                                <m:r>
+                                  <a:rPr lang="en-US" i="1">
+                                    <a:latin typeface="Cambria Math" panose="02040503050406030204" pitchFamily="18" charset="0"/>
+                                  </a:rPr>
+                                  <m:t>𝑑</m:t>
+                                </m:r>
+                                <m:r>
+                                  <a:rPr lang="en-US" i="1">
+                                    <a:latin typeface="Cambria Math" panose="02040503050406030204" pitchFamily="18" charset="0"/>
+                                  </a:rPr>
+                                  <m:t>[</m:t>
+                                </m:r>
+                                <m:r>
+                                  <a:rPr lang="en-US" i="1">
+                                    <a:latin typeface="Cambria Math" panose="02040503050406030204" pitchFamily="18" charset="0"/>
+                                  </a:rPr>
+                                  <m:t>𝑝𝑖</m:t>
+                                </m:r>
+                                <m:r>
+                                  <a:rPr lang="en-US" i="1">
+                                    <a:latin typeface="Cambria Math" panose="02040503050406030204" pitchFamily="18" charset="0"/>
+                                  </a:rPr>
+                                  <m:t>]</m:t>
+                                </m:r>
+                              </m:num>
+                              <m:den>
+                                <m:r>
+                                  <a:rPr lang="en-US" i="1">
+                                    <a:latin typeface="Cambria Math" panose="02040503050406030204" pitchFamily="18" charset="0"/>
+                                  </a:rPr>
+                                  <m:t>𝑑𝑡</m:t>
+                                </m:r>
+                              </m:den>
+                            </m:f>
+                            <m:r>
+                              <a:rPr lang="en-US" i="1">
+                                <a:latin typeface="Cambria Math" panose="02040503050406030204" pitchFamily="18" charset="0"/>
+                              </a:rPr>
+                              <m:t>= −</m:t>
+                            </m:r>
+                            <m:r>
+                              <a:rPr lang="en-US" i="1">
+                                <a:latin typeface="Cambria Math" panose="02040503050406030204" pitchFamily="18" charset="0"/>
+                              </a:rPr>
+                              <m:t>𝑘</m:t>
+                            </m:r>
+                          </m:e>
+                          <m:sub>
+                            <m:r>
+                              <a:rPr lang="en-US" i="1">
+                                <a:latin typeface="Cambria Math" panose="02040503050406030204" pitchFamily="18" charset="0"/>
+                              </a:rPr>
+                              <m:t>1</m:t>
+                            </m:r>
+                          </m:sub>
+                        </m:sSub>
+                        <m:d>
+                          <m:dPr>
+                            <m:begChr m:val="["/>
+                            <m:endChr m:val="]"/>
+                            <m:ctrlPr>
+                              <a:rPr lang="en-US" i="1">
+                                <a:latin typeface="Cambria Math" panose="02040503050406030204" pitchFamily="18" charset="0"/>
+                              </a:rPr>
+                            </m:ctrlPr>
+                          </m:dPr>
+                          <m:e>
+                            <m:r>
+                              <a:rPr lang="en-US" i="1">
+                                <a:latin typeface="Cambria Math" panose="02040503050406030204" pitchFamily="18" charset="0"/>
+                              </a:rPr>
+                              <m:t>𝑎𝑑𝑝</m:t>
+                            </m:r>
+                          </m:e>
+                        </m:d>
+                        <m:d>
+                          <m:dPr>
+                            <m:begChr m:val="["/>
+                            <m:endChr m:val="]"/>
+                            <m:ctrlPr>
+                              <a:rPr lang="en-US" i="1">
+                                <a:latin typeface="Cambria Math" panose="02040503050406030204" pitchFamily="18" charset="0"/>
+                              </a:rPr>
+                            </m:ctrlPr>
+                          </m:dPr>
+                          <m:e>
+                            <m:r>
+                              <a:rPr lang="en-US" i="1">
+                                <a:latin typeface="Cambria Math" panose="02040503050406030204" pitchFamily="18" charset="0"/>
+                              </a:rPr>
+                              <m:t>𝑝𝑖</m:t>
+                            </m:r>
+                          </m:e>
+                        </m:d>
+                        <m:sSup>
+                          <m:sSupPr>
+                            <m:ctrlPr>
+                              <a:rPr lang="en-US" i="1">
+                                <a:latin typeface="Cambria Math" panose="02040503050406030204" pitchFamily="18" charset="0"/>
+                              </a:rPr>
+                            </m:ctrlPr>
+                          </m:sSupPr>
+                          <m:e>
+                            <m:d>
+                              <m:dPr>
+                                <m:begChr m:val="["/>
+                                <m:endChr m:val="]"/>
+                                <m:ctrlPr>
+                                  <a:rPr lang="en-US" i="1">
+                                    <a:latin typeface="Cambria Math" panose="02040503050406030204" pitchFamily="18" charset="0"/>
+                                  </a:rPr>
+                                </m:ctrlPr>
+                              </m:dPr>
+                              <m:e>
+                                <m:sSup>
+                                  <m:sSupPr>
+                                    <m:ctrlPr>
+                                      <a:rPr lang="en-US" i="1">
+                                        <a:latin typeface="Cambria Math" panose="02040503050406030204" pitchFamily="18" charset="0"/>
+                                      </a:rPr>
+                                    </m:ctrlPr>
+                                  </m:sSupPr>
+                                  <m:e>
+                                    <m:r>
+                                      <a:rPr lang="en-US" i="1">
+                                        <a:latin typeface="Cambria Math" panose="02040503050406030204" pitchFamily="18" charset="0"/>
+                                      </a:rPr>
+                                      <m:t>h</m:t>
+                                    </m:r>
+                                  </m:e>
+                                  <m:sup>
+                                    <m:r>
+                                      <a:rPr lang="en-US" i="1">
+                                        <a:latin typeface="Cambria Math" panose="02040503050406030204" pitchFamily="18" charset="0"/>
+                                      </a:rPr>
+                                      <m:t>+</m:t>
+                                    </m:r>
+                                  </m:sup>
+                                </m:sSup>
+                              </m:e>
+                            </m:d>
+                          </m:e>
+                          <m:sup>
+                            <m:r>
+                              <a:rPr lang="en-US" i="1">
+                                <a:latin typeface="Cambria Math" panose="02040503050406030204" pitchFamily="18" charset="0"/>
+                              </a:rPr>
+                              <m:t>4</m:t>
+                            </m:r>
+                          </m:sup>
+                        </m:sSup>
+                        <m:r>
+                          <a:rPr lang="en-US" i="1">
+                            <a:latin typeface="Cambria Math" panose="02040503050406030204" pitchFamily="18" charset="0"/>
+                          </a:rPr>
+                          <m:t>+</m:t>
+                        </m:r>
+                        <m:sSub>
+                          <m:sSubPr>
+                            <m:ctrlPr>
+                              <a:rPr lang="en-US" i="1">
+                                <a:latin typeface="Cambria Math" panose="02040503050406030204" pitchFamily="18" charset="0"/>
+                              </a:rPr>
+                            </m:ctrlPr>
+                          </m:sSubPr>
+                          <m:e>
+                            <m:r>
+                              <a:rPr lang="en-US" i="1">
+                                <a:latin typeface="Cambria Math" panose="02040503050406030204" pitchFamily="18" charset="0"/>
+                              </a:rPr>
+                              <m:t>𝑘</m:t>
+                            </m:r>
+                          </m:e>
+                          <m:sub>
+                            <m:r>
+                              <a:rPr lang="en-US" i="1">
+                                <a:latin typeface="Cambria Math" panose="02040503050406030204" pitchFamily="18" charset="0"/>
+                              </a:rPr>
+                              <m:t>2</m:t>
+                            </m:r>
+                          </m:sub>
+                        </m:sSub>
+                        <m:r>
+                          <a:rPr lang="en-US" i="1">
+                            <a:latin typeface="Cambria Math" panose="02040503050406030204" pitchFamily="18" charset="0"/>
+                          </a:rPr>
+                          <m:t>[</m:t>
+                        </m:r>
+                        <m:r>
+                          <a:rPr lang="en-US" i="1">
+                            <a:latin typeface="Cambria Math" panose="02040503050406030204" pitchFamily="18" charset="0"/>
+                          </a:rPr>
+                          <m:t>𝑎𝑡𝑝</m:t>
+                        </m:r>
+                        <m:r>
+                          <a:rPr lang="en-US" i="1">
+                            <a:latin typeface="Cambria Math" panose="02040503050406030204" pitchFamily="18" charset="0"/>
+                          </a:rPr>
+                          <m:t>]</m:t>
+                        </m:r>
+                      </m:oMath>
+                    </m:oMathPara>
+                  </a14:m>
+                  <a:endParaRPr lang="en-US" dirty="0"/>
+                </a:p>
+              </p:txBody>
+            </p:sp>
+          </mc:Choice>
+          <mc:Fallback xmlns="">
+            <p:sp>
+              <p:nvSpPr>
+                <p:cNvPr id="24" name="Rectangle 23">
+                  <a:extLst>
+                    <a:ext uri="{FF2B5EF4-FFF2-40B4-BE49-F238E27FC236}">
+                      <a16:creationId xmlns:a16="http://schemas.microsoft.com/office/drawing/2014/main" id="{E6A550AE-590A-BF48-B41D-7CD0EBE5FD6D}"/>
+                    </a:ext>
+                  </a:extLst>
+                </p:cNvPr>
+                <p:cNvSpPr>
+                  <a:spLocks noRot="1" noChangeAspect="1" noMove="1" noResize="1" noEditPoints="1" noAdjustHandles="1" noChangeArrowheads="1" noChangeShapeType="1" noTextEdit="1"/>
+                </p:cNvSpPr>
+                <p:nvPr/>
+              </p:nvSpPr>
+              <p:spPr>
+                <a:xfrm>
+                  <a:off x="5927447" y="3688444"/>
+                  <a:ext cx="4975593" cy="630429"/>
+                </a:xfrm>
+                <a:prstGeom prst="rect">
+                  <a:avLst/>
+                </a:prstGeom>
+                <a:blipFill>
+                  <a:blip r:embed="rId9"/>
+                  <a:stretch>
+                    <a:fillRect b="-3922"/>
+                  </a:stretch>
+                </a:blipFill>
+              </p:spPr>
+              <p:txBody>
+                <a:bodyPr/>
+                <a:lstStyle/>
+                <a:p>
+                  <a:r>
+                    <a:rPr lang="en-US">
+                      <a:noFill/>
+                    </a:rPr>
+                    <a:t> </a:t>
+                  </a:r>
+                </a:p>
+              </p:txBody>
+            </p:sp>
+          </mc:Fallback>
+        </mc:AlternateContent>
+        <p:grpSp>
+          <p:nvGrpSpPr>
+            <p:cNvPr id="27" name="Group 26">
+              <a:extLst>
+                <a:ext uri="{FF2B5EF4-FFF2-40B4-BE49-F238E27FC236}">
+                  <a16:creationId xmlns:a16="http://schemas.microsoft.com/office/drawing/2014/main" id="{D1ABAE2C-013D-584A-B2B4-F5CEF240D6DF}"/>
+                </a:ext>
+              </a:extLst>
+            </p:cNvPr>
+            <p:cNvGrpSpPr/>
+            <p:nvPr/>
+          </p:nvGrpSpPr>
+          <p:grpSpPr>
+            <a:xfrm>
+              <a:off x="5927447" y="2906876"/>
+              <a:ext cx="3943067" cy="3199288"/>
+              <a:chOff x="5927447" y="2906876"/>
+              <a:chExt cx="3943067" cy="3199288"/>
+            </a:xfrm>
+          </p:grpSpPr>
+          <mc:AlternateContent xmlns:mc="http://schemas.openxmlformats.org/markup-compatibility/2006" xmlns:a14="http://schemas.microsoft.com/office/drawing/2010/main">
+            <mc:Choice Requires="a14">
+              <p:sp>
+                <p:nvSpPr>
+                  <p:cNvPr id="21" name="TextBox 20">
+                    <a:extLst>
+                      <a:ext uri="{FF2B5EF4-FFF2-40B4-BE49-F238E27FC236}">
+                        <a16:creationId xmlns:a16="http://schemas.microsoft.com/office/drawing/2014/main" id="{E987E528-C4A9-8F48-BB0B-A9F99929B697}"/>
+                      </a:ext>
+                    </a:extLst>
+                  </p:cNvPr>
+                  <p:cNvSpPr txBox="1"/>
+                  <p:nvPr/>
+                </p:nvSpPr>
+                <p:spPr>
+                  <a:xfrm>
+                    <a:off x="5927447" y="2906876"/>
+                    <a:ext cx="3943067" cy="1646092"/>
+                  </a:xfrm>
+                  <a:prstGeom prst="rect">
+                    <a:avLst/>
+                  </a:prstGeom>
+                  <a:noFill/>
+                </p:spPr>
+                <p:txBody>
+                  <a:bodyPr wrap="none" lIns="0" tIns="0" rIns="0" bIns="0" rtlCol="0">
+                    <a:spAutoFit/>
+                  </a:bodyPr>
+                  <a:lstStyle/>
+                  <a:p>
+                    <a:pPr/>
+                    <a14:m>
+                      <m:oMathPara xmlns:m="http://schemas.openxmlformats.org/officeDocument/2006/math">
+                        <m:oMathParaPr>
+                          <m:jc m:val="centerGroup"/>
+                        </m:oMathParaPr>
+                        <m:oMath xmlns:m="http://schemas.openxmlformats.org/officeDocument/2006/math">
+                          <m:f>
+                            <m:fPr>
+                              <m:ctrlPr>
+                                <a:rPr lang="en-US" b="0" i="1" smtClean="0">
+                                  <a:latin typeface="Cambria Math" panose="02040503050406030204" pitchFamily="18" charset="0"/>
+                                </a:rPr>
+                              </m:ctrlPr>
+                            </m:fPr>
+                            <m:num>
+                              <m:r>
+                                <a:rPr lang="en-US" b="0" i="1" smtClean="0">
+                                  <a:latin typeface="Cambria Math" panose="02040503050406030204" pitchFamily="18" charset="0"/>
+                                </a:rPr>
+                                <m:t>𝑑</m:t>
+                              </m:r>
+                              <m:d>
+                                <m:dPr>
+                                  <m:begChr m:val="["/>
+                                  <m:endChr m:val="]"/>
+                                  <m:ctrlPr>
+                                    <a:rPr lang="en-US" b="0" i="1" smtClean="0">
+                                      <a:latin typeface="Cambria Math" panose="02040503050406030204" pitchFamily="18" charset="0"/>
+                                    </a:rPr>
+                                  </m:ctrlPr>
+                                </m:dPr>
+                                <m:e>
+                                  <m:r>
+                                    <a:rPr lang="en-US" b="0" i="1" smtClean="0">
+                                      <a:latin typeface="Cambria Math" panose="02040503050406030204" pitchFamily="18" charset="0"/>
+                                    </a:rPr>
+                                    <m:t>𝑎𝑡𝑝</m:t>
+                                  </m:r>
+                                </m:e>
+                              </m:d>
+                            </m:num>
+                            <m:den>
+                              <m:r>
+                                <a:rPr lang="en-US" b="0" i="1" smtClean="0">
+                                  <a:latin typeface="Cambria Math" panose="02040503050406030204" pitchFamily="18" charset="0"/>
+                                </a:rPr>
+                                <m:t>𝑑𝑡</m:t>
+                              </m:r>
+                            </m:den>
+                          </m:f>
+                          <m:r>
+                            <a:rPr lang="en-US" b="0" i="1" smtClean="0">
+                              <a:latin typeface="Cambria Math" panose="02040503050406030204" pitchFamily="18" charset="0"/>
+                            </a:rPr>
+                            <m:t>=</m:t>
+                          </m:r>
+                          <m:sSub>
+                            <m:sSubPr>
+                              <m:ctrlPr>
+                                <a:rPr lang="en-US" b="0" i="1" smtClean="0">
+                                  <a:latin typeface="Cambria Math" panose="02040503050406030204" pitchFamily="18" charset="0"/>
+                                </a:rPr>
+                              </m:ctrlPr>
+                            </m:sSubPr>
+                            <m:e>
+                              <m:r>
+                                <a:rPr lang="en-US" b="0" i="1" smtClean="0">
+                                  <a:latin typeface="Cambria Math" panose="02040503050406030204" pitchFamily="18" charset="0"/>
+                                </a:rPr>
+                                <m:t>𝑘</m:t>
+                              </m:r>
+                            </m:e>
+                            <m:sub>
+                              <m:r>
+                                <a:rPr lang="en-US" b="0" i="1" smtClean="0">
+                                  <a:latin typeface="Cambria Math" panose="02040503050406030204" pitchFamily="18" charset="0"/>
+                                </a:rPr>
+                                <m:t>1</m:t>
+                              </m:r>
+                            </m:sub>
+                          </m:sSub>
+                          <m:d>
+                            <m:dPr>
+                              <m:begChr m:val="["/>
+                              <m:endChr m:val="]"/>
+                              <m:ctrlPr>
+                                <a:rPr lang="en-US" b="0" i="1" smtClean="0">
+                                  <a:latin typeface="Cambria Math" panose="02040503050406030204" pitchFamily="18" charset="0"/>
+                                </a:rPr>
+                              </m:ctrlPr>
+                            </m:dPr>
+                            <m:e>
+                              <m:r>
+                                <a:rPr lang="en-US" b="0" i="1" smtClean="0">
+                                  <a:latin typeface="Cambria Math" panose="02040503050406030204" pitchFamily="18" charset="0"/>
+                                </a:rPr>
+                                <m:t>𝑎𝑑𝑝</m:t>
+                              </m:r>
+                            </m:e>
+                          </m:d>
+                          <m:d>
+                            <m:dPr>
+                              <m:begChr m:val="["/>
+                              <m:endChr m:val="]"/>
+                              <m:ctrlPr>
+                                <a:rPr lang="en-US" b="0" i="1" smtClean="0">
+                                  <a:latin typeface="Cambria Math" panose="02040503050406030204" pitchFamily="18" charset="0"/>
+                                </a:rPr>
+                              </m:ctrlPr>
+                            </m:dPr>
+                            <m:e>
+                              <m:r>
+                                <a:rPr lang="en-US" b="0" i="1" smtClean="0">
+                                  <a:latin typeface="Cambria Math" panose="02040503050406030204" pitchFamily="18" charset="0"/>
+                                </a:rPr>
+                                <m:t>𝑝𝑖</m:t>
+                              </m:r>
+                            </m:e>
+                          </m:d>
+                          <m:sSup>
+                            <m:sSupPr>
+                              <m:ctrlPr>
+                                <a:rPr lang="en-US" b="0" i="1" smtClean="0">
+                                  <a:latin typeface="Cambria Math" panose="02040503050406030204" pitchFamily="18" charset="0"/>
+                                </a:rPr>
+                              </m:ctrlPr>
+                            </m:sSupPr>
+                            <m:e>
+                              <m:d>
+                                <m:dPr>
+                                  <m:begChr m:val="["/>
+                                  <m:endChr m:val="]"/>
+                                  <m:ctrlPr>
+                                    <a:rPr lang="en-US" b="0" i="1" smtClean="0">
+                                      <a:latin typeface="Cambria Math" panose="02040503050406030204" pitchFamily="18" charset="0"/>
+                                    </a:rPr>
+                                  </m:ctrlPr>
+                                </m:dPr>
+                                <m:e>
+                                  <m:sSup>
+                                    <m:sSupPr>
+                                      <m:ctrlPr>
+                                        <a:rPr lang="en-US" b="0" i="1" smtClean="0">
+                                          <a:latin typeface="Cambria Math" panose="02040503050406030204" pitchFamily="18" charset="0"/>
+                                        </a:rPr>
+                                      </m:ctrlPr>
+                                    </m:sSupPr>
+                                    <m:e>
+                                      <m:r>
+                                        <a:rPr lang="en-US" b="0" i="1" smtClean="0">
+                                          <a:latin typeface="Cambria Math" panose="02040503050406030204" pitchFamily="18" charset="0"/>
+                                        </a:rPr>
+                                        <m:t>h</m:t>
+                                      </m:r>
+                                    </m:e>
+                                    <m:sup>
+                                      <m:r>
+                                        <a:rPr lang="en-US" b="0" i="1" smtClean="0">
+                                          <a:latin typeface="Cambria Math" panose="02040503050406030204" pitchFamily="18" charset="0"/>
+                                        </a:rPr>
+                                        <m:t>+</m:t>
+                                      </m:r>
+                                    </m:sup>
+                                  </m:sSup>
+                                </m:e>
+                              </m:d>
+                            </m:e>
+                            <m:sup>
+                              <m:r>
+                                <a:rPr lang="en-US" b="0" i="1" smtClean="0">
+                                  <a:latin typeface="Cambria Math" panose="02040503050406030204" pitchFamily="18" charset="0"/>
+                                </a:rPr>
+                                <m:t>4</m:t>
+                              </m:r>
+                            </m:sup>
+                          </m:sSup>
+                          <m:r>
+                            <a:rPr lang="en-US" b="0" i="1" smtClean="0">
+                              <a:latin typeface="Cambria Math" panose="02040503050406030204" pitchFamily="18" charset="0"/>
+                            </a:rPr>
+                            <m:t>−</m:t>
+                          </m:r>
+                          <m:sSub>
+                            <m:sSubPr>
+                              <m:ctrlPr>
+                                <a:rPr lang="en-US" b="0" i="1" smtClean="0">
+                                  <a:latin typeface="Cambria Math" panose="02040503050406030204" pitchFamily="18" charset="0"/>
+                                </a:rPr>
+                              </m:ctrlPr>
+                            </m:sSubPr>
+                            <m:e>
+                              <m:r>
+                                <a:rPr lang="en-US" b="0" i="1" smtClean="0">
+                                  <a:latin typeface="Cambria Math" panose="02040503050406030204" pitchFamily="18" charset="0"/>
+                                </a:rPr>
+                                <m:t>𝑘</m:t>
+                              </m:r>
+                            </m:e>
+                            <m:sub>
+                              <m:r>
+                                <a:rPr lang="en-US" b="0" i="1" smtClean="0">
+                                  <a:latin typeface="Cambria Math" panose="02040503050406030204" pitchFamily="18" charset="0"/>
+                                </a:rPr>
+                                <m:t>2</m:t>
+                              </m:r>
+                            </m:sub>
+                          </m:sSub>
+                          <m:r>
+                            <a:rPr lang="en-US" b="0" i="1" smtClean="0">
+                              <a:latin typeface="Cambria Math" panose="02040503050406030204" pitchFamily="18" charset="0"/>
+                            </a:rPr>
+                            <m:t>[</m:t>
+                          </m:r>
+                          <m:r>
+                            <a:rPr lang="en-US" b="0" i="1" smtClean="0">
+                              <a:latin typeface="Cambria Math" panose="02040503050406030204" pitchFamily="18" charset="0"/>
+                            </a:rPr>
+                            <m:t>𝑎𝑡𝑝</m:t>
+                          </m:r>
+                          <m:r>
+                            <a:rPr lang="en-US" b="0" i="1" smtClean="0">
+                              <a:latin typeface="Cambria Math" panose="02040503050406030204" pitchFamily="18" charset="0"/>
+                            </a:rPr>
+                            <m:t>]</m:t>
+                          </m:r>
+                        </m:oMath>
+                      </m:oMathPara>
+                    </a14:m>
+                    <a:endParaRPr lang="en-US" dirty="0"/>
+                  </a:p>
+                  <a:p>
+                    <a:endParaRPr lang="en-US" dirty="0"/>
+                  </a:p>
+                  <a:p>
+                    <a:endParaRPr lang="en-US" dirty="0"/>
+                  </a:p>
+                  <a:p>
+                    <a:endParaRPr lang="en-US" dirty="0"/>
+                  </a:p>
+                  <a:p>
+                    <a:endParaRPr lang="en-US" dirty="0"/>
+                  </a:p>
+                </p:txBody>
+              </p:sp>
+            </mc:Choice>
+            <mc:Fallback xmlns="">
+              <p:sp>
+                <p:nvSpPr>
+                  <p:cNvPr id="21" name="TextBox 20">
+                    <a:extLst>
+                      <a:ext uri="{FF2B5EF4-FFF2-40B4-BE49-F238E27FC236}">
+                        <a16:creationId xmlns:a16="http://schemas.microsoft.com/office/drawing/2014/main" id="{E987E528-C4A9-8F48-BB0B-A9F99929B697}"/>
+                      </a:ext>
+                    </a:extLst>
+                  </p:cNvPr>
+                  <p:cNvSpPr txBox="1">
+                    <a:spLocks noRot="1" noChangeAspect="1" noMove="1" noResize="1" noEditPoints="1" noAdjustHandles="1" noChangeArrowheads="1" noChangeShapeType="1" noTextEdit="1"/>
+                  </p:cNvSpPr>
+                  <p:nvPr/>
+                </p:nvSpPr>
+                <p:spPr>
+                  <a:xfrm>
+                    <a:off x="5927447" y="2906876"/>
+                    <a:ext cx="3943067" cy="1646092"/>
+                  </a:xfrm>
+                  <a:prstGeom prst="rect">
+                    <a:avLst/>
+                  </a:prstGeom>
+                  <a:blipFill>
+                    <a:blip r:embed="rId10"/>
+                    <a:stretch>
+                      <a:fillRect/>
+                    </a:stretch>
+                  </a:blipFill>
+                </p:spPr>
+                <p:txBody>
+                  <a:bodyPr/>
+                  <a:lstStyle/>
+                  <a:p>
+                    <a:r>
+                      <a:rPr lang="en-US">
+                        <a:noFill/>
+                      </a:rPr>
+                      <a:t> </a:t>
+                    </a:r>
+                  </a:p>
+                </p:txBody>
+              </p:sp>
+            </mc:Fallback>
+          </mc:AlternateContent>
+          <mc:AlternateContent xmlns:mc="http://schemas.openxmlformats.org/markup-compatibility/2006" xmlns:a14="http://schemas.microsoft.com/office/drawing/2010/main">
+            <mc:Choice Requires="a14">
+              <p:sp>
+                <p:nvSpPr>
+                  <p:cNvPr id="25" name="Rectangle 24">
+                    <a:extLst>
+                      <a:ext uri="{FF2B5EF4-FFF2-40B4-BE49-F238E27FC236}">
+                        <a16:creationId xmlns:a16="http://schemas.microsoft.com/office/drawing/2014/main" id="{6301F926-44E0-274E-A11A-4BAC9F8E82E9}"/>
+                      </a:ext>
+                    </a:extLst>
+                  </p:cNvPr>
+                  <p:cNvSpPr/>
+                  <p:nvPr/>
+                </p:nvSpPr>
+                <p:spPr>
+                  <a:xfrm>
+                    <a:off x="5927447" y="4552968"/>
+                    <a:ext cx="1935465" cy="639278"/>
+                  </a:xfrm>
+                  <a:prstGeom prst="rect">
+                    <a:avLst/>
+                  </a:prstGeom>
+                </p:spPr>
+                <p:txBody>
+                  <a:bodyPr wrap="none">
+                    <a:spAutoFit/>
+                  </a:bodyPr>
+                  <a:lstStyle/>
+                  <a:p>
+                    <a:pPr/>
+                    <a14:m>
+                      <m:oMathPara xmlns:m="http://schemas.openxmlformats.org/officeDocument/2006/math">
+                        <m:oMathParaPr>
+                          <m:jc m:val="centerGroup"/>
+                        </m:oMathParaPr>
+                        <m:oMath xmlns:m="http://schemas.openxmlformats.org/officeDocument/2006/math">
+                          <m:f>
+                            <m:fPr>
+                              <m:ctrlPr>
+                                <a:rPr lang="en-US" i="1" smtClean="0">
+                                  <a:latin typeface="Cambria Math" panose="02040503050406030204" pitchFamily="18" charset="0"/>
+                                </a:rPr>
+                              </m:ctrlPr>
+                            </m:fPr>
+                            <m:num>
+                              <m:r>
+                                <a:rPr lang="en-US" i="1">
+                                  <a:latin typeface="Cambria Math" panose="02040503050406030204" pitchFamily="18" charset="0"/>
+                                </a:rPr>
+                                <m:t>𝑑</m:t>
+                              </m:r>
+                              <m:d>
+                                <m:dPr>
+                                  <m:begChr m:val="["/>
+                                  <m:endChr m:val="]"/>
+                                  <m:ctrlPr>
+                                    <a:rPr lang="en-US" i="1">
+                                      <a:latin typeface="Cambria Math" panose="02040503050406030204" pitchFamily="18" charset="0"/>
+                                    </a:rPr>
+                                  </m:ctrlPr>
+                                </m:dPr>
+                                <m:e>
+                                  <m:sSup>
+                                    <m:sSupPr>
+                                      <m:ctrlPr>
+                                        <a:rPr lang="en-US" i="1">
+                                          <a:latin typeface="Cambria Math" panose="02040503050406030204" pitchFamily="18" charset="0"/>
+                                        </a:rPr>
+                                      </m:ctrlPr>
+                                    </m:sSupPr>
+                                    <m:e>
+                                      <m:r>
+                                        <a:rPr lang="en-US" i="1">
+                                          <a:latin typeface="Cambria Math" panose="02040503050406030204" pitchFamily="18" charset="0"/>
+                                        </a:rPr>
+                                        <m:t>h</m:t>
+                                      </m:r>
+                                    </m:e>
+                                    <m:sup>
+                                      <m:r>
+                                        <a:rPr lang="en-US" i="1">
+                                          <a:latin typeface="Cambria Math" panose="02040503050406030204" pitchFamily="18" charset="0"/>
+                                        </a:rPr>
+                                        <m:t>+</m:t>
+                                      </m:r>
+                                    </m:sup>
+                                  </m:sSup>
+                                </m:e>
+                              </m:d>
+                            </m:num>
+                            <m:den>
+                              <m:r>
+                                <a:rPr lang="en-US" i="1">
+                                  <a:latin typeface="Cambria Math" panose="02040503050406030204" pitchFamily="18" charset="0"/>
+                                </a:rPr>
+                                <m:t>𝑑𝑡</m:t>
+                              </m:r>
+                            </m:den>
+                          </m:f>
+                          <m:r>
+                            <a:rPr lang="en-US" i="1">
+                              <a:latin typeface="Cambria Math" panose="02040503050406030204" pitchFamily="18" charset="0"/>
+                            </a:rPr>
+                            <m:t>=−</m:t>
+                          </m:r>
+                          <m:sSub>
+                            <m:sSubPr>
+                              <m:ctrlPr>
+                                <a:rPr lang="en-US" i="1">
+                                  <a:latin typeface="Cambria Math" panose="02040503050406030204" pitchFamily="18" charset="0"/>
+                                </a:rPr>
+                              </m:ctrlPr>
+                            </m:sSubPr>
+                            <m:e>
+                              <m:r>
+                                <a:rPr lang="en-US" i="1">
+                                  <a:latin typeface="Cambria Math" panose="02040503050406030204" pitchFamily="18" charset="0"/>
+                                </a:rPr>
+                                <m:t>𝑘</m:t>
+                              </m:r>
+                            </m:e>
+                            <m:sub>
+                              <m:r>
+                                <a:rPr lang="en-US" i="1">
+                                  <a:latin typeface="Cambria Math" panose="02040503050406030204" pitchFamily="18" charset="0"/>
+                                </a:rPr>
+                                <m:t>3</m:t>
+                              </m:r>
+                            </m:sub>
+                          </m:sSub>
+                          <m:r>
+                            <a:rPr lang="en-US" b="0" i="1" smtClean="0">
+                              <a:latin typeface="Cambria Math" panose="02040503050406030204" pitchFamily="18" charset="0"/>
+                            </a:rPr>
+                            <m:t>[</m:t>
+                          </m:r>
+                          <m:sSup>
+                            <m:sSupPr>
+                              <m:ctrlPr>
+                                <a:rPr lang="en-US" i="1">
+                                  <a:latin typeface="Cambria Math" panose="02040503050406030204" pitchFamily="18" charset="0"/>
+                                </a:rPr>
+                              </m:ctrlPr>
+                            </m:sSupPr>
+                            <m:e>
+                              <m:r>
+                                <a:rPr lang="en-US" i="1">
+                                  <a:latin typeface="Cambria Math" panose="02040503050406030204" pitchFamily="18" charset="0"/>
+                                </a:rPr>
+                                <m:t>h</m:t>
+                              </m:r>
+                            </m:e>
+                            <m:sup>
+                              <m:r>
+                                <a:rPr lang="en-US" i="1">
+                                  <a:latin typeface="Cambria Math" panose="02040503050406030204" pitchFamily="18" charset="0"/>
+                                </a:rPr>
+                                <m:t>+</m:t>
+                              </m:r>
+                            </m:sup>
+                          </m:sSup>
+                          <m:r>
+                            <a:rPr lang="en-US" b="0" i="1" smtClean="0">
+                              <a:latin typeface="Cambria Math" panose="02040503050406030204" pitchFamily="18" charset="0"/>
+                            </a:rPr>
+                            <m:t>]</m:t>
+                          </m:r>
+                        </m:oMath>
+                      </m:oMathPara>
+                    </a14:m>
+                    <a:endParaRPr lang="en-US" dirty="0"/>
+                  </a:p>
+                </p:txBody>
+              </p:sp>
+            </mc:Choice>
+            <mc:Fallback xmlns="">
+              <p:sp>
+                <p:nvSpPr>
+                  <p:cNvPr id="25" name="Rectangle 24">
+                    <a:extLst>
+                      <a:ext uri="{FF2B5EF4-FFF2-40B4-BE49-F238E27FC236}">
+                        <a16:creationId xmlns:a16="http://schemas.microsoft.com/office/drawing/2014/main" id="{6301F926-44E0-274E-A11A-4BAC9F8E82E9}"/>
+                      </a:ext>
+                    </a:extLst>
+                  </p:cNvPr>
+                  <p:cNvSpPr>
+                    <a:spLocks noRot="1" noChangeAspect="1" noMove="1" noResize="1" noEditPoints="1" noAdjustHandles="1" noChangeArrowheads="1" noChangeShapeType="1" noTextEdit="1"/>
+                  </p:cNvSpPr>
+                  <p:nvPr/>
+                </p:nvSpPr>
+                <p:spPr>
+                  <a:xfrm>
+                    <a:off x="5927447" y="4552968"/>
+                    <a:ext cx="1935465" cy="639278"/>
+                  </a:xfrm>
+                  <a:prstGeom prst="rect">
+                    <a:avLst/>
+                  </a:prstGeom>
+                  <a:blipFill>
+                    <a:blip r:embed="rId11"/>
+                    <a:stretch>
+                      <a:fillRect b="-1961"/>
+                    </a:stretch>
+                  </a:blipFill>
+                </p:spPr>
+                <p:txBody>
+                  <a:bodyPr/>
+                  <a:lstStyle/>
+                  <a:p>
+                    <a:r>
+                      <a:rPr lang="en-US">
+                        <a:noFill/>
+                      </a:rPr>
+                      <a:t> </a:t>
+                    </a:r>
+                  </a:p>
+                </p:txBody>
+              </p:sp>
+            </mc:Fallback>
+          </mc:AlternateContent>
+          <mc:AlternateContent xmlns:mc="http://schemas.openxmlformats.org/markup-compatibility/2006" xmlns:a14="http://schemas.microsoft.com/office/drawing/2010/main">
+            <mc:Choice Requires="a14">
+              <p:sp>
+                <p:nvSpPr>
+                  <p:cNvPr id="26" name="Rectangle 25">
+                    <a:extLst>
+                      <a:ext uri="{FF2B5EF4-FFF2-40B4-BE49-F238E27FC236}">
+                        <a16:creationId xmlns:a16="http://schemas.microsoft.com/office/drawing/2014/main" id="{D37EE3F9-D1C0-064B-A31A-98B9956DC33D}"/>
+                      </a:ext>
+                    </a:extLst>
+                  </p:cNvPr>
+                  <p:cNvSpPr/>
+                  <p:nvPr/>
+                </p:nvSpPr>
+                <p:spPr>
+                  <a:xfrm>
+                    <a:off x="5927447" y="5475735"/>
+                    <a:ext cx="3633944" cy="630429"/>
+                  </a:xfrm>
+                  <a:prstGeom prst="rect">
+                    <a:avLst/>
+                  </a:prstGeom>
+                </p:spPr>
+                <p:txBody>
+                  <a:bodyPr wrap="none">
+                    <a:spAutoFit/>
+                  </a:bodyPr>
+                  <a:lstStyle/>
+                  <a:p>
+                    <a:pPr/>
+                    <a14:m>
+                      <m:oMathPara xmlns:m="http://schemas.openxmlformats.org/officeDocument/2006/math">
+                        <m:oMathParaPr>
+                          <m:jc m:val="centerGroup"/>
+                        </m:oMathParaPr>
+                        <m:oMath xmlns:m="http://schemas.openxmlformats.org/officeDocument/2006/math">
+                          <m:f>
+                            <m:fPr>
+                              <m:ctrlPr>
+                                <a:rPr lang="en-US" i="1">
+                                  <a:latin typeface="Cambria Math" panose="02040503050406030204" pitchFamily="18" charset="0"/>
+                                </a:rPr>
+                              </m:ctrlPr>
+                            </m:fPr>
+                            <m:num>
+                              <m:r>
+                                <a:rPr lang="en-US" i="1">
+                                  <a:latin typeface="Cambria Math" panose="02040503050406030204" pitchFamily="18" charset="0"/>
+                                </a:rPr>
+                                <m:t>𝑑</m:t>
+                              </m:r>
+                              <m:d>
+                                <m:dPr>
+                                  <m:begChr m:val="["/>
+                                  <m:endChr m:val="]"/>
+                                  <m:ctrlPr>
+                                    <a:rPr lang="en-US" i="1">
+                                      <a:latin typeface="Cambria Math" panose="02040503050406030204" pitchFamily="18" charset="0"/>
+                                    </a:rPr>
+                                  </m:ctrlPr>
+                                </m:dPr>
+                                <m:e>
+                                  <m:r>
+                                    <a:rPr lang="en-US" i="1">
+                                      <a:latin typeface="Cambria Math" panose="02040503050406030204" pitchFamily="18" charset="0"/>
+                                    </a:rPr>
+                                    <m:t>𝑜𝑢𝑡𝑠𝑖𝑑𝑒</m:t>
+                                  </m:r>
+                                  <m:r>
+                                    <a:rPr lang="en-US" i="1">
+                                      <a:latin typeface="Cambria Math" panose="02040503050406030204" pitchFamily="18" charset="0"/>
+                                    </a:rPr>
+                                    <m:t>_</m:t>
+                                  </m:r>
+                                  <m:r>
+                                    <a:rPr lang="en-US" i="1">
+                                      <a:latin typeface="Cambria Math" panose="02040503050406030204" pitchFamily="18" charset="0"/>
+                                    </a:rPr>
+                                    <m:t>𝐻</m:t>
+                                  </m:r>
+                                </m:e>
+                              </m:d>
+                            </m:num>
+                            <m:den>
+                              <m:r>
+                                <a:rPr lang="en-US" i="1">
+                                  <a:latin typeface="Cambria Math" panose="02040503050406030204" pitchFamily="18" charset="0"/>
+                                </a:rPr>
+                                <m:t>𝑑𝑡</m:t>
+                              </m:r>
+                            </m:den>
+                          </m:f>
+                          <m:r>
+                            <a:rPr lang="en-US" i="1">
+                              <a:latin typeface="Cambria Math" panose="02040503050406030204" pitchFamily="18" charset="0"/>
+                            </a:rPr>
+                            <m:t>=</m:t>
+                          </m:r>
+                          <m:r>
+                            <a:rPr lang="en-US" i="1">
+                              <a:latin typeface="Cambria Math" panose="02040503050406030204" pitchFamily="18" charset="0"/>
+                            </a:rPr>
+                            <m:t>𝑐𝑜𝑛𝑡𝑟𝑜𝑙</m:t>
+                          </m:r>
+                          <m:r>
+                            <a:rPr lang="en-US" i="1">
+                              <a:latin typeface="Cambria Math" panose="02040503050406030204" pitchFamily="18" charset="0"/>
+                            </a:rPr>
+                            <m:t> </m:t>
+                          </m:r>
+                          <m:r>
+                            <a:rPr lang="en-US" i="1">
+                              <a:latin typeface="Cambria Math" panose="02040503050406030204" pitchFamily="18" charset="0"/>
+                            </a:rPr>
+                            <m:t>𝑓𝑢𝑛𝑐𝑡𝑖𝑜𝑛</m:t>
+                          </m:r>
+                        </m:oMath>
+                      </m:oMathPara>
+                    </a14:m>
+                    <a:endParaRPr lang="en-US" dirty="0">
+                      <a:latin typeface="Avenir Book" panose="02000503020000020003" pitchFamily="2" charset="0"/>
+                    </a:endParaRPr>
+                  </a:p>
+                </p:txBody>
+              </p:sp>
+            </mc:Choice>
+            <mc:Fallback xmlns="">
+              <p:sp>
+                <p:nvSpPr>
+                  <p:cNvPr id="26" name="Rectangle 25">
+                    <a:extLst>
+                      <a:ext uri="{FF2B5EF4-FFF2-40B4-BE49-F238E27FC236}">
+                        <a16:creationId xmlns:a16="http://schemas.microsoft.com/office/drawing/2014/main" id="{D37EE3F9-D1C0-064B-A31A-98B9956DC33D}"/>
+                      </a:ext>
+                    </a:extLst>
+                  </p:cNvPr>
+                  <p:cNvSpPr>
+                    <a:spLocks noRot="1" noChangeAspect="1" noMove="1" noResize="1" noEditPoints="1" noAdjustHandles="1" noChangeArrowheads="1" noChangeShapeType="1" noTextEdit="1"/>
+                  </p:cNvSpPr>
+                  <p:nvPr/>
+                </p:nvSpPr>
+                <p:spPr>
+                  <a:xfrm>
+                    <a:off x="5927447" y="5475735"/>
+                    <a:ext cx="3633944" cy="630429"/>
+                  </a:xfrm>
+                  <a:prstGeom prst="rect">
+                    <a:avLst/>
+                  </a:prstGeom>
+                  <a:blipFill>
+                    <a:blip r:embed="rId12"/>
+                    <a:stretch>
+                      <a:fillRect b="-3922"/>
+                    </a:stretch>
+                  </a:blipFill>
+                </p:spPr>
+                <p:txBody>
+                  <a:bodyPr/>
+                  <a:lstStyle/>
+                  <a:p>
+                    <a:r>
+                      <a:rPr lang="en-US">
+                        <a:noFill/>
+                      </a:rPr>
+                      <a:t> </a:t>
+                    </a:r>
+                  </a:p>
+                </p:txBody>
+              </p:sp>
+            </mc:Fallback>
+          </mc:AlternateContent>
+        </p:grpSp>
+      </p:grpSp>
+      <p:pic>
+        <p:nvPicPr>
+          <p:cNvPr id="28" name="Picture 27" descr="A picture containing drawing&#10;&#10;Description automatically generated">
+            <a:extLst>
+              <a:ext uri="{FF2B5EF4-FFF2-40B4-BE49-F238E27FC236}">
+                <a16:creationId xmlns:a16="http://schemas.microsoft.com/office/drawing/2014/main" id="{BE42BE39-9F36-A14D-AB30-DD18CB0330A9}"/>
+              </a:ext>
+            </a:extLst>
+          </p:cNvPr>
+          <p:cNvPicPr>
+            <a:picLocks noChangeAspect="1"/>
+          </p:cNvPicPr>
+          <p:nvPr/>
+        </p:nvPicPr>
+        <p:blipFill>
+          <a:blip r:embed="rId13"/>
+          <a:stretch>
+            <a:fillRect/>
+          </a:stretch>
+        </p:blipFill>
+        <p:spPr>
+          <a:xfrm>
+            <a:off x="11117119" y="6514803"/>
+            <a:ext cx="1074881" cy="343197"/>
+          </a:xfrm>
+          <a:prstGeom prst="rect">
+            <a:avLst/>
+          </a:prstGeom>
+        </p:spPr>
+      </p:pic>
+      <p:cxnSp>
+        <p:nvCxnSpPr>
+          <p:cNvPr id="17" name="Straight Arrow Connector 16">
+            <a:extLst>
+              <a:ext uri="{FF2B5EF4-FFF2-40B4-BE49-F238E27FC236}">
+                <a16:creationId xmlns:a16="http://schemas.microsoft.com/office/drawing/2014/main" id="{6AF6A3D2-9A8C-DD4C-B5F3-14075D40A85D}"/>
+              </a:ext>
+            </a:extLst>
+          </p:cNvPr>
+          <p:cNvCxnSpPr/>
+          <p:nvPr/>
+        </p:nvCxnSpPr>
+        <p:spPr>
+          <a:xfrm>
+            <a:off x="3330545" y="4154838"/>
+            <a:ext cx="582577" cy="1027827"/>
+          </a:xfrm>
+          <a:prstGeom prst="straightConnector1">
+            <a:avLst/>
+          </a:prstGeom>
+          <a:ln w="76200">
+            <a:solidFill>
+              <a:srgbClr val="FF0000"/>
+            </a:solidFill>
+            <a:prstDash val="sysDot"/>
+            <a:tailEnd type="triangle"/>
+          </a:ln>
+        </p:spPr>
+        <p:style>
+          <a:lnRef idx="1">
+            <a:schemeClr val="accent1"/>
+          </a:lnRef>
+          <a:fillRef idx="0">
+            <a:schemeClr val="accent1"/>
+          </a:fillRef>
+          <a:effectRef idx="0">
+            <a:schemeClr val="accent1"/>
+          </a:effectRef>
+          <a:fontRef idx="minor">
+            <a:schemeClr val="tx1"/>
+          </a:fontRef>
+        </p:style>
+      </p:cxnSp>
+      <p:sp>
+        <p:nvSpPr>
+          <p:cNvPr id="29" name="TextBox 28">
+            <a:extLst>
+              <a:ext uri="{FF2B5EF4-FFF2-40B4-BE49-F238E27FC236}">
+                <a16:creationId xmlns:a16="http://schemas.microsoft.com/office/drawing/2014/main" id="{BB45E7F8-C8BF-3C42-98E0-010A8CBDC1B6}"/>
+              </a:ext>
+            </a:extLst>
+          </p:cNvPr>
+          <p:cNvSpPr txBox="1"/>
+          <p:nvPr/>
+        </p:nvSpPr>
+        <p:spPr>
+          <a:xfrm>
+            <a:off x="3056279" y="3873631"/>
+            <a:ext cx="548532" cy="346307"/>
+          </a:xfrm>
+          <a:prstGeom prst="rect">
+            <a:avLst/>
+          </a:prstGeom>
+          <a:noFill/>
+        </p:spPr>
+        <p:txBody>
+          <a:bodyPr wrap="square" rtlCol="0">
+            <a:spAutoFit/>
+          </a:bodyPr>
+          <a:lstStyle/>
+          <a:p>
+            <a:r>
+              <a:rPr lang="en-US" sz="1600" dirty="0">
+                <a:latin typeface="Avenir Book" panose="02000503020000020003" pitchFamily="2" charset="0"/>
+              </a:rPr>
+              <a:t>H</a:t>
+            </a:r>
+            <a:r>
+              <a:rPr lang="en-US" sz="1600" baseline="30000" dirty="0">
+                <a:latin typeface="Avenir Book" panose="02000503020000020003" pitchFamily="2" charset="0"/>
+              </a:rPr>
+              <a:t>+</a:t>
+            </a:r>
+            <a:endParaRPr lang="en-US" sz="1600" dirty="0">
+              <a:latin typeface="Avenir Book" panose="02000503020000020003" pitchFamily="2" charset="0"/>
+            </a:endParaRPr>
+          </a:p>
+        </p:txBody>
+      </p:sp>
+    </p:spTree>
+    <p:extLst>
+      <p:ext uri="{BB962C8B-B14F-4D97-AF65-F5344CB8AC3E}">
+        <p14:creationId xmlns:p14="http://schemas.microsoft.com/office/powerpoint/2010/main" val="395189449"/>
+      </p:ext>
+    </p:extLst>
+  </p:cSld>
+  <p:clrMapOvr>
+    <a:masterClrMapping/>
+  </p:clrMapOvr>
+  <p:timing>
+    <p:tnLst>
+      <p:par>
+        <p:cTn id="1" dur="indefinite" restart="never" nodeType="tmRoot">
+          <p:childTnLst>
+            <p:seq concurrent="1" nextAc="seek">
+              <p:cTn id="2" dur="indefinite" nodeType="mainSeq">
+                <p:childTnLst>
+                  <p:par>
+                    <p:cTn id="3" fill="hold">
+                      <p:stCondLst>
+                        <p:cond delay="indefinite"/>
+                      </p:stCondLst>
+                      <p:childTnLst>
+                        <p:par>
+                          <p:cTn id="4" fill="hold">
+                            <p:stCondLst>
+                              <p:cond delay="0"/>
+                            </p:stCondLst>
+                            <p:childTnLst>
+                              <p:par>
+                                <p:cTn id="5" presetID="1" presetClass="entr" presetSubtype="0" fill="hold" nodeType="clickEffect">
+                                  <p:stCondLst>
+                                    <p:cond delay="0"/>
+                                  </p:stCondLst>
+                                  <p:childTnLst>
+                                    <p:set>
+                                      <p:cBhvr>
+                                        <p:cTn id="6" dur="1" fill="hold">
+                                          <p:stCondLst>
+                                            <p:cond delay="0"/>
+                                          </p:stCondLst>
+                                        </p:cTn>
+                                        <p:tgtEl>
+                                          <p:spTgt spid="3"/>
+                                        </p:tgtEl>
+                                        <p:attrNameLst>
+                                          <p:attrName>style.visibility</p:attrName>
+                                        </p:attrNameLst>
+                                      </p:cBhvr>
+                                      <p:to>
+                                        <p:strVal val="visible"/>
+                                      </p:to>
+                                    </p:set>
+                                  </p:childTnLst>
+                                </p:cTn>
+                              </p:par>
+                            </p:childTnLst>
+                          </p:cTn>
+                        </p:par>
+                      </p:childTnLst>
+                    </p:cTn>
+                  </p:par>
+                </p:childTnLst>
+              </p:cTn>
+              <p:prevCondLst>
+                <p:cond evt="onPrev" delay="0">
+                  <p:tgtEl>
+                    <p:sldTgt/>
+                  </p:tgtEl>
+                </p:cond>
+              </p:prevCondLst>
+              <p:nextCondLst>
+                <p:cond evt="onNext" delay="0">
+                  <p:tgtEl>
+                    <p:sldTgt/>
+                  </p:tgtEl>
+                </p:cond>
+              </p:nextCondLst>
+            </p:seq>
+          </p:childTnLst>
+        </p:cTn>
+      </p:par>
+    </p:tnLst>
+  </p:timing>
+</p:sld>
+</file>
+
+<file path=ppt/slides/slide14.xml><?xml version="1.0" encoding="utf-8"?>
 <p:sld xmlns:a="http://schemas.openxmlformats.org/drawingml/2006/main" xmlns:r="http://schemas.openxmlformats.org/officeDocument/2006/relationships" xmlns:p="http://schemas.openxmlformats.org/presentationml/2006/main">
   <p:cSld>
     <p:spTree>
@@ -13798,7 +18999,7 @@
             </a:solidFill>
             <a:ln w="19050">
               <a:solidFill>
-                <a:srgbClr val="FF0000"/>
+                <a:srgbClr val="7030A0"/>
               </a:solidFill>
             </a:ln>
           </p:spPr>
@@ -13823,7 +19024,11 @@
             <a:lstStyle/>
             <a:p>
               <a:pPr algn="ctr"/>
-              <a:endParaRPr lang="en-US"/>
+              <a:endParaRPr lang="en-US">
+                <a:solidFill>
+                  <a:srgbClr val="7030A0"/>
+                </a:solidFill>
+              </a:endParaRPr>
             </a:p>
           </p:txBody>
         </p:sp>
@@ -15167,6 +20372,43 @@
           </a:prstGeom>
         </p:spPr>
       </p:pic>
+      <p:sp>
+        <p:nvSpPr>
+          <p:cNvPr id="22" name="TextBox 21">
+            <a:extLst>
+              <a:ext uri="{FF2B5EF4-FFF2-40B4-BE49-F238E27FC236}">
+                <a16:creationId xmlns:a16="http://schemas.microsoft.com/office/drawing/2014/main" id="{E269E014-DC99-AE44-988B-3926BFBBC106}"/>
+              </a:ext>
+            </a:extLst>
+          </p:cNvPr>
+          <p:cNvSpPr txBox="1"/>
+          <p:nvPr/>
+        </p:nvSpPr>
+        <p:spPr>
+          <a:xfrm>
+            <a:off x="1051054" y="1220183"/>
+            <a:ext cx="2223730" cy="369332"/>
+          </a:xfrm>
+          <a:prstGeom prst="rect">
+            <a:avLst/>
+          </a:prstGeom>
+          <a:noFill/>
+        </p:spPr>
+        <p:txBody>
+          <a:bodyPr wrap="square" rtlCol="0">
+            <a:spAutoFit/>
+          </a:bodyPr>
+          <a:lstStyle/>
+          <a:p>
+            <a:r>
+              <a:rPr lang="en-US" dirty="0">
+                <a:latin typeface="Times" pitchFamily="2" charset="0"/>
+              </a:rPr>
+              <a:t>If pH outside &gt; 8:</a:t>
+            </a:r>
+          </a:p>
+        </p:txBody>
+      </p:sp>
     </p:spTree>
     <p:extLst>
       <p:ext uri="{BB962C8B-B14F-4D97-AF65-F5344CB8AC3E}">
@@ -15255,7 +20497,7 @@
 </p:sld>
 </file>
 
-<file path=ppt/slides/slide14.xml><?xml version="1.0" encoding="utf-8"?>
+<file path=ppt/slides/slide15.xml><?xml version="1.0" encoding="utf-8"?>
 <p:sld xmlns:a="http://schemas.openxmlformats.org/drawingml/2006/main" xmlns:r="http://schemas.openxmlformats.org/officeDocument/2006/relationships" xmlns:p="http://schemas.openxmlformats.org/presentationml/2006/main">
   <p:cSld>
     <p:spTree>
@@ -15616,7 +20858,7 @@
 </p:sld>
 </file>
 
-<file path=ppt/slides/slide15.xml><?xml version="1.0" encoding="utf-8"?>
+<file path=ppt/slides/slide16.xml><?xml version="1.0" encoding="utf-8"?>
 <p:sld xmlns:a="http://schemas.openxmlformats.org/drawingml/2006/main" xmlns:r="http://schemas.openxmlformats.org/officeDocument/2006/relationships" xmlns:p="http://schemas.openxmlformats.org/presentationml/2006/main">
   <p:cSld>
     <p:spTree>
@@ -15786,7 +21028,7 @@
 </p:sld>
 </file>
 
-<file path=ppt/slides/slide16.xml><?xml version="1.0" encoding="utf-8"?>
+<file path=ppt/slides/slide17.xml><?xml version="1.0" encoding="utf-8"?>
 <p:sld xmlns:a="http://schemas.openxmlformats.org/drawingml/2006/main" xmlns:r="http://schemas.openxmlformats.org/officeDocument/2006/relationships" xmlns:p="http://schemas.openxmlformats.org/presentationml/2006/main">
   <p:cSld>
     <p:spTree>
@@ -19357,8 +24599,8 @@
             </a:prstGeom>
           </p:spPr>
         </p:pic>
-        <mc:AlternateContent xmlns:mc="http://schemas.openxmlformats.org/markup-compatibility/2006">
-          <mc:Choice xmlns:a14="http://schemas.microsoft.com/office/drawing/2010/main" Requires="a14">
+        <mc:AlternateContent xmlns:mc="http://schemas.openxmlformats.org/markup-compatibility/2006" xmlns:a14="http://schemas.microsoft.com/office/drawing/2010/main">
+          <mc:Choice Requires="a14">
             <p:sp>
               <p:nvSpPr>
                 <p:cNvPr id="10" name="TextBox 9">
@@ -19495,7 +24737,7 @@
               </p:txBody>
             </p:sp>
           </mc:Choice>
-          <mc:Fallback>
+          <mc:Fallback xmlns="">
             <p:sp>
               <p:nvSpPr>
                 <p:cNvPr id="10" name="TextBox 9">
@@ -19540,8 +24782,8 @@
             </p:sp>
           </mc:Fallback>
         </mc:AlternateContent>
-        <mc:AlternateContent xmlns:mc="http://schemas.openxmlformats.org/markup-compatibility/2006">
-          <mc:Choice xmlns:a14="http://schemas.microsoft.com/office/drawing/2010/main" Requires="a14">
+        <mc:AlternateContent xmlns:mc="http://schemas.openxmlformats.org/markup-compatibility/2006" xmlns:a14="http://schemas.microsoft.com/office/drawing/2010/main">
+          <mc:Choice Requires="a14">
             <p:sp>
               <p:nvSpPr>
                 <p:cNvPr id="11" name="TextBox 10">
@@ -19678,7 +24920,7 @@
               </p:txBody>
             </p:sp>
           </mc:Choice>
-          <mc:Fallback>
+          <mc:Fallback xmlns="">
             <p:sp>
               <p:nvSpPr>
                 <p:cNvPr id="11" name="TextBox 10">
@@ -19723,8 +24965,8 @@
             </p:sp>
           </mc:Fallback>
         </mc:AlternateContent>
-        <mc:AlternateContent xmlns:mc="http://schemas.openxmlformats.org/markup-compatibility/2006">
-          <mc:Choice xmlns:a14="http://schemas.microsoft.com/office/drawing/2010/main" Requires="a14">
+        <mc:AlternateContent xmlns:mc="http://schemas.openxmlformats.org/markup-compatibility/2006" xmlns:a14="http://schemas.microsoft.com/office/drawing/2010/main">
+          <mc:Choice Requires="a14">
             <p:sp>
               <p:nvSpPr>
                 <p:cNvPr id="12" name="TextBox 11">
@@ -19836,7 +25078,7 @@
               </p:txBody>
             </p:sp>
           </mc:Choice>
-          <mc:Fallback>
+          <mc:Fallback xmlns="">
             <p:sp>
               <p:nvSpPr>
                 <p:cNvPr id="12" name="TextBox 11">
@@ -19881,8 +25123,8 @@
             </p:sp>
           </mc:Fallback>
         </mc:AlternateContent>
-        <mc:AlternateContent xmlns:mc="http://schemas.openxmlformats.org/markup-compatibility/2006">
-          <mc:Choice xmlns:a14="http://schemas.microsoft.com/office/drawing/2010/main" Requires="a14">
+        <mc:AlternateContent xmlns:mc="http://schemas.openxmlformats.org/markup-compatibility/2006" xmlns:a14="http://schemas.microsoft.com/office/drawing/2010/main">
+          <mc:Choice Requires="a14">
             <p:sp>
               <p:nvSpPr>
                 <p:cNvPr id="13" name="TextBox 12">
@@ -19985,7 +25227,7 @@
               </p:txBody>
             </p:sp>
           </mc:Choice>
-          <mc:Fallback>
+          <mc:Fallback xmlns="">
             <p:sp>
               <p:nvSpPr>
                 <p:cNvPr id="13" name="TextBox 12">
@@ -20030,8 +25272,8 @@
             </p:sp>
           </mc:Fallback>
         </mc:AlternateContent>
-        <mc:AlternateContent xmlns:mc="http://schemas.openxmlformats.org/markup-compatibility/2006">
-          <mc:Choice xmlns:a14="http://schemas.microsoft.com/office/drawing/2010/main" Requires="a14">
+        <mc:AlternateContent xmlns:mc="http://schemas.openxmlformats.org/markup-compatibility/2006" xmlns:a14="http://schemas.microsoft.com/office/drawing/2010/main">
+          <mc:Choice Requires="a14">
             <p:sp>
               <p:nvSpPr>
                 <p:cNvPr id="14" name="TextBox 13">
@@ -20106,7 +25348,7 @@
               </p:txBody>
             </p:sp>
           </mc:Choice>
-          <mc:Fallback>
+          <mc:Fallback xmlns="">
             <p:sp>
               <p:nvSpPr>
                 <p:cNvPr id="14" name="TextBox 13">
@@ -20151,8 +25393,8 @@
             </p:sp>
           </mc:Fallback>
         </mc:AlternateContent>
-        <mc:AlternateContent xmlns:mc="http://schemas.openxmlformats.org/markup-compatibility/2006">
-          <mc:Choice xmlns:a14="http://schemas.microsoft.com/office/drawing/2010/main" Requires="a14">
+        <mc:AlternateContent xmlns:mc="http://schemas.openxmlformats.org/markup-compatibility/2006" xmlns:a14="http://schemas.microsoft.com/office/drawing/2010/main">
+          <mc:Choice Requires="a14">
             <p:sp>
               <p:nvSpPr>
                 <p:cNvPr id="15" name="TextBox 14">
@@ -20227,7 +25469,7 @@
               </p:txBody>
             </p:sp>
           </mc:Choice>
-          <mc:Fallback>
+          <mc:Fallback xmlns="">
             <p:sp>
               <p:nvSpPr>
                 <p:cNvPr id="15" name="TextBox 14">
